--- a/Lectures/lec3-sql-basics.pptx
+++ b/Lectures/lec3-sql-basics.pptx
@@ -5,7 +5,7 @@
     <p:sldMasterId id="2147483660" r:id="rId1"/>
   </p:sldMasterIdLst>
   <p:notesMasterIdLst>
-    <p:notesMasterId r:id="rId36"/>
+    <p:notesMasterId r:id="rId34"/>
   </p:notesMasterIdLst>
   <p:sldIdLst>
     <p:sldId id="256" r:id="rId2"/>
@@ -22,26 +22,24 @@
     <p:sldId id="387" r:id="rId13"/>
     <p:sldId id="388" r:id="rId14"/>
     <p:sldId id="391" r:id="rId15"/>
-    <p:sldId id="396" r:id="rId16"/>
-    <p:sldId id="392" r:id="rId17"/>
-    <p:sldId id="406" r:id="rId18"/>
-    <p:sldId id="380" r:id="rId19"/>
-    <p:sldId id="382" r:id="rId20"/>
-    <p:sldId id="407" r:id="rId21"/>
-    <p:sldId id="393" r:id="rId22"/>
-    <p:sldId id="394" r:id="rId23"/>
-    <p:sldId id="390" r:id="rId24"/>
-    <p:sldId id="397" r:id="rId25"/>
-    <p:sldId id="398" r:id="rId26"/>
-    <p:sldId id="399" r:id="rId27"/>
-    <p:sldId id="408" r:id="rId28"/>
-    <p:sldId id="400" r:id="rId29"/>
-    <p:sldId id="411" r:id="rId30"/>
-    <p:sldId id="409" r:id="rId31"/>
-    <p:sldId id="401" r:id="rId32"/>
-    <p:sldId id="410" r:id="rId33"/>
-    <p:sldId id="412" r:id="rId34"/>
-    <p:sldId id="328" r:id="rId35"/>
+    <p:sldId id="392" r:id="rId16"/>
+    <p:sldId id="406" r:id="rId17"/>
+    <p:sldId id="380" r:id="rId18"/>
+    <p:sldId id="382" r:id="rId19"/>
+    <p:sldId id="407" r:id="rId20"/>
+    <p:sldId id="393" r:id="rId21"/>
+    <p:sldId id="390" r:id="rId22"/>
+    <p:sldId id="397" r:id="rId23"/>
+    <p:sldId id="398" r:id="rId24"/>
+    <p:sldId id="399" r:id="rId25"/>
+    <p:sldId id="408" r:id="rId26"/>
+    <p:sldId id="400" r:id="rId27"/>
+    <p:sldId id="411" r:id="rId28"/>
+    <p:sldId id="409" r:id="rId29"/>
+    <p:sldId id="401" r:id="rId30"/>
+    <p:sldId id="410" r:id="rId31"/>
+    <p:sldId id="412" r:id="rId32"/>
+    <p:sldId id="328" r:id="rId33"/>
   </p:sldIdLst>
   <p:sldSz cx="9144000" cy="6858000" type="screen4x3"/>
   <p:notesSz cx="6858000" cy="9144000"/>
@@ -618,7 +616,7 @@
             <a:fld id="{192E86E1-9278-48F6-96C9-0626624145BD}" type="slidenum">
               <a:rPr lang="en-US"/>
               <a:pPr/>
-              <a:t>21</a:t>
+              <a:t>20</a:t>
             </a:fld>
             <a:endParaRPr lang="en-US"/>
           </a:p>
@@ -689,49 +687,21 @@
       </p:grpSpPr>
       <p:sp>
         <p:nvSpPr>
-          <p:cNvPr id="7" name="Rectangle 7"/>
+          <p:cNvPr id="2" name="Slide Image Placeholder 1"/>
           <p:cNvSpPr>
-            <a:spLocks noGrp="1" noChangeArrowheads="1"/>
-          </p:cNvSpPr>
-          <p:nvPr>
-            <p:ph type="sldNum" sz="quarter" idx="5"/>
-          </p:nvPr>
-        </p:nvSpPr>
-        <p:spPr>
-          <a:ln/>
-        </p:spPr>
-        <p:txBody>
-          <a:bodyPr/>
-          <a:lstStyle/>
-          <a:p>
-            <a:fld id="{192E86E1-9278-48F6-96C9-0626624145BD}" type="slidenum">
-              <a:rPr lang="en-US"/>
-              <a:pPr/>
-              <a:t>22</a:t>
-            </a:fld>
-            <a:endParaRPr lang="en-US"/>
-          </a:p>
-        </p:txBody>
-      </p:sp>
-      <p:sp>
-        <p:nvSpPr>
-          <p:cNvPr id="278530" name="Rectangle 2"/>
-          <p:cNvSpPr>
-            <a:spLocks noGrp="1" noRot="1" noChangeAspect="1" noChangeArrowheads="1" noTextEdit="1"/>
+            <a:spLocks noGrp="1" noRot="1" noChangeAspect="1"/>
           </p:cNvSpPr>
           <p:nvPr>
             <p:ph type="sldImg"/>
           </p:nvPr>
         </p:nvSpPr>
-        <p:spPr>
-          <a:ln/>
-        </p:spPr>
+        <p:spPr/>
       </p:sp>
       <p:sp>
         <p:nvSpPr>
-          <p:cNvPr id="278531" name="Rectangle 3"/>
+          <p:cNvPr id="3" name="Notes Placeholder 2"/>
           <p:cNvSpPr>
-            <a:spLocks noGrp="1" noChangeArrowheads="1"/>
+            <a:spLocks noGrp="1"/>
           </p:cNvSpPr>
           <p:nvPr>
             <p:ph type="body" idx="1"/>
@@ -746,10 +716,33 @@
           </a:p>
         </p:txBody>
       </p:sp>
+      <p:sp>
+        <p:nvSpPr>
+          <p:cNvPr id="4" name="Slide Number Placeholder 3"/>
+          <p:cNvSpPr>
+            <a:spLocks noGrp="1"/>
+          </p:cNvSpPr>
+          <p:nvPr>
+            <p:ph type="sldNum" sz="quarter" idx="10"/>
+          </p:nvPr>
+        </p:nvSpPr>
+        <p:spPr/>
+        <p:txBody>
+          <a:bodyPr/>
+          <a:lstStyle/>
+          <a:p>
+            <a:fld id="{F8217A12-A6ED-4C4A-8400-036634305785}" type="slidenum">
+              <a:rPr lang="en-US" smtClean="0"/>
+              <a:t>21</a:t>
+            </a:fld>
+            <a:endParaRPr lang="en-US"/>
+          </a:p>
+        </p:txBody>
+      </p:sp>
     </p:spTree>
     <p:extLst>
       <p:ext uri="{BB962C8B-B14F-4D97-AF65-F5344CB8AC3E}">
-        <p14:creationId xmlns:p14="http://schemas.microsoft.com/office/powerpoint/2010/main" val="1337492976"/>
+        <p14:creationId xmlns:p14="http://schemas.microsoft.com/office/powerpoint/2010/main" val="1396621144"/>
       </p:ext>
     </p:extLst>
   </p:cSld>
@@ -800,7 +793,9 @@
         </p:nvSpPr>
         <p:spPr/>
         <p:txBody>
-          <a:bodyPr/>
+          <a:bodyPr>
+            <a:normAutofit/>
+          </a:bodyPr>
           <a:lstStyle/>
           <a:p>
             <a:endParaRPr lang="en-US"/>
@@ -822,9 +817,10 @@
           <a:bodyPr/>
           <a:lstStyle/>
           <a:p>
-            <a:fld id="{F8217A12-A6ED-4C4A-8400-036634305785}" type="slidenum">
+            <a:fld id="{26EC2510-E658-4176-9BC5-3335DBD0E44C}" type="slidenum">
               <a:rPr lang="en-US" smtClean="0"/>
-              <a:t>23</a:t>
+              <a:pPr/>
+              <a:t>22</a:t>
             </a:fld>
             <a:endParaRPr lang="en-US"/>
           </a:p>
@@ -833,7 +829,7 @@
     </p:spTree>
     <p:extLst>
       <p:ext uri="{BB962C8B-B14F-4D97-AF65-F5344CB8AC3E}">
-        <p14:creationId xmlns:p14="http://schemas.microsoft.com/office/powerpoint/2010/main" val="1396621144"/>
+        <p14:creationId xmlns:p14="http://schemas.microsoft.com/office/powerpoint/2010/main" val="1066259769"/>
       </p:ext>
     </p:extLst>
   </p:cSld>
@@ -911,7 +907,7 @@
             <a:fld id="{26EC2510-E658-4176-9BC5-3335DBD0E44C}" type="slidenum">
               <a:rPr lang="en-US" smtClean="0"/>
               <a:pPr/>
-              <a:t>24</a:t>
+              <a:t>23</a:t>
             </a:fld>
             <a:endParaRPr lang="en-US"/>
           </a:p>
@@ -920,7 +916,7 @@
     </p:spTree>
     <p:extLst>
       <p:ext uri="{BB962C8B-B14F-4D97-AF65-F5344CB8AC3E}">
-        <p14:creationId xmlns:p14="http://schemas.microsoft.com/office/powerpoint/2010/main" val="1066259769"/>
+        <p14:creationId xmlns:p14="http://schemas.microsoft.com/office/powerpoint/2010/main" val="213009774"/>
       </p:ext>
     </p:extLst>
   </p:cSld>
@@ -1007,7 +1003,7 @@
     </p:spTree>
     <p:extLst>
       <p:ext uri="{BB962C8B-B14F-4D97-AF65-F5344CB8AC3E}">
-        <p14:creationId xmlns:p14="http://schemas.microsoft.com/office/powerpoint/2010/main" val="213009774"/>
+        <p14:creationId xmlns:p14="http://schemas.microsoft.com/office/powerpoint/2010/main" val="300193680"/>
       </p:ext>
     </p:extLst>
   </p:cSld>
@@ -1085,7 +1081,7 @@
             <a:fld id="{26EC2510-E658-4176-9BC5-3335DBD0E44C}" type="slidenum">
               <a:rPr lang="en-US" smtClean="0"/>
               <a:pPr/>
-              <a:t>27</a:t>
+              <a:t>26</a:t>
             </a:fld>
             <a:endParaRPr lang="en-US"/>
           </a:p>
@@ -1094,7 +1090,7 @@
     </p:spTree>
     <p:extLst>
       <p:ext uri="{BB962C8B-B14F-4D97-AF65-F5344CB8AC3E}">
-        <p14:creationId xmlns:p14="http://schemas.microsoft.com/office/powerpoint/2010/main" val="300193680"/>
+        <p14:creationId xmlns:p14="http://schemas.microsoft.com/office/powerpoint/2010/main" val="719162691"/>
       </p:ext>
     </p:extLst>
   </p:cSld>
@@ -1181,7 +1177,7 @@
     </p:spTree>
     <p:extLst>
       <p:ext uri="{BB962C8B-B14F-4D97-AF65-F5344CB8AC3E}">
-        <p14:creationId xmlns:p14="http://schemas.microsoft.com/office/powerpoint/2010/main" val="719162691"/>
+        <p14:creationId xmlns:p14="http://schemas.microsoft.com/office/powerpoint/2010/main" val="1624363219"/>
       </p:ext>
     </p:extLst>
   </p:cSld>
@@ -1260,93 +1256,6 @@
               <a:rPr lang="en-US" smtClean="0"/>
               <a:pPr/>
               <a:t>30</a:t>
-            </a:fld>
-            <a:endParaRPr lang="en-US"/>
-          </a:p>
-        </p:txBody>
-      </p:sp>
-    </p:spTree>
-    <p:extLst>
-      <p:ext uri="{BB962C8B-B14F-4D97-AF65-F5344CB8AC3E}">
-        <p14:creationId xmlns:p14="http://schemas.microsoft.com/office/powerpoint/2010/main" val="1624363219"/>
-      </p:ext>
-    </p:extLst>
-  </p:cSld>
-  <p:clrMapOvr>
-    <a:masterClrMapping/>
-  </p:clrMapOvr>
-</p:notes>
-</file>
-
-<file path=ppt/notesSlides/notesSlide18.xml><?xml version="1.0" encoding="utf-8"?>
-<p:notes xmlns:a="http://schemas.openxmlformats.org/drawingml/2006/main" xmlns:r="http://schemas.openxmlformats.org/officeDocument/2006/relationships" xmlns:p="http://schemas.openxmlformats.org/presentationml/2006/main">
-  <p:cSld>
-    <p:spTree>
-      <p:nvGrpSpPr>
-        <p:cNvPr id="1" name=""/>
-        <p:cNvGrpSpPr/>
-        <p:nvPr/>
-      </p:nvGrpSpPr>
-      <p:grpSpPr>
-        <a:xfrm>
-          <a:off x="0" y="0"/>
-          <a:ext cx="0" cy="0"/>
-          <a:chOff x="0" y="0"/>
-          <a:chExt cx="0" cy="0"/>
-        </a:xfrm>
-      </p:grpSpPr>
-      <p:sp>
-        <p:nvSpPr>
-          <p:cNvPr id="2" name="Slide Image Placeholder 1"/>
-          <p:cNvSpPr>
-            <a:spLocks noGrp="1" noRot="1" noChangeAspect="1"/>
-          </p:cNvSpPr>
-          <p:nvPr>
-            <p:ph type="sldImg"/>
-          </p:nvPr>
-        </p:nvSpPr>
-        <p:spPr/>
-      </p:sp>
-      <p:sp>
-        <p:nvSpPr>
-          <p:cNvPr id="3" name="Notes Placeholder 2"/>
-          <p:cNvSpPr>
-            <a:spLocks noGrp="1"/>
-          </p:cNvSpPr>
-          <p:nvPr>
-            <p:ph type="body" idx="1"/>
-          </p:nvPr>
-        </p:nvSpPr>
-        <p:spPr/>
-        <p:txBody>
-          <a:bodyPr>
-            <a:normAutofit/>
-          </a:bodyPr>
-          <a:lstStyle/>
-          <a:p>
-            <a:endParaRPr lang="en-US"/>
-          </a:p>
-        </p:txBody>
-      </p:sp>
-      <p:sp>
-        <p:nvSpPr>
-          <p:cNvPr id="4" name="Slide Number Placeholder 3"/>
-          <p:cNvSpPr>
-            <a:spLocks noGrp="1"/>
-          </p:cNvSpPr>
-          <p:nvPr>
-            <p:ph type="sldNum" sz="quarter" idx="10"/>
-          </p:nvPr>
-        </p:nvSpPr>
-        <p:spPr/>
-        <p:txBody>
-          <a:bodyPr/>
-          <a:lstStyle/>
-          <a:p>
-            <a:fld id="{26EC2510-E658-4176-9BC5-3335DBD0E44C}" type="slidenum">
-              <a:rPr lang="en-US" smtClean="0"/>
-              <a:pPr/>
-              <a:t>32</a:t>
             </a:fld>
             <a:endParaRPr lang="en-US"/>
           </a:p>
@@ -1842,7 +1751,7 @@
             <a:fld id="{619CCDD6-DCF9-4647-ACD1-A06B9FB769C1}" type="slidenum">
               <a:rPr lang="en-US"/>
               <a:pPr/>
-              <a:t>16</a:t>
+              <a:t>15</a:t>
             </a:fld>
             <a:endParaRPr lang="en-US"/>
           </a:p>
@@ -1968,7 +1877,7 @@
             <a:fld id="{81E112EF-3329-4F57-9F4E-387E1D834E2A}" type="slidenum">
               <a:rPr lang="en-US" smtClean="0"/>
               <a:pPr/>
-              <a:t>18</a:t>
+              <a:t>17</a:t>
             </a:fld>
             <a:endParaRPr lang="en-US"/>
           </a:p>
@@ -2061,7 +1970,7 @@
             <a:fld id="{787C7385-1679-48D7-9236-9AF931B40705}" type="slidenum">
               <a:rPr lang="en-US" smtClean="0"/>
               <a:pPr/>
-              <a:t>19</a:t>
+              <a:t>18</a:t>
             </a:fld>
             <a:endParaRPr lang="en-US"/>
           </a:p>
@@ -2208,9 +2117,9 @@
           <a:bodyPr/>
           <a:lstStyle/>
           <a:p>
-            <a:fld id="{91D0B354-5ED4-7C46-9E9A-92EBC631132D}" type="datetime1">
-              <a:rPr lang="en-US" smtClean="0"/>
-              <a:t>9/18/18</a:t>
+            <a:fld id="{7EF221F0-9485-2C46-9889-997312E2D267}" type="datetime1">
+              <a:rPr lang="en-CA" smtClean="0"/>
+              <a:t>2018-09-18</a:t>
             </a:fld>
             <a:endParaRPr lang="en-US"/>
           </a:p>
@@ -2378,9 +2287,9 @@
           <a:bodyPr/>
           <a:lstStyle/>
           <a:p>
-            <a:fld id="{07BD2534-50A2-254A-9F38-0E8F319F1E4A}" type="datetime1">
-              <a:rPr lang="en-US" smtClean="0"/>
-              <a:t>9/18/18</a:t>
+            <a:fld id="{3B896247-F8AF-CB41-B8AB-032B11B6808D}" type="datetime1">
+              <a:rPr lang="en-CA" smtClean="0"/>
+              <a:t>2018-09-18</a:t>
             </a:fld>
             <a:endParaRPr lang="en-US"/>
           </a:p>
@@ -2558,9 +2467,9 @@
           <a:bodyPr/>
           <a:lstStyle/>
           <a:p>
-            <a:fld id="{F40C3E56-F393-DE4F-B0B6-685F28B4CB69}" type="datetime1">
-              <a:rPr lang="en-US" smtClean="0"/>
-              <a:t>9/18/18</a:t>
+            <a:fld id="{36185BA3-FFFF-9248-8A57-D39403507EF2}" type="datetime1">
+              <a:rPr lang="en-CA" smtClean="0"/>
+              <a:t>2018-09-18</a:t>
             </a:fld>
             <a:endParaRPr lang="en-US"/>
           </a:p>
@@ -2730,9 +2639,9 @@
           <a:bodyPr/>
           <a:lstStyle/>
           <a:p>
-            <a:fld id="{09918728-14F7-F843-9AEC-E0838E6FB2F6}" type="datetime1">
-              <a:rPr lang="en-US" smtClean="0"/>
-              <a:t>9/18/18</a:t>
+            <a:fld id="{C7C80101-B269-C044-BE75-D94A62C1903D}" type="datetime1">
+              <a:rPr lang="en-CA" smtClean="0"/>
+              <a:t>2018-09-18</a:t>
             </a:fld>
             <a:endParaRPr lang="en-US"/>
           </a:p>
@@ -2974,9 +2883,9 @@
           <a:bodyPr/>
           <a:lstStyle/>
           <a:p>
-            <a:fld id="{7626CE0B-90D3-574D-90C1-428C543AF7B5}" type="datetime1">
-              <a:rPr lang="en-US" smtClean="0"/>
-              <a:t>9/18/18</a:t>
+            <a:fld id="{83191E39-0A48-BC42-B3C2-0FEEEA331083}" type="datetime1">
+              <a:rPr lang="en-CA" smtClean="0"/>
+              <a:t>2018-09-18</a:t>
             </a:fld>
             <a:endParaRPr lang="en-US"/>
           </a:p>
@@ -3206,9 +3115,9 @@
           <a:bodyPr/>
           <a:lstStyle/>
           <a:p>
-            <a:fld id="{A880779E-090B-5745-B58F-89913AAA8231}" type="datetime1">
-              <a:rPr lang="en-US" smtClean="0"/>
-              <a:t>9/18/18</a:t>
+            <a:fld id="{ABAAF229-B416-3F4A-AAE3-87CBDDA02EA4}" type="datetime1">
+              <a:rPr lang="en-CA" smtClean="0"/>
+              <a:t>2018-09-18</a:t>
             </a:fld>
             <a:endParaRPr lang="en-US"/>
           </a:p>
@@ -3573,9 +3482,9 @@
           <a:bodyPr/>
           <a:lstStyle/>
           <a:p>
-            <a:fld id="{B1D3551E-0B16-A447-AC6E-21D29E527D41}" type="datetime1">
-              <a:rPr lang="en-US" smtClean="0"/>
-              <a:t>9/18/18</a:t>
+            <a:fld id="{B996583D-8517-7841-B3DE-47AC86A4B3A6}" type="datetime1">
+              <a:rPr lang="en-CA" smtClean="0"/>
+              <a:t>2018-09-18</a:t>
             </a:fld>
             <a:endParaRPr lang="en-US"/>
           </a:p>
@@ -3691,9 +3600,9 @@
           <a:bodyPr/>
           <a:lstStyle/>
           <a:p>
-            <a:fld id="{D5192C60-3A71-7B48-B96B-5366682AEB2E}" type="datetime1">
-              <a:rPr lang="en-US" smtClean="0"/>
-              <a:t>9/18/18</a:t>
+            <a:fld id="{777A6CA5-C193-E749-9AEF-42ABC3D54568}" type="datetime1">
+              <a:rPr lang="en-CA" smtClean="0"/>
+              <a:t>2018-09-18</a:t>
             </a:fld>
             <a:endParaRPr lang="en-US"/>
           </a:p>
@@ -3786,9 +3695,9 @@
           <a:bodyPr/>
           <a:lstStyle/>
           <a:p>
-            <a:fld id="{CE463EA5-93AE-974A-B194-CB64B8A30DEE}" type="datetime1">
-              <a:rPr lang="en-US" smtClean="0"/>
-              <a:t>9/18/18</a:t>
+            <a:fld id="{88F59989-417D-664B-B91C-0020F6C8CDE7}" type="datetime1">
+              <a:rPr lang="en-CA" smtClean="0"/>
+              <a:t>2018-09-18</a:t>
             </a:fld>
             <a:endParaRPr lang="en-US"/>
           </a:p>
@@ -4063,9 +3972,9 @@
           <a:bodyPr/>
           <a:lstStyle/>
           <a:p>
-            <a:fld id="{8C3E94FB-59F3-0644-A29C-7869231E5EA9}" type="datetime1">
-              <a:rPr lang="en-US" smtClean="0"/>
-              <a:t>9/18/18</a:t>
+            <a:fld id="{DDA1F7CE-4BA0-5044-A0B9-12718AD8EC0F}" type="datetime1">
+              <a:rPr lang="en-CA" smtClean="0"/>
+              <a:t>2018-09-18</a:t>
             </a:fld>
             <a:endParaRPr lang="en-US"/>
           </a:p>
@@ -4320,9 +4229,9 @@
           <a:bodyPr/>
           <a:lstStyle/>
           <a:p>
-            <a:fld id="{35440E27-9B2B-E44B-B7CD-914B10641F6F}" type="datetime1">
-              <a:rPr lang="en-US" smtClean="0"/>
-              <a:t>9/18/18</a:t>
+            <a:fld id="{39B89214-EE2D-3B42-A767-1A7D5903B5AD}" type="datetime1">
+              <a:rPr lang="en-CA" smtClean="0"/>
+              <a:t>2018-09-18</a:t>
             </a:fld>
             <a:endParaRPr lang="en-US"/>
           </a:p>
@@ -4533,9 +4442,9 @@
             </a:lvl1pPr>
           </a:lstStyle>
           <a:p>
-            <a:fld id="{9A3DE3E2-ED3B-6A4E-8B70-859B6A5DEA52}" type="datetime1">
-              <a:rPr lang="en-US" smtClean="0"/>
-              <a:t>9/18/18</a:t>
+            <a:fld id="{3510811B-9659-E14F-9C91-C024146CCF78}" type="datetime1">
+              <a:rPr lang="en-CA" smtClean="0"/>
+              <a:t>2018-09-18</a:t>
             </a:fld>
             <a:endParaRPr lang="en-US"/>
           </a:p>
@@ -8375,7 +8284,27 @@
           <a:p>
             <a:r>
               <a:rPr lang="en-US" altLang="zh-CN" dirty="0"/>
-              <a:t>Question?</a:t>
+              <a:t>Exercise</a:t>
+            </a:r>
+            <a:r>
+              <a:rPr lang="zh-CN" altLang="en-US" dirty="0"/>
+              <a:t> </a:t>
+            </a:r>
+            <a:r>
+              <a:rPr lang="en-US" altLang="zh-CN" dirty="0"/>
+              <a:t>-</a:t>
+            </a:r>
+            <a:r>
+              <a:rPr lang="zh-CN" altLang="en-US" dirty="0"/>
+              <a:t> </a:t>
+            </a:r>
+            <a:r>
+              <a:rPr lang="en-US" altLang="zh-CN" dirty="0"/>
+              <a:t>1</a:t>
+            </a:r>
+            <a:r>
+              <a:rPr lang="zh-CN" altLang="en-US" dirty="0"/>
+              <a:t> </a:t>
             </a:r>
             <a:endParaRPr lang="en-US" dirty="0"/>
           </a:p>
@@ -8780,480 +8709,6 @@
       </p:grpSpPr>
       <p:sp>
         <p:nvSpPr>
-          <p:cNvPr id="2" name="Title 1"/>
-          <p:cNvSpPr>
-            <a:spLocks noGrp="1"/>
-          </p:cNvSpPr>
-          <p:nvPr>
-            <p:ph type="title"/>
-          </p:nvPr>
-        </p:nvSpPr>
-        <p:spPr/>
-        <p:txBody>
-          <a:bodyPr/>
-          <a:lstStyle/>
-          <a:p>
-            <a:r>
-              <a:rPr lang="en-US" altLang="zh-CN" dirty="0"/>
-              <a:t>Answer!</a:t>
-            </a:r>
-            <a:endParaRPr lang="en-US" dirty="0"/>
-          </a:p>
-        </p:txBody>
-      </p:sp>
-      <p:sp>
-        <p:nvSpPr>
-          <p:cNvPr id="3" name="Content Placeholder 2"/>
-          <p:cNvSpPr>
-            <a:spLocks noGrp="1"/>
-          </p:cNvSpPr>
-          <p:nvPr>
-            <p:ph idx="1"/>
-          </p:nvPr>
-        </p:nvSpPr>
-        <p:spPr/>
-        <p:txBody>
-          <a:bodyPr/>
-          <a:lstStyle/>
-          <a:p>
-            <a:r>
-              <a:rPr lang="en-US" altLang="zh-CN" dirty="0"/>
-              <a:t>Which</a:t>
-            </a:r>
-            <a:r>
-              <a:rPr lang="zh-CN" altLang="en-US" dirty="0"/>
-              <a:t> </a:t>
-            </a:r>
-            <a:r>
-              <a:rPr lang="en-US" altLang="zh-CN" dirty="0"/>
-              <a:t>names</a:t>
-            </a:r>
-            <a:r>
-              <a:rPr lang="zh-CN" altLang="en-US" dirty="0"/>
-              <a:t> </a:t>
-            </a:r>
-            <a:r>
-              <a:rPr lang="en-US" altLang="zh-CN" dirty="0"/>
-              <a:t>will</a:t>
-            </a:r>
-            <a:r>
-              <a:rPr lang="zh-CN" altLang="en-US" dirty="0"/>
-              <a:t> </a:t>
-            </a:r>
-            <a:r>
-              <a:rPr lang="en-US" altLang="zh-CN" dirty="0"/>
-              <a:t>be</a:t>
-            </a:r>
-            <a:r>
-              <a:rPr lang="zh-CN" altLang="en-US" dirty="0"/>
-              <a:t> </a:t>
-            </a:r>
-            <a:r>
-              <a:rPr lang="en-US" altLang="zh-CN" dirty="0"/>
-              <a:t>returned?</a:t>
-            </a:r>
-            <a:r>
-              <a:rPr lang="zh-CN" altLang="en-US" dirty="0"/>
-              <a:t> </a:t>
-            </a:r>
-            <a:endParaRPr lang="en-US" dirty="0"/>
-          </a:p>
-        </p:txBody>
-      </p:sp>
-      <p:sp>
-        <p:nvSpPr>
-          <p:cNvPr id="4" name="Slide Number Placeholder 3"/>
-          <p:cNvSpPr>
-            <a:spLocks noGrp="1"/>
-          </p:cNvSpPr>
-          <p:nvPr>
-            <p:ph type="sldNum" sz="quarter" idx="12"/>
-          </p:nvPr>
-        </p:nvSpPr>
-        <p:spPr/>
-        <p:txBody>
-          <a:bodyPr/>
-          <a:lstStyle/>
-          <a:p>
-            <a:fld id="{24AF9547-1ADA-7741-9454-C97103F281DA}" type="slidenum">
-              <a:rPr lang="en-US" smtClean="0"/>
-              <a:t>15</a:t>
-            </a:fld>
-            <a:endParaRPr lang="en-US"/>
-          </a:p>
-        </p:txBody>
-      </p:sp>
-      <p:sp>
-        <p:nvSpPr>
-          <p:cNvPr id="5" name="Rectangle 4"/>
-          <p:cNvSpPr>
-            <a:spLocks noChangeArrowheads="1"/>
-          </p:cNvSpPr>
-          <p:nvPr/>
-        </p:nvSpPr>
-        <p:spPr bwMode="auto">
-          <a:xfrm>
-            <a:off x="1748907" y="2572889"/>
-            <a:ext cx="5208814" cy="1089529"/>
-          </a:xfrm>
-          <a:prstGeom prst="rect">
-            <a:avLst/>
-          </a:prstGeom>
-          <a:solidFill>
-            <a:schemeClr val="bg1"/>
-          </a:solidFill>
-          <a:ln w="9525">
-            <a:solidFill>
-              <a:schemeClr val="tx1"/>
-            </a:solidFill>
-            <a:miter lim="800000"/>
-            <a:headEnd/>
-            <a:tailEnd/>
-          </a:ln>
-          <a:effectLst>
-            <a:outerShdw blurRad="50800" dist="12700" dir="2700000" algn="tl" rotWithShape="0">
-              <a:prstClr val="black">
-                <a:alpha val="40000"/>
-              </a:prstClr>
-            </a:outerShdw>
-          </a:effectLst>
-        </p:spPr>
-        <p:txBody>
-          <a:bodyPr wrap="square">
-            <a:spAutoFit/>
-          </a:bodyPr>
-          <a:lstStyle/>
-          <a:p>
-            <a:pPr eaLnBrk="0" hangingPunct="0">
-              <a:lnSpc>
-                <a:spcPct val="90000"/>
-              </a:lnSpc>
-              <a:spcBef>
-                <a:spcPct val="50000"/>
-              </a:spcBef>
-            </a:pPr>
-            <a:r>
-              <a:rPr lang="en-US" sz="2400" dirty="0">
-                <a:solidFill>
-                  <a:schemeClr val="accent2"/>
-                </a:solidFill>
-                <a:latin typeface="Menlo" charset="0"/>
-                <a:ea typeface="Menlo" charset="0"/>
-                <a:cs typeface="Menlo" charset="0"/>
-              </a:rPr>
-              <a:t>SELECT</a:t>
-            </a:r>
-            <a:r>
-              <a:rPr lang="en-US" sz="2400" dirty="0">
-                <a:latin typeface="Menlo" charset="0"/>
-                <a:ea typeface="Menlo" charset="0"/>
-                <a:cs typeface="Menlo" charset="0"/>
-              </a:rPr>
-              <a:t> *</a:t>
-            </a:r>
-            <a:br>
-              <a:rPr lang="en-US" sz="2400" dirty="0">
-                <a:latin typeface="Menlo" charset="0"/>
-                <a:ea typeface="Menlo" charset="0"/>
-                <a:cs typeface="Menlo" charset="0"/>
-              </a:rPr>
-            </a:br>
-            <a:r>
-              <a:rPr lang="en-US" sz="2400" dirty="0">
-                <a:solidFill>
-                  <a:schemeClr val="accent2"/>
-                </a:solidFill>
-                <a:latin typeface="Menlo" charset="0"/>
-                <a:ea typeface="Menlo" charset="0"/>
-                <a:cs typeface="Menlo" charset="0"/>
-              </a:rPr>
-              <a:t>FROM</a:t>
-            </a:r>
-            <a:r>
-              <a:rPr lang="en-US" sz="2400" dirty="0">
-                <a:latin typeface="Menlo" charset="0"/>
-                <a:ea typeface="Menlo" charset="0"/>
-                <a:cs typeface="Menlo" charset="0"/>
-              </a:rPr>
-              <a:t>   Students</a:t>
-            </a:r>
-            <a:br>
-              <a:rPr lang="en-US" sz="2400" dirty="0">
-                <a:latin typeface="Menlo" charset="0"/>
-                <a:ea typeface="Menlo" charset="0"/>
-                <a:cs typeface="Menlo" charset="0"/>
-              </a:rPr>
-            </a:br>
-            <a:r>
-              <a:rPr lang="en-US" sz="2400" dirty="0">
-                <a:solidFill>
-                  <a:schemeClr val="accent2"/>
-                </a:solidFill>
-                <a:latin typeface="Menlo" charset="0"/>
-                <a:ea typeface="Menlo" charset="0"/>
-                <a:cs typeface="Menlo" charset="0"/>
-              </a:rPr>
-              <a:t>WHERE</a:t>
-            </a:r>
-            <a:r>
-              <a:rPr lang="en-US" sz="2400" dirty="0">
-                <a:latin typeface="Menlo" charset="0"/>
-                <a:ea typeface="Menlo" charset="0"/>
-                <a:cs typeface="Menlo" charset="0"/>
-              </a:rPr>
-              <a:t>  </a:t>
-            </a:r>
-            <a:r>
-              <a:rPr lang="en-US" altLang="zh-CN" sz="2400" dirty="0">
-                <a:latin typeface="Menlo" charset="0"/>
-                <a:ea typeface="Menlo" charset="0"/>
-                <a:cs typeface="Menlo" charset="0"/>
-              </a:rPr>
-              <a:t>name</a:t>
-            </a:r>
-            <a:r>
-              <a:rPr lang="zh-CN" altLang="en-US" sz="2400" dirty="0">
-                <a:latin typeface="Menlo" charset="0"/>
-                <a:ea typeface="Menlo" charset="0"/>
-                <a:cs typeface="Menlo" charset="0"/>
-              </a:rPr>
-              <a:t> </a:t>
-            </a:r>
-            <a:r>
-              <a:rPr lang="en-US" sz="2400" b="1" dirty="0">
-                <a:latin typeface="Menlo" charset="0"/>
-                <a:ea typeface="Menlo" charset="0"/>
-                <a:cs typeface="Menlo" charset="0"/>
-              </a:rPr>
-              <a:t>LIKE</a:t>
-            </a:r>
-            <a:r>
-              <a:rPr lang="en-US" sz="2400" dirty="0">
-                <a:latin typeface="Menlo" charset="0"/>
-                <a:ea typeface="Menlo" charset="0"/>
-                <a:cs typeface="Menlo" charset="0"/>
-              </a:rPr>
-              <a:t> </a:t>
-            </a:r>
-            <a:r>
-              <a:rPr lang="en-CA" sz="2400" dirty="0">
-                <a:cs typeface="Courier New" pitchFamily="49" charset="0"/>
-              </a:rPr>
-              <a:t>'</a:t>
-            </a:r>
-            <a:r>
-              <a:rPr lang="en-US" altLang="zh-CN" sz="2400" dirty="0" err="1">
-                <a:cs typeface="Courier New" pitchFamily="49" charset="0"/>
-              </a:rPr>
-              <a:t>Sm_t</a:t>
-            </a:r>
-            <a:r>
-              <a:rPr lang="en-US" sz="2400" dirty="0">
-                <a:latin typeface="Menlo" charset="0"/>
-                <a:ea typeface="Menlo" charset="0"/>
-                <a:cs typeface="Menlo" charset="0"/>
-              </a:rPr>
-              <a:t>%</a:t>
-            </a:r>
-            <a:r>
-              <a:rPr lang="en-CA" sz="2400" dirty="0">
-                <a:cs typeface="Courier New" pitchFamily="49" charset="0"/>
-              </a:rPr>
-              <a:t>'</a:t>
-            </a:r>
-            <a:endParaRPr lang="en-US" sz="2400" dirty="0">
-              <a:latin typeface="Menlo" charset="0"/>
-              <a:ea typeface="Menlo" charset="0"/>
-              <a:cs typeface="Menlo" charset="0"/>
-            </a:endParaRPr>
-          </a:p>
-        </p:txBody>
-      </p:sp>
-      <p:sp>
-        <p:nvSpPr>
-          <p:cNvPr id="6" name="TextBox 5"/>
-          <p:cNvSpPr txBox="1"/>
-          <p:nvPr/>
-        </p:nvSpPr>
-        <p:spPr>
-          <a:xfrm>
-            <a:off x="2757556" y="3811012"/>
-            <a:ext cx="1595758" cy="3046988"/>
-          </a:xfrm>
-          <a:prstGeom prst="rect">
-            <a:avLst/>
-          </a:prstGeom>
-          <a:noFill/>
-        </p:spPr>
-        <p:txBody>
-          <a:bodyPr wrap="none" rtlCol="0">
-            <a:spAutoFit/>
-          </a:bodyPr>
-          <a:lstStyle/>
-          <a:p>
-            <a:pPr marL="457200" indent="-457200">
-              <a:buAutoNum type="arabicPeriod"/>
-            </a:pPr>
-            <a:r>
-              <a:rPr lang="en-US" altLang="zh-CN" sz="2400" dirty="0"/>
-              <a:t>Smit</a:t>
-            </a:r>
-          </a:p>
-          <a:p>
-            <a:pPr marL="457200" indent="-457200">
-              <a:buAutoNum type="arabicPeriod"/>
-            </a:pPr>
-            <a:r>
-              <a:rPr lang="en-US" altLang="zh-CN" sz="2400" dirty="0"/>
-              <a:t>SMIT</a:t>
-            </a:r>
-          </a:p>
-          <a:p>
-            <a:pPr marL="457200" indent="-457200">
-              <a:buFontTx/>
-              <a:buAutoNum type="arabicPeriod"/>
-            </a:pPr>
-            <a:r>
-              <a:rPr lang="en-US" altLang="zh-CN" sz="2400" dirty="0"/>
-              <a:t>Smart</a:t>
-            </a:r>
-          </a:p>
-          <a:p>
-            <a:pPr marL="457200" indent="-457200">
-              <a:buAutoNum type="arabicPeriod"/>
-            </a:pPr>
-            <a:r>
-              <a:rPr lang="en-US" altLang="zh-CN" sz="2400" dirty="0"/>
-              <a:t>Smith</a:t>
-            </a:r>
-          </a:p>
-          <a:p>
-            <a:pPr marL="457200" indent="-457200">
-              <a:buAutoNum type="arabicPeriod"/>
-            </a:pPr>
-            <a:r>
-              <a:rPr lang="en-US" altLang="zh-CN" sz="2400" dirty="0" err="1"/>
-              <a:t>Smythe</a:t>
-            </a:r>
-            <a:endParaRPr lang="en-US" altLang="zh-CN" sz="2400" dirty="0"/>
-          </a:p>
-          <a:p>
-            <a:pPr marL="457200" indent="-457200">
-              <a:buAutoNum type="arabicPeriod"/>
-            </a:pPr>
-            <a:r>
-              <a:rPr lang="en-US" altLang="zh-CN" sz="2400" dirty="0"/>
-              <a:t>Smut</a:t>
-            </a:r>
-          </a:p>
-          <a:p>
-            <a:pPr marL="457200" indent="-457200">
-              <a:buAutoNum type="arabicPeriod"/>
-            </a:pPr>
-            <a:r>
-              <a:rPr lang="en-US" altLang="zh-CN" sz="2400" dirty="0" err="1"/>
-              <a:t>Smeath</a:t>
-            </a:r>
-            <a:endParaRPr lang="en-US" altLang="zh-CN" sz="2400" dirty="0"/>
-          </a:p>
-          <a:p>
-            <a:pPr marL="457200" indent="-457200">
-              <a:buAutoNum type="arabicPeriod"/>
-            </a:pPr>
-            <a:r>
-              <a:rPr lang="en-US" altLang="zh-CN" sz="2400" dirty="0" err="1"/>
-              <a:t>Smt</a:t>
-            </a:r>
-            <a:endParaRPr lang="en-US" sz="2400" dirty="0"/>
-          </a:p>
-        </p:txBody>
-      </p:sp>
-      <p:sp>
-        <p:nvSpPr>
-          <p:cNvPr id="7" name="TextBox 6"/>
-          <p:cNvSpPr txBox="1"/>
-          <p:nvPr/>
-        </p:nvSpPr>
-        <p:spPr>
-          <a:xfrm>
-            <a:off x="5702187" y="4811286"/>
-            <a:ext cx="1430200" cy="523220"/>
-          </a:xfrm>
-          <a:prstGeom prst="rect">
-            <a:avLst/>
-          </a:prstGeom>
-          <a:noFill/>
-        </p:spPr>
-        <p:txBody>
-          <a:bodyPr wrap="none" rtlCol="0">
-            <a:spAutoFit/>
-          </a:bodyPr>
-          <a:lstStyle/>
-          <a:p>
-            <a:r>
-              <a:rPr lang="en-US" altLang="zh-CN" sz="2800" dirty="0"/>
-              <a:t>1,</a:t>
-            </a:r>
-            <a:r>
-              <a:rPr lang="zh-CN" altLang="en-US" sz="2800" dirty="0"/>
-              <a:t> </a:t>
-            </a:r>
-            <a:r>
-              <a:rPr lang="en-US" altLang="zh-CN" sz="2800" dirty="0"/>
-              <a:t>4,</a:t>
-            </a:r>
-            <a:r>
-              <a:rPr lang="zh-CN" altLang="en-US" sz="2800" dirty="0"/>
-              <a:t> </a:t>
-            </a:r>
-            <a:r>
-              <a:rPr lang="en-US" altLang="zh-CN" sz="2800" dirty="0"/>
-              <a:t>5,</a:t>
-            </a:r>
-            <a:r>
-              <a:rPr lang="zh-CN" altLang="en-US" sz="2800" dirty="0"/>
-              <a:t> </a:t>
-            </a:r>
-            <a:r>
-              <a:rPr lang="en-US" altLang="zh-CN" sz="2800" dirty="0"/>
-              <a:t>6</a:t>
-            </a:r>
-            <a:endParaRPr lang="en-US" sz="2800" dirty="0"/>
-          </a:p>
-        </p:txBody>
-      </p:sp>
-    </p:spTree>
-    <p:extLst>
-      <p:ext uri="{BB962C8B-B14F-4D97-AF65-F5344CB8AC3E}">
-        <p14:creationId xmlns:p14="http://schemas.microsoft.com/office/powerpoint/2010/main" val="916638059"/>
-      </p:ext>
-    </p:extLst>
-  </p:cSld>
-  <p:clrMapOvr>
-    <a:masterClrMapping/>
-  </p:clrMapOvr>
-</p:sld>
-</file>
-
-<file path=ppt/slides/slide16.xml><?xml version="1.0" encoding="utf-8"?>
-<p:sld xmlns:a="http://schemas.openxmlformats.org/drawingml/2006/main" xmlns:r="http://schemas.openxmlformats.org/officeDocument/2006/relationships" xmlns:p="http://schemas.openxmlformats.org/presentationml/2006/main">
-  <p:cSld>
-    <p:spTree>
-      <p:nvGrpSpPr>
-        <p:cNvPr id="1" name=""/>
-        <p:cNvGrpSpPr/>
-        <p:nvPr/>
-      </p:nvGrpSpPr>
-      <p:grpSpPr>
-        <a:xfrm>
-          <a:off x="0" y="0"/>
-          <a:ext cx="0" cy="0"/>
-          <a:chOff x="0" y="0"/>
-          <a:chExt cx="0" cy="0"/>
-        </a:xfrm>
-      </p:grpSpPr>
-      <p:sp>
-        <p:nvSpPr>
           <p:cNvPr id="5" name="Slide Number Placeholder 5"/>
           <p:cNvSpPr>
             <a:spLocks noGrp="1"/>
@@ -9270,7 +8725,7 @@
             <a:fld id="{3867F7A8-BC20-4EFA-AF7D-2BE46B5803AB}" type="slidenum">
               <a:rPr lang="en-US"/>
               <a:pPr/>
-              <a:t>16</a:t>
+              <a:t>15</a:t>
             </a:fld>
             <a:endParaRPr lang="en-US"/>
           </a:p>
@@ -9960,7 +9415,7 @@
 </p:sld>
 </file>
 
-<file path=ppt/slides/slide17.xml><?xml version="1.0" encoding="utf-8"?>
+<file path=ppt/slides/slide16.xml><?xml version="1.0" encoding="utf-8"?>
 <p:sld xmlns:a="http://schemas.openxmlformats.org/drawingml/2006/main" xmlns:r="http://schemas.openxmlformats.org/officeDocument/2006/relationships" xmlns:p="http://schemas.openxmlformats.org/presentationml/2006/main">
   <p:cSld>
     <p:spTree>
@@ -10283,7 +9738,7 @@
           <a:p>
             <a:fld id="{24AF9547-1ADA-7741-9454-C97103F281DA}" type="slidenum">
               <a:rPr lang="en-US" smtClean="0"/>
-              <a:t>17</a:t>
+              <a:t>16</a:t>
             </a:fld>
             <a:endParaRPr lang="en-US"/>
           </a:p>
@@ -10810,7 +10265,7 @@
 </p:sld>
 </file>
 
-<file path=ppt/slides/slide18.xml><?xml version="1.0" encoding="utf-8"?>
+<file path=ppt/slides/slide17.xml><?xml version="1.0" encoding="utf-8"?>
 <p:sld xmlns:a="http://schemas.openxmlformats.org/drawingml/2006/main" xmlns:r="http://schemas.openxmlformats.org/officeDocument/2006/relationships" xmlns:p="http://schemas.openxmlformats.org/presentationml/2006/main">
   <p:cSld>
     <p:spTree>
@@ -11092,7 +10547,7 @@
               <a:pPr>
                 <a:defRPr/>
               </a:pPr>
-              <a:t>18</a:t>
+              <a:t>17</a:t>
             </a:fld>
             <a:endParaRPr lang="en-US" altLang="en-US" dirty="0"/>
           </a:p>
@@ -12028,7 +11483,7 @@
 </p:sld>
 </file>
 
-<file path=ppt/slides/slide19.xml><?xml version="1.0" encoding="utf-8"?>
+<file path=ppt/slides/slide18.xml><?xml version="1.0" encoding="utf-8"?>
 <p:sld xmlns:a="http://schemas.openxmlformats.org/drawingml/2006/main" xmlns:r="http://schemas.openxmlformats.org/officeDocument/2006/relationships" xmlns:p="http://schemas.openxmlformats.org/presentationml/2006/main">
   <p:cSld>
     <p:spTree>
@@ -12446,7 +11901,7 @@
               <a:pPr>
                 <a:defRPr/>
               </a:pPr>
-              <a:t>19</a:t>
+              <a:t>18</a:t>
             </a:fld>
             <a:endParaRPr lang="en-US" altLang="en-US" dirty="0"/>
           </a:p>
@@ -13375,399 +12830,7 @@
 </p:sld>
 </file>
 
-<file path=ppt/slides/slide2.xml><?xml version="1.0" encoding="utf-8"?>
-<p:sld xmlns:a="http://schemas.openxmlformats.org/drawingml/2006/main" xmlns:r="http://schemas.openxmlformats.org/officeDocument/2006/relationships" xmlns:p="http://schemas.openxmlformats.org/presentationml/2006/main">
-  <p:cSld>
-    <p:spTree>
-      <p:nvGrpSpPr>
-        <p:cNvPr id="1" name=""/>
-        <p:cNvGrpSpPr/>
-        <p:nvPr/>
-      </p:nvGrpSpPr>
-      <p:grpSpPr>
-        <a:xfrm>
-          <a:off x="0" y="0"/>
-          <a:ext cx="0" cy="0"/>
-          <a:chOff x="0" y="0"/>
-          <a:chExt cx="0" cy="0"/>
-        </a:xfrm>
-      </p:grpSpPr>
-      <p:sp>
-        <p:nvSpPr>
-          <p:cNvPr id="2" name="Title 1"/>
-          <p:cNvSpPr>
-            <a:spLocks noGrp="1"/>
-          </p:cNvSpPr>
-          <p:nvPr>
-            <p:ph type="title"/>
-          </p:nvPr>
-        </p:nvSpPr>
-        <p:spPr/>
-        <p:txBody>
-          <a:bodyPr/>
-          <a:lstStyle/>
-          <a:p>
-            <a:r>
-              <a:rPr lang="en-US" altLang="zh-CN" dirty="0"/>
-              <a:t>Announcements!</a:t>
-            </a:r>
-            <a:endParaRPr lang="en-US" dirty="0"/>
-          </a:p>
-        </p:txBody>
-      </p:sp>
-      <p:sp>
-        <p:nvSpPr>
-          <p:cNvPr id="3" name="Content Placeholder 2"/>
-          <p:cNvSpPr>
-            <a:spLocks noGrp="1"/>
-          </p:cNvSpPr>
-          <p:nvPr>
-            <p:ph idx="1"/>
-          </p:nvPr>
-        </p:nvSpPr>
-        <p:spPr/>
-        <p:txBody>
-          <a:bodyPr/>
-          <a:lstStyle/>
-          <a:p>
-            <a:r>
-              <a:rPr lang="en-US" altLang="zh-CN" dirty="0"/>
-              <a:t>About</a:t>
-            </a:r>
-            <a:r>
-              <a:rPr lang="zh-CN" altLang="en-US" dirty="0"/>
-              <a:t> </a:t>
-            </a:r>
-            <a:r>
-              <a:rPr lang="en-US" altLang="zh-CN" dirty="0"/>
-              <a:t>Piazza</a:t>
-            </a:r>
-          </a:p>
-          <a:p>
-            <a:pPr lvl="1"/>
-            <a:r>
-              <a:rPr lang="en-US" altLang="zh-CN" dirty="0"/>
-              <a:t>97</a:t>
-            </a:r>
-            <a:r>
-              <a:rPr lang="zh-CN" altLang="en-US" dirty="0"/>
-              <a:t> </a:t>
-            </a:r>
-            <a:r>
-              <a:rPr lang="en-US" altLang="zh-CN" dirty="0"/>
-              <a:t>enrolled</a:t>
-            </a:r>
-            <a:r>
-              <a:rPr lang="zh-CN" altLang="en-US" dirty="0"/>
-              <a:t> </a:t>
-            </a:r>
-            <a:r>
-              <a:rPr lang="en-US" altLang="zh-CN" dirty="0"/>
-              <a:t>(as</a:t>
-            </a:r>
-            <a:r>
-              <a:rPr lang="zh-CN" altLang="en-US" dirty="0"/>
-              <a:t> </a:t>
-            </a:r>
-            <a:r>
-              <a:rPr lang="en-US" altLang="zh-CN" dirty="0"/>
-              <a:t>of</a:t>
-            </a:r>
-            <a:r>
-              <a:rPr lang="zh-CN" altLang="en-US" dirty="0"/>
-              <a:t> </a:t>
-            </a:r>
-            <a:r>
-              <a:rPr lang="en-US" altLang="zh-CN" dirty="0"/>
-              <a:t>today)</a:t>
-            </a:r>
-          </a:p>
-          <a:p>
-            <a:pPr lvl="1"/>
-            <a:r>
-              <a:rPr lang="en-US" altLang="zh-CN" dirty="0"/>
-              <a:t>Posts are anonymous</a:t>
-            </a:r>
-            <a:r>
-              <a:rPr lang="zh-CN" altLang="en-US" dirty="0"/>
-              <a:t> </a:t>
-            </a:r>
-            <a:r>
-              <a:rPr lang="en-US" altLang="zh-CN" dirty="0"/>
-              <a:t>to</a:t>
-            </a:r>
-            <a:r>
-              <a:rPr lang="zh-CN" altLang="en-US" dirty="0"/>
-              <a:t> </a:t>
-            </a:r>
-            <a:r>
-              <a:rPr lang="en-US" altLang="zh-CN" dirty="0"/>
-              <a:t>classmates</a:t>
-            </a:r>
-          </a:p>
-          <a:p>
-            <a:pPr lvl="1"/>
-            <a:endParaRPr lang="en-US" dirty="0"/>
-          </a:p>
-          <a:p>
-            <a:r>
-              <a:rPr lang="en-US" altLang="zh-CN" dirty="0"/>
-              <a:t>You</a:t>
-            </a:r>
-            <a:r>
-              <a:rPr lang="zh-CN" altLang="en-US" dirty="0"/>
-              <a:t> </a:t>
-            </a:r>
-            <a:r>
-              <a:rPr lang="en-US" altLang="zh-CN" dirty="0"/>
-              <a:t>should</a:t>
-            </a:r>
-            <a:r>
-              <a:rPr lang="zh-CN" altLang="en-US" dirty="0"/>
-              <a:t> </a:t>
-            </a:r>
-            <a:r>
-              <a:rPr lang="en-US" altLang="zh-CN" dirty="0"/>
-              <a:t>have</a:t>
-            </a:r>
-            <a:r>
-              <a:rPr lang="zh-CN" altLang="en-US" dirty="0"/>
-              <a:t> </a:t>
-            </a:r>
-            <a:r>
-              <a:rPr lang="en-US" altLang="zh-CN" dirty="0"/>
-              <a:t>started doing A1</a:t>
-            </a:r>
-          </a:p>
-          <a:p>
-            <a:pPr lvl="1"/>
-            <a:r>
-              <a:rPr lang="en-US" altLang="zh-CN" dirty="0"/>
-              <a:t>Please</a:t>
-            </a:r>
-            <a:r>
-              <a:rPr lang="zh-CN" altLang="en-US" dirty="0"/>
-              <a:t> </a:t>
-            </a:r>
-            <a:r>
-              <a:rPr lang="en-US" altLang="zh-CN" dirty="0"/>
-              <a:t>come</a:t>
-            </a:r>
-            <a:r>
-              <a:rPr lang="zh-CN" altLang="en-US" dirty="0"/>
-              <a:t> </a:t>
-            </a:r>
-            <a:r>
-              <a:rPr lang="en-US" altLang="zh-CN" dirty="0"/>
-              <a:t>to</a:t>
-            </a:r>
-            <a:r>
-              <a:rPr lang="zh-CN" altLang="en-US" dirty="0"/>
-              <a:t> </a:t>
-            </a:r>
-            <a:r>
-              <a:rPr lang="en-US" altLang="zh-CN" dirty="0"/>
-              <a:t>office</a:t>
-            </a:r>
-            <a:r>
-              <a:rPr lang="zh-CN" altLang="en-US" dirty="0"/>
-              <a:t> </a:t>
-            </a:r>
-            <a:r>
-              <a:rPr lang="en-US" altLang="zh-CN" dirty="0"/>
-              <a:t>hours</a:t>
-            </a:r>
-            <a:r>
-              <a:rPr lang="zh-CN" altLang="en-US" dirty="0"/>
-              <a:t> </a:t>
-            </a:r>
-            <a:r>
-              <a:rPr lang="en-US" altLang="zh-CN" dirty="0"/>
-              <a:t>if</a:t>
-            </a:r>
-            <a:r>
-              <a:rPr lang="zh-CN" altLang="en-US" dirty="0"/>
-              <a:t> </a:t>
-            </a:r>
-            <a:r>
-              <a:rPr lang="en-US" altLang="zh-CN" dirty="0"/>
-              <a:t>you</a:t>
-            </a:r>
-            <a:r>
-              <a:rPr lang="zh-CN" altLang="en-US" dirty="0"/>
-              <a:t> </a:t>
-            </a:r>
-            <a:r>
-              <a:rPr lang="en-US" altLang="zh-CN" dirty="0"/>
-              <a:t>need</a:t>
-            </a:r>
-            <a:r>
-              <a:rPr lang="zh-CN" altLang="en-US" dirty="0"/>
-              <a:t> </a:t>
-            </a:r>
-            <a:r>
-              <a:rPr lang="en-US" altLang="zh-CN" dirty="0"/>
-              <a:t>any</a:t>
-            </a:r>
-            <a:r>
-              <a:rPr lang="zh-CN" altLang="en-US" dirty="0"/>
-              <a:t> </a:t>
-            </a:r>
-            <a:r>
-              <a:rPr lang="en-US" altLang="zh-CN" dirty="0"/>
-              <a:t>help</a:t>
-            </a:r>
-            <a:endParaRPr lang="en-US" dirty="0"/>
-          </a:p>
-        </p:txBody>
-      </p:sp>
-      <p:sp>
-        <p:nvSpPr>
-          <p:cNvPr id="4" name="Slide Number Placeholder 3"/>
-          <p:cNvSpPr>
-            <a:spLocks noGrp="1"/>
-          </p:cNvSpPr>
-          <p:nvPr>
-            <p:ph type="sldNum" sz="quarter" idx="12"/>
-          </p:nvPr>
-        </p:nvSpPr>
-        <p:spPr/>
-        <p:txBody>
-          <a:bodyPr/>
-          <a:lstStyle/>
-          <a:p>
-            <a:fld id="{24AF9547-1ADA-7741-9454-C97103F281DA}" type="slidenum">
-              <a:rPr lang="en-US" smtClean="0"/>
-              <a:t>2</a:t>
-            </a:fld>
-            <a:endParaRPr lang="en-US"/>
-          </a:p>
-        </p:txBody>
-      </p:sp>
-    </p:spTree>
-    <p:extLst>
-      <p:ext uri="{BB962C8B-B14F-4D97-AF65-F5344CB8AC3E}">
-        <p14:creationId xmlns:p14="http://schemas.microsoft.com/office/powerpoint/2010/main" val="1551548453"/>
-      </p:ext>
-    </p:extLst>
-  </p:cSld>
-  <p:clrMapOvr>
-    <a:masterClrMapping/>
-  </p:clrMapOvr>
-  <p:timing>
-    <p:tnLst>
-      <p:par>
-        <p:cTn id="1" dur="indefinite" restart="never" nodeType="tmRoot">
-          <p:childTnLst>
-            <p:seq concurrent="1" nextAc="seek">
-              <p:cTn id="2" dur="indefinite" nodeType="mainSeq">
-                <p:childTnLst>
-                  <p:par>
-                    <p:cTn id="3" fill="hold">
-                      <p:stCondLst>
-                        <p:cond delay="indefinite"/>
-                      </p:stCondLst>
-                      <p:childTnLst>
-                        <p:par>
-                          <p:cTn id="4" fill="hold">
-                            <p:stCondLst>
-                              <p:cond delay="0"/>
-                            </p:stCondLst>
-                            <p:childTnLst>
-                              <p:par>
-                                <p:cTn id="5" presetID="1" presetClass="entr" presetSubtype="0" fill="hold" nodeType="clickEffect">
-                                  <p:stCondLst>
-                                    <p:cond delay="0"/>
-                                  </p:stCondLst>
-                                  <p:childTnLst>
-                                    <p:set>
-                                      <p:cBhvr>
-                                        <p:cTn id="6" dur="1" fill="hold">
-                                          <p:stCondLst>
-                                            <p:cond delay="0"/>
-                                          </p:stCondLst>
-                                        </p:cTn>
-                                        <p:tgtEl>
-                                          <p:spTgt spid="3">
-                                            <p:txEl>
-                                              <p:pRg st="4" end="4"/>
-                                            </p:txEl>
-                                          </p:spTgt>
-                                        </p:tgtEl>
-                                        <p:attrNameLst>
-                                          <p:attrName>style.visibility</p:attrName>
-                                        </p:attrNameLst>
-                                      </p:cBhvr>
-                                      <p:to>
-                                        <p:strVal val="visible"/>
-                                      </p:to>
-                                    </p:set>
-                                  </p:childTnLst>
-                                </p:cTn>
-                              </p:par>
-                              <p:par>
-                                <p:cTn id="7" presetID="1" presetClass="entr" presetSubtype="0" fill="hold" nodeType="withEffect">
-                                  <p:stCondLst>
-                                    <p:cond delay="0"/>
-                                  </p:stCondLst>
-                                  <p:childTnLst>
-                                    <p:set>
-                                      <p:cBhvr>
-                                        <p:cTn id="8" dur="1" fill="hold">
-                                          <p:stCondLst>
-                                            <p:cond delay="0"/>
-                                          </p:stCondLst>
-                                        </p:cTn>
-                                        <p:tgtEl>
-                                          <p:spTgt spid="3">
-                                            <p:txEl>
-                                              <p:pRg st="5" end="5"/>
-                                            </p:txEl>
-                                          </p:spTgt>
-                                        </p:tgtEl>
-                                        <p:attrNameLst>
-                                          <p:attrName>style.visibility</p:attrName>
-                                        </p:attrNameLst>
-                                      </p:cBhvr>
-                                      <p:to>
-                                        <p:strVal val="visible"/>
-                                      </p:to>
-                                    </p:set>
-                                  </p:childTnLst>
-                                </p:cTn>
-                              </p:par>
-                            </p:childTnLst>
-                          </p:cTn>
-                        </p:par>
-                      </p:childTnLst>
-                    </p:cTn>
-                  </p:par>
-                </p:childTnLst>
-              </p:cTn>
-              <p:prevCondLst>
-                <p:cond evt="onPrev" delay="0">
-                  <p:tgtEl>
-                    <p:sldTgt/>
-                  </p:tgtEl>
-                </p:cond>
-              </p:prevCondLst>
-              <p:nextCondLst>
-                <p:cond evt="onNext" delay="0">
-                  <p:tgtEl>
-                    <p:sldTgt/>
-                  </p:tgtEl>
-                </p:cond>
-              </p:nextCondLst>
-            </p:seq>
-          </p:childTnLst>
-        </p:cTn>
-      </p:par>
-    </p:tnLst>
-  </p:timing>
-</p:sld>
-</file>
-
-<file path=ppt/slides/slide20.xml><?xml version="1.0" encoding="utf-8"?>
+<file path=ppt/slides/slide19.xml><?xml version="1.0" encoding="utf-8"?>
 <p:sld xmlns:a="http://schemas.openxmlformats.org/drawingml/2006/main" xmlns:r="http://schemas.openxmlformats.org/officeDocument/2006/relationships" xmlns:p="http://schemas.openxmlformats.org/presentationml/2006/main">
   <p:cSld>
     <p:spTree>
@@ -14085,7 +13148,7 @@
           <a:p>
             <a:fld id="{24AF9547-1ADA-7741-9454-C97103F281DA}" type="slidenum">
               <a:rPr lang="en-US" smtClean="0"/>
-              <a:t>20</a:t>
+              <a:t>19</a:t>
             </a:fld>
             <a:endParaRPr lang="en-US"/>
           </a:p>
@@ -15089,7 +14152,399 @@
 </p:sld>
 </file>
 
-<file path=ppt/slides/slide21.xml><?xml version="1.0" encoding="utf-8"?>
+<file path=ppt/slides/slide2.xml><?xml version="1.0" encoding="utf-8"?>
+<p:sld xmlns:a="http://schemas.openxmlformats.org/drawingml/2006/main" xmlns:r="http://schemas.openxmlformats.org/officeDocument/2006/relationships" xmlns:p="http://schemas.openxmlformats.org/presentationml/2006/main">
+  <p:cSld>
+    <p:spTree>
+      <p:nvGrpSpPr>
+        <p:cNvPr id="1" name=""/>
+        <p:cNvGrpSpPr/>
+        <p:nvPr/>
+      </p:nvGrpSpPr>
+      <p:grpSpPr>
+        <a:xfrm>
+          <a:off x="0" y="0"/>
+          <a:ext cx="0" cy="0"/>
+          <a:chOff x="0" y="0"/>
+          <a:chExt cx="0" cy="0"/>
+        </a:xfrm>
+      </p:grpSpPr>
+      <p:sp>
+        <p:nvSpPr>
+          <p:cNvPr id="2" name="Title 1"/>
+          <p:cNvSpPr>
+            <a:spLocks noGrp="1"/>
+          </p:cNvSpPr>
+          <p:nvPr>
+            <p:ph type="title"/>
+          </p:nvPr>
+        </p:nvSpPr>
+        <p:spPr/>
+        <p:txBody>
+          <a:bodyPr/>
+          <a:lstStyle/>
+          <a:p>
+            <a:r>
+              <a:rPr lang="en-US" altLang="zh-CN" dirty="0"/>
+              <a:t>Announcements!</a:t>
+            </a:r>
+            <a:endParaRPr lang="en-US" dirty="0"/>
+          </a:p>
+        </p:txBody>
+      </p:sp>
+      <p:sp>
+        <p:nvSpPr>
+          <p:cNvPr id="3" name="Content Placeholder 2"/>
+          <p:cNvSpPr>
+            <a:spLocks noGrp="1"/>
+          </p:cNvSpPr>
+          <p:nvPr>
+            <p:ph idx="1"/>
+          </p:nvPr>
+        </p:nvSpPr>
+        <p:spPr/>
+        <p:txBody>
+          <a:bodyPr/>
+          <a:lstStyle/>
+          <a:p>
+            <a:r>
+              <a:rPr lang="en-US" altLang="zh-CN" dirty="0"/>
+              <a:t>About</a:t>
+            </a:r>
+            <a:r>
+              <a:rPr lang="zh-CN" altLang="en-US" dirty="0"/>
+              <a:t> </a:t>
+            </a:r>
+            <a:r>
+              <a:rPr lang="en-US" altLang="zh-CN" dirty="0"/>
+              <a:t>Piazza</a:t>
+            </a:r>
+          </a:p>
+          <a:p>
+            <a:pPr lvl="1"/>
+            <a:r>
+              <a:rPr lang="en-US" altLang="zh-CN" dirty="0"/>
+              <a:t>97</a:t>
+            </a:r>
+            <a:r>
+              <a:rPr lang="zh-CN" altLang="en-US" dirty="0"/>
+              <a:t> </a:t>
+            </a:r>
+            <a:r>
+              <a:rPr lang="en-US" altLang="zh-CN" dirty="0"/>
+              <a:t>enrolled</a:t>
+            </a:r>
+            <a:r>
+              <a:rPr lang="zh-CN" altLang="en-US" dirty="0"/>
+              <a:t> </a:t>
+            </a:r>
+            <a:r>
+              <a:rPr lang="en-US" altLang="zh-CN" dirty="0"/>
+              <a:t>(as</a:t>
+            </a:r>
+            <a:r>
+              <a:rPr lang="zh-CN" altLang="en-US" dirty="0"/>
+              <a:t> </a:t>
+            </a:r>
+            <a:r>
+              <a:rPr lang="en-US" altLang="zh-CN" dirty="0"/>
+              <a:t>of</a:t>
+            </a:r>
+            <a:r>
+              <a:rPr lang="zh-CN" altLang="en-US" dirty="0"/>
+              <a:t> </a:t>
+            </a:r>
+            <a:r>
+              <a:rPr lang="en-US" altLang="zh-CN" dirty="0"/>
+              <a:t>today)</a:t>
+            </a:r>
+          </a:p>
+          <a:p>
+            <a:pPr lvl="1"/>
+            <a:r>
+              <a:rPr lang="en-US" altLang="zh-CN" dirty="0"/>
+              <a:t>Posts are anonymous</a:t>
+            </a:r>
+            <a:r>
+              <a:rPr lang="zh-CN" altLang="en-US" dirty="0"/>
+              <a:t> </a:t>
+            </a:r>
+            <a:r>
+              <a:rPr lang="en-US" altLang="zh-CN" dirty="0"/>
+              <a:t>to</a:t>
+            </a:r>
+            <a:r>
+              <a:rPr lang="zh-CN" altLang="en-US" dirty="0"/>
+              <a:t> </a:t>
+            </a:r>
+            <a:r>
+              <a:rPr lang="en-US" altLang="zh-CN" dirty="0"/>
+              <a:t>classmates</a:t>
+            </a:r>
+          </a:p>
+          <a:p>
+            <a:pPr lvl="1"/>
+            <a:endParaRPr lang="en-US" dirty="0"/>
+          </a:p>
+          <a:p>
+            <a:r>
+              <a:rPr lang="en-US" altLang="zh-CN" dirty="0"/>
+              <a:t>You</a:t>
+            </a:r>
+            <a:r>
+              <a:rPr lang="zh-CN" altLang="en-US" dirty="0"/>
+              <a:t> </a:t>
+            </a:r>
+            <a:r>
+              <a:rPr lang="en-US" altLang="zh-CN" dirty="0"/>
+              <a:t>should</a:t>
+            </a:r>
+            <a:r>
+              <a:rPr lang="zh-CN" altLang="en-US" dirty="0"/>
+              <a:t> </a:t>
+            </a:r>
+            <a:r>
+              <a:rPr lang="en-US" altLang="zh-CN" dirty="0"/>
+              <a:t>have</a:t>
+            </a:r>
+            <a:r>
+              <a:rPr lang="zh-CN" altLang="en-US" dirty="0"/>
+              <a:t> </a:t>
+            </a:r>
+            <a:r>
+              <a:rPr lang="en-US" altLang="zh-CN" dirty="0"/>
+              <a:t>started doing A1</a:t>
+            </a:r>
+          </a:p>
+          <a:p>
+            <a:pPr lvl="1"/>
+            <a:r>
+              <a:rPr lang="en-US" altLang="zh-CN" dirty="0"/>
+              <a:t>Please</a:t>
+            </a:r>
+            <a:r>
+              <a:rPr lang="zh-CN" altLang="en-US" dirty="0"/>
+              <a:t> </a:t>
+            </a:r>
+            <a:r>
+              <a:rPr lang="en-US" altLang="zh-CN" dirty="0"/>
+              <a:t>come</a:t>
+            </a:r>
+            <a:r>
+              <a:rPr lang="zh-CN" altLang="en-US" dirty="0"/>
+              <a:t> </a:t>
+            </a:r>
+            <a:r>
+              <a:rPr lang="en-US" altLang="zh-CN" dirty="0"/>
+              <a:t>to</a:t>
+            </a:r>
+            <a:r>
+              <a:rPr lang="zh-CN" altLang="en-US" dirty="0"/>
+              <a:t> </a:t>
+            </a:r>
+            <a:r>
+              <a:rPr lang="en-US" altLang="zh-CN" dirty="0"/>
+              <a:t>office</a:t>
+            </a:r>
+            <a:r>
+              <a:rPr lang="zh-CN" altLang="en-US" dirty="0"/>
+              <a:t> </a:t>
+            </a:r>
+            <a:r>
+              <a:rPr lang="en-US" altLang="zh-CN" dirty="0"/>
+              <a:t>hours</a:t>
+            </a:r>
+            <a:r>
+              <a:rPr lang="zh-CN" altLang="en-US" dirty="0"/>
+              <a:t> </a:t>
+            </a:r>
+            <a:r>
+              <a:rPr lang="en-US" altLang="zh-CN" dirty="0"/>
+              <a:t>if</a:t>
+            </a:r>
+            <a:r>
+              <a:rPr lang="zh-CN" altLang="en-US" dirty="0"/>
+              <a:t> </a:t>
+            </a:r>
+            <a:r>
+              <a:rPr lang="en-US" altLang="zh-CN" dirty="0"/>
+              <a:t>you</a:t>
+            </a:r>
+            <a:r>
+              <a:rPr lang="zh-CN" altLang="en-US" dirty="0"/>
+              <a:t> </a:t>
+            </a:r>
+            <a:r>
+              <a:rPr lang="en-US" altLang="zh-CN" dirty="0"/>
+              <a:t>need</a:t>
+            </a:r>
+            <a:r>
+              <a:rPr lang="zh-CN" altLang="en-US" dirty="0"/>
+              <a:t> </a:t>
+            </a:r>
+            <a:r>
+              <a:rPr lang="en-US" altLang="zh-CN" dirty="0"/>
+              <a:t>any</a:t>
+            </a:r>
+            <a:r>
+              <a:rPr lang="zh-CN" altLang="en-US" dirty="0"/>
+              <a:t> </a:t>
+            </a:r>
+            <a:r>
+              <a:rPr lang="en-US" altLang="zh-CN" dirty="0"/>
+              <a:t>help</a:t>
+            </a:r>
+            <a:endParaRPr lang="en-US" dirty="0"/>
+          </a:p>
+        </p:txBody>
+      </p:sp>
+      <p:sp>
+        <p:nvSpPr>
+          <p:cNvPr id="4" name="Slide Number Placeholder 3"/>
+          <p:cNvSpPr>
+            <a:spLocks noGrp="1"/>
+          </p:cNvSpPr>
+          <p:nvPr>
+            <p:ph type="sldNum" sz="quarter" idx="12"/>
+          </p:nvPr>
+        </p:nvSpPr>
+        <p:spPr/>
+        <p:txBody>
+          <a:bodyPr/>
+          <a:lstStyle/>
+          <a:p>
+            <a:fld id="{24AF9547-1ADA-7741-9454-C97103F281DA}" type="slidenum">
+              <a:rPr lang="en-US" smtClean="0"/>
+              <a:t>2</a:t>
+            </a:fld>
+            <a:endParaRPr lang="en-US"/>
+          </a:p>
+        </p:txBody>
+      </p:sp>
+    </p:spTree>
+    <p:extLst>
+      <p:ext uri="{BB962C8B-B14F-4D97-AF65-F5344CB8AC3E}">
+        <p14:creationId xmlns:p14="http://schemas.microsoft.com/office/powerpoint/2010/main" val="1551548453"/>
+      </p:ext>
+    </p:extLst>
+  </p:cSld>
+  <p:clrMapOvr>
+    <a:masterClrMapping/>
+  </p:clrMapOvr>
+  <p:timing>
+    <p:tnLst>
+      <p:par>
+        <p:cTn id="1" dur="indefinite" restart="never" nodeType="tmRoot">
+          <p:childTnLst>
+            <p:seq concurrent="1" nextAc="seek">
+              <p:cTn id="2" dur="indefinite" nodeType="mainSeq">
+                <p:childTnLst>
+                  <p:par>
+                    <p:cTn id="3" fill="hold">
+                      <p:stCondLst>
+                        <p:cond delay="indefinite"/>
+                      </p:stCondLst>
+                      <p:childTnLst>
+                        <p:par>
+                          <p:cTn id="4" fill="hold">
+                            <p:stCondLst>
+                              <p:cond delay="0"/>
+                            </p:stCondLst>
+                            <p:childTnLst>
+                              <p:par>
+                                <p:cTn id="5" presetID="1" presetClass="entr" presetSubtype="0" fill="hold" nodeType="clickEffect">
+                                  <p:stCondLst>
+                                    <p:cond delay="0"/>
+                                  </p:stCondLst>
+                                  <p:childTnLst>
+                                    <p:set>
+                                      <p:cBhvr>
+                                        <p:cTn id="6" dur="1" fill="hold">
+                                          <p:stCondLst>
+                                            <p:cond delay="0"/>
+                                          </p:stCondLst>
+                                        </p:cTn>
+                                        <p:tgtEl>
+                                          <p:spTgt spid="3">
+                                            <p:txEl>
+                                              <p:pRg st="4" end="4"/>
+                                            </p:txEl>
+                                          </p:spTgt>
+                                        </p:tgtEl>
+                                        <p:attrNameLst>
+                                          <p:attrName>style.visibility</p:attrName>
+                                        </p:attrNameLst>
+                                      </p:cBhvr>
+                                      <p:to>
+                                        <p:strVal val="visible"/>
+                                      </p:to>
+                                    </p:set>
+                                  </p:childTnLst>
+                                </p:cTn>
+                              </p:par>
+                              <p:par>
+                                <p:cTn id="7" presetID="1" presetClass="entr" presetSubtype="0" fill="hold" nodeType="withEffect">
+                                  <p:stCondLst>
+                                    <p:cond delay="0"/>
+                                  </p:stCondLst>
+                                  <p:childTnLst>
+                                    <p:set>
+                                      <p:cBhvr>
+                                        <p:cTn id="8" dur="1" fill="hold">
+                                          <p:stCondLst>
+                                            <p:cond delay="0"/>
+                                          </p:stCondLst>
+                                        </p:cTn>
+                                        <p:tgtEl>
+                                          <p:spTgt spid="3">
+                                            <p:txEl>
+                                              <p:pRg st="5" end="5"/>
+                                            </p:txEl>
+                                          </p:spTgt>
+                                        </p:tgtEl>
+                                        <p:attrNameLst>
+                                          <p:attrName>style.visibility</p:attrName>
+                                        </p:attrNameLst>
+                                      </p:cBhvr>
+                                      <p:to>
+                                        <p:strVal val="visible"/>
+                                      </p:to>
+                                    </p:set>
+                                  </p:childTnLst>
+                                </p:cTn>
+                              </p:par>
+                            </p:childTnLst>
+                          </p:cTn>
+                        </p:par>
+                      </p:childTnLst>
+                    </p:cTn>
+                  </p:par>
+                </p:childTnLst>
+              </p:cTn>
+              <p:prevCondLst>
+                <p:cond evt="onPrev" delay="0">
+                  <p:tgtEl>
+                    <p:sldTgt/>
+                  </p:tgtEl>
+                </p:cond>
+              </p:prevCondLst>
+              <p:nextCondLst>
+                <p:cond evt="onNext" delay="0">
+                  <p:tgtEl>
+                    <p:sldTgt/>
+                  </p:tgtEl>
+                </p:cond>
+              </p:nextCondLst>
+            </p:seq>
+          </p:childTnLst>
+        </p:cTn>
+      </p:par>
+    </p:tnLst>
+  </p:timing>
+</p:sld>
+</file>
+
+<file path=ppt/slides/slide20.xml><?xml version="1.0" encoding="utf-8"?>
 <p:sld xmlns:a="http://schemas.openxmlformats.org/drawingml/2006/main" xmlns:r="http://schemas.openxmlformats.org/officeDocument/2006/relationships" xmlns:p="http://schemas.openxmlformats.org/presentationml/2006/main">
   <p:cSld>
     <p:spTree>
@@ -15124,7 +14579,7 @@
             <a:fld id="{99972907-1C6D-41FA-AAF1-1B0777B84EE1}" type="slidenum">
               <a:rPr lang="en-US"/>
               <a:pPr/>
-              <a:t>21</a:t>
+              <a:t>20</a:t>
             </a:fld>
             <a:endParaRPr lang="en-US"/>
           </a:p>
@@ -15147,7 +14602,23 @@
           <a:p>
             <a:r>
               <a:rPr lang="en-US" altLang="zh-CN" dirty="0"/>
-              <a:t>Question?</a:t>
+              <a:t>Exercise</a:t>
+            </a:r>
+            <a:r>
+              <a:rPr lang="zh-CN" altLang="en-US" dirty="0"/>
+              <a:t> </a:t>
+            </a:r>
+            <a:r>
+              <a:rPr lang="en-US" altLang="zh-CN" dirty="0"/>
+              <a:t>-</a:t>
+            </a:r>
+            <a:r>
+              <a:rPr lang="zh-CN" altLang="en-US" dirty="0"/>
+              <a:t> </a:t>
+            </a:r>
+            <a:r>
+              <a:rPr lang="en-US" altLang="zh-CN" dirty="0"/>
+              <a:t>2</a:t>
             </a:r>
             <a:endParaRPr lang="en-US" dirty="0"/>
           </a:p>
@@ -15464,473 +14935,7 @@
 </p:sld>
 </file>
 
-<file path=ppt/slides/slide22.xml><?xml version="1.0" encoding="utf-8"?>
-<p:sld xmlns:a="http://schemas.openxmlformats.org/drawingml/2006/main" xmlns:r="http://schemas.openxmlformats.org/officeDocument/2006/relationships" xmlns:p="http://schemas.openxmlformats.org/presentationml/2006/main">
-  <p:cSld>
-    <p:spTree>
-      <p:nvGrpSpPr>
-        <p:cNvPr id="1" name=""/>
-        <p:cNvGrpSpPr/>
-        <p:nvPr/>
-      </p:nvGrpSpPr>
-      <p:grpSpPr>
-        <a:xfrm>
-          <a:off x="0" y="0"/>
-          <a:ext cx="0" cy="0"/>
-          <a:chOff x="0" y="0"/>
-          <a:chExt cx="0" cy="0"/>
-        </a:xfrm>
-      </p:grpSpPr>
-      <p:sp>
-        <p:nvSpPr>
-          <p:cNvPr id="6" name="Slide Number Placeholder 5"/>
-          <p:cNvSpPr>
-            <a:spLocks noGrp="1"/>
-          </p:cNvSpPr>
-          <p:nvPr>
-            <p:ph type="sldNum" sz="quarter" idx="12"/>
-          </p:nvPr>
-        </p:nvSpPr>
-        <p:spPr/>
-        <p:txBody>
-          <a:bodyPr/>
-          <a:lstStyle/>
-          <a:p>
-            <a:fld id="{99972907-1C6D-41FA-AAF1-1B0777B84EE1}" type="slidenum">
-              <a:rPr lang="en-US"/>
-              <a:pPr/>
-              <a:t>22</a:t>
-            </a:fld>
-            <a:endParaRPr lang="en-US"/>
-          </a:p>
-        </p:txBody>
-      </p:sp>
-      <p:sp>
-        <p:nvSpPr>
-          <p:cNvPr id="183298" name="Rectangle 2"/>
-          <p:cNvSpPr>
-            <a:spLocks noGrp="1" noChangeArrowheads="1"/>
-          </p:cNvSpPr>
-          <p:nvPr>
-            <p:ph type="title"/>
-          </p:nvPr>
-        </p:nvSpPr>
-        <p:spPr/>
-        <p:txBody>
-          <a:bodyPr/>
-          <a:lstStyle/>
-          <a:p>
-            <a:r>
-              <a:rPr lang="en-US" altLang="zh-CN" dirty="0"/>
-              <a:t>Answer!</a:t>
-            </a:r>
-            <a:endParaRPr lang="en-US" dirty="0"/>
-          </a:p>
-        </p:txBody>
-      </p:sp>
-      <p:sp>
-        <p:nvSpPr>
-          <p:cNvPr id="183299" name="Rectangle 3"/>
-          <p:cNvSpPr>
-            <a:spLocks noGrp="1" noChangeArrowheads="1"/>
-          </p:cNvSpPr>
-          <p:nvPr>
-            <p:ph type="body" idx="1"/>
-          </p:nvPr>
-        </p:nvSpPr>
-        <p:spPr>
-          <a:xfrm>
-            <a:off x="628650" y="1872066"/>
-            <a:ext cx="7886700" cy="1847850"/>
-          </a:xfrm>
-        </p:spPr>
-        <p:txBody>
-          <a:bodyPr/>
-          <a:lstStyle/>
-          <a:p>
-            <a:r>
-              <a:rPr lang="en-US" altLang="zh-CN" dirty="0"/>
-              <a:t>Will</a:t>
-            </a:r>
-            <a:r>
-              <a:rPr lang="zh-CN" altLang="en-US" dirty="0"/>
-              <a:t> </a:t>
-            </a:r>
-            <a:r>
-              <a:rPr lang="en-US" altLang="zh-CN" dirty="0"/>
-              <a:t>it</a:t>
-            </a:r>
-            <a:r>
-              <a:rPr lang="zh-CN" altLang="en-US" dirty="0"/>
-              <a:t> </a:t>
-            </a:r>
-            <a:r>
-              <a:rPr lang="en-US" altLang="zh-CN" dirty="0"/>
-              <a:t>return</a:t>
-            </a:r>
-            <a:r>
-              <a:rPr lang="zh-CN" altLang="en-US" dirty="0"/>
-              <a:t> </a:t>
-            </a:r>
-            <a:r>
-              <a:rPr lang="en-US" altLang="zh-CN" dirty="0"/>
-              <a:t>all</a:t>
-            </a:r>
-            <a:r>
-              <a:rPr lang="zh-CN" altLang="en-US" dirty="0"/>
-              <a:t> </a:t>
-            </a:r>
-            <a:r>
-              <a:rPr lang="en-US" altLang="zh-CN" dirty="0"/>
-              <a:t>students?</a:t>
-            </a:r>
-          </a:p>
-          <a:p>
-            <a:endParaRPr lang="en-US" dirty="0"/>
-          </a:p>
-          <a:p>
-            <a:pPr>
-              <a:buFontTx/>
-              <a:buNone/>
-            </a:pPr>
-            <a:endParaRPr lang="en-US" dirty="0"/>
-          </a:p>
-          <a:p>
-            <a:pPr>
-              <a:buFontTx/>
-              <a:buNone/>
-            </a:pPr>
-            <a:endParaRPr lang="en-US" dirty="0"/>
-          </a:p>
-          <a:p>
-            <a:pPr>
-              <a:buFontTx/>
-              <a:buNone/>
-            </a:pPr>
-            <a:endParaRPr lang="en-US" dirty="0"/>
-          </a:p>
-        </p:txBody>
-      </p:sp>
-      <p:sp>
-        <p:nvSpPr>
-          <p:cNvPr id="183300" name="Rectangle 4"/>
-          <p:cNvSpPr>
-            <a:spLocks noChangeArrowheads="1"/>
-          </p:cNvSpPr>
-          <p:nvPr/>
-        </p:nvSpPr>
-        <p:spPr bwMode="auto">
-          <a:xfrm>
-            <a:off x="1752141" y="2991583"/>
-            <a:ext cx="5391219" cy="1569660"/>
-          </a:xfrm>
-          <a:prstGeom prst="rect">
-            <a:avLst/>
-          </a:prstGeom>
-          <a:solidFill>
-            <a:schemeClr val="bg1"/>
-          </a:solidFill>
-          <a:ln w="9525">
-            <a:solidFill>
-              <a:schemeClr val="tx1"/>
-            </a:solidFill>
-            <a:miter lim="800000"/>
-            <a:headEnd/>
-            <a:tailEnd/>
-          </a:ln>
-          <a:effectLst>
-            <a:outerShdw blurRad="50800" dist="12700" dir="2700000" algn="tl" rotWithShape="0">
-              <a:prstClr val="black">
-                <a:alpha val="40000"/>
-              </a:prstClr>
-            </a:outerShdw>
-          </a:effectLst>
-        </p:spPr>
-        <p:txBody>
-          <a:bodyPr wrap="none">
-            <a:spAutoFit/>
-          </a:bodyPr>
-          <a:lstStyle/>
-          <a:p>
-            <a:r>
-              <a:rPr lang="en-US" sz="2400" dirty="0">
-                <a:solidFill>
-                  <a:schemeClr val="accent2"/>
-                </a:solidFill>
-                <a:latin typeface="Menlo" charset="0"/>
-                <a:ea typeface="Menlo" charset="0"/>
-                <a:cs typeface="Menlo" charset="0"/>
-              </a:rPr>
-              <a:t>SELECT</a:t>
-            </a:r>
-            <a:r>
-              <a:rPr lang="en-US" sz="2400" dirty="0">
-                <a:latin typeface="Menlo" charset="0"/>
-                <a:ea typeface="Menlo" charset="0"/>
-                <a:cs typeface="Menlo" charset="0"/>
-              </a:rPr>
-              <a:t> *</a:t>
-            </a:r>
-          </a:p>
-          <a:p>
-            <a:r>
-              <a:rPr lang="en-US" sz="2400" dirty="0">
-                <a:solidFill>
-                  <a:schemeClr val="accent2"/>
-                </a:solidFill>
-                <a:latin typeface="Menlo" charset="0"/>
-                <a:ea typeface="Menlo" charset="0"/>
-                <a:cs typeface="Menlo" charset="0"/>
-              </a:rPr>
-              <a:t>FROM</a:t>
-            </a:r>
-            <a:r>
-              <a:rPr lang="en-US" sz="2400" dirty="0">
-                <a:latin typeface="Menlo" charset="0"/>
-                <a:ea typeface="Menlo" charset="0"/>
-                <a:cs typeface="Menlo" charset="0"/>
-              </a:rPr>
-              <a:t>   </a:t>
-            </a:r>
-            <a:r>
-              <a:rPr lang="en-US" altLang="zh-CN" sz="2400" dirty="0">
-                <a:latin typeface="Menlo" charset="0"/>
-                <a:ea typeface="Menlo" charset="0"/>
-                <a:cs typeface="Menlo" charset="0"/>
-              </a:rPr>
-              <a:t>Students</a:t>
-            </a:r>
-            <a:endParaRPr lang="en-US" sz="2400" dirty="0">
-              <a:latin typeface="Menlo" charset="0"/>
-              <a:ea typeface="Menlo" charset="0"/>
-              <a:cs typeface="Menlo" charset="0"/>
-            </a:endParaRPr>
-          </a:p>
-          <a:p>
-            <a:r>
-              <a:rPr lang="en-US" sz="2400" dirty="0">
-                <a:solidFill>
-                  <a:schemeClr val="accent2"/>
-                </a:solidFill>
-                <a:latin typeface="Menlo" charset="0"/>
-                <a:ea typeface="Menlo" charset="0"/>
-                <a:cs typeface="Menlo" charset="0"/>
-              </a:rPr>
-              <a:t>WHERE</a:t>
-            </a:r>
-            <a:r>
-              <a:rPr lang="en-US" sz="2400" dirty="0">
-                <a:latin typeface="Menlo" charset="0"/>
-                <a:ea typeface="Menlo" charset="0"/>
-                <a:cs typeface="Menlo" charset="0"/>
-              </a:rPr>
-              <a:t>  age &lt; 25 </a:t>
-            </a:r>
-            <a:r>
-              <a:rPr lang="en-US" sz="2400" dirty="0">
-                <a:solidFill>
-                  <a:srgbClr val="ED7D31"/>
-                </a:solidFill>
-                <a:latin typeface="Menlo" charset="0"/>
-                <a:ea typeface="Menlo" charset="0"/>
-                <a:cs typeface="Menlo" charset="0"/>
-              </a:rPr>
-              <a:t>OR</a:t>
-            </a:r>
-            <a:r>
-              <a:rPr lang="en-US" sz="2400" dirty="0">
-                <a:latin typeface="Menlo" charset="0"/>
-                <a:ea typeface="Menlo" charset="0"/>
-                <a:cs typeface="Menlo" charset="0"/>
-              </a:rPr>
-              <a:t> age &gt;= 25</a:t>
-            </a:r>
-          </a:p>
-          <a:p>
-            <a:r>
-              <a:rPr lang="zh-CN" altLang="en-US" sz="2400" dirty="0">
-                <a:latin typeface="Menlo" charset="0"/>
-                <a:ea typeface="Menlo" charset="0"/>
-                <a:cs typeface="Menlo" charset="0"/>
-              </a:rPr>
-              <a:t>   </a:t>
-            </a:r>
-            <a:r>
-              <a:rPr lang="en-US" altLang="zh-CN" sz="2400" dirty="0">
-                <a:solidFill>
-                  <a:srgbClr val="ED7D31"/>
-                </a:solidFill>
-                <a:latin typeface="Menlo" charset="0"/>
-                <a:ea typeface="Menlo" charset="0"/>
-                <a:cs typeface="Menlo" charset="0"/>
-              </a:rPr>
-              <a:t>OR</a:t>
-            </a:r>
-            <a:r>
-              <a:rPr lang="zh-CN" altLang="en-US" sz="2400" dirty="0">
-                <a:latin typeface="Menlo" charset="0"/>
-                <a:ea typeface="Menlo" charset="0"/>
-                <a:cs typeface="Menlo" charset="0"/>
-              </a:rPr>
-              <a:t> </a:t>
-            </a:r>
-            <a:r>
-              <a:rPr lang="en-US" altLang="zh-CN" sz="2400" dirty="0">
-                <a:latin typeface="Menlo" charset="0"/>
-                <a:ea typeface="Menlo" charset="0"/>
-                <a:cs typeface="Menlo" charset="0"/>
-              </a:rPr>
-              <a:t>age</a:t>
-            </a:r>
-            <a:r>
-              <a:rPr lang="zh-CN" altLang="en-US" sz="2400" dirty="0">
-                <a:latin typeface="Menlo" charset="0"/>
-                <a:ea typeface="Menlo" charset="0"/>
-                <a:cs typeface="Menlo" charset="0"/>
-              </a:rPr>
-              <a:t> </a:t>
-            </a:r>
-            <a:r>
-              <a:rPr lang="en-US" altLang="zh-CN" sz="2400" dirty="0">
-                <a:solidFill>
-                  <a:srgbClr val="FF0000"/>
-                </a:solidFill>
-                <a:latin typeface="Menlo" charset="0"/>
-                <a:ea typeface="Menlo" charset="0"/>
-                <a:cs typeface="Menlo" charset="0"/>
-              </a:rPr>
-              <a:t>is</a:t>
-            </a:r>
-            <a:r>
-              <a:rPr lang="zh-CN" altLang="en-US" sz="2400" dirty="0">
-                <a:solidFill>
-                  <a:srgbClr val="FF0000"/>
-                </a:solidFill>
-                <a:latin typeface="Menlo" charset="0"/>
-                <a:ea typeface="Menlo" charset="0"/>
-                <a:cs typeface="Menlo" charset="0"/>
-              </a:rPr>
-              <a:t> </a:t>
-            </a:r>
-            <a:r>
-              <a:rPr lang="en-US" altLang="zh-CN" sz="2400" dirty="0">
-                <a:solidFill>
-                  <a:srgbClr val="FF0000"/>
-                </a:solidFill>
-                <a:latin typeface="Menlo" charset="0"/>
-                <a:ea typeface="Menlo" charset="0"/>
-                <a:cs typeface="Menlo" charset="0"/>
-              </a:rPr>
-              <a:t>NULL</a:t>
-            </a:r>
-            <a:endParaRPr lang="en-US" sz="2400" dirty="0">
-              <a:solidFill>
-                <a:srgbClr val="FF0000"/>
-              </a:solidFill>
-              <a:latin typeface="Menlo" charset="0"/>
-              <a:ea typeface="Menlo" charset="0"/>
-              <a:cs typeface="Menlo" charset="0"/>
-            </a:endParaRPr>
-          </a:p>
-        </p:txBody>
-      </p:sp>
-      <p:sp>
-        <p:nvSpPr>
-          <p:cNvPr id="3" name="Rectangle 2"/>
-          <p:cNvSpPr/>
-          <p:nvPr/>
-        </p:nvSpPr>
-        <p:spPr>
-          <a:xfrm>
-            <a:off x="759279" y="5066767"/>
-            <a:ext cx="7756071" cy="1378839"/>
-          </a:xfrm>
-          <a:prstGeom prst="rect">
-            <a:avLst/>
-          </a:prstGeom>
-        </p:spPr>
-        <p:txBody>
-          <a:bodyPr wrap="square">
-            <a:spAutoFit/>
-          </a:bodyPr>
-          <a:lstStyle/>
-          <a:p>
-            <a:pPr>
-              <a:lnSpc>
-                <a:spcPct val="110000"/>
-              </a:lnSpc>
-            </a:pPr>
-            <a:r>
-              <a:rPr lang="en-US" sz="2800" dirty="0"/>
-              <a:t>There are special operators to test for null values</a:t>
-            </a:r>
-          </a:p>
-          <a:p>
-            <a:pPr marL="800100" lvl="1" indent="-342900">
-              <a:lnSpc>
-                <a:spcPct val="110000"/>
-              </a:lnSpc>
-              <a:buFont typeface="Arial" charset="0"/>
-              <a:buChar char="•"/>
-            </a:pPr>
-            <a:r>
-              <a:rPr lang="en-US" sz="2400" b="1" dirty="0">
-                <a:solidFill>
-                  <a:srgbClr val="FF0000"/>
-                </a:solidFill>
-              </a:rPr>
-              <a:t>IS NULL </a:t>
-            </a:r>
-            <a:r>
-              <a:rPr lang="en-US" sz="2400" dirty="0"/>
-              <a:t>tests for the presence of nulls and</a:t>
-            </a:r>
-          </a:p>
-          <a:p>
-            <a:pPr marL="800100" lvl="1" indent="-342900">
-              <a:lnSpc>
-                <a:spcPct val="110000"/>
-              </a:lnSpc>
-              <a:buFont typeface="Arial" charset="0"/>
-              <a:buChar char="•"/>
-            </a:pPr>
-            <a:r>
-              <a:rPr lang="en-US" sz="2400" b="1" dirty="0">
-                <a:solidFill>
-                  <a:srgbClr val="FF0000"/>
-                </a:solidFill>
-              </a:rPr>
-              <a:t>IS NOT NULL</a:t>
-            </a:r>
-            <a:r>
-              <a:rPr lang="en-US" sz="2400" dirty="0">
-                <a:solidFill>
-                  <a:srgbClr val="FF0000"/>
-                </a:solidFill>
-              </a:rPr>
-              <a:t> </a:t>
-            </a:r>
-            <a:r>
-              <a:rPr lang="en-US" sz="2400" dirty="0"/>
-              <a:t>tests for the absence of nulls</a:t>
-            </a:r>
-          </a:p>
-        </p:txBody>
-      </p:sp>
-    </p:spTree>
-    <p:extLst>
-      <p:ext uri="{BB962C8B-B14F-4D97-AF65-F5344CB8AC3E}">
-        <p14:creationId xmlns:p14="http://schemas.microsoft.com/office/powerpoint/2010/main" val="2002540680"/>
-      </p:ext>
-    </p:extLst>
-  </p:cSld>
-  <p:clrMapOvr>
-    <a:masterClrMapping/>
-  </p:clrMapOvr>
-</p:sld>
-</file>
-
-<file path=ppt/slides/slide23.xml><?xml version="1.0" encoding="utf-8"?>
+<file path=ppt/slides/slide21.xml><?xml version="1.0" encoding="utf-8"?>
 <p:sld xmlns:a="http://schemas.openxmlformats.org/drawingml/2006/main" xmlns:r="http://schemas.openxmlformats.org/officeDocument/2006/relationships" xmlns:p="http://schemas.openxmlformats.org/presentationml/2006/main">
   <p:cSld>
     <p:spTree>
@@ -16195,7 +15200,7 @@
           <a:p>
             <a:fld id="{24AF9547-1ADA-7741-9454-C97103F281DA}" type="slidenum">
               <a:rPr lang="en-US" smtClean="0"/>
-              <a:t>23</a:t>
+              <a:t>21</a:t>
             </a:fld>
             <a:endParaRPr lang="en-US"/>
           </a:p>
@@ -16214,7 +15219,7 @@
 </p:sld>
 </file>
 
-<file path=ppt/slides/slide24.xml><?xml version="1.0" encoding="utf-8"?>
+<file path=ppt/slides/slide22.xml><?xml version="1.0" encoding="utf-8"?>
 <p:sld xmlns:a="http://schemas.openxmlformats.org/drawingml/2006/main" xmlns:r="http://schemas.openxmlformats.org/officeDocument/2006/relationships" xmlns:p="http://schemas.openxmlformats.org/presentationml/2006/main">
   <p:cSld>
     <p:spTree>
@@ -16921,7 +15926,7 @@
           <a:p>
             <a:fld id="{24AF9547-1ADA-7741-9454-C97103F281DA}" type="slidenum">
               <a:rPr lang="en-US" smtClean="0"/>
-              <a:t>24</a:t>
+              <a:t>22</a:t>
             </a:fld>
             <a:endParaRPr lang="en-US"/>
           </a:p>
@@ -17126,7 +16131,7 @@
 </p:sld>
 </file>
 
-<file path=ppt/slides/slide25.xml><?xml version="1.0" encoding="utf-8"?>
+<file path=ppt/slides/slide23.xml><?xml version="1.0" encoding="utf-8"?>
 <p:sld xmlns:a="http://schemas.openxmlformats.org/drawingml/2006/main" xmlns:r="http://schemas.openxmlformats.org/officeDocument/2006/relationships" xmlns:p="http://schemas.openxmlformats.org/presentationml/2006/main">
   <p:cSld>
     <p:spTree>
@@ -17834,7 +16839,7 @@
           <a:p>
             <a:fld id="{24AF9547-1ADA-7741-9454-C97103F281DA}" type="slidenum">
               <a:rPr lang="en-US" smtClean="0"/>
-              <a:t>25</a:t>
+              <a:t>23</a:t>
             </a:fld>
             <a:endParaRPr lang="en-US"/>
           </a:p>
@@ -17928,7 +16933,7 @@
 </p:sld>
 </file>
 
-<file path=ppt/slides/slide26.xml><?xml version="1.0" encoding="utf-8"?>
+<file path=ppt/slides/slide24.xml><?xml version="1.0" encoding="utf-8"?>
 <p:sld xmlns:a="http://schemas.openxmlformats.org/drawingml/2006/main" xmlns:r="http://schemas.openxmlformats.org/officeDocument/2006/relationships" xmlns:p="http://schemas.openxmlformats.org/presentationml/2006/main">
   <p:cSld>
     <p:spTree>
@@ -18635,7 +17640,7 @@
           <a:p>
             <a:fld id="{24AF9547-1ADA-7741-9454-C97103F281DA}" type="slidenum">
               <a:rPr lang="en-US" smtClean="0"/>
-              <a:t>26</a:t>
+              <a:t>24</a:t>
             </a:fld>
             <a:endParaRPr lang="en-US"/>
           </a:p>
@@ -18654,7 +17659,7 @@
 </p:sld>
 </file>
 
-<file path=ppt/slides/slide27.xml><?xml version="1.0" encoding="utf-8"?>
+<file path=ppt/slides/slide25.xml><?xml version="1.0" encoding="utf-8"?>
 <p:sld xmlns:a="http://schemas.openxmlformats.org/drawingml/2006/main" xmlns:r="http://schemas.openxmlformats.org/officeDocument/2006/relationships" xmlns:p="http://schemas.openxmlformats.org/presentationml/2006/main">
   <p:cSld>
     <p:spTree>
@@ -18772,7 +17777,7 @@
           <a:p>
             <a:fld id="{24AF9547-1ADA-7741-9454-C97103F281DA}" type="slidenum">
               <a:rPr lang="en-US" smtClean="0"/>
-              <a:t>27</a:t>
+              <a:t>25</a:t>
             </a:fld>
             <a:endParaRPr lang="en-US"/>
           </a:p>
@@ -19571,7 +18576,7 @@
 </p:sld>
 </file>
 
-<file path=ppt/slides/slide28.xml><?xml version="1.0" encoding="utf-8"?>
+<file path=ppt/slides/slide26.xml><?xml version="1.0" encoding="utf-8"?>
 <p:sld xmlns:a="http://schemas.openxmlformats.org/drawingml/2006/main" xmlns:r="http://schemas.openxmlformats.org/officeDocument/2006/relationships" xmlns:p="http://schemas.openxmlformats.org/presentationml/2006/main">
   <p:cSld>
     <p:spTree>
@@ -19685,7 +18690,7 @@
           <a:p>
             <a:fld id="{24AF9547-1ADA-7741-9454-C97103F281DA}" type="slidenum">
               <a:rPr lang="en-US" smtClean="0"/>
-              <a:t>28</a:t>
+              <a:t>26</a:t>
             </a:fld>
             <a:endParaRPr lang="en-US"/>
           </a:p>
@@ -20424,7 +19429,7 @@
 </p:sld>
 </file>
 
-<file path=ppt/slides/slide29.xml><?xml version="1.0" encoding="utf-8"?>
+<file path=ppt/slides/slide27.xml><?xml version="1.0" encoding="utf-8"?>
 <p:sld xmlns:a="http://schemas.openxmlformats.org/drawingml/2006/main" xmlns:r="http://schemas.openxmlformats.org/officeDocument/2006/relationships" xmlns:p="http://schemas.openxmlformats.org/presentationml/2006/main">
   <p:cSld>
     <p:spTree>
@@ -21105,7 +20110,7 @@
           <a:p>
             <a:fld id="{24AF9547-1ADA-7741-9454-C97103F281DA}" type="slidenum">
               <a:rPr lang="en-US" smtClean="0"/>
-              <a:t>29</a:t>
+              <a:t>27</a:t>
             </a:fld>
             <a:endParaRPr lang="en-US"/>
           </a:p>
@@ -21202,704 +20207,7 @@
 </p:sld>
 </file>
 
-<file path=ppt/slides/slide3.xml><?xml version="1.0" encoding="utf-8"?>
-<p:sld xmlns:a="http://schemas.openxmlformats.org/drawingml/2006/main" xmlns:r="http://schemas.openxmlformats.org/officeDocument/2006/relationships" xmlns:p="http://schemas.openxmlformats.org/presentationml/2006/main">
-  <p:cSld>
-    <p:spTree>
-      <p:nvGrpSpPr>
-        <p:cNvPr id="1" name=""/>
-        <p:cNvGrpSpPr/>
-        <p:nvPr/>
-      </p:nvGrpSpPr>
-      <p:grpSpPr>
-        <a:xfrm>
-          <a:off x="0" y="0"/>
-          <a:ext cx="0" cy="0"/>
-          <a:chOff x="0" y="0"/>
-          <a:chExt cx="0" cy="0"/>
-        </a:xfrm>
-      </p:grpSpPr>
-      <p:sp>
-        <p:nvSpPr>
-          <p:cNvPr id="2" name="Title 1"/>
-          <p:cNvSpPr>
-            <a:spLocks noGrp="1"/>
-          </p:cNvSpPr>
-          <p:nvPr>
-            <p:ph type="title"/>
-          </p:nvPr>
-        </p:nvSpPr>
-        <p:spPr/>
-        <p:txBody>
-          <a:bodyPr/>
-          <a:lstStyle/>
-          <a:p>
-            <a:r>
-              <a:rPr lang="en-US" dirty="0"/>
-              <a:t>SQL Motivation</a:t>
-            </a:r>
-          </a:p>
-        </p:txBody>
-      </p:sp>
-      <p:sp>
-        <p:nvSpPr>
-          <p:cNvPr id="3" name="Content Placeholder 2"/>
-          <p:cNvSpPr>
-            <a:spLocks noGrp="1"/>
-          </p:cNvSpPr>
-          <p:nvPr>
-            <p:ph idx="1"/>
-          </p:nvPr>
-        </p:nvSpPr>
-        <p:spPr>
-          <a:xfrm>
-            <a:off x="548440" y="1519738"/>
-            <a:ext cx="7886700" cy="4886503"/>
-          </a:xfrm>
-        </p:spPr>
-        <p:txBody>
-          <a:bodyPr>
-            <a:normAutofit/>
-          </a:bodyPr>
-          <a:lstStyle/>
-          <a:p>
-            <a:r>
-              <a:rPr lang="en-US" dirty="0"/>
-              <a:t>Dark times in 2000s</a:t>
-            </a:r>
-          </a:p>
-          <a:p>
-            <a:pPr lvl="1"/>
-            <a:r>
-              <a:rPr lang="en-US" dirty="0"/>
-              <a:t>Are relational databases dead?</a:t>
-            </a:r>
-          </a:p>
-          <a:p>
-            <a:pPr marL="0" indent="0">
-              <a:buNone/>
-            </a:pPr>
-            <a:endParaRPr lang="en-US" dirty="0"/>
-          </a:p>
-          <a:p>
-            <a:r>
-              <a:rPr lang="en-US" dirty="0"/>
-              <a:t>Now, as before: everyone sells SQL </a:t>
-            </a:r>
-          </a:p>
-          <a:p>
-            <a:pPr lvl="1"/>
-            <a:r>
-              <a:rPr lang="en-US" dirty="0"/>
-              <a:t>Pig, Hive, Impala</a:t>
-            </a:r>
-          </a:p>
-          <a:p>
-            <a:pPr lvl="1"/>
-            <a:r>
-              <a:rPr lang="en-US" dirty="0" err="1"/>
-              <a:t>Spark</a:t>
-            </a:r>
-            <a:r>
-              <a:rPr lang="en-US" altLang="zh-CN" dirty="0" err="1"/>
-              <a:t>SQL</a:t>
-            </a:r>
-            <a:endParaRPr lang="en-US" dirty="0"/>
-          </a:p>
-          <a:p>
-            <a:pPr marL="0" indent="0">
-              <a:buNone/>
-            </a:pPr>
-            <a:endParaRPr lang="en-US" dirty="0"/>
-          </a:p>
-          <a:p>
-            <a:r>
-              <a:rPr lang="en-US" dirty="0"/>
-              <a:t>NoSQL </a:t>
-            </a:r>
-          </a:p>
-          <a:p>
-            <a:pPr lvl="1"/>
-            <a:r>
-              <a:rPr lang="en-US" dirty="0"/>
-              <a:t>“Non SQL”</a:t>
-            </a:r>
-          </a:p>
-          <a:p>
-            <a:pPr lvl="1"/>
-            <a:r>
-              <a:rPr lang="en-US" dirty="0"/>
-              <a:t>“Not-Only-SQL”</a:t>
-            </a:r>
-          </a:p>
-          <a:p>
-            <a:pPr lvl="1"/>
-            <a:r>
-              <a:rPr lang="en-US" dirty="0"/>
-              <a:t>“Not-Yet-SQL”</a:t>
-            </a:r>
-          </a:p>
-        </p:txBody>
-      </p:sp>
-      <p:pic>
-        <p:nvPicPr>
-          <p:cNvPr id="4" name="Picture 3"/>
-          <p:cNvPicPr>
-            <a:picLocks noChangeAspect="1"/>
-          </p:cNvPicPr>
-          <p:nvPr/>
-        </p:nvPicPr>
-        <p:blipFill>
-          <a:blip r:embed="rId2"/>
-          <a:stretch>
-            <a:fillRect/>
-          </a:stretch>
-        </p:blipFill>
-        <p:spPr>
-          <a:xfrm>
-            <a:off x="5398642" y="3928252"/>
-            <a:ext cx="1085850" cy="1000125"/>
-          </a:xfrm>
-          <a:prstGeom prst="rect">
-            <a:avLst/>
-          </a:prstGeom>
-        </p:spPr>
-      </p:pic>
-      <p:pic>
-        <p:nvPicPr>
-          <p:cNvPr id="5" name="Picture 4"/>
-          <p:cNvPicPr>
-            <a:picLocks noChangeAspect="1"/>
-          </p:cNvPicPr>
-          <p:nvPr/>
-        </p:nvPicPr>
-        <p:blipFill>
-          <a:blip r:embed="rId3"/>
-          <a:stretch>
-            <a:fillRect/>
-          </a:stretch>
-        </p:blipFill>
-        <p:spPr>
-          <a:xfrm>
-            <a:off x="6610598" y="3722346"/>
-            <a:ext cx="823424" cy="1544629"/>
-          </a:xfrm>
-          <a:prstGeom prst="rect">
-            <a:avLst/>
-          </a:prstGeom>
-        </p:spPr>
-      </p:pic>
-      <p:pic>
-        <p:nvPicPr>
-          <p:cNvPr id="6" name="Picture 5"/>
-          <p:cNvPicPr>
-            <a:picLocks noChangeAspect="1"/>
-          </p:cNvPicPr>
-          <p:nvPr/>
-        </p:nvPicPr>
-        <p:blipFill>
-          <a:blip r:embed="rId4"/>
-          <a:stretch>
-            <a:fillRect/>
-          </a:stretch>
-        </p:blipFill>
-        <p:spPr>
-          <a:xfrm>
-            <a:off x="6074917" y="2067866"/>
-            <a:ext cx="2286000" cy="533400"/>
-          </a:xfrm>
-          <a:prstGeom prst="rect">
-            <a:avLst/>
-          </a:prstGeom>
-        </p:spPr>
-      </p:pic>
-      <p:pic>
-        <p:nvPicPr>
-          <p:cNvPr id="7" name="Picture 6"/>
-          <p:cNvPicPr>
-            <a:picLocks noChangeAspect="1"/>
-          </p:cNvPicPr>
-          <p:nvPr/>
-        </p:nvPicPr>
-        <p:blipFill rotWithShape="1">
-          <a:blip r:embed="rId5" cstate="hqprint">
-            <a:extLst>
-              <a:ext uri="{28A0092B-C50C-407E-A947-70E740481C1C}">
-                <a14:useLocalDpi xmlns:a14="http://schemas.microsoft.com/office/drawing/2010/main"/>
-              </a:ext>
-            </a:extLst>
-          </a:blip>
-          <a:srcRect/>
-          <a:stretch/>
-        </p:blipFill>
-        <p:spPr>
-          <a:xfrm>
-            <a:off x="4235127" y="3820011"/>
-            <a:ext cx="1141497" cy="1524000"/>
-          </a:xfrm>
-          <a:prstGeom prst="rect">
-            <a:avLst/>
-          </a:prstGeom>
-        </p:spPr>
-      </p:pic>
-      <p:sp>
-        <p:nvSpPr>
-          <p:cNvPr id="11" name="Slide Number Placeholder 10"/>
-          <p:cNvSpPr>
-            <a:spLocks noGrp="1"/>
-          </p:cNvSpPr>
-          <p:nvPr>
-            <p:ph type="sldNum" sz="quarter" idx="12"/>
-          </p:nvPr>
-        </p:nvSpPr>
-        <p:spPr/>
-        <p:txBody>
-          <a:bodyPr/>
-          <a:lstStyle/>
-          <a:p>
-            <a:fld id="{24AF9547-1ADA-7741-9454-C97103F281DA}" type="slidenum">
-              <a:rPr lang="en-US" smtClean="0"/>
-              <a:t>3</a:t>
-            </a:fld>
-            <a:endParaRPr lang="en-US"/>
-          </a:p>
-        </p:txBody>
-      </p:sp>
-      <p:pic>
-        <p:nvPicPr>
-          <p:cNvPr id="9" name="Picture 8">
-            <a:extLst>
-              <a:ext uri="{FF2B5EF4-FFF2-40B4-BE49-F238E27FC236}">
-                <a16:creationId xmlns:a16="http://schemas.microsoft.com/office/drawing/2014/main" id="{1249C6FF-3C57-734F-BAC5-58D36EC6F348}"/>
-              </a:ext>
-            </a:extLst>
-          </p:cNvPr>
-          <p:cNvPicPr>
-            <a:picLocks noChangeAspect="1"/>
-          </p:cNvPicPr>
-          <p:nvPr/>
-        </p:nvPicPr>
-        <p:blipFill>
-          <a:blip r:embed="rId6"/>
-          <a:stretch>
-            <a:fillRect/>
-          </a:stretch>
-        </p:blipFill>
-        <p:spPr>
-          <a:xfrm>
-            <a:off x="7553698" y="4132442"/>
-            <a:ext cx="1415070" cy="526644"/>
-          </a:xfrm>
-          <a:prstGeom prst="rect">
-            <a:avLst/>
-          </a:prstGeom>
-        </p:spPr>
-      </p:pic>
-    </p:spTree>
-    <p:extLst>
-      <p:ext uri="{BB962C8B-B14F-4D97-AF65-F5344CB8AC3E}">
-        <p14:creationId xmlns:p14="http://schemas.microsoft.com/office/powerpoint/2010/main" val="1994985859"/>
-      </p:ext>
-    </p:extLst>
-  </p:cSld>
-  <p:clrMapOvr>
-    <a:masterClrMapping/>
-  </p:clrMapOvr>
-  <p:timing>
-    <p:tnLst>
-      <p:par>
-        <p:cTn id="1" dur="indefinite" restart="never" nodeType="tmRoot">
-          <p:childTnLst>
-            <p:seq concurrent="1" nextAc="seek">
-              <p:cTn id="2" dur="indefinite" nodeType="mainSeq">
-                <p:childTnLst>
-                  <p:par>
-                    <p:cTn id="3" fill="hold">
-                      <p:stCondLst>
-                        <p:cond delay="indefinite"/>
-                      </p:stCondLst>
-                      <p:childTnLst>
-                        <p:par>
-                          <p:cTn id="4" fill="hold">
-                            <p:stCondLst>
-                              <p:cond delay="0"/>
-                            </p:stCondLst>
-                            <p:childTnLst>
-                              <p:par>
-                                <p:cTn id="5" presetID="1" presetClass="entr" presetSubtype="0" fill="hold" nodeType="clickEffect">
-                                  <p:stCondLst>
-                                    <p:cond delay="0"/>
-                                  </p:stCondLst>
-                                  <p:childTnLst>
-                                    <p:set>
-                                      <p:cBhvr>
-                                        <p:cTn id="6" dur="1" fill="hold">
-                                          <p:stCondLst>
-                                            <p:cond delay="0"/>
-                                          </p:stCondLst>
-                                        </p:cTn>
-                                        <p:tgtEl>
-                                          <p:spTgt spid="3">
-                                            <p:txEl>
-                                              <p:pRg st="3" end="3"/>
-                                            </p:txEl>
-                                          </p:spTgt>
-                                        </p:tgtEl>
-                                        <p:attrNameLst>
-                                          <p:attrName>style.visibility</p:attrName>
-                                        </p:attrNameLst>
-                                      </p:cBhvr>
-                                      <p:to>
-                                        <p:strVal val="visible"/>
-                                      </p:to>
-                                    </p:set>
-                                  </p:childTnLst>
-                                </p:cTn>
-                              </p:par>
-                              <p:par>
-                                <p:cTn id="7" presetID="1" presetClass="entr" presetSubtype="0" fill="hold" nodeType="withEffect">
-                                  <p:stCondLst>
-                                    <p:cond delay="0"/>
-                                  </p:stCondLst>
-                                  <p:childTnLst>
-                                    <p:set>
-                                      <p:cBhvr>
-                                        <p:cTn id="8" dur="1" fill="hold">
-                                          <p:stCondLst>
-                                            <p:cond delay="0"/>
-                                          </p:stCondLst>
-                                        </p:cTn>
-                                        <p:tgtEl>
-                                          <p:spTgt spid="3">
-                                            <p:txEl>
-                                              <p:pRg st="4" end="4"/>
-                                            </p:txEl>
-                                          </p:spTgt>
-                                        </p:tgtEl>
-                                        <p:attrNameLst>
-                                          <p:attrName>style.visibility</p:attrName>
-                                        </p:attrNameLst>
-                                      </p:cBhvr>
-                                      <p:to>
-                                        <p:strVal val="visible"/>
-                                      </p:to>
-                                    </p:set>
-                                  </p:childTnLst>
-                                </p:cTn>
-                              </p:par>
-                              <p:par>
-                                <p:cTn id="9" presetID="1" presetClass="entr" presetSubtype="0" fill="hold" nodeType="withEffect">
-                                  <p:stCondLst>
-                                    <p:cond delay="0"/>
-                                  </p:stCondLst>
-                                  <p:childTnLst>
-                                    <p:set>
-                                      <p:cBhvr>
-                                        <p:cTn id="10" dur="1" fill="hold">
-                                          <p:stCondLst>
-                                            <p:cond delay="0"/>
-                                          </p:stCondLst>
-                                        </p:cTn>
-                                        <p:tgtEl>
-                                          <p:spTgt spid="3">
-                                            <p:txEl>
-                                              <p:pRg st="5" end="5"/>
-                                            </p:txEl>
-                                          </p:spTgt>
-                                        </p:tgtEl>
-                                        <p:attrNameLst>
-                                          <p:attrName>style.visibility</p:attrName>
-                                        </p:attrNameLst>
-                                      </p:cBhvr>
-                                      <p:to>
-                                        <p:strVal val="visible"/>
-                                      </p:to>
-                                    </p:set>
-                                  </p:childTnLst>
-                                </p:cTn>
-                              </p:par>
-                              <p:par>
-                                <p:cTn id="11" presetID="1" presetClass="entr" presetSubtype="0" fill="hold" nodeType="withEffect">
-                                  <p:stCondLst>
-                                    <p:cond delay="0"/>
-                                  </p:stCondLst>
-                                  <p:childTnLst>
-                                    <p:set>
-                                      <p:cBhvr>
-                                        <p:cTn id="12" dur="1" fill="hold">
-                                          <p:stCondLst>
-                                            <p:cond delay="0"/>
-                                          </p:stCondLst>
-                                        </p:cTn>
-                                        <p:tgtEl>
-                                          <p:spTgt spid="4"/>
-                                        </p:tgtEl>
-                                        <p:attrNameLst>
-                                          <p:attrName>style.visibility</p:attrName>
-                                        </p:attrNameLst>
-                                      </p:cBhvr>
-                                      <p:to>
-                                        <p:strVal val="visible"/>
-                                      </p:to>
-                                    </p:set>
-                                  </p:childTnLst>
-                                </p:cTn>
-                              </p:par>
-                              <p:par>
-                                <p:cTn id="13" presetID="1" presetClass="entr" presetSubtype="0" fill="hold" nodeType="withEffect">
-                                  <p:stCondLst>
-                                    <p:cond delay="0"/>
-                                  </p:stCondLst>
-                                  <p:childTnLst>
-                                    <p:set>
-                                      <p:cBhvr>
-                                        <p:cTn id="14" dur="1" fill="hold">
-                                          <p:stCondLst>
-                                            <p:cond delay="0"/>
-                                          </p:stCondLst>
-                                        </p:cTn>
-                                        <p:tgtEl>
-                                          <p:spTgt spid="5"/>
-                                        </p:tgtEl>
-                                        <p:attrNameLst>
-                                          <p:attrName>style.visibility</p:attrName>
-                                        </p:attrNameLst>
-                                      </p:cBhvr>
-                                      <p:to>
-                                        <p:strVal val="visible"/>
-                                      </p:to>
-                                    </p:set>
-                                  </p:childTnLst>
-                                </p:cTn>
-                              </p:par>
-                              <p:par>
-                                <p:cTn id="15" presetID="1" presetClass="entr" presetSubtype="0" fill="hold" nodeType="withEffect">
-                                  <p:stCondLst>
-                                    <p:cond delay="0"/>
-                                  </p:stCondLst>
-                                  <p:childTnLst>
-                                    <p:set>
-                                      <p:cBhvr>
-                                        <p:cTn id="16" dur="1" fill="hold">
-                                          <p:stCondLst>
-                                            <p:cond delay="0"/>
-                                          </p:stCondLst>
-                                        </p:cTn>
-                                        <p:tgtEl>
-                                          <p:spTgt spid="7"/>
-                                        </p:tgtEl>
-                                        <p:attrNameLst>
-                                          <p:attrName>style.visibility</p:attrName>
-                                        </p:attrNameLst>
-                                      </p:cBhvr>
-                                      <p:to>
-                                        <p:strVal val="visible"/>
-                                      </p:to>
-                                    </p:set>
-                                  </p:childTnLst>
-                                </p:cTn>
-                              </p:par>
-                              <p:par>
-                                <p:cTn id="17" presetID="1" presetClass="entr" presetSubtype="0" fill="hold" nodeType="withEffect">
-                                  <p:stCondLst>
-                                    <p:cond delay="0"/>
-                                  </p:stCondLst>
-                                  <p:childTnLst>
-                                    <p:set>
-                                      <p:cBhvr>
-                                        <p:cTn id="18" dur="1" fill="hold">
-                                          <p:stCondLst>
-                                            <p:cond delay="0"/>
-                                          </p:stCondLst>
-                                        </p:cTn>
-                                        <p:tgtEl>
-                                          <p:spTgt spid="9"/>
-                                        </p:tgtEl>
-                                        <p:attrNameLst>
-                                          <p:attrName>style.visibility</p:attrName>
-                                        </p:attrNameLst>
-                                      </p:cBhvr>
-                                      <p:to>
-                                        <p:strVal val="visible"/>
-                                      </p:to>
-                                    </p:set>
-                                  </p:childTnLst>
-                                </p:cTn>
-                              </p:par>
-                            </p:childTnLst>
-                          </p:cTn>
-                        </p:par>
-                      </p:childTnLst>
-                    </p:cTn>
-                  </p:par>
-                  <p:par>
-                    <p:cTn id="19" fill="hold">
-                      <p:stCondLst>
-                        <p:cond delay="indefinite"/>
-                      </p:stCondLst>
-                      <p:childTnLst>
-                        <p:par>
-                          <p:cTn id="20" fill="hold">
-                            <p:stCondLst>
-                              <p:cond delay="0"/>
-                            </p:stCondLst>
-                            <p:childTnLst>
-                              <p:par>
-                                <p:cTn id="21" presetID="1" presetClass="entr" presetSubtype="0" fill="hold" nodeType="clickEffect">
-                                  <p:stCondLst>
-                                    <p:cond delay="0"/>
-                                  </p:stCondLst>
-                                  <p:childTnLst>
-                                    <p:set>
-                                      <p:cBhvr>
-                                        <p:cTn id="22" dur="1" fill="hold">
-                                          <p:stCondLst>
-                                            <p:cond delay="0"/>
-                                          </p:stCondLst>
-                                        </p:cTn>
-                                        <p:tgtEl>
-                                          <p:spTgt spid="3">
-                                            <p:txEl>
-                                              <p:pRg st="7" end="7"/>
-                                            </p:txEl>
-                                          </p:spTgt>
-                                        </p:tgtEl>
-                                        <p:attrNameLst>
-                                          <p:attrName>style.visibility</p:attrName>
-                                        </p:attrNameLst>
-                                      </p:cBhvr>
-                                      <p:to>
-                                        <p:strVal val="visible"/>
-                                      </p:to>
-                                    </p:set>
-                                  </p:childTnLst>
-                                </p:cTn>
-                              </p:par>
-                              <p:par>
-                                <p:cTn id="23" presetID="1" presetClass="entr" presetSubtype="0" fill="hold" nodeType="withEffect">
-                                  <p:stCondLst>
-                                    <p:cond delay="0"/>
-                                  </p:stCondLst>
-                                  <p:childTnLst>
-                                    <p:set>
-                                      <p:cBhvr>
-                                        <p:cTn id="24" dur="1" fill="hold">
-                                          <p:stCondLst>
-                                            <p:cond delay="0"/>
-                                          </p:stCondLst>
-                                        </p:cTn>
-                                        <p:tgtEl>
-                                          <p:spTgt spid="3">
-                                            <p:txEl>
-                                              <p:pRg st="8" end="8"/>
-                                            </p:txEl>
-                                          </p:spTgt>
-                                        </p:tgtEl>
-                                        <p:attrNameLst>
-                                          <p:attrName>style.visibility</p:attrName>
-                                        </p:attrNameLst>
-                                      </p:cBhvr>
-                                      <p:to>
-                                        <p:strVal val="visible"/>
-                                      </p:to>
-                                    </p:set>
-                                  </p:childTnLst>
-                                </p:cTn>
-                              </p:par>
-                              <p:par>
-                                <p:cTn id="25" presetID="1" presetClass="entr" presetSubtype="0" fill="hold" nodeType="withEffect">
-                                  <p:stCondLst>
-                                    <p:cond delay="0"/>
-                                  </p:stCondLst>
-                                  <p:childTnLst>
-                                    <p:set>
-                                      <p:cBhvr>
-                                        <p:cTn id="26" dur="1" fill="hold">
-                                          <p:stCondLst>
-                                            <p:cond delay="0"/>
-                                          </p:stCondLst>
-                                        </p:cTn>
-                                        <p:tgtEl>
-                                          <p:spTgt spid="3">
-                                            <p:txEl>
-                                              <p:pRg st="9" end="9"/>
-                                            </p:txEl>
-                                          </p:spTgt>
-                                        </p:tgtEl>
-                                        <p:attrNameLst>
-                                          <p:attrName>style.visibility</p:attrName>
-                                        </p:attrNameLst>
-                                      </p:cBhvr>
-                                      <p:to>
-                                        <p:strVal val="visible"/>
-                                      </p:to>
-                                    </p:set>
-                                  </p:childTnLst>
-                                </p:cTn>
-                              </p:par>
-                              <p:par>
-                                <p:cTn id="27" presetID="1" presetClass="entr" presetSubtype="0" fill="hold" nodeType="withEffect">
-                                  <p:stCondLst>
-                                    <p:cond delay="0"/>
-                                  </p:stCondLst>
-                                  <p:childTnLst>
-                                    <p:set>
-                                      <p:cBhvr>
-                                        <p:cTn id="28" dur="1" fill="hold">
-                                          <p:stCondLst>
-                                            <p:cond delay="0"/>
-                                          </p:stCondLst>
-                                        </p:cTn>
-                                        <p:tgtEl>
-                                          <p:spTgt spid="3">
-                                            <p:txEl>
-                                              <p:pRg st="10" end="10"/>
-                                            </p:txEl>
-                                          </p:spTgt>
-                                        </p:tgtEl>
-                                        <p:attrNameLst>
-                                          <p:attrName>style.visibility</p:attrName>
-                                        </p:attrNameLst>
-                                      </p:cBhvr>
-                                      <p:to>
-                                        <p:strVal val="visible"/>
-                                      </p:to>
-                                    </p:set>
-                                  </p:childTnLst>
-                                </p:cTn>
-                              </p:par>
-                            </p:childTnLst>
-                          </p:cTn>
-                        </p:par>
-                      </p:childTnLst>
-                    </p:cTn>
-                  </p:par>
-                </p:childTnLst>
-              </p:cTn>
-              <p:prevCondLst>
-                <p:cond evt="onPrev" delay="0">
-                  <p:tgtEl>
-                    <p:sldTgt/>
-                  </p:tgtEl>
-                </p:cond>
-              </p:prevCondLst>
-              <p:nextCondLst>
-                <p:cond evt="onNext" delay="0">
-                  <p:tgtEl>
-                    <p:sldTgt/>
-                  </p:tgtEl>
-                </p:cond>
-              </p:nextCondLst>
-            </p:seq>
-          </p:childTnLst>
-        </p:cTn>
-      </p:par>
-    </p:tnLst>
-  </p:timing>
-</p:sld>
-</file>
-
-<file path=ppt/slides/slide30.xml><?xml version="1.0" encoding="utf-8"?>
+<file path=ppt/slides/slide28.xml><?xml version="1.0" encoding="utf-8"?>
 <p:sld xmlns:a="http://schemas.openxmlformats.org/drawingml/2006/main" xmlns:r="http://schemas.openxmlformats.org/officeDocument/2006/relationships" xmlns:p="http://schemas.openxmlformats.org/presentationml/2006/main">
   <p:cSld>
     <p:spTree>
@@ -22013,7 +20321,7 @@
           <a:p>
             <a:fld id="{24AF9547-1ADA-7741-9454-C97103F281DA}" type="slidenum">
               <a:rPr lang="en-US" smtClean="0"/>
-              <a:t>30</a:t>
+              <a:t>28</a:t>
             </a:fld>
             <a:endParaRPr lang="en-US"/>
           </a:p>
@@ -22799,7 +21107,7 @@
 </p:sld>
 </file>
 
-<file path=ppt/slides/slide31.xml><?xml version="1.0" encoding="utf-8"?>
+<file path=ppt/slides/slide29.xml><?xml version="1.0" encoding="utf-8"?>
 <p:sld xmlns:a="http://schemas.openxmlformats.org/drawingml/2006/main" xmlns:r="http://schemas.openxmlformats.org/officeDocument/2006/relationships" xmlns:p="http://schemas.openxmlformats.org/presentationml/2006/main">
   <p:cSld>
     <p:spTree>
@@ -23480,7 +21788,7 @@
           <a:p>
             <a:fld id="{24AF9547-1ADA-7741-9454-C97103F281DA}" type="slidenum">
               <a:rPr lang="en-US" smtClean="0"/>
-              <a:t>31</a:t>
+              <a:t>29</a:t>
             </a:fld>
             <a:endParaRPr lang="en-US"/>
           </a:p>
@@ -23577,7 +21885,704 @@
 </p:sld>
 </file>
 
-<file path=ppt/slides/slide32.xml><?xml version="1.0" encoding="utf-8"?>
+<file path=ppt/slides/slide3.xml><?xml version="1.0" encoding="utf-8"?>
+<p:sld xmlns:a="http://schemas.openxmlformats.org/drawingml/2006/main" xmlns:r="http://schemas.openxmlformats.org/officeDocument/2006/relationships" xmlns:p="http://schemas.openxmlformats.org/presentationml/2006/main">
+  <p:cSld>
+    <p:spTree>
+      <p:nvGrpSpPr>
+        <p:cNvPr id="1" name=""/>
+        <p:cNvGrpSpPr/>
+        <p:nvPr/>
+      </p:nvGrpSpPr>
+      <p:grpSpPr>
+        <a:xfrm>
+          <a:off x="0" y="0"/>
+          <a:ext cx="0" cy="0"/>
+          <a:chOff x="0" y="0"/>
+          <a:chExt cx="0" cy="0"/>
+        </a:xfrm>
+      </p:grpSpPr>
+      <p:sp>
+        <p:nvSpPr>
+          <p:cNvPr id="2" name="Title 1"/>
+          <p:cNvSpPr>
+            <a:spLocks noGrp="1"/>
+          </p:cNvSpPr>
+          <p:nvPr>
+            <p:ph type="title"/>
+          </p:nvPr>
+        </p:nvSpPr>
+        <p:spPr/>
+        <p:txBody>
+          <a:bodyPr/>
+          <a:lstStyle/>
+          <a:p>
+            <a:r>
+              <a:rPr lang="en-US" dirty="0"/>
+              <a:t>SQL Motivation</a:t>
+            </a:r>
+          </a:p>
+        </p:txBody>
+      </p:sp>
+      <p:sp>
+        <p:nvSpPr>
+          <p:cNvPr id="3" name="Content Placeholder 2"/>
+          <p:cNvSpPr>
+            <a:spLocks noGrp="1"/>
+          </p:cNvSpPr>
+          <p:nvPr>
+            <p:ph idx="1"/>
+          </p:nvPr>
+        </p:nvSpPr>
+        <p:spPr>
+          <a:xfrm>
+            <a:off x="548440" y="1519738"/>
+            <a:ext cx="7886700" cy="4886503"/>
+          </a:xfrm>
+        </p:spPr>
+        <p:txBody>
+          <a:bodyPr>
+            <a:normAutofit/>
+          </a:bodyPr>
+          <a:lstStyle/>
+          <a:p>
+            <a:r>
+              <a:rPr lang="en-US" dirty="0"/>
+              <a:t>Dark times in 2000s</a:t>
+            </a:r>
+          </a:p>
+          <a:p>
+            <a:pPr lvl="1"/>
+            <a:r>
+              <a:rPr lang="en-US" dirty="0"/>
+              <a:t>Are relational databases dead?</a:t>
+            </a:r>
+          </a:p>
+          <a:p>
+            <a:pPr marL="0" indent="0">
+              <a:buNone/>
+            </a:pPr>
+            <a:endParaRPr lang="en-US" dirty="0"/>
+          </a:p>
+          <a:p>
+            <a:r>
+              <a:rPr lang="en-US" dirty="0"/>
+              <a:t>Now, as before: everyone sells SQL </a:t>
+            </a:r>
+          </a:p>
+          <a:p>
+            <a:pPr lvl="1"/>
+            <a:r>
+              <a:rPr lang="en-US" dirty="0"/>
+              <a:t>Pig, Hive, Impala</a:t>
+            </a:r>
+          </a:p>
+          <a:p>
+            <a:pPr lvl="1"/>
+            <a:r>
+              <a:rPr lang="en-US" dirty="0" err="1"/>
+              <a:t>Spark</a:t>
+            </a:r>
+            <a:r>
+              <a:rPr lang="en-US" altLang="zh-CN" dirty="0" err="1"/>
+              <a:t>SQL</a:t>
+            </a:r>
+            <a:endParaRPr lang="en-US" dirty="0"/>
+          </a:p>
+          <a:p>
+            <a:pPr marL="0" indent="0">
+              <a:buNone/>
+            </a:pPr>
+            <a:endParaRPr lang="en-US" dirty="0"/>
+          </a:p>
+          <a:p>
+            <a:r>
+              <a:rPr lang="en-US" dirty="0"/>
+              <a:t>NoSQL </a:t>
+            </a:r>
+          </a:p>
+          <a:p>
+            <a:pPr lvl="1"/>
+            <a:r>
+              <a:rPr lang="en-US" dirty="0"/>
+              <a:t>“Non SQL”</a:t>
+            </a:r>
+          </a:p>
+          <a:p>
+            <a:pPr lvl="1"/>
+            <a:r>
+              <a:rPr lang="en-US" dirty="0"/>
+              <a:t>“Not-Only-SQL”</a:t>
+            </a:r>
+          </a:p>
+          <a:p>
+            <a:pPr lvl="1"/>
+            <a:r>
+              <a:rPr lang="en-US" dirty="0"/>
+              <a:t>“Not-Yet-SQL”</a:t>
+            </a:r>
+          </a:p>
+        </p:txBody>
+      </p:sp>
+      <p:pic>
+        <p:nvPicPr>
+          <p:cNvPr id="4" name="Picture 3"/>
+          <p:cNvPicPr>
+            <a:picLocks noChangeAspect="1"/>
+          </p:cNvPicPr>
+          <p:nvPr/>
+        </p:nvPicPr>
+        <p:blipFill>
+          <a:blip r:embed="rId2"/>
+          <a:stretch>
+            <a:fillRect/>
+          </a:stretch>
+        </p:blipFill>
+        <p:spPr>
+          <a:xfrm>
+            <a:off x="5398642" y="3928252"/>
+            <a:ext cx="1085850" cy="1000125"/>
+          </a:xfrm>
+          <a:prstGeom prst="rect">
+            <a:avLst/>
+          </a:prstGeom>
+        </p:spPr>
+      </p:pic>
+      <p:pic>
+        <p:nvPicPr>
+          <p:cNvPr id="5" name="Picture 4"/>
+          <p:cNvPicPr>
+            <a:picLocks noChangeAspect="1"/>
+          </p:cNvPicPr>
+          <p:nvPr/>
+        </p:nvPicPr>
+        <p:blipFill>
+          <a:blip r:embed="rId3"/>
+          <a:stretch>
+            <a:fillRect/>
+          </a:stretch>
+        </p:blipFill>
+        <p:spPr>
+          <a:xfrm>
+            <a:off x="6610598" y="3722346"/>
+            <a:ext cx="823424" cy="1544629"/>
+          </a:xfrm>
+          <a:prstGeom prst="rect">
+            <a:avLst/>
+          </a:prstGeom>
+        </p:spPr>
+      </p:pic>
+      <p:pic>
+        <p:nvPicPr>
+          <p:cNvPr id="6" name="Picture 5"/>
+          <p:cNvPicPr>
+            <a:picLocks noChangeAspect="1"/>
+          </p:cNvPicPr>
+          <p:nvPr/>
+        </p:nvPicPr>
+        <p:blipFill>
+          <a:blip r:embed="rId4"/>
+          <a:stretch>
+            <a:fillRect/>
+          </a:stretch>
+        </p:blipFill>
+        <p:spPr>
+          <a:xfrm>
+            <a:off x="6074917" y="2067866"/>
+            <a:ext cx="2286000" cy="533400"/>
+          </a:xfrm>
+          <a:prstGeom prst="rect">
+            <a:avLst/>
+          </a:prstGeom>
+        </p:spPr>
+      </p:pic>
+      <p:pic>
+        <p:nvPicPr>
+          <p:cNvPr id="7" name="Picture 6"/>
+          <p:cNvPicPr>
+            <a:picLocks noChangeAspect="1"/>
+          </p:cNvPicPr>
+          <p:nvPr/>
+        </p:nvPicPr>
+        <p:blipFill rotWithShape="1">
+          <a:blip r:embed="rId5" cstate="hqprint">
+            <a:extLst>
+              <a:ext uri="{28A0092B-C50C-407E-A947-70E740481C1C}">
+                <a14:useLocalDpi xmlns:a14="http://schemas.microsoft.com/office/drawing/2010/main"/>
+              </a:ext>
+            </a:extLst>
+          </a:blip>
+          <a:srcRect/>
+          <a:stretch/>
+        </p:blipFill>
+        <p:spPr>
+          <a:xfrm>
+            <a:off x="4235127" y="3820011"/>
+            <a:ext cx="1141497" cy="1524000"/>
+          </a:xfrm>
+          <a:prstGeom prst="rect">
+            <a:avLst/>
+          </a:prstGeom>
+        </p:spPr>
+      </p:pic>
+      <p:sp>
+        <p:nvSpPr>
+          <p:cNvPr id="11" name="Slide Number Placeholder 10"/>
+          <p:cNvSpPr>
+            <a:spLocks noGrp="1"/>
+          </p:cNvSpPr>
+          <p:nvPr>
+            <p:ph type="sldNum" sz="quarter" idx="12"/>
+          </p:nvPr>
+        </p:nvSpPr>
+        <p:spPr/>
+        <p:txBody>
+          <a:bodyPr/>
+          <a:lstStyle/>
+          <a:p>
+            <a:fld id="{24AF9547-1ADA-7741-9454-C97103F281DA}" type="slidenum">
+              <a:rPr lang="en-US" smtClean="0"/>
+              <a:t>3</a:t>
+            </a:fld>
+            <a:endParaRPr lang="en-US"/>
+          </a:p>
+        </p:txBody>
+      </p:sp>
+      <p:pic>
+        <p:nvPicPr>
+          <p:cNvPr id="9" name="Picture 8">
+            <a:extLst>
+              <a:ext uri="{FF2B5EF4-FFF2-40B4-BE49-F238E27FC236}">
+                <a16:creationId xmlns:a16="http://schemas.microsoft.com/office/drawing/2014/main" id="{1249C6FF-3C57-734F-BAC5-58D36EC6F348}"/>
+              </a:ext>
+            </a:extLst>
+          </p:cNvPr>
+          <p:cNvPicPr>
+            <a:picLocks noChangeAspect="1"/>
+          </p:cNvPicPr>
+          <p:nvPr/>
+        </p:nvPicPr>
+        <p:blipFill>
+          <a:blip r:embed="rId6"/>
+          <a:stretch>
+            <a:fillRect/>
+          </a:stretch>
+        </p:blipFill>
+        <p:spPr>
+          <a:xfrm>
+            <a:off x="7553698" y="4132442"/>
+            <a:ext cx="1415070" cy="526644"/>
+          </a:xfrm>
+          <a:prstGeom prst="rect">
+            <a:avLst/>
+          </a:prstGeom>
+        </p:spPr>
+      </p:pic>
+    </p:spTree>
+    <p:extLst>
+      <p:ext uri="{BB962C8B-B14F-4D97-AF65-F5344CB8AC3E}">
+        <p14:creationId xmlns:p14="http://schemas.microsoft.com/office/powerpoint/2010/main" val="1994985859"/>
+      </p:ext>
+    </p:extLst>
+  </p:cSld>
+  <p:clrMapOvr>
+    <a:masterClrMapping/>
+  </p:clrMapOvr>
+  <p:timing>
+    <p:tnLst>
+      <p:par>
+        <p:cTn id="1" dur="indefinite" restart="never" nodeType="tmRoot">
+          <p:childTnLst>
+            <p:seq concurrent="1" nextAc="seek">
+              <p:cTn id="2" dur="indefinite" nodeType="mainSeq">
+                <p:childTnLst>
+                  <p:par>
+                    <p:cTn id="3" fill="hold">
+                      <p:stCondLst>
+                        <p:cond delay="indefinite"/>
+                      </p:stCondLst>
+                      <p:childTnLst>
+                        <p:par>
+                          <p:cTn id="4" fill="hold">
+                            <p:stCondLst>
+                              <p:cond delay="0"/>
+                            </p:stCondLst>
+                            <p:childTnLst>
+                              <p:par>
+                                <p:cTn id="5" presetID="1" presetClass="entr" presetSubtype="0" fill="hold" nodeType="clickEffect">
+                                  <p:stCondLst>
+                                    <p:cond delay="0"/>
+                                  </p:stCondLst>
+                                  <p:childTnLst>
+                                    <p:set>
+                                      <p:cBhvr>
+                                        <p:cTn id="6" dur="1" fill="hold">
+                                          <p:stCondLst>
+                                            <p:cond delay="0"/>
+                                          </p:stCondLst>
+                                        </p:cTn>
+                                        <p:tgtEl>
+                                          <p:spTgt spid="3">
+                                            <p:txEl>
+                                              <p:pRg st="3" end="3"/>
+                                            </p:txEl>
+                                          </p:spTgt>
+                                        </p:tgtEl>
+                                        <p:attrNameLst>
+                                          <p:attrName>style.visibility</p:attrName>
+                                        </p:attrNameLst>
+                                      </p:cBhvr>
+                                      <p:to>
+                                        <p:strVal val="visible"/>
+                                      </p:to>
+                                    </p:set>
+                                  </p:childTnLst>
+                                </p:cTn>
+                              </p:par>
+                              <p:par>
+                                <p:cTn id="7" presetID="1" presetClass="entr" presetSubtype="0" fill="hold" nodeType="withEffect">
+                                  <p:stCondLst>
+                                    <p:cond delay="0"/>
+                                  </p:stCondLst>
+                                  <p:childTnLst>
+                                    <p:set>
+                                      <p:cBhvr>
+                                        <p:cTn id="8" dur="1" fill="hold">
+                                          <p:stCondLst>
+                                            <p:cond delay="0"/>
+                                          </p:stCondLst>
+                                        </p:cTn>
+                                        <p:tgtEl>
+                                          <p:spTgt spid="3">
+                                            <p:txEl>
+                                              <p:pRg st="4" end="4"/>
+                                            </p:txEl>
+                                          </p:spTgt>
+                                        </p:tgtEl>
+                                        <p:attrNameLst>
+                                          <p:attrName>style.visibility</p:attrName>
+                                        </p:attrNameLst>
+                                      </p:cBhvr>
+                                      <p:to>
+                                        <p:strVal val="visible"/>
+                                      </p:to>
+                                    </p:set>
+                                  </p:childTnLst>
+                                </p:cTn>
+                              </p:par>
+                              <p:par>
+                                <p:cTn id="9" presetID="1" presetClass="entr" presetSubtype="0" fill="hold" nodeType="withEffect">
+                                  <p:stCondLst>
+                                    <p:cond delay="0"/>
+                                  </p:stCondLst>
+                                  <p:childTnLst>
+                                    <p:set>
+                                      <p:cBhvr>
+                                        <p:cTn id="10" dur="1" fill="hold">
+                                          <p:stCondLst>
+                                            <p:cond delay="0"/>
+                                          </p:stCondLst>
+                                        </p:cTn>
+                                        <p:tgtEl>
+                                          <p:spTgt spid="3">
+                                            <p:txEl>
+                                              <p:pRg st="5" end="5"/>
+                                            </p:txEl>
+                                          </p:spTgt>
+                                        </p:tgtEl>
+                                        <p:attrNameLst>
+                                          <p:attrName>style.visibility</p:attrName>
+                                        </p:attrNameLst>
+                                      </p:cBhvr>
+                                      <p:to>
+                                        <p:strVal val="visible"/>
+                                      </p:to>
+                                    </p:set>
+                                  </p:childTnLst>
+                                </p:cTn>
+                              </p:par>
+                              <p:par>
+                                <p:cTn id="11" presetID="1" presetClass="entr" presetSubtype="0" fill="hold" nodeType="withEffect">
+                                  <p:stCondLst>
+                                    <p:cond delay="0"/>
+                                  </p:stCondLst>
+                                  <p:childTnLst>
+                                    <p:set>
+                                      <p:cBhvr>
+                                        <p:cTn id="12" dur="1" fill="hold">
+                                          <p:stCondLst>
+                                            <p:cond delay="0"/>
+                                          </p:stCondLst>
+                                        </p:cTn>
+                                        <p:tgtEl>
+                                          <p:spTgt spid="4"/>
+                                        </p:tgtEl>
+                                        <p:attrNameLst>
+                                          <p:attrName>style.visibility</p:attrName>
+                                        </p:attrNameLst>
+                                      </p:cBhvr>
+                                      <p:to>
+                                        <p:strVal val="visible"/>
+                                      </p:to>
+                                    </p:set>
+                                  </p:childTnLst>
+                                </p:cTn>
+                              </p:par>
+                              <p:par>
+                                <p:cTn id="13" presetID="1" presetClass="entr" presetSubtype="0" fill="hold" nodeType="withEffect">
+                                  <p:stCondLst>
+                                    <p:cond delay="0"/>
+                                  </p:stCondLst>
+                                  <p:childTnLst>
+                                    <p:set>
+                                      <p:cBhvr>
+                                        <p:cTn id="14" dur="1" fill="hold">
+                                          <p:stCondLst>
+                                            <p:cond delay="0"/>
+                                          </p:stCondLst>
+                                        </p:cTn>
+                                        <p:tgtEl>
+                                          <p:spTgt spid="5"/>
+                                        </p:tgtEl>
+                                        <p:attrNameLst>
+                                          <p:attrName>style.visibility</p:attrName>
+                                        </p:attrNameLst>
+                                      </p:cBhvr>
+                                      <p:to>
+                                        <p:strVal val="visible"/>
+                                      </p:to>
+                                    </p:set>
+                                  </p:childTnLst>
+                                </p:cTn>
+                              </p:par>
+                              <p:par>
+                                <p:cTn id="15" presetID="1" presetClass="entr" presetSubtype="0" fill="hold" nodeType="withEffect">
+                                  <p:stCondLst>
+                                    <p:cond delay="0"/>
+                                  </p:stCondLst>
+                                  <p:childTnLst>
+                                    <p:set>
+                                      <p:cBhvr>
+                                        <p:cTn id="16" dur="1" fill="hold">
+                                          <p:stCondLst>
+                                            <p:cond delay="0"/>
+                                          </p:stCondLst>
+                                        </p:cTn>
+                                        <p:tgtEl>
+                                          <p:spTgt spid="7"/>
+                                        </p:tgtEl>
+                                        <p:attrNameLst>
+                                          <p:attrName>style.visibility</p:attrName>
+                                        </p:attrNameLst>
+                                      </p:cBhvr>
+                                      <p:to>
+                                        <p:strVal val="visible"/>
+                                      </p:to>
+                                    </p:set>
+                                  </p:childTnLst>
+                                </p:cTn>
+                              </p:par>
+                              <p:par>
+                                <p:cTn id="17" presetID="1" presetClass="entr" presetSubtype="0" fill="hold" nodeType="withEffect">
+                                  <p:stCondLst>
+                                    <p:cond delay="0"/>
+                                  </p:stCondLst>
+                                  <p:childTnLst>
+                                    <p:set>
+                                      <p:cBhvr>
+                                        <p:cTn id="18" dur="1" fill="hold">
+                                          <p:stCondLst>
+                                            <p:cond delay="0"/>
+                                          </p:stCondLst>
+                                        </p:cTn>
+                                        <p:tgtEl>
+                                          <p:spTgt spid="9"/>
+                                        </p:tgtEl>
+                                        <p:attrNameLst>
+                                          <p:attrName>style.visibility</p:attrName>
+                                        </p:attrNameLst>
+                                      </p:cBhvr>
+                                      <p:to>
+                                        <p:strVal val="visible"/>
+                                      </p:to>
+                                    </p:set>
+                                  </p:childTnLst>
+                                </p:cTn>
+                              </p:par>
+                            </p:childTnLst>
+                          </p:cTn>
+                        </p:par>
+                      </p:childTnLst>
+                    </p:cTn>
+                  </p:par>
+                  <p:par>
+                    <p:cTn id="19" fill="hold">
+                      <p:stCondLst>
+                        <p:cond delay="indefinite"/>
+                      </p:stCondLst>
+                      <p:childTnLst>
+                        <p:par>
+                          <p:cTn id="20" fill="hold">
+                            <p:stCondLst>
+                              <p:cond delay="0"/>
+                            </p:stCondLst>
+                            <p:childTnLst>
+                              <p:par>
+                                <p:cTn id="21" presetID="1" presetClass="entr" presetSubtype="0" fill="hold" nodeType="clickEffect">
+                                  <p:stCondLst>
+                                    <p:cond delay="0"/>
+                                  </p:stCondLst>
+                                  <p:childTnLst>
+                                    <p:set>
+                                      <p:cBhvr>
+                                        <p:cTn id="22" dur="1" fill="hold">
+                                          <p:stCondLst>
+                                            <p:cond delay="0"/>
+                                          </p:stCondLst>
+                                        </p:cTn>
+                                        <p:tgtEl>
+                                          <p:spTgt spid="3">
+                                            <p:txEl>
+                                              <p:pRg st="7" end="7"/>
+                                            </p:txEl>
+                                          </p:spTgt>
+                                        </p:tgtEl>
+                                        <p:attrNameLst>
+                                          <p:attrName>style.visibility</p:attrName>
+                                        </p:attrNameLst>
+                                      </p:cBhvr>
+                                      <p:to>
+                                        <p:strVal val="visible"/>
+                                      </p:to>
+                                    </p:set>
+                                  </p:childTnLst>
+                                </p:cTn>
+                              </p:par>
+                              <p:par>
+                                <p:cTn id="23" presetID="1" presetClass="entr" presetSubtype="0" fill="hold" nodeType="withEffect">
+                                  <p:stCondLst>
+                                    <p:cond delay="0"/>
+                                  </p:stCondLst>
+                                  <p:childTnLst>
+                                    <p:set>
+                                      <p:cBhvr>
+                                        <p:cTn id="24" dur="1" fill="hold">
+                                          <p:stCondLst>
+                                            <p:cond delay="0"/>
+                                          </p:stCondLst>
+                                        </p:cTn>
+                                        <p:tgtEl>
+                                          <p:spTgt spid="3">
+                                            <p:txEl>
+                                              <p:pRg st="8" end="8"/>
+                                            </p:txEl>
+                                          </p:spTgt>
+                                        </p:tgtEl>
+                                        <p:attrNameLst>
+                                          <p:attrName>style.visibility</p:attrName>
+                                        </p:attrNameLst>
+                                      </p:cBhvr>
+                                      <p:to>
+                                        <p:strVal val="visible"/>
+                                      </p:to>
+                                    </p:set>
+                                  </p:childTnLst>
+                                </p:cTn>
+                              </p:par>
+                              <p:par>
+                                <p:cTn id="25" presetID="1" presetClass="entr" presetSubtype="0" fill="hold" nodeType="withEffect">
+                                  <p:stCondLst>
+                                    <p:cond delay="0"/>
+                                  </p:stCondLst>
+                                  <p:childTnLst>
+                                    <p:set>
+                                      <p:cBhvr>
+                                        <p:cTn id="26" dur="1" fill="hold">
+                                          <p:stCondLst>
+                                            <p:cond delay="0"/>
+                                          </p:stCondLst>
+                                        </p:cTn>
+                                        <p:tgtEl>
+                                          <p:spTgt spid="3">
+                                            <p:txEl>
+                                              <p:pRg st="9" end="9"/>
+                                            </p:txEl>
+                                          </p:spTgt>
+                                        </p:tgtEl>
+                                        <p:attrNameLst>
+                                          <p:attrName>style.visibility</p:attrName>
+                                        </p:attrNameLst>
+                                      </p:cBhvr>
+                                      <p:to>
+                                        <p:strVal val="visible"/>
+                                      </p:to>
+                                    </p:set>
+                                  </p:childTnLst>
+                                </p:cTn>
+                              </p:par>
+                              <p:par>
+                                <p:cTn id="27" presetID="1" presetClass="entr" presetSubtype="0" fill="hold" nodeType="withEffect">
+                                  <p:stCondLst>
+                                    <p:cond delay="0"/>
+                                  </p:stCondLst>
+                                  <p:childTnLst>
+                                    <p:set>
+                                      <p:cBhvr>
+                                        <p:cTn id="28" dur="1" fill="hold">
+                                          <p:stCondLst>
+                                            <p:cond delay="0"/>
+                                          </p:stCondLst>
+                                        </p:cTn>
+                                        <p:tgtEl>
+                                          <p:spTgt spid="3">
+                                            <p:txEl>
+                                              <p:pRg st="10" end="10"/>
+                                            </p:txEl>
+                                          </p:spTgt>
+                                        </p:tgtEl>
+                                        <p:attrNameLst>
+                                          <p:attrName>style.visibility</p:attrName>
+                                        </p:attrNameLst>
+                                      </p:cBhvr>
+                                      <p:to>
+                                        <p:strVal val="visible"/>
+                                      </p:to>
+                                    </p:set>
+                                  </p:childTnLst>
+                                </p:cTn>
+                              </p:par>
+                            </p:childTnLst>
+                          </p:cTn>
+                        </p:par>
+                      </p:childTnLst>
+                    </p:cTn>
+                  </p:par>
+                </p:childTnLst>
+              </p:cTn>
+              <p:prevCondLst>
+                <p:cond evt="onPrev" delay="0">
+                  <p:tgtEl>
+                    <p:sldTgt/>
+                  </p:tgtEl>
+                </p:cond>
+              </p:prevCondLst>
+              <p:nextCondLst>
+                <p:cond evt="onNext" delay="0">
+                  <p:tgtEl>
+                    <p:sldTgt/>
+                  </p:tgtEl>
+                </p:cond>
+              </p:nextCondLst>
+            </p:seq>
+          </p:childTnLst>
+        </p:cTn>
+      </p:par>
+    </p:tnLst>
+  </p:timing>
+</p:sld>
+</file>
+
+<file path=ppt/slides/slide30.xml><?xml version="1.0" encoding="utf-8"?>
 <p:sld xmlns:a="http://schemas.openxmlformats.org/drawingml/2006/main" xmlns:r="http://schemas.openxmlformats.org/officeDocument/2006/relationships" xmlns:p="http://schemas.openxmlformats.org/presentationml/2006/main">
   <p:cSld>
     <p:spTree>
@@ -23727,7 +22732,7 @@
           <a:p>
             <a:fld id="{24AF9547-1ADA-7741-9454-C97103F281DA}" type="slidenum">
               <a:rPr lang="en-US" smtClean="0"/>
-              <a:t>32</a:t>
+              <a:t>30</a:t>
             </a:fld>
             <a:endParaRPr lang="en-US"/>
           </a:p>
@@ -24577,7 +23582,7 @@
 </p:sld>
 </file>
 
-<file path=ppt/slides/slide33.xml><?xml version="1.0" encoding="utf-8"?>
+<file path=ppt/slides/slide31.xml><?xml version="1.0" encoding="utf-8"?>
 <p:sld xmlns:a="http://schemas.openxmlformats.org/drawingml/2006/main" xmlns:r="http://schemas.openxmlformats.org/officeDocument/2006/relationships" xmlns:p="http://schemas.openxmlformats.org/presentationml/2006/main">
   <p:cSld>
     <p:spTree>
@@ -25299,7 +24304,7 @@
           <a:p>
             <a:fld id="{24AF9547-1ADA-7741-9454-C97103F281DA}" type="slidenum">
               <a:rPr lang="en-US" smtClean="0"/>
-              <a:t>33</a:t>
+              <a:t>31</a:t>
             </a:fld>
             <a:endParaRPr lang="en-US"/>
           </a:p>
@@ -25396,7 +24401,7 @@
 </p:sld>
 </file>
 
-<file path=ppt/slides/slide34.xml><?xml version="1.0" encoding="utf-8"?>
+<file path=ppt/slides/slide32.xml><?xml version="1.0" encoding="utf-8"?>
 <p:sld xmlns:a="http://schemas.openxmlformats.org/drawingml/2006/main" xmlns:r="http://schemas.openxmlformats.org/officeDocument/2006/relationships" xmlns:p="http://schemas.openxmlformats.org/presentationml/2006/main">
   <p:cSld>
     <p:spTree>
@@ -26013,7 +25018,7 @@
           <a:p>
             <a:fld id="{24AF9547-1ADA-7741-9454-C97103F281DA}" type="slidenum">
               <a:rPr lang="en-US" smtClean="0"/>
-              <a:t>34</a:t>
+              <a:t>32</a:t>
             </a:fld>
             <a:endParaRPr lang="en-US"/>
           </a:p>
@@ -27989,37 +26994,6 @@
             </a:r>
             <a:r>
               <a:rPr lang="en-US" altLang="zh-CN" dirty="0"/>
-              <a:t> name</a:t>
-            </a:r>
-            <a:r>
-              <a:rPr lang="zh-CN" altLang="en-US" dirty="0"/>
-              <a:t> </a:t>
-            </a:r>
-            <a:r>
-              <a:rPr lang="en-US" altLang="zh-CN" dirty="0"/>
-              <a:t>=</a:t>
-            </a:r>
-            <a:r>
-              <a:rPr lang="zh-CN" altLang="en-US" dirty="0"/>
-              <a:t> </a:t>
-            </a:r>
-            <a:r>
-              <a:rPr lang="en-US" altLang="zh-CN" dirty="0"/>
-              <a:t>‘Mike’</a:t>
-            </a:r>
-          </a:p>
-          <a:p>
-            <a:pPr lvl="1"/>
-            <a:r>
-              <a:rPr lang="en-US" altLang="zh-CN" dirty="0">
-                <a:solidFill>
-                  <a:srgbClr val="ED7D31"/>
-                </a:solidFill>
-              </a:rPr>
-              <a:t>WHERE</a:t>
-            </a:r>
-            <a:r>
-              <a:rPr lang="en-US" altLang="zh-CN" dirty="0"/>
               <a:t> age</a:t>
             </a:r>
             <a:r>
@@ -28044,7 +27018,7 @@
             </a:r>
             <a:r>
               <a:rPr lang="en-US" altLang="zh-CN" dirty="0"/>
-              <a:t>7000</a:t>
+              <a:t>7500</a:t>
             </a:r>
           </a:p>
           <a:p>
@@ -28574,56 +27548,7 @@
                                         <p:tgtEl>
                                           <p:spTgt spid="3">
                                             <p:txEl>
-                                              <p:pRg st="8" end="8"/>
-                                            </p:txEl>
-                                          </p:spTgt>
-                                        </p:tgtEl>
-                                        <p:attrNameLst>
-                                          <p:attrName>style.visibility</p:attrName>
-                                        </p:attrNameLst>
-                                      </p:cBhvr>
-                                      <p:to>
-                                        <p:strVal val="visible"/>
-                                      </p:to>
-                                    </p:set>
-                                  </p:childTnLst>
-                                </p:cTn>
-                              </p:par>
-                            </p:childTnLst>
-                          </p:cTn>
-                        </p:par>
-                      </p:childTnLst>
-                    </p:cTn>
-                  </p:par>
-                  <p:par>
-                    <p:cTn id="23" fill="hold">
-                      <p:stCondLst>
-                        <p:cond delay="indefinite"/>
-                      </p:stCondLst>
-                      <p:childTnLst>
-                        <p:par>
-                          <p:cTn id="24" fill="hold">
-                            <p:stCondLst>
-                              <p:cond delay="0"/>
-                            </p:stCondLst>
-                            <p:childTnLst>
-                              <p:par>
-                                <p:cTn id="25" presetID="1" presetClass="entr" presetSubtype="0" fill="hold" nodeType="clickEffect">
-                                  <p:stCondLst>
-                                    <p:cond delay="0"/>
-                                  </p:stCondLst>
-                                  <p:childTnLst>
-                                    <p:set>
-                                      <p:cBhvr>
-                                        <p:cTn id="26" dur="1" fill="hold">
-                                          <p:stCondLst>
-                                            <p:cond delay="0"/>
-                                          </p:stCondLst>
-                                        </p:cTn>
-                                        <p:tgtEl>
-                                          <p:spTgt spid="3">
-                                            <p:txEl>
-                                              <p:pRg st="8" end="8"/>
+                                              <p:pRg st="7" end="7"/>
                                             </p:txEl>
                                           </p:spTgt>
                                         </p:tgtEl>

--- a/Lectures/lec3-sql-basics.pptx
+++ b/Lectures/lec3-sql-basics.pptx
@@ -5,7 +5,7 @@
     <p:sldMasterId id="2147483660" r:id="rId1"/>
   </p:sldMasterIdLst>
   <p:notesMasterIdLst>
-    <p:notesMasterId r:id="rId34"/>
+    <p:notesMasterId r:id="rId36"/>
   </p:notesMasterIdLst>
   <p:sldIdLst>
     <p:sldId id="256" r:id="rId2"/>
@@ -22,24 +22,26 @@
     <p:sldId id="387" r:id="rId13"/>
     <p:sldId id="388" r:id="rId14"/>
     <p:sldId id="391" r:id="rId15"/>
-    <p:sldId id="392" r:id="rId16"/>
-    <p:sldId id="406" r:id="rId17"/>
-    <p:sldId id="380" r:id="rId18"/>
-    <p:sldId id="382" r:id="rId19"/>
-    <p:sldId id="407" r:id="rId20"/>
-    <p:sldId id="393" r:id="rId21"/>
-    <p:sldId id="390" r:id="rId22"/>
-    <p:sldId id="397" r:id="rId23"/>
-    <p:sldId id="398" r:id="rId24"/>
-    <p:sldId id="399" r:id="rId25"/>
-    <p:sldId id="408" r:id="rId26"/>
-    <p:sldId id="400" r:id="rId27"/>
-    <p:sldId id="411" r:id="rId28"/>
-    <p:sldId id="409" r:id="rId29"/>
-    <p:sldId id="401" r:id="rId30"/>
-    <p:sldId id="410" r:id="rId31"/>
-    <p:sldId id="412" r:id="rId32"/>
-    <p:sldId id="328" r:id="rId33"/>
+    <p:sldId id="396" r:id="rId16"/>
+    <p:sldId id="392" r:id="rId17"/>
+    <p:sldId id="406" r:id="rId18"/>
+    <p:sldId id="380" r:id="rId19"/>
+    <p:sldId id="382" r:id="rId20"/>
+    <p:sldId id="407" r:id="rId21"/>
+    <p:sldId id="393" r:id="rId22"/>
+    <p:sldId id="394" r:id="rId23"/>
+    <p:sldId id="390" r:id="rId24"/>
+    <p:sldId id="397" r:id="rId25"/>
+    <p:sldId id="398" r:id="rId26"/>
+    <p:sldId id="399" r:id="rId27"/>
+    <p:sldId id="408" r:id="rId28"/>
+    <p:sldId id="400" r:id="rId29"/>
+    <p:sldId id="411" r:id="rId30"/>
+    <p:sldId id="409" r:id="rId31"/>
+    <p:sldId id="401" r:id="rId32"/>
+    <p:sldId id="410" r:id="rId33"/>
+    <p:sldId id="412" r:id="rId34"/>
+    <p:sldId id="328" r:id="rId35"/>
   </p:sldIdLst>
   <p:sldSz cx="9144000" cy="6858000" type="screen4x3"/>
   <p:notesSz cx="6858000" cy="9144000"/>
@@ -616,7 +618,7 @@
             <a:fld id="{192E86E1-9278-48F6-96C9-0626624145BD}" type="slidenum">
               <a:rPr lang="en-US"/>
               <a:pPr/>
-              <a:t>20</a:t>
+              <a:t>21</a:t>
             </a:fld>
             <a:endParaRPr lang="en-US"/>
           </a:p>
@@ -687,21 +689,49 @@
       </p:grpSpPr>
       <p:sp>
         <p:nvSpPr>
-          <p:cNvPr id="2" name="Slide Image Placeholder 1"/>
+          <p:cNvPr id="7" name="Rectangle 7"/>
           <p:cNvSpPr>
-            <a:spLocks noGrp="1" noRot="1" noChangeAspect="1"/>
+            <a:spLocks noGrp="1" noChangeArrowheads="1"/>
+          </p:cNvSpPr>
+          <p:nvPr>
+            <p:ph type="sldNum" sz="quarter" idx="5"/>
+          </p:nvPr>
+        </p:nvSpPr>
+        <p:spPr>
+          <a:ln/>
+        </p:spPr>
+        <p:txBody>
+          <a:bodyPr/>
+          <a:lstStyle/>
+          <a:p>
+            <a:fld id="{192E86E1-9278-48F6-96C9-0626624145BD}" type="slidenum">
+              <a:rPr lang="en-US"/>
+              <a:pPr/>
+              <a:t>22</a:t>
+            </a:fld>
+            <a:endParaRPr lang="en-US"/>
+          </a:p>
+        </p:txBody>
+      </p:sp>
+      <p:sp>
+        <p:nvSpPr>
+          <p:cNvPr id="278530" name="Rectangle 2"/>
+          <p:cNvSpPr>
+            <a:spLocks noGrp="1" noRot="1" noChangeAspect="1" noChangeArrowheads="1" noTextEdit="1"/>
           </p:cNvSpPr>
           <p:nvPr>
             <p:ph type="sldImg"/>
           </p:nvPr>
         </p:nvSpPr>
-        <p:spPr/>
+        <p:spPr>
+          <a:ln/>
+        </p:spPr>
       </p:sp>
       <p:sp>
         <p:nvSpPr>
-          <p:cNvPr id="3" name="Notes Placeholder 2"/>
+          <p:cNvPr id="278531" name="Rectangle 3"/>
           <p:cNvSpPr>
-            <a:spLocks noGrp="1"/>
+            <a:spLocks noGrp="1" noChangeArrowheads="1"/>
           </p:cNvSpPr>
           <p:nvPr>
             <p:ph type="body" idx="1"/>
@@ -716,33 +746,10 @@
           </a:p>
         </p:txBody>
       </p:sp>
-      <p:sp>
-        <p:nvSpPr>
-          <p:cNvPr id="4" name="Slide Number Placeholder 3"/>
-          <p:cNvSpPr>
-            <a:spLocks noGrp="1"/>
-          </p:cNvSpPr>
-          <p:nvPr>
-            <p:ph type="sldNum" sz="quarter" idx="10"/>
-          </p:nvPr>
-        </p:nvSpPr>
-        <p:spPr/>
-        <p:txBody>
-          <a:bodyPr/>
-          <a:lstStyle/>
-          <a:p>
-            <a:fld id="{F8217A12-A6ED-4C4A-8400-036634305785}" type="slidenum">
-              <a:rPr lang="en-US" smtClean="0"/>
-              <a:t>21</a:t>
-            </a:fld>
-            <a:endParaRPr lang="en-US"/>
-          </a:p>
-        </p:txBody>
-      </p:sp>
     </p:spTree>
     <p:extLst>
       <p:ext uri="{BB962C8B-B14F-4D97-AF65-F5344CB8AC3E}">
-        <p14:creationId xmlns:p14="http://schemas.microsoft.com/office/powerpoint/2010/main" val="1396621144"/>
+        <p14:creationId xmlns:p14="http://schemas.microsoft.com/office/powerpoint/2010/main" val="1337492976"/>
       </p:ext>
     </p:extLst>
   </p:cSld>
@@ -793,9 +800,7 @@
         </p:nvSpPr>
         <p:spPr/>
         <p:txBody>
-          <a:bodyPr>
-            <a:normAutofit/>
-          </a:bodyPr>
+          <a:bodyPr/>
           <a:lstStyle/>
           <a:p>
             <a:endParaRPr lang="en-US"/>
@@ -817,10 +822,9 @@
           <a:bodyPr/>
           <a:lstStyle/>
           <a:p>
-            <a:fld id="{26EC2510-E658-4176-9BC5-3335DBD0E44C}" type="slidenum">
+            <a:fld id="{F8217A12-A6ED-4C4A-8400-036634305785}" type="slidenum">
               <a:rPr lang="en-US" smtClean="0"/>
-              <a:pPr/>
-              <a:t>22</a:t>
+              <a:t>23</a:t>
             </a:fld>
             <a:endParaRPr lang="en-US"/>
           </a:p>
@@ -829,7 +833,7 @@
     </p:spTree>
     <p:extLst>
       <p:ext uri="{BB962C8B-B14F-4D97-AF65-F5344CB8AC3E}">
-        <p14:creationId xmlns:p14="http://schemas.microsoft.com/office/powerpoint/2010/main" val="1066259769"/>
+        <p14:creationId xmlns:p14="http://schemas.microsoft.com/office/powerpoint/2010/main" val="1396621144"/>
       </p:ext>
     </p:extLst>
   </p:cSld>
@@ -907,7 +911,7 @@
             <a:fld id="{26EC2510-E658-4176-9BC5-3335DBD0E44C}" type="slidenum">
               <a:rPr lang="en-US" smtClean="0"/>
               <a:pPr/>
-              <a:t>23</a:t>
+              <a:t>24</a:t>
             </a:fld>
             <a:endParaRPr lang="en-US"/>
           </a:p>
@@ -916,7 +920,7 @@
     </p:spTree>
     <p:extLst>
       <p:ext uri="{BB962C8B-B14F-4D97-AF65-F5344CB8AC3E}">
-        <p14:creationId xmlns:p14="http://schemas.microsoft.com/office/powerpoint/2010/main" val="213009774"/>
+        <p14:creationId xmlns:p14="http://schemas.microsoft.com/office/powerpoint/2010/main" val="1066259769"/>
       </p:ext>
     </p:extLst>
   </p:cSld>
@@ -1003,7 +1007,7 @@
     </p:spTree>
     <p:extLst>
       <p:ext uri="{BB962C8B-B14F-4D97-AF65-F5344CB8AC3E}">
-        <p14:creationId xmlns:p14="http://schemas.microsoft.com/office/powerpoint/2010/main" val="300193680"/>
+        <p14:creationId xmlns:p14="http://schemas.microsoft.com/office/powerpoint/2010/main" val="213009774"/>
       </p:ext>
     </p:extLst>
   </p:cSld>
@@ -1081,7 +1085,7 @@
             <a:fld id="{26EC2510-E658-4176-9BC5-3335DBD0E44C}" type="slidenum">
               <a:rPr lang="en-US" smtClean="0"/>
               <a:pPr/>
-              <a:t>26</a:t>
+              <a:t>27</a:t>
             </a:fld>
             <a:endParaRPr lang="en-US"/>
           </a:p>
@@ -1090,7 +1094,7 @@
     </p:spTree>
     <p:extLst>
       <p:ext uri="{BB962C8B-B14F-4D97-AF65-F5344CB8AC3E}">
-        <p14:creationId xmlns:p14="http://schemas.microsoft.com/office/powerpoint/2010/main" val="719162691"/>
+        <p14:creationId xmlns:p14="http://schemas.microsoft.com/office/powerpoint/2010/main" val="300193680"/>
       </p:ext>
     </p:extLst>
   </p:cSld>
@@ -1177,7 +1181,7 @@
     </p:spTree>
     <p:extLst>
       <p:ext uri="{BB962C8B-B14F-4D97-AF65-F5344CB8AC3E}">
-        <p14:creationId xmlns:p14="http://schemas.microsoft.com/office/powerpoint/2010/main" val="1624363219"/>
+        <p14:creationId xmlns:p14="http://schemas.microsoft.com/office/powerpoint/2010/main" val="719162691"/>
       </p:ext>
     </p:extLst>
   </p:cSld>
@@ -1256,6 +1260,93 @@
               <a:rPr lang="en-US" smtClean="0"/>
               <a:pPr/>
               <a:t>30</a:t>
+            </a:fld>
+            <a:endParaRPr lang="en-US"/>
+          </a:p>
+        </p:txBody>
+      </p:sp>
+    </p:spTree>
+    <p:extLst>
+      <p:ext uri="{BB962C8B-B14F-4D97-AF65-F5344CB8AC3E}">
+        <p14:creationId xmlns:p14="http://schemas.microsoft.com/office/powerpoint/2010/main" val="1624363219"/>
+      </p:ext>
+    </p:extLst>
+  </p:cSld>
+  <p:clrMapOvr>
+    <a:masterClrMapping/>
+  </p:clrMapOvr>
+</p:notes>
+</file>
+
+<file path=ppt/notesSlides/notesSlide18.xml><?xml version="1.0" encoding="utf-8"?>
+<p:notes xmlns:a="http://schemas.openxmlformats.org/drawingml/2006/main" xmlns:r="http://schemas.openxmlformats.org/officeDocument/2006/relationships" xmlns:p="http://schemas.openxmlformats.org/presentationml/2006/main">
+  <p:cSld>
+    <p:spTree>
+      <p:nvGrpSpPr>
+        <p:cNvPr id="1" name=""/>
+        <p:cNvGrpSpPr/>
+        <p:nvPr/>
+      </p:nvGrpSpPr>
+      <p:grpSpPr>
+        <a:xfrm>
+          <a:off x="0" y="0"/>
+          <a:ext cx="0" cy="0"/>
+          <a:chOff x="0" y="0"/>
+          <a:chExt cx="0" cy="0"/>
+        </a:xfrm>
+      </p:grpSpPr>
+      <p:sp>
+        <p:nvSpPr>
+          <p:cNvPr id="2" name="Slide Image Placeholder 1"/>
+          <p:cNvSpPr>
+            <a:spLocks noGrp="1" noRot="1" noChangeAspect="1"/>
+          </p:cNvSpPr>
+          <p:nvPr>
+            <p:ph type="sldImg"/>
+          </p:nvPr>
+        </p:nvSpPr>
+        <p:spPr/>
+      </p:sp>
+      <p:sp>
+        <p:nvSpPr>
+          <p:cNvPr id="3" name="Notes Placeholder 2"/>
+          <p:cNvSpPr>
+            <a:spLocks noGrp="1"/>
+          </p:cNvSpPr>
+          <p:nvPr>
+            <p:ph type="body" idx="1"/>
+          </p:nvPr>
+        </p:nvSpPr>
+        <p:spPr/>
+        <p:txBody>
+          <a:bodyPr>
+            <a:normAutofit/>
+          </a:bodyPr>
+          <a:lstStyle/>
+          <a:p>
+            <a:endParaRPr lang="en-US"/>
+          </a:p>
+        </p:txBody>
+      </p:sp>
+      <p:sp>
+        <p:nvSpPr>
+          <p:cNvPr id="4" name="Slide Number Placeholder 3"/>
+          <p:cNvSpPr>
+            <a:spLocks noGrp="1"/>
+          </p:cNvSpPr>
+          <p:nvPr>
+            <p:ph type="sldNum" sz="quarter" idx="10"/>
+          </p:nvPr>
+        </p:nvSpPr>
+        <p:spPr/>
+        <p:txBody>
+          <a:bodyPr/>
+          <a:lstStyle/>
+          <a:p>
+            <a:fld id="{26EC2510-E658-4176-9BC5-3335DBD0E44C}" type="slidenum">
+              <a:rPr lang="en-US" smtClean="0"/>
+              <a:pPr/>
+              <a:t>32</a:t>
             </a:fld>
             <a:endParaRPr lang="en-US"/>
           </a:p>
@@ -1751,7 +1842,7 @@
             <a:fld id="{619CCDD6-DCF9-4647-ACD1-A06B9FB769C1}" type="slidenum">
               <a:rPr lang="en-US"/>
               <a:pPr/>
-              <a:t>15</a:t>
+              <a:t>16</a:t>
             </a:fld>
             <a:endParaRPr lang="en-US"/>
           </a:p>
@@ -1877,7 +1968,7 @@
             <a:fld id="{81E112EF-3329-4F57-9F4E-387E1D834E2A}" type="slidenum">
               <a:rPr lang="en-US" smtClean="0"/>
               <a:pPr/>
-              <a:t>17</a:t>
+              <a:t>18</a:t>
             </a:fld>
             <a:endParaRPr lang="en-US"/>
           </a:p>
@@ -1970,7 +2061,7 @@
             <a:fld id="{787C7385-1679-48D7-9236-9AF931B40705}" type="slidenum">
               <a:rPr lang="en-US" smtClean="0"/>
               <a:pPr/>
-              <a:t>18</a:t>
+              <a:t>19</a:t>
             </a:fld>
             <a:endParaRPr lang="en-US"/>
           </a:p>
@@ -4855,7 +4946,7 @@
           <p:cNvPr id="2" name="Title 1">
             <a:extLst>
               <a:ext uri="{FF2B5EF4-FFF2-40B4-BE49-F238E27FC236}">
-                <a16:creationId xmlns:a16="http://schemas.microsoft.com/office/drawing/2014/main" id="{0E956A24-C190-3747-B8CD-1F8673245EDF}"/>
+                <a16:creationId xmlns:a16="http://schemas.microsoft.com/office/drawing/2014/main" xmlns="" id="{0E956A24-C190-3747-B8CD-1F8673245EDF}"/>
               </a:ext>
             </a:extLst>
           </p:cNvPr>
@@ -4917,7 +5008,7 @@
           <p:cNvPr id="3" name="Subtitle 2">
             <a:extLst>
               <a:ext uri="{FF2B5EF4-FFF2-40B4-BE49-F238E27FC236}">
-                <a16:creationId xmlns:a16="http://schemas.microsoft.com/office/drawing/2014/main" id="{09A3EF78-0BCF-F24C-835B-DDDA774EA0B6}"/>
+                <a16:creationId xmlns:a16="http://schemas.microsoft.com/office/drawing/2014/main" xmlns="" id="{09A3EF78-0BCF-F24C-835B-DDDA774EA0B6}"/>
               </a:ext>
             </a:extLst>
           </p:cNvPr>
@@ -4970,7 +5061,7 @@
           <p:cNvPr id="4" name="Slide Number Placeholder 3">
             <a:extLst>
               <a:ext uri="{FF2B5EF4-FFF2-40B4-BE49-F238E27FC236}">
-                <a16:creationId xmlns:a16="http://schemas.microsoft.com/office/drawing/2014/main" id="{8CF9297D-5A48-924F-A10F-D761D37F79D0}"/>
+                <a16:creationId xmlns:a16="http://schemas.microsoft.com/office/drawing/2014/main" xmlns="" id="{8CF9297D-5A48-924F-A10F-D761D37F79D0}"/>
               </a:ext>
             </a:extLst>
           </p:cNvPr>
@@ -6244,7 +6335,7 @@
                 <a:gridCol w="1387929">
                   <a:extLst>
                     <a:ext uri="{9D8B030D-6E8A-4147-A177-3AD203B41FA5}">
-                      <a16:colId xmlns:a16="http://schemas.microsoft.com/office/drawing/2014/main" val="20000"/>
+                      <a16:colId xmlns:a16="http://schemas.microsoft.com/office/drawing/2014/main" xmlns="" val="20000"/>
                     </a:ext>
                   </a:extLst>
                 </a:gridCol>
@@ -6304,7 +6395,7 @@
                 </a:tc>
                 <a:extLst>
                   <a:ext uri="{0D108BD9-81ED-4DB2-BD59-A6C34878D82A}">
-                    <a16:rowId xmlns:a16="http://schemas.microsoft.com/office/drawing/2014/main" val="10000"/>
+                    <a16:rowId xmlns:a16="http://schemas.microsoft.com/office/drawing/2014/main" xmlns="" val="10000"/>
                   </a:ext>
                 </a:extLst>
               </a:tr>
@@ -6363,7 +6454,7 @@
                 </a:tc>
                 <a:extLst>
                   <a:ext uri="{0D108BD9-81ED-4DB2-BD59-A6C34878D82A}">
-                    <a16:rowId xmlns:a16="http://schemas.microsoft.com/office/drawing/2014/main" val="10001"/>
+                    <a16:rowId xmlns:a16="http://schemas.microsoft.com/office/drawing/2014/main" xmlns="" val="10001"/>
                   </a:ext>
                 </a:extLst>
               </a:tr>
@@ -6422,7 +6513,7 @@
                 </a:tc>
                 <a:extLst>
                   <a:ext uri="{0D108BD9-81ED-4DB2-BD59-A6C34878D82A}">
-                    <a16:rowId xmlns:a16="http://schemas.microsoft.com/office/drawing/2014/main" val="10002"/>
+                    <a16:rowId xmlns:a16="http://schemas.microsoft.com/office/drawing/2014/main" xmlns="" val="10002"/>
                   </a:ext>
                 </a:extLst>
               </a:tr>
@@ -6481,7 +6572,7 @@
                 </a:tc>
                 <a:extLst>
                   <a:ext uri="{0D108BD9-81ED-4DB2-BD59-A6C34878D82A}">
-                    <a16:rowId xmlns:a16="http://schemas.microsoft.com/office/drawing/2014/main" val="10003"/>
+                    <a16:rowId xmlns:a16="http://schemas.microsoft.com/office/drawing/2014/main" xmlns="" val="10003"/>
                   </a:ext>
                 </a:extLst>
               </a:tr>
@@ -6517,7 +6608,7 @@
                 <a:gridCol w="1387929">
                   <a:extLst>
                     <a:ext uri="{9D8B030D-6E8A-4147-A177-3AD203B41FA5}">
-                      <a16:colId xmlns:a16="http://schemas.microsoft.com/office/drawing/2014/main" val="20000"/>
+                      <a16:colId xmlns:a16="http://schemas.microsoft.com/office/drawing/2014/main" xmlns="" val="20000"/>
                     </a:ext>
                   </a:extLst>
                 </a:gridCol>
@@ -6577,7 +6668,7 @@
                 </a:tc>
                 <a:extLst>
                   <a:ext uri="{0D108BD9-81ED-4DB2-BD59-A6C34878D82A}">
-                    <a16:rowId xmlns:a16="http://schemas.microsoft.com/office/drawing/2014/main" val="10000"/>
+                    <a16:rowId xmlns:a16="http://schemas.microsoft.com/office/drawing/2014/main" xmlns="" val="10000"/>
                   </a:ext>
                 </a:extLst>
               </a:tr>
@@ -6636,7 +6727,7 @@
                 </a:tc>
                 <a:extLst>
                   <a:ext uri="{0D108BD9-81ED-4DB2-BD59-A6C34878D82A}">
-                    <a16:rowId xmlns:a16="http://schemas.microsoft.com/office/drawing/2014/main" val="10001"/>
+                    <a16:rowId xmlns:a16="http://schemas.microsoft.com/office/drawing/2014/main" xmlns="" val="10001"/>
                   </a:ext>
                 </a:extLst>
               </a:tr>
@@ -6695,7 +6786,7 @@
                 </a:tc>
                 <a:extLst>
                   <a:ext uri="{0D108BD9-81ED-4DB2-BD59-A6C34878D82A}">
-                    <a16:rowId xmlns:a16="http://schemas.microsoft.com/office/drawing/2014/main" val="10002"/>
+                    <a16:rowId xmlns:a16="http://schemas.microsoft.com/office/drawing/2014/main" xmlns="" val="10002"/>
                   </a:ext>
                 </a:extLst>
               </a:tr>
@@ -6754,7 +6845,7 @@
                 </a:tc>
                 <a:extLst>
                   <a:ext uri="{0D108BD9-81ED-4DB2-BD59-A6C34878D82A}">
-                    <a16:rowId xmlns:a16="http://schemas.microsoft.com/office/drawing/2014/main" val="10003"/>
+                    <a16:rowId xmlns:a16="http://schemas.microsoft.com/office/drawing/2014/main" xmlns="" val="10003"/>
                   </a:ext>
                 </a:extLst>
               </a:tr>
@@ -6812,7 +6903,7 @@
                 </a:tc>
                 <a:extLst>
                   <a:ext uri="{0D108BD9-81ED-4DB2-BD59-A6C34878D82A}">
-                    <a16:rowId xmlns:a16="http://schemas.microsoft.com/office/drawing/2014/main" val="10004"/>
+                    <a16:rowId xmlns:a16="http://schemas.microsoft.com/office/drawing/2014/main" xmlns="" val="10004"/>
                   </a:ext>
                 </a:extLst>
               </a:tr>
@@ -6870,7 +6961,7 @@
                 </a:tc>
                 <a:extLst>
                   <a:ext uri="{0D108BD9-81ED-4DB2-BD59-A6C34878D82A}">
-                    <a16:rowId xmlns:a16="http://schemas.microsoft.com/office/drawing/2014/main" val="10005"/>
+                    <a16:rowId xmlns:a16="http://schemas.microsoft.com/office/drawing/2014/main" xmlns="" val="10005"/>
                   </a:ext>
                 </a:extLst>
               </a:tr>
@@ -8709,6 +8800,500 @@
       </p:grpSpPr>
       <p:sp>
         <p:nvSpPr>
+          <p:cNvPr id="2" name="Title 1"/>
+          <p:cNvSpPr>
+            <a:spLocks noGrp="1"/>
+          </p:cNvSpPr>
+          <p:nvPr>
+            <p:ph type="title"/>
+          </p:nvPr>
+        </p:nvSpPr>
+        <p:spPr/>
+        <p:txBody>
+          <a:bodyPr/>
+          <a:lstStyle/>
+          <a:p>
+            <a:r>
+              <a:rPr lang="en-US" altLang="zh-CN" dirty="0"/>
+              <a:t>Exercise</a:t>
+            </a:r>
+            <a:r>
+              <a:rPr lang="zh-CN" altLang="en-US" dirty="0"/>
+              <a:t> </a:t>
+            </a:r>
+            <a:r>
+              <a:rPr lang="en-US" altLang="zh-CN" dirty="0"/>
+              <a:t>-</a:t>
+            </a:r>
+            <a:r>
+              <a:rPr lang="zh-CN" altLang="en-US" dirty="0"/>
+              <a:t> </a:t>
+            </a:r>
+            <a:r>
+              <a:rPr lang="en-US" altLang="zh-CN" dirty="0"/>
+              <a:t>1</a:t>
+            </a:r>
+            <a:r>
+              <a:rPr lang="zh-CN" altLang="en-US" dirty="0"/>
+              <a:t> </a:t>
+            </a:r>
+            <a:endParaRPr lang="en-US" dirty="0"/>
+          </a:p>
+        </p:txBody>
+      </p:sp>
+      <p:sp>
+        <p:nvSpPr>
+          <p:cNvPr id="3" name="Content Placeholder 2"/>
+          <p:cNvSpPr>
+            <a:spLocks noGrp="1"/>
+          </p:cNvSpPr>
+          <p:nvPr>
+            <p:ph idx="1"/>
+          </p:nvPr>
+        </p:nvSpPr>
+        <p:spPr/>
+        <p:txBody>
+          <a:bodyPr/>
+          <a:lstStyle/>
+          <a:p>
+            <a:r>
+              <a:rPr lang="en-US" altLang="zh-CN" dirty="0"/>
+              <a:t>Which</a:t>
+            </a:r>
+            <a:r>
+              <a:rPr lang="zh-CN" altLang="en-US" dirty="0"/>
+              <a:t> </a:t>
+            </a:r>
+            <a:r>
+              <a:rPr lang="en-US" altLang="zh-CN" dirty="0"/>
+              <a:t>names</a:t>
+            </a:r>
+            <a:r>
+              <a:rPr lang="zh-CN" altLang="en-US" dirty="0"/>
+              <a:t> </a:t>
+            </a:r>
+            <a:r>
+              <a:rPr lang="en-US" altLang="zh-CN" dirty="0"/>
+              <a:t>will</a:t>
+            </a:r>
+            <a:r>
+              <a:rPr lang="zh-CN" altLang="en-US" dirty="0"/>
+              <a:t> </a:t>
+            </a:r>
+            <a:r>
+              <a:rPr lang="en-US" altLang="zh-CN" dirty="0"/>
+              <a:t>be</a:t>
+            </a:r>
+            <a:r>
+              <a:rPr lang="zh-CN" altLang="en-US" dirty="0"/>
+              <a:t> </a:t>
+            </a:r>
+            <a:r>
+              <a:rPr lang="en-US" altLang="zh-CN" dirty="0"/>
+              <a:t>returned?</a:t>
+            </a:r>
+            <a:r>
+              <a:rPr lang="zh-CN" altLang="en-US" dirty="0"/>
+              <a:t> </a:t>
+            </a:r>
+            <a:endParaRPr lang="en-US" dirty="0"/>
+          </a:p>
+        </p:txBody>
+      </p:sp>
+      <p:sp>
+        <p:nvSpPr>
+          <p:cNvPr id="4" name="Slide Number Placeholder 3"/>
+          <p:cNvSpPr>
+            <a:spLocks noGrp="1"/>
+          </p:cNvSpPr>
+          <p:nvPr>
+            <p:ph type="sldNum" sz="quarter" idx="12"/>
+          </p:nvPr>
+        </p:nvSpPr>
+        <p:spPr/>
+        <p:txBody>
+          <a:bodyPr/>
+          <a:lstStyle/>
+          <a:p>
+            <a:fld id="{24AF9547-1ADA-7741-9454-C97103F281DA}" type="slidenum">
+              <a:rPr lang="en-US" smtClean="0"/>
+              <a:t>15</a:t>
+            </a:fld>
+            <a:endParaRPr lang="en-US"/>
+          </a:p>
+        </p:txBody>
+      </p:sp>
+      <p:sp>
+        <p:nvSpPr>
+          <p:cNvPr id="5" name="Rectangle 4"/>
+          <p:cNvSpPr>
+            <a:spLocks noChangeArrowheads="1"/>
+          </p:cNvSpPr>
+          <p:nvPr/>
+        </p:nvSpPr>
+        <p:spPr bwMode="auto">
+          <a:xfrm>
+            <a:off x="1748907" y="2572889"/>
+            <a:ext cx="5208814" cy="1089529"/>
+          </a:xfrm>
+          <a:prstGeom prst="rect">
+            <a:avLst/>
+          </a:prstGeom>
+          <a:solidFill>
+            <a:schemeClr val="bg1"/>
+          </a:solidFill>
+          <a:ln w="9525">
+            <a:solidFill>
+              <a:schemeClr val="tx1"/>
+            </a:solidFill>
+            <a:miter lim="800000"/>
+            <a:headEnd/>
+            <a:tailEnd/>
+          </a:ln>
+          <a:effectLst>
+            <a:outerShdw blurRad="50800" dist="12700" dir="2700000" algn="tl" rotWithShape="0">
+              <a:prstClr val="black">
+                <a:alpha val="40000"/>
+              </a:prstClr>
+            </a:outerShdw>
+          </a:effectLst>
+        </p:spPr>
+        <p:txBody>
+          <a:bodyPr wrap="square">
+            <a:spAutoFit/>
+          </a:bodyPr>
+          <a:lstStyle/>
+          <a:p>
+            <a:pPr eaLnBrk="0" hangingPunct="0">
+              <a:lnSpc>
+                <a:spcPct val="90000"/>
+              </a:lnSpc>
+              <a:spcBef>
+                <a:spcPct val="50000"/>
+              </a:spcBef>
+            </a:pPr>
+            <a:r>
+              <a:rPr lang="en-US" sz="2400" dirty="0">
+                <a:solidFill>
+                  <a:schemeClr val="accent2"/>
+                </a:solidFill>
+                <a:latin typeface="Menlo" charset="0"/>
+                <a:ea typeface="Menlo" charset="0"/>
+                <a:cs typeface="Menlo" charset="0"/>
+              </a:rPr>
+              <a:t>SELECT</a:t>
+            </a:r>
+            <a:r>
+              <a:rPr lang="en-US" sz="2400" dirty="0">
+                <a:latin typeface="Menlo" charset="0"/>
+                <a:ea typeface="Menlo" charset="0"/>
+                <a:cs typeface="Menlo" charset="0"/>
+              </a:rPr>
+              <a:t> *</a:t>
+            </a:r>
+            <a:br>
+              <a:rPr lang="en-US" sz="2400" dirty="0">
+                <a:latin typeface="Menlo" charset="0"/>
+                <a:ea typeface="Menlo" charset="0"/>
+                <a:cs typeface="Menlo" charset="0"/>
+              </a:rPr>
+            </a:br>
+            <a:r>
+              <a:rPr lang="en-US" sz="2400" dirty="0">
+                <a:solidFill>
+                  <a:schemeClr val="accent2"/>
+                </a:solidFill>
+                <a:latin typeface="Menlo" charset="0"/>
+                <a:ea typeface="Menlo" charset="0"/>
+                <a:cs typeface="Menlo" charset="0"/>
+              </a:rPr>
+              <a:t>FROM</a:t>
+            </a:r>
+            <a:r>
+              <a:rPr lang="en-US" sz="2400" dirty="0">
+                <a:latin typeface="Menlo" charset="0"/>
+                <a:ea typeface="Menlo" charset="0"/>
+                <a:cs typeface="Menlo" charset="0"/>
+              </a:rPr>
+              <a:t>   Students</a:t>
+            </a:r>
+            <a:br>
+              <a:rPr lang="en-US" sz="2400" dirty="0">
+                <a:latin typeface="Menlo" charset="0"/>
+                <a:ea typeface="Menlo" charset="0"/>
+                <a:cs typeface="Menlo" charset="0"/>
+              </a:rPr>
+            </a:br>
+            <a:r>
+              <a:rPr lang="en-US" sz="2400" dirty="0">
+                <a:solidFill>
+                  <a:schemeClr val="accent2"/>
+                </a:solidFill>
+                <a:latin typeface="Menlo" charset="0"/>
+                <a:ea typeface="Menlo" charset="0"/>
+                <a:cs typeface="Menlo" charset="0"/>
+              </a:rPr>
+              <a:t>WHERE</a:t>
+            </a:r>
+            <a:r>
+              <a:rPr lang="en-US" sz="2400" dirty="0">
+                <a:latin typeface="Menlo" charset="0"/>
+                <a:ea typeface="Menlo" charset="0"/>
+                <a:cs typeface="Menlo" charset="0"/>
+              </a:rPr>
+              <a:t>  </a:t>
+            </a:r>
+            <a:r>
+              <a:rPr lang="en-US" altLang="zh-CN" sz="2400" dirty="0">
+                <a:latin typeface="Menlo" charset="0"/>
+                <a:ea typeface="Menlo" charset="0"/>
+                <a:cs typeface="Menlo" charset="0"/>
+              </a:rPr>
+              <a:t>name</a:t>
+            </a:r>
+            <a:r>
+              <a:rPr lang="zh-CN" altLang="en-US" sz="2400" dirty="0">
+                <a:latin typeface="Menlo" charset="0"/>
+                <a:ea typeface="Menlo" charset="0"/>
+                <a:cs typeface="Menlo" charset="0"/>
+              </a:rPr>
+              <a:t> </a:t>
+            </a:r>
+            <a:r>
+              <a:rPr lang="en-US" sz="2400" b="1" dirty="0">
+                <a:latin typeface="Menlo" charset="0"/>
+                <a:ea typeface="Menlo" charset="0"/>
+                <a:cs typeface="Menlo" charset="0"/>
+              </a:rPr>
+              <a:t>LIKE</a:t>
+            </a:r>
+            <a:r>
+              <a:rPr lang="en-US" sz="2400" dirty="0">
+                <a:latin typeface="Menlo" charset="0"/>
+                <a:ea typeface="Menlo" charset="0"/>
+                <a:cs typeface="Menlo" charset="0"/>
+              </a:rPr>
+              <a:t> </a:t>
+            </a:r>
+            <a:r>
+              <a:rPr lang="en-CA" sz="2400" dirty="0">
+                <a:cs typeface="Courier New" pitchFamily="49" charset="0"/>
+              </a:rPr>
+              <a:t>'</a:t>
+            </a:r>
+            <a:r>
+              <a:rPr lang="en-US" altLang="zh-CN" sz="2400" dirty="0" err="1">
+                <a:cs typeface="Courier New" pitchFamily="49" charset="0"/>
+              </a:rPr>
+              <a:t>Sm_t</a:t>
+            </a:r>
+            <a:r>
+              <a:rPr lang="en-US" sz="2400" dirty="0">
+                <a:latin typeface="Menlo" charset="0"/>
+                <a:ea typeface="Menlo" charset="0"/>
+                <a:cs typeface="Menlo" charset="0"/>
+              </a:rPr>
+              <a:t>%</a:t>
+            </a:r>
+            <a:r>
+              <a:rPr lang="en-CA" sz="2400" dirty="0">
+                <a:cs typeface="Courier New" pitchFamily="49" charset="0"/>
+              </a:rPr>
+              <a:t>'</a:t>
+            </a:r>
+            <a:endParaRPr lang="en-US" sz="2400" dirty="0">
+              <a:latin typeface="Menlo" charset="0"/>
+              <a:ea typeface="Menlo" charset="0"/>
+              <a:cs typeface="Menlo" charset="0"/>
+            </a:endParaRPr>
+          </a:p>
+        </p:txBody>
+      </p:sp>
+      <p:sp>
+        <p:nvSpPr>
+          <p:cNvPr id="6" name="TextBox 5"/>
+          <p:cNvSpPr txBox="1"/>
+          <p:nvPr/>
+        </p:nvSpPr>
+        <p:spPr>
+          <a:xfrm>
+            <a:off x="2757556" y="3811012"/>
+            <a:ext cx="1595758" cy="3046988"/>
+          </a:xfrm>
+          <a:prstGeom prst="rect">
+            <a:avLst/>
+          </a:prstGeom>
+          <a:noFill/>
+        </p:spPr>
+        <p:txBody>
+          <a:bodyPr wrap="none" rtlCol="0">
+            <a:spAutoFit/>
+          </a:bodyPr>
+          <a:lstStyle/>
+          <a:p>
+            <a:pPr marL="457200" indent="-457200">
+              <a:buAutoNum type="arabicPeriod"/>
+            </a:pPr>
+            <a:r>
+              <a:rPr lang="en-US" altLang="zh-CN" sz="2400" dirty="0"/>
+              <a:t>Smit</a:t>
+            </a:r>
+          </a:p>
+          <a:p>
+            <a:pPr marL="457200" indent="-457200">
+              <a:buAutoNum type="arabicPeriod"/>
+            </a:pPr>
+            <a:r>
+              <a:rPr lang="en-US" altLang="zh-CN" sz="2400" dirty="0"/>
+              <a:t>SMIT</a:t>
+            </a:r>
+          </a:p>
+          <a:p>
+            <a:pPr marL="457200" indent="-457200">
+              <a:buFontTx/>
+              <a:buAutoNum type="arabicPeriod"/>
+            </a:pPr>
+            <a:r>
+              <a:rPr lang="en-US" altLang="zh-CN" sz="2400" dirty="0"/>
+              <a:t>Smart</a:t>
+            </a:r>
+          </a:p>
+          <a:p>
+            <a:pPr marL="457200" indent="-457200">
+              <a:buAutoNum type="arabicPeriod"/>
+            </a:pPr>
+            <a:r>
+              <a:rPr lang="en-US" altLang="zh-CN" sz="2400" dirty="0"/>
+              <a:t>Smith</a:t>
+            </a:r>
+          </a:p>
+          <a:p>
+            <a:pPr marL="457200" indent="-457200">
+              <a:buAutoNum type="arabicPeriod"/>
+            </a:pPr>
+            <a:r>
+              <a:rPr lang="en-US" altLang="zh-CN" sz="2400" dirty="0" err="1"/>
+              <a:t>Smythe</a:t>
+            </a:r>
+            <a:endParaRPr lang="en-US" altLang="zh-CN" sz="2400" dirty="0"/>
+          </a:p>
+          <a:p>
+            <a:pPr marL="457200" indent="-457200">
+              <a:buAutoNum type="arabicPeriod"/>
+            </a:pPr>
+            <a:r>
+              <a:rPr lang="en-US" altLang="zh-CN" sz="2400" dirty="0"/>
+              <a:t>Smut</a:t>
+            </a:r>
+          </a:p>
+          <a:p>
+            <a:pPr marL="457200" indent="-457200">
+              <a:buAutoNum type="arabicPeriod"/>
+            </a:pPr>
+            <a:r>
+              <a:rPr lang="en-US" altLang="zh-CN" sz="2400" dirty="0" err="1"/>
+              <a:t>Smeath</a:t>
+            </a:r>
+            <a:endParaRPr lang="en-US" altLang="zh-CN" sz="2400" dirty="0"/>
+          </a:p>
+          <a:p>
+            <a:pPr marL="457200" indent="-457200">
+              <a:buAutoNum type="arabicPeriod"/>
+            </a:pPr>
+            <a:r>
+              <a:rPr lang="en-US" altLang="zh-CN" sz="2400" dirty="0" err="1"/>
+              <a:t>Smt</a:t>
+            </a:r>
+            <a:endParaRPr lang="en-US" sz="2400" dirty="0"/>
+          </a:p>
+        </p:txBody>
+      </p:sp>
+      <p:sp>
+        <p:nvSpPr>
+          <p:cNvPr id="7" name="TextBox 6"/>
+          <p:cNvSpPr txBox="1"/>
+          <p:nvPr/>
+        </p:nvSpPr>
+        <p:spPr>
+          <a:xfrm>
+            <a:off x="5702187" y="4811286"/>
+            <a:ext cx="1430200" cy="523220"/>
+          </a:xfrm>
+          <a:prstGeom prst="rect">
+            <a:avLst/>
+          </a:prstGeom>
+          <a:noFill/>
+        </p:spPr>
+        <p:txBody>
+          <a:bodyPr wrap="none" rtlCol="0">
+            <a:spAutoFit/>
+          </a:bodyPr>
+          <a:lstStyle/>
+          <a:p>
+            <a:r>
+              <a:rPr lang="en-US" altLang="zh-CN" sz="2800" dirty="0"/>
+              <a:t>1,</a:t>
+            </a:r>
+            <a:r>
+              <a:rPr lang="zh-CN" altLang="en-US" sz="2800" dirty="0"/>
+              <a:t> </a:t>
+            </a:r>
+            <a:r>
+              <a:rPr lang="en-US" altLang="zh-CN" sz="2800" dirty="0"/>
+              <a:t>4,</a:t>
+            </a:r>
+            <a:r>
+              <a:rPr lang="zh-CN" altLang="en-US" sz="2800" dirty="0"/>
+              <a:t> </a:t>
+            </a:r>
+            <a:r>
+              <a:rPr lang="en-US" altLang="zh-CN" sz="2800" dirty="0"/>
+              <a:t>5,</a:t>
+            </a:r>
+            <a:r>
+              <a:rPr lang="zh-CN" altLang="en-US" sz="2800" dirty="0"/>
+              <a:t> </a:t>
+            </a:r>
+            <a:r>
+              <a:rPr lang="en-US" altLang="zh-CN" sz="2800" dirty="0"/>
+              <a:t>6</a:t>
+            </a:r>
+            <a:endParaRPr lang="en-US" sz="2800" dirty="0"/>
+          </a:p>
+        </p:txBody>
+      </p:sp>
+    </p:spTree>
+    <p:extLst>
+      <p:ext uri="{BB962C8B-B14F-4D97-AF65-F5344CB8AC3E}">
+        <p14:creationId xmlns:p14="http://schemas.microsoft.com/office/powerpoint/2010/main" val="916638059"/>
+      </p:ext>
+    </p:extLst>
+  </p:cSld>
+  <p:clrMapOvr>
+    <a:masterClrMapping/>
+  </p:clrMapOvr>
+</p:sld>
+</file>
+
+<file path=ppt/slides/slide16.xml><?xml version="1.0" encoding="utf-8"?>
+<p:sld xmlns:a="http://schemas.openxmlformats.org/drawingml/2006/main" xmlns:r="http://schemas.openxmlformats.org/officeDocument/2006/relationships" xmlns:p="http://schemas.openxmlformats.org/presentationml/2006/main">
+  <p:cSld>
+    <p:spTree>
+      <p:nvGrpSpPr>
+        <p:cNvPr id="1" name=""/>
+        <p:cNvGrpSpPr/>
+        <p:nvPr/>
+      </p:nvGrpSpPr>
+      <p:grpSpPr>
+        <a:xfrm>
+          <a:off x="0" y="0"/>
+          <a:ext cx="0" cy="0"/>
+          <a:chOff x="0" y="0"/>
+          <a:chExt cx="0" cy="0"/>
+        </a:xfrm>
+      </p:grpSpPr>
+      <p:sp>
+        <p:nvSpPr>
           <p:cNvPr id="5" name="Slide Number Placeholder 5"/>
           <p:cNvSpPr>
             <a:spLocks noGrp="1"/>
@@ -8725,7 +9310,7 @@
             <a:fld id="{3867F7A8-BC20-4EFA-AF7D-2BE46B5803AB}" type="slidenum">
               <a:rPr lang="en-US"/>
               <a:pPr/>
-              <a:t>15</a:t>
+              <a:t>16</a:t>
             </a:fld>
             <a:endParaRPr lang="en-US"/>
           </a:p>
@@ -9415,7 +10000,7 @@
 </p:sld>
 </file>
 
-<file path=ppt/slides/slide16.xml><?xml version="1.0" encoding="utf-8"?>
+<file path=ppt/slides/slide17.xml><?xml version="1.0" encoding="utf-8"?>
 <p:sld xmlns:a="http://schemas.openxmlformats.org/drawingml/2006/main" xmlns:r="http://schemas.openxmlformats.org/officeDocument/2006/relationships" xmlns:p="http://schemas.openxmlformats.org/presentationml/2006/main">
   <p:cSld>
     <p:spTree>
@@ -9502,21 +10087,21 @@
                 <a:gridCol w="1368879">
                   <a:extLst>
                     <a:ext uri="{9D8B030D-6E8A-4147-A177-3AD203B41FA5}">
-                      <a16:colId xmlns:a16="http://schemas.microsoft.com/office/drawing/2014/main" val="20000"/>
+                      <a16:colId xmlns:a16="http://schemas.microsoft.com/office/drawing/2014/main" xmlns="" val="20000"/>
                     </a:ext>
                   </a:extLst>
                 </a:gridCol>
                 <a:gridCol w="1368879">
                   <a:extLst>
                     <a:ext uri="{9D8B030D-6E8A-4147-A177-3AD203B41FA5}">
-                      <a16:colId xmlns:a16="http://schemas.microsoft.com/office/drawing/2014/main" val="20001"/>
+                      <a16:colId xmlns:a16="http://schemas.microsoft.com/office/drawing/2014/main" xmlns="" val="20001"/>
                     </a:ext>
                   </a:extLst>
                 </a:gridCol>
                 <a:gridCol w="1368879">
                   <a:extLst>
                     <a:ext uri="{9D8B030D-6E8A-4147-A177-3AD203B41FA5}">
-                      <a16:colId xmlns:a16="http://schemas.microsoft.com/office/drawing/2014/main" val="20002"/>
+                      <a16:colId xmlns:a16="http://schemas.microsoft.com/office/drawing/2014/main" xmlns="" val="20002"/>
                     </a:ext>
                   </a:extLst>
                 </a:gridCol>
@@ -9566,7 +10151,7 @@
                 </a:tc>
                 <a:extLst>
                   <a:ext uri="{0D108BD9-81ED-4DB2-BD59-A6C34878D82A}">
-                    <a16:rowId xmlns:a16="http://schemas.microsoft.com/office/drawing/2014/main" val="10000"/>
+                    <a16:rowId xmlns:a16="http://schemas.microsoft.com/office/drawing/2014/main" xmlns="" val="10000"/>
                   </a:ext>
                 </a:extLst>
               </a:tr>
@@ -9615,7 +10200,7 @@
                 </a:tc>
                 <a:extLst>
                   <a:ext uri="{0D108BD9-81ED-4DB2-BD59-A6C34878D82A}">
-                    <a16:rowId xmlns:a16="http://schemas.microsoft.com/office/drawing/2014/main" val="10001"/>
+                    <a16:rowId xmlns:a16="http://schemas.microsoft.com/office/drawing/2014/main" xmlns="" val="10001"/>
                   </a:ext>
                 </a:extLst>
               </a:tr>
@@ -9664,7 +10249,7 @@
                 </a:tc>
                 <a:extLst>
                   <a:ext uri="{0D108BD9-81ED-4DB2-BD59-A6C34878D82A}">
-                    <a16:rowId xmlns:a16="http://schemas.microsoft.com/office/drawing/2014/main" val="10002"/>
+                    <a16:rowId xmlns:a16="http://schemas.microsoft.com/office/drawing/2014/main" xmlns="" val="10002"/>
                   </a:ext>
                 </a:extLst>
               </a:tr>
@@ -9713,7 +10298,7 @@
                 </a:tc>
                 <a:extLst>
                   <a:ext uri="{0D108BD9-81ED-4DB2-BD59-A6C34878D82A}">
-                    <a16:rowId xmlns:a16="http://schemas.microsoft.com/office/drawing/2014/main" val="10003"/>
+                    <a16:rowId xmlns:a16="http://schemas.microsoft.com/office/drawing/2014/main" xmlns="" val="10003"/>
                   </a:ext>
                 </a:extLst>
               </a:tr>
@@ -9738,7 +10323,7 @@
           <a:p>
             <a:fld id="{24AF9547-1ADA-7741-9454-C97103F281DA}" type="slidenum">
               <a:rPr lang="en-US" smtClean="0"/>
-              <a:t>16</a:t>
+              <a:t>17</a:t>
             </a:fld>
             <a:endParaRPr lang="en-US"/>
           </a:p>
@@ -10265,7 +10850,7 @@
 </p:sld>
 </file>
 
-<file path=ppt/slides/slide17.xml><?xml version="1.0" encoding="utf-8"?>
+<file path=ppt/slides/slide18.xml><?xml version="1.0" encoding="utf-8"?>
 <p:sld xmlns:a="http://schemas.openxmlformats.org/drawingml/2006/main" xmlns:r="http://schemas.openxmlformats.org/officeDocument/2006/relationships" xmlns:p="http://schemas.openxmlformats.org/presentationml/2006/main">
   <p:cSld>
     <p:spTree>
@@ -10547,7 +11132,7 @@
               <a:pPr>
                 <a:defRPr/>
               </a:pPr>
-              <a:t>17</a:t>
+              <a:t>18</a:t>
             </a:fld>
             <a:endParaRPr lang="en-US" altLang="en-US" dirty="0"/>
           </a:p>
@@ -11483,7 +12068,7 @@
 </p:sld>
 </file>
 
-<file path=ppt/slides/slide18.xml><?xml version="1.0" encoding="utf-8"?>
+<file path=ppt/slides/slide19.xml><?xml version="1.0" encoding="utf-8"?>
 <p:sld xmlns:a="http://schemas.openxmlformats.org/drawingml/2006/main" xmlns:r="http://schemas.openxmlformats.org/officeDocument/2006/relationships" xmlns:p="http://schemas.openxmlformats.org/presentationml/2006/main">
   <p:cSld>
     <p:spTree>
@@ -11901,7 +12486,7 @@
               <a:pPr>
                 <a:defRPr/>
               </a:pPr>
-              <a:t>18</a:t>
+              <a:t>19</a:t>
             </a:fld>
             <a:endParaRPr lang="en-US" altLang="en-US" dirty="0"/>
           </a:p>
@@ -11912,7 +12497,7 @@
           <p:cNvPr id="5" name="Rectangle 4">
             <a:extLst>
               <a:ext uri="{FF2B5EF4-FFF2-40B4-BE49-F238E27FC236}">
-                <a16:creationId xmlns:a16="http://schemas.microsoft.com/office/drawing/2014/main" id="{DFEB1673-897D-C14A-91A4-40974FEA04ED}"/>
+                <a16:creationId xmlns:a16="http://schemas.microsoft.com/office/drawing/2014/main" xmlns="" id="{DFEB1673-897D-C14A-91A4-40974FEA04ED}"/>
               </a:ext>
             </a:extLst>
           </p:cNvPr>
@@ -12061,7 +12646,7 @@
           <p:cNvPr id="6" name="Rectangle 5">
             <a:extLst>
               <a:ext uri="{FF2B5EF4-FFF2-40B4-BE49-F238E27FC236}">
-                <a16:creationId xmlns:a16="http://schemas.microsoft.com/office/drawing/2014/main" id="{2DD66F6E-8D1B-6446-8516-6997FCC67C1D}"/>
+                <a16:creationId xmlns:a16="http://schemas.microsoft.com/office/drawing/2014/main" xmlns="" id="{2DD66F6E-8D1B-6446-8516-6997FCC67C1D}"/>
               </a:ext>
             </a:extLst>
           </p:cNvPr>
@@ -12830,7 +13415,399 @@
 </p:sld>
 </file>
 
-<file path=ppt/slides/slide19.xml><?xml version="1.0" encoding="utf-8"?>
+<file path=ppt/slides/slide2.xml><?xml version="1.0" encoding="utf-8"?>
+<p:sld xmlns:a="http://schemas.openxmlformats.org/drawingml/2006/main" xmlns:r="http://schemas.openxmlformats.org/officeDocument/2006/relationships" xmlns:p="http://schemas.openxmlformats.org/presentationml/2006/main">
+  <p:cSld>
+    <p:spTree>
+      <p:nvGrpSpPr>
+        <p:cNvPr id="1" name=""/>
+        <p:cNvGrpSpPr/>
+        <p:nvPr/>
+      </p:nvGrpSpPr>
+      <p:grpSpPr>
+        <a:xfrm>
+          <a:off x="0" y="0"/>
+          <a:ext cx="0" cy="0"/>
+          <a:chOff x="0" y="0"/>
+          <a:chExt cx="0" cy="0"/>
+        </a:xfrm>
+      </p:grpSpPr>
+      <p:sp>
+        <p:nvSpPr>
+          <p:cNvPr id="2" name="Title 1"/>
+          <p:cNvSpPr>
+            <a:spLocks noGrp="1"/>
+          </p:cNvSpPr>
+          <p:nvPr>
+            <p:ph type="title"/>
+          </p:nvPr>
+        </p:nvSpPr>
+        <p:spPr/>
+        <p:txBody>
+          <a:bodyPr/>
+          <a:lstStyle/>
+          <a:p>
+            <a:r>
+              <a:rPr lang="en-US" altLang="zh-CN" dirty="0"/>
+              <a:t>Announcements!</a:t>
+            </a:r>
+            <a:endParaRPr lang="en-US" dirty="0"/>
+          </a:p>
+        </p:txBody>
+      </p:sp>
+      <p:sp>
+        <p:nvSpPr>
+          <p:cNvPr id="3" name="Content Placeholder 2"/>
+          <p:cNvSpPr>
+            <a:spLocks noGrp="1"/>
+          </p:cNvSpPr>
+          <p:nvPr>
+            <p:ph idx="1"/>
+          </p:nvPr>
+        </p:nvSpPr>
+        <p:spPr/>
+        <p:txBody>
+          <a:bodyPr/>
+          <a:lstStyle/>
+          <a:p>
+            <a:r>
+              <a:rPr lang="en-US" altLang="zh-CN" dirty="0"/>
+              <a:t>About</a:t>
+            </a:r>
+            <a:r>
+              <a:rPr lang="zh-CN" altLang="en-US" dirty="0"/>
+              <a:t> </a:t>
+            </a:r>
+            <a:r>
+              <a:rPr lang="en-US" altLang="zh-CN" dirty="0"/>
+              <a:t>Piazza</a:t>
+            </a:r>
+          </a:p>
+          <a:p>
+            <a:pPr lvl="1"/>
+            <a:r>
+              <a:rPr lang="en-US" altLang="zh-CN" dirty="0"/>
+              <a:t>97</a:t>
+            </a:r>
+            <a:r>
+              <a:rPr lang="zh-CN" altLang="en-US" dirty="0"/>
+              <a:t> </a:t>
+            </a:r>
+            <a:r>
+              <a:rPr lang="en-US" altLang="zh-CN" dirty="0"/>
+              <a:t>enrolled</a:t>
+            </a:r>
+            <a:r>
+              <a:rPr lang="zh-CN" altLang="en-US" dirty="0"/>
+              <a:t> </a:t>
+            </a:r>
+            <a:r>
+              <a:rPr lang="en-US" altLang="zh-CN" dirty="0"/>
+              <a:t>(as</a:t>
+            </a:r>
+            <a:r>
+              <a:rPr lang="zh-CN" altLang="en-US" dirty="0"/>
+              <a:t> </a:t>
+            </a:r>
+            <a:r>
+              <a:rPr lang="en-US" altLang="zh-CN" dirty="0"/>
+              <a:t>of</a:t>
+            </a:r>
+            <a:r>
+              <a:rPr lang="zh-CN" altLang="en-US" dirty="0"/>
+              <a:t> </a:t>
+            </a:r>
+            <a:r>
+              <a:rPr lang="en-US" altLang="zh-CN" dirty="0"/>
+              <a:t>today)</a:t>
+            </a:r>
+          </a:p>
+          <a:p>
+            <a:pPr lvl="1"/>
+            <a:r>
+              <a:rPr lang="en-US" altLang="zh-CN" dirty="0"/>
+              <a:t>Posts are anonymous</a:t>
+            </a:r>
+            <a:r>
+              <a:rPr lang="zh-CN" altLang="en-US" dirty="0"/>
+              <a:t> </a:t>
+            </a:r>
+            <a:r>
+              <a:rPr lang="en-US" altLang="zh-CN" dirty="0"/>
+              <a:t>to</a:t>
+            </a:r>
+            <a:r>
+              <a:rPr lang="zh-CN" altLang="en-US" dirty="0"/>
+              <a:t> </a:t>
+            </a:r>
+            <a:r>
+              <a:rPr lang="en-US" altLang="zh-CN" dirty="0"/>
+              <a:t>classmates</a:t>
+            </a:r>
+          </a:p>
+          <a:p>
+            <a:pPr lvl="1"/>
+            <a:endParaRPr lang="en-US" dirty="0"/>
+          </a:p>
+          <a:p>
+            <a:r>
+              <a:rPr lang="en-US" altLang="zh-CN" dirty="0"/>
+              <a:t>You</a:t>
+            </a:r>
+            <a:r>
+              <a:rPr lang="zh-CN" altLang="en-US" dirty="0"/>
+              <a:t> </a:t>
+            </a:r>
+            <a:r>
+              <a:rPr lang="en-US" altLang="zh-CN" dirty="0"/>
+              <a:t>should</a:t>
+            </a:r>
+            <a:r>
+              <a:rPr lang="zh-CN" altLang="en-US" dirty="0"/>
+              <a:t> </a:t>
+            </a:r>
+            <a:r>
+              <a:rPr lang="en-US" altLang="zh-CN" dirty="0"/>
+              <a:t>have</a:t>
+            </a:r>
+            <a:r>
+              <a:rPr lang="zh-CN" altLang="en-US" dirty="0"/>
+              <a:t> </a:t>
+            </a:r>
+            <a:r>
+              <a:rPr lang="en-US" altLang="zh-CN" dirty="0"/>
+              <a:t>started doing A1</a:t>
+            </a:r>
+          </a:p>
+          <a:p>
+            <a:pPr lvl="1"/>
+            <a:r>
+              <a:rPr lang="en-US" altLang="zh-CN" dirty="0"/>
+              <a:t>Please</a:t>
+            </a:r>
+            <a:r>
+              <a:rPr lang="zh-CN" altLang="en-US" dirty="0"/>
+              <a:t> </a:t>
+            </a:r>
+            <a:r>
+              <a:rPr lang="en-US" altLang="zh-CN" dirty="0"/>
+              <a:t>come</a:t>
+            </a:r>
+            <a:r>
+              <a:rPr lang="zh-CN" altLang="en-US" dirty="0"/>
+              <a:t> </a:t>
+            </a:r>
+            <a:r>
+              <a:rPr lang="en-US" altLang="zh-CN" dirty="0"/>
+              <a:t>to</a:t>
+            </a:r>
+            <a:r>
+              <a:rPr lang="zh-CN" altLang="en-US" dirty="0"/>
+              <a:t> </a:t>
+            </a:r>
+            <a:r>
+              <a:rPr lang="en-US" altLang="zh-CN" dirty="0"/>
+              <a:t>office</a:t>
+            </a:r>
+            <a:r>
+              <a:rPr lang="zh-CN" altLang="en-US" dirty="0"/>
+              <a:t> </a:t>
+            </a:r>
+            <a:r>
+              <a:rPr lang="en-US" altLang="zh-CN" dirty="0"/>
+              <a:t>hours</a:t>
+            </a:r>
+            <a:r>
+              <a:rPr lang="zh-CN" altLang="en-US" dirty="0"/>
+              <a:t> </a:t>
+            </a:r>
+            <a:r>
+              <a:rPr lang="en-US" altLang="zh-CN" dirty="0"/>
+              <a:t>if</a:t>
+            </a:r>
+            <a:r>
+              <a:rPr lang="zh-CN" altLang="en-US" dirty="0"/>
+              <a:t> </a:t>
+            </a:r>
+            <a:r>
+              <a:rPr lang="en-US" altLang="zh-CN" dirty="0"/>
+              <a:t>you</a:t>
+            </a:r>
+            <a:r>
+              <a:rPr lang="zh-CN" altLang="en-US" dirty="0"/>
+              <a:t> </a:t>
+            </a:r>
+            <a:r>
+              <a:rPr lang="en-US" altLang="zh-CN" dirty="0"/>
+              <a:t>need</a:t>
+            </a:r>
+            <a:r>
+              <a:rPr lang="zh-CN" altLang="en-US" dirty="0"/>
+              <a:t> </a:t>
+            </a:r>
+            <a:r>
+              <a:rPr lang="en-US" altLang="zh-CN" dirty="0"/>
+              <a:t>any</a:t>
+            </a:r>
+            <a:r>
+              <a:rPr lang="zh-CN" altLang="en-US" dirty="0"/>
+              <a:t> </a:t>
+            </a:r>
+            <a:r>
+              <a:rPr lang="en-US" altLang="zh-CN" dirty="0"/>
+              <a:t>help</a:t>
+            </a:r>
+            <a:endParaRPr lang="en-US" dirty="0"/>
+          </a:p>
+        </p:txBody>
+      </p:sp>
+      <p:sp>
+        <p:nvSpPr>
+          <p:cNvPr id="4" name="Slide Number Placeholder 3"/>
+          <p:cNvSpPr>
+            <a:spLocks noGrp="1"/>
+          </p:cNvSpPr>
+          <p:nvPr>
+            <p:ph type="sldNum" sz="quarter" idx="12"/>
+          </p:nvPr>
+        </p:nvSpPr>
+        <p:spPr/>
+        <p:txBody>
+          <a:bodyPr/>
+          <a:lstStyle/>
+          <a:p>
+            <a:fld id="{24AF9547-1ADA-7741-9454-C97103F281DA}" type="slidenum">
+              <a:rPr lang="en-US" smtClean="0"/>
+              <a:t>2</a:t>
+            </a:fld>
+            <a:endParaRPr lang="en-US"/>
+          </a:p>
+        </p:txBody>
+      </p:sp>
+    </p:spTree>
+    <p:extLst>
+      <p:ext uri="{BB962C8B-B14F-4D97-AF65-F5344CB8AC3E}">
+        <p14:creationId xmlns:p14="http://schemas.microsoft.com/office/powerpoint/2010/main" val="1551548453"/>
+      </p:ext>
+    </p:extLst>
+  </p:cSld>
+  <p:clrMapOvr>
+    <a:masterClrMapping/>
+  </p:clrMapOvr>
+  <p:timing>
+    <p:tnLst>
+      <p:par>
+        <p:cTn id="1" dur="indefinite" restart="never" nodeType="tmRoot">
+          <p:childTnLst>
+            <p:seq concurrent="1" nextAc="seek">
+              <p:cTn id="2" dur="indefinite" nodeType="mainSeq">
+                <p:childTnLst>
+                  <p:par>
+                    <p:cTn id="3" fill="hold">
+                      <p:stCondLst>
+                        <p:cond delay="indefinite"/>
+                      </p:stCondLst>
+                      <p:childTnLst>
+                        <p:par>
+                          <p:cTn id="4" fill="hold">
+                            <p:stCondLst>
+                              <p:cond delay="0"/>
+                            </p:stCondLst>
+                            <p:childTnLst>
+                              <p:par>
+                                <p:cTn id="5" presetID="1" presetClass="entr" presetSubtype="0" fill="hold" nodeType="clickEffect">
+                                  <p:stCondLst>
+                                    <p:cond delay="0"/>
+                                  </p:stCondLst>
+                                  <p:childTnLst>
+                                    <p:set>
+                                      <p:cBhvr>
+                                        <p:cTn id="6" dur="1" fill="hold">
+                                          <p:stCondLst>
+                                            <p:cond delay="0"/>
+                                          </p:stCondLst>
+                                        </p:cTn>
+                                        <p:tgtEl>
+                                          <p:spTgt spid="3">
+                                            <p:txEl>
+                                              <p:pRg st="4" end="4"/>
+                                            </p:txEl>
+                                          </p:spTgt>
+                                        </p:tgtEl>
+                                        <p:attrNameLst>
+                                          <p:attrName>style.visibility</p:attrName>
+                                        </p:attrNameLst>
+                                      </p:cBhvr>
+                                      <p:to>
+                                        <p:strVal val="visible"/>
+                                      </p:to>
+                                    </p:set>
+                                  </p:childTnLst>
+                                </p:cTn>
+                              </p:par>
+                              <p:par>
+                                <p:cTn id="7" presetID="1" presetClass="entr" presetSubtype="0" fill="hold" nodeType="withEffect">
+                                  <p:stCondLst>
+                                    <p:cond delay="0"/>
+                                  </p:stCondLst>
+                                  <p:childTnLst>
+                                    <p:set>
+                                      <p:cBhvr>
+                                        <p:cTn id="8" dur="1" fill="hold">
+                                          <p:stCondLst>
+                                            <p:cond delay="0"/>
+                                          </p:stCondLst>
+                                        </p:cTn>
+                                        <p:tgtEl>
+                                          <p:spTgt spid="3">
+                                            <p:txEl>
+                                              <p:pRg st="5" end="5"/>
+                                            </p:txEl>
+                                          </p:spTgt>
+                                        </p:tgtEl>
+                                        <p:attrNameLst>
+                                          <p:attrName>style.visibility</p:attrName>
+                                        </p:attrNameLst>
+                                      </p:cBhvr>
+                                      <p:to>
+                                        <p:strVal val="visible"/>
+                                      </p:to>
+                                    </p:set>
+                                  </p:childTnLst>
+                                </p:cTn>
+                              </p:par>
+                            </p:childTnLst>
+                          </p:cTn>
+                        </p:par>
+                      </p:childTnLst>
+                    </p:cTn>
+                  </p:par>
+                </p:childTnLst>
+              </p:cTn>
+              <p:prevCondLst>
+                <p:cond evt="onPrev" delay="0">
+                  <p:tgtEl>
+                    <p:sldTgt/>
+                  </p:tgtEl>
+                </p:cond>
+              </p:prevCondLst>
+              <p:nextCondLst>
+                <p:cond evt="onNext" delay="0">
+                  <p:tgtEl>
+                    <p:sldTgt/>
+                  </p:tgtEl>
+                </p:cond>
+              </p:nextCondLst>
+            </p:seq>
+          </p:childTnLst>
+        </p:cTn>
+      </p:par>
+    </p:tnLst>
+  </p:timing>
+</p:sld>
+</file>
+
+<file path=ppt/slides/slide20.xml><?xml version="1.0" encoding="utf-8"?>
 <p:sld xmlns:a="http://schemas.openxmlformats.org/drawingml/2006/main" xmlns:r="http://schemas.openxmlformats.org/officeDocument/2006/relationships" xmlns:p="http://schemas.openxmlformats.org/presentationml/2006/main">
   <p:cSld>
     <p:spTree>
@@ -12912,21 +13889,21 @@
                 <a:gridCol w="1368879">
                   <a:extLst>
                     <a:ext uri="{9D8B030D-6E8A-4147-A177-3AD203B41FA5}">
-                      <a16:colId xmlns:a16="http://schemas.microsoft.com/office/drawing/2014/main" val="20000"/>
+                      <a16:colId xmlns:a16="http://schemas.microsoft.com/office/drawing/2014/main" xmlns="" val="20000"/>
                     </a:ext>
                   </a:extLst>
                 </a:gridCol>
                 <a:gridCol w="1368879">
                   <a:extLst>
                     <a:ext uri="{9D8B030D-6E8A-4147-A177-3AD203B41FA5}">
-                      <a16:colId xmlns:a16="http://schemas.microsoft.com/office/drawing/2014/main" val="20001"/>
+                      <a16:colId xmlns:a16="http://schemas.microsoft.com/office/drawing/2014/main" xmlns="" val="20001"/>
                     </a:ext>
                   </a:extLst>
                 </a:gridCol>
                 <a:gridCol w="1368879">
                   <a:extLst>
                     <a:ext uri="{9D8B030D-6E8A-4147-A177-3AD203B41FA5}">
-                      <a16:colId xmlns:a16="http://schemas.microsoft.com/office/drawing/2014/main" val="20002"/>
+                      <a16:colId xmlns:a16="http://schemas.microsoft.com/office/drawing/2014/main" xmlns="" val="20002"/>
                     </a:ext>
                   </a:extLst>
                 </a:gridCol>
@@ -12976,7 +13953,7 @@
                 </a:tc>
                 <a:extLst>
                   <a:ext uri="{0D108BD9-81ED-4DB2-BD59-A6C34878D82A}">
-                    <a16:rowId xmlns:a16="http://schemas.microsoft.com/office/drawing/2014/main" val="10000"/>
+                    <a16:rowId xmlns:a16="http://schemas.microsoft.com/office/drawing/2014/main" xmlns="" val="10000"/>
                   </a:ext>
                 </a:extLst>
               </a:tr>
@@ -13025,7 +14002,7 @@
                 </a:tc>
                 <a:extLst>
                   <a:ext uri="{0D108BD9-81ED-4DB2-BD59-A6C34878D82A}">
-                    <a16:rowId xmlns:a16="http://schemas.microsoft.com/office/drawing/2014/main" val="10001"/>
+                    <a16:rowId xmlns:a16="http://schemas.microsoft.com/office/drawing/2014/main" xmlns="" val="10001"/>
                   </a:ext>
                 </a:extLst>
               </a:tr>
@@ -13074,7 +14051,7 @@
                 </a:tc>
                 <a:extLst>
                   <a:ext uri="{0D108BD9-81ED-4DB2-BD59-A6C34878D82A}">
-                    <a16:rowId xmlns:a16="http://schemas.microsoft.com/office/drawing/2014/main" val="10002"/>
+                    <a16:rowId xmlns:a16="http://schemas.microsoft.com/office/drawing/2014/main" xmlns="" val="10002"/>
                   </a:ext>
                 </a:extLst>
               </a:tr>
@@ -13123,7 +14100,7 @@
                 </a:tc>
                 <a:extLst>
                   <a:ext uri="{0D108BD9-81ED-4DB2-BD59-A6C34878D82A}">
-                    <a16:rowId xmlns:a16="http://schemas.microsoft.com/office/drawing/2014/main" val="10003"/>
+                    <a16:rowId xmlns:a16="http://schemas.microsoft.com/office/drawing/2014/main" xmlns="" val="10003"/>
                   </a:ext>
                 </a:extLst>
               </a:tr>
@@ -13148,7 +14125,7 @@
           <a:p>
             <a:fld id="{24AF9547-1ADA-7741-9454-C97103F281DA}" type="slidenum">
               <a:rPr lang="en-US" smtClean="0"/>
-              <a:t>19</a:t>
+              <a:t>20</a:t>
             </a:fld>
             <a:endParaRPr lang="en-US"/>
           </a:p>
@@ -13513,7 +14490,7 @@
                 <a:gridCol w="1069520">
                   <a:extLst>
                     <a:ext uri="{9D8B030D-6E8A-4147-A177-3AD203B41FA5}">
-                      <a16:colId xmlns:a16="http://schemas.microsoft.com/office/drawing/2014/main" val="20000"/>
+                      <a16:colId xmlns:a16="http://schemas.microsoft.com/office/drawing/2014/main" xmlns="" val="20000"/>
                     </a:ext>
                   </a:extLst>
                 </a:gridCol>
@@ -13535,7 +14512,7 @@
                 </a:tc>
                 <a:extLst>
                   <a:ext uri="{0D108BD9-81ED-4DB2-BD59-A6C34878D82A}">
-                    <a16:rowId xmlns:a16="http://schemas.microsoft.com/office/drawing/2014/main" val="10000"/>
+                    <a16:rowId xmlns:a16="http://schemas.microsoft.com/office/drawing/2014/main" xmlns="" val="10000"/>
                   </a:ext>
                 </a:extLst>
               </a:tr>
@@ -13556,7 +14533,7 @@
                 </a:tc>
                 <a:extLst>
                   <a:ext uri="{0D108BD9-81ED-4DB2-BD59-A6C34878D82A}">
-                    <a16:rowId xmlns:a16="http://schemas.microsoft.com/office/drawing/2014/main" val="10001"/>
+                    <a16:rowId xmlns:a16="http://schemas.microsoft.com/office/drawing/2014/main" xmlns="" val="10001"/>
                   </a:ext>
                 </a:extLst>
               </a:tr>
@@ -13577,7 +14554,7 @@
                 </a:tc>
                 <a:extLst>
                   <a:ext uri="{0D108BD9-81ED-4DB2-BD59-A6C34878D82A}">
-                    <a16:rowId xmlns:a16="http://schemas.microsoft.com/office/drawing/2014/main" val="10002"/>
+                    <a16:rowId xmlns:a16="http://schemas.microsoft.com/office/drawing/2014/main" xmlns="" val="10002"/>
                   </a:ext>
                 </a:extLst>
               </a:tr>
@@ -13598,7 +14575,7 @@
                 </a:tc>
                 <a:extLst>
                   <a:ext uri="{0D108BD9-81ED-4DB2-BD59-A6C34878D82A}">
-                    <a16:rowId xmlns:a16="http://schemas.microsoft.com/office/drawing/2014/main" val="10003"/>
+                    <a16:rowId xmlns:a16="http://schemas.microsoft.com/office/drawing/2014/main" xmlns="" val="10003"/>
                   </a:ext>
                 </a:extLst>
               </a:tr>
@@ -13634,7 +14611,7 @@
                 <a:gridCol w="1069520">
                   <a:extLst>
                     <a:ext uri="{9D8B030D-6E8A-4147-A177-3AD203B41FA5}">
-                      <a16:colId xmlns:a16="http://schemas.microsoft.com/office/drawing/2014/main" val="20000"/>
+                      <a16:colId xmlns:a16="http://schemas.microsoft.com/office/drawing/2014/main" xmlns="" val="20000"/>
                     </a:ext>
                   </a:extLst>
                 </a:gridCol>
@@ -13656,7 +14633,7 @@
                 </a:tc>
                 <a:extLst>
                   <a:ext uri="{0D108BD9-81ED-4DB2-BD59-A6C34878D82A}">
-                    <a16:rowId xmlns:a16="http://schemas.microsoft.com/office/drawing/2014/main" val="10000"/>
+                    <a16:rowId xmlns:a16="http://schemas.microsoft.com/office/drawing/2014/main" xmlns="" val="10000"/>
                   </a:ext>
                 </a:extLst>
               </a:tr>
@@ -13677,7 +14654,7 @@
                 </a:tc>
                 <a:extLst>
                   <a:ext uri="{0D108BD9-81ED-4DB2-BD59-A6C34878D82A}">
-                    <a16:rowId xmlns:a16="http://schemas.microsoft.com/office/drawing/2014/main" val="10001"/>
+                    <a16:rowId xmlns:a16="http://schemas.microsoft.com/office/drawing/2014/main" xmlns="" val="10001"/>
                   </a:ext>
                 </a:extLst>
               </a:tr>
@@ -13698,7 +14675,7 @@
                 </a:tc>
                 <a:extLst>
                   <a:ext uri="{0D108BD9-81ED-4DB2-BD59-A6C34878D82A}">
-                    <a16:rowId xmlns:a16="http://schemas.microsoft.com/office/drawing/2014/main" val="10002"/>
+                    <a16:rowId xmlns:a16="http://schemas.microsoft.com/office/drawing/2014/main" xmlns="" val="10002"/>
                   </a:ext>
                 </a:extLst>
               </a:tr>
@@ -13734,7 +14711,7 @@
                 <a:gridCol w="1368879">
                   <a:extLst>
                     <a:ext uri="{9D8B030D-6E8A-4147-A177-3AD203B41FA5}">
-                      <a16:colId xmlns:a16="http://schemas.microsoft.com/office/drawing/2014/main" val="20000"/>
+                      <a16:colId xmlns:a16="http://schemas.microsoft.com/office/drawing/2014/main" xmlns="" val="20000"/>
                     </a:ext>
                   </a:extLst>
                 </a:gridCol>
@@ -13756,7 +14733,7 @@
                 </a:tc>
                 <a:extLst>
                   <a:ext uri="{0D108BD9-81ED-4DB2-BD59-A6C34878D82A}">
-                    <a16:rowId xmlns:a16="http://schemas.microsoft.com/office/drawing/2014/main" val="10000"/>
+                    <a16:rowId xmlns:a16="http://schemas.microsoft.com/office/drawing/2014/main" xmlns="" val="10000"/>
                   </a:ext>
                 </a:extLst>
               </a:tr>
@@ -13777,7 +14754,7 @@
                 </a:tc>
                 <a:extLst>
                   <a:ext uri="{0D108BD9-81ED-4DB2-BD59-A6C34878D82A}">
-                    <a16:rowId xmlns:a16="http://schemas.microsoft.com/office/drawing/2014/main" val="10001"/>
+                    <a16:rowId xmlns:a16="http://schemas.microsoft.com/office/drawing/2014/main" xmlns="" val="10001"/>
                   </a:ext>
                 </a:extLst>
               </a:tr>
@@ -13798,7 +14775,7 @@
                 </a:tc>
                 <a:extLst>
                   <a:ext uri="{0D108BD9-81ED-4DB2-BD59-A6C34878D82A}">
-                    <a16:rowId xmlns:a16="http://schemas.microsoft.com/office/drawing/2014/main" val="10002"/>
+                    <a16:rowId xmlns:a16="http://schemas.microsoft.com/office/drawing/2014/main" xmlns="" val="10002"/>
                   </a:ext>
                 </a:extLst>
               </a:tr>
@@ -13819,7 +14796,7 @@
                 </a:tc>
                 <a:extLst>
                   <a:ext uri="{0D108BD9-81ED-4DB2-BD59-A6C34878D82A}">
-                    <a16:rowId xmlns:a16="http://schemas.microsoft.com/office/drawing/2014/main" val="10003"/>
+                    <a16:rowId xmlns:a16="http://schemas.microsoft.com/office/drawing/2014/main" xmlns="" val="10003"/>
                   </a:ext>
                 </a:extLst>
               </a:tr>
@@ -14152,399 +15129,7 @@
 </p:sld>
 </file>
 
-<file path=ppt/slides/slide2.xml><?xml version="1.0" encoding="utf-8"?>
-<p:sld xmlns:a="http://schemas.openxmlformats.org/drawingml/2006/main" xmlns:r="http://schemas.openxmlformats.org/officeDocument/2006/relationships" xmlns:p="http://schemas.openxmlformats.org/presentationml/2006/main">
-  <p:cSld>
-    <p:spTree>
-      <p:nvGrpSpPr>
-        <p:cNvPr id="1" name=""/>
-        <p:cNvGrpSpPr/>
-        <p:nvPr/>
-      </p:nvGrpSpPr>
-      <p:grpSpPr>
-        <a:xfrm>
-          <a:off x="0" y="0"/>
-          <a:ext cx="0" cy="0"/>
-          <a:chOff x="0" y="0"/>
-          <a:chExt cx="0" cy="0"/>
-        </a:xfrm>
-      </p:grpSpPr>
-      <p:sp>
-        <p:nvSpPr>
-          <p:cNvPr id="2" name="Title 1"/>
-          <p:cNvSpPr>
-            <a:spLocks noGrp="1"/>
-          </p:cNvSpPr>
-          <p:nvPr>
-            <p:ph type="title"/>
-          </p:nvPr>
-        </p:nvSpPr>
-        <p:spPr/>
-        <p:txBody>
-          <a:bodyPr/>
-          <a:lstStyle/>
-          <a:p>
-            <a:r>
-              <a:rPr lang="en-US" altLang="zh-CN" dirty="0"/>
-              <a:t>Announcements!</a:t>
-            </a:r>
-            <a:endParaRPr lang="en-US" dirty="0"/>
-          </a:p>
-        </p:txBody>
-      </p:sp>
-      <p:sp>
-        <p:nvSpPr>
-          <p:cNvPr id="3" name="Content Placeholder 2"/>
-          <p:cNvSpPr>
-            <a:spLocks noGrp="1"/>
-          </p:cNvSpPr>
-          <p:nvPr>
-            <p:ph idx="1"/>
-          </p:nvPr>
-        </p:nvSpPr>
-        <p:spPr/>
-        <p:txBody>
-          <a:bodyPr/>
-          <a:lstStyle/>
-          <a:p>
-            <a:r>
-              <a:rPr lang="en-US" altLang="zh-CN" dirty="0"/>
-              <a:t>About</a:t>
-            </a:r>
-            <a:r>
-              <a:rPr lang="zh-CN" altLang="en-US" dirty="0"/>
-              <a:t> </a:t>
-            </a:r>
-            <a:r>
-              <a:rPr lang="en-US" altLang="zh-CN" dirty="0"/>
-              <a:t>Piazza</a:t>
-            </a:r>
-          </a:p>
-          <a:p>
-            <a:pPr lvl="1"/>
-            <a:r>
-              <a:rPr lang="en-US" altLang="zh-CN" dirty="0"/>
-              <a:t>97</a:t>
-            </a:r>
-            <a:r>
-              <a:rPr lang="zh-CN" altLang="en-US" dirty="0"/>
-              <a:t> </a:t>
-            </a:r>
-            <a:r>
-              <a:rPr lang="en-US" altLang="zh-CN" dirty="0"/>
-              <a:t>enrolled</a:t>
-            </a:r>
-            <a:r>
-              <a:rPr lang="zh-CN" altLang="en-US" dirty="0"/>
-              <a:t> </a:t>
-            </a:r>
-            <a:r>
-              <a:rPr lang="en-US" altLang="zh-CN" dirty="0"/>
-              <a:t>(as</a:t>
-            </a:r>
-            <a:r>
-              <a:rPr lang="zh-CN" altLang="en-US" dirty="0"/>
-              <a:t> </a:t>
-            </a:r>
-            <a:r>
-              <a:rPr lang="en-US" altLang="zh-CN" dirty="0"/>
-              <a:t>of</a:t>
-            </a:r>
-            <a:r>
-              <a:rPr lang="zh-CN" altLang="en-US" dirty="0"/>
-              <a:t> </a:t>
-            </a:r>
-            <a:r>
-              <a:rPr lang="en-US" altLang="zh-CN" dirty="0"/>
-              <a:t>today)</a:t>
-            </a:r>
-          </a:p>
-          <a:p>
-            <a:pPr lvl="1"/>
-            <a:r>
-              <a:rPr lang="en-US" altLang="zh-CN" dirty="0"/>
-              <a:t>Posts are anonymous</a:t>
-            </a:r>
-            <a:r>
-              <a:rPr lang="zh-CN" altLang="en-US" dirty="0"/>
-              <a:t> </a:t>
-            </a:r>
-            <a:r>
-              <a:rPr lang="en-US" altLang="zh-CN" dirty="0"/>
-              <a:t>to</a:t>
-            </a:r>
-            <a:r>
-              <a:rPr lang="zh-CN" altLang="en-US" dirty="0"/>
-              <a:t> </a:t>
-            </a:r>
-            <a:r>
-              <a:rPr lang="en-US" altLang="zh-CN" dirty="0"/>
-              <a:t>classmates</a:t>
-            </a:r>
-          </a:p>
-          <a:p>
-            <a:pPr lvl="1"/>
-            <a:endParaRPr lang="en-US" dirty="0"/>
-          </a:p>
-          <a:p>
-            <a:r>
-              <a:rPr lang="en-US" altLang="zh-CN" dirty="0"/>
-              <a:t>You</a:t>
-            </a:r>
-            <a:r>
-              <a:rPr lang="zh-CN" altLang="en-US" dirty="0"/>
-              <a:t> </a:t>
-            </a:r>
-            <a:r>
-              <a:rPr lang="en-US" altLang="zh-CN" dirty="0"/>
-              <a:t>should</a:t>
-            </a:r>
-            <a:r>
-              <a:rPr lang="zh-CN" altLang="en-US" dirty="0"/>
-              <a:t> </a:t>
-            </a:r>
-            <a:r>
-              <a:rPr lang="en-US" altLang="zh-CN" dirty="0"/>
-              <a:t>have</a:t>
-            </a:r>
-            <a:r>
-              <a:rPr lang="zh-CN" altLang="en-US" dirty="0"/>
-              <a:t> </a:t>
-            </a:r>
-            <a:r>
-              <a:rPr lang="en-US" altLang="zh-CN" dirty="0"/>
-              <a:t>started doing A1</a:t>
-            </a:r>
-          </a:p>
-          <a:p>
-            <a:pPr lvl="1"/>
-            <a:r>
-              <a:rPr lang="en-US" altLang="zh-CN" dirty="0"/>
-              <a:t>Please</a:t>
-            </a:r>
-            <a:r>
-              <a:rPr lang="zh-CN" altLang="en-US" dirty="0"/>
-              <a:t> </a:t>
-            </a:r>
-            <a:r>
-              <a:rPr lang="en-US" altLang="zh-CN" dirty="0"/>
-              <a:t>come</a:t>
-            </a:r>
-            <a:r>
-              <a:rPr lang="zh-CN" altLang="en-US" dirty="0"/>
-              <a:t> </a:t>
-            </a:r>
-            <a:r>
-              <a:rPr lang="en-US" altLang="zh-CN" dirty="0"/>
-              <a:t>to</a:t>
-            </a:r>
-            <a:r>
-              <a:rPr lang="zh-CN" altLang="en-US" dirty="0"/>
-              <a:t> </a:t>
-            </a:r>
-            <a:r>
-              <a:rPr lang="en-US" altLang="zh-CN" dirty="0"/>
-              <a:t>office</a:t>
-            </a:r>
-            <a:r>
-              <a:rPr lang="zh-CN" altLang="en-US" dirty="0"/>
-              <a:t> </a:t>
-            </a:r>
-            <a:r>
-              <a:rPr lang="en-US" altLang="zh-CN" dirty="0"/>
-              <a:t>hours</a:t>
-            </a:r>
-            <a:r>
-              <a:rPr lang="zh-CN" altLang="en-US" dirty="0"/>
-              <a:t> </a:t>
-            </a:r>
-            <a:r>
-              <a:rPr lang="en-US" altLang="zh-CN" dirty="0"/>
-              <a:t>if</a:t>
-            </a:r>
-            <a:r>
-              <a:rPr lang="zh-CN" altLang="en-US" dirty="0"/>
-              <a:t> </a:t>
-            </a:r>
-            <a:r>
-              <a:rPr lang="en-US" altLang="zh-CN" dirty="0"/>
-              <a:t>you</a:t>
-            </a:r>
-            <a:r>
-              <a:rPr lang="zh-CN" altLang="en-US" dirty="0"/>
-              <a:t> </a:t>
-            </a:r>
-            <a:r>
-              <a:rPr lang="en-US" altLang="zh-CN" dirty="0"/>
-              <a:t>need</a:t>
-            </a:r>
-            <a:r>
-              <a:rPr lang="zh-CN" altLang="en-US" dirty="0"/>
-              <a:t> </a:t>
-            </a:r>
-            <a:r>
-              <a:rPr lang="en-US" altLang="zh-CN" dirty="0"/>
-              <a:t>any</a:t>
-            </a:r>
-            <a:r>
-              <a:rPr lang="zh-CN" altLang="en-US" dirty="0"/>
-              <a:t> </a:t>
-            </a:r>
-            <a:r>
-              <a:rPr lang="en-US" altLang="zh-CN" dirty="0"/>
-              <a:t>help</a:t>
-            </a:r>
-            <a:endParaRPr lang="en-US" dirty="0"/>
-          </a:p>
-        </p:txBody>
-      </p:sp>
-      <p:sp>
-        <p:nvSpPr>
-          <p:cNvPr id="4" name="Slide Number Placeholder 3"/>
-          <p:cNvSpPr>
-            <a:spLocks noGrp="1"/>
-          </p:cNvSpPr>
-          <p:nvPr>
-            <p:ph type="sldNum" sz="quarter" idx="12"/>
-          </p:nvPr>
-        </p:nvSpPr>
-        <p:spPr/>
-        <p:txBody>
-          <a:bodyPr/>
-          <a:lstStyle/>
-          <a:p>
-            <a:fld id="{24AF9547-1ADA-7741-9454-C97103F281DA}" type="slidenum">
-              <a:rPr lang="en-US" smtClean="0"/>
-              <a:t>2</a:t>
-            </a:fld>
-            <a:endParaRPr lang="en-US"/>
-          </a:p>
-        </p:txBody>
-      </p:sp>
-    </p:spTree>
-    <p:extLst>
-      <p:ext uri="{BB962C8B-B14F-4D97-AF65-F5344CB8AC3E}">
-        <p14:creationId xmlns:p14="http://schemas.microsoft.com/office/powerpoint/2010/main" val="1551548453"/>
-      </p:ext>
-    </p:extLst>
-  </p:cSld>
-  <p:clrMapOvr>
-    <a:masterClrMapping/>
-  </p:clrMapOvr>
-  <p:timing>
-    <p:tnLst>
-      <p:par>
-        <p:cTn id="1" dur="indefinite" restart="never" nodeType="tmRoot">
-          <p:childTnLst>
-            <p:seq concurrent="1" nextAc="seek">
-              <p:cTn id="2" dur="indefinite" nodeType="mainSeq">
-                <p:childTnLst>
-                  <p:par>
-                    <p:cTn id="3" fill="hold">
-                      <p:stCondLst>
-                        <p:cond delay="indefinite"/>
-                      </p:stCondLst>
-                      <p:childTnLst>
-                        <p:par>
-                          <p:cTn id="4" fill="hold">
-                            <p:stCondLst>
-                              <p:cond delay="0"/>
-                            </p:stCondLst>
-                            <p:childTnLst>
-                              <p:par>
-                                <p:cTn id="5" presetID="1" presetClass="entr" presetSubtype="0" fill="hold" nodeType="clickEffect">
-                                  <p:stCondLst>
-                                    <p:cond delay="0"/>
-                                  </p:stCondLst>
-                                  <p:childTnLst>
-                                    <p:set>
-                                      <p:cBhvr>
-                                        <p:cTn id="6" dur="1" fill="hold">
-                                          <p:stCondLst>
-                                            <p:cond delay="0"/>
-                                          </p:stCondLst>
-                                        </p:cTn>
-                                        <p:tgtEl>
-                                          <p:spTgt spid="3">
-                                            <p:txEl>
-                                              <p:pRg st="4" end="4"/>
-                                            </p:txEl>
-                                          </p:spTgt>
-                                        </p:tgtEl>
-                                        <p:attrNameLst>
-                                          <p:attrName>style.visibility</p:attrName>
-                                        </p:attrNameLst>
-                                      </p:cBhvr>
-                                      <p:to>
-                                        <p:strVal val="visible"/>
-                                      </p:to>
-                                    </p:set>
-                                  </p:childTnLst>
-                                </p:cTn>
-                              </p:par>
-                              <p:par>
-                                <p:cTn id="7" presetID="1" presetClass="entr" presetSubtype="0" fill="hold" nodeType="withEffect">
-                                  <p:stCondLst>
-                                    <p:cond delay="0"/>
-                                  </p:stCondLst>
-                                  <p:childTnLst>
-                                    <p:set>
-                                      <p:cBhvr>
-                                        <p:cTn id="8" dur="1" fill="hold">
-                                          <p:stCondLst>
-                                            <p:cond delay="0"/>
-                                          </p:stCondLst>
-                                        </p:cTn>
-                                        <p:tgtEl>
-                                          <p:spTgt spid="3">
-                                            <p:txEl>
-                                              <p:pRg st="5" end="5"/>
-                                            </p:txEl>
-                                          </p:spTgt>
-                                        </p:tgtEl>
-                                        <p:attrNameLst>
-                                          <p:attrName>style.visibility</p:attrName>
-                                        </p:attrNameLst>
-                                      </p:cBhvr>
-                                      <p:to>
-                                        <p:strVal val="visible"/>
-                                      </p:to>
-                                    </p:set>
-                                  </p:childTnLst>
-                                </p:cTn>
-                              </p:par>
-                            </p:childTnLst>
-                          </p:cTn>
-                        </p:par>
-                      </p:childTnLst>
-                    </p:cTn>
-                  </p:par>
-                </p:childTnLst>
-              </p:cTn>
-              <p:prevCondLst>
-                <p:cond evt="onPrev" delay="0">
-                  <p:tgtEl>
-                    <p:sldTgt/>
-                  </p:tgtEl>
-                </p:cond>
-              </p:prevCondLst>
-              <p:nextCondLst>
-                <p:cond evt="onNext" delay="0">
-                  <p:tgtEl>
-                    <p:sldTgt/>
-                  </p:tgtEl>
-                </p:cond>
-              </p:nextCondLst>
-            </p:seq>
-          </p:childTnLst>
-        </p:cTn>
-      </p:par>
-    </p:tnLst>
-  </p:timing>
-</p:sld>
-</file>
-
-<file path=ppt/slides/slide20.xml><?xml version="1.0" encoding="utf-8"?>
+<file path=ppt/slides/slide21.xml><?xml version="1.0" encoding="utf-8"?>
 <p:sld xmlns:a="http://schemas.openxmlformats.org/drawingml/2006/main" xmlns:r="http://schemas.openxmlformats.org/officeDocument/2006/relationships" xmlns:p="http://schemas.openxmlformats.org/presentationml/2006/main">
   <p:cSld>
     <p:spTree>
@@ -14579,7 +15164,7 @@
             <a:fld id="{99972907-1C6D-41FA-AAF1-1B0777B84EE1}" type="slidenum">
               <a:rPr lang="en-US"/>
               <a:pPr/>
-              <a:t>20</a:t>
+              <a:t>21</a:t>
             </a:fld>
             <a:endParaRPr lang="en-US"/>
           </a:p>
@@ -14935,7 +15520,489 @@
 </p:sld>
 </file>
 
-<file path=ppt/slides/slide21.xml><?xml version="1.0" encoding="utf-8"?>
+<file path=ppt/slides/slide22.xml><?xml version="1.0" encoding="utf-8"?>
+<p:sld xmlns:a="http://schemas.openxmlformats.org/drawingml/2006/main" xmlns:r="http://schemas.openxmlformats.org/officeDocument/2006/relationships" xmlns:p="http://schemas.openxmlformats.org/presentationml/2006/main">
+  <p:cSld>
+    <p:spTree>
+      <p:nvGrpSpPr>
+        <p:cNvPr id="1" name=""/>
+        <p:cNvGrpSpPr/>
+        <p:nvPr/>
+      </p:nvGrpSpPr>
+      <p:grpSpPr>
+        <a:xfrm>
+          <a:off x="0" y="0"/>
+          <a:ext cx="0" cy="0"/>
+          <a:chOff x="0" y="0"/>
+          <a:chExt cx="0" cy="0"/>
+        </a:xfrm>
+      </p:grpSpPr>
+      <p:sp>
+        <p:nvSpPr>
+          <p:cNvPr id="6" name="Slide Number Placeholder 5"/>
+          <p:cNvSpPr>
+            <a:spLocks noGrp="1"/>
+          </p:cNvSpPr>
+          <p:nvPr>
+            <p:ph type="sldNum" sz="quarter" idx="12"/>
+          </p:nvPr>
+        </p:nvSpPr>
+        <p:spPr/>
+        <p:txBody>
+          <a:bodyPr/>
+          <a:lstStyle/>
+          <a:p>
+            <a:fld id="{99972907-1C6D-41FA-AAF1-1B0777B84EE1}" type="slidenum">
+              <a:rPr lang="en-US"/>
+              <a:pPr/>
+              <a:t>22</a:t>
+            </a:fld>
+            <a:endParaRPr lang="en-US"/>
+          </a:p>
+        </p:txBody>
+      </p:sp>
+      <p:sp>
+        <p:nvSpPr>
+          <p:cNvPr id="183298" name="Rectangle 2"/>
+          <p:cNvSpPr>
+            <a:spLocks noGrp="1" noChangeArrowheads="1"/>
+          </p:cNvSpPr>
+          <p:nvPr>
+            <p:ph type="title"/>
+          </p:nvPr>
+        </p:nvSpPr>
+        <p:spPr/>
+        <p:txBody>
+          <a:bodyPr/>
+          <a:lstStyle/>
+          <a:p>
+            <a:r>
+              <a:rPr lang="en-US" altLang="zh-CN" dirty="0"/>
+              <a:t>Exercise</a:t>
+            </a:r>
+            <a:r>
+              <a:rPr lang="zh-CN" altLang="en-US" dirty="0"/>
+              <a:t> </a:t>
+            </a:r>
+            <a:r>
+              <a:rPr lang="en-US" altLang="zh-CN" dirty="0"/>
+              <a:t>-</a:t>
+            </a:r>
+            <a:r>
+              <a:rPr lang="zh-CN" altLang="en-US" dirty="0"/>
+              <a:t> </a:t>
+            </a:r>
+            <a:r>
+              <a:rPr lang="en-US" altLang="zh-CN"/>
+              <a:t>2</a:t>
+            </a:r>
+            <a:endParaRPr lang="en-US" dirty="0"/>
+          </a:p>
+        </p:txBody>
+      </p:sp>
+      <p:sp>
+        <p:nvSpPr>
+          <p:cNvPr id="183299" name="Rectangle 3"/>
+          <p:cNvSpPr>
+            <a:spLocks noGrp="1" noChangeArrowheads="1"/>
+          </p:cNvSpPr>
+          <p:nvPr>
+            <p:ph type="body" idx="1"/>
+          </p:nvPr>
+        </p:nvSpPr>
+        <p:spPr>
+          <a:xfrm>
+            <a:off x="628650" y="1872066"/>
+            <a:ext cx="7886700" cy="1847850"/>
+          </a:xfrm>
+        </p:spPr>
+        <p:txBody>
+          <a:bodyPr/>
+          <a:lstStyle/>
+          <a:p>
+            <a:r>
+              <a:rPr lang="en-US" altLang="zh-CN" dirty="0"/>
+              <a:t>Will</a:t>
+            </a:r>
+            <a:r>
+              <a:rPr lang="zh-CN" altLang="en-US" dirty="0"/>
+              <a:t> </a:t>
+            </a:r>
+            <a:r>
+              <a:rPr lang="en-US" altLang="zh-CN" dirty="0"/>
+              <a:t>it</a:t>
+            </a:r>
+            <a:r>
+              <a:rPr lang="zh-CN" altLang="en-US" dirty="0"/>
+              <a:t> </a:t>
+            </a:r>
+            <a:r>
+              <a:rPr lang="en-US" altLang="zh-CN" dirty="0"/>
+              <a:t>return</a:t>
+            </a:r>
+            <a:r>
+              <a:rPr lang="zh-CN" altLang="en-US" dirty="0"/>
+              <a:t> </a:t>
+            </a:r>
+            <a:r>
+              <a:rPr lang="en-US" altLang="zh-CN" dirty="0"/>
+              <a:t>all</a:t>
+            </a:r>
+            <a:r>
+              <a:rPr lang="zh-CN" altLang="en-US" dirty="0"/>
+              <a:t> </a:t>
+            </a:r>
+            <a:r>
+              <a:rPr lang="en-US" altLang="zh-CN" dirty="0"/>
+              <a:t>students?</a:t>
+            </a:r>
+          </a:p>
+          <a:p>
+            <a:endParaRPr lang="en-US" dirty="0"/>
+          </a:p>
+          <a:p>
+            <a:pPr>
+              <a:buFontTx/>
+              <a:buNone/>
+            </a:pPr>
+            <a:endParaRPr lang="en-US" dirty="0"/>
+          </a:p>
+          <a:p>
+            <a:pPr>
+              <a:buFontTx/>
+              <a:buNone/>
+            </a:pPr>
+            <a:endParaRPr lang="en-US" dirty="0"/>
+          </a:p>
+          <a:p>
+            <a:pPr>
+              <a:buFontTx/>
+              <a:buNone/>
+            </a:pPr>
+            <a:endParaRPr lang="en-US" dirty="0"/>
+          </a:p>
+        </p:txBody>
+      </p:sp>
+      <p:sp>
+        <p:nvSpPr>
+          <p:cNvPr id="183300" name="Rectangle 4"/>
+          <p:cNvSpPr>
+            <a:spLocks noChangeArrowheads="1"/>
+          </p:cNvSpPr>
+          <p:nvPr/>
+        </p:nvSpPr>
+        <p:spPr bwMode="auto">
+          <a:xfrm>
+            <a:off x="1752141" y="2991583"/>
+            <a:ext cx="5391219" cy="1569660"/>
+          </a:xfrm>
+          <a:prstGeom prst="rect">
+            <a:avLst/>
+          </a:prstGeom>
+          <a:solidFill>
+            <a:schemeClr val="bg1"/>
+          </a:solidFill>
+          <a:ln w="9525">
+            <a:solidFill>
+              <a:schemeClr val="tx1"/>
+            </a:solidFill>
+            <a:miter lim="800000"/>
+            <a:headEnd/>
+            <a:tailEnd/>
+          </a:ln>
+          <a:effectLst>
+            <a:outerShdw blurRad="50800" dist="12700" dir="2700000" algn="tl" rotWithShape="0">
+              <a:prstClr val="black">
+                <a:alpha val="40000"/>
+              </a:prstClr>
+            </a:outerShdw>
+          </a:effectLst>
+        </p:spPr>
+        <p:txBody>
+          <a:bodyPr wrap="none">
+            <a:spAutoFit/>
+          </a:bodyPr>
+          <a:lstStyle/>
+          <a:p>
+            <a:r>
+              <a:rPr lang="en-US" sz="2400" dirty="0">
+                <a:solidFill>
+                  <a:schemeClr val="accent2"/>
+                </a:solidFill>
+                <a:latin typeface="Menlo" charset="0"/>
+                <a:ea typeface="Menlo" charset="0"/>
+                <a:cs typeface="Menlo" charset="0"/>
+              </a:rPr>
+              <a:t>SELECT</a:t>
+            </a:r>
+            <a:r>
+              <a:rPr lang="en-US" sz="2400" dirty="0">
+                <a:latin typeface="Menlo" charset="0"/>
+                <a:ea typeface="Menlo" charset="0"/>
+                <a:cs typeface="Menlo" charset="0"/>
+              </a:rPr>
+              <a:t> *</a:t>
+            </a:r>
+          </a:p>
+          <a:p>
+            <a:r>
+              <a:rPr lang="en-US" sz="2400" dirty="0">
+                <a:solidFill>
+                  <a:schemeClr val="accent2"/>
+                </a:solidFill>
+                <a:latin typeface="Menlo" charset="0"/>
+                <a:ea typeface="Menlo" charset="0"/>
+                <a:cs typeface="Menlo" charset="0"/>
+              </a:rPr>
+              <a:t>FROM</a:t>
+            </a:r>
+            <a:r>
+              <a:rPr lang="en-US" sz="2400" dirty="0">
+                <a:latin typeface="Menlo" charset="0"/>
+                <a:ea typeface="Menlo" charset="0"/>
+                <a:cs typeface="Menlo" charset="0"/>
+              </a:rPr>
+              <a:t>   </a:t>
+            </a:r>
+            <a:r>
+              <a:rPr lang="en-US" altLang="zh-CN" sz="2400" dirty="0">
+                <a:latin typeface="Menlo" charset="0"/>
+                <a:ea typeface="Menlo" charset="0"/>
+                <a:cs typeface="Menlo" charset="0"/>
+              </a:rPr>
+              <a:t>Students</a:t>
+            </a:r>
+            <a:endParaRPr lang="en-US" sz="2400" dirty="0">
+              <a:latin typeface="Menlo" charset="0"/>
+              <a:ea typeface="Menlo" charset="0"/>
+              <a:cs typeface="Menlo" charset="0"/>
+            </a:endParaRPr>
+          </a:p>
+          <a:p>
+            <a:r>
+              <a:rPr lang="en-US" sz="2400" dirty="0">
+                <a:solidFill>
+                  <a:schemeClr val="accent2"/>
+                </a:solidFill>
+                <a:latin typeface="Menlo" charset="0"/>
+                <a:ea typeface="Menlo" charset="0"/>
+                <a:cs typeface="Menlo" charset="0"/>
+              </a:rPr>
+              <a:t>WHERE</a:t>
+            </a:r>
+            <a:r>
+              <a:rPr lang="en-US" sz="2400" dirty="0">
+                <a:latin typeface="Menlo" charset="0"/>
+                <a:ea typeface="Menlo" charset="0"/>
+                <a:cs typeface="Menlo" charset="0"/>
+              </a:rPr>
+              <a:t>  age &lt; 25 </a:t>
+            </a:r>
+            <a:r>
+              <a:rPr lang="en-US" sz="2400" dirty="0">
+                <a:solidFill>
+                  <a:srgbClr val="ED7D31"/>
+                </a:solidFill>
+                <a:latin typeface="Menlo" charset="0"/>
+                <a:ea typeface="Menlo" charset="0"/>
+                <a:cs typeface="Menlo" charset="0"/>
+              </a:rPr>
+              <a:t>OR</a:t>
+            </a:r>
+            <a:r>
+              <a:rPr lang="en-US" sz="2400" dirty="0">
+                <a:latin typeface="Menlo" charset="0"/>
+                <a:ea typeface="Menlo" charset="0"/>
+                <a:cs typeface="Menlo" charset="0"/>
+              </a:rPr>
+              <a:t> age &gt;= 25</a:t>
+            </a:r>
+          </a:p>
+          <a:p>
+            <a:r>
+              <a:rPr lang="zh-CN" altLang="en-US" sz="2400" dirty="0">
+                <a:latin typeface="Menlo" charset="0"/>
+                <a:ea typeface="Menlo" charset="0"/>
+                <a:cs typeface="Menlo" charset="0"/>
+              </a:rPr>
+              <a:t>   </a:t>
+            </a:r>
+            <a:r>
+              <a:rPr lang="en-US" altLang="zh-CN" sz="2400" dirty="0">
+                <a:solidFill>
+                  <a:srgbClr val="ED7D31"/>
+                </a:solidFill>
+                <a:latin typeface="Menlo" charset="0"/>
+                <a:ea typeface="Menlo" charset="0"/>
+                <a:cs typeface="Menlo" charset="0"/>
+              </a:rPr>
+              <a:t>OR</a:t>
+            </a:r>
+            <a:r>
+              <a:rPr lang="zh-CN" altLang="en-US" sz="2400" dirty="0">
+                <a:latin typeface="Menlo" charset="0"/>
+                <a:ea typeface="Menlo" charset="0"/>
+                <a:cs typeface="Menlo" charset="0"/>
+              </a:rPr>
+              <a:t> </a:t>
+            </a:r>
+            <a:r>
+              <a:rPr lang="en-US" altLang="zh-CN" sz="2400" dirty="0">
+                <a:latin typeface="Menlo" charset="0"/>
+                <a:ea typeface="Menlo" charset="0"/>
+                <a:cs typeface="Menlo" charset="0"/>
+              </a:rPr>
+              <a:t>age</a:t>
+            </a:r>
+            <a:r>
+              <a:rPr lang="zh-CN" altLang="en-US" sz="2400" dirty="0">
+                <a:latin typeface="Menlo" charset="0"/>
+                <a:ea typeface="Menlo" charset="0"/>
+                <a:cs typeface="Menlo" charset="0"/>
+              </a:rPr>
+              <a:t> </a:t>
+            </a:r>
+            <a:r>
+              <a:rPr lang="en-US" altLang="zh-CN" sz="2400" dirty="0">
+                <a:solidFill>
+                  <a:srgbClr val="FF0000"/>
+                </a:solidFill>
+                <a:latin typeface="Menlo" charset="0"/>
+                <a:ea typeface="Menlo" charset="0"/>
+                <a:cs typeface="Menlo" charset="0"/>
+              </a:rPr>
+              <a:t>is</a:t>
+            </a:r>
+            <a:r>
+              <a:rPr lang="zh-CN" altLang="en-US" sz="2400" dirty="0">
+                <a:solidFill>
+                  <a:srgbClr val="FF0000"/>
+                </a:solidFill>
+                <a:latin typeface="Menlo" charset="0"/>
+                <a:ea typeface="Menlo" charset="0"/>
+                <a:cs typeface="Menlo" charset="0"/>
+              </a:rPr>
+              <a:t> </a:t>
+            </a:r>
+            <a:r>
+              <a:rPr lang="en-US" altLang="zh-CN" sz="2400" dirty="0">
+                <a:solidFill>
+                  <a:srgbClr val="FF0000"/>
+                </a:solidFill>
+                <a:latin typeface="Menlo" charset="0"/>
+                <a:ea typeface="Menlo" charset="0"/>
+                <a:cs typeface="Menlo" charset="0"/>
+              </a:rPr>
+              <a:t>NULL</a:t>
+            </a:r>
+            <a:endParaRPr lang="en-US" sz="2400" dirty="0">
+              <a:solidFill>
+                <a:srgbClr val="FF0000"/>
+              </a:solidFill>
+              <a:latin typeface="Menlo" charset="0"/>
+              <a:ea typeface="Menlo" charset="0"/>
+              <a:cs typeface="Menlo" charset="0"/>
+            </a:endParaRPr>
+          </a:p>
+        </p:txBody>
+      </p:sp>
+      <p:sp>
+        <p:nvSpPr>
+          <p:cNvPr id="3" name="Rectangle 2"/>
+          <p:cNvSpPr/>
+          <p:nvPr/>
+        </p:nvSpPr>
+        <p:spPr>
+          <a:xfrm>
+            <a:off x="759279" y="5066767"/>
+            <a:ext cx="7756071" cy="1378839"/>
+          </a:xfrm>
+          <a:prstGeom prst="rect">
+            <a:avLst/>
+          </a:prstGeom>
+        </p:spPr>
+        <p:txBody>
+          <a:bodyPr wrap="square">
+            <a:spAutoFit/>
+          </a:bodyPr>
+          <a:lstStyle/>
+          <a:p>
+            <a:pPr>
+              <a:lnSpc>
+                <a:spcPct val="110000"/>
+              </a:lnSpc>
+            </a:pPr>
+            <a:r>
+              <a:rPr lang="en-US" sz="2800" dirty="0"/>
+              <a:t>There are special operators to test for null values</a:t>
+            </a:r>
+          </a:p>
+          <a:p>
+            <a:pPr marL="800100" lvl="1" indent="-342900">
+              <a:lnSpc>
+                <a:spcPct val="110000"/>
+              </a:lnSpc>
+              <a:buFont typeface="Arial" charset="0"/>
+              <a:buChar char="•"/>
+            </a:pPr>
+            <a:r>
+              <a:rPr lang="en-US" sz="2400" b="1" dirty="0">
+                <a:solidFill>
+                  <a:srgbClr val="FF0000"/>
+                </a:solidFill>
+              </a:rPr>
+              <a:t>IS NULL </a:t>
+            </a:r>
+            <a:r>
+              <a:rPr lang="en-US" sz="2400" dirty="0"/>
+              <a:t>tests for the presence of nulls and</a:t>
+            </a:r>
+          </a:p>
+          <a:p>
+            <a:pPr marL="800100" lvl="1" indent="-342900">
+              <a:lnSpc>
+                <a:spcPct val="110000"/>
+              </a:lnSpc>
+              <a:buFont typeface="Arial" charset="0"/>
+              <a:buChar char="•"/>
+            </a:pPr>
+            <a:r>
+              <a:rPr lang="en-US" sz="2400" b="1" dirty="0">
+                <a:solidFill>
+                  <a:srgbClr val="FF0000"/>
+                </a:solidFill>
+              </a:rPr>
+              <a:t>IS NOT NULL</a:t>
+            </a:r>
+            <a:r>
+              <a:rPr lang="en-US" sz="2400" dirty="0">
+                <a:solidFill>
+                  <a:srgbClr val="FF0000"/>
+                </a:solidFill>
+              </a:rPr>
+              <a:t> </a:t>
+            </a:r>
+            <a:r>
+              <a:rPr lang="en-US" sz="2400" dirty="0"/>
+              <a:t>tests for the absence of nulls</a:t>
+            </a:r>
+          </a:p>
+        </p:txBody>
+      </p:sp>
+    </p:spTree>
+    <p:extLst>
+      <p:ext uri="{BB962C8B-B14F-4D97-AF65-F5344CB8AC3E}">
+        <p14:creationId xmlns:p14="http://schemas.microsoft.com/office/powerpoint/2010/main" val="2002540680"/>
+      </p:ext>
+    </p:extLst>
+  </p:cSld>
+  <p:clrMapOvr>
+    <a:masterClrMapping/>
+  </p:clrMapOvr>
+</p:sld>
+</file>
+
+<file path=ppt/slides/slide23.xml><?xml version="1.0" encoding="utf-8"?>
 <p:sld xmlns:a="http://schemas.openxmlformats.org/drawingml/2006/main" xmlns:r="http://schemas.openxmlformats.org/officeDocument/2006/relationships" xmlns:p="http://schemas.openxmlformats.org/presentationml/2006/main">
   <p:cSld>
     <p:spTree>
@@ -14957,7 +16024,7 @@
           <p:cNvPr id="2" name="Title 1">
             <a:extLst>
               <a:ext uri="{FF2B5EF4-FFF2-40B4-BE49-F238E27FC236}">
-                <a16:creationId xmlns:a16="http://schemas.microsoft.com/office/drawing/2014/main" id="{94501782-B7C7-6842-976A-473B00DFA4A9}"/>
+                <a16:creationId xmlns:a16="http://schemas.microsoft.com/office/drawing/2014/main" xmlns="" id="{94501782-B7C7-6842-976A-473B00DFA4A9}"/>
               </a:ext>
             </a:extLst>
           </p:cNvPr>
@@ -14985,7 +16052,7 @@
           <p:cNvPr id="3" name="Content Placeholder 2">
             <a:extLst>
               <a:ext uri="{FF2B5EF4-FFF2-40B4-BE49-F238E27FC236}">
-                <a16:creationId xmlns:a16="http://schemas.microsoft.com/office/drawing/2014/main" id="{C8090023-957A-D44A-9A68-C67904302C30}"/>
+                <a16:creationId xmlns:a16="http://schemas.microsoft.com/office/drawing/2014/main" xmlns="" id="{C8090023-957A-D44A-9A68-C67904302C30}"/>
               </a:ext>
             </a:extLst>
           </p:cNvPr>
@@ -15182,7 +16249,7 @@
           <p:cNvPr id="4" name="Slide Number Placeholder 3">
             <a:extLst>
               <a:ext uri="{FF2B5EF4-FFF2-40B4-BE49-F238E27FC236}">
-                <a16:creationId xmlns:a16="http://schemas.microsoft.com/office/drawing/2014/main" id="{C730120B-DC91-3A4B-9010-90A056D4691D}"/>
+                <a16:creationId xmlns:a16="http://schemas.microsoft.com/office/drawing/2014/main" xmlns="" id="{C730120B-DC91-3A4B-9010-90A056D4691D}"/>
               </a:ext>
             </a:extLst>
           </p:cNvPr>
@@ -15200,7 +16267,7 @@
           <a:p>
             <a:fld id="{24AF9547-1ADA-7741-9454-C97103F281DA}" type="slidenum">
               <a:rPr lang="en-US" smtClean="0"/>
-              <a:t>21</a:t>
+              <a:t>23</a:t>
             </a:fld>
             <a:endParaRPr lang="en-US"/>
           </a:p>
@@ -15219,7 +16286,7 @@
 </p:sld>
 </file>
 
-<file path=ppt/slides/slide22.xml><?xml version="1.0" encoding="utf-8"?>
+<file path=ppt/slides/slide24.xml><?xml version="1.0" encoding="utf-8"?>
 <p:sld xmlns:a="http://schemas.openxmlformats.org/drawingml/2006/main" xmlns:r="http://schemas.openxmlformats.org/officeDocument/2006/relationships" xmlns:p="http://schemas.openxmlformats.org/presentationml/2006/main">
   <p:cSld>
     <p:spTree>
@@ -15343,21 +16410,21 @@
                 <a:gridCol w="702830">
                   <a:extLst>
                     <a:ext uri="{9D8B030D-6E8A-4147-A177-3AD203B41FA5}">
-                      <a16:colId xmlns:a16="http://schemas.microsoft.com/office/drawing/2014/main" val="20000"/>
+                      <a16:colId xmlns:a16="http://schemas.microsoft.com/office/drawing/2014/main" xmlns="" val="20000"/>
                     </a:ext>
                   </a:extLst>
                 </a:gridCol>
                 <a:gridCol w="913679">
                   <a:extLst>
                     <a:ext uri="{9D8B030D-6E8A-4147-A177-3AD203B41FA5}">
-                      <a16:colId xmlns:a16="http://schemas.microsoft.com/office/drawing/2014/main" val="20001"/>
+                      <a16:colId xmlns:a16="http://schemas.microsoft.com/office/drawing/2014/main" xmlns="" val="20001"/>
                     </a:ext>
                   </a:extLst>
                 </a:gridCol>
                 <a:gridCol w="702830">
                   <a:extLst>
                     <a:ext uri="{9D8B030D-6E8A-4147-A177-3AD203B41FA5}">
-                      <a16:colId xmlns:a16="http://schemas.microsoft.com/office/drawing/2014/main" val="20002"/>
+                      <a16:colId xmlns:a16="http://schemas.microsoft.com/office/drawing/2014/main" xmlns="" val="20002"/>
                     </a:ext>
                   </a:extLst>
                 </a:gridCol>
@@ -15422,7 +16489,7 @@
                 </a:tc>
                 <a:extLst>
                   <a:ext uri="{0D108BD9-81ED-4DB2-BD59-A6C34878D82A}">
-                    <a16:rowId xmlns:a16="http://schemas.microsoft.com/office/drawing/2014/main" val="10000"/>
+                    <a16:rowId xmlns:a16="http://schemas.microsoft.com/office/drawing/2014/main" xmlns="" val="10000"/>
                   </a:ext>
                 </a:extLst>
               </a:tr>
@@ -15469,7 +16536,7 @@
                 </a:tc>
                 <a:extLst>
                   <a:ext uri="{0D108BD9-81ED-4DB2-BD59-A6C34878D82A}">
-                    <a16:rowId xmlns:a16="http://schemas.microsoft.com/office/drawing/2014/main" val="10001"/>
+                    <a16:rowId xmlns:a16="http://schemas.microsoft.com/office/drawing/2014/main" xmlns="" val="10001"/>
                   </a:ext>
                 </a:extLst>
               </a:tr>
@@ -15516,7 +16583,7 @@
                 </a:tc>
                 <a:extLst>
                   <a:ext uri="{0D108BD9-81ED-4DB2-BD59-A6C34878D82A}">
-                    <a16:rowId xmlns:a16="http://schemas.microsoft.com/office/drawing/2014/main" val="10002"/>
+                    <a16:rowId xmlns:a16="http://schemas.microsoft.com/office/drawing/2014/main" xmlns="" val="10002"/>
                   </a:ext>
                 </a:extLst>
               </a:tr>
@@ -15552,21 +16619,21 @@
                 <a:gridCol w="1477109">
                   <a:extLst>
                     <a:ext uri="{9D8B030D-6E8A-4147-A177-3AD203B41FA5}">
-                      <a16:colId xmlns:a16="http://schemas.microsoft.com/office/drawing/2014/main" val="20000"/>
+                      <a16:colId xmlns:a16="http://schemas.microsoft.com/office/drawing/2014/main" xmlns="" val="20000"/>
                     </a:ext>
                   </a:extLst>
                 </a:gridCol>
                 <a:gridCol w="598948">
                   <a:extLst>
                     <a:ext uri="{9D8B030D-6E8A-4147-A177-3AD203B41FA5}">
-                      <a16:colId xmlns:a16="http://schemas.microsoft.com/office/drawing/2014/main" val="20001"/>
+                      <a16:colId xmlns:a16="http://schemas.microsoft.com/office/drawing/2014/main" xmlns="" val="20001"/>
                     </a:ext>
                   </a:extLst>
                 </a:gridCol>
                 <a:gridCol w="1013674">
                   <a:extLst>
                     <a:ext uri="{9D8B030D-6E8A-4147-A177-3AD203B41FA5}">
-                      <a16:colId xmlns:a16="http://schemas.microsoft.com/office/drawing/2014/main" val="20002"/>
+                      <a16:colId xmlns:a16="http://schemas.microsoft.com/office/drawing/2014/main" xmlns="" val="20002"/>
                     </a:ext>
                   </a:extLst>
                 </a:gridCol>
@@ -15627,7 +16694,7 @@
                 </a:tc>
                 <a:extLst>
                   <a:ext uri="{0D108BD9-81ED-4DB2-BD59-A6C34878D82A}">
-                    <a16:rowId xmlns:a16="http://schemas.microsoft.com/office/drawing/2014/main" val="10000"/>
+                    <a16:rowId xmlns:a16="http://schemas.microsoft.com/office/drawing/2014/main" xmlns="" val="10000"/>
                   </a:ext>
                 </a:extLst>
               </a:tr>
@@ -15674,7 +16741,7 @@
                 </a:tc>
                 <a:extLst>
                   <a:ext uri="{0D108BD9-81ED-4DB2-BD59-A6C34878D82A}">
-                    <a16:rowId xmlns:a16="http://schemas.microsoft.com/office/drawing/2014/main" val="10001"/>
+                    <a16:rowId xmlns:a16="http://schemas.microsoft.com/office/drawing/2014/main" xmlns="" val="10001"/>
                   </a:ext>
                 </a:extLst>
               </a:tr>
@@ -15721,7 +16788,7 @@
                 </a:tc>
                 <a:extLst>
                   <a:ext uri="{0D108BD9-81ED-4DB2-BD59-A6C34878D82A}">
-                    <a16:rowId xmlns:a16="http://schemas.microsoft.com/office/drawing/2014/main" val="10002"/>
+                    <a16:rowId xmlns:a16="http://schemas.microsoft.com/office/drawing/2014/main" xmlns="" val="10002"/>
                   </a:ext>
                 </a:extLst>
               </a:tr>
@@ -15768,7 +16835,7 @@
                 </a:tc>
                 <a:extLst>
                   <a:ext uri="{0D108BD9-81ED-4DB2-BD59-A6C34878D82A}">
-                    <a16:rowId xmlns:a16="http://schemas.microsoft.com/office/drawing/2014/main" val="10003"/>
+                    <a16:rowId xmlns:a16="http://schemas.microsoft.com/office/drawing/2014/main" xmlns="" val="10003"/>
                   </a:ext>
                 </a:extLst>
               </a:tr>
@@ -15926,7 +16993,7 @@
           <a:p>
             <a:fld id="{24AF9547-1ADA-7741-9454-C97103F281DA}" type="slidenum">
               <a:rPr lang="en-US" smtClean="0"/>
-              <a:t>22</a:t>
+              <a:t>24</a:t>
             </a:fld>
             <a:endParaRPr lang="en-US"/>
           </a:p>
@@ -16131,7 +17198,7 @@
 </p:sld>
 </file>
 
-<file path=ppt/slides/slide23.xml><?xml version="1.0" encoding="utf-8"?>
+<file path=ppt/slides/slide25.xml><?xml version="1.0" encoding="utf-8"?>
 <p:sld xmlns:a="http://schemas.openxmlformats.org/drawingml/2006/main" xmlns:r="http://schemas.openxmlformats.org/officeDocument/2006/relationships" xmlns:p="http://schemas.openxmlformats.org/presentationml/2006/main">
   <p:cSld>
     <p:spTree>
@@ -16255,21 +17322,21 @@
                 <a:gridCol w="702830">
                   <a:extLst>
                     <a:ext uri="{9D8B030D-6E8A-4147-A177-3AD203B41FA5}">
-                      <a16:colId xmlns:a16="http://schemas.microsoft.com/office/drawing/2014/main" val="20000"/>
+                      <a16:colId xmlns:a16="http://schemas.microsoft.com/office/drawing/2014/main" xmlns="" val="20000"/>
                     </a:ext>
                   </a:extLst>
                 </a:gridCol>
                 <a:gridCol w="913679">
                   <a:extLst>
                     <a:ext uri="{9D8B030D-6E8A-4147-A177-3AD203B41FA5}">
-                      <a16:colId xmlns:a16="http://schemas.microsoft.com/office/drawing/2014/main" val="20001"/>
+                      <a16:colId xmlns:a16="http://schemas.microsoft.com/office/drawing/2014/main" xmlns="" val="20001"/>
                     </a:ext>
                   </a:extLst>
                 </a:gridCol>
                 <a:gridCol w="702830">
                   <a:extLst>
                     <a:ext uri="{9D8B030D-6E8A-4147-A177-3AD203B41FA5}">
-                      <a16:colId xmlns:a16="http://schemas.microsoft.com/office/drawing/2014/main" val="20002"/>
+                      <a16:colId xmlns:a16="http://schemas.microsoft.com/office/drawing/2014/main" xmlns="" val="20002"/>
                     </a:ext>
                   </a:extLst>
                 </a:gridCol>
@@ -16334,7 +17401,7 @@
                 </a:tc>
                 <a:extLst>
                   <a:ext uri="{0D108BD9-81ED-4DB2-BD59-A6C34878D82A}">
-                    <a16:rowId xmlns:a16="http://schemas.microsoft.com/office/drawing/2014/main" val="10000"/>
+                    <a16:rowId xmlns:a16="http://schemas.microsoft.com/office/drawing/2014/main" xmlns="" val="10000"/>
                   </a:ext>
                 </a:extLst>
               </a:tr>
@@ -16381,7 +17448,7 @@
                 </a:tc>
                 <a:extLst>
                   <a:ext uri="{0D108BD9-81ED-4DB2-BD59-A6C34878D82A}">
-                    <a16:rowId xmlns:a16="http://schemas.microsoft.com/office/drawing/2014/main" val="10001"/>
+                    <a16:rowId xmlns:a16="http://schemas.microsoft.com/office/drawing/2014/main" xmlns="" val="10001"/>
                   </a:ext>
                 </a:extLst>
               </a:tr>
@@ -16428,7 +17495,7 @@
                 </a:tc>
                 <a:extLst>
                   <a:ext uri="{0D108BD9-81ED-4DB2-BD59-A6C34878D82A}">
-                    <a16:rowId xmlns:a16="http://schemas.microsoft.com/office/drawing/2014/main" val="10002"/>
+                    <a16:rowId xmlns:a16="http://schemas.microsoft.com/office/drawing/2014/main" xmlns="" val="10002"/>
                   </a:ext>
                 </a:extLst>
               </a:tr>
@@ -16475,7 +17542,7 @@
                 </a:tc>
                 <a:extLst>
                   <a:ext uri="{0D108BD9-81ED-4DB2-BD59-A6C34878D82A}">
-                    <a16:rowId xmlns:a16="http://schemas.microsoft.com/office/drawing/2014/main" val="10003"/>
+                    <a16:rowId xmlns:a16="http://schemas.microsoft.com/office/drawing/2014/main" xmlns="" val="10003"/>
                   </a:ext>
                 </a:extLst>
               </a:tr>
@@ -16598,21 +17665,21 @@
                 <a:gridCol w="1477109">
                   <a:extLst>
                     <a:ext uri="{9D8B030D-6E8A-4147-A177-3AD203B41FA5}">
-                      <a16:colId xmlns:a16="http://schemas.microsoft.com/office/drawing/2014/main" val="20000"/>
+                      <a16:colId xmlns:a16="http://schemas.microsoft.com/office/drawing/2014/main" xmlns="" val="20000"/>
                     </a:ext>
                   </a:extLst>
                 </a:gridCol>
                 <a:gridCol w="598948">
                   <a:extLst>
                     <a:ext uri="{9D8B030D-6E8A-4147-A177-3AD203B41FA5}">
-                      <a16:colId xmlns:a16="http://schemas.microsoft.com/office/drawing/2014/main" val="20001"/>
+                      <a16:colId xmlns:a16="http://schemas.microsoft.com/office/drawing/2014/main" xmlns="" val="20001"/>
                     </a:ext>
                   </a:extLst>
                 </a:gridCol>
                 <a:gridCol w="1013674">
                   <a:extLst>
                     <a:ext uri="{9D8B030D-6E8A-4147-A177-3AD203B41FA5}">
-                      <a16:colId xmlns:a16="http://schemas.microsoft.com/office/drawing/2014/main" val="20002"/>
+                      <a16:colId xmlns:a16="http://schemas.microsoft.com/office/drawing/2014/main" xmlns="" val="20002"/>
                     </a:ext>
                   </a:extLst>
                 </a:gridCol>
@@ -16673,7 +17740,7 @@
                 </a:tc>
                 <a:extLst>
                   <a:ext uri="{0D108BD9-81ED-4DB2-BD59-A6C34878D82A}">
-                    <a16:rowId xmlns:a16="http://schemas.microsoft.com/office/drawing/2014/main" val="10000"/>
+                    <a16:rowId xmlns:a16="http://schemas.microsoft.com/office/drawing/2014/main" xmlns="" val="10000"/>
                   </a:ext>
                 </a:extLst>
               </a:tr>
@@ -16720,7 +17787,7 @@
                 </a:tc>
                 <a:extLst>
                   <a:ext uri="{0D108BD9-81ED-4DB2-BD59-A6C34878D82A}">
-                    <a16:rowId xmlns:a16="http://schemas.microsoft.com/office/drawing/2014/main" val="10001"/>
+                    <a16:rowId xmlns:a16="http://schemas.microsoft.com/office/drawing/2014/main" xmlns="" val="10001"/>
                   </a:ext>
                 </a:extLst>
               </a:tr>
@@ -16767,7 +17834,7 @@
                 </a:tc>
                 <a:extLst>
                   <a:ext uri="{0D108BD9-81ED-4DB2-BD59-A6C34878D82A}">
-                    <a16:rowId xmlns:a16="http://schemas.microsoft.com/office/drawing/2014/main" val="10002"/>
+                    <a16:rowId xmlns:a16="http://schemas.microsoft.com/office/drawing/2014/main" xmlns="" val="10002"/>
                   </a:ext>
                 </a:extLst>
               </a:tr>
@@ -16814,7 +17881,7 @@
                 </a:tc>
                 <a:extLst>
                   <a:ext uri="{0D108BD9-81ED-4DB2-BD59-A6C34878D82A}">
-                    <a16:rowId xmlns:a16="http://schemas.microsoft.com/office/drawing/2014/main" val="10003"/>
+                    <a16:rowId xmlns:a16="http://schemas.microsoft.com/office/drawing/2014/main" xmlns="" val="10003"/>
                   </a:ext>
                 </a:extLst>
               </a:tr>
@@ -16839,7 +17906,7 @@
           <a:p>
             <a:fld id="{24AF9547-1ADA-7741-9454-C97103F281DA}" type="slidenum">
               <a:rPr lang="en-US" smtClean="0"/>
-              <a:t>23</a:t>
+              <a:t>25</a:t>
             </a:fld>
             <a:endParaRPr lang="en-US"/>
           </a:p>
@@ -16933,7 +18000,7 @@
 </p:sld>
 </file>
 
-<file path=ppt/slides/slide24.xml><?xml version="1.0" encoding="utf-8"?>
+<file path=ppt/slides/slide26.xml><?xml version="1.0" encoding="utf-8"?>
 <p:sld xmlns:a="http://schemas.openxmlformats.org/drawingml/2006/main" xmlns:r="http://schemas.openxmlformats.org/officeDocument/2006/relationships" xmlns:p="http://schemas.openxmlformats.org/presentationml/2006/main">
   <p:cSld>
     <p:spTree>
@@ -17399,21 +18466,21 @@
                 <a:gridCol w="1477109">
                   <a:extLst>
                     <a:ext uri="{9D8B030D-6E8A-4147-A177-3AD203B41FA5}">
-                      <a16:colId xmlns:a16="http://schemas.microsoft.com/office/drawing/2014/main" val="20000"/>
+                      <a16:colId xmlns:a16="http://schemas.microsoft.com/office/drawing/2014/main" xmlns="" val="20000"/>
                     </a:ext>
                   </a:extLst>
                 </a:gridCol>
                 <a:gridCol w="598948">
                   <a:extLst>
                     <a:ext uri="{9D8B030D-6E8A-4147-A177-3AD203B41FA5}">
-                      <a16:colId xmlns:a16="http://schemas.microsoft.com/office/drawing/2014/main" val="20001"/>
+                      <a16:colId xmlns:a16="http://schemas.microsoft.com/office/drawing/2014/main" xmlns="" val="20001"/>
                     </a:ext>
                   </a:extLst>
                 </a:gridCol>
                 <a:gridCol w="1013674">
                   <a:extLst>
                     <a:ext uri="{9D8B030D-6E8A-4147-A177-3AD203B41FA5}">
-                      <a16:colId xmlns:a16="http://schemas.microsoft.com/office/drawing/2014/main" val="20002"/>
+                      <a16:colId xmlns:a16="http://schemas.microsoft.com/office/drawing/2014/main" xmlns="" val="20002"/>
                     </a:ext>
                   </a:extLst>
                 </a:gridCol>
@@ -17474,7 +18541,7 @@
                 </a:tc>
                 <a:extLst>
                   <a:ext uri="{0D108BD9-81ED-4DB2-BD59-A6C34878D82A}">
-                    <a16:rowId xmlns:a16="http://schemas.microsoft.com/office/drawing/2014/main" val="10000"/>
+                    <a16:rowId xmlns:a16="http://schemas.microsoft.com/office/drawing/2014/main" xmlns="" val="10000"/>
                   </a:ext>
                 </a:extLst>
               </a:tr>
@@ -17521,7 +18588,7 @@
                 </a:tc>
                 <a:extLst>
                   <a:ext uri="{0D108BD9-81ED-4DB2-BD59-A6C34878D82A}">
-                    <a16:rowId xmlns:a16="http://schemas.microsoft.com/office/drawing/2014/main" val="10001"/>
+                    <a16:rowId xmlns:a16="http://schemas.microsoft.com/office/drawing/2014/main" xmlns="" val="10001"/>
                   </a:ext>
                 </a:extLst>
               </a:tr>
@@ -17568,7 +18635,7 @@
                 </a:tc>
                 <a:extLst>
                   <a:ext uri="{0D108BD9-81ED-4DB2-BD59-A6C34878D82A}">
-                    <a16:rowId xmlns:a16="http://schemas.microsoft.com/office/drawing/2014/main" val="10002"/>
+                    <a16:rowId xmlns:a16="http://schemas.microsoft.com/office/drawing/2014/main" xmlns="" val="10002"/>
                   </a:ext>
                 </a:extLst>
               </a:tr>
@@ -17615,7 +18682,7 @@
                 </a:tc>
                 <a:extLst>
                   <a:ext uri="{0D108BD9-81ED-4DB2-BD59-A6C34878D82A}">
-                    <a16:rowId xmlns:a16="http://schemas.microsoft.com/office/drawing/2014/main" val="10003"/>
+                    <a16:rowId xmlns:a16="http://schemas.microsoft.com/office/drawing/2014/main" xmlns="" val="10003"/>
                   </a:ext>
                 </a:extLst>
               </a:tr>
@@ -17640,7 +18707,7 @@
           <a:p>
             <a:fld id="{24AF9547-1ADA-7741-9454-C97103F281DA}" type="slidenum">
               <a:rPr lang="en-US" smtClean="0"/>
-              <a:t>24</a:t>
+              <a:t>26</a:t>
             </a:fld>
             <a:endParaRPr lang="en-US"/>
           </a:p>
@@ -17659,7 +18726,7 @@
 </p:sld>
 </file>
 
-<file path=ppt/slides/slide25.xml><?xml version="1.0" encoding="utf-8"?>
+<file path=ppt/slides/slide27.xml><?xml version="1.0" encoding="utf-8"?>
 <p:sld xmlns:a="http://schemas.openxmlformats.org/drawingml/2006/main" xmlns:r="http://schemas.openxmlformats.org/officeDocument/2006/relationships" xmlns:p="http://schemas.openxmlformats.org/presentationml/2006/main">
   <p:cSld>
     <p:spTree>
@@ -17777,7 +18844,7 @@
           <a:p>
             <a:fld id="{24AF9547-1ADA-7741-9454-C97103F281DA}" type="slidenum">
               <a:rPr lang="en-US" smtClean="0"/>
-              <a:t>25</a:t>
+              <a:t>27</a:t>
             </a:fld>
             <a:endParaRPr lang="en-US"/>
           </a:p>
@@ -17788,7 +18855,7 @@
           <p:cNvPr id="5" name="Table 4">
             <a:extLst>
               <a:ext uri="{FF2B5EF4-FFF2-40B4-BE49-F238E27FC236}">
-                <a16:creationId xmlns:a16="http://schemas.microsoft.com/office/drawing/2014/main" id="{0818F4FD-FE75-D34E-8FAE-B22FFF29DE6A}"/>
+                <a16:creationId xmlns:a16="http://schemas.microsoft.com/office/drawing/2014/main" xmlns="" id="{0818F4FD-FE75-D34E-8FAE-B22FFF29DE6A}"/>
               </a:ext>
             </a:extLst>
           </p:cNvPr>
@@ -17817,21 +18884,21 @@
                 <a:gridCol w="702830">
                   <a:extLst>
                     <a:ext uri="{9D8B030D-6E8A-4147-A177-3AD203B41FA5}">
-                      <a16:colId xmlns:a16="http://schemas.microsoft.com/office/drawing/2014/main" val="20000"/>
+                      <a16:colId xmlns:a16="http://schemas.microsoft.com/office/drawing/2014/main" xmlns="" val="20000"/>
                     </a:ext>
                   </a:extLst>
                 </a:gridCol>
                 <a:gridCol w="913679">
                   <a:extLst>
                     <a:ext uri="{9D8B030D-6E8A-4147-A177-3AD203B41FA5}">
-                      <a16:colId xmlns:a16="http://schemas.microsoft.com/office/drawing/2014/main" val="20001"/>
+                      <a16:colId xmlns:a16="http://schemas.microsoft.com/office/drawing/2014/main" xmlns="" val="20001"/>
                     </a:ext>
                   </a:extLst>
                 </a:gridCol>
                 <a:gridCol w="702830">
                   <a:extLst>
                     <a:ext uri="{9D8B030D-6E8A-4147-A177-3AD203B41FA5}">
-                      <a16:colId xmlns:a16="http://schemas.microsoft.com/office/drawing/2014/main" val="20002"/>
+                      <a16:colId xmlns:a16="http://schemas.microsoft.com/office/drawing/2014/main" xmlns="" val="20002"/>
                     </a:ext>
                   </a:extLst>
                 </a:gridCol>
@@ -17896,7 +18963,7 @@
                 </a:tc>
                 <a:extLst>
                   <a:ext uri="{0D108BD9-81ED-4DB2-BD59-A6C34878D82A}">
-                    <a16:rowId xmlns:a16="http://schemas.microsoft.com/office/drawing/2014/main" val="10000"/>
+                    <a16:rowId xmlns:a16="http://schemas.microsoft.com/office/drawing/2014/main" xmlns="" val="10000"/>
                   </a:ext>
                 </a:extLst>
               </a:tr>
@@ -17943,7 +19010,7 @@
                 </a:tc>
                 <a:extLst>
                   <a:ext uri="{0D108BD9-81ED-4DB2-BD59-A6C34878D82A}">
-                    <a16:rowId xmlns:a16="http://schemas.microsoft.com/office/drawing/2014/main" val="10002"/>
+                    <a16:rowId xmlns:a16="http://schemas.microsoft.com/office/drawing/2014/main" xmlns="" val="10002"/>
                   </a:ext>
                 </a:extLst>
               </a:tr>
@@ -17990,7 +19057,7 @@
                 </a:tc>
                 <a:extLst>
                   <a:ext uri="{0D108BD9-81ED-4DB2-BD59-A6C34878D82A}">
-                    <a16:rowId xmlns:a16="http://schemas.microsoft.com/office/drawing/2014/main" val="10003"/>
+                    <a16:rowId xmlns:a16="http://schemas.microsoft.com/office/drawing/2014/main" xmlns="" val="10003"/>
                   </a:ext>
                 </a:extLst>
               </a:tr>
@@ -18003,7 +19070,7 @@
           <p:cNvPr id="6" name="TextBox 5">
             <a:extLst>
               <a:ext uri="{FF2B5EF4-FFF2-40B4-BE49-F238E27FC236}">
-                <a16:creationId xmlns:a16="http://schemas.microsoft.com/office/drawing/2014/main" id="{CCEF989B-6E4B-AE49-AABE-639ECD4D8C57}"/>
+                <a16:creationId xmlns:a16="http://schemas.microsoft.com/office/drawing/2014/main" xmlns="" id="{CCEF989B-6E4B-AE49-AABE-639ECD4D8C57}"/>
               </a:ext>
             </a:extLst>
           </p:cNvPr>
@@ -18038,7 +19105,7 @@
           <p:cNvPr id="7" name="TextBox 6">
             <a:extLst>
               <a:ext uri="{FF2B5EF4-FFF2-40B4-BE49-F238E27FC236}">
-                <a16:creationId xmlns:a16="http://schemas.microsoft.com/office/drawing/2014/main" id="{2E1BFE41-1AE3-CC43-B3AF-61244CAA9EEB}"/>
+                <a16:creationId xmlns:a16="http://schemas.microsoft.com/office/drawing/2014/main" xmlns="" id="{2E1BFE41-1AE3-CC43-B3AF-61244CAA9EEB}"/>
               </a:ext>
             </a:extLst>
           </p:cNvPr>
@@ -18073,7 +19140,7 @@
           <p:cNvPr id="8" name="Table 7">
             <a:extLst>
               <a:ext uri="{FF2B5EF4-FFF2-40B4-BE49-F238E27FC236}">
-                <a16:creationId xmlns:a16="http://schemas.microsoft.com/office/drawing/2014/main" id="{3678C9D1-F8AB-CA44-9090-0B74D53FCD9C}"/>
+                <a16:creationId xmlns:a16="http://schemas.microsoft.com/office/drawing/2014/main" xmlns="" id="{3678C9D1-F8AB-CA44-9090-0B74D53FCD9C}"/>
               </a:ext>
             </a:extLst>
           </p:cNvPr>
@@ -18102,21 +19169,21 @@
                 <a:gridCol w="1477109">
                   <a:extLst>
                     <a:ext uri="{9D8B030D-6E8A-4147-A177-3AD203B41FA5}">
-                      <a16:colId xmlns:a16="http://schemas.microsoft.com/office/drawing/2014/main" val="20000"/>
+                      <a16:colId xmlns:a16="http://schemas.microsoft.com/office/drawing/2014/main" xmlns="" val="20000"/>
                     </a:ext>
                   </a:extLst>
                 </a:gridCol>
                 <a:gridCol w="598948">
                   <a:extLst>
                     <a:ext uri="{9D8B030D-6E8A-4147-A177-3AD203B41FA5}">
-                      <a16:colId xmlns:a16="http://schemas.microsoft.com/office/drawing/2014/main" val="20001"/>
+                      <a16:colId xmlns:a16="http://schemas.microsoft.com/office/drawing/2014/main" xmlns="" val="20001"/>
                     </a:ext>
                   </a:extLst>
                 </a:gridCol>
                 <a:gridCol w="1013674">
                   <a:extLst>
                     <a:ext uri="{9D8B030D-6E8A-4147-A177-3AD203B41FA5}">
-                      <a16:colId xmlns:a16="http://schemas.microsoft.com/office/drawing/2014/main" val="20002"/>
+                      <a16:colId xmlns:a16="http://schemas.microsoft.com/office/drawing/2014/main" xmlns="" val="20002"/>
                     </a:ext>
                   </a:extLst>
                 </a:gridCol>
@@ -18177,7 +19244,7 @@
                 </a:tc>
                 <a:extLst>
                   <a:ext uri="{0D108BD9-81ED-4DB2-BD59-A6C34878D82A}">
-                    <a16:rowId xmlns:a16="http://schemas.microsoft.com/office/drawing/2014/main" val="10000"/>
+                    <a16:rowId xmlns:a16="http://schemas.microsoft.com/office/drawing/2014/main" xmlns="" val="10000"/>
                   </a:ext>
                 </a:extLst>
               </a:tr>
@@ -18224,7 +19291,7 @@
                 </a:tc>
                 <a:extLst>
                   <a:ext uri="{0D108BD9-81ED-4DB2-BD59-A6C34878D82A}">
-                    <a16:rowId xmlns:a16="http://schemas.microsoft.com/office/drawing/2014/main" val="10001"/>
+                    <a16:rowId xmlns:a16="http://schemas.microsoft.com/office/drawing/2014/main" xmlns="" val="10001"/>
                   </a:ext>
                 </a:extLst>
               </a:tr>
@@ -18271,7 +19338,7 @@
                 </a:tc>
                 <a:extLst>
                   <a:ext uri="{0D108BD9-81ED-4DB2-BD59-A6C34878D82A}">
-                    <a16:rowId xmlns:a16="http://schemas.microsoft.com/office/drawing/2014/main" val="10002"/>
+                    <a16:rowId xmlns:a16="http://schemas.microsoft.com/office/drawing/2014/main" xmlns="" val="10002"/>
                   </a:ext>
                 </a:extLst>
               </a:tr>
@@ -18318,7 +19385,7 @@
                 </a:tc>
                 <a:extLst>
                   <a:ext uri="{0D108BD9-81ED-4DB2-BD59-A6C34878D82A}">
-                    <a16:rowId xmlns:a16="http://schemas.microsoft.com/office/drawing/2014/main" val="10003"/>
+                    <a16:rowId xmlns:a16="http://schemas.microsoft.com/office/drawing/2014/main" xmlns="" val="10003"/>
                   </a:ext>
                 </a:extLst>
               </a:tr>
@@ -18331,7 +19398,7 @@
           <p:cNvPr id="9" name="Table 8">
             <a:extLst>
               <a:ext uri="{FF2B5EF4-FFF2-40B4-BE49-F238E27FC236}">
-                <a16:creationId xmlns:a16="http://schemas.microsoft.com/office/drawing/2014/main" id="{21F33C49-F77D-AB43-8DD5-DC353EF8F664}"/>
+                <a16:creationId xmlns:a16="http://schemas.microsoft.com/office/drawing/2014/main" xmlns="" id="{21F33C49-F77D-AB43-8DD5-DC353EF8F664}"/>
               </a:ext>
             </a:extLst>
           </p:cNvPr>
@@ -18360,21 +19427,21 @@
                 <a:gridCol w="1477109">
                   <a:extLst>
                     <a:ext uri="{9D8B030D-6E8A-4147-A177-3AD203B41FA5}">
-                      <a16:colId xmlns:a16="http://schemas.microsoft.com/office/drawing/2014/main" val="4063248230"/>
+                      <a16:colId xmlns:a16="http://schemas.microsoft.com/office/drawing/2014/main" xmlns="" val="4063248230"/>
                     </a:ext>
                   </a:extLst>
                 </a:gridCol>
                 <a:gridCol w="598948">
                   <a:extLst>
                     <a:ext uri="{9D8B030D-6E8A-4147-A177-3AD203B41FA5}">
-                      <a16:colId xmlns:a16="http://schemas.microsoft.com/office/drawing/2014/main" val="3997865618"/>
+                      <a16:colId xmlns:a16="http://schemas.microsoft.com/office/drawing/2014/main" xmlns="" val="3997865618"/>
                     </a:ext>
                   </a:extLst>
                 </a:gridCol>
                 <a:gridCol w="1013674">
                   <a:extLst>
                     <a:ext uri="{9D8B030D-6E8A-4147-A177-3AD203B41FA5}">
-                      <a16:colId xmlns:a16="http://schemas.microsoft.com/office/drawing/2014/main" val="2043792755"/>
+                      <a16:colId xmlns:a16="http://schemas.microsoft.com/office/drawing/2014/main" xmlns="" val="2043792755"/>
                     </a:ext>
                   </a:extLst>
                 </a:gridCol>
@@ -18435,7 +19502,7 @@
                 </a:tc>
                 <a:extLst>
                   <a:ext uri="{0D108BD9-81ED-4DB2-BD59-A6C34878D82A}">
-                    <a16:rowId xmlns:a16="http://schemas.microsoft.com/office/drawing/2014/main" val="1609231389"/>
+                    <a16:rowId xmlns:a16="http://schemas.microsoft.com/office/drawing/2014/main" xmlns="" val="1609231389"/>
                   </a:ext>
                 </a:extLst>
               </a:tr>
@@ -18576,7 +19643,7 @@
 </p:sld>
 </file>
 
-<file path=ppt/slides/slide26.xml><?xml version="1.0" encoding="utf-8"?>
+<file path=ppt/slides/slide28.xml><?xml version="1.0" encoding="utf-8"?>
 <p:sld xmlns:a="http://schemas.openxmlformats.org/drawingml/2006/main" xmlns:r="http://schemas.openxmlformats.org/officeDocument/2006/relationships" xmlns:p="http://schemas.openxmlformats.org/presentationml/2006/main">
   <p:cSld>
     <p:spTree>
@@ -18690,7 +19757,7 @@
           <a:p>
             <a:fld id="{24AF9547-1ADA-7741-9454-C97103F281DA}" type="slidenum">
               <a:rPr lang="en-US" smtClean="0"/>
-              <a:t>26</a:t>
+              <a:t>28</a:t>
             </a:fld>
             <a:endParaRPr lang="en-US"/>
           </a:p>
@@ -18701,7 +19768,7 @@
           <p:cNvPr id="9" name="Table 8">
             <a:extLst>
               <a:ext uri="{FF2B5EF4-FFF2-40B4-BE49-F238E27FC236}">
-                <a16:creationId xmlns:a16="http://schemas.microsoft.com/office/drawing/2014/main" id="{192D9F72-9AFB-2643-B890-6AAD9D8AF5CB}"/>
+                <a16:creationId xmlns:a16="http://schemas.microsoft.com/office/drawing/2014/main" xmlns="" id="{192D9F72-9AFB-2643-B890-6AAD9D8AF5CB}"/>
               </a:ext>
             </a:extLst>
           </p:cNvPr>
@@ -18730,21 +19797,21 @@
                 <a:gridCol w="702830">
                   <a:extLst>
                     <a:ext uri="{9D8B030D-6E8A-4147-A177-3AD203B41FA5}">
-                      <a16:colId xmlns:a16="http://schemas.microsoft.com/office/drawing/2014/main" val="20000"/>
+                      <a16:colId xmlns:a16="http://schemas.microsoft.com/office/drawing/2014/main" xmlns="" val="20000"/>
                     </a:ext>
                   </a:extLst>
                 </a:gridCol>
                 <a:gridCol w="913679">
                   <a:extLst>
                     <a:ext uri="{9D8B030D-6E8A-4147-A177-3AD203B41FA5}">
-                      <a16:colId xmlns:a16="http://schemas.microsoft.com/office/drawing/2014/main" val="20001"/>
+                      <a16:colId xmlns:a16="http://schemas.microsoft.com/office/drawing/2014/main" xmlns="" val="20001"/>
                     </a:ext>
                   </a:extLst>
                 </a:gridCol>
                 <a:gridCol w="702830">
                   <a:extLst>
                     <a:ext uri="{9D8B030D-6E8A-4147-A177-3AD203B41FA5}">
-                      <a16:colId xmlns:a16="http://schemas.microsoft.com/office/drawing/2014/main" val="20002"/>
+                      <a16:colId xmlns:a16="http://schemas.microsoft.com/office/drawing/2014/main" xmlns="" val="20002"/>
                     </a:ext>
                   </a:extLst>
                 </a:gridCol>
@@ -18809,7 +19876,7 @@
                 </a:tc>
                 <a:extLst>
                   <a:ext uri="{0D108BD9-81ED-4DB2-BD59-A6C34878D82A}">
-                    <a16:rowId xmlns:a16="http://schemas.microsoft.com/office/drawing/2014/main" val="10000"/>
+                    <a16:rowId xmlns:a16="http://schemas.microsoft.com/office/drawing/2014/main" xmlns="" val="10000"/>
                   </a:ext>
                 </a:extLst>
               </a:tr>
@@ -18856,7 +19923,7 @@
                 </a:tc>
                 <a:extLst>
                   <a:ext uri="{0D108BD9-81ED-4DB2-BD59-A6C34878D82A}">
-                    <a16:rowId xmlns:a16="http://schemas.microsoft.com/office/drawing/2014/main" val="10002"/>
+                    <a16:rowId xmlns:a16="http://schemas.microsoft.com/office/drawing/2014/main" xmlns="" val="10002"/>
                   </a:ext>
                 </a:extLst>
               </a:tr>
@@ -18869,7 +19936,7 @@
           <p:cNvPr id="10" name="TextBox 9">
             <a:extLst>
               <a:ext uri="{FF2B5EF4-FFF2-40B4-BE49-F238E27FC236}">
-                <a16:creationId xmlns:a16="http://schemas.microsoft.com/office/drawing/2014/main" id="{2371588E-064F-AC4F-BFE4-407A10166E83}"/>
+                <a16:creationId xmlns:a16="http://schemas.microsoft.com/office/drawing/2014/main" xmlns="" id="{2371588E-064F-AC4F-BFE4-407A10166E83}"/>
               </a:ext>
             </a:extLst>
           </p:cNvPr>
@@ -18904,7 +19971,7 @@
           <p:cNvPr id="11" name="TextBox 10">
             <a:extLst>
               <a:ext uri="{FF2B5EF4-FFF2-40B4-BE49-F238E27FC236}">
-                <a16:creationId xmlns:a16="http://schemas.microsoft.com/office/drawing/2014/main" id="{04D966A4-B0FB-4543-A23B-1BDF1B411566}"/>
+                <a16:creationId xmlns:a16="http://schemas.microsoft.com/office/drawing/2014/main" xmlns="" id="{04D966A4-B0FB-4543-A23B-1BDF1B411566}"/>
               </a:ext>
             </a:extLst>
           </p:cNvPr>
@@ -18939,7 +20006,7 @@
           <p:cNvPr id="12" name="Table 11">
             <a:extLst>
               <a:ext uri="{FF2B5EF4-FFF2-40B4-BE49-F238E27FC236}">
-                <a16:creationId xmlns:a16="http://schemas.microsoft.com/office/drawing/2014/main" id="{E36A6B4C-04FB-AE4D-98E0-1258B880FA5E}"/>
+                <a16:creationId xmlns:a16="http://schemas.microsoft.com/office/drawing/2014/main" xmlns="" id="{E36A6B4C-04FB-AE4D-98E0-1258B880FA5E}"/>
               </a:ext>
             </a:extLst>
           </p:cNvPr>
@@ -18968,21 +20035,21 @@
                 <a:gridCol w="1477109">
                   <a:extLst>
                     <a:ext uri="{9D8B030D-6E8A-4147-A177-3AD203B41FA5}">
-                      <a16:colId xmlns:a16="http://schemas.microsoft.com/office/drawing/2014/main" val="20000"/>
+                      <a16:colId xmlns:a16="http://schemas.microsoft.com/office/drawing/2014/main" xmlns="" val="20000"/>
                     </a:ext>
                   </a:extLst>
                 </a:gridCol>
                 <a:gridCol w="598948">
                   <a:extLst>
                     <a:ext uri="{9D8B030D-6E8A-4147-A177-3AD203B41FA5}">
-                      <a16:colId xmlns:a16="http://schemas.microsoft.com/office/drawing/2014/main" val="20001"/>
+                      <a16:colId xmlns:a16="http://schemas.microsoft.com/office/drawing/2014/main" xmlns="" val="20001"/>
                     </a:ext>
                   </a:extLst>
                 </a:gridCol>
                 <a:gridCol w="1013674">
                   <a:extLst>
                     <a:ext uri="{9D8B030D-6E8A-4147-A177-3AD203B41FA5}">
-                      <a16:colId xmlns:a16="http://schemas.microsoft.com/office/drawing/2014/main" val="20002"/>
+                      <a16:colId xmlns:a16="http://schemas.microsoft.com/office/drawing/2014/main" xmlns="" val="20002"/>
                     </a:ext>
                   </a:extLst>
                 </a:gridCol>
@@ -19043,7 +20110,7 @@
                 </a:tc>
                 <a:extLst>
                   <a:ext uri="{0D108BD9-81ED-4DB2-BD59-A6C34878D82A}">
-                    <a16:rowId xmlns:a16="http://schemas.microsoft.com/office/drawing/2014/main" val="10000"/>
+                    <a16:rowId xmlns:a16="http://schemas.microsoft.com/office/drawing/2014/main" xmlns="" val="10000"/>
                   </a:ext>
                 </a:extLst>
               </a:tr>
@@ -19090,7 +20157,7 @@
                 </a:tc>
                 <a:extLst>
                   <a:ext uri="{0D108BD9-81ED-4DB2-BD59-A6C34878D82A}">
-                    <a16:rowId xmlns:a16="http://schemas.microsoft.com/office/drawing/2014/main" val="10001"/>
+                    <a16:rowId xmlns:a16="http://schemas.microsoft.com/office/drawing/2014/main" xmlns="" val="10001"/>
                   </a:ext>
                 </a:extLst>
               </a:tr>
@@ -19137,7 +20204,7 @@
                 </a:tc>
                 <a:extLst>
                   <a:ext uri="{0D108BD9-81ED-4DB2-BD59-A6C34878D82A}">
-                    <a16:rowId xmlns:a16="http://schemas.microsoft.com/office/drawing/2014/main" val="10002"/>
+                    <a16:rowId xmlns:a16="http://schemas.microsoft.com/office/drawing/2014/main" xmlns="" val="10002"/>
                   </a:ext>
                 </a:extLst>
               </a:tr>
@@ -19184,7 +20251,7 @@
                 </a:tc>
                 <a:extLst>
                   <a:ext uri="{0D108BD9-81ED-4DB2-BD59-A6C34878D82A}">
-                    <a16:rowId xmlns:a16="http://schemas.microsoft.com/office/drawing/2014/main" val="10003"/>
+                    <a16:rowId xmlns:a16="http://schemas.microsoft.com/office/drawing/2014/main" xmlns="" val="10003"/>
                   </a:ext>
                 </a:extLst>
               </a:tr>
@@ -19197,7 +20264,7 @@
           <p:cNvPr id="17" name="Table 16">
             <a:extLst>
               <a:ext uri="{FF2B5EF4-FFF2-40B4-BE49-F238E27FC236}">
-                <a16:creationId xmlns:a16="http://schemas.microsoft.com/office/drawing/2014/main" id="{498EB6DD-B6E3-0743-B26E-C2FD32682AB6}"/>
+                <a16:creationId xmlns:a16="http://schemas.microsoft.com/office/drawing/2014/main" xmlns="" id="{498EB6DD-B6E3-0743-B26E-C2FD32682AB6}"/>
               </a:ext>
             </a:extLst>
           </p:cNvPr>
@@ -19226,21 +20293,21 @@
                 <a:gridCol w="702830">
                   <a:extLst>
                     <a:ext uri="{9D8B030D-6E8A-4147-A177-3AD203B41FA5}">
-                      <a16:colId xmlns:a16="http://schemas.microsoft.com/office/drawing/2014/main" val="21001791"/>
+                      <a16:colId xmlns:a16="http://schemas.microsoft.com/office/drawing/2014/main" xmlns="" val="21001791"/>
                     </a:ext>
                   </a:extLst>
                 </a:gridCol>
                 <a:gridCol w="913679">
                   <a:extLst>
                     <a:ext uri="{9D8B030D-6E8A-4147-A177-3AD203B41FA5}">
-                      <a16:colId xmlns:a16="http://schemas.microsoft.com/office/drawing/2014/main" val="2462359779"/>
+                      <a16:colId xmlns:a16="http://schemas.microsoft.com/office/drawing/2014/main" xmlns="" val="2462359779"/>
                     </a:ext>
                   </a:extLst>
                 </a:gridCol>
                 <a:gridCol w="702830">
                   <a:extLst>
                     <a:ext uri="{9D8B030D-6E8A-4147-A177-3AD203B41FA5}">
-                      <a16:colId xmlns:a16="http://schemas.microsoft.com/office/drawing/2014/main" val="3448858290"/>
+                      <a16:colId xmlns:a16="http://schemas.microsoft.com/office/drawing/2014/main" xmlns="" val="3448858290"/>
                     </a:ext>
                   </a:extLst>
                 </a:gridCol>
@@ -19288,7 +20355,7 @@
                 </a:tc>
                 <a:extLst>
                   <a:ext uri="{0D108BD9-81ED-4DB2-BD59-A6C34878D82A}">
-                    <a16:rowId xmlns:a16="http://schemas.microsoft.com/office/drawing/2014/main" val="1367010675"/>
+                    <a16:rowId xmlns:a16="http://schemas.microsoft.com/office/drawing/2014/main" xmlns="" val="1367010675"/>
                   </a:ext>
                 </a:extLst>
               </a:tr>
@@ -19429,7 +20496,7 @@
 </p:sld>
 </file>
 
-<file path=ppt/slides/slide27.xml><?xml version="1.0" encoding="utf-8"?>
+<file path=ppt/slides/slide29.xml><?xml version="1.0" encoding="utf-8"?>
 <p:sld xmlns:a="http://schemas.openxmlformats.org/drawingml/2006/main" xmlns:r="http://schemas.openxmlformats.org/officeDocument/2006/relationships" xmlns:p="http://schemas.openxmlformats.org/presentationml/2006/main">
   <p:cSld>
     <p:spTree>
@@ -19869,21 +20936,21 @@
                 <a:gridCol w="1477109">
                   <a:extLst>
                     <a:ext uri="{9D8B030D-6E8A-4147-A177-3AD203B41FA5}">
-                      <a16:colId xmlns:a16="http://schemas.microsoft.com/office/drawing/2014/main" val="20000"/>
+                      <a16:colId xmlns:a16="http://schemas.microsoft.com/office/drawing/2014/main" xmlns="" val="20000"/>
                     </a:ext>
                   </a:extLst>
                 </a:gridCol>
                 <a:gridCol w="598948">
                   <a:extLst>
                     <a:ext uri="{9D8B030D-6E8A-4147-A177-3AD203B41FA5}">
-                      <a16:colId xmlns:a16="http://schemas.microsoft.com/office/drawing/2014/main" val="20001"/>
+                      <a16:colId xmlns:a16="http://schemas.microsoft.com/office/drawing/2014/main" xmlns="" val="20001"/>
                     </a:ext>
                   </a:extLst>
                 </a:gridCol>
                 <a:gridCol w="1013674">
                   <a:extLst>
                     <a:ext uri="{9D8B030D-6E8A-4147-A177-3AD203B41FA5}">
-                      <a16:colId xmlns:a16="http://schemas.microsoft.com/office/drawing/2014/main" val="20002"/>
+                      <a16:colId xmlns:a16="http://schemas.microsoft.com/office/drawing/2014/main" xmlns="" val="20002"/>
                     </a:ext>
                   </a:extLst>
                 </a:gridCol>
@@ -19944,7 +21011,7 @@
                 </a:tc>
                 <a:extLst>
                   <a:ext uri="{0D108BD9-81ED-4DB2-BD59-A6C34878D82A}">
-                    <a16:rowId xmlns:a16="http://schemas.microsoft.com/office/drawing/2014/main" val="10000"/>
+                    <a16:rowId xmlns:a16="http://schemas.microsoft.com/office/drawing/2014/main" xmlns="" val="10000"/>
                   </a:ext>
                 </a:extLst>
               </a:tr>
@@ -19991,7 +21058,7 @@
                 </a:tc>
                 <a:extLst>
                   <a:ext uri="{0D108BD9-81ED-4DB2-BD59-A6C34878D82A}">
-                    <a16:rowId xmlns:a16="http://schemas.microsoft.com/office/drawing/2014/main" val="10001"/>
+                    <a16:rowId xmlns:a16="http://schemas.microsoft.com/office/drawing/2014/main" xmlns="" val="10001"/>
                   </a:ext>
                 </a:extLst>
               </a:tr>
@@ -20038,7 +21105,7 @@
                 </a:tc>
                 <a:extLst>
                   <a:ext uri="{0D108BD9-81ED-4DB2-BD59-A6C34878D82A}">
-                    <a16:rowId xmlns:a16="http://schemas.microsoft.com/office/drawing/2014/main" val="10002"/>
+                    <a16:rowId xmlns:a16="http://schemas.microsoft.com/office/drawing/2014/main" xmlns="" val="10002"/>
                   </a:ext>
                 </a:extLst>
               </a:tr>
@@ -20085,7 +21152,7 @@
                 </a:tc>
                 <a:extLst>
                   <a:ext uri="{0D108BD9-81ED-4DB2-BD59-A6C34878D82A}">
-                    <a16:rowId xmlns:a16="http://schemas.microsoft.com/office/drawing/2014/main" val="10003"/>
+                    <a16:rowId xmlns:a16="http://schemas.microsoft.com/office/drawing/2014/main" xmlns="" val="10003"/>
                   </a:ext>
                 </a:extLst>
               </a:tr>
@@ -20110,7 +21177,7 @@
           <a:p>
             <a:fld id="{24AF9547-1ADA-7741-9454-C97103F281DA}" type="slidenum">
               <a:rPr lang="en-US" smtClean="0"/>
-              <a:t>27</a:t>
+              <a:t>29</a:t>
             </a:fld>
             <a:endParaRPr lang="en-US"/>
           </a:p>
@@ -20120,1684 +21187,6 @@
     <p:extLst>
       <p:ext uri="{BB962C8B-B14F-4D97-AF65-F5344CB8AC3E}">
         <p14:creationId xmlns:p14="http://schemas.microsoft.com/office/powerpoint/2010/main" val="2292816358"/>
-      </p:ext>
-    </p:extLst>
-  </p:cSld>
-  <p:clrMapOvr>
-    <a:masterClrMapping/>
-  </p:clrMapOvr>
-  <p:timing>
-    <p:tnLst>
-      <p:par>
-        <p:cTn id="1" dur="indefinite" restart="never" nodeType="tmRoot">
-          <p:childTnLst>
-            <p:seq concurrent="1" nextAc="seek">
-              <p:cTn id="2" dur="indefinite" nodeType="mainSeq">
-                <p:childTnLst>
-                  <p:par>
-                    <p:cTn id="3" fill="hold">
-                      <p:stCondLst>
-                        <p:cond delay="indefinite"/>
-                        <p:cond evt="onBegin" delay="0">
-                          <p:tn val="2"/>
-                        </p:cond>
-                      </p:stCondLst>
-                      <p:childTnLst>
-                        <p:par>
-                          <p:cTn id="4" fill="hold">
-                            <p:stCondLst>
-                              <p:cond delay="0"/>
-                            </p:stCondLst>
-                            <p:childTnLst>
-                              <p:par>
-                                <p:cTn id="5" presetID="1" presetClass="entr" presetSubtype="0" fill="hold" nodeType="withEffect">
-                                  <p:stCondLst>
-                                    <p:cond delay="0"/>
-                                  </p:stCondLst>
-                                  <p:childTnLst>
-                                    <p:set>
-                                      <p:cBhvr>
-                                        <p:cTn id="6" dur="1" fill="hold">
-                                          <p:stCondLst>
-                                            <p:cond delay="0"/>
-                                          </p:stCondLst>
-                                        </p:cTn>
-                                        <p:tgtEl>
-                                          <p:spTgt spid="11"/>
-                                        </p:tgtEl>
-                                        <p:attrNameLst>
-                                          <p:attrName>style.visibility</p:attrName>
-                                        </p:attrNameLst>
-                                      </p:cBhvr>
-                                      <p:to>
-                                        <p:strVal val="visible"/>
-                                      </p:to>
-                                    </p:set>
-                                  </p:childTnLst>
-                                </p:cTn>
-                              </p:par>
-                            </p:childTnLst>
-                          </p:cTn>
-                        </p:par>
-                      </p:childTnLst>
-                    </p:cTn>
-                  </p:par>
-                </p:childTnLst>
-              </p:cTn>
-              <p:prevCondLst>
-                <p:cond evt="onPrev" delay="0">
-                  <p:tgtEl>
-                    <p:sldTgt/>
-                  </p:tgtEl>
-                </p:cond>
-              </p:prevCondLst>
-              <p:nextCondLst>
-                <p:cond evt="onNext" delay="0">
-                  <p:tgtEl>
-                    <p:sldTgt/>
-                  </p:tgtEl>
-                </p:cond>
-              </p:nextCondLst>
-            </p:seq>
-          </p:childTnLst>
-        </p:cTn>
-      </p:par>
-    </p:tnLst>
-  </p:timing>
-</p:sld>
-</file>
-
-<file path=ppt/slides/slide28.xml><?xml version="1.0" encoding="utf-8"?>
-<p:sld xmlns:a="http://schemas.openxmlformats.org/drawingml/2006/main" xmlns:r="http://schemas.openxmlformats.org/officeDocument/2006/relationships" xmlns:p="http://schemas.openxmlformats.org/presentationml/2006/main">
-  <p:cSld>
-    <p:spTree>
-      <p:nvGrpSpPr>
-        <p:cNvPr id="1" name=""/>
-        <p:cNvGrpSpPr/>
-        <p:nvPr/>
-      </p:nvGrpSpPr>
-      <p:grpSpPr>
-        <a:xfrm>
-          <a:off x="0" y="0"/>
-          <a:ext cx="0" cy="0"/>
-          <a:chOff x="0" y="0"/>
-          <a:chExt cx="0" cy="0"/>
-        </a:xfrm>
-      </p:grpSpPr>
-      <p:sp>
-        <p:nvSpPr>
-          <p:cNvPr id="2" name="Title 1"/>
-          <p:cNvSpPr>
-            <a:spLocks noGrp="1"/>
-          </p:cNvSpPr>
-          <p:nvPr>
-            <p:ph type="title"/>
-          </p:nvPr>
-        </p:nvSpPr>
-        <p:spPr/>
-        <p:txBody>
-          <a:bodyPr>
-            <a:normAutofit/>
-          </a:bodyPr>
-          <a:lstStyle/>
-          <a:p>
-            <a:r>
-              <a:rPr lang="en-US" altLang="zh-CN" sz="4000" dirty="0"/>
-              <a:t>Delete</a:t>
-            </a:r>
-            <a:r>
-              <a:rPr lang="en-US" sz="4000" dirty="0"/>
-              <a:t> operations</a:t>
-            </a:r>
-          </a:p>
-        </p:txBody>
-      </p:sp>
-      <p:sp>
-        <p:nvSpPr>
-          <p:cNvPr id="16" name="Content Placeholder 2"/>
-          <p:cNvSpPr>
-            <a:spLocks noGrp="1"/>
-          </p:cNvSpPr>
-          <p:nvPr>
-            <p:ph idx="1"/>
-          </p:nvPr>
-        </p:nvSpPr>
-        <p:spPr>
-          <a:xfrm>
-            <a:off x="628650" y="1480068"/>
-            <a:ext cx="7821385" cy="5100345"/>
-          </a:xfrm>
-        </p:spPr>
-        <p:txBody>
-          <a:bodyPr>
-            <a:normAutofit/>
-          </a:bodyPr>
-          <a:lstStyle/>
-          <a:p>
-            <a:r>
-              <a:rPr lang="en-US" dirty="0"/>
-              <a:t>What if we delete a student, who has enrolled courses? </a:t>
-            </a:r>
-          </a:p>
-          <a:p>
-            <a:pPr lvl="1" indent="-342900"/>
-            <a:r>
-              <a:rPr lang="en-US" dirty="0"/>
-              <a:t>Remove all of the courses for that student </a:t>
-            </a:r>
-            <a:r>
-              <a:rPr lang="en-US" i="1" dirty="0"/>
-              <a:t>(ON DELETE CASCADE) </a:t>
-            </a:r>
-          </a:p>
-          <a:p>
-            <a:endParaRPr lang="en-US" dirty="0"/>
-          </a:p>
-          <a:p>
-            <a:pPr marL="0" indent="0">
-              <a:buNone/>
-            </a:pPr>
-            <a:endParaRPr lang="en-US" dirty="0"/>
-          </a:p>
-          <a:p>
-            <a:endParaRPr lang="en-US" dirty="0"/>
-          </a:p>
-        </p:txBody>
-      </p:sp>
-      <p:sp>
-        <p:nvSpPr>
-          <p:cNvPr id="3" name="Slide Number Placeholder 2"/>
-          <p:cNvSpPr>
-            <a:spLocks noGrp="1"/>
-          </p:cNvSpPr>
-          <p:nvPr>
-            <p:ph type="sldNum" sz="quarter" idx="12"/>
-          </p:nvPr>
-        </p:nvSpPr>
-        <p:spPr/>
-        <p:txBody>
-          <a:bodyPr/>
-          <a:lstStyle/>
-          <a:p>
-            <a:fld id="{24AF9547-1ADA-7741-9454-C97103F281DA}" type="slidenum">
-              <a:rPr lang="en-US" smtClean="0"/>
-              <a:t>28</a:t>
-            </a:fld>
-            <a:endParaRPr lang="en-US"/>
-          </a:p>
-        </p:txBody>
-      </p:sp>
-      <p:graphicFrame>
-        <p:nvGraphicFramePr>
-          <p:cNvPr id="9" name="Table 8">
-            <a:extLst>
-              <a:ext uri="{FF2B5EF4-FFF2-40B4-BE49-F238E27FC236}">
-                <a16:creationId xmlns:a16="http://schemas.microsoft.com/office/drawing/2014/main" id="{192D9F72-9AFB-2643-B890-6AAD9D8AF5CB}"/>
-              </a:ext>
-            </a:extLst>
-          </p:cNvPr>
-          <p:cNvGraphicFramePr>
-            <a:graphicFrameLocks noGrp="1"/>
-          </p:cNvGraphicFramePr>
-          <p:nvPr>
-            <p:extLst/>
-          </p:nvPr>
-        </p:nvGraphicFramePr>
-        <p:xfrm>
-          <a:off x="1263877" y="4604917"/>
-          <a:ext cx="2319339" cy="746760"/>
-        </p:xfrm>
-        <a:graphic>
-          <a:graphicData uri="http://schemas.openxmlformats.org/drawingml/2006/table">
-            <a:tbl>
-              <a:tblPr firstRow="1" bandRow="1">
-                <a:tableStyleId>{7E9639D4-E3E2-4D34-9284-5A2195B3D0D7}</a:tableStyleId>
-              </a:tblPr>
-              <a:tblGrid>
-                <a:gridCol w="702830">
-                  <a:extLst>
-                    <a:ext uri="{9D8B030D-6E8A-4147-A177-3AD203B41FA5}">
-                      <a16:colId xmlns:a16="http://schemas.microsoft.com/office/drawing/2014/main" val="20000"/>
-                    </a:ext>
-                  </a:extLst>
-                </a:gridCol>
-                <a:gridCol w="913679">
-                  <a:extLst>
-                    <a:ext uri="{9D8B030D-6E8A-4147-A177-3AD203B41FA5}">
-                      <a16:colId xmlns:a16="http://schemas.microsoft.com/office/drawing/2014/main" val="20001"/>
-                    </a:ext>
-                  </a:extLst>
-                </a:gridCol>
-                <a:gridCol w="702830">
-                  <a:extLst>
-                    <a:ext uri="{9D8B030D-6E8A-4147-A177-3AD203B41FA5}">
-                      <a16:colId xmlns:a16="http://schemas.microsoft.com/office/drawing/2014/main" val="20002"/>
-                    </a:ext>
-                  </a:extLst>
-                </a:gridCol>
-              </a:tblGrid>
-              <a:tr h="274320">
-                <a:tc>
-                  <a:txBody>
-                    <a:bodyPr/>
-                    <a:lstStyle/>
-                    <a:p>
-                      <a:pPr algn="ctr"/>
-                      <a:r>
-                        <a:rPr lang="en-US" sz="2000" dirty="0" err="1">
-                          <a:solidFill>
-                            <a:srgbClr val="0F89E4"/>
-                          </a:solidFill>
-                        </a:rPr>
-                        <a:t>sid</a:t>
-                      </a:r>
-                      <a:endParaRPr lang="en-US" sz="2000" b="1" dirty="0">
-                        <a:solidFill>
-                          <a:srgbClr val="0F89E4"/>
-                        </a:solidFill>
-                      </a:endParaRPr>
-                    </a:p>
-                  </a:txBody>
-                  <a:tcPr marL="68580" marR="68580" marT="34290" marB="34290"/>
-                </a:tc>
-                <a:tc>
-                  <a:txBody>
-                    <a:bodyPr/>
-                    <a:lstStyle/>
-                    <a:p>
-                      <a:pPr algn="ctr"/>
-                      <a:r>
-                        <a:rPr lang="en-US" sz="2000" baseline="0" dirty="0"/>
-                        <a:t>n</a:t>
-                      </a:r>
-                      <a:r>
-                        <a:rPr lang="en-US" sz="2000" dirty="0"/>
-                        <a:t>ame</a:t>
-                      </a:r>
-                      <a:endParaRPr lang="en-US" sz="2000" b="1" dirty="0"/>
-                    </a:p>
-                  </a:txBody>
-                  <a:tcPr marL="68580" marR="68580" marT="34290" marB="34290"/>
-                </a:tc>
-                <a:tc>
-                  <a:txBody>
-                    <a:bodyPr/>
-                    <a:lstStyle/>
-                    <a:p>
-                      <a:pPr algn="ctr"/>
-                      <a:r>
-                        <a:rPr lang="en-US" sz="2000" dirty="0" err="1"/>
-                        <a:t>gpa</a:t>
-                      </a:r>
-                      <a:endParaRPr lang="en-US" sz="2000" b="1" dirty="0"/>
-                    </a:p>
-                  </a:txBody>
-                  <a:tcPr marL="68580" marR="68580" marT="34290" marB="34290"/>
-                </a:tc>
-                <a:extLst>
-                  <a:ext uri="{0D108BD9-81ED-4DB2-BD59-A6C34878D82A}">
-                    <a16:rowId xmlns:a16="http://schemas.microsoft.com/office/drawing/2014/main" val="10000"/>
-                  </a:ext>
-                </a:extLst>
-              </a:tr>
-              <a:tr h="274320">
-                <a:tc>
-                  <a:txBody>
-                    <a:bodyPr/>
-                    <a:lstStyle/>
-                    <a:p>
-                      <a:r>
-                        <a:rPr lang="en-US" sz="2000" dirty="0"/>
-                        <a:t>123</a:t>
-                      </a:r>
-                    </a:p>
-                  </a:txBody>
-                  <a:tcPr marL="68580" marR="68580" marT="34290" marB="34290"/>
-                </a:tc>
-                <a:tc>
-                  <a:txBody>
-                    <a:bodyPr/>
-                    <a:lstStyle/>
-                    <a:p>
-                      <a:r>
-                        <a:rPr lang="en-US" sz="2000" dirty="0"/>
-                        <a:t>Mary</a:t>
-                      </a:r>
-                    </a:p>
-                  </a:txBody>
-                  <a:tcPr marL="68580" marR="68580" marT="34290" marB="34290"/>
-                </a:tc>
-                <a:tc>
-                  <a:txBody>
-                    <a:bodyPr/>
-                    <a:lstStyle/>
-                    <a:p>
-                      <a:pPr algn="ctr"/>
-                      <a:r>
-                        <a:rPr lang="en-US" sz="2000" dirty="0"/>
-                        <a:t>3.8</a:t>
-                      </a:r>
-                    </a:p>
-                  </a:txBody>
-                  <a:tcPr marL="68580" marR="68580" marT="34290" marB="34290"/>
-                </a:tc>
-                <a:extLst>
-                  <a:ext uri="{0D108BD9-81ED-4DB2-BD59-A6C34878D82A}">
-                    <a16:rowId xmlns:a16="http://schemas.microsoft.com/office/drawing/2014/main" val="10002"/>
-                  </a:ext>
-                </a:extLst>
-              </a:tr>
-            </a:tbl>
-          </a:graphicData>
-        </a:graphic>
-      </p:graphicFrame>
-      <p:sp>
-        <p:nvSpPr>
-          <p:cNvPr id="10" name="TextBox 9">
-            <a:extLst>
-              <a:ext uri="{FF2B5EF4-FFF2-40B4-BE49-F238E27FC236}">
-                <a16:creationId xmlns:a16="http://schemas.microsoft.com/office/drawing/2014/main" id="{2371588E-064F-AC4F-BFE4-407A10166E83}"/>
-              </a:ext>
-            </a:extLst>
-          </p:cNvPr>
-          <p:cNvSpPr txBox="1"/>
-          <p:nvPr/>
-        </p:nvSpPr>
-        <p:spPr>
-          <a:xfrm>
-            <a:off x="1263877" y="4167558"/>
-            <a:ext cx="1126527" cy="400110"/>
-          </a:xfrm>
-          <a:prstGeom prst="rect">
-            <a:avLst/>
-          </a:prstGeom>
-          <a:noFill/>
-        </p:spPr>
-        <p:txBody>
-          <a:bodyPr wrap="none" rtlCol="0">
-            <a:spAutoFit/>
-          </a:bodyPr>
-          <a:lstStyle/>
-          <a:p>
-            <a:r>
-              <a:rPr lang="en-US" sz="2000" b="1" dirty="0"/>
-              <a:t>Students</a:t>
-            </a:r>
-          </a:p>
-        </p:txBody>
-      </p:sp>
-      <p:sp>
-        <p:nvSpPr>
-          <p:cNvPr id="11" name="TextBox 10">
-            <a:extLst>
-              <a:ext uri="{FF2B5EF4-FFF2-40B4-BE49-F238E27FC236}">
-                <a16:creationId xmlns:a16="http://schemas.microsoft.com/office/drawing/2014/main" id="{04D966A4-B0FB-4543-A23B-1BDF1B411566}"/>
-              </a:ext>
-            </a:extLst>
-          </p:cNvPr>
-          <p:cNvSpPr txBox="1"/>
-          <p:nvPr/>
-        </p:nvSpPr>
-        <p:spPr>
-          <a:xfrm>
-            <a:off x="4700282" y="4167558"/>
-            <a:ext cx="1066446" cy="400110"/>
-          </a:xfrm>
-          <a:prstGeom prst="rect">
-            <a:avLst/>
-          </a:prstGeom>
-          <a:noFill/>
-        </p:spPr>
-        <p:txBody>
-          <a:bodyPr wrap="none" rtlCol="0">
-            <a:spAutoFit/>
-          </a:bodyPr>
-          <a:lstStyle/>
-          <a:p>
-            <a:r>
-              <a:rPr lang="en-US" sz="2000" b="1" dirty="0"/>
-              <a:t>Enrolled</a:t>
-            </a:r>
-          </a:p>
-        </p:txBody>
-      </p:sp>
-      <p:graphicFrame>
-        <p:nvGraphicFramePr>
-          <p:cNvPr id="12" name="Table 11">
-            <a:extLst>
-              <a:ext uri="{FF2B5EF4-FFF2-40B4-BE49-F238E27FC236}">
-                <a16:creationId xmlns:a16="http://schemas.microsoft.com/office/drawing/2014/main" id="{E36A6B4C-04FB-AE4D-98E0-1258B880FA5E}"/>
-              </a:ext>
-            </a:extLst>
-          </p:cNvPr>
-          <p:cNvGraphicFramePr>
-            <a:graphicFrameLocks noGrp="1"/>
-          </p:cNvGraphicFramePr>
-          <p:nvPr>
-            <p:extLst>
-              <p:ext uri="{D42A27DB-BD31-4B8C-83A1-F6EECF244321}">
-                <p14:modId xmlns:p14="http://schemas.microsoft.com/office/powerpoint/2010/main" val="2105439211"/>
-              </p:ext>
-            </p:extLst>
-          </p:nvPr>
-        </p:nvGraphicFramePr>
-        <p:xfrm>
-          <a:off x="4540702" y="4567668"/>
-          <a:ext cx="3089731" cy="1028700"/>
-        </p:xfrm>
-        <a:graphic>
-          <a:graphicData uri="http://schemas.openxmlformats.org/drawingml/2006/table">
-            <a:tbl>
-              <a:tblPr firstRow="1" bandRow="1">
-                <a:tableStyleId>{7E9639D4-E3E2-4D34-9284-5A2195B3D0D7}</a:tableStyleId>
-              </a:tblPr>
-              <a:tblGrid>
-                <a:gridCol w="1477109">
-                  <a:extLst>
-                    <a:ext uri="{9D8B030D-6E8A-4147-A177-3AD203B41FA5}">
-                      <a16:colId xmlns:a16="http://schemas.microsoft.com/office/drawing/2014/main" val="20000"/>
-                    </a:ext>
-                  </a:extLst>
-                </a:gridCol>
-                <a:gridCol w="598948">
-                  <a:extLst>
-                    <a:ext uri="{9D8B030D-6E8A-4147-A177-3AD203B41FA5}">
-                      <a16:colId xmlns:a16="http://schemas.microsoft.com/office/drawing/2014/main" val="20001"/>
-                    </a:ext>
-                  </a:extLst>
-                </a:gridCol>
-                <a:gridCol w="1013674">
-                  <a:extLst>
-                    <a:ext uri="{9D8B030D-6E8A-4147-A177-3AD203B41FA5}">
-                      <a16:colId xmlns:a16="http://schemas.microsoft.com/office/drawing/2014/main" val="20002"/>
-                    </a:ext>
-                  </a:extLst>
-                </a:gridCol>
-              </a:tblGrid>
-              <a:tr h="285005">
-                <a:tc>
-                  <a:txBody>
-                    <a:bodyPr/>
-                    <a:lstStyle/>
-                    <a:p>
-                      <a:pPr algn="ctr"/>
-                      <a:r>
-                        <a:rPr lang="en-US" sz="1800" dirty="0" err="1">
-                          <a:solidFill>
-                            <a:srgbClr val="FFC000"/>
-                          </a:solidFill>
-                        </a:rPr>
-                        <a:t>student_id</a:t>
-                      </a:r>
-                      <a:endParaRPr lang="en-US" sz="1800" b="1" dirty="0">
-                        <a:solidFill>
-                          <a:srgbClr val="FFC000"/>
-                        </a:solidFill>
-                      </a:endParaRPr>
-                    </a:p>
-                  </a:txBody>
-                  <a:tcPr marL="68580" marR="68580" marT="34290" marB="34290"/>
-                </a:tc>
-                <a:tc>
-                  <a:txBody>
-                    <a:bodyPr/>
-                    <a:lstStyle/>
-                    <a:p>
-                      <a:pPr algn="ctr"/>
-                      <a:r>
-                        <a:rPr lang="en-US" sz="1800" dirty="0"/>
-                        <a:t>cid</a:t>
-                      </a:r>
-                      <a:endParaRPr lang="en-US" sz="1800" b="1" dirty="0"/>
-                    </a:p>
-                  </a:txBody>
-                  <a:tcPr marL="68580" marR="68580" marT="34290" marB="34290"/>
-                </a:tc>
-                <a:tc>
-                  <a:txBody>
-                    <a:bodyPr/>
-                    <a:lstStyle/>
-                    <a:p>
-                      <a:pPr algn="ctr"/>
-                      <a:r>
-                        <a:rPr lang="en-US" sz="1800" dirty="0"/>
-                        <a:t>grade</a:t>
-                      </a:r>
-                      <a:endParaRPr lang="en-US" sz="1800" b="1" dirty="0"/>
-                    </a:p>
-                  </a:txBody>
-                  <a:tcPr marL="68580" marR="68580" marT="34290" marB="34290"/>
-                </a:tc>
-                <a:extLst>
-                  <a:ext uri="{0D108BD9-81ED-4DB2-BD59-A6C34878D82A}">
-                    <a16:rowId xmlns:a16="http://schemas.microsoft.com/office/drawing/2014/main" val="10000"/>
-                  </a:ext>
-                </a:extLst>
-              </a:tr>
-              <a:tr h="274320">
-                <a:tc>
-                  <a:txBody>
-                    <a:bodyPr/>
-                    <a:lstStyle/>
-                    <a:p>
-                      <a:r>
-                        <a:rPr lang="en-US" sz="1800" dirty="0"/>
-                        <a:t>123</a:t>
-                      </a:r>
-                    </a:p>
-                  </a:txBody>
-                  <a:tcPr marL="68580" marR="68580" marT="34290" marB="34290"/>
-                </a:tc>
-                <a:tc>
-                  <a:txBody>
-                    <a:bodyPr/>
-                    <a:lstStyle/>
-                    <a:p>
-                      <a:r>
-                        <a:rPr lang="en-US" sz="1800" dirty="0"/>
-                        <a:t>354</a:t>
-                      </a:r>
-                    </a:p>
-                  </a:txBody>
-                  <a:tcPr marL="68580" marR="68580" marT="34290" marB="34290"/>
-                </a:tc>
-                <a:tc>
-                  <a:txBody>
-                    <a:bodyPr/>
-                    <a:lstStyle/>
-                    <a:p>
-                      <a:pPr algn="ctr"/>
-                      <a:r>
-                        <a:rPr lang="en-US" sz="1800" dirty="0"/>
-                        <a:t>A</a:t>
-                      </a:r>
-                    </a:p>
-                  </a:txBody>
-                  <a:tcPr marL="68580" marR="68580" marT="34290" marB="34290"/>
-                </a:tc>
-                <a:extLst>
-                  <a:ext uri="{0D108BD9-81ED-4DB2-BD59-A6C34878D82A}">
-                    <a16:rowId xmlns:a16="http://schemas.microsoft.com/office/drawing/2014/main" val="10001"/>
-                  </a:ext>
-                </a:extLst>
-              </a:tr>
-              <a:tr h="274320">
-                <a:tc>
-                  <a:txBody>
-                    <a:bodyPr/>
-                    <a:lstStyle/>
-                    <a:p>
-                      <a:r>
-                        <a:rPr lang="en-US" sz="1800" dirty="0"/>
-                        <a:t>123</a:t>
-                      </a:r>
-                    </a:p>
-                  </a:txBody>
-                  <a:tcPr marL="68580" marR="68580" marT="34290" marB="34290"/>
-                </a:tc>
-                <a:tc>
-                  <a:txBody>
-                    <a:bodyPr/>
-                    <a:lstStyle/>
-                    <a:p>
-                      <a:r>
-                        <a:rPr lang="en-US" sz="1800" dirty="0"/>
-                        <a:t>454</a:t>
-                      </a:r>
-                    </a:p>
-                  </a:txBody>
-                  <a:tcPr marL="68580" marR="68580" marT="34290" marB="34290"/>
-                </a:tc>
-                <a:tc>
-                  <a:txBody>
-                    <a:bodyPr/>
-                    <a:lstStyle/>
-                    <a:p>
-                      <a:pPr algn="ctr"/>
-                      <a:r>
-                        <a:rPr lang="en-US" sz="1800" dirty="0"/>
-                        <a:t>A+</a:t>
-                      </a:r>
-                    </a:p>
-                  </a:txBody>
-                  <a:tcPr marL="68580" marR="68580" marT="34290" marB="34290"/>
-                </a:tc>
-                <a:extLst>
-                  <a:ext uri="{0D108BD9-81ED-4DB2-BD59-A6C34878D82A}">
-                    <a16:rowId xmlns:a16="http://schemas.microsoft.com/office/drawing/2014/main" val="10002"/>
-                  </a:ext>
-                </a:extLst>
-              </a:tr>
-            </a:tbl>
-          </a:graphicData>
-        </a:graphic>
-      </p:graphicFrame>
-      <p:graphicFrame>
-        <p:nvGraphicFramePr>
-          <p:cNvPr id="17" name="Table 16">
-            <a:extLst>
-              <a:ext uri="{FF2B5EF4-FFF2-40B4-BE49-F238E27FC236}">
-                <a16:creationId xmlns:a16="http://schemas.microsoft.com/office/drawing/2014/main" id="{498EB6DD-B6E3-0743-B26E-C2FD32682AB6}"/>
-              </a:ext>
-            </a:extLst>
-          </p:cNvPr>
-          <p:cNvGraphicFramePr>
-            <a:graphicFrameLocks noGrp="1"/>
-          </p:cNvGraphicFramePr>
-          <p:nvPr/>
-        </p:nvGraphicFramePr>
-        <p:xfrm>
-          <a:off x="1263876" y="5351677"/>
-          <a:ext cx="2319339" cy="373380"/>
-        </p:xfrm>
-        <a:graphic>
-          <a:graphicData uri="http://schemas.openxmlformats.org/drawingml/2006/table">
-            <a:tbl>
-              <a:tblPr bandRow="1">
-                <a:tableStyleId>{7E9639D4-E3E2-4D34-9284-5A2195B3D0D7}</a:tableStyleId>
-              </a:tblPr>
-              <a:tblGrid>
-                <a:gridCol w="702830">
-                  <a:extLst>
-                    <a:ext uri="{9D8B030D-6E8A-4147-A177-3AD203B41FA5}">
-                      <a16:colId xmlns:a16="http://schemas.microsoft.com/office/drawing/2014/main" val="21001791"/>
-                    </a:ext>
-                  </a:extLst>
-                </a:gridCol>
-                <a:gridCol w="913679">
-                  <a:extLst>
-                    <a:ext uri="{9D8B030D-6E8A-4147-A177-3AD203B41FA5}">
-                      <a16:colId xmlns:a16="http://schemas.microsoft.com/office/drawing/2014/main" val="2462359779"/>
-                    </a:ext>
-                  </a:extLst>
-                </a:gridCol>
-                <a:gridCol w="702830">
-                  <a:extLst>
-                    <a:ext uri="{9D8B030D-6E8A-4147-A177-3AD203B41FA5}">
-                      <a16:colId xmlns:a16="http://schemas.microsoft.com/office/drawing/2014/main" val="3448858290"/>
-                    </a:ext>
-                  </a:extLst>
-                </a:gridCol>
-              </a:tblGrid>
-              <a:tr h="274320">
-                <a:tc>
-                  <a:txBody>
-                    <a:bodyPr/>
-                    <a:lstStyle/>
-                    <a:p>
-                      <a:r>
-                        <a:rPr lang="en-US" sz="2000" dirty="0"/>
-                        <a:t>156</a:t>
-                      </a:r>
-                    </a:p>
-                  </a:txBody>
-                  <a:tcPr marL="68580" marR="68580" marT="34290" marB="34290"/>
-                </a:tc>
-                <a:tc>
-                  <a:txBody>
-                    <a:bodyPr/>
-                    <a:lstStyle/>
-                    <a:p>
-                      <a:r>
-                        <a:rPr lang="en-US" sz="2000" dirty="0"/>
-                        <a:t>Mike</a:t>
-                      </a:r>
-                    </a:p>
-                  </a:txBody>
-                  <a:tcPr marL="68580" marR="68580" marT="34290" marB="34290"/>
-                </a:tc>
-                <a:tc>
-                  <a:txBody>
-                    <a:bodyPr/>
-                    <a:lstStyle/>
-                    <a:p>
-                      <a:pPr algn="ctr"/>
-                      <a:r>
-                        <a:rPr lang="en-US" sz="2000" dirty="0"/>
-                        <a:t>3.7</a:t>
-                      </a:r>
-                    </a:p>
-                  </a:txBody>
-                  <a:tcPr marL="68580" marR="68580" marT="34290" marB="34290"/>
-                </a:tc>
-                <a:extLst>
-                  <a:ext uri="{0D108BD9-81ED-4DB2-BD59-A6C34878D82A}">
-                    <a16:rowId xmlns:a16="http://schemas.microsoft.com/office/drawing/2014/main" val="1367010675"/>
-                  </a:ext>
-                </a:extLst>
-              </a:tr>
-            </a:tbl>
-          </a:graphicData>
-        </a:graphic>
-      </p:graphicFrame>
-      <p:graphicFrame>
-        <p:nvGraphicFramePr>
-          <p:cNvPr id="4" name="Table 3">
-            <a:extLst>
-              <a:ext uri="{FF2B5EF4-FFF2-40B4-BE49-F238E27FC236}">
-                <a16:creationId xmlns:a16="http://schemas.microsoft.com/office/drawing/2014/main" id="{F0B6F206-5F56-4748-9F1E-48EDB67140A8}"/>
-              </a:ext>
-            </a:extLst>
-          </p:cNvPr>
-          <p:cNvGraphicFramePr>
-            <a:graphicFrameLocks noGrp="1"/>
-          </p:cNvGraphicFramePr>
-          <p:nvPr>
-            <p:extLst>
-              <p:ext uri="{D42A27DB-BD31-4B8C-83A1-F6EECF244321}">
-                <p14:modId xmlns:p14="http://schemas.microsoft.com/office/powerpoint/2010/main" val="3568552814"/>
-              </p:ext>
-            </p:extLst>
-          </p:nvPr>
-        </p:nvGraphicFramePr>
-        <p:xfrm>
-          <a:off x="4539342" y="5596368"/>
-          <a:ext cx="3089731" cy="342900"/>
-        </p:xfrm>
-        <a:graphic>
-          <a:graphicData uri="http://schemas.openxmlformats.org/drawingml/2006/table">
-            <a:tbl>
-              <a:tblPr bandRow="1">
-                <a:tableStyleId>{7E9639D4-E3E2-4D34-9284-5A2195B3D0D7}</a:tableStyleId>
-              </a:tblPr>
-              <a:tblGrid>
-                <a:gridCol w="1477109">
-                  <a:extLst>
-                    <a:ext uri="{9D8B030D-6E8A-4147-A177-3AD203B41FA5}">
-                      <a16:colId xmlns:a16="http://schemas.microsoft.com/office/drawing/2014/main" val="3848068754"/>
-                    </a:ext>
-                  </a:extLst>
-                </a:gridCol>
-                <a:gridCol w="598948">
-                  <a:extLst>
-                    <a:ext uri="{9D8B030D-6E8A-4147-A177-3AD203B41FA5}">
-                      <a16:colId xmlns:a16="http://schemas.microsoft.com/office/drawing/2014/main" val="716970141"/>
-                    </a:ext>
-                  </a:extLst>
-                </a:gridCol>
-                <a:gridCol w="1013674">
-                  <a:extLst>
-                    <a:ext uri="{9D8B030D-6E8A-4147-A177-3AD203B41FA5}">
-                      <a16:colId xmlns:a16="http://schemas.microsoft.com/office/drawing/2014/main" val="2973760246"/>
-                    </a:ext>
-                  </a:extLst>
-                </a:gridCol>
-              </a:tblGrid>
-              <a:tr h="274320">
-                <a:tc>
-                  <a:txBody>
-                    <a:bodyPr/>
-                    <a:lstStyle/>
-                    <a:p>
-                      <a:r>
-                        <a:rPr lang="en-US" sz="1800" dirty="0"/>
-                        <a:t>156</a:t>
-                      </a:r>
-                    </a:p>
-                  </a:txBody>
-                  <a:tcPr marL="68580" marR="68580" marT="34290" marB="34290"/>
-                </a:tc>
-                <a:tc>
-                  <a:txBody>
-                    <a:bodyPr/>
-                    <a:lstStyle/>
-                    <a:p>
-                      <a:r>
-                        <a:rPr lang="en-US" sz="1800" dirty="0"/>
-                        <a:t>354</a:t>
-                      </a:r>
-                    </a:p>
-                  </a:txBody>
-                  <a:tcPr marL="68580" marR="68580" marT="34290" marB="34290"/>
-                </a:tc>
-                <a:tc>
-                  <a:txBody>
-                    <a:bodyPr/>
-                    <a:lstStyle/>
-                    <a:p>
-                      <a:pPr algn="ctr"/>
-                      <a:r>
-                        <a:rPr lang="en-US" sz="1800" dirty="0"/>
-                        <a:t>A</a:t>
-                      </a:r>
-                    </a:p>
-                  </a:txBody>
-                  <a:tcPr marL="68580" marR="68580" marT="34290" marB="34290"/>
-                </a:tc>
-                <a:extLst>
-                  <a:ext uri="{0D108BD9-81ED-4DB2-BD59-A6C34878D82A}">
-                    <a16:rowId xmlns:a16="http://schemas.microsoft.com/office/drawing/2014/main" val="1024111891"/>
-                  </a:ext>
-                </a:extLst>
-              </a:tr>
-            </a:tbl>
-          </a:graphicData>
-        </a:graphic>
-      </p:graphicFrame>
-    </p:spTree>
-    <p:extLst>
-      <p:ext uri="{BB962C8B-B14F-4D97-AF65-F5344CB8AC3E}">
-        <p14:creationId xmlns:p14="http://schemas.microsoft.com/office/powerpoint/2010/main" val="586499842"/>
-      </p:ext>
-    </p:extLst>
-  </p:cSld>
-  <p:clrMapOvr>
-    <a:masterClrMapping/>
-  </p:clrMapOvr>
-  <p:timing>
-    <p:tnLst>
-      <p:par>
-        <p:cTn id="1" dur="indefinite" restart="never" nodeType="tmRoot">
-          <p:childTnLst>
-            <p:seq concurrent="1" nextAc="seek">
-              <p:cTn id="2" dur="indefinite" nodeType="mainSeq">
-                <p:childTnLst>
-                  <p:par>
-                    <p:cTn id="3" fill="hold">
-                      <p:stCondLst>
-                        <p:cond delay="indefinite"/>
-                      </p:stCondLst>
-                      <p:childTnLst>
-                        <p:par>
-                          <p:cTn id="4" fill="hold">
-                            <p:stCondLst>
-                              <p:cond delay="0"/>
-                            </p:stCondLst>
-                            <p:childTnLst>
-                              <p:par>
-                                <p:cTn id="5" presetID="1" presetClass="exit" presetSubtype="0" fill="hold" nodeType="clickEffect">
-                                  <p:stCondLst>
-                                    <p:cond delay="0"/>
-                                  </p:stCondLst>
-                                  <p:childTnLst>
-                                    <p:set>
-                                      <p:cBhvr>
-                                        <p:cTn id="6" dur="1" fill="hold">
-                                          <p:stCondLst>
-                                            <p:cond delay="0"/>
-                                          </p:stCondLst>
-                                        </p:cTn>
-                                        <p:tgtEl>
-                                          <p:spTgt spid="17"/>
-                                        </p:tgtEl>
-                                        <p:attrNameLst>
-                                          <p:attrName>style.visibility</p:attrName>
-                                        </p:attrNameLst>
-                                      </p:cBhvr>
-                                      <p:to>
-                                        <p:strVal val="hidden"/>
-                                      </p:to>
-                                    </p:set>
-                                  </p:childTnLst>
-                                </p:cTn>
-                              </p:par>
-                            </p:childTnLst>
-                          </p:cTn>
-                        </p:par>
-                      </p:childTnLst>
-                    </p:cTn>
-                  </p:par>
-                  <p:par>
-                    <p:cTn id="7" fill="hold">
-                      <p:stCondLst>
-                        <p:cond delay="indefinite"/>
-                      </p:stCondLst>
-                      <p:childTnLst>
-                        <p:par>
-                          <p:cTn id="8" fill="hold">
-                            <p:stCondLst>
-                              <p:cond delay="0"/>
-                            </p:stCondLst>
-                            <p:childTnLst>
-                              <p:par>
-                                <p:cTn id="9" presetID="1" presetClass="exit" presetSubtype="0" fill="hold" nodeType="clickEffect">
-                                  <p:stCondLst>
-                                    <p:cond delay="0"/>
-                                  </p:stCondLst>
-                                  <p:childTnLst>
-                                    <p:set>
-                                      <p:cBhvr>
-                                        <p:cTn id="10" dur="1" fill="hold">
-                                          <p:stCondLst>
-                                            <p:cond delay="0"/>
-                                          </p:stCondLst>
-                                        </p:cTn>
-                                        <p:tgtEl>
-                                          <p:spTgt spid="4"/>
-                                        </p:tgtEl>
-                                        <p:attrNameLst>
-                                          <p:attrName>style.visibility</p:attrName>
-                                        </p:attrNameLst>
-                                      </p:cBhvr>
-                                      <p:to>
-                                        <p:strVal val="hidden"/>
-                                      </p:to>
-                                    </p:set>
-                                  </p:childTnLst>
-                                </p:cTn>
-                              </p:par>
-                            </p:childTnLst>
-                          </p:cTn>
-                        </p:par>
-                      </p:childTnLst>
-                    </p:cTn>
-                  </p:par>
-                </p:childTnLst>
-              </p:cTn>
-              <p:prevCondLst>
-                <p:cond evt="onPrev" delay="0">
-                  <p:tgtEl>
-                    <p:sldTgt/>
-                  </p:tgtEl>
-                </p:cond>
-              </p:prevCondLst>
-              <p:nextCondLst>
-                <p:cond evt="onNext" delay="0">
-                  <p:tgtEl>
-                    <p:sldTgt/>
-                  </p:tgtEl>
-                </p:cond>
-              </p:nextCondLst>
-            </p:seq>
-          </p:childTnLst>
-        </p:cTn>
-      </p:par>
-    </p:tnLst>
-  </p:timing>
-</p:sld>
-</file>
-
-<file path=ppt/slides/slide29.xml><?xml version="1.0" encoding="utf-8"?>
-<p:sld xmlns:a="http://schemas.openxmlformats.org/drawingml/2006/main" xmlns:r="http://schemas.openxmlformats.org/officeDocument/2006/relationships" xmlns:p="http://schemas.openxmlformats.org/presentationml/2006/main">
-  <p:cSld>
-    <p:spTree>
-      <p:nvGrpSpPr>
-        <p:cNvPr id="1" name=""/>
-        <p:cNvGrpSpPr/>
-        <p:nvPr/>
-      </p:nvGrpSpPr>
-      <p:grpSpPr>
-        <a:xfrm>
-          <a:off x="0" y="0"/>
-          <a:ext cx="0" cy="0"/>
-          <a:chOff x="0" y="0"/>
-          <a:chExt cx="0" cy="0"/>
-        </a:xfrm>
-      </p:grpSpPr>
-      <p:sp>
-        <p:nvSpPr>
-          <p:cNvPr id="2" name="Title 1"/>
-          <p:cNvSpPr>
-            <a:spLocks noGrp="1"/>
-          </p:cNvSpPr>
-          <p:nvPr>
-            <p:ph type="title"/>
-          </p:nvPr>
-        </p:nvSpPr>
-        <p:spPr/>
-        <p:txBody>
-          <a:bodyPr/>
-          <a:lstStyle/>
-          <a:p>
-            <a:r>
-              <a:rPr lang="en-US" dirty="0"/>
-              <a:t>ON DELETE CASCADE</a:t>
-            </a:r>
-          </a:p>
-        </p:txBody>
-      </p:sp>
-      <p:sp>
-        <p:nvSpPr>
-          <p:cNvPr id="10" name="Rectangle 3"/>
-          <p:cNvSpPr>
-            <a:spLocks noChangeArrowheads="1"/>
-          </p:cNvSpPr>
-          <p:nvPr/>
-        </p:nvSpPr>
-        <p:spPr bwMode="auto">
-          <a:xfrm>
-            <a:off x="247739" y="4113634"/>
-            <a:ext cx="8648521" cy="2554545"/>
-          </a:xfrm>
-          <a:prstGeom prst="rect">
-            <a:avLst/>
-          </a:prstGeom>
-          <a:solidFill>
-            <a:schemeClr val="bg1"/>
-          </a:solidFill>
-          <a:ln w="9525">
-            <a:solidFill>
-              <a:schemeClr val="tx1"/>
-            </a:solidFill>
-            <a:miter lim="800000"/>
-            <a:headEnd/>
-            <a:tailEnd/>
-          </a:ln>
-          <a:effectLst>
-            <a:outerShdw blurRad="50800" dist="12700" dir="2700000" algn="tl" rotWithShape="0">
-              <a:prstClr val="black">
-                <a:alpha val="40000"/>
-              </a:prstClr>
-            </a:outerShdw>
-          </a:effectLst>
-        </p:spPr>
-        <p:txBody>
-          <a:bodyPr wrap="none">
-            <a:spAutoFit/>
-          </a:bodyPr>
-          <a:lstStyle/>
-          <a:p>
-            <a:pPr eaLnBrk="0" hangingPunct="0"/>
-            <a:r>
-              <a:rPr lang="en-US" sz="2000" dirty="0">
-                <a:solidFill>
-                  <a:schemeClr val="accent2"/>
-                </a:solidFill>
-                <a:latin typeface="Menlo" charset="0"/>
-                <a:ea typeface="Menlo" charset="0"/>
-                <a:cs typeface="Menlo" charset="0"/>
-              </a:rPr>
-              <a:t>CREATE TABLE </a:t>
-            </a:r>
-            <a:r>
-              <a:rPr lang="en-US" sz="2000" dirty="0">
-                <a:latin typeface="Menlo" charset="0"/>
-                <a:ea typeface="Menlo" charset="0"/>
-                <a:cs typeface="Menlo" charset="0"/>
-              </a:rPr>
-              <a:t>Enrolled(</a:t>
-            </a:r>
-          </a:p>
-          <a:p>
-            <a:pPr eaLnBrk="0" hangingPunct="0"/>
-            <a:r>
-              <a:rPr lang="en-US" sz="2000" dirty="0">
-                <a:latin typeface="Menlo" charset="0"/>
-                <a:ea typeface="Menlo" charset="0"/>
-                <a:cs typeface="Menlo" charset="0"/>
-              </a:rPr>
-              <a:t>	</a:t>
-            </a:r>
-            <a:r>
-              <a:rPr lang="en-US" sz="2000" dirty="0" err="1">
-                <a:latin typeface="Menlo" charset="0"/>
-                <a:ea typeface="Menlo" charset="0"/>
-                <a:cs typeface="Menlo" charset="0"/>
-              </a:rPr>
-              <a:t>student_id</a:t>
-            </a:r>
-            <a:r>
-              <a:rPr lang="en-US" sz="2000" dirty="0">
-                <a:solidFill>
-                  <a:schemeClr val="accent2"/>
-                </a:solidFill>
-                <a:latin typeface="Menlo" charset="0"/>
-                <a:ea typeface="Menlo" charset="0"/>
-                <a:cs typeface="Menlo" charset="0"/>
-              </a:rPr>
-              <a:t> CHAR(20)</a:t>
-            </a:r>
-            <a:r>
-              <a:rPr lang="en-US" sz="2000" dirty="0">
-                <a:latin typeface="Menlo" charset="0"/>
-                <a:ea typeface="Menlo" charset="0"/>
-                <a:cs typeface="Menlo" charset="0"/>
-              </a:rPr>
-              <a:t>,</a:t>
-            </a:r>
-          </a:p>
-          <a:p>
-            <a:pPr eaLnBrk="0" hangingPunct="0"/>
-            <a:r>
-              <a:rPr lang="en-US" sz="2000" dirty="0">
-                <a:solidFill>
-                  <a:schemeClr val="accent2"/>
-                </a:solidFill>
-                <a:latin typeface="Menlo" charset="0"/>
-                <a:ea typeface="Menlo" charset="0"/>
-                <a:cs typeface="Menlo" charset="0"/>
-              </a:rPr>
-              <a:t>	</a:t>
-            </a:r>
-            <a:r>
-              <a:rPr lang="en-US" sz="2000" dirty="0" err="1">
-                <a:latin typeface="Menlo" charset="0"/>
-                <a:ea typeface="Menlo" charset="0"/>
-                <a:cs typeface="Menlo" charset="0"/>
-              </a:rPr>
-              <a:t>cid</a:t>
-            </a:r>
-            <a:r>
-              <a:rPr lang="en-US" sz="2000" dirty="0">
-                <a:solidFill>
-                  <a:schemeClr val="accent2"/>
-                </a:solidFill>
-                <a:latin typeface="Menlo" charset="0"/>
-                <a:ea typeface="Menlo" charset="0"/>
-                <a:cs typeface="Menlo" charset="0"/>
-              </a:rPr>
-              <a:t>		 CHAR(20)</a:t>
-            </a:r>
-            <a:r>
-              <a:rPr lang="en-US" sz="2000" dirty="0">
-                <a:latin typeface="Menlo" charset="0"/>
-                <a:ea typeface="Menlo" charset="0"/>
-                <a:cs typeface="Menlo" charset="0"/>
-              </a:rPr>
-              <a:t>,</a:t>
-            </a:r>
-          </a:p>
-          <a:p>
-            <a:pPr eaLnBrk="0" hangingPunct="0"/>
-            <a:r>
-              <a:rPr lang="en-US" sz="2000" dirty="0">
-                <a:solidFill>
-                  <a:schemeClr val="accent2"/>
-                </a:solidFill>
-                <a:latin typeface="Menlo" charset="0"/>
-                <a:ea typeface="Menlo" charset="0"/>
-                <a:cs typeface="Menlo" charset="0"/>
-              </a:rPr>
-              <a:t>	</a:t>
-            </a:r>
-            <a:r>
-              <a:rPr lang="en-US" sz="2000" dirty="0">
-                <a:latin typeface="Menlo" charset="0"/>
-                <a:ea typeface="Menlo" charset="0"/>
-                <a:cs typeface="Menlo" charset="0"/>
-              </a:rPr>
-              <a:t>grade</a:t>
-            </a:r>
-            <a:r>
-              <a:rPr lang="en-US" sz="2000" dirty="0">
-                <a:solidFill>
-                  <a:schemeClr val="accent2"/>
-                </a:solidFill>
-                <a:latin typeface="Menlo" charset="0"/>
-                <a:ea typeface="Menlo" charset="0"/>
-                <a:cs typeface="Menlo" charset="0"/>
-              </a:rPr>
-              <a:t>	 CHAR(10)</a:t>
-            </a:r>
-            <a:r>
-              <a:rPr lang="en-US" sz="2000" dirty="0">
-                <a:latin typeface="Menlo" charset="0"/>
-                <a:ea typeface="Menlo" charset="0"/>
-                <a:cs typeface="Menlo" charset="0"/>
-              </a:rPr>
-              <a:t>,</a:t>
-            </a:r>
-          </a:p>
-          <a:p>
-            <a:pPr eaLnBrk="0" hangingPunct="0"/>
-            <a:r>
-              <a:rPr lang="en-US" sz="2000" dirty="0">
-                <a:solidFill>
-                  <a:schemeClr val="accent2"/>
-                </a:solidFill>
-                <a:latin typeface="Menlo" charset="0"/>
-                <a:ea typeface="Menlo" charset="0"/>
-                <a:cs typeface="Menlo" charset="0"/>
-              </a:rPr>
-              <a:t>	PRIMARY KEY </a:t>
-            </a:r>
-            <a:r>
-              <a:rPr lang="en-US" sz="2000" dirty="0">
-                <a:latin typeface="Menlo" charset="0"/>
-                <a:ea typeface="Menlo" charset="0"/>
-                <a:cs typeface="Menlo" charset="0"/>
-              </a:rPr>
-              <a:t>(</a:t>
-            </a:r>
-            <a:r>
-              <a:rPr lang="en-US" sz="2000" dirty="0" err="1">
-                <a:latin typeface="Menlo" charset="0"/>
-                <a:ea typeface="Menlo" charset="0"/>
-                <a:cs typeface="Menlo" charset="0"/>
-              </a:rPr>
-              <a:t>student_id</a:t>
-            </a:r>
-            <a:r>
-              <a:rPr lang="en-US" sz="2000" dirty="0">
-                <a:latin typeface="Menlo" charset="0"/>
-                <a:ea typeface="Menlo" charset="0"/>
-                <a:cs typeface="Menlo" charset="0"/>
-              </a:rPr>
-              <a:t>, </a:t>
-            </a:r>
-            <a:r>
-              <a:rPr lang="en-US" sz="2000" dirty="0" err="1">
-                <a:latin typeface="Menlo" charset="0"/>
-                <a:ea typeface="Menlo" charset="0"/>
-                <a:cs typeface="Menlo" charset="0"/>
-              </a:rPr>
-              <a:t>cid</a:t>
-            </a:r>
-            <a:r>
-              <a:rPr lang="en-US" sz="2000" dirty="0">
-                <a:latin typeface="Menlo" charset="0"/>
-                <a:ea typeface="Menlo" charset="0"/>
-                <a:cs typeface="Menlo" charset="0"/>
-              </a:rPr>
-              <a:t>),</a:t>
-            </a:r>
-          </a:p>
-          <a:p>
-            <a:pPr eaLnBrk="0" hangingPunct="0"/>
-            <a:r>
-              <a:rPr lang="en-US" sz="2000" dirty="0">
-                <a:solidFill>
-                  <a:schemeClr val="accent2"/>
-                </a:solidFill>
-                <a:latin typeface="Menlo" charset="0"/>
-                <a:ea typeface="Menlo" charset="0"/>
-                <a:cs typeface="Menlo" charset="0"/>
-              </a:rPr>
-              <a:t>	</a:t>
-            </a:r>
-            <a:r>
-              <a:rPr lang="en-US" sz="2000" dirty="0">
-                <a:solidFill>
-                  <a:srgbClr val="FF0000"/>
-                </a:solidFill>
-                <a:latin typeface="Menlo" charset="0"/>
-                <a:ea typeface="Menlo" charset="0"/>
-                <a:cs typeface="Menlo" charset="0"/>
-              </a:rPr>
-              <a:t>FOREIGN KEY</a:t>
-            </a:r>
-            <a:r>
-              <a:rPr lang="en-US" sz="2000" dirty="0">
-                <a:solidFill>
-                  <a:schemeClr val="accent2"/>
-                </a:solidFill>
-                <a:latin typeface="Menlo" charset="0"/>
-                <a:ea typeface="Menlo" charset="0"/>
-                <a:cs typeface="Menlo" charset="0"/>
-              </a:rPr>
-              <a:t> </a:t>
-            </a:r>
-            <a:r>
-              <a:rPr lang="en-US" sz="2000" dirty="0">
-                <a:latin typeface="Menlo" charset="0"/>
-                <a:ea typeface="Menlo" charset="0"/>
-                <a:cs typeface="Menlo" charset="0"/>
-              </a:rPr>
-              <a:t>(</a:t>
-            </a:r>
-            <a:r>
-              <a:rPr lang="en-US" sz="2000" dirty="0" err="1">
-                <a:latin typeface="Menlo" charset="0"/>
-                <a:ea typeface="Menlo" charset="0"/>
-                <a:cs typeface="Menlo" charset="0"/>
-              </a:rPr>
-              <a:t>student_id</a:t>
-            </a:r>
-            <a:r>
-              <a:rPr lang="en-US" sz="2000" dirty="0">
-                <a:latin typeface="Menlo" charset="0"/>
-                <a:ea typeface="Menlo" charset="0"/>
-                <a:cs typeface="Menlo" charset="0"/>
-              </a:rPr>
-              <a:t>) </a:t>
-            </a:r>
-            <a:r>
-              <a:rPr lang="en-US" sz="2000" dirty="0">
-                <a:solidFill>
-                  <a:srgbClr val="FF0000"/>
-                </a:solidFill>
-                <a:latin typeface="Menlo" charset="0"/>
-                <a:ea typeface="Menlo" charset="0"/>
-                <a:cs typeface="Menlo" charset="0"/>
-              </a:rPr>
-              <a:t>REFERENCES</a:t>
-            </a:r>
-            <a:r>
-              <a:rPr lang="en-US" sz="2000" dirty="0">
-                <a:solidFill>
-                  <a:schemeClr val="accent2"/>
-                </a:solidFill>
-                <a:latin typeface="Menlo" charset="0"/>
-                <a:ea typeface="Menlo" charset="0"/>
-                <a:cs typeface="Menlo" charset="0"/>
-              </a:rPr>
-              <a:t> </a:t>
-            </a:r>
-            <a:r>
-              <a:rPr lang="en-US" sz="2000" dirty="0">
-                <a:latin typeface="Menlo" charset="0"/>
-                <a:ea typeface="Menlo" charset="0"/>
-                <a:cs typeface="Menlo" charset="0"/>
-              </a:rPr>
-              <a:t>Students(</a:t>
-            </a:r>
-            <a:r>
-              <a:rPr lang="en-US" sz="2000" dirty="0" err="1">
-                <a:latin typeface="Menlo" charset="0"/>
-                <a:ea typeface="Menlo" charset="0"/>
-                <a:cs typeface="Menlo" charset="0"/>
-              </a:rPr>
-              <a:t>sid</a:t>
-            </a:r>
-            <a:r>
-              <a:rPr lang="en-US" sz="2000" dirty="0">
-                <a:latin typeface="Menlo" charset="0"/>
-                <a:ea typeface="Menlo" charset="0"/>
-                <a:cs typeface="Menlo" charset="0"/>
-              </a:rPr>
-              <a:t>)</a:t>
-            </a:r>
-          </a:p>
-          <a:p>
-            <a:pPr eaLnBrk="0" hangingPunct="0"/>
-            <a:r>
-              <a:rPr lang="en-US" sz="2000" dirty="0">
-                <a:latin typeface="Menlo" charset="0"/>
-                <a:ea typeface="Menlo" charset="0"/>
-                <a:cs typeface="Menlo" charset="0"/>
-              </a:rPr>
-              <a:t>	</a:t>
-            </a:r>
-            <a:r>
-              <a:rPr lang="en-US" sz="2000" b="1" dirty="0">
-                <a:solidFill>
-                  <a:srgbClr val="FF0000"/>
-                </a:solidFill>
-                <a:latin typeface="Menlo" charset="0"/>
-                <a:ea typeface="Menlo" charset="0"/>
-                <a:cs typeface="Menlo" charset="0"/>
-              </a:rPr>
-              <a:t>ON DELETE CASCADE</a:t>
-            </a:r>
-          </a:p>
-          <a:p>
-            <a:pPr eaLnBrk="0" hangingPunct="0"/>
-            <a:r>
-              <a:rPr lang="en-US" sz="2000" dirty="0">
-                <a:latin typeface="Menlo" charset="0"/>
-                <a:ea typeface="Menlo" charset="0"/>
-                <a:cs typeface="Menlo" charset="0"/>
-              </a:rPr>
-              <a:t>)</a:t>
-            </a:r>
-          </a:p>
-        </p:txBody>
-      </p:sp>
-      <p:graphicFrame>
-        <p:nvGraphicFramePr>
-          <p:cNvPr id="11" name="Table 10"/>
-          <p:cNvGraphicFramePr>
-            <a:graphicFrameLocks noGrp="1"/>
-          </p:cNvGraphicFramePr>
-          <p:nvPr>
-            <p:extLst/>
-          </p:nvPr>
-        </p:nvGraphicFramePr>
-        <p:xfrm>
-          <a:off x="2623002" y="1946940"/>
-          <a:ext cx="3089731" cy="1371600"/>
-        </p:xfrm>
-        <a:graphic>
-          <a:graphicData uri="http://schemas.openxmlformats.org/drawingml/2006/table">
-            <a:tbl>
-              <a:tblPr firstRow="1" bandRow="1">
-                <a:tableStyleId>{7E9639D4-E3E2-4D34-9284-5A2195B3D0D7}</a:tableStyleId>
-              </a:tblPr>
-              <a:tblGrid>
-                <a:gridCol w="1477109">
-                  <a:extLst>
-                    <a:ext uri="{9D8B030D-6E8A-4147-A177-3AD203B41FA5}">
-                      <a16:colId xmlns:a16="http://schemas.microsoft.com/office/drawing/2014/main" val="20000"/>
-                    </a:ext>
-                  </a:extLst>
-                </a:gridCol>
-                <a:gridCol w="598948">
-                  <a:extLst>
-                    <a:ext uri="{9D8B030D-6E8A-4147-A177-3AD203B41FA5}">
-                      <a16:colId xmlns:a16="http://schemas.microsoft.com/office/drawing/2014/main" val="20001"/>
-                    </a:ext>
-                  </a:extLst>
-                </a:gridCol>
-                <a:gridCol w="1013674">
-                  <a:extLst>
-                    <a:ext uri="{9D8B030D-6E8A-4147-A177-3AD203B41FA5}">
-                      <a16:colId xmlns:a16="http://schemas.microsoft.com/office/drawing/2014/main" val="20002"/>
-                    </a:ext>
-                  </a:extLst>
-                </a:gridCol>
-              </a:tblGrid>
-              <a:tr h="285005">
-                <a:tc>
-                  <a:txBody>
-                    <a:bodyPr/>
-                    <a:lstStyle/>
-                    <a:p>
-                      <a:pPr algn="ctr"/>
-                      <a:r>
-                        <a:rPr lang="en-US" sz="1800" dirty="0" err="1">
-                          <a:solidFill>
-                            <a:srgbClr val="FFC000"/>
-                          </a:solidFill>
-                        </a:rPr>
-                        <a:t>student_id</a:t>
-                      </a:r>
-                      <a:endParaRPr lang="en-US" sz="1800" b="1" dirty="0">
-                        <a:solidFill>
-                          <a:srgbClr val="FFC000"/>
-                        </a:solidFill>
-                      </a:endParaRPr>
-                    </a:p>
-                  </a:txBody>
-                  <a:tcPr marL="68580" marR="68580" marT="34290" marB="34290"/>
-                </a:tc>
-                <a:tc>
-                  <a:txBody>
-                    <a:bodyPr/>
-                    <a:lstStyle/>
-                    <a:p>
-                      <a:pPr algn="ctr"/>
-                      <a:r>
-                        <a:rPr lang="en-US" sz="1800" dirty="0"/>
-                        <a:t>cid</a:t>
-                      </a:r>
-                      <a:endParaRPr lang="en-US" sz="1800" b="1" dirty="0"/>
-                    </a:p>
-                  </a:txBody>
-                  <a:tcPr marL="68580" marR="68580" marT="34290" marB="34290"/>
-                </a:tc>
-                <a:tc>
-                  <a:txBody>
-                    <a:bodyPr/>
-                    <a:lstStyle/>
-                    <a:p>
-                      <a:pPr algn="ctr"/>
-                      <a:r>
-                        <a:rPr lang="en-US" sz="1800" dirty="0"/>
-                        <a:t>grade</a:t>
-                      </a:r>
-                      <a:endParaRPr lang="en-US" sz="1800" b="1" dirty="0"/>
-                    </a:p>
-                  </a:txBody>
-                  <a:tcPr marL="68580" marR="68580" marT="34290" marB="34290"/>
-                </a:tc>
-                <a:extLst>
-                  <a:ext uri="{0D108BD9-81ED-4DB2-BD59-A6C34878D82A}">
-                    <a16:rowId xmlns:a16="http://schemas.microsoft.com/office/drawing/2014/main" val="10000"/>
-                  </a:ext>
-                </a:extLst>
-              </a:tr>
-              <a:tr h="274320">
-                <a:tc>
-                  <a:txBody>
-                    <a:bodyPr/>
-                    <a:lstStyle/>
-                    <a:p>
-                      <a:r>
-                        <a:rPr lang="en-US" sz="1800" dirty="0"/>
-                        <a:t>123</a:t>
-                      </a:r>
-                    </a:p>
-                  </a:txBody>
-                  <a:tcPr marL="68580" marR="68580" marT="34290" marB="34290"/>
-                </a:tc>
-                <a:tc>
-                  <a:txBody>
-                    <a:bodyPr/>
-                    <a:lstStyle/>
-                    <a:p>
-                      <a:r>
-                        <a:rPr lang="en-US" sz="1800" dirty="0"/>
-                        <a:t>354</a:t>
-                      </a:r>
-                    </a:p>
-                  </a:txBody>
-                  <a:tcPr marL="68580" marR="68580" marT="34290" marB="34290"/>
-                </a:tc>
-                <a:tc>
-                  <a:txBody>
-                    <a:bodyPr/>
-                    <a:lstStyle/>
-                    <a:p>
-                      <a:pPr algn="ctr"/>
-                      <a:r>
-                        <a:rPr lang="en-US" sz="1800" dirty="0"/>
-                        <a:t>A</a:t>
-                      </a:r>
-                    </a:p>
-                  </a:txBody>
-                  <a:tcPr marL="68580" marR="68580" marT="34290" marB="34290"/>
-                </a:tc>
-                <a:extLst>
-                  <a:ext uri="{0D108BD9-81ED-4DB2-BD59-A6C34878D82A}">
-                    <a16:rowId xmlns:a16="http://schemas.microsoft.com/office/drawing/2014/main" val="10001"/>
-                  </a:ext>
-                </a:extLst>
-              </a:tr>
-              <a:tr h="274320">
-                <a:tc>
-                  <a:txBody>
-                    <a:bodyPr/>
-                    <a:lstStyle/>
-                    <a:p>
-                      <a:r>
-                        <a:rPr lang="en-US" sz="1800" dirty="0"/>
-                        <a:t>123</a:t>
-                      </a:r>
-                    </a:p>
-                  </a:txBody>
-                  <a:tcPr marL="68580" marR="68580" marT="34290" marB="34290"/>
-                </a:tc>
-                <a:tc>
-                  <a:txBody>
-                    <a:bodyPr/>
-                    <a:lstStyle/>
-                    <a:p>
-                      <a:r>
-                        <a:rPr lang="en-US" sz="1800" dirty="0"/>
-                        <a:t>454</a:t>
-                      </a:r>
-                    </a:p>
-                  </a:txBody>
-                  <a:tcPr marL="68580" marR="68580" marT="34290" marB="34290"/>
-                </a:tc>
-                <a:tc>
-                  <a:txBody>
-                    <a:bodyPr/>
-                    <a:lstStyle/>
-                    <a:p>
-                      <a:pPr algn="ctr"/>
-                      <a:r>
-                        <a:rPr lang="en-US" sz="1800" dirty="0"/>
-                        <a:t>A+</a:t>
-                      </a:r>
-                    </a:p>
-                  </a:txBody>
-                  <a:tcPr marL="68580" marR="68580" marT="34290" marB="34290"/>
-                </a:tc>
-                <a:extLst>
-                  <a:ext uri="{0D108BD9-81ED-4DB2-BD59-A6C34878D82A}">
-                    <a16:rowId xmlns:a16="http://schemas.microsoft.com/office/drawing/2014/main" val="10002"/>
-                  </a:ext>
-                </a:extLst>
-              </a:tr>
-              <a:tr h="274320">
-                <a:tc>
-                  <a:txBody>
-                    <a:bodyPr/>
-                    <a:lstStyle/>
-                    <a:p>
-                      <a:r>
-                        <a:rPr lang="en-US" sz="1800" dirty="0"/>
-                        <a:t>156</a:t>
-                      </a:r>
-                    </a:p>
-                  </a:txBody>
-                  <a:tcPr marL="68580" marR="68580" marT="34290" marB="34290"/>
-                </a:tc>
-                <a:tc>
-                  <a:txBody>
-                    <a:bodyPr/>
-                    <a:lstStyle/>
-                    <a:p>
-                      <a:r>
-                        <a:rPr lang="en-US" sz="1800" dirty="0"/>
-                        <a:t>354</a:t>
-                      </a:r>
-                    </a:p>
-                  </a:txBody>
-                  <a:tcPr marL="68580" marR="68580" marT="34290" marB="34290"/>
-                </a:tc>
-                <a:tc>
-                  <a:txBody>
-                    <a:bodyPr/>
-                    <a:lstStyle/>
-                    <a:p>
-                      <a:pPr algn="ctr"/>
-                      <a:r>
-                        <a:rPr lang="en-US" sz="1800" dirty="0"/>
-                        <a:t>A</a:t>
-                      </a:r>
-                    </a:p>
-                  </a:txBody>
-                  <a:tcPr marL="68580" marR="68580" marT="34290" marB="34290"/>
-                </a:tc>
-                <a:extLst>
-                  <a:ext uri="{0D108BD9-81ED-4DB2-BD59-A6C34878D82A}">
-                    <a16:rowId xmlns:a16="http://schemas.microsoft.com/office/drawing/2014/main" val="10003"/>
-                  </a:ext>
-                </a:extLst>
-              </a:tr>
-            </a:tbl>
-          </a:graphicData>
-        </a:graphic>
-      </p:graphicFrame>
-      <p:sp>
-        <p:nvSpPr>
-          <p:cNvPr id="3" name="Slide Number Placeholder 2"/>
-          <p:cNvSpPr>
-            <a:spLocks noGrp="1"/>
-          </p:cNvSpPr>
-          <p:nvPr>
-            <p:ph type="sldNum" sz="quarter" idx="12"/>
-          </p:nvPr>
-        </p:nvSpPr>
-        <p:spPr/>
-        <p:txBody>
-          <a:bodyPr/>
-          <a:lstStyle/>
-          <a:p>
-            <a:fld id="{24AF9547-1ADA-7741-9454-C97103F281DA}" type="slidenum">
-              <a:rPr lang="en-US" smtClean="0"/>
-              <a:t>29</a:t>
-            </a:fld>
-            <a:endParaRPr lang="en-US"/>
-          </a:p>
-        </p:txBody>
-      </p:sp>
-    </p:spTree>
-    <p:extLst>
-      <p:ext uri="{BB962C8B-B14F-4D97-AF65-F5344CB8AC3E}">
-        <p14:creationId xmlns:p14="http://schemas.microsoft.com/office/powerpoint/2010/main" val="1059681297"/>
       </p:ext>
     </p:extLst>
   </p:cSld>
@@ -22153,7 +21542,7 @@
           <p:cNvPr id="9" name="Picture 8">
             <a:extLst>
               <a:ext uri="{FF2B5EF4-FFF2-40B4-BE49-F238E27FC236}">
-                <a16:creationId xmlns:a16="http://schemas.microsoft.com/office/drawing/2014/main" id="{1249C6FF-3C57-734F-BAC5-58D36EC6F348}"/>
+                <a16:creationId xmlns:a16="http://schemas.microsoft.com/office/drawing/2014/main" xmlns="" id="{1249C6FF-3C57-734F-BAC5-58D36EC6F348}"/>
               </a:ext>
             </a:extLst>
           </p:cNvPr>
@@ -22657,48 +22046,12 @@
           <a:p>
             <a:pPr lvl="1" indent="-342900"/>
             <a:r>
-              <a:rPr lang="en-US" altLang="zh-CN" i="1" dirty="0"/>
-              <a:t>Set</a:t>
-            </a:r>
-            <a:r>
-              <a:rPr lang="zh-CN" altLang="en-US" i="1" dirty="0"/>
-              <a:t> </a:t>
-            </a:r>
-            <a:r>
-              <a:rPr lang="en-US" altLang="zh-CN" i="1" dirty="0"/>
-              <a:t>Foreign</a:t>
-            </a:r>
-            <a:r>
-              <a:rPr lang="zh-CN" altLang="en-US" i="1" dirty="0"/>
-              <a:t> </a:t>
-            </a:r>
-            <a:r>
-              <a:rPr lang="en-US" altLang="zh-CN" i="1" dirty="0"/>
-              <a:t>Key</a:t>
-            </a:r>
-            <a:r>
-              <a:rPr lang="zh-CN" altLang="en-US" i="1" dirty="0"/>
-              <a:t> </a:t>
-            </a:r>
-            <a:r>
-              <a:rPr lang="en-US" altLang="zh-CN" i="1" dirty="0"/>
-              <a:t>to</a:t>
-            </a:r>
-            <a:r>
-              <a:rPr lang="zh-CN" altLang="en-US" i="1" dirty="0"/>
-              <a:t> </a:t>
-            </a:r>
-            <a:r>
-              <a:rPr lang="en-US" altLang="zh-CN" i="1" dirty="0"/>
-              <a:t>NULL</a:t>
-            </a:r>
-            <a:r>
-              <a:rPr lang="zh-CN" altLang="en-US" i="1" dirty="0"/>
-              <a:t> </a:t>
+              <a:rPr lang="en-US" dirty="0"/>
+              <a:t>Remove all of the courses for that student </a:t>
             </a:r>
             <a:r>
               <a:rPr lang="en-US" i="1" dirty="0"/>
-              <a:t>(ON DELETE SET NULL) </a:t>
+              <a:t>(ON DELETE CASCADE) </a:t>
             </a:r>
           </a:p>
           <a:p>
@@ -22743,7 +22096,7 @@
           <p:cNvPr id="9" name="Table 8">
             <a:extLst>
               <a:ext uri="{FF2B5EF4-FFF2-40B4-BE49-F238E27FC236}">
-                <a16:creationId xmlns:a16="http://schemas.microsoft.com/office/drawing/2014/main" id="{192D9F72-9AFB-2643-B890-6AAD9D8AF5CB}"/>
+                <a16:creationId xmlns:a16="http://schemas.microsoft.com/office/drawing/2014/main" xmlns="" id="{192D9F72-9AFB-2643-B890-6AAD9D8AF5CB}"/>
               </a:ext>
             </a:extLst>
           </p:cNvPr>
@@ -22768,21 +22121,21 @@
                 <a:gridCol w="702830">
                   <a:extLst>
                     <a:ext uri="{9D8B030D-6E8A-4147-A177-3AD203B41FA5}">
-                      <a16:colId xmlns:a16="http://schemas.microsoft.com/office/drawing/2014/main" val="20000"/>
+                      <a16:colId xmlns:a16="http://schemas.microsoft.com/office/drawing/2014/main" xmlns="" val="20000"/>
                     </a:ext>
                   </a:extLst>
                 </a:gridCol>
                 <a:gridCol w="913679">
                   <a:extLst>
                     <a:ext uri="{9D8B030D-6E8A-4147-A177-3AD203B41FA5}">
-                      <a16:colId xmlns:a16="http://schemas.microsoft.com/office/drawing/2014/main" val="20001"/>
+                      <a16:colId xmlns:a16="http://schemas.microsoft.com/office/drawing/2014/main" xmlns="" val="20001"/>
                     </a:ext>
                   </a:extLst>
                 </a:gridCol>
                 <a:gridCol w="702830">
                   <a:extLst>
                     <a:ext uri="{9D8B030D-6E8A-4147-A177-3AD203B41FA5}">
-                      <a16:colId xmlns:a16="http://schemas.microsoft.com/office/drawing/2014/main" val="20002"/>
+                      <a16:colId xmlns:a16="http://schemas.microsoft.com/office/drawing/2014/main" xmlns="" val="20002"/>
                     </a:ext>
                   </a:extLst>
                 </a:gridCol>
@@ -22847,7 +22200,7 @@
                 </a:tc>
                 <a:extLst>
                   <a:ext uri="{0D108BD9-81ED-4DB2-BD59-A6C34878D82A}">
-                    <a16:rowId xmlns:a16="http://schemas.microsoft.com/office/drawing/2014/main" val="10000"/>
+                    <a16:rowId xmlns:a16="http://schemas.microsoft.com/office/drawing/2014/main" xmlns="" val="10000"/>
                   </a:ext>
                 </a:extLst>
               </a:tr>
@@ -22894,7 +22247,7 @@
                 </a:tc>
                 <a:extLst>
                   <a:ext uri="{0D108BD9-81ED-4DB2-BD59-A6C34878D82A}">
-                    <a16:rowId xmlns:a16="http://schemas.microsoft.com/office/drawing/2014/main" val="10002"/>
+                    <a16:rowId xmlns:a16="http://schemas.microsoft.com/office/drawing/2014/main" xmlns="" val="10002"/>
                   </a:ext>
                 </a:extLst>
               </a:tr>
@@ -22907,7 +22260,7 @@
           <p:cNvPr id="10" name="TextBox 9">
             <a:extLst>
               <a:ext uri="{FF2B5EF4-FFF2-40B4-BE49-F238E27FC236}">
-                <a16:creationId xmlns:a16="http://schemas.microsoft.com/office/drawing/2014/main" id="{2371588E-064F-AC4F-BFE4-407A10166E83}"/>
+                <a16:creationId xmlns:a16="http://schemas.microsoft.com/office/drawing/2014/main" xmlns="" id="{2371588E-064F-AC4F-BFE4-407A10166E83}"/>
               </a:ext>
             </a:extLst>
           </p:cNvPr>
@@ -22942,7 +22295,7 @@
           <p:cNvPr id="11" name="TextBox 10">
             <a:extLst>
               <a:ext uri="{FF2B5EF4-FFF2-40B4-BE49-F238E27FC236}">
-                <a16:creationId xmlns:a16="http://schemas.microsoft.com/office/drawing/2014/main" id="{04D966A4-B0FB-4543-A23B-1BDF1B411566}"/>
+                <a16:creationId xmlns:a16="http://schemas.microsoft.com/office/drawing/2014/main" xmlns="" id="{04D966A4-B0FB-4543-A23B-1BDF1B411566}"/>
               </a:ext>
             </a:extLst>
           </p:cNvPr>
@@ -22977,7 +22330,7 @@
           <p:cNvPr id="12" name="Table 11">
             <a:extLst>
               <a:ext uri="{FF2B5EF4-FFF2-40B4-BE49-F238E27FC236}">
-                <a16:creationId xmlns:a16="http://schemas.microsoft.com/office/drawing/2014/main" id="{E36A6B4C-04FB-AE4D-98E0-1258B880FA5E}"/>
+                <a16:creationId xmlns:a16="http://schemas.microsoft.com/office/drawing/2014/main" xmlns="" id="{E36A6B4C-04FB-AE4D-98E0-1258B880FA5E}"/>
               </a:ext>
             </a:extLst>
           </p:cNvPr>
@@ -22985,12 +22338,16 @@
             <a:graphicFrameLocks noGrp="1"/>
           </p:cNvGraphicFramePr>
           <p:nvPr>
-            <p:extLst/>
+            <p:extLst>
+              <p:ext uri="{D42A27DB-BD31-4B8C-83A1-F6EECF244321}">
+                <p14:modId xmlns:p14="http://schemas.microsoft.com/office/powerpoint/2010/main" val="2105439211"/>
+              </p:ext>
+            </p:extLst>
           </p:nvPr>
         </p:nvGraphicFramePr>
         <p:xfrm>
           <a:off x="4540702" y="4567668"/>
-          <a:ext cx="3089731" cy="1371600"/>
+          <a:ext cx="3089731" cy="1028700"/>
         </p:xfrm>
         <a:graphic>
           <a:graphicData uri="http://schemas.openxmlformats.org/drawingml/2006/table">
@@ -23002,21 +22359,21 @@
                 <a:gridCol w="1477109">
                   <a:extLst>
                     <a:ext uri="{9D8B030D-6E8A-4147-A177-3AD203B41FA5}">
-                      <a16:colId xmlns:a16="http://schemas.microsoft.com/office/drawing/2014/main" val="20000"/>
+                      <a16:colId xmlns:a16="http://schemas.microsoft.com/office/drawing/2014/main" xmlns="" val="20000"/>
                     </a:ext>
                   </a:extLst>
                 </a:gridCol>
                 <a:gridCol w="598948">
                   <a:extLst>
                     <a:ext uri="{9D8B030D-6E8A-4147-A177-3AD203B41FA5}">
-                      <a16:colId xmlns:a16="http://schemas.microsoft.com/office/drawing/2014/main" val="20001"/>
+                      <a16:colId xmlns:a16="http://schemas.microsoft.com/office/drawing/2014/main" xmlns="" val="20001"/>
                     </a:ext>
                   </a:extLst>
                 </a:gridCol>
                 <a:gridCol w="1013674">
                   <a:extLst>
                     <a:ext uri="{9D8B030D-6E8A-4147-A177-3AD203B41FA5}">
-                      <a16:colId xmlns:a16="http://schemas.microsoft.com/office/drawing/2014/main" val="20002"/>
+                      <a16:colId xmlns:a16="http://schemas.microsoft.com/office/drawing/2014/main" xmlns="" val="20002"/>
                     </a:ext>
                   </a:extLst>
                 </a:gridCol>
@@ -23077,7 +22434,7 @@
                 </a:tc>
                 <a:extLst>
                   <a:ext uri="{0D108BD9-81ED-4DB2-BD59-A6C34878D82A}">
-                    <a16:rowId xmlns:a16="http://schemas.microsoft.com/office/drawing/2014/main" val="10000"/>
+                    <a16:rowId xmlns:a16="http://schemas.microsoft.com/office/drawing/2014/main" xmlns="" val="10000"/>
                   </a:ext>
                 </a:extLst>
               </a:tr>
@@ -23124,7 +22481,7 @@
                 </a:tc>
                 <a:extLst>
                   <a:ext uri="{0D108BD9-81ED-4DB2-BD59-A6C34878D82A}">
-                    <a16:rowId xmlns:a16="http://schemas.microsoft.com/office/drawing/2014/main" val="10001"/>
+                    <a16:rowId xmlns:a16="http://schemas.microsoft.com/office/drawing/2014/main" xmlns="" val="10001"/>
                   </a:ext>
                 </a:extLst>
               </a:tr>
@@ -23171,54 +22528,7 @@
                 </a:tc>
                 <a:extLst>
                   <a:ext uri="{0D108BD9-81ED-4DB2-BD59-A6C34878D82A}">
-                    <a16:rowId xmlns:a16="http://schemas.microsoft.com/office/drawing/2014/main" val="10002"/>
-                  </a:ext>
-                </a:extLst>
-              </a:tr>
-              <a:tr h="274320">
-                <a:tc>
-                  <a:txBody>
-                    <a:bodyPr/>
-                    <a:lstStyle/>
-                    <a:p>
-                      <a:r>
-                        <a:rPr lang="en-US" sz="1800" dirty="0"/>
-                        <a:t>156</a:t>
-                      </a:r>
-                    </a:p>
-                  </a:txBody>
-                  <a:tcPr marL="68580" marR="68580" marT="34290" marB="34290"/>
-                </a:tc>
-                <a:tc>
-                  <a:txBody>
-                    <a:bodyPr/>
-                    <a:lstStyle/>
-                    <a:p>
-                      <a:r>
-                        <a:rPr lang="en-US" sz="1800" dirty="0"/>
-                        <a:t>354</a:t>
-                      </a:r>
-                    </a:p>
-                  </a:txBody>
-                  <a:tcPr marL="68580" marR="68580" marT="34290" marB="34290"/>
-                </a:tc>
-                <a:tc>
-                  <a:txBody>
-                    <a:bodyPr/>
-                    <a:lstStyle/>
-                    <a:p>
-                      <a:pPr algn="ctr"/>
-                      <a:r>
-                        <a:rPr lang="en-US" sz="1800" dirty="0"/>
-                        <a:t>A</a:t>
-                      </a:r>
-                    </a:p>
-                  </a:txBody>
-                  <a:tcPr marL="68580" marR="68580" marT="34290" marB="34290"/>
-                </a:tc>
-                <a:extLst>
-                  <a:ext uri="{0D108BD9-81ED-4DB2-BD59-A6C34878D82A}">
-                    <a16:rowId xmlns:a16="http://schemas.microsoft.com/office/drawing/2014/main" val="10003"/>
+                    <a16:rowId xmlns:a16="http://schemas.microsoft.com/office/drawing/2014/main" xmlns="" val="10002"/>
                   </a:ext>
                 </a:extLst>
               </a:tr>
@@ -23231,7 +22541,7 @@
           <p:cNvPr id="17" name="Table 16">
             <a:extLst>
               <a:ext uri="{FF2B5EF4-FFF2-40B4-BE49-F238E27FC236}">
-                <a16:creationId xmlns:a16="http://schemas.microsoft.com/office/drawing/2014/main" id="{498EB6DD-B6E3-0743-B26E-C2FD32682AB6}"/>
+                <a16:creationId xmlns:a16="http://schemas.microsoft.com/office/drawing/2014/main" xmlns="" id="{498EB6DD-B6E3-0743-B26E-C2FD32682AB6}"/>
               </a:ext>
             </a:extLst>
           </p:cNvPr>
@@ -23254,21 +22564,21 @@
                 <a:gridCol w="702830">
                   <a:extLst>
                     <a:ext uri="{9D8B030D-6E8A-4147-A177-3AD203B41FA5}">
-                      <a16:colId xmlns:a16="http://schemas.microsoft.com/office/drawing/2014/main" val="21001791"/>
+                      <a16:colId xmlns:a16="http://schemas.microsoft.com/office/drawing/2014/main" xmlns="" val="21001791"/>
                     </a:ext>
                   </a:extLst>
                 </a:gridCol>
                 <a:gridCol w="913679">
                   <a:extLst>
                     <a:ext uri="{9D8B030D-6E8A-4147-A177-3AD203B41FA5}">
-                      <a16:colId xmlns:a16="http://schemas.microsoft.com/office/drawing/2014/main" val="2462359779"/>
+                      <a16:colId xmlns:a16="http://schemas.microsoft.com/office/drawing/2014/main" xmlns="" val="2462359779"/>
                     </a:ext>
                   </a:extLst>
                 </a:gridCol>
                 <a:gridCol w="702830">
                   <a:extLst>
                     <a:ext uri="{9D8B030D-6E8A-4147-A177-3AD203B41FA5}">
-                      <a16:colId xmlns:a16="http://schemas.microsoft.com/office/drawing/2014/main" val="3448858290"/>
+                      <a16:colId xmlns:a16="http://schemas.microsoft.com/office/drawing/2014/main" xmlns="" val="3448858290"/>
                     </a:ext>
                   </a:extLst>
                 </a:gridCol>
@@ -23316,7 +22626,7 @@
                 </a:tc>
                 <a:extLst>
                   <a:ext uri="{0D108BD9-81ED-4DB2-BD59-A6C34878D82A}">
-                    <a16:rowId xmlns:a16="http://schemas.microsoft.com/office/drawing/2014/main" val="1367010675"/>
+                    <a16:rowId xmlns:a16="http://schemas.microsoft.com/office/drawing/2014/main" xmlns="" val="1367010675"/>
                   </a:ext>
                 </a:extLst>
               </a:tr>
@@ -23326,10 +22636,10 @@
       </p:graphicFrame>
       <p:graphicFrame>
         <p:nvGraphicFramePr>
-          <p:cNvPr id="5" name="Table 4">
+          <p:cNvPr id="4" name="Table 3">
             <a:extLst>
               <a:ext uri="{FF2B5EF4-FFF2-40B4-BE49-F238E27FC236}">
-                <a16:creationId xmlns:a16="http://schemas.microsoft.com/office/drawing/2014/main" id="{26CCAB88-6B87-3D4E-8B00-CBA5D5075EDA}"/>
+                <a16:creationId xmlns:a16="http://schemas.microsoft.com/office/drawing/2014/main" xmlns="" id="{F0B6F206-5F56-4748-9F1E-48EDB67140A8}"/>
               </a:ext>
             </a:extLst>
           </p:cNvPr>
@@ -23339,13 +22649,13 @@
           <p:nvPr>
             <p:extLst>
               <p:ext uri="{D42A27DB-BD31-4B8C-83A1-F6EECF244321}">
-                <p14:modId xmlns:p14="http://schemas.microsoft.com/office/powerpoint/2010/main" val="3704171328"/>
+                <p14:modId xmlns:p14="http://schemas.microsoft.com/office/powerpoint/2010/main" val="3568552814"/>
               </p:ext>
             </p:extLst>
           </p:nvPr>
         </p:nvGraphicFramePr>
         <p:xfrm>
-          <a:off x="4536165" y="5586849"/>
+          <a:off x="4539342" y="5596368"/>
           <a:ext cx="3089731" cy="342900"/>
         </p:xfrm>
         <a:graphic>
@@ -23358,21 +22668,21 @@
                 <a:gridCol w="1477109">
                   <a:extLst>
                     <a:ext uri="{9D8B030D-6E8A-4147-A177-3AD203B41FA5}">
-                      <a16:colId xmlns:a16="http://schemas.microsoft.com/office/drawing/2014/main" val="770111135"/>
+                      <a16:colId xmlns:a16="http://schemas.microsoft.com/office/drawing/2014/main" xmlns="" val="3848068754"/>
                     </a:ext>
                   </a:extLst>
                 </a:gridCol>
                 <a:gridCol w="598948">
                   <a:extLst>
                     <a:ext uri="{9D8B030D-6E8A-4147-A177-3AD203B41FA5}">
-                      <a16:colId xmlns:a16="http://schemas.microsoft.com/office/drawing/2014/main" val="4073670310"/>
+                      <a16:colId xmlns:a16="http://schemas.microsoft.com/office/drawing/2014/main" xmlns="" val="716970141"/>
                     </a:ext>
                   </a:extLst>
                 </a:gridCol>
                 <a:gridCol w="1013674">
                   <a:extLst>
                     <a:ext uri="{9D8B030D-6E8A-4147-A177-3AD203B41FA5}">
-                      <a16:colId xmlns:a16="http://schemas.microsoft.com/office/drawing/2014/main" val="4189554194"/>
+                      <a16:colId xmlns:a16="http://schemas.microsoft.com/office/drawing/2014/main" xmlns="" val="2973760246"/>
                     </a:ext>
                   </a:extLst>
                 </a:gridCol>
@@ -23384,25 +22694,12 @@
                     <a:lstStyle/>
                     <a:p>
                       <a:r>
-                        <a:rPr lang="en-US" altLang="zh-CN" sz="1800" dirty="0">
-                          <a:solidFill>
-                            <a:srgbClr val="FF0000"/>
-                          </a:solidFill>
-                        </a:rPr>
-                        <a:t>NULL</a:t>
+                        <a:rPr lang="en-US" sz="1800" dirty="0"/>
+                        <a:t>156</a:t>
                       </a:r>
-                      <a:endParaRPr lang="en-US" sz="1800" dirty="0">
-                        <a:solidFill>
-                          <a:srgbClr val="FF0000"/>
-                        </a:solidFill>
-                      </a:endParaRPr>
                     </a:p>
                   </a:txBody>
-                  <a:tcPr marL="68580" marR="68580" marT="34290" marB="34290">
-                    <a:solidFill>
-                      <a:schemeClr val="bg1"/>
-                    </a:solidFill>
-                  </a:tcPr>
+                  <a:tcPr marL="68580" marR="68580" marT="34290" marB="34290"/>
                 </a:tc>
                 <a:tc>
                   <a:txBody>
@@ -23415,11 +22712,7 @@
                       </a:r>
                     </a:p>
                   </a:txBody>
-                  <a:tcPr marL="68580" marR="68580" marT="34290" marB="34290">
-                    <a:solidFill>
-                      <a:schemeClr val="bg1"/>
-                    </a:solidFill>
-                  </a:tcPr>
+                  <a:tcPr marL="68580" marR="68580" marT="34290" marB="34290"/>
                 </a:tc>
                 <a:tc>
                   <a:txBody>
@@ -23433,15 +22726,11 @@
                       </a:r>
                     </a:p>
                   </a:txBody>
-                  <a:tcPr marL="68580" marR="68580" marT="34290" marB="34290">
-                    <a:solidFill>
-                      <a:schemeClr val="bg1"/>
-                    </a:solidFill>
-                  </a:tcPr>
+                  <a:tcPr marL="68580" marR="68580" marT="34290" marB="34290"/>
                 </a:tc>
                 <a:extLst>
                   <a:ext uri="{0D108BD9-81ED-4DB2-BD59-A6C34878D82A}">
-                    <a16:rowId xmlns:a16="http://schemas.microsoft.com/office/drawing/2014/main" val="4217677803"/>
+                    <a16:rowId xmlns:a16="http://schemas.microsoft.com/office/drawing/2014/main" xmlns="" val="1024111891"/>
                   </a:ext>
                 </a:extLst>
               </a:tr>
@@ -23452,7 +22741,7 @@
     </p:spTree>
     <p:extLst>
       <p:ext uri="{BB962C8B-B14F-4D97-AF65-F5344CB8AC3E}">
-        <p14:creationId xmlns:p14="http://schemas.microsoft.com/office/powerpoint/2010/main" val="38885062"/>
+        <p14:creationId xmlns:p14="http://schemas.microsoft.com/office/powerpoint/2010/main" val="586499842"/>
       </p:ext>
     </p:extLst>
   </p:cSld>
@@ -23525,7 +22814,7 @@
                             </p:stCondLst>
                             <p:childTnLst>
                               <p:par>
-                                <p:cTn id="9" presetID="1" presetClass="entr" presetSubtype="0" fill="hold" nodeType="clickEffect">
+                                <p:cTn id="9" presetID="1" presetClass="exit" presetSubtype="0" fill="hold" nodeType="clickEffect">
                                   <p:stCondLst>
                                     <p:cond delay="0"/>
                                   </p:stCondLst>
@@ -23538,14 +22827,14 @@
                                           </p:stCondLst>
                                         </p:cTn>
                                         <p:tgtEl>
-                                          <p:spTgt spid="5"/>
+                                          <p:spTgt spid="4"/>
                                         </p:tgtEl>
                                         <p:attrNameLst>
                                           <p:attrName>style.visibility</p:attrName>
                                         </p:attrNameLst>
                                       </p:cBhvr>
                                       <p:to>
-                                        <p:strVal val="visible"/>
+                                        <p:strVal val="hidden"/>
                                       </p:to>
                                     </p:set>
                                   </p:childTnLst>
@@ -23616,7 +22905,7 @@
           <a:p>
             <a:r>
               <a:rPr lang="en-US" dirty="0"/>
-              <a:t>ON DELETE SET NULL</a:t>
+              <a:t>ON DELETE CASCADE</a:t>
             </a:r>
           </a:p>
         </p:txBody>
@@ -23982,49 +23271,8 @@
                 <a:ea typeface="Menlo" charset="0"/>
                 <a:cs typeface="Menlo" charset="0"/>
               </a:rPr>
-              <a:t>ON DELETE </a:t>
-            </a:r>
-            <a:r>
-              <a:rPr lang="en-US" altLang="zh-CN" sz="2000" b="1" dirty="0">
-                <a:solidFill>
-                  <a:srgbClr val="FF0000"/>
-                </a:solidFill>
-                <a:latin typeface="Menlo" charset="0"/>
-                <a:ea typeface="Menlo" charset="0"/>
-                <a:cs typeface="Menlo" charset="0"/>
-              </a:rPr>
-              <a:t>SET</a:t>
-            </a:r>
-            <a:r>
-              <a:rPr lang="zh-CN" altLang="en-US" sz="2000" b="1" dirty="0">
-                <a:solidFill>
-                  <a:srgbClr val="FF0000"/>
-                </a:solidFill>
-                <a:latin typeface="Menlo" charset="0"/>
-                <a:ea typeface="Menlo" charset="0"/>
-                <a:cs typeface="Menlo" charset="0"/>
-              </a:rPr>
-              <a:t> </a:t>
-            </a:r>
-            <a:r>
-              <a:rPr lang="en-US" altLang="zh-CN" sz="2000" b="1" dirty="0">
-                <a:solidFill>
-                  <a:srgbClr val="FF0000"/>
-                </a:solidFill>
-                <a:latin typeface="Menlo" charset="0"/>
-                <a:ea typeface="Menlo" charset="0"/>
-                <a:cs typeface="Menlo" charset="0"/>
-              </a:rPr>
-              <a:t>NULL</a:t>
-            </a:r>
-            <a:endParaRPr lang="en-US" sz="2000" b="1" dirty="0">
-              <a:solidFill>
-                <a:srgbClr val="FF0000"/>
-              </a:solidFill>
-              <a:latin typeface="Menlo" charset="0"/>
-              <a:ea typeface="Menlo" charset="0"/>
-              <a:cs typeface="Menlo" charset="0"/>
-            </a:endParaRPr>
+              <a:t>ON DELETE CASCADE</a:t>
+            </a:r>
           </a:p>
           <a:p>
             <a:pPr eaLnBrk="0" hangingPunct="0"/>
@@ -24063,21 +23311,21 @@
                 <a:gridCol w="1477109">
                   <a:extLst>
                     <a:ext uri="{9D8B030D-6E8A-4147-A177-3AD203B41FA5}">
-                      <a16:colId xmlns:a16="http://schemas.microsoft.com/office/drawing/2014/main" val="20000"/>
+                      <a16:colId xmlns:a16="http://schemas.microsoft.com/office/drawing/2014/main" xmlns="" val="20000"/>
                     </a:ext>
                   </a:extLst>
                 </a:gridCol>
                 <a:gridCol w="598948">
                   <a:extLst>
                     <a:ext uri="{9D8B030D-6E8A-4147-A177-3AD203B41FA5}">
-                      <a16:colId xmlns:a16="http://schemas.microsoft.com/office/drawing/2014/main" val="20001"/>
+                      <a16:colId xmlns:a16="http://schemas.microsoft.com/office/drawing/2014/main" xmlns="" val="20001"/>
                     </a:ext>
                   </a:extLst>
                 </a:gridCol>
                 <a:gridCol w="1013674">
                   <a:extLst>
                     <a:ext uri="{9D8B030D-6E8A-4147-A177-3AD203B41FA5}">
-                      <a16:colId xmlns:a16="http://schemas.microsoft.com/office/drawing/2014/main" val="20002"/>
+                      <a16:colId xmlns:a16="http://schemas.microsoft.com/office/drawing/2014/main" xmlns="" val="20002"/>
                     </a:ext>
                   </a:extLst>
                 </a:gridCol>
@@ -24138,7 +23386,7 @@
                 </a:tc>
                 <a:extLst>
                   <a:ext uri="{0D108BD9-81ED-4DB2-BD59-A6C34878D82A}">
-                    <a16:rowId xmlns:a16="http://schemas.microsoft.com/office/drawing/2014/main" val="10000"/>
+                    <a16:rowId xmlns:a16="http://schemas.microsoft.com/office/drawing/2014/main" xmlns="" val="10000"/>
                   </a:ext>
                 </a:extLst>
               </a:tr>
@@ -24185,7 +23433,7 @@
                 </a:tc>
                 <a:extLst>
                   <a:ext uri="{0D108BD9-81ED-4DB2-BD59-A6C34878D82A}">
-                    <a16:rowId xmlns:a16="http://schemas.microsoft.com/office/drawing/2014/main" val="10001"/>
+                    <a16:rowId xmlns:a16="http://schemas.microsoft.com/office/drawing/2014/main" xmlns="" val="10001"/>
                   </a:ext>
                 </a:extLst>
               </a:tr>
@@ -24232,7 +23480,7 @@
                 </a:tc>
                 <a:extLst>
                   <a:ext uri="{0D108BD9-81ED-4DB2-BD59-A6C34878D82A}">
-                    <a16:rowId xmlns:a16="http://schemas.microsoft.com/office/drawing/2014/main" val="10002"/>
+                    <a16:rowId xmlns:a16="http://schemas.microsoft.com/office/drawing/2014/main" xmlns="" val="10002"/>
                   </a:ext>
                 </a:extLst>
               </a:tr>
@@ -24279,7 +23527,7 @@
                 </a:tc>
                 <a:extLst>
                   <a:ext uri="{0D108BD9-81ED-4DB2-BD59-A6C34878D82A}">
-                    <a16:rowId xmlns:a16="http://schemas.microsoft.com/office/drawing/2014/main" val="10003"/>
+                    <a16:rowId xmlns:a16="http://schemas.microsoft.com/office/drawing/2014/main" xmlns="" val="10003"/>
                   </a:ext>
                 </a:extLst>
               </a:tr>
@@ -24313,7 +23561,7 @@
     </p:spTree>
     <p:extLst>
       <p:ext uri="{BB962C8B-B14F-4D97-AF65-F5344CB8AC3E}">
-        <p14:creationId xmlns:p14="http://schemas.microsoft.com/office/powerpoint/2010/main" val="128016844"/>
+        <p14:creationId xmlns:p14="http://schemas.microsoft.com/office/powerpoint/2010/main" val="1059681297"/>
       </p:ext>
     </p:extLst>
   </p:cSld>
@@ -24430,6 +23678,2065 @@
         </p:nvSpPr>
         <p:spPr/>
         <p:txBody>
+          <a:bodyPr>
+            <a:normAutofit/>
+          </a:bodyPr>
+          <a:lstStyle/>
+          <a:p>
+            <a:r>
+              <a:rPr lang="en-US" altLang="zh-CN" sz="4000" dirty="0"/>
+              <a:t>Delete</a:t>
+            </a:r>
+            <a:r>
+              <a:rPr lang="en-US" sz="4000" dirty="0"/>
+              <a:t> operations</a:t>
+            </a:r>
+          </a:p>
+        </p:txBody>
+      </p:sp>
+      <p:sp>
+        <p:nvSpPr>
+          <p:cNvPr id="16" name="Content Placeholder 2"/>
+          <p:cNvSpPr>
+            <a:spLocks noGrp="1"/>
+          </p:cNvSpPr>
+          <p:nvPr>
+            <p:ph idx="1"/>
+          </p:nvPr>
+        </p:nvSpPr>
+        <p:spPr>
+          <a:xfrm>
+            <a:off x="628650" y="1480068"/>
+            <a:ext cx="7821385" cy="5100345"/>
+          </a:xfrm>
+        </p:spPr>
+        <p:txBody>
+          <a:bodyPr>
+            <a:normAutofit/>
+          </a:bodyPr>
+          <a:lstStyle/>
+          <a:p>
+            <a:r>
+              <a:rPr lang="en-US" dirty="0"/>
+              <a:t>What if we delete a student, who has enrolled courses? </a:t>
+            </a:r>
+          </a:p>
+          <a:p>
+            <a:pPr lvl="1" indent="-342900"/>
+            <a:r>
+              <a:rPr lang="en-US" altLang="zh-CN" i="1" dirty="0"/>
+              <a:t>Set</a:t>
+            </a:r>
+            <a:r>
+              <a:rPr lang="zh-CN" altLang="en-US" i="1" dirty="0"/>
+              <a:t> </a:t>
+            </a:r>
+            <a:r>
+              <a:rPr lang="en-US" altLang="zh-CN" i="1" dirty="0"/>
+              <a:t>Foreign</a:t>
+            </a:r>
+            <a:r>
+              <a:rPr lang="zh-CN" altLang="en-US" i="1" dirty="0"/>
+              <a:t> </a:t>
+            </a:r>
+            <a:r>
+              <a:rPr lang="en-US" altLang="zh-CN" i="1" dirty="0"/>
+              <a:t>Key</a:t>
+            </a:r>
+            <a:r>
+              <a:rPr lang="zh-CN" altLang="en-US" i="1" dirty="0"/>
+              <a:t> </a:t>
+            </a:r>
+            <a:r>
+              <a:rPr lang="en-US" altLang="zh-CN" i="1" dirty="0"/>
+              <a:t>to</a:t>
+            </a:r>
+            <a:r>
+              <a:rPr lang="zh-CN" altLang="en-US" i="1" dirty="0"/>
+              <a:t> </a:t>
+            </a:r>
+            <a:r>
+              <a:rPr lang="en-US" altLang="zh-CN" i="1" dirty="0"/>
+              <a:t>NULL</a:t>
+            </a:r>
+            <a:r>
+              <a:rPr lang="zh-CN" altLang="en-US" i="1" dirty="0"/>
+              <a:t> </a:t>
+            </a:r>
+            <a:r>
+              <a:rPr lang="en-US" i="1" dirty="0"/>
+              <a:t>(ON DELETE SET NULL) </a:t>
+            </a:r>
+          </a:p>
+          <a:p>
+            <a:endParaRPr lang="en-US" dirty="0"/>
+          </a:p>
+          <a:p>
+            <a:pPr marL="0" indent="0">
+              <a:buNone/>
+            </a:pPr>
+            <a:endParaRPr lang="en-US" dirty="0"/>
+          </a:p>
+          <a:p>
+            <a:endParaRPr lang="en-US" dirty="0"/>
+          </a:p>
+        </p:txBody>
+      </p:sp>
+      <p:sp>
+        <p:nvSpPr>
+          <p:cNvPr id="3" name="Slide Number Placeholder 2"/>
+          <p:cNvSpPr>
+            <a:spLocks noGrp="1"/>
+          </p:cNvSpPr>
+          <p:nvPr>
+            <p:ph type="sldNum" sz="quarter" idx="12"/>
+          </p:nvPr>
+        </p:nvSpPr>
+        <p:spPr/>
+        <p:txBody>
+          <a:bodyPr/>
+          <a:lstStyle/>
+          <a:p>
+            <a:fld id="{24AF9547-1ADA-7741-9454-C97103F281DA}" type="slidenum">
+              <a:rPr lang="en-US" smtClean="0"/>
+              <a:t>32</a:t>
+            </a:fld>
+            <a:endParaRPr lang="en-US"/>
+          </a:p>
+        </p:txBody>
+      </p:sp>
+      <p:graphicFrame>
+        <p:nvGraphicFramePr>
+          <p:cNvPr id="9" name="Table 8">
+            <a:extLst>
+              <a:ext uri="{FF2B5EF4-FFF2-40B4-BE49-F238E27FC236}">
+                <a16:creationId xmlns:a16="http://schemas.microsoft.com/office/drawing/2014/main" xmlns="" id="{192D9F72-9AFB-2643-B890-6AAD9D8AF5CB}"/>
+              </a:ext>
+            </a:extLst>
+          </p:cNvPr>
+          <p:cNvGraphicFramePr>
+            <a:graphicFrameLocks noGrp="1"/>
+          </p:cNvGraphicFramePr>
+          <p:nvPr>
+            <p:extLst>
+              <p:ext uri="{D42A27DB-BD31-4B8C-83A1-F6EECF244321}">
+                <p14:modId xmlns:p14="http://schemas.microsoft.com/office/powerpoint/2010/main" val="868247232"/>
+              </p:ext>
+            </p:extLst>
+          </p:nvPr>
+        </p:nvGraphicFramePr>
+        <p:xfrm>
+          <a:off x="1443491" y="3578674"/>
+          <a:ext cx="2319339" cy="746760"/>
+        </p:xfrm>
+        <a:graphic>
+          <a:graphicData uri="http://schemas.openxmlformats.org/drawingml/2006/table">
+            <a:tbl>
+              <a:tblPr firstRow="1" bandRow="1">
+                <a:tableStyleId>{7E9639D4-E3E2-4D34-9284-5A2195B3D0D7}</a:tableStyleId>
+              </a:tblPr>
+              <a:tblGrid>
+                <a:gridCol w="702830">
+                  <a:extLst>
+                    <a:ext uri="{9D8B030D-6E8A-4147-A177-3AD203B41FA5}">
+                      <a16:colId xmlns:a16="http://schemas.microsoft.com/office/drawing/2014/main" xmlns="" val="20000"/>
+                    </a:ext>
+                  </a:extLst>
+                </a:gridCol>
+                <a:gridCol w="913679">
+                  <a:extLst>
+                    <a:ext uri="{9D8B030D-6E8A-4147-A177-3AD203B41FA5}">
+                      <a16:colId xmlns:a16="http://schemas.microsoft.com/office/drawing/2014/main" xmlns="" val="20001"/>
+                    </a:ext>
+                  </a:extLst>
+                </a:gridCol>
+                <a:gridCol w="702830">
+                  <a:extLst>
+                    <a:ext uri="{9D8B030D-6E8A-4147-A177-3AD203B41FA5}">
+                      <a16:colId xmlns:a16="http://schemas.microsoft.com/office/drawing/2014/main" xmlns="" val="20002"/>
+                    </a:ext>
+                  </a:extLst>
+                </a:gridCol>
+              </a:tblGrid>
+              <a:tr h="274320">
+                <a:tc>
+                  <a:txBody>
+                    <a:bodyPr/>
+                    <a:lstStyle/>
+                    <a:p>
+                      <a:pPr algn="ctr"/>
+                      <a:r>
+                        <a:rPr lang="en-US" sz="2000" dirty="0" err="1">
+                          <a:solidFill>
+                            <a:srgbClr val="0F89E4"/>
+                          </a:solidFill>
+                        </a:rPr>
+                        <a:t>sid</a:t>
+                      </a:r>
+                      <a:endParaRPr lang="en-US" sz="2000" b="1" dirty="0">
+                        <a:solidFill>
+                          <a:srgbClr val="0F89E4"/>
+                        </a:solidFill>
+                      </a:endParaRPr>
+                    </a:p>
+                  </a:txBody>
+                  <a:tcPr marL="68580" marR="68580" marT="34290" marB="34290"/>
+                </a:tc>
+                <a:tc>
+                  <a:txBody>
+                    <a:bodyPr/>
+                    <a:lstStyle/>
+                    <a:p>
+                      <a:pPr algn="ctr"/>
+                      <a:r>
+                        <a:rPr lang="en-US" sz="2000" baseline="0" dirty="0"/>
+                        <a:t>n</a:t>
+                      </a:r>
+                      <a:r>
+                        <a:rPr lang="en-US" sz="2000" dirty="0"/>
+                        <a:t>ame</a:t>
+                      </a:r>
+                      <a:endParaRPr lang="en-US" sz="2000" b="1" dirty="0"/>
+                    </a:p>
+                  </a:txBody>
+                  <a:tcPr marL="68580" marR="68580" marT="34290" marB="34290"/>
+                </a:tc>
+                <a:tc>
+                  <a:txBody>
+                    <a:bodyPr/>
+                    <a:lstStyle/>
+                    <a:p>
+                      <a:pPr algn="ctr"/>
+                      <a:r>
+                        <a:rPr lang="en-US" sz="2000" dirty="0" err="1"/>
+                        <a:t>gpa</a:t>
+                      </a:r>
+                      <a:endParaRPr lang="en-US" sz="2000" b="1" dirty="0"/>
+                    </a:p>
+                  </a:txBody>
+                  <a:tcPr marL="68580" marR="68580" marT="34290" marB="34290"/>
+                </a:tc>
+                <a:extLst>
+                  <a:ext uri="{0D108BD9-81ED-4DB2-BD59-A6C34878D82A}">
+                    <a16:rowId xmlns:a16="http://schemas.microsoft.com/office/drawing/2014/main" xmlns="" val="10000"/>
+                  </a:ext>
+                </a:extLst>
+              </a:tr>
+              <a:tr h="274320">
+                <a:tc>
+                  <a:txBody>
+                    <a:bodyPr/>
+                    <a:lstStyle/>
+                    <a:p>
+                      <a:r>
+                        <a:rPr lang="en-US" sz="2000" dirty="0"/>
+                        <a:t>123</a:t>
+                      </a:r>
+                    </a:p>
+                  </a:txBody>
+                  <a:tcPr marL="68580" marR="68580" marT="34290" marB="34290"/>
+                </a:tc>
+                <a:tc>
+                  <a:txBody>
+                    <a:bodyPr/>
+                    <a:lstStyle/>
+                    <a:p>
+                      <a:r>
+                        <a:rPr lang="en-US" sz="2000" dirty="0"/>
+                        <a:t>Mary</a:t>
+                      </a:r>
+                    </a:p>
+                  </a:txBody>
+                  <a:tcPr marL="68580" marR="68580" marT="34290" marB="34290"/>
+                </a:tc>
+                <a:tc>
+                  <a:txBody>
+                    <a:bodyPr/>
+                    <a:lstStyle/>
+                    <a:p>
+                      <a:pPr algn="ctr"/>
+                      <a:r>
+                        <a:rPr lang="en-US" sz="2000" dirty="0"/>
+                        <a:t>3.8</a:t>
+                      </a:r>
+                    </a:p>
+                  </a:txBody>
+                  <a:tcPr marL="68580" marR="68580" marT="34290" marB="34290"/>
+                </a:tc>
+                <a:extLst>
+                  <a:ext uri="{0D108BD9-81ED-4DB2-BD59-A6C34878D82A}">
+                    <a16:rowId xmlns:a16="http://schemas.microsoft.com/office/drawing/2014/main" xmlns="" val="10002"/>
+                  </a:ext>
+                </a:extLst>
+              </a:tr>
+            </a:tbl>
+          </a:graphicData>
+        </a:graphic>
+      </p:graphicFrame>
+      <p:sp>
+        <p:nvSpPr>
+          <p:cNvPr id="10" name="TextBox 9">
+            <a:extLst>
+              <a:ext uri="{FF2B5EF4-FFF2-40B4-BE49-F238E27FC236}">
+                <a16:creationId xmlns:a16="http://schemas.microsoft.com/office/drawing/2014/main" xmlns="" id="{2371588E-064F-AC4F-BFE4-407A10166E83}"/>
+              </a:ext>
+            </a:extLst>
+          </p:cNvPr>
+          <p:cNvSpPr txBox="1"/>
+          <p:nvPr/>
+        </p:nvSpPr>
+        <p:spPr>
+          <a:xfrm>
+            <a:off x="1443491" y="3141315"/>
+            <a:ext cx="1126527" cy="400110"/>
+          </a:xfrm>
+          <a:prstGeom prst="rect">
+            <a:avLst/>
+          </a:prstGeom>
+          <a:noFill/>
+        </p:spPr>
+        <p:txBody>
+          <a:bodyPr wrap="none" rtlCol="0">
+            <a:spAutoFit/>
+          </a:bodyPr>
+          <a:lstStyle/>
+          <a:p>
+            <a:r>
+              <a:rPr lang="en-US" sz="2000" b="1" dirty="0"/>
+              <a:t>Students</a:t>
+            </a:r>
+          </a:p>
+        </p:txBody>
+      </p:sp>
+      <p:sp>
+        <p:nvSpPr>
+          <p:cNvPr id="11" name="TextBox 10">
+            <a:extLst>
+              <a:ext uri="{FF2B5EF4-FFF2-40B4-BE49-F238E27FC236}">
+                <a16:creationId xmlns:a16="http://schemas.microsoft.com/office/drawing/2014/main" xmlns="" id="{04D966A4-B0FB-4543-A23B-1BDF1B411566}"/>
+              </a:ext>
+            </a:extLst>
+          </p:cNvPr>
+          <p:cNvSpPr txBox="1"/>
+          <p:nvPr/>
+        </p:nvSpPr>
+        <p:spPr>
+          <a:xfrm>
+            <a:off x="4879896" y="3141315"/>
+            <a:ext cx="1066446" cy="400110"/>
+          </a:xfrm>
+          <a:prstGeom prst="rect">
+            <a:avLst/>
+          </a:prstGeom>
+          <a:noFill/>
+        </p:spPr>
+        <p:txBody>
+          <a:bodyPr wrap="none" rtlCol="0">
+            <a:spAutoFit/>
+          </a:bodyPr>
+          <a:lstStyle/>
+          <a:p>
+            <a:r>
+              <a:rPr lang="en-US" sz="2000" b="1" dirty="0"/>
+              <a:t>Enrolled</a:t>
+            </a:r>
+          </a:p>
+        </p:txBody>
+      </p:sp>
+      <p:graphicFrame>
+        <p:nvGraphicFramePr>
+          <p:cNvPr id="12" name="Table 11">
+            <a:extLst>
+              <a:ext uri="{FF2B5EF4-FFF2-40B4-BE49-F238E27FC236}">
+                <a16:creationId xmlns:a16="http://schemas.microsoft.com/office/drawing/2014/main" xmlns="" id="{E36A6B4C-04FB-AE4D-98E0-1258B880FA5E}"/>
+              </a:ext>
+            </a:extLst>
+          </p:cNvPr>
+          <p:cNvGraphicFramePr>
+            <a:graphicFrameLocks noGrp="1"/>
+          </p:cNvGraphicFramePr>
+          <p:nvPr>
+            <p:extLst>
+              <p:ext uri="{D42A27DB-BD31-4B8C-83A1-F6EECF244321}">
+                <p14:modId xmlns:p14="http://schemas.microsoft.com/office/powerpoint/2010/main" val="479846859"/>
+              </p:ext>
+            </p:extLst>
+          </p:nvPr>
+        </p:nvGraphicFramePr>
+        <p:xfrm>
+          <a:off x="4720316" y="3541425"/>
+          <a:ext cx="3089731" cy="1371600"/>
+        </p:xfrm>
+        <a:graphic>
+          <a:graphicData uri="http://schemas.openxmlformats.org/drawingml/2006/table">
+            <a:tbl>
+              <a:tblPr firstRow="1" bandRow="1">
+                <a:tableStyleId>{7E9639D4-E3E2-4D34-9284-5A2195B3D0D7}</a:tableStyleId>
+              </a:tblPr>
+              <a:tblGrid>
+                <a:gridCol w="1477109">
+                  <a:extLst>
+                    <a:ext uri="{9D8B030D-6E8A-4147-A177-3AD203B41FA5}">
+                      <a16:colId xmlns:a16="http://schemas.microsoft.com/office/drawing/2014/main" xmlns="" val="20000"/>
+                    </a:ext>
+                  </a:extLst>
+                </a:gridCol>
+                <a:gridCol w="598948">
+                  <a:extLst>
+                    <a:ext uri="{9D8B030D-6E8A-4147-A177-3AD203B41FA5}">
+                      <a16:colId xmlns:a16="http://schemas.microsoft.com/office/drawing/2014/main" xmlns="" val="20001"/>
+                    </a:ext>
+                  </a:extLst>
+                </a:gridCol>
+                <a:gridCol w="1013674">
+                  <a:extLst>
+                    <a:ext uri="{9D8B030D-6E8A-4147-A177-3AD203B41FA5}">
+                      <a16:colId xmlns:a16="http://schemas.microsoft.com/office/drawing/2014/main" xmlns="" val="20002"/>
+                    </a:ext>
+                  </a:extLst>
+                </a:gridCol>
+              </a:tblGrid>
+              <a:tr h="285005">
+                <a:tc>
+                  <a:txBody>
+                    <a:bodyPr/>
+                    <a:lstStyle/>
+                    <a:p>
+                      <a:pPr algn="ctr"/>
+                      <a:r>
+                        <a:rPr lang="en-US" sz="1800" dirty="0" err="1">
+                          <a:solidFill>
+                            <a:srgbClr val="FFC000"/>
+                          </a:solidFill>
+                        </a:rPr>
+                        <a:t>student_id</a:t>
+                      </a:r>
+                      <a:endParaRPr lang="en-US" sz="1800" b="1" dirty="0">
+                        <a:solidFill>
+                          <a:srgbClr val="FFC000"/>
+                        </a:solidFill>
+                      </a:endParaRPr>
+                    </a:p>
+                  </a:txBody>
+                  <a:tcPr marL="68580" marR="68580" marT="34290" marB="34290"/>
+                </a:tc>
+                <a:tc>
+                  <a:txBody>
+                    <a:bodyPr/>
+                    <a:lstStyle/>
+                    <a:p>
+                      <a:pPr algn="ctr"/>
+                      <a:r>
+                        <a:rPr lang="en-US" sz="1800" dirty="0"/>
+                        <a:t>cid</a:t>
+                      </a:r>
+                      <a:endParaRPr lang="en-US" sz="1800" b="1" dirty="0"/>
+                    </a:p>
+                  </a:txBody>
+                  <a:tcPr marL="68580" marR="68580" marT="34290" marB="34290"/>
+                </a:tc>
+                <a:tc>
+                  <a:txBody>
+                    <a:bodyPr/>
+                    <a:lstStyle/>
+                    <a:p>
+                      <a:pPr algn="ctr"/>
+                      <a:r>
+                        <a:rPr lang="en-US" sz="1800" dirty="0"/>
+                        <a:t>grade</a:t>
+                      </a:r>
+                      <a:endParaRPr lang="en-US" sz="1800" b="1" dirty="0"/>
+                    </a:p>
+                  </a:txBody>
+                  <a:tcPr marL="68580" marR="68580" marT="34290" marB="34290"/>
+                </a:tc>
+                <a:extLst>
+                  <a:ext uri="{0D108BD9-81ED-4DB2-BD59-A6C34878D82A}">
+                    <a16:rowId xmlns:a16="http://schemas.microsoft.com/office/drawing/2014/main" xmlns="" val="10000"/>
+                  </a:ext>
+                </a:extLst>
+              </a:tr>
+              <a:tr h="274320">
+                <a:tc>
+                  <a:txBody>
+                    <a:bodyPr/>
+                    <a:lstStyle/>
+                    <a:p>
+                      <a:r>
+                        <a:rPr lang="en-US" sz="1800" dirty="0"/>
+                        <a:t>123</a:t>
+                      </a:r>
+                    </a:p>
+                  </a:txBody>
+                  <a:tcPr marL="68580" marR="68580" marT="34290" marB="34290"/>
+                </a:tc>
+                <a:tc>
+                  <a:txBody>
+                    <a:bodyPr/>
+                    <a:lstStyle/>
+                    <a:p>
+                      <a:r>
+                        <a:rPr lang="en-US" sz="1800" dirty="0"/>
+                        <a:t>354</a:t>
+                      </a:r>
+                    </a:p>
+                  </a:txBody>
+                  <a:tcPr marL="68580" marR="68580" marT="34290" marB="34290"/>
+                </a:tc>
+                <a:tc>
+                  <a:txBody>
+                    <a:bodyPr/>
+                    <a:lstStyle/>
+                    <a:p>
+                      <a:pPr algn="ctr"/>
+                      <a:r>
+                        <a:rPr lang="en-US" sz="1800" dirty="0"/>
+                        <a:t>A</a:t>
+                      </a:r>
+                    </a:p>
+                  </a:txBody>
+                  <a:tcPr marL="68580" marR="68580" marT="34290" marB="34290"/>
+                </a:tc>
+                <a:extLst>
+                  <a:ext uri="{0D108BD9-81ED-4DB2-BD59-A6C34878D82A}">
+                    <a16:rowId xmlns:a16="http://schemas.microsoft.com/office/drawing/2014/main" xmlns="" val="10001"/>
+                  </a:ext>
+                </a:extLst>
+              </a:tr>
+              <a:tr h="274320">
+                <a:tc>
+                  <a:txBody>
+                    <a:bodyPr/>
+                    <a:lstStyle/>
+                    <a:p>
+                      <a:r>
+                        <a:rPr lang="en-US" sz="1800" dirty="0"/>
+                        <a:t>123</a:t>
+                      </a:r>
+                    </a:p>
+                  </a:txBody>
+                  <a:tcPr marL="68580" marR="68580" marT="34290" marB="34290"/>
+                </a:tc>
+                <a:tc>
+                  <a:txBody>
+                    <a:bodyPr/>
+                    <a:lstStyle/>
+                    <a:p>
+                      <a:r>
+                        <a:rPr lang="en-US" sz="1800" dirty="0"/>
+                        <a:t>454</a:t>
+                      </a:r>
+                    </a:p>
+                  </a:txBody>
+                  <a:tcPr marL="68580" marR="68580" marT="34290" marB="34290"/>
+                </a:tc>
+                <a:tc>
+                  <a:txBody>
+                    <a:bodyPr/>
+                    <a:lstStyle/>
+                    <a:p>
+                      <a:pPr algn="ctr"/>
+                      <a:r>
+                        <a:rPr lang="en-US" sz="1800" dirty="0"/>
+                        <a:t>A+</a:t>
+                      </a:r>
+                    </a:p>
+                  </a:txBody>
+                  <a:tcPr marL="68580" marR="68580" marT="34290" marB="34290"/>
+                </a:tc>
+                <a:extLst>
+                  <a:ext uri="{0D108BD9-81ED-4DB2-BD59-A6C34878D82A}">
+                    <a16:rowId xmlns:a16="http://schemas.microsoft.com/office/drawing/2014/main" xmlns="" val="10002"/>
+                  </a:ext>
+                </a:extLst>
+              </a:tr>
+              <a:tr h="274320">
+                <a:tc>
+                  <a:txBody>
+                    <a:bodyPr/>
+                    <a:lstStyle/>
+                    <a:p>
+                      <a:r>
+                        <a:rPr lang="en-US" sz="1800" dirty="0"/>
+                        <a:t>156</a:t>
+                      </a:r>
+                    </a:p>
+                  </a:txBody>
+                  <a:tcPr marL="68580" marR="68580" marT="34290" marB="34290"/>
+                </a:tc>
+                <a:tc>
+                  <a:txBody>
+                    <a:bodyPr/>
+                    <a:lstStyle/>
+                    <a:p>
+                      <a:r>
+                        <a:rPr lang="en-US" sz="1800" dirty="0"/>
+                        <a:t>354</a:t>
+                      </a:r>
+                    </a:p>
+                  </a:txBody>
+                  <a:tcPr marL="68580" marR="68580" marT="34290" marB="34290"/>
+                </a:tc>
+                <a:tc>
+                  <a:txBody>
+                    <a:bodyPr/>
+                    <a:lstStyle/>
+                    <a:p>
+                      <a:pPr algn="ctr"/>
+                      <a:r>
+                        <a:rPr lang="en-US" sz="1800" dirty="0"/>
+                        <a:t>A</a:t>
+                      </a:r>
+                    </a:p>
+                  </a:txBody>
+                  <a:tcPr marL="68580" marR="68580" marT="34290" marB="34290"/>
+                </a:tc>
+                <a:extLst>
+                  <a:ext uri="{0D108BD9-81ED-4DB2-BD59-A6C34878D82A}">
+                    <a16:rowId xmlns:a16="http://schemas.microsoft.com/office/drawing/2014/main" xmlns="" val="10003"/>
+                  </a:ext>
+                </a:extLst>
+              </a:tr>
+            </a:tbl>
+          </a:graphicData>
+        </a:graphic>
+      </p:graphicFrame>
+      <p:graphicFrame>
+        <p:nvGraphicFramePr>
+          <p:cNvPr id="17" name="Table 16">
+            <a:extLst>
+              <a:ext uri="{FF2B5EF4-FFF2-40B4-BE49-F238E27FC236}">
+                <a16:creationId xmlns:a16="http://schemas.microsoft.com/office/drawing/2014/main" xmlns="" id="{498EB6DD-B6E3-0743-B26E-C2FD32682AB6}"/>
+              </a:ext>
+            </a:extLst>
+          </p:cNvPr>
+          <p:cNvGraphicFramePr>
+            <a:graphicFrameLocks noGrp="1"/>
+          </p:cNvGraphicFramePr>
+          <p:nvPr>
+            <p:extLst>
+              <p:ext uri="{D42A27DB-BD31-4B8C-83A1-F6EECF244321}">
+                <p14:modId xmlns:p14="http://schemas.microsoft.com/office/powerpoint/2010/main" val="985064728"/>
+              </p:ext>
+            </p:extLst>
+          </p:nvPr>
+        </p:nvGraphicFramePr>
+        <p:xfrm>
+          <a:off x="1443490" y="4325434"/>
+          <a:ext cx="2319339" cy="373380"/>
+        </p:xfrm>
+        <a:graphic>
+          <a:graphicData uri="http://schemas.openxmlformats.org/drawingml/2006/table">
+            <a:tbl>
+              <a:tblPr bandRow="1">
+                <a:tableStyleId>{7E9639D4-E3E2-4D34-9284-5A2195B3D0D7}</a:tableStyleId>
+              </a:tblPr>
+              <a:tblGrid>
+                <a:gridCol w="702830">
+                  <a:extLst>
+                    <a:ext uri="{9D8B030D-6E8A-4147-A177-3AD203B41FA5}">
+                      <a16:colId xmlns:a16="http://schemas.microsoft.com/office/drawing/2014/main" xmlns="" val="21001791"/>
+                    </a:ext>
+                  </a:extLst>
+                </a:gridCol>
+                <a:gridCol w="913679">
+                  <a:extLst>
+                    <a:ext uri="{9D8B030D-6E8A-4147-A177-3AD203B41FA5}">
+                      <a16:colId xmlns:a16="http://schemas.microsoft.com/office/drawing/2014/main" xmlns="" val="2462359779"/>
+                    </a:ext>
+                  </a:extLst>
+                </a:gridCol>
+                <a:gridCol w="702830">
+                  <a:extLst>
+                    <a:ext uri="{9D8B030D-6E8A-4147-A177-3AD203B41FA5}">
+                      <a16:colId xmlns:a16="http://schemas.microsoft.com/office/drawing/2014/main" xmlns="" val="3448858290"/>
+                    </a:ext>
+                  </a:extLst>
+                </a:gridCol>
+              </a:tblGrid>
+              <a:tr h="274320">
+                <a:tc>
+                  <a:txBody>
+                    <a:bodyPr/>
+                    <a:lstStyle/>
+                    <a:p>
+                      <a:r>
+                        <a:rPr lang="en-US" sz="2000" dirty="0"/>
+                        <a:t>156</a:t>
+                      </a:r>
+                    </a:p>
+                  </a:txBody>
+                  <a:tcPr marL="68580" marR="68580" marT="34290" marB="34290"/>
+                </a:tc>
+                <a:tc>
+                  <a:txBody>
+                    <a:bodyPr/>
+                    <a:lstStyle/>
+                    <a:p>
+                      <a:r>
+                        <a:rPr lang="en-US" sz="2000" dirty="0"/>
+                        <a:t>Mike</a:t>
+                      </a:r>
+                    </a:p>
+                  </a:txBody>
+                  <a:tcPr marL="68580" marR="68580" marT="34290" marB="34290"/>
+                </a:tc>
+                <a:tc>
+                  <a:txBody>
+                    <a:bodyPr/>
+                    <a:lstStyle/>
+                    <a:p>
+                      <a:pPr algn="ctr"/>
+                      <a:r>
+                        <a:rPr lang="en-US" sz="2000" dirty="0"/>
+                        <a:t>3.7</a:t>
+                      </a:r>
+                    </a:p>
+                  </a:txBody>
+                  <a:tcPr marL="68580" marR="68580" marT="34290" marB="34290"/>
+                </a:tc>
+                <a:extLst>
+                  <a:ext uri="{0D108BD9-81ED-4DB2-BD59-A6C34878D82A}">
+                    <a16:rowId xmlns:a16="http://schemas.microsoft.com/office/drawing/2014/main" xmlns="" val="1367010675"/>
+                  </a:ext>
+                </a:extLst>
+              </a:tr>
+            </a:tbl>
+          </a:graphicData>
+        </a:graphic>
+      </p:graphicFrame>
+      <p:graphicFrame>
+        <p:nvGraphicFramePr>
+          <p:cNvPr id="5" name="Table 4">
+            <a:extLst>
+              <a:ext uri="{FF2B5EF4-FFF2-40B4-BE49-F238E27FC236}">
+                <a16:creationId xmlns:a16="http://schemas.microsoft.com/office/drawing/2014/main" xmlns="" id="{26CCAB88-6B87-3D4E-8B00-CBA5D5075EDA}"/>
+              </a:ext>
+            </a:extLst>
+          </p:cNvPr>
+          <p:cNvGraphicFramePr>
+            <a:graphicFrameLocks noGrp="1"/>
+          </p:cNvGraphicFramePr>
+          <p:nvPr>
+            <p:extLst>
+              <p:ext uri="{D42A27DB-BD31-4B8C-83A1-F6EECF244321}">
+                <p14:modId xmlns:p14="http://schemas.microsoft.com/office/powerpoint/2010/main" val="1031448773"/>
+              </p:ext>
+            </p:extLst>
+          </p:nvPr>
+        </p:nvGraphicFramePr>
+        <p:xfrm>
+          <a:off x="4715779" y="4560606"/>
+          <a:ext cx="3089731" cy="342900"/>
+        </p:xfrm>
+        <a:graphic>
+          <a:graphicData uri="http://schemas.openxmlformats.org/drawingml/2006/table">
+            <a:tbl>
+              <a:tblPr bandRow="1">
+                <a:tableStyleId>{7E9639D4-E3E2-4D34-9284-5A2195B3D0D7}</a:tableStyleId>
+              </a:tblPr>
+              <a:tblGrid>
+                <a:gridCol w="1477109">
+                  <a:extLst>
+                    <a:ext uri="{9D8B030D-6E8A-4147-A177-3AD203B41FA5}">
+                      <a16:colId xmlns:a16="http://schemas.microsoft.com/office/drawing/2014/main" xmlns="" val="770111135"/>
+                    </a:ext>
+                  </a:extLst>
+                </a:gridCol>
+                <a:gridCol w="598948">
+                  <a:extLst>
+                    <a:ext uri="{9D8B030D-6E8A-4147-A177-3AD203B41FA5}">
+                      <a16:colId xmlns:a16="http://schemas.microsoft.com/office/drawing/2014/main" xmlns="" val="4073670310"/>
+                    </a:ext>
+                  </a:extLst>
+                </a:gridCol>
+                <a:gridCol w="1013674">
+                  <a:extLst>
+                    <a:ext uri="{9D8B030D-6E8A-4147-A177-3AD203B41FA5}">
+                      <a16:colId xmlns:a16="http://schemas.microsoft.com/office/drawing/2014/main" xmlns="" val="4189554194"/>
+                    </a:ext>
+                  </a:extLst>
+                </a:gridCol>
+              </a:tblGrid>
+              <a:tr h="274320">
+                <a:tc>
+                  <a:txBody>
+                    <a:bodyPr/>
+                    <a:lstStyle/>
+                    <a:p>
+                      <a:r>
+                        <a:rPr lang="en-US" altLang="zh-CN" sz="1800" dirty="0">
+                          <a:solidFill>
+                            <a:srgbClr val="FF0000"/>
+                          </a:solidFill>
+                        </a:rPr>
+                        <a:t>NULL</a:t>
+                      </a:r>
+                      <a:endParaRPr lang="en-US" sz="1800" dirty="0">
+                        <a:solidFill>
+                          <a:srgbClr val="FF0000"/>
+                        </a:solidFill>
+                      </a:endParaRPr>
+                    </a:p>
+                  </a:txBody>
+                  <a:tcPr marL="68580" marR="68580" marT="34290" marB="34290">
+                    <a:solidFill>
+                      <a:schemeClr val="bg1"/>
+                    </a:solidFill>
+                  </a:tcPr>
+                </a:tc>
+                <a:tc>
+                  <a:txBody>
+                    <a:bodyPr/>
+                    <a:lstStyle/>
+                    <a:p>
+                      <a:r>
+                        <a:rPr lang="en-US" sz="1800" dirty="0"/>
+                        <a:t>354</a:t>
+                      </a:r>
+                    </a:p>
+                  </a:txBody>
+                  <a:tcPr marL="68580" marR="68580" marT="34290" marB="34290">
+                    <a:solidFill>
+                      <a:schemeClr val="bg1"/>
+                    </a:solidFill>
+                  </a:tcPr>
+                </a:tc>
+                <a:tc>
+                  <a:txBody>
+                    <a:bodyPr/>
+                    <a:lstStyle/>
+                    <a:p>
+                      <a:pPr algn="ctr"/>
+                      <a:r>
+                        <a:rPr lang="en-US" sz="1800" dirty="0"/>
+                        <a:t>A</a:t>
+                      </a:r>
+                    </a:p>
+                  </a:txBody>
+                  <a:tcPr marL="68580" marR="68580" marT="34290" marB="34290">
+                    <a:solidFill>
+                      <a:schemeClr val="bg1"/>
+                    </a:solidFill>
+                  </a:tcPr>
+                </a:tc>
+                <a:extLst>
+                  <a:ext uri="{0D108BD9-81ED-4DB2-BD59-A6C34878D82A}">
+                    <a16:rowId xmlns:a16="http://schemas.microsoft.com/office/drawing/2014/main" xmlns="" val="4217677803"/>
+                  </a:ext>
+                </a:extLst>
+              </a:tr>
+            </a:tbl>
+          </a:graphicData>
+        </a:graphic>
+      </p:graphicFrame>
+      <p:sp>
+        <p:nvSpPr>
+          <p:cNvPr id="4" name="TextBox 3"/>
+          <p:cNvSpPr txBox="1"/>
+          <p:nvPr/>
+        </p:nvSpPr>
+        <p:spPr>
+          <a:xfrm>
+            <a:off x="1861397" y="5556783"/>
+            <a:ext cx="5731390" cy="923330"/>
+          </a:xfrm>
+          <a:prstGeom prst="rect">
+            <a:avLst/>
+          </a:prstGeom>
+          <a:noFill/>
+        </p:spPr>
+        <p:txBody>
+          <a:bodyPr wrap="square" rtlCol="0">
+            <a:spAutoFit/>
+          </a:bodyPr>
+          <a:lstStyle/>
+          <a:p>
+            <a:r>
+              <a:rPr lang="en-US" altLang="zh-CN" dirty="0" smtClean="0"/>
+              <a:t>Interestingly,</a:t>
+            </a:r>
+            <a:r>
+              <a:rPr lang="zh-CN" altLang="en-US" dirty="0" smtClean="0"/>
+              <a:t> </a:t>
+            </a:r>
+            <a:r>
+              <a:rPr lang="en-US" altLang="zh-CN" dirty="0" smtClean="0"/>
+              <a:t>although</a:t>
+            </a:r>
+            <a:r>
+              <a:rPr lang="zh-CN" altLang="en-US" dirty="0" smtClean="0"/>
+              <a:t> </a:t>
+            </a:r>
+            <a:r>
+              <a:rPr lang="en-US" altLang="zh-CN" dirty="0" smtClean="0"/>
+              <a:t>it</a:t>
+            </a:r>
+            <a:r>
+              <a:rPr lang="zh-CN" altLang="en-US" dirty="0" smtClean="0"/>
+              <a:t> </a:t>
+            </a:r>
+            <a:r>
+              <a:rPr lang="en-US" altLang="zh-CN" dirty="0" smtClean="0"/>
+              <a:t>satisfies</a:t>
+            </a:r>
+            <a:r>
+              <a:rPr lang="zh-CN" altLang="en-US" dirty="0" smtClean="0"/>
+              <a:t> </a:t>
+            </a:r>
+            <a:r>
+              <a:rPr lang="en-US" altLang="zh-CN" dirty="0" smtClean="0"/>
+              <a:t>the</a:t>
+            </a:r>
+            <a:r>
+              <a:rPr lang="zh-CN" altLang="en-US" dirty="0" smtClean="0"/>
+              <a:t> </a:t>
+            </a:r>
+            <a:r>
+              <a:rPr lang="en-US" altLang="zh-CN" dirty="0" smtClean="0"/>
+              <a:t>foreign-key</a:t>
+            </a:r>
+            <a:r>
+              <a:rPr lang="zh-CN" altLang="en-US" dirty="0" smtClean="0"/>
+              <a:t> </a:t>
+            </a:r>
+            <a:r>
+              <a:rPr lang="en-US" altLang="zh-CN" dirty="0" smtClean="0"/>
+              <a:t>constraint,</a:t>
+            </a:r>
+            <a:r>
+              <a:rPr lang="zh-CN" altLang="en-US" dirty="0" smtClean="0"/>
+              <a:t> </a:t>
+            </a:r>
+            <a:r>
+              <a:rPr lang="en-US" altLang="zh-CN" dirty="0" smtClean="0"/>
+              <a:t>it</a:t>
+            </a:r>
+            <a:r>
+              <a:rPr lang="zh-CN" altLang="en-US" dirty="0" smtClean="0"/>
+              <a:t> </a:t>
+            </a:r>
+            <a:r>
+              <a:rPr lang="en-US" altLang="zh-CN" dirty="0" smtClean="0"/>
+              <a:t>violates</a:t>
+            </a:r>
+            <a:r>
+              <a:rPr lang="zh-CN" altLang="en-US" dirty="0" smtClean="0"/>
+              <a:t> </a:t>
+            </a:r>
+            <a:r>
+              <a:rPr lang="en-US" altLang="zh-CN" dirty="0" smtClean="0"/>
+              <a:t>the</a:t>
+            </a:r>
+            <a:r>
+              <a:rPr lang="zh-CN" altLang="en-US" dirty="0" smtClean="0"/>
+              <a:t> </a:t>
+            </a:r>
+            <a:r>
+              <a:rPr lang="en-US" altLang="zh-CN" dirty="0" smtClean="0"/>
+              <a:t>primary</a:t>
+            </a:r>
+            <a:r>
+              <a:rPr lang="en-US" altLang="zh-CN" dirty="0"/>
+              <a:t>-</a:t>
+            </a:r>
+            <a:r>
+              <a:rPr lang="en-US" altLang="zh-CN" dirty="0" smtClean="0"/>
+              <a:t>key</a:t>
+            </a:r>
+            <a:r>
+              <a:rPr lang="zh-CN" altLang="en-US" dirty="0" smtClean="0"/>
+              <a:t> </a:t>
+            </a:r>
+            <a:r>
+              <a:rPr lang="en-US" altLang="zh-CN" dirty="0" smtClean="0"/>
+              <a:t>constraint,</a:t>
+            </a:r>
+            <a:r>
+              <a:rPr lang="zh-CN" altLang="en-US" dirty="0" smtClean="0"/>
+              <a:t> </a:t>
+            </a:r>
+            <a:r>
+              <a:rPr lang="en-US" altLang="zh-CN" dirty="0" smtClean="0"/>
+              <a:t>thus</a:t>
+            </a:r>
+            <a:r>
+              <a:rPr lang="zh-CN" altLang="en-US" dirty="0" smtClean="0"/>
+              <a:t> </a:t>
+            </a:r>
+            <a:r>
+              <a:rPr lang="en-US" altLang="zh-CN" dirty="0" smtClean="0"/>
+              <a:t>the</a:t>
+            </a:r>
+            <a:r>
+              <a:rPr lang="zh-CN" altLang="en-US" dirty="0" smtClean="0"/>
+              <a:t> </a:t>
+            </a:r>
+            <a:r>
+              <a:rPr lang="en-US" altLang="zh-CN" dirty="0" smtClean="0"/>
+              <a:t>deletion</a:t>
+            </a:r>
+            <a:r>
+              <a:rPr lang="zh-CN" altLang="en-US" dirty="0" smtClean="0"/>
+              <a:t> </a:t>
+            </a:r>
+            <a:r>
+              <a:rPr lang="en-US" altLang="zh-CN" dirty="0" smtClean="0"/>
+              <a:t>operation</a:t>
+            </a:r>
+            <a:r>
+              <a:rPr lang="zh-CN" altLang="en-US" dirty="0" smtClean="0"/>
+              <a:t> </a:t>
+            </a:r>
+            <a:r>
+              <a:rPr lang="en-US" altLang="zh-CN" dirty="0" smtClean="0"/>
+              <a:t>is</a:t>
+            </a:r>
+            <a:r>
+              <a:rPr lang="zh-CN" altLang="en-US" dirty="0" smtClean="0"/>
+              <a:t> </a:t>
+            </a:r>
+            <a:r>
+              <a:rPr lang="en-US" altLang="zh-CN" dirty="0" smtClean="0"/>
+              <a:t>disallowed.</a:t>
+            </a:r>
+            <a:r>
+              <a:rPr lang="zh-CN" altLang="en-US" dirty="0" smtClean="0"/>
+              <a:t> </a:t>
+            </a:r>
+            <a:endParaRPr lang="en-US" dirty="0"/>
+          </a:p>
+        </p:txBody>
+      </p:sp>
+    </p:spTree>
+    <p:extLst>
+      <p:ext uri="{BB962C8B-B14F-4D97-AF65-F5344CB8AC3E}">
+        <p14:creationId xmlns:p14="http://schemas.microsoft.com/office/powerpoint/2010/main" val="38885062"/>
+      </p:ext>
+    </p:extLst>
+  </p:cSld>
+  <p:clrMapOvr>
+    <a:masterClrMapping/>
+  </p:clrMapOvr>
+  <p:timing>
+    <p:tnLst>
+      <p:par>
+        <p:cTn id="1" dur="indefinite" restart="never" nodeType="tmRoot">
+          <p:childTnLst>
+            <p:seq concurrent="1" nextAc="seek">
+              <p:cTn id="2" dur="indefinite" nodeType="mainSeq">
+                <p:childTnLst>
+                  <p:par>
+                    <p:cTn id="3" fill="hold">
+                      <p:stCondLst>
+                        <p:cond delay="indefinite"/>
+                      </p:stCondLst>
+                      <p:childTnLst>
+                        <p:par>
+                          <p:cTn id="4" fill="hold">
+                            <p:stCondLst>
+                              <p:cond delay="0"/>
+                            </p:stCondLst>
+                            <p:childTnLst>
+                              <p:par>
+                                <p:cTn id="5" presetID="1" presetClass="exit" presetSubtype="0" fill="hold" nodeType="clickEffect">
+                                  <p:stCondLst>
+                                    <p:cond delay="0"/>
+                                  </p:stCondLst>
+                                  <p:childTnLst>
+                                    <p:set>
+                                      <p:cBhvr>
+                                        <p:cTn id="6" dur="1" fill="hold">
+                                          <p:stCondLst>
+                                            <p:cond delay="0"/>
+                                          </p:stCondLst>
+                                        </p:cTn>
+                                        <p:tgtEl>
+                                          <p:spTgt spid="17"/>
+                                        </p:tgtEl>
+                                        <p:attrNameLst>
+                                          <p:attrName>style.visibility</p:attrName>
+                                        </p:attrNameLst>
+                                      </p:cBhvr>
+                                      <p:to>
+                                        <p:strVal val="hidden"/>
+                                      </p:to>
+                                    </p:set>
+                                  </p:childTnLst>
+                                </p:cTn>
+                              </p:par>
+                            </p:childTnLst>
+                          </p:cTn>
+                        </p:par>
+                      </p:childTnLst>
+                    </p:cTn>
+                  </p:par>
+                  <p:par>
+                    <p:cTn id="7" fill="hold">
+                      <p:stCondLst>
+                        <p:cond delay="indefinite"/>
+                      </p:stCondLst>
+                      <p:childTnLst>
+                        <p:par>
+                          <p:cTn id="8" fill="hold">
+                            <p:stCondLst>
+                              <p:cond delay="0"/>
+                            </p:stCondLst>
+                            <p:childTnLst>
+                              <p:par>
+                                <p:cTn id="9" presetID="1" presetClass="entr" presetSubtype="0" fill="hold" nodeType="clickEffect">
+                                  <p:stCondLst>
+                                    <p:cond delay="0"/>
+                                  </p:stCondLst>
+                                  <p:childTnLst>
+                                    <p:set>
+                                      <p:cBhvr>
+                                        <p:cTn id="10" dur="1" fill="hold">
+                                          <p:stCondLst>
+                                            <p:cond delay="0"/>
+                                          </p:stCondLst>
+                                        </p:cTn>
+                                        <p:tgtEl>
+                                          <p:spTgt spid="5"/>
+                                        </p:tgtEl>
+                                        <p:attrNameLst>
+                                          <p:attrName>style.visibility</p:attrName>
+                                        </p:attrNameLst>
+                                      </p:cBhvr>
+                                      <p:to>
+                                        <p:strVal val="visible"/>
+                                      </p:to>
+                                    </p:set>
+                                  </p:childTnLst>
+                                </p:cTn>
+                              </p:par>
+                            </p:childTnLst>
+                          </p:cTn>
+                        </p:par>
+                      </p:childTnLst>
+                    </p:cTn>
+                  </p:par>
+                  <p:par>
+                    <p:cTn id="11" fill="hold">
+                      <p:stCondLst>
+                        <p:cond delay="indefinite"/>
+                      </p:stCondLst>
+                      <p:childTnLst>
+                        <p:par>
+                          <p:cTn id="12" fill="hold">
+                            <p:stCondLst>
+                              <p:cond delay="0"/>
+                            </p:stCondLst>
+                            <p:childTnLst>
+                              <p:par>
+                                <p:cTn id="13" presetID="1" presetClass="entr" presetSubtype="0" fill="hold" grpId="0" nodeType="clickEffect">
+                                  <p:stCondLst>
+                                    <p:cond delay="0"/>
+                                  </p:stCondLst>
+                                  <p:childTnLst>
+                                    <p:set>
+                                      <p:cBhvr>
+                                        <p:cTn id="14" dur="1" fill="hold">
+                                          <p:stCondLst>
+                                            <p:cond delay="0"/>
+                                          </p:stCondLst>
+                                        </p:cTn>
+                                        <p:tgtEl>
+                                          <p:spTgt spid="4"/>
+                                        </p:tgtEl>
+                                        <p:attrNameLst>
+                                          <p:attrName>style.visibility</p:attrName>
+                                        </p:attrNameLst>
+                                      </p:cBhvr>
+                                      <p:to>
+                                        <p:strVal val="visible"/>
+                                      </p:to>
+                                    </p:set>
+                                  </p:childTnLst>
+                                </p:cTn>
+                              </p:par>
+                            </p:childTnLst>
+                          </p:cTn>
+                        </p:par>
+                      </p:childTnLst>
+                    </p:cTn>
+                  </p:par>
+                </p:childTnLst>
+              </p:cTn>
+              <p:prevCondLst>
+                <p:cond evt="onPrev" delay="0">
+                  <p:tgtEl>
+                    <p:sldTgt/>
+                  </p:tgtEl>
+                </p:cond>
+              </p:prevCondLst>
+              <p:nextCondLst>
+                <p:cond evt="onNext" delay="0">
+                  <p:tgtEl>
+                    <p:sldTgt/>
+                  </p:tgtEl>
+                </p:cond>
+              </p:nextCondLst>
+            </p:seq>
+          </p:childTnLst>
+        </p:cTn>
+      </p:par>
+    </p:tnLst>
+    <p:bldLst>
+      <p:bldP spid="4" grpId="0"/>
+    </p:bldLst>
+  </p:timing>
+</p:sld>
+</file>
+
+<file path=ppt/slides/slide33.xml><?xml version="1.0" encoding="utf-8"?>
+<p:sld xmlns:a="http://schemas.openxmlformats.org/drawingml/2006/main" xmlns:r="http://schemas.openxmlformats.org/officeDocument/2006/relationships" xmlns:p="http://schemas.openxmlformats.org/presentationml/2006/main">
+  <p:cSld>
+    <p:spTree>
+      <p:nvGrpSpPr>
+        <p:cNvPr id="1" name=""/>
+        <p:cNvGrpSpPr/>
+        <p:nvPr/>
+      </p:nvGrpSpPr>
+      <p:grpSpPr>
+        <a:xfrm>
+          <a:off x="0" y="0"/>
+          <a:ext cx="0" cy="0"/>
+          <a:chOff x="0" y="0"/>
+          <a:chExt cx="0" cy="0"/>
+        </a:xfrm>
+      </p:grpSpPr>
+      <p:sp>
+        <p:nvSpPr>
+          <p:cNvPr id="2" name="Title 1"/>
+          <p:cNvSpPr>
+            <a:spLocks noGrp="1"/>
+          </p:cNvSpPr>
+          <p:nvPr>
+            <p:ph type="title"/>
+          </p:nvPr>
+        </p:nvSpPr>
+        <p:spPr/>
+        <p:txBody>
+          <a:bodyPr/>
+          <a:lstStyle/>
+          <a:p>
+            <a:r>
+              <a:rPr lang="en-US" dirty="0"/>
+              <a:t>ON DELETE SET NULL</a:t>
+            </a:r>
+          </a:p>
+        </p:txBody>
+      </p:sp>
+      <p:sp>
+        <p:nvSpPr>
+          <p:cNvPr id="10" name="Rectangle 3"/>
+          <p:cNvSpPr>
+            <a:spLocks noChangeArrowheads="1"/>
+          </p:cNvSpPr>
+          <p:nvPr/>
+        </p:nvSpPr>
+        <p:spPr bwMode="auto">
+          <a:xfrm>
+            <a:off x="247739" y="4113634"/>
+            <a:ext cx="8648521" cy="2554545"/>
+          </a:xfrm>
+          <a:prstGeom prst="rect">
+            <a:avLst/>
+          </a:prstGeom>
+          <a:solidFill>
+            <a:schemeClr val="bg1"/>
+          </a:solidFill>
+          <a:ln w="9525">
+            <a:solidFill>
+              <a:schemeClr val="tx1"/>
+            </a:solidFill>
+            <a:miter lim="800000"/>
+            <a:headEnd/>
+            <a:tailEnd/>
+          </a:ln>
+          <a:effectLst>
+            <a:outerShdw blurRad="50800" dist="12700" dir="2700000" algn="tl" rotWithShape="0">
+              <a:prstClr val="black">
+                <a:alpha val="40000"/>
+              </a:prstClr>
+            </a:outerShdw>
+          </a:effectLst>
+        </p:spPr>
+        <p:txBody>
+          <a:bodyPr wrap="none">
+            <a:spAutoFit/>
+          </a:bodyPr>
+          <a:lstStyle/>
+          <a:p>
+            <a:pPr eaLnBrk="0" hangingPunct="0"/>
+            <a:r>
+              <a:rPr lang="en-US" sz="2000" dirty="0">
+                <a:solidFill>
+                  <a:schemeClr val="accent2"/>
+                </a:solidFill>
+                <a:latin typeface="Menlo" charset="0"/>
+                <a:ea typeface="Menlo" charset="0"/>
+                <a:cs typeface="Menlo" charset="0"/>
+              </a:rPr>
+              <a:t>CREATE TABLE </a:t>
+            </a:r>
+            <a:r>
+              <a:rPr lang="en-US" sz="2000" dirty="0">
+                <a:latin typeface="Menlo" charset="0"/>
+                <a:ea typeface="Menlo" charset="0"/>
+                <a:cs typeface="Menlo" charset="0"/>
+              </a:rPr>
+              <a:t>Enrolled(</a:t>
+            </a:r>
+          </a:p>
+          <a:p>
+            <a:pPr eaLnBrk="0" hangingPunct="0"/>
+            <a:r>
+              <a:rPr lang="en-US" sz="2000" dirty="0">
+                <a:latin typeface="Menlo" charset="0"/>
+                <a:ea typeface="Menlo" charset="0"/>
+                <a:cs typeface="Menlo" charset="0"/>
+              </a:rPr>
+              <a:t>	</a:t>
+            </a:r>
+            <a:r>
+              <a:rPr lang="en-US" sz="2000" dirty="0" err="1">
+                <a:latin typeface="Menlo" charset="0"/>
+                <a:ea typeface="Menlo" charset="0"/>
+                <a:cs typeface="Menlo" charset="0"/>
+              </a:rPr>
+              <a:t>student_id</a:t>
+            </a:r>
+            <a:r>
+              <a:rPr lang="en-US" sz="2000" dirty="0">
+                <a:solidFill>
+                  <a:schemeClr val="accent2"/>
+                </a:solidFill>
+                <a:latin typeface="Menlo" charset="0"/>
+                <a:ea typeface="Menlo" charset="0"/>
+                <a:cs typeface="Menlo" charset="0"/>
+              </a:rPr>
+              <a:t> CHAR(20)</a:t>
+            </a:r>
+            <a:r>
+              <a:rPr lang="en-US" sz="2000" dirty="0">
+                <a:latin typeface="Menlo" charset="0"/>
+                <a:ea typeface="Menlo" charset="0"/>
+                <a:cs typeface="Menlo" charset="0"/>
+              </a:rPr>
+              <a:t>,</a:t>
+            </a:r>
+          </a:p>
+          <a:p>
+            <a:pPr eaLnBrk="0" hangingPunct="0"/>
+            <a:r>
+              <a:rPr lang="en-US" sz="2000" dirty="0">
+                <a:solidFill>
+                  <a:schemeClr val="accent2"/>
+                </a:solidFill>
+                <a:latin typeface="Menlo" charset="0"/>
+                <a:ea typeface="Menlo" charset="0"/>
+                <a:cs typeface="Menlo" charset="0"/>
+              </a:rPr>
+              <a:t>	</a:t>
+            </a:r>
+            <a:r>
+              <a:rPr lang="en-US" sz="2000" dirty="0" err="1">
+                <a:latin typeface="Menlo" charset="0"/>
+                <a:ea typeface="Menlo" charset="0"/>
+                <a:cs typeface="Menlo" charset="0"/>
+              </a:rPr>
+              <a:t>cid</a:t>
+            </a:r>
+            <a:r>
+              <a:rPr lang="en-US" sz="2000" dirty="0">
+                <a:solidFill>
+                  <a:schemeClr val="accent2"/>
+                </a:solidFill>
+                <a:latin typeface="Menlo" charset="0"/>
+                <a:ea typeface="Menlo" charset="0"/>
+                <a:cs typeface="Menlo" charset="0"/>
+              </a:rPr>
+              <a:t>		 CHAR(20)</a:t>
+            </a:r>
+            <a:r>
+              <a:rPr lang="en-US" sz="2000" dirty="0">
+                <a:latin typeface="Menlo" charset="0"/>
+                <a:ea typeface="Menlo" charset="0"/>
+                <a:cs typeface="Menlo" charset="0"/>
+              </a:rPr>
+              <a:t>,</a:t>
+            </a:r>
+          </a:p>
+          <a:p>
+            <a:pPr eaLnBrk="0" hangingPunct="0"/>
+            <a:r>
+              <a:rPr lang="en-US" sz="2000" dirty="0">
+                <a:solidFill>
+                  <a:schemeClr val="accent2"/>
+                </a:solidFill>
+                <a:latin typeface="Menlo" charset="0"/>
+                <a:ea typeface="Menlo" charset="0"/>
+                <a:cs typeface="Menlo" charset="0"/>
+              </a:rPr>
+              <a:t>	</a:t>
+            </a:r>
+            <a:r>
+              <a:rPr lang="en-US" sz="2000" dirty="0">
+                <a:latin typeface="Menlo" charset="0"/>
+                <a:ea typeface="Menlo" charset="0"/>
+                <a:cs typeface="Menlo" charset="0"/>
+              </a:rPr>
+              <a:t>grade</a:t>
+            </a:r>
+            <a:r>
+              <a:rPr lang="en-US" sz="2000" dirty="0">
+                <a:solidFill>
+                  <a:schemeClr val="accent2"/>
+                </a:solidFill>
+                <a:latin typeface="Menlo" charset="0"/>
+                <a:ea typeface="Menlo" charset="0"/>
+                <a:cs typeface="Menlo" charset="0"/>
+              </a:rPr>
+              <a:t>	 CHAR(10)</a:t>
+            </a:r>
+            <a:r>
+              <a:rPr lang="en-US" sz="2000" dirty="0">
+                <a:latin typeface="Menlo" charset="0"/>
+                <a:ea typeface="Menlo" charset="0"/>
+                <a:cs typeface="Menlo" charset="0"/>
+              </a:rPr>
+              <a:t>,</a:t>
+            </a:r>
+          </a:p>
+          <a:p>
+            <a:pPr eaLnBrk="0" hangingPunct="0"/>
+            <a:r>
+              <a:rPr lang="en-US" sz="2000" dirty="0">
+                <a:solidFill>
+                  <a:schemeClr val="accent2"/>
+                </a:solidFill>
+                <a:latin typeface="Menlo" charset="0"/>
+                <a:ea typeface="Menlo" charset="0"/>
+                <a:cs typeface="Menlo" charset="0"/>
+              </a:rPr>
+              <a:t>	PRIMARY KEY </a:t>
+            </a:r>
+            <a:r>
+              <a:rPr lang="en-US" sz="2000" dirty="0">
+                <a:latin typeface="Menlo" charset="0"/>
+                <a:ea typeface="Menlo" charset="0"/>
+                <a:cs typeface="Menlo" charset="0"/>
+              </a:rPr>
+              <a:t>(</a:t>
+            </a:r>
+            <a:r>
+              <a:rPr lang="en-US" sz="2000" dirty="0" err="1">
+                <a:latin typeface="Menlo" charset="0"/>
+                <a:ea typeface="Menlo" charset="0"/>
+                <a:cs typeface="Menlo" charset="0"/>
+              </a:rPr>
+              <a:t>student_id</a:t>
+            </a:r>
+            <a:r>
+              <a:rPr lang="en-US" sz="2000" dirty="0">
+                <a:latin typeface="Menlo" charset="0"/>
+                <a:ea typeface="Menlo" charset="0"/>
+                <a:cs typeface="Menlo" charset="0"/>
+              </a:rPr>
+              <a:t>, </a:t>
+            </a:r>
+            <a:r>
+              <a:rPr lang="en-US" sz="2000" dirty="0" err="1">
+                <a:latin typeface="Menlo" charset="0"/>
+                <a:ea typeface="Menlo" charset="0"/>
+                <a:cs typeface="Menlo" charset="0"/>
+              </a:rPr>
+              <a:t>cid</a:t>
+            </a:r>
+            <a:r>
+              <a:rPr lang="en-US" sz="2000" dirty="0">
+                <a:latin typeface="Menlo" charset="0"/>
+                <a:ea typeface="Menlo" charset="0"/>
+                <a:cs typeface="Menlo" charset="0"/>
+              </a:rPr>
+              <a:t>),</a:t>
+            </a:r>
+          </a:p>
+          <a:p>
+            <a:pPr eaLnBrk="0" hangingPunct="0"/>
+            <a:r>
+              <a:rPr lang="en-US" sz="2000" dirty="0">
+                <a:solidFill>
+                  <a:schemeClr val="accent2"/>
+                </a:solidFill>
+                <a:latin typeface="Menlo" charset="0"/>
+                <a:ea typeface="Menlo" charset="0"/>
+                <a:cs typeface="Menlo" charset="0"/>
+              </a:rPr>
+              <a:t>	</a:t>
+            </a:r>
+            <a:r>
+              <a:rPr lang="en-US" sz="2000" dirty="0">
+                <a:solidFill>
+                  <a:srgbClr val="FF0000"/>
+                </a:solidFill>
+                <a:latin typeface="Menlo" charset="0"/>
+                <a:ea typeface="Menlo" charset="0"/>
+                <a:cs typeface="Menlo" charset="0"/>
+              </a:rPr>
+              <a:t>FOREIGN KEY</a:t>
+            </a:r>
+            <a:r>
+              <a:rPr lang="en-US" sz="2000" dirty="0">
+                <a:solidFill>
+                  <a:schemeClr val="accent2"/>
+                </a:solidFill>
+                <a:latin typeface="Menlo" charset="0"/>
+                <a:ea typeface="Menlo" charset="0"/>
+                <a:cs typeface="Menlo" charset="0"/>
+              </a:rPr>
+              <a:t> </a:t>
+            </a:r>
+            <a:r>
+              <a:rPr lang="en-US" sz="2000" dirty="0">
+                <a:latin typeface="Menlo" charset="0"/>
+                <a:ea typeface="Menlo" charset="0"/>
+                <a:cs typeface="Menlo" charset="0"/>
+              </a:rPr>
+              <a:t>(</a:t>
+            </a:r>
+            <a:r>
+              <a:rPr lang="en-US" sz="2000" dirty="0" err="1">
+                <a:latin typeface="Menlo" charset="0"/>
+                <a:ea typeface="Menlo" charset="0"/>
+                <a:cs typeface="Menlo" charset="0"/>
+              </a:rPr>
+              <a:t>student_id</a:t>
+            </a:r>
+            <a:r>
+              <a:rPr lang="en-US" sz="2000" dirty="0">
+                <a:latin typeface="Menlo" charset="0"/>
+                <a:ea typeface="Menlo" charset="0"/>
+                <a:cs typeface="Menlo" charset="0"/>
+              </a:rPr>
+              <a:t>) </a:t>
+            </a:r>
+            <a:r>
+              <a:rPr lang="en-US" sz="2000" dirty="0">
+                <a:solidFill>
+                  <a:srgbClr val="FF0000"/>
+                </a:solidFill>
+                <a:latin typeface="Menlo" charset="0"/>
+                <a:ea typeface="Menlo" charset="0"/>
+                <a:cs typeface="Menlo" charset="0"/>
+              </a:rPr>
+              <a:t>REFERENCES</a:t>
+            </a:r>
+            <a:r>
+              <a:rPr lang="en-US" sz="2000" dirty="0">
+                <a:solidFill>
+                  <a:schemeClr val="accent2"/>
+                </a:solidFill>
+                <a:latin typeface="Menlo" charset="0"/>
+                <a:ea typeface="Menlo" charset="0"/>
+                <a:cs typeface="Menlo" charset="0"/>
+              </a:rPr>
+              <a:t> </a:t>
+            </a:r>
+            <a:r>
+              <a:rPr lang="en-US" sz="2000" dirty="0">
+                <a:latin typeface="Menlo" charset="0"/>
+                <a:ea typeface="Menlo" charset="0"/>
+                <a:cs typeface="Menlo" charset="0"/>
+              </a:rPr>
+              <a:t>Students(</a:t>
+            </a:r>
+            <a:r>
+              <a:rPr lang="en-US" sz="2000" dirty="0" err="1">
+                <a:latin typeface="Menlo" charset="0"/>
+                <a:ea typeface="Menlo" charset="0"/>
+                <a:cs typeface="Menlo" charset="0"/>
+              </a:rPr>
+              <a:t>sid</a:t>
+            </a:r>
+            <a:r>
+              <a:rPr lang="en-US" sz="2000" dirty="0">
+                <a:latin typeface="Menlo" charset="0"/>
+                <a:ea typeface="Menlo" charset="0"/>
+                <a:cs typeface="Menlo" charset="0"/>
+              </a:rPr>
+              <a:t>)</a:t>
+            </a:r>
+          </a:p>
+          <a:p>
+            <a:pPr eaLnBrk="0" hangingPunct="0"/>
+            <a:r>
+              <a:rPr lang="en-US" sz="2000" dirty="0">
+                <a:latin typeface="Menlo" charset="0"/>
+                <a:ea typeface="Menlo" charset="0"/>
+                <a:cs typeface="Menlo" charset="0"/>
+              </a:rPr>
+              <a:t>	</a:t>
+            </a:r>
+            <a:r>
+              <a:rPr lang="en-US" sz="2000" b="1" dirty="0">
+                <a:solidFill>
+                  <a:srgbClr val="FF0000"/>
+                </a:solidFill>
+                <a:latin typeface="Menlo" charset="0"/>
+                <a:ea typeface="Menlo" charset="0"/>
+                <a:cs typeface="Menlo" charset="0"/>
+              </a:rPr>
+              <a:t>ON DELETE </a:t>
+            </a:r>
+            <a:r>
+              <a:rPr lang="en-US" altLang="zh-CN" sz="2000" b="1" dirty="0">
+                <a:solidFill>
+                  <a:srgbClr val="FF0000"/>
+                </a:solidFill>
+                <a:latin typeface="Menlo" charset="0"/>
+                <a:ea typeface="Menlo" charset="0"/>
+                <a:cs typeface="Menlo" charset="0"/>
+              </a:rPr>
+              <a:t>SET</a:t>
+            </a:r>
+            <a:r>
+              <a:rPr lang="zh-CN" altLang="en-US" sz="2000" b="1" dirty="0">
+                <a:solidFill>
+                  <a:srgbClr val="FF0000"/>
+                </a:solidFill>
+                <a:latin typeface="Menlo" charset="0"/>
+                <a:ea typeface="Menlo" charset="0"/>
+                <a:cs typeface="Menlo" charset="0"/>
+              </a:rPr>
+              <a:t> </a:t>
+            </a:r>
+            <a:r>
+              <a:rPr lang="en-US" altLang="zh-CN" sz="2000" b="1" dirty="0">
+                <a:solidFill>
+                  <a:srgbClr val="FF0000"/>
+                </a:solidFill>
+                <a:latin typeface="Menlo" charset="0"/>
+                <a:ea typeface="Menlo" charset="0"/>
+                <a:cs typeface="Menlo" charset="0"/>
+              </a:rPr>
+              <a:t>NULL</a:t>
+            </a:r>
+            <a:endParaRPr lang="en-US" sz="2000" b="1" dirty="0">
+              <a:solidFill>
+                <a:srgbClr val="FF0000"/>
+              </a:solidFill>
+              <a:latin typeface="Menlo" charset="0"/>
+              <a:ea typeface="Menlo" charset="0"/>
+              <a:cs typeface="Menlo" charset="0"/>
+            </a:endParaRPr>
+          </a:p>
+          <a:p>
+            <a:pPr eaLnBrk="0" hangingPunct="0"/>
+            <a:r>
+              <a:rPr lang="en-US" sz="2000" dirty="0">
+                <a:latin typeface="Menlo" charset="0"/>
+                <a:ea typeface="Menlo" charset="0"/>
+                <a:cs typeface="Menlo" charset="0"/>
+              </a:rPr>
+              <a:t>)</a:t>
+            </a:r>
+          </a:p>
+        </p:txBody>
+      </p:sp>
+      <p:graphicFrame>
+        <p:nvGraphicFramePr>
+          <p:cNvPr id="11" name="Table 10"/>
+          <p:cNvGraphicFramePr>
+            <a:graphicFrameLocks noGrp="1"/>
+          </p:cNvGraphicFramePr>
+          <p:nvPr>
+            <p:extLst/>
+          </p:nvPr>
+        </p:nvGraphicFramePr>
+        <p:xfrm>
+          <a:off x="2623002" y="1946940"/>
+          <a:ext cx="3089731" cy="1371600"/>
+        </p:xfrm>
+        <a:graphic>
+          <a:graphicData uri="http://schemas.openxmlformats.org/drawingml/2006/table">
+            <a:tbl>
+              <a:tblPr firstRow="1" bandRow="1">
+                <a:tableStyleId>{7E9639D4-E3E2-4D34-9284-5A2195B3D0D7}</a:tableStyleId>
+              </a:tblPr>
+              <a:tblGrid>
+                <a:gridCol w="1477109">
+                  <a:extLst>
+                    <a:ext uri="{9D8B030D-6E8A-4147-A177-3AD203B41FA5}">
+                      <a16:colId xmlns:a16="http://schemas.microsoft.com/office/drawing/2014/main" xmlns="" val="20000"/>
+                    </a:ext>
+                  </a:extLst>
+                </a:gridCol>
+                <a:gridCol w="598948">
+                  <a:extLst>
+                    <a:ext uri="{9D8B030D-6E8A-4147-A177-3AD203B41FA5}">
+                      <a16:colId xmlns:a16="http://schemas.microsoft.com/office/drawing/2014/main" xmlns="" val="20001"/>
+                    </a:ext>
+                  </a:extLst>
+                </a:gridCol>
+                <a:gridCol w="1013674">
+                  <a:extLst>
+                    <a:ext uri="{9D8B030D-6E8A-4147-A177-3AD203B41FA5}">
+                      <a16:colId xmlns:a16="http://schemas.microsoft.com/office/drawing/2014/main" xmlns="" val="20002"/>
+                    </a:ext>
+                  </a:extLst>
+                </a:gridCol>
+              </a:tblGrid>
+              <a:tr h="285005">
+                <a:tc>
+                  <a:txBody>
+                    <a:bodyPr/>
+                    <a:lstStyle/>
+                    <a:p>
+                      <a:pPr algn="ctr"/>
+                      <a:r>
+                        <a:rPr lang="en-US" sz="1800" dirty="0" err="1">
+                          <a:solidFill>
+                            <a:srgbClr val="FFC000"/>
+                          </a:solidFill>
+                        </a:rPr>
+                        <a:t>student_id</a:t>
+                      </a:r>
+                      <a:endParaRPr lang="en-US" sz="1800" b="1" dirty="0">
+                        <a:solidFill>
+                          <a:srgbClr val="FFC000"/>
+                        </a:solidFill>
+                      </a:endParaRPr>
+                    </a:p>
+                  </a:txBody>
+                  <a:tcPr marL="68580" marR="68580" marT="34290" marB="34290"/>
+                </a:tc>
+                <a:tc>
+                  <a:txBody>
+                    <a:bodyPr/>
+                    <a:lstStyle/>
+                    <a:p>
+                      <a:pPr algn="ctr"/>
+                      <a:r>
+                        <a:rPr lang="en-US" sz="1800" dirty="0"/>
+                        <a:t>cid</a:t>
+                      </a:r>
+                      <a:endParaRPr lang="en-US" sz="1800" b="1" dirty="0"/>
+                    </a:p>
+                  </a:txBody>
+                  <a:tcPr marL="68580" marR="68580" marT="34290" marB="34290"/>
+                </a:tc>
+                <a:tc>
+                  <a:txBody>
+                    <a:bodyPr/>
+                    <a:lstStyle/>
+                    <a:p>
+                      <a:pPr algn="ctr"/>
+                      <a:r>
+                        <a:rPr lang="en-US" sz="1800" dirty="0"/>
+                        <a:t>grade</a:t>
+                      </a:r>
+                      <a:endParaRPr lang="en-US" sz="1800" b="1" dirty="0"/>
+                    </a:p>
+                  </a:txBody>
+                  <a:tcPr marL="68580" marR="68580" marT="34290" marB="34290"/>
+                </a:tc>
+                <a:extLst>
+                  <a:ext uri="{0D108BD9-81ED-4DB2-BD59-A6C34878D82A}">
+                    <a16:rowId xmlns:a16="http://schemas.microsoft.com/office/drawing/2014/main" xmlns="" val="10000"/>
+                  </a:ext>
+                </a:extLst>
+              </a:tr>
+              <a:tr h="274320">
+                <a:tc>
+                  <a:txBody>
+                    <a:bodyPr/>
+                    <a:lstStyle/>
+                    <a:p>
+                      <a:r>
+                        <a:rPr lang="en-US" sz="1800" dirty="0"/>
+                        <a:t>123</a:t>
+                      </a:r>
+                    </a:p>
+                  </a:txBody>
+                  <a:tcPr marL="68580" marR="68580" marT="34290" marB="34290"/>
+                </a:tc>
+                <a:tc>
+                  <a:txBody>
+                    <a:bodyPr/>
+                    <a:lstStyle/>
+                    <a:p>
+                      <a:r>
+                        <a:rPr lang="en-US" sz="1800" dirty="0"/>
+                        <a:t>354</a:t>
+                      </a:r>
+                    </a:p>
+                  </a:txBody>
+                  <a:tcPr marL="68580" marR="68580" marT="34290" marB="34290"/>
+                </a:tc>
+                <a:tc>
+                  <a:txBody>
+                    <a:bodyPr/>
+                    <a:lstStyle/>
+                    <a:p>
+                      <a:pPr algn="ctr"/>
+                      <a:r>
+                        <a:rPr lang="en-US" sz="1800" dirty="0"/>
+                        <a:t>A</a:t>
+                      </a:r>
+                    </a:p>
+                  </a:txBody>
+                  <a:tcPr marL="68580" marR="68580" marT="34290" marB="34290"/>
+                </a:tc>
+                <a:extLst>
+                  <a:ext uri="{0D108BD9-81ED-4DB2-BD59-A6C34878D82A}">
+                    <a16:rowId xmlns:a16="http://schemas.microsoft.com/office/drawing/2014/main" xmlns="" val="10001"/>
+                  </a:ext>
+                </a:extLst>
+              </a:tr>
+              <a:tr h="274320">
+                <a:tc>
+                  <a:txBody>
+                    <a:bodyPr/>
+                    <a:lstStyle/>
+                    <a:p>
+                      <a:r>
+                        <a:rPr lang="en-US" sz="1800" dirty="0"/>
+                        <a:t>123</a:t>
+                      </a:r>
+                    </a:p>
+                  </a:txBody>
+                  <a:tcPr marL="68580" marR="68580" marT="34290" marB="34290"/>
+                </a:tc>
+                <a:tc>
+                  <a:txBody>
+                    <a:bodyPr/>
+                    <a:lstStyle/>
+                    <a:p>
+                      <a:r>
+                        <a:rPr lang="en-US" sz="1800" dirty="0"/>
+                        <a:t>454</a:t>
+                      </a:r>
+                    </a:p>
+                  </a:txBody>
+                  <a:tcPr marL="68580" marR="68580" marT="34290" marB="34290"/>
+                </a:tc>
+                <a:tc>
+                  <a:txBody>
+                    <a:bodyPr/>
+                    <a:lstStyle/>
+                    <a:p>
+                      <a:pPr algn="ctr"/>
+                      <a:r>
+                        <a:rPr lang="en-US" sz="1800" dirty="0"/>
+                        <a:t>A+</a:t>
+                      </a:r>
+                    </a:p>
+                  </a:txBody>
+                  <a:tcPr marL="68580" marR="68580" marT="34290" marB="34290"/>
+                </a:tc>
+                <a:extLst>
+                  <a:ext uri="{0D108BD9-81ED-4DB2-BD59-A6C34878D82A}">
+                    <a16:rowId xmlns:a16="http://schemas.microsoft.com/office/drawing/2014/main" xmlns="" val="10002"/>
+                  </a:ext>
+                </a:extLst>
+              </a:tr>
+              <a:tr h="274320">
+                <a:tc>
+                  <a:txBody>
+                    <a:bodyPr/>
+                    <a:lstStyle/>
+                    <a:p>
+                      <a:r>
+                        <a:rPr lang="en-US" sz="1800" dirty="0"/>
+                        <a:t>156</a:t>
+                      </a:r>
+                    </a:p>
+                  </a:txBody>
+                  <a:tcPr marL="68580" marR="68580" marT="34290" marB="34290"/>
+                </a:tc>
+                <a:tc>
+                  <a:txBody>
+                    <a:bodyPr/>
+                    <a:lstStyle/>
+                    <a:p>
+                      <a:r>
+                        <a:rPr lang="en-US" sz="1800" dirty="0"/>
+                        <a:t>354</a:t>
+                      </a:r>
+                    </a:p>
+                  </a:txBody>
+                  <a:tcPr marL="68580" marR="68580" marT="34290" marB="34290"/>
+                </a:tc>
+                <a:tc>
+                  <a:txBody>
+                    <a:bodyPr/>
+                    <a:lstStyle/>
+                    <a:p>
+                      <a:pPr algn="ctr"/>
+                      <a:r>
+                        <a:rPr lang="en-US" sz="1800" dirty="0"/>
+                        <a:t>A</a:t>
+                      </a:r>
+                    </a:p>
+                  </a:txBody>
+                  <a:tcPr marL="68580" marR="68580" marT="34290" marB="34290"/>
+                </a:tc>
+                <a:extLst>
+                  <a:ext uri="{0D108BD9-81ED-4DB2-BD59-A6C34878D82A}">
+                    <a16:rowId xmlns:a16="http://schemas.microsoft.com/office/drawing/2014/main" xmlns="" val="10003"/>
+                  </a:ext>
+                </a:extLst>
+              </a:tr>
+            </a:tbl>
+          </a:graphicData>
+        </a:graphic>
+      </p:graphicFrame>
+      <p:sp>
+        <p:nvSpPr>
+          <p:cNvPr id="3" name="Slide Number Placeholder 2"/>
+          <p:cNvSpPr>
+            <a:spLocks noGrp="1"/>
+          </p:cNvSpPr>
+          <p:nvPr>
+            <p:ph type="sldNum" sz="quarter" idx="12"/>
+          </p:nvPr>
+        </p:nvSpPr>
+        <p:spPr/>
+        <p:txBody>
+          <a:bodyPr/>
+          <a:lstStyle/>
+          <a:p>
+            <a:fld id="{24AF9547-1ADA-7741-9454-C97103F281DA}" type="slidenum">
+              <a:rPr lang="en-US" smtClean="0"/>
+              <a:t>33</a:t>
+            </a:fld>
+            <a:endParaRPr lang="en-US"/>
+          </a:p>
+        </p:txBody>
+      </p:sp>
+    </p:spTree>
+    <p:extLst>
+      <p:ext uri="{BB962C8B-B14F-4D97-AF65-F5344CB8AC3E}">
+        <p14:creationId xmlns:p14="http://schemas.microsoft.com/office/powerpoint/2010/main" val="128016844"/>
+      </p:ext>
+    </p:extLst>
+  </p:cSld>
+  <p:clrMapOvr>
+    <a:masterClrMapping/>
+  </p:clrMapOvr>
+  <p:timing>
+    <p:tnLst>
+      <p:par>
+        <p:cTn id="1" dur="indefinite" restart="never" nodeType="tmRoot">
+          <p:childTnLst>
+            <p:seq concurrent="1" nextAc="seek">
+              <p:cTn id="2" dur="indefinite" nodeType="mainSeq">
+                <p:childTnLst>
+                  <p:par>
+                    <p:cTn id="3" fill="hold">
+                      <p:stCondLst>
+                        <p:cond delay="indefinite"/>
+                        <p:cond evt="onBegin" delay="0">
+                          <p:tn val="2"/>
+                        </p:cond>
+                      </p:stCondLst>
+                      <p:childTnLst>
+                        <p:par>
+                          <p:cTn id="4" fill="hold">
+                            <p:stCondLst>
+                              <p:cond delay="0"/>
+                            </p:stCondLst>
+                            <p:childTnLst>
+                              <p:par>
+                                <p:cTn id="5" presetID="1" presetClass="entr" presetSubtype="0" fill="hold" nodeType="withEffect">
+                                  <p:stCondLst>
+                                    <p:cond delay="0"/>
+                                  </p:stCondLst>
+                                  <p:childTnLst>
+                                    <p:set>
+                                      <p:cBhvr>
+                                        <p:cTn id="6" dur="1" fill="hold">
+                                          <p:stCondLst>
+                                            <p:cond delay="0"/>
+                                          </p:stCondLst>
+                                        </p:cTn>
+                                        <p:tgtEl>
+                                          <p:spTgt spid="11"/>
+                                        </p:tgtEl>
+                                        <p:attrNameLst>
+                                          <p:attrName>style.visibility</p:attrName>
+                                        </p:attrNameLst>
+                                      </p:cBhvr>
+                                      <p:to>
+                                        <p:strVal val="visible"/>
+                                      </p:to>
+                                    </p:set>
+                                  </p:childTnLst>
+                                </p:cTn>
+                              </p:par>
+                            </p:childTnLst>
+                          </p:cTn>
+                        </p:par>
+                      </p:childTnLst>
+                    </p:cTn>
+                  </p:par>
+                </p:childTnLst>
+              </p:cTn>
+              <p:prevCondLst>
+                <p:cond evt="onPrev" delay="0">
+                  <p:tgtEl>
+                    <p:sldTgt/>
+                  </p:tgtEl>
+                </p:cond>
+              </p:prevCondLst>
+              <p:nextCondLst>
+                <p:cond evt="onNext" delay="0">
+                  <p:tgtEl>
+                    <p:sldTgt/>
+                  </p:tgtEl>
+                </p:cond>
+              </p:nextCondLst>
+            </p:seq>
+          </p:childTnLst>
+        </p:cTn>
+      </p:par>
+    </p:tnLst>
+  </p:timing>
+</p:sld>
+</file>
+
+<file path=ppt/slides/slide34.xml><?xml version="1.0" encoding="utf-8"?>
+<p:sld xmlns:a="http://schemas.openxmlformats.org/drawingml/2006/main" xmlns:r="http://schemas.openxmlformats.org/officeDocument/2006/relationships" xmlns:p="http://schemas.openxmlformats.org/presentationml/2006/main">
+  <p:cSld>
+    <p:spTree>
+      <p:nvGrpSpPr>
+        <p:cNvPr id="1" name=""/>
+        <p:cNvGrpSpPr/>
+        <p:nvPr/>
+      </p:nvGrpSpPr>
+      <p:grpSpPr>
+        <a:xfrm>
+          <a:off x="0" y="0"/>
+          <a:ext cx="0" cy="0"/>
+          <a:chOff x="0" y="0"/>
+          <a:chExt cx="0" cy="0"/>
+        </a:xfrm>
+      </p:grpSpPr>
+      <p:sp>
+        <p:nvSpPr>
+          <p:cNvPr id="2" name="Title 1"/>
+          <p:cNvSpPr>
+            <a:spLocks noGrp="1"/>
+          </p:cNvSpPr>
+          <p:nvPr>
+            <p:ph type="title"/>
+          </p:nvPr>
+        </p:nvSpPr>
+        <p:spPr/>
+        <p:txBody>
           <a:bodyPr/>
           <a:lstStyle/>
           <a:p>
@@ -25000,7 +26307,7 @@
           <p:cNvPr id="4" name="Slide Number Placeholder 3">
             <a:extLst>
               <a:ext uri="{FF2B5EF4-FFF2-40B4-BE49-F238E27FC236}">
-                <a16:creationId xmlns:a16="http://schemas.microsoft.com/office/drawing/2014/main" id="{DD140D70-CF44-D54B-9AE3-D29B681A0D33}"/>
+                <a16:creationId xmlns:a16="http://schemas.microsoft.com/office/drawing/2014/main" xmlns="" id="{DD140D70-CF44-D54B-9AE3-D29B681A0D33}"/>
               </a:ext>
             </a:extLst>
           </p:cNvPr>
@@ -25018,7 +26325,7 @@
           <a:p>
             <a:fld id="{24AF9547-1ADA-7741-9454-C97103F281DA}" type="slidenum">
               <a:rPr lang="en-US" smtClean="0"/>
-              <a:t>32</a:t>
+              <a:t>34</a:t>
             </a:fld>
             <a:endParaRPr lang="en-US"/>
           </a:p>
@@ -25756,7 +27063,7 @@
           <p:cNvPr id="2" name="Title 1">
             <a:extLst>
               <a:ext uri="{FF2B5EF4-FFF2-40B4-BE49-F238E27FC236}">
-                <a16:creationId xmlns:a16="http://schemas.microsoft.com/office/drawing/2014/main" id="{94501782-B7C7-6842-976A-473B00DFA4A9}"/>
+                <a16:creationId xmlns:a16="http://schemas.microsoft.com/office/drawing/2014/main" xmlns="" id="{94501782-B7C7-6842-976A-473B00DFA4A9}"/>
               </a:ext>
             </a:extLst>
           </p:cNvPr>
@@ -25784,7 +27091,7 @@
           <p:cNvPr id="3" name="Content Placeholder 2">
             <a:extLst>
               <a:ext uri="{FF2B5EF4-FFF2-40B4-BE49-F238E27FC236}">
-                <a16:creationId xmlns:a16="http://schemas.microsoft.com/office/drawing/2014/main" id="{C8090023-957A-D44A-9A68-C67904302C30}"/>
+                <a16:creationId xmlns:a16="http://schemas.microsoft.com/office/drawing/2014/main" xmlns="" id="{C8090023-957A-D44A-9A68-C67904302C30}"/>
               </a:ext>
             </a:extLst>
           </p:cNvPr>
@@ -25949,7 +27256,7 @@
           <p:cNvPr id="4" name="Slide Number Placeholder 3">
             <a:extLst>
               <a:ext uri="{FF2B5EF4-FFF2-40B4-BE49-F238E27FC236}">
-                <a16:creationId xmlns:a16="http://schemas.microsoft.com/office/drawing/2014/main" id="{C730120B-DC91-3A4B-9010-90A056D4691D}"/>
+                <a16:creationId xmlns:a16="http://schemas.microsoft.com/office/drawing/2014/main" xmlns="" id="{C730120B-DC91-3A4B-9010-90A056D4691D}"/>
               </a:ext>
             </a:extLst>
           </p:cNvPr>
@@ -26008,7 +27315,7 @@
           <p:cNvPr id="22" name="Content Placeholder 2">
             <a:extLst>
               <a:ext uri="{FF2B5EF4-FFF2-40B4-BE49-F238E27FC236}">
-                <a16:creationId xmlns:a16="http://schemas.microsoft.com/office/drawing/2014/main" id="{C8090023-957A-D44A-9A68-C67904302C30}"/>
+                <a16:creationId xmlns:a16="http://schemas.microsoft.com/office/drawing/2014/main" xmlns="" id="{C8090023-957A-D44A-9A68-C67904302C30}"/>
               </a:ext>
             </a:extLst>
           </p:cNvPr>

--- a/Lectures/lec3-sql-basics.pptx
+++ b/Lectures/lec3-sql-basics.pptx
@@ -37283,7 +37283,48 @@
                 <a:ea typeface="Menlo" charset="0"/>
                 <a:cs typeface="Menlo" charset="0"/>
               </a:rPr>
-              <a:t> AND </a:t>
+              <a:t> </a:t>
+            </a:r>
+            <a:r>
+              <a:rPr lang="en-US" sz="2000">
+                <a:latin typeface="Menlo" charset="0"/>
+                <a:ea typeface="Menlo" charset="0"/>
+                <a:cs typeface="Menlo" charset="0"/>
+              </a:rPr>
+              <a:t>AND </a:t>
+            </a:r>
+            <a:r>
+              <a:rPr lang="en-US" sz="2000">
+                <a:solidFill>
+                  <a:prstClr val="black"/>
+                </a:solidFill>
+                <a:latin typeface="Menlo" charset="0"/>
+                <a:ea typeface="Menlo" charset="0"/>
+                <a:cs typeface="Menlo" charset="0"/>
+              </a:rPr>
+              <a:t>grad</a:t>
+            </a:r>
+            <a:r>
+              <a:rPr lang="en-US" altLang="zh-CN" sz="2000">
+                <a:solidFill>
+                  <a:prstClr val="black"/>
+                </a:solidFill>
+                <a:latin typeface="Menlo" charset="0"/>
+                <a:ea typeface="Menlo" charset="0"/>
+                <a:cs typeface="Menlo" charset="0"/>
+              </a:rPr>
+              <a:t>e</a:t>
+            </a:r>
+            <a:r>
+              <a:rPr lang="en-US" sz="2000">
+                <a:solidFill>
+                  <a:prstClr val="black"/>
+                </a:solidFill>
+                <a:latin typeface="Menlo" charset="0"/>
+                <a:ea typeface="Menlo" charset="0"/>
+                <a:cs typeface="Menlo" charset="0"/>
+              </a:rPr>
+              <a:t> </a:t>
             </a:r>
             <a:r>
               <a:rPr lang="en-US" sz="2000" dirty="0">
@@ -37294,7 +37335,7 @@
                 <a:ea typeface="Menlo" charset="0"/>
                 <a:cs typeface="Menlo" charset="0"/>
               </a:rPr>
-              <a:t>grad &gt;= ‘A+’</a:t>
+              <a:t>&gt;= ‘A’</a:t>
             </a:r>
             <a:endParaRPr lang="en-US" sz="1400" dirty="0">
               <a:solidFill>
@@ -44063,8 +44104,8 @@
         </p:nvSpPr>
         <p:spPr bwMode="auto">
           <a:xfrm>
-            <a:off x="891788" y="4447370"/>
-            <a:ext cx="6939643" cy="1323439"/>
+            <a:off x="184637" y="4447369"/>
+            <a:ext cx="8774726" cy="1323439"/>
           </a:xfrm>
           <a:prstGeom prst="rect">
             <a:avLst/>
@@ -44171,6 +44212,14 @@
               <a:t>  </a:t>
             </a:r>
             <a:r>
+              <a:rPr lang="en-US" altLang="zh-CN" sz="2000" dirty="0" err="1">
+                <a:latin typeface="Menlo" charset="0"/>
+                <a:ea typeface="Menlo" charset="0"/>
+                <a:cs typeface="Menlo" charset="0"/>
+              </a:rPr>
+              <a:t>S.</a:t>
+            </a:r>
+            <a:r>
               <a:rPr lang="en-US" sz="2000" dirty="0" err="1">
                 <a:latin typeface="Menlo" charset="0"/>
                 <a:ea typeface="Menlo" charset="0"/>
@@ -44187,12 +44236,44 @@
               <a:t> = </a:t>
             </a:r>
             <a:r>
+              <a:rPr lang="en-US" altLang="zh-CN" sz="2000" dirty="0">
+                <a:latin typeface="Menlo" charset="0"/>
+                <a:ea typeface="Menlo" charset="0"/>
+                <a:cs typeface="Menlo" charset="0"/>
+              </a:rPr>
+              <a:t>E1.</a:t>
+            </a:r>
+            <a:r>
+              <a:rPr lang="en-US" sz="2000" dirty="0">
+                <a:latin typeface="Menlo" charset="0"/>
+                <a:ea typeface="Menlo" charset="0"/>
+                <a:cs typeface="Menlo" charset="0"/>
+              </a:rPr>
+              <a:t>student_id AND</a:t>
+            </a:r>
+            <a:r>
+              <a:rPr lang="zh-CN" altLang="en-US" sz="2000" dirty="0">
+                <a:latin typeface="Menlo" charset="0"/>
+                <a:ea typeface="Menlo" charset="0"/>
+                <a:cs typeface="Menlo" charset="0"/>
+              </a:rPr>
+              <a:t> </a:t>
+            </a:r>
+            <a:r>
+              <a:rPr lang="en-US" altLang="zh-CN" sz="2000" dirty="0" err="1">
+                <a:latin typeface="Menlo" charset="0"/>
+                <a:ea typeface="Menlo" charset="0"/>
+                <a:cs typeface="Menlo" charset="0"/>
+              </a:rPr>
+              <a:t>S.</a:t>
+            </a:r>
+            <a:r>
               <a:rPr lang="en-US" sz="2000" dirty="0" err="1">
                 <a:latin typeface="Menlo" charset="0"/>
                 <a:ea typeface="Menlo" charset="0"/>
                 <a:cs typeface="Menlo" charset="0"/>
               </a:rPr>
-              <a:t>student_id</a:t>
+              <a:t>sid</a:t>
             </a:r>
             <a:r>
               <a:rPr lang="en-US" sz="2000" dirty="0">
@@ -44200,7 +44281,23 @@
                 <a:ea typeface="Menlo" charset="0"/>
                 <a:cs typeface="Menlo" charset="0"/>
               </a:rPr>
-              <a:t> AND </a:t>
+              <a:t> = </a:t>
+            </a:r>
+            <a:r>
+              <a:rPr lang="en-US" altLang="zh-CN" sz="2000" dirty="0">
+                <a:latin typeface="Menlo" charset="0"/>
+                <a:ea typeface="Menlo" charset="0"/>
+                <a:cs typeface="Menlo" charset="0"/>
+              </a:rPr>
+              <a:t>E2.</a:t>
+            </a:r>
+            <a:r>
+              <a:rPr lang="en-US" sz="2000" dirty="0">
+                <a:latin typeface="Menlo" charset="0"/>
+                <a:ea typeface="Menlo" charset="0"/>
+                <a:cs typeface="Menlo" charset="0"/>
+              </a:rPr>
+              <a:t>student_id </a:t>
             </a:r>
           </a:p>
           <a:p>
@@ -44211,7 +44308,31 @@
                 <a:ea typeface="Menlo" charset="0"/>
                 <a:cs typeface="Menlo" charset="0"/>
               </a:rPr>
-              <a:t>       (E1.cid = 354 AND E2.cid = 454)</a:t>
+              <a:t>       </a:t>
+            </a:r>
+            <a:r>
+              <a:rPr lang="en-US" altLang="zh-CN" sz="2000" dirty="0">
+                <a:latin typeface="Menlo" charset="0"/>
+                <a:ea typeface="Menlo" charset="0"/>
+                <a:cs typeface="Menlo" charset="0"/>
+              </a:rPr>
+              <a:t>AND</a:t>
+            </a:r>
+            <a:r>
+              <a:rPr lang="zh-CN" altLang="en-US" sz="2000" dirty="0">
+                <a:latin typeface="Menlo" charset="0"/>
+                <a:ea typeface="Menlo" charset="0"/>
+                <a:cs typeface="Menlo" charset="0"/>
+              </a:rPr>
+              <a:t> </a:t>
+            </a:r>
+            <a:r>
+              <a:rPr lang="en-US" sz="2000" dirty="0">
+                <a:latin typeface="Menlo" charset="0"/>
+                <a:ea typeface="Menlo" charset="0"/>
+                <a:cs typeface="Menlo" charset="0"/>
+              </a:rPr>
+              <a:t>(E1.cid = 354 AND E2.cid = 454)</a:t>
             </a:r>
             <a:endParaRPr lang="en-US" sz="1400" dirty="0">
               <a:solidFill>
@@ -44245,7 +44366,7 @@
         </p:blipFill>
         <p:spPr>
           <a:xfrm>
-            <a:off x="7310175" y="4907357"/>
+            <a:off x="7863876" y="5403206"/>
             <a:ext cx="1468313" cy="1726903"/>
           </a:xfrm>
           <a:prstGeom prst="rect">

--- a/Lectures/lec3-sql-basics.pptx
+++ b/Lectures/lec3-sql-basics.pptx
@@ -251,7 +251,7 @@
           <a:p>
             <a:fld id="{2736D85D-8AD2-3E48-9003-FE0FC165286A}" type="datetimeFigureOut">
               <a:rPr lang="en-US" smtClean="0"/>
-              <a:t>9/20/18</a:t>
+              <a:t>12/10/18</a:t>
             </a:fld>
             <a:endParaRPr lang="en-US"/>
           </a:p>
@@ -621,35 +621,9 @@
       </p:grpSpPr>
       <p:sp>
         <p:nvSpPr>
-          <p:cNvPr id="7" name="Rectangle 7"/>
+          <p:cNvPr id="101378" name="Slide Image Placeholder 1"/>
           <p:cNvSpPr>
-            <a:spLocks noGrp="1" noChangeArrowheads="1"/>
-          </p:cNvSpPr>
-          <p:nvPr>
-            <p:ph type="sldNum" sz="quarter" idx="5"/>
-          </p:nvPr>
-        </p:nvSpPr>
-        <p:spPr>
-          <a:ln/>
-        </p:spPr>
-        <p:txBody>
-          <a:bodyPr/>
-          <a:lstStyle/>
-          <a:p>
-            <a:fld id="{192E86E1-9278-48F6-96C9-0626624145BD}" type="slidenum">
-              <a:rPr lang="en-US"/>
-              <a:pPr/>
-              <a:t>21</a:t>
-            </a:fld>
-            <a:endParaRPr lang="en-US"/>
-          </a:p>
-        </p:txBody>
-      </p:sp>
-      <p:sp>
-        <p:nvSpPr>
-          <p:cNvPr id="278530" name="Rectangle 2"/>
-          <p:cNvSpPr>
-            <a:spLocks noGrp="1" noRot="1" noChangeAspect="1" noChangeArrowheads="1" noTextEdit="1"/>
+            <a:spLocks noGrp="1" noRot="1" noChangeAspect="1" noTextEdit="1"/>
           </p:cNvSpPr>
           <p:nvPr>
             <p:ph type="sldImg"/>
@@ -661,19 +635,49 @@
       </p:sp>
       <p:sp>
         <p:nvSpPr>
-          <p:cNvPr id="278531" name="Rectangle 3"/>
+          <p:cNvPr id="101379" name="Notes Placeholder 2"/>
           <p:cNvSpPr>
-            <a:spLocks noGrp="1" noChangeArrowheads="1"/>
+            <a:spLocks noGrp="1"/>
           </p:cNvSpPr>
           <p:nvPr>
             <p:ph type="body" idx="1"/>
           </p:nvPr>
         </p:nvSpPr>
-        <p:spPr/>
+        <p:spPr>
+          <a:noFill/>
+          <a:ln/>
+        </p:spPr>
         <p:txBody>
           <a:bodyPr/>
           <a:lstStyle/>
           <a:p>
+            <a:pPr eaLnBrk="1" hangingPunct="1"/>
+            <a:endParaRPr lang="en-CA"/>
+          </a:p>
+        </p:txBody>
+      </p:sp>
+      <p:sp>
+        <p:nvSpPr>
+          <p:cNvPr id="101380" name="Slide Number Placeholder 3"/>
+          <p:cNvSpPr>
+            <a:spLocks noGrp="1"/>
+          </p:cNvSpPr>
+          <p:nvPr>
+            <p:ph type="sldNum" sz="quarter" idx="5"/>
+          </p:nvPr>
+        </p:nvSpPr>
+        <p:spPr>
+          <a:noFill/>
+        </p:spPr>
+        <p:txBody>
+          <a:bodyPr/>
+          <a:lstStyle/>
+          <a:p>
+            <a:fld id="{787C7385-1679-48D7-9236-9AF931B40705}" type="slidenum">
+              <a:rPr lang="en-US" smtClean="0"/>
+              <a:pPr/>
+              <a:t>19</a:t>
+            </a:fld>
             <a:endParaRPr lang="en-US"/>
           </a:p>
         </p:txBody>
@@ -681,7 +685,7 @@
     </p:spTree>
     <p:extLst>
       <p:ext uri="{BB962C8B-B14F-4D97-AF65-F5344CB8AC3E}">
-        <p14:creationId xmlns:p14="http://schemas.microsoft.com/office/powerpoint/2010/main" val="259640480"/>
+        <p14:creationId xmlns:p14="http://schemas.microsoft.com/office/powerpoint/2010/main" val="1962592195"/>
       </p:ext>
     </p:extLst>
   </p:cSld>
@@ -728,7 +732,7 @@
             <a:fld id="{192E86E1-9278-48F6-96C9-0626624145BD}" type="slidenum">
               <a:rPr lang="en-US"/>
               <a:pPr/>
-              <a:t>22</a:t>
+              <a:t>21</a:t>
             </a:fld>
             <a:endParaRPr lang="en-US"/>
           </a:p>
@@ -763,14 +767,18 @@
           <a:bodyPr/>
           <a:lstStyle/>
           <a:p>
-            <a:endParaRPr lang="en-US"/>
+            <a:r>
+              <a:rPr lang="en-US" altLang="zh-CN" dirty="0" smtClean="0"/>
+              <a:t>No</a:t>
+            </a:r>
+            <a:endParaRPr lang="en-US" dirty="0"/>
           </a:p>
         </p:txBody>
       </p:sp>
     </p:spTree>
     <p:extLst>
       <p:ext uri="{BB962C8B-B14F-4D97-AF65-F5344CB8AC3E}">
-        <p14:creationId xmlns:p14="http://schemas.microsoft.com/office/powerpoint/2010/main" val="1337492976"/>
+        <p14:creationId xmlns:p14="http://schemas.microsoft.com/office/powerpoint/2010/main" val="259640480"/>
       </p:ext>
     </p:extLst>
   </p:cSld>
@@ -799,21 +807,49 @@
       </p:grpSpPr>
       <p:sp>
         <p:nvSpPr>
-          <p:cNvPr id="2" name="Slide Image Placeholder 1"/>
+          <p:cNvPr id="7" name="Rectangle 7"/>
           <p:cNvSpPr>
-            <a:spLocks noGrp="1" noRot="1" noChangeAspect="1"/>
+            <a:spLocks noGrp="1" noChangeArrowheads="1"/>
+          </p:cNvSpPr>
+          <p:nvPr>
+            <p:ph type="sldNum" sz="quarter" idx="5"/>
+          </p:nvPr>
+        </p:nvSpPr>
+        <p:spPr>
+          <a:ln/>
+        </p:spPr>
+        <p:txBody>
+          <a:bodyPr/>
+          <a:lstStyle/>
+          <a:p>
+            <a:fld id="{192E86E1-9278-48F6-96C9-0626624145BD}" type="slidenum">
+              <a:rPr lang="en-US"/>
+              <a:pPr/>
+              <a:t>22</a:t>
+            </a:fld>
+            <a:endParaRPr lang="en-US"/>
+          </a:p>
+        </p:txBody>
+      </p:sp>
+      <p:sp>
+        <p:nvSpPr>
+          <p:cNvPr id="278530" name="Rectangle 2"/>
+          <p:cNvSpPr>
+            <a:spLocks noGrp="1" noRot="1" noChangeAspect="1" noChangeArrowheads="1" noTextEdit="1"/>
           </p:cNvSpPr>
           <p:nvPr>
             <p:ph type="sldImg"/>
           </p:nvPr>
         </p:nvSpPr>
-        <p:spPr/>
+        <p:spPr>
+          <a:ln/>
+        </p:spPr>
       </p:sp>
       <p:sp>
         <p:nvSpPr>
-          <p:cNvPr id="3" name="Notes Placeholder 2"/>
+          <p:cNvPr id="278531" name="Rectangle 3"/>
           <p:cNvSpPr>
-            <a:spLocks noGrp="1"/>
+            <a:spLocks noGrp="1" noChangeArrowheads="1"/>
           </p:cNvSpPr>
           <p:nvPr>
             <p:ph type="body" idx="1"/>
@@ -824,37 +860,18 @@
           <a:bodyPr/>
           <a:lstStyle/>
           <a:p>
-            <a:endParaRPr lang="en-US"/>
-          </a:p>
-        </p:txBody>
-      </p:sp>
-      <p:sp>
-        <p:nvSpPr>
-          <p:cNvPr id="4" name="Slide Number Placeholder 3"/>
-          <p:cNvSpPr>
-            <a:spLocks noGrp="1"/>
-          </p:cNvSpPr>
-          <p:nvPr>
-            <p:ph type="sldNum" sz="quarter" idx="10"/>
-          </p:nvPr>
-        </p:nvSpPr>
-        <p:spPr/>
-        <p:txBody>
-          <a:bodyPr/>
-          <a:lstStyle/>
-          <a:p>
-            <a:fld id="{F8217A12-A6ED-4C4A-8400-036634305785}" type="slidenum">
-              <a:rPr lang="en-US" smtClean="0"/>
-              <a:t>23</a:t>
-            </a:fld>
-            <a:endParaRPr lang="en-US"/>
+            <a:r>
+              <a:rPr lang="en-US" altLang="zh-CN" dirty="0" smtClean="0"/>
+              <a:t>Yes</a:t>
+            </a:r>
+            <a:endParaRPr lang="en-US" dirty="0"/>
           </a:p>
         </p:txBody>
       </p:sp>
     </p:spTree>
     <p:extLst>
       <p:ext uri="{BB962C8B-B14F-4D97-AF65-F5344CB8AC3E}">
-        <p14:creationId xmlns:p14="http://schemas.microsoft.com/office/powerpoint/2010/main" val="1396621144"/>
+        <p14:creationId xmlns:p14="http://schemas.microsoft.com/office/powerpoint/2010/main" val="1337492976"/>
       </p:ext>
     </p:extLst>
   </p:cSld>
@@ -905,9 +922,7 @@
         </p:nvSpPr>
         <p:spPr/>
         <p:txBody>
-          <a:bodyPr>
-            <a:normAutofit/>
-          </a:bodyPr>
+          <a:bodyPr/>
           <a:lstStyle/>
           <a:p>
             <a:endParaRPr lang="en-US"/>
@@ -929,10 +944,9 @@
           <a:bodyPr/>
           <a:lstStyle/>
           <a:p>
-            <a:fld id="{26EC2510-E658-4176-9BC5-3335DBD0E44C}" type="slidenum">
+            <a:fld id="{F8217A12-A6ED-4C4A-8400-036634305785}" type="slidenum">
               <a:rPr lang="en-US" smtClean="0"/>
-              <a:pPr/>
-              <a:t>24</a:t>
+              <a:t>23</a:t>
             </a:fld>
             <a:endParaRPr lang="en-US"/>
           </a:p>
@@ -941,7 +955,7 @@
     </p:spTree>
     <p:extLst>
       <p:ext uri="{BB962C8B-B14F-4D97-AF65-F5344CB8AC3E}">
-        <p14:creationId xmlns:p14="http://schemas.microsoft.com/office/powerpoint/2010/main" val="1066259769"/>
+        <p14:creationId xmlns:p14="http://schemas.microsoft.com/office/powerpoint/2010/main" val="1396621144"/>
       </p:ext>
     </p:extLst>
   </p:cSld>
@@ -1019,7 +1033,7 @@
             <a:fld id="{26EC2510-E658-4176-9BC5-3335DBD0E44C}" type="slidenum">
               <a:rPr lang="en-US" smtClean="0"/>
               <a:pPr/>
-              <a:t>25</a:t>
+              <a:t>24</a:t>
             </a:fld>
             <a:endParaRPr lang="en-US"/>
           </a:p>
@@ -1028,7 +1042,7 @@
     </p:spTree>
     <p:extLst>
       <p:ext uri="{BB962C8B-B14F-4D97-AF65-F5344CB8AC3E}">
-        <p14:creationId xmlns:p14="http://schemas.microsoft.com/office/powerpoint/2010/main" val="213009774"/>
+        <p14:creationId xmlns:p14="http://schemas.microsoft.com/office/powerpoint/2010/main" val="1066259769"/>
       </p:ext>
     </p:extLst>
   </p:cSld>
@@ -1106,7 +1120,7 @@
             <a:fld id="{26EC2510-E658-4176-9BC5-3335DBD0E44C}" type="slidenum">
               <a:rPr lang="en-US" smtClean="0"/>
               <a:pPr/>
-              <a:t>27</a:t>
+              <a:t>25</a:t>
             </a:fld>
             <a:endParaRPr lang="en-US"/>
           </a:p>
@@ -1115,7 +1129,7 @@
     </p:spTree>
     <p:extLst>
       <p:ext uri="{BB962C8B-B14F-4D97-AF65-F5344CB8AC3E}">
-        <p14:creationId xmlns:p14="http://schemas.microsoft.com/office/powerpoint/2010/main" val="300193680"/>
+        <p14:creationId xmlns:p14="http://schemas.microsoft.com/office/powerpoint/2010/main" val="213009774"/>
       </p:ext>
     </p:extLst>
   </p:cSld>
@@ -1193,7 +1207,7 @@
             <a:fld id="{26EC2510-E658-4176-9BC5-3335DBD0E44C}" type="slidenum">
               <a:rPr lang="en-US" smtClean="0"/>
               <a:pPr/>
-              <a:t>28</a:t>
+              <a:t>27</a:t>
             </a:fld>
             <a:endParaRPr lang="en-US"/>
           </a:p>
@@ -1202,7 +1216,7 @@
     </p:spTree>
     <p:extLst>
       <p:ext uri="{BB962C8B-B14F-4D97-AF65-F5344CB8AC3E}">
-        <p14:creationId xmlns:p14="http://schemas.microsoft.com/office/powerpoint/2010/main" val="719162691"/>
+        <p14:creationId xmlns:p14="http://schemas.microsoft.com/office/powerpoint/2010/main" val="300193680"/>
       </p:ext>
     </p:extLst>
   </p:cSld>
@@ -1280,7 +1294,7 @@
             <a:fld id="{26EC2510-E658-4176-9BC5-3335DBD0E44C}" type="slidenum">
               <a:rPr lang="en-US" smtClean="0"/>
               <a:pPr/>
-              <a:t>30</a:t>
+              <a:t>28</a:t>
             </a:fld>
             <a:endParaRPr lang="en-US"/>
           </a:p>
@@ -1289,7 +1303,7 @@
     </p:spTree>
     <p:extLst>
       <p:ext uri="{BB962C8B-B14F-4D97-AF65-F5344CB8AC3E}">
-        <p14:creationId xmlns:p14="http://schemas.microsoft.com/office/powerpoint/2010/main" val="1624363219"/>
+        <p14:creationId xmlns:p14="http://schemas.microsoft.com/office/powerpoint/2010/main" val="719162691"/>
       </p:ext>
     </p:extLst>
   </p:cSld>
@@ -1367,7 +1381,7 @@
             <a:fld id="{26EC2510-E658-4176-9BC5-3335DBD0E44C}" type="slidenum">
               <a:rPr lang="en-US" smtClean="0"/>
               <a:pPr/>
-              <a:t>32</a:t>
+              <a:t>30</a:t>
             </a:fld>
             <a:endParaRPr lang="en-US"/>
           </a:p>
@@ -1376,7 +1390,7 @@
     </p:spTree>
     <p:extLst>
       <p:ext uri="{BB962C8B-B14F-4D97-AF65-F5344CB8AC3E}">
-        <p14:creationId xmlns:p14="http://schemas.microsoft.com/office/powerpoint/2010/main" val="3449416883"/>
+        <p14:creationId xmlns:p14="http://schemas.microsoft.com/office/powerpoint/2010/main" val="1624363219"/>
       </p:ext>
     </p:extLst>
   </p:cSld>
@@ -1427,7 +1441,9 @@
         </p:nvSpPr>
         <p:spPr/>
         <p:txBody>
-          <a:bodyPr/>
+          <a:bodyPr>
+            <a:normAutofit/>
+          </a:bodyPr>
           <a:lstStyle/>
           <a:p>
             <a:endParaRPr lang="en-US"/>
@@ -1449,9 +1465,10 @@
           <a:bodyPr/>
           <a:lstStyle/>
           <a:p>
-            <a:fld id="{F8217A12-A6ED-4C4A-8400-036634305785}" type="slidenum">
+            <a:fld id="{26EC2510-E658-4176-9BC5-3335DBD0E44C}" type="slidenum">
               <a:rPr lang="en-US" smtClean="0"/>
-              <a:t>34</a:t>
+              <a:pPr/>
+              <a:t>32</a:t>
             </a:fld>
             <a:endParaRPr lang="en-US"/>
           </a:p>
@@ -1460,7 +1477,7 @@
     </p:spTree>
     <p:extLst>
       <p:ext uri="{BB962C8B-B14F-4D97-AF65-F5344CB8AC3E}">
-        <p14:creationId xmlns:p14="http://schemas.microsoft.com/office/powerpoint/2010/main" val="864400546"/>
+        <p14:creationId xmlns:p14="http://schemas.microsoft.com/office/powerpoint/2010/main" val="3449416883"/>
       </p:ext>
     </p:extLst>
   </p:cSld>
@@ -1624,7 +1641,7 @@
           <a:p>
             <a:fld id="{F8217A12-A6ED-4C4A-8400-036634305785}" type="slidenum">
               <a:rPr lang="en-US" smtClean="0"/>
-              <a:t>42</a:t>
+              <a:t>34</a:t>
             </a:fld>
             <a:endParaRPr lang="en-US"/>
           </a:p>
@@ -1633,7 +1650,7 @@
     </p:spTree>
     <p:extLst>
       <p:ext uri="{BB962C8B-B14F-4D97-AF65-F5344CB8AC3E}">
-        <p14:creationId xmlns:p14="http://schemas.microsoft.com/office/powerpoint/2010/main" val="1949739910"/>
+        <p14:creationId xmlns:p14="http://schemas.microsoft.com/office/powerpoint/2010/main" val="864400546"/>
       </p:ext>
     </p:extLst>
   </p:cSld>
@@ -1708,6 +1725,186 @@
           <a:p>
             <a:fld id="{F8217A12-A6ED-4C4A-8400-036634305785}" type="slidenum">
               <a:rPr lang="en-US" smtClean="0"/>
+              <a:t>42</a:t>
+            </a:fld>
+            <a:endParaRPr lang="en-US"/>
+          </a:p>
+        </p:txBody>
+      </p:sp>
+    </p:spTree>
+    <p:extLst>
+      <p:ext uri="{BB962C8B-B14F-4D97-AF65-F5344CB8AC3E}">
+        <p14:creationId xmlns:p14="http://schemas.microsoft.com/office/powerpoint/2010/main" val="1949739910"/>
+      </p:ext>
+    </p:extLst>
+  </p:cSld>
+  <p:clrMapOvr>
+    <a:masterClrMapping/>
+  </p:clrMapOvr>
+</p:notes>
+</file>
+
+<file path=ppt/notesSlides/notesSlide22.xml><?xml version="1.0" encoding="utf-8"?>
+<p:notes xmlns:a="http://schemas.openxmlformats.org/drawingml/2006/main" xmlns:r="http://schemas.openxmlformats.org/officeDocument/2006/relationships" xmlns:p="http://schemas.openxmlformats.org/presentationml/2006/main">
+  <p:cSld>
+    <p:spTree>
+      <p:nvGrpSpPr>
+        <p:cNvPr id="1" name=""/>
+        <p:cNvGrpSpPr/>
+        <p:nvPr/>
+      </p:nvGrpSpPr>
+      <p:grpSpPr>
+        <a:xfrm>
+          <a:off x="0" y="0"/>
+          <a:ext cx="0" cy="0"/>
+          <a:chOff x="0" y="0"/>
+          <a:chExt cx="0" cy="0"/>
+        </a:xfrm>
+      </p:grpSpPr>
+      <p:sp>
+        <p:nvSpPr>
+          <p:cNvPr id="2" name="Slide Image Placeholder 1"/>
+          <p:cNvSpPr>
+            <a:spLocks noGrp="1" noRot="1" noChangeAspect="1"/>
+          </p:cNvSpPr>
+          <p:nvPr>
+            <p:ph type="sldImg"/>
+          </p:nvPr>
+        </p:nvSpPr>
+        <p:spPr/>
+      </p:sp>
+      <p:sp>
+        <p:nvSpPr>
+          <p:cNvPr id="3" name="Notes Placeholder 2"/>
+          <p:cNvSpPr>
+            <a:spLocks noGrp="1"/>
+          </p:cNvSpPr>
+          <p:nvPr>
+            <p:ph type="body" idx="1"/>
+          </p:nvPr>
+        </p:nvSpPr>
+        <p:spPr/>
+        <p:txBody>
+          <a:bodyPr/>
+          <a:lstStyle/>
+          <a:p>
+            <a:r>
+              <a:rPr lang="en-US" altLang="zh-CN" dirty="0" smtClean="0"/>
+              <a:t>C,</a:t>
+            </a:r>
+            <a:r>
+              <a:rPr lang="zh-CN" altLang="en-US" dirty="0" smtClean="0"/>
+              <a:t> </a:t>
+            </a:r>
+            <a:r>
+              <a:rPr lang="en-US" altLang="zh-CN" dirty="0" smtClean="0"/>
+              <a:t>D</a:t>
+            </a:r>
+            <a:endParaRPr lang="en-US" dirty="0"/>
+          </a:p>
+        </p:txBody>
+      </p:sp>
+      <p:sp>
+        <p:nvSpPr>
+          <p:cNvPr id="4" name="Slide Number Placeholder 3"/>
+          <p:cNvSpPr>
+            <a:spLocks noGrp="1"/>
+          </p:cNvSpPr>
+          <p:nvPr>
+            <p:ph type="sldNum" sz="quarter" idx="10"/>
+          </p:nvPr>
+        </p:nvSpPr>
+        <p:spPr/>
+        <p:txBody>
+          <a:bodyPr/>
+          <a:lstStyle/>
+          <a:p>
+            <a:fld id="{F8217A12-A6ED-4C4A-8400-036634305785}" type="slidenum">
+              <a:rPr lang="en-US" smtClean="0"/>
+              <a:t>45</a:t>
+            </a:fld>
+            <a:endParaRPr lang="en-US"/>
+          </a:p>
+        </p:txBody>
+      </p:sp>
+    </p:spTree>
+    <p:extLst>
+      <p:ext uri="{BB962C8B-B14F-4D97-AF65-F5344CB8AC3E}">
+        <p14:creationId xmlns:p14="http://schemas.microsoft.com/office/powerpoint/2010/main" val="2146996362"/>
+      </p:ext>
+    </p:extLst>
+  </p:cSld>
+  <p:clrMapOvr>
+    <a:masterClrMapping/>
+  </p:clrMapOvr>
+</p:notes>
+</file>
+
+<file path=ppt/notesSlides/notesSlide23.xml><?xml version="1.0" encoding="utf-8"?>
+<p:notes xmlns:a="http://schemas.openxmlformats.org/drawingml/2006/main" xmlns:r="http://schemas.openxmlformats.org/officeDocument/2006/relationships" xmlns:p="http://schemas.openxmlformats.org/presentationml/2006/main">
+  <p:cSld>
+    <p:spTree>
+      <p:nvGrpSpPr>
+        <p:cNvPr id="1" name=""/>
+        <p:cNvGrpSpPr/>
+        <p:nvPr/>
+      </p:nvGrpSpPr>
+      <p:grpSpPr>
+        <a:xfrm>
+          <a:off x="0" y="0"/>
+          <a:ext cx="0" cy="0"/>
+          <a:chOff x="0" y="0"/>
+          <a:chExt cx="0" cy="0"/>
+        </a:xfrm>
+      </p:grpSpPr>
+      <p:sp>
+        <p:nvSpPr>
+          <p:cNvPr id="2" name="Slide Image Placeholder 1"/>
+          <p:cNvSpPr>
+            <a:spLocks noGrp="1" noRot="1" noChangeAspect="1"/>
+          </p:cNvSpPr>
+          <p:nvPr>
+            <p:ph type="sldImg"/>
+          </p:nvPr>
+        </p:nvSpPr>
+        <p:spPr/>
+      </p:sp>
+      <p:sp>
+        <p:nvSpPr>
+          <p:cNvPr id="3" name="Notes Placeholder 2"/>
+          <p:cNvSpPr>
+            <a:spLocks noGrp="1"/>
+          </p:cNvSpPr>
+          <p:nvPr>
+            <p:ph type="body" idx="1"/>
+          </p:nvPr>
+        </p:nvSpPr>
+        <p:spPr/>
+        <p:txBody>
+          <a:bodyPr/>
+          <a:lstStyle/>
+          <a:p>
+            <a:endParaRPr lang="en-US"/>
+          </a:p>
+        </p:txBody>
+      </p:sp>
+      <p:sp>
+        <p:nvSpPr>
+          <p:cNvPr id="4" name="Slide Number Placeholder 3"/>
+          <p:cNvSpPr>
+            <a:spLocks noGrp="1"/>
+          </p:cNvSpPr>
+          <p:nvPr>
+            <p:ph type="sldNum" sz="quarter" idx="10"/>
+          </p:nvPr>
+        </p:nvSpPr>
+        <p:spPr/>
+        <p:txBody>
+          <a:bodyPr/>
+          <a:lstStyle/>
+          <a:p>
+            <a:fld id="{F8217A12-A6ED-4C4A-8400-036634305785}" type="slidenum">
+              <a:rPr lang="en-US" smtClean="0"/>
               <a:t>46</a:t>
             </a:fld>
             <a:endParaRPr lang="en-US"/>
@@ -1727,7 +1924,7 @@
 </p:notes>
 </file>
 
-<file path=ppt/notesSlides/notesSlide22.xml><?xml version="1.0" encoding="utf-8"?>
+<file path=ppt/notesSlides/notesSlide24.xml><?xml version="1.0" encoding="utf-8"?>
 <p:notes xmlns:a="http://schemas.openxmlformats.org/drawingml/2006/main" xmlns:r="http://schemas.openxmlformats.org/officeDocument/2006/relationships" xmlns:p="http://schemas.openxmlformats.org/presentationml/2006/main">
   <p:cSld>
     <p:spTree>
@@ -1820,7 +2017,7 @@
 </p:notes>
 </file>
 
-<file path=ppt/notesSlides/notesSlide23.xml><?xml version="1.0" encoding="utf-8"?>
+<file path=ppt/notesSlides/notesSlide25.xml><?xml version="1.0" encoding="utf-8"?>
 <p:notes xmlns:a="http://schemas.openxmlformats.org/drawingml/2006/main" xmlns:r="http://schemas.openxmlformats.org/officeDocument/2006/relationships" xmlns:p="http://schemas.openxmlformats.org/presentationml/2006/main">
   <p:cSld>
     <p:spTree>
@@ -1913,7 +2110,7 @@
 </p:notes>
 </file>
 
-<file path=ppt/notesSlides/notesSlide24.xml><?xml version="1.0" encoding="utf-8"?>
+<file path=ppt/notesSlides/notesSlide26.xml><?xml version="1.0" encoding="utf-8"?>
 <p:notes xmlns:a="http://schemas.openxmlformats.org/drawingml/2006/main" xmlns:r="http://schemas.openxmlformats.org/officeDocument/2006/relationships" xmlns:p="http://schemas.openxmlformats.org/presentationml/2006/main">
   <p:cSld>
     <p:spTree>
@@ -2367,6 +2564,118 @@
       </p:grpSpPr>
       <p:sp>
         <p:nvSpPr>
+          <p:cNvPr id="2" name="Slide Image Placeholder 1"/>
+          <p:cNvSpPr>
+            <a:spLocks noGrp="1" noRot="1" noChangeAspect="1"/>
+          </p:cNvSpPr>
+          <p:nvPr>
+            <p:ph type="sldImg"/>
+          </p:nvPr>
+        </p:nvSpPr>
+        <p:spPr/>
+      </p:sp>
+      <p:sp>
+        <p:nvSpPr>
+          <p:cNvPr id="3" name="Notes Placeholder 2"/>
+          <p:cNvSpPr>
+            <a:spLocks noGrp="1"/>
+          </p:cNvSpPr>
+          <p:nvPr>
+            <p:ph type="body" idx="1"/>
+          </p:nvPr>
+        </p:nvSpPr>
+        <p:spPr/>
+        <p:txBody>
+          <a:bodyPr/>
+          <a:lstStyle/>
+          <a:p>
+            <a:r>
+              <a:rPr lang="en-US" altLang="zh-CN" dirty="0" smtClean="0"/>
+              <a:t>1,</a:t>
+            </a:r>
+            <a:r>
+              <a:rPr lang="zh-CN" altLang="en-US" dirty="0" smtClean="0"/>
+              <a:t> </a:t>
+            </a:r>
+            <a:r>
+              <a:rPr lang="en-US" altLang="zh-CN" dirty="0" smtClean="0"/>
+              <a:t>4,</a:t>
+            </a:r>
+            <a:r>
+              <a:rPr lang="zh-CN" altLang="en-US" dirty="0" smtClean="0"/>
+              <a:t> </a:t>
+            </a:r>
+            <a:r>
+              <a:rPr lang="en-US" altLang="zh-CN" dirty="0" smtClean="0"/>
+              <a:t>5,</a:t>
+            </a:r>
+            <a:r>
+              <a:rPr lang="zh-CN" altLang="en-US" dirty="0" smtClean="0"/>
+              <a:t> </a:t>
+            </a:r>
+            <a:r>
+              <a:rPr lang="en-US" altLang="zh-CN" dirty="0" smtClean="0"/>
+              <a:t>6</a:t>
+            </a:r>
+            <a:endParaRPr lang="en-US" dirty="0"/>
+          </a:p>
+        </p:txBody>
+      </p:sp>
+      <p:sp>
+        <p:nvSpPr>
+          <p:cNvPr id="4" name="Slide Number Placeholder 3"/>
+          <p:cNvSpPr>
+            <a:spLocks noGrp="1"/>
+          </p:cNvSpPr>
+          <p:nvPr>
+            <p:ph type="sldNum" sz="quarter" idx="10"/>
+          </p:nvPr>
+        </p:nvSpPr>
+        <p:spPr/>
+        <p:txBody>
+          <a:bodyPr/>
+          <a:lstStyle/>
+          <a:p>
+            <a:fld id="{F8217A12-A6ED-4C4A-8400-036634305785}" type="slidenum">
+              <a:rPr lang="en-US" smtClean="0"/>
+              <a:t>14</a:t>
+            </a:fld>
+            <a:endParaRPr lang="en-US"/>
+          </a:p>
+        </p:txBody>
+      </p:sp>
+    </p:spTree>
+    <p:extLst>
+      <p:ext uri="{BB962C8B-B14F-4D97-AF65-F5344CB8AC3E}">
+        <p14:creationId xmlns:p14="http://schemas.microsoft.com/office/powerpoint/2010/main" val="1201186498"/>
+      </p:ext>
+    </p:extLst>
+  </p:cSld>
+  <p:clrMapOvr>
+    <a:masterClrMapping/>
+  </p:clrMapOvr>
+</p:notes>
+</file>
+
+<file path=ppt/notesSlides/notesSlide8.xml><?xml version="1.0" encoding="utf-8"?>
+<p:notes xmlns:a="http://schemas.openxmlformats.org/drawingml/2006/main" xmlns:r="http://schemas.openxmlformats.org/officeDocument/2006/relationships" xmlns:p="http://schemas.openxmlformats.org/presentationml/2006/main">
+  <p:cSld>
+    <p:spTree>
+      <p:nvGrpSpPr>
+        <p:cNvPr id="1" name=""/>
+        <p:cNvGrpSpPr/>
+        <p:nvPr/>
+      </p:nvGrpSpPr>
+      <p:grpSpPr>
+        <a:xfrm>
+          <a:off x="0" y="0"/>
+          <a:ext cx="0" cy="0"/>
+          <a:chOff x="0" y="0"/>
+          <a:chExt cx="0" cy="0"/>
+        </a:xfrm>
+      </p:grpSpPr>
+      <p:sp>
+        <p:nvSpPr>
           <p:cNvPr id="7" name="Rectangle 7"/>
           <p:cNvSpPr>
             <a:spLocks noGrp="1" noChangeArrowheads="1"/>
@@ -2437,7 +2746,7 @@
 </p:notes>
 </file>
 
-<file path=ppt/notesSlides/notesSlide8.xml><?xml version="1.0" encoding="utf-8"?>
+<file path=ppt/notesSlides/notesSlide9.xml><?xml version="1.0" encoding="utf-8"?>
 <p:notes xmlns:a="http://schemas.openxmlformats.org/drawingml/2006/main" xmlns:r="http://schemas.openxmlformats.org/officeDocument/2006/relationships" xmlns:p="http://schemas.openxmlformats.org/presentationml/2006/main">
   <p:cSld>
     <p:spTree>
@@ -2521,99 +2830,6 @@
     <p:extLst>
       <p:ext uri="{BB962C8B-B14F-4D97-AF65-F5344CB8AC3E}">
         <p14:creationId xmlns:p14="http://schemas.microsoft.com/office/powerpoint/2010/main" val="364053195"/>
-      </p:ext>
-    </p:extLst>
-  </p:cSld>
-  <p:clrMapOvr>
-    <a:masterClrMapping/>
-  </p:clrMapOvr>
-</p:notes>
-</file>
-
-<file path=ppt/notesSlides/notesSlide9.xml><?xml version="1.0" encoding="utf-8"?>
-<p:notes xmlns:a="http://schemas.openxmlformats.org/drawingml/2006/main" xmlns:r="http://schemas.openxmlformats.org/officeDocument/2006/relationships" xmlns:p="http://schemas.openxmlformats.org/presentationml/2006/main">
-  <p:cSld>
-    <p:spTree>
-      <p:nvGrpSpPr>
-        <p:cNvPr id="1" name=""/>
-        <p:cNvGrpSpPr/>
-        <p:nvPr/>
-      </p:nvGrpSpPr>
-      <p:grpSpPr>
-        <a:xfrm>
-          <a:off x="0" y="0"/>
-          <a:ext cx="0" cy="0"/>
-          <a:chOff x="0" y="0"/>
-          <a:chExt cx="0" cy="0"/>
-        </a:xfrm>
-      </p:grpSpPr>
-      <p:sp>
-        <p:nvSpPr>
-          <p:cNvPr id="101378" name="Slide Image Placeholder 1"/>
-          <p:cNvSpPr>
-            <a:spLocks noGrp="1" noRot="1" noChangeAspect="1" noTextEdit="1"/>
-          </p:cNvSpPr>
-          <p:nvPr>
-            <p:ph type="sldImg"/>
-          </p:nvPr>
-        </p:nvSpPr>
-        <p:spPr>
-          <a:ln/>
-        </p:spPr>
-      </p:sp>
-      <p:sp>
-        <p:nvSpPr>
-          <p:cNvPr id="101379" name="Notes Placeholder 2"/>
-          <p:cNvSpPr>
-            <a:spLocks noGrp="1"/>
-          </p:cNvSpPr>
-          <p:nvPr>
-            <p:ph type="body" idx="1"/>
-          </p:nvPr>
-        </p:nvSpPr>
-        <p:spPr>
-          <a:noFill/>
-          <a:ln/>
-        </p:spPr>
-        <p:txBody>
-          <a:bodyPr/>
-          <a:lstStyle/>
-          <a:p>
-            <a:pPr eaLnBrk="1" hangingPunct="1"/>
-            <a:endParaRPr lang="en-CA"/>
-          </a:p>
-        </p:txBody>
-      </p:sp>
-      <p:sp>
-        <p:nvSpPr>
-          <p:cNvPr id="101380" name="Slide Number Placeholder 3"/>
-          <p:cNvSpPr>
-            <a:spLocks noGrp="1"/>
-          </p:cNvSpPr>
-          <p:nvPr>
-            <p:ph type="sldNum" sz="quarter" idx="5"/>
-          </p:nvPr>
-        </p:nvSpPr>
-        <p:spPr>
-          <a:noFill/>
-        </p:spPr>
-        <p:txBody>
-          <a:bodyPr/>
-          <a:lstStyle/>
-          <a:p>
-            <a:fld id="{787C7385-1679-48D7-9236-9AF931B40705}" type="slidenum">
-              <a:rPr lang="en-US" smtClean="0"/>
-              <a:pPr/>
-              <a:t>19</a:t>
-            </a:fld>
-            <a:endParaRPr lang="en-US"/>
-          </a:p>
-        </p:txBody>
-      </p:sp>
-    </p:spTree>
-    <p:extLst>
-      <p:ext uri="{BB962C8B-B14F-4D97-AF65-F5344CB8AC3E}">
-        <p14:creationId xmlns:p14="http://schemas.microsoft.com/office/powerpoint/2010/main" val="1962592195"/>
       </p:ext>
     </p:extLst>
   </p:cSld>
@@ -2753,7 +2969,7 @@
           <a:p>
             <a:fld id="{27B689DC-584F-E344-86E6-CFE78D28A69B}" type="datetime1">
               <a:rPr lang="en-US" smtClean="0"/>
-              <a:t>9/20/18</a:t>
+              <a:t>12/10/18</a:t>
             </a:fld>
             <a:endParaRPr lang="en-US"/>
           </a:p>
@@ -2923,7 +3139,7 @@
           <a:p>
             <a:fld id="{CB240FBB-7FAA-4045-B7DA-788D86E4AD04}" type="datetime1">
               <a:rPr lang="en-US" smtClean="0"/>
-              <a:t>9/20/18</a:t>
+              <a:t>12/10/18</a:t>
             </a:fld>
             <a:endParaRPr lang="en-US"/>
           </a:p>
@@ -3103,7 +3319,7 @@
           <a:p>
             <a:fld id="{CED044E0-2D64-614F-A3E8-67AD70408438}" type="datetime1">
               <a:rPr lang="en-US" smtClean="0"/>
-              <a:t>9/20/18</a:t>
+              <a:t>12/10/18</a:t>
             </a:fld>
             <a:endParaRPr lang="en-US"/>
           </a:p>
@@ -3275,7 +3491,7 @@
           <a:p>
             <a:fld id="{36F398F4-6D50-C04A-BF26-4EC35F830216}" type="datetime1">
               <a:rPr lang="en-US" smtClean="0"/>
-              <a:t>9/20/18</a:t>
+              <a:t>12/10/18</a:t>
             </a:fld>
             <a:endParaRPr lang="en-US"/>
           </a:p>
@@ -3519,7 +3735,7 @@
           <a:p>
             <a:fld id="{556CF967-0827-F448-B816-4244F9E53763}" type="datetime1">
               <a:rPr lang="en-US" smtClean="0"/>
-              <a:t>9/20/18</a:t>
+              <a:t>12/10/18</a:t>
             </a:fld>
             <a:endParaRPr lang="en-US"/>
           </a:p>
@@ -3751,7 +3967,7 @@
           <a:p>
             <a:fld id="{807A9A65-3F41-EA44-B4AF-46E4990AFDBF}" type="datetime1">
               <a:rPr lang="en-US" smtClean="0"/>
-              <a:t>9/20/18</a:t>
+              <a:t>12/10/18</a:t>
             </a:fld>
             <a:endParaRPr lang="en-US"/>
           </a:p>
@@ -4118,7 +4334,7 @@
           <a:p>
             <a:fld id="{C4067660-25DC-8A4E-9387-3A15C6995586}" type="datetime1">
               <a:rPr lang="en-US" smtClean="0"/>
-              <a:t>9/20/18</a:t>
+              <a:t>12/10/18</a:t>
             </a:fld>
             <a:endParaRPr lang="en-US"/>
           </a:p>
@@ -4236,7 +4452,7 @@
           <a:p>
             <a:fld id="{ECCA6D6F-2590-6240-911A-0033202C9C41}" type="datetime1">
               <a:rPr lang="en-US" smtClean="0"/>
-              <a:t>9/20/18</a:t>
+              <a:t>12/10/18</a:t>
             </a:fld>
             <a:endParaRPr lang="en-US"/>
           </a:p>
@@ -4331,7 +4547,7 @@
           <a:p>
             <a:fld id="{DD328F29-B464-7846-8F6C-99F2E40DBCDD}" type="datetime1">
               <a:rPr lang="en-US" smtClean="0"/>
-              <a:t>9/20/18</a:t>
+              <a:t>12/10/18</a:t>
             </a:fld>
             <a:endParaRPr lang="en-US"/>
           </a:p>
@@ -4608,7 +4824,7 @@
           <a:p>
             <a:fld id="{6740D77D-B5F8-F341-A94C-9020448E1C59}" type="datetime1">
               <a:rPr lang="en-US" smtClean="0"/>
-              <a:t>9/20/18</a:t>
+              <a:t>12/10/18</a:t>
             </a:fld>
             <a:endParaRPr lang="en-US"/>
           </a:p>
@@ -4865,7 +5081,7 @@
           <a:p>
             <a:fld id="{21ACE016-3072-C74F-9E17-F17CAA433565}" type="datetime1">
               <a:rPr lang="en-US" smtClean="0"/>
-              <a:t>9/20/18</a:t>
+              <a:t>12/10/18</a:t>
             </a:fld>
             <a:endParaRPr lang="en-US"/>
           </a:p>
@@ -5078,7 +5294,7 @@
           <a:p>
             <a:fld id="{94D1C316-E289-ED49-98EB-8358E12949D9}" type="datetime1">
               <a:rPr lang="en-US" smtClean="0"/>
-              <a:t>9/20/18</a:t>
+              <a:t>12/10/18</a:t>
             </a:fld>
             <a:endParaRPr lang="en-US"/>
           </a:p>
@@ -5489,7 +5705,7 @@
           <p:cNvPr id="2" name="Title 1">
             <a:extLst>
               <a:ext uri="{FF2B5EF4-FFF2-40B4-BE49-F238E27FC236}">
-                <a16:creationId xmlns:a16="http://schemas.microsoft.com/office/drawing/2014/main" id="{0E956A24-C190-3747-B8CD-1F8673245EDF}"/>
+                <a16:creationId xmlns:a16="http://schemas.microsoft.com/office/drawing/2014/main" xmlns="" id="{0E956A24-C190-3747-B8CD-1F8673245EDF}"/>
               </a:ext>
             </a:extLst>
           </p:cNvPr>
@@ -5551,7 +5767,7 @@
           <p:cNvPr id="3" name="Subtitle 2">
             <a:extLst>
               <a:ext uri="{FF2B5EF4-FFF2-40B4-BE49-F238E27FC236}">
-                <a16:creationId xmlns:a16="http://schemas.microsoft.com/office/drawing/2014/main" id="{09A3EF78-0BCF-F24C-835B-DDDA774EA0B6}"/>
+                <a16:creationId xmlns:a16="http://schemas.microsoft.com/office/drawing/2014/main" xmlns="" id="{09A3EF78-0BCF-F24C-835B-DDDA774EA0B6}"/>
               </a:ext>
             </a:extLst>
           </p:cNvPr>
@@ -5604,7 +5820,7 @@
           <p:cNvPr id="4" name="Slide Number Placeholder 3">
             <a:extLst>
               <a:ext uri="{FF2B5EF4-FFF2-40B4-BE49-F238E27FC236}">
-                <a16:creationId xmlns:a16="http://schemas.microsoft.com/office/drawing/2014/main" id="{8CF9297D-5A48-924F-A10F-D761D37F79D0}"/>
+                <a16:creationId xmlns:a16="http://schemas.microsoft.com/office/drawing/2014/main" xmlns="" id="{8CF9297D-5A48-924F-A10F-D761D37F79D0}"/>
               </a:ext>
             </a:extLst>
           </p:cNvPr>
@@ -6878,7 +7094,7 @@
                 <a:gridCol w="1387929">
                   <a:extLst>
                     <a:ext uri="{9D8B030D-6E8A-4147-A177-3AD203B41FA5}">
-                      <a16:colId xmlns:a16="http://schemas.microsoft.com/office/drawing/2014/main" val="20000"/>
+                      <a16:colId xmlns:a16="http://schemas.microsoft.com/office/drawing/2014/main" xmlns="" val="20000"/>
                     </a:ext>
                   </a:extLst>
                 </a:gridCol>
@@ -6938,7 +7154,7 @@
                 </a:tc>
                 <a:extLst>
                   <a:ext uri="{0D108BD9-81ED-4DB2-BD59-A6C34878D82A}">
-                    <a16:rowId xmlns:a16="http://schemas.microsoft.com/office/drawing/2014/main" val="10000"/>
+                    <a16:rowId xmlns:a16="http://schemas.microsoft.com/office/drawing/2014/main" xmlns="" val="10000"/>
                   </a:ext>
                 </a:extLst>
               </a:tr>
@@ -6997,7 +7213,7 @@
                 </a:tc>
                 <a:extLst>
                   <a:ext uri="{0D108BD9-81ED-4DB2-BD59-A6C34878D82A}">
-                    <a16:rowId xmlns:a16="http://schemas.microsoft.com/office/drawing/2014/main" val="10001"/>
+                    <a16:rowId xmlns:a16="http://schemas.microsoft.com/office/drawing/2014/main" xmlns="" val="10001"/>
                   </a:ext>
                 </a:extLst>
               </a:tr>
@@ -7056,7 +7272,7 @@
                 </a:tc>
                 <a:extLst>
                   <a:ext uri="{0D108BD9-81ED-4DB2-BD59-A6C34878D82A}">
-                    <a16:rowId xmlns:a16="http://schemas.microsoft.com/office/drawing/2014/main" val="10002"/>
+                    <a16:rowId xmlns:a16="http://schemas.microsoft.com/office/drawing/2014/main" xmlns="" val="10002"/>
                   </a:ext>
                 </a:extLst>
               </a:tr>
@@ -7115,7 +7331,7 @@
                 </a:tc>
                 <a:extLst>
                   <a:ext uri="{0D108BD9-81ED-4DB2-BD59-A6C34878D82A}">
-                    <a16:rowId xmlns:a16="http://schemas.microsoft.com/office/drawing/2014/main" val="10003"/>
+                    <a16:rowId xmlns:a16="http://schemas.microsoft.com/office/drawing/2014/main" xmlns="" val="10003"/>
                   </a:ext>
                 </a:extLst>
               </a:tr>
@@ -7151,7 +7367,7 @@
                 <a:gridCol w="1387929">
                   <a:extLst>
                     <a:ext uri="{9D8B030D-6E8A-4147-A177-3AD203B41FA5}">
-                      <a16:colId xmlns:a16="http://schemas.microsoft.com/office/drawing/2014/main" val="20000"/>
+                      <a16:colId xmlns:a16="http://schemas.microsoft.com/office/drawing/2014/main" xmlns="" val="20000"/>
                     </a:ext>
                   </a:extLst>
                 </a:gridCol>
@@ -7211,7 +7427,7 @@
                 </a:tc>
                 <a:extLst>
                   <a:ext uri="{0D108BD9-81ED-4DB2-BD59-A6C34878D82A}">
-                    <a16:rowId xmlns:a16="http://schemas.microsoft.com/office/drawing/2014/main" val="10000"/>
+                    <a16:rowId xmlns:a16="http://schemas.microsoft.com/office/drawing/2014/main" xmlns="" val="10000"/>
                   </a:ext>
                 </a:extLst>
               </a:tr>
@@ -7270,7 +7486,7 @@
                 </a:tc>
                 <a:extLst>
                   <a:ext uri="{0D108BD9-81ED-4DB2-BD59-A6C34878D82A}">
-                    <a16:rowId xmlns:a16="http://schemas.microsoft.com/office/drawing/2014/main" val="10001"/>
+                    <a16:rowId xmlns:a16="http://schemas.microsoft.com/office/drawing/2014/main" xmlns="" val="10001"/>
                   </a:ext>
                 </a:extLst>
               </a:tr>
@@ -7329,7 +7545,7 @@
                 </a:tc>
                 <a:extLst>
                   <a:ext uri="{0D108BD9-81ED-4DB2-BD59-A6C34878D82A}">
-                    <a16:rowId xmlns:a16="http://schemas.microsoft.com/office/drawing/2014/main" val="10002"/>
+                    <a16:rowId xmlns:a16="http://schemas.microsoft.com/office/drawing/2014/main" xmlns="" val="10002"/>
                   </a:ext>
                 </a:extLst>
               </a:tr>
@@ -7388,7 +7604,7 @@
                 </a:tc>
                 <a:extLst>
                   <a:ext uri="{0D108BD9-81ED-4DB2-BD59-A6C34878D82A}">
-                    <a16:rowId xmlns:a16="http://schemas.microsoft.com/office/drawing/2014/main" val="10003"/>
+                    <a16:rowId xmlns:a16="http://schemas.microsoft.com/office/drawing/2014/main" xmlns="" val="10003"/>
                   </a:ext>
                 </a:extLst>
               </a:tr>
@@ -7446,7 +7662,7 @@
                 </a:tc>
                 <a:extLst>
                   <a:ext uri="{0D108BD9-81ED-4DB2-BD59-A6C34878D82A}">
-                    <a16:rowId xmlns:a16="http://schemas.microsoft.com/office/drawing/2014/main" val="10004"/>
+                    <a16:rowId xmlns:a16="http://schemas.microsoft.com/office/drawing/2014/main" xmlns="" val="10004"/>
                   </a:ext>
                 </a:extLst>
               </a:tr>
@@ -7504,7 +7720,7 @@
                 </a:tc>
                 <a:extLst>
                   <a:ext uri="{0D108BD9-81ED-4DB2-BD59-A6C34878D82A}">
-                    <a16:rowId xmlns:a16="http://schemas.microsoft.com/office/drawing/2014/main" val="10005"/>
+                    <a16:rowId xmlns:a16="http://schemas.microsoft.com/office/drawing/2014/main" xmlns="" val="10005"/>
                   </a:ext>
                 </a:extLst>
               </a:tr>
@@ -10630,21 +10846,21 @@
                 <a:gridCol w="1368879">
                   <a:extLst>
                     <a:ext uri="{9D8B030D-6E8A-4147-A177-3AD203B41FA5}">
-                      <a16:colId xmlns:a16="http://schemas.microsoft.com/office/drawing/2014/main" val="20000"/>
+                      <a16:colId xmlns:a16="http://schemas.microsoft.com/office/drawing/2014/main" xmlns="" val="20000"/>
                     </a:ext>
                   </a:extLst>
                 </a:gridCol>
                 <a:gridCol w="1368879">
                   <a:extLst>
                     <a:ext uri="{9D8B030D-6E8A-4147-A177-3AD203B41FA5}">
-                      <a16:colId xmlns:a16="http://schemas.microsoft.com/office/drawing/2014/main" val="20001"/>
+                      <a16:colId xmlns:a16="http://schemas.microsoft.com/office/drawing/2014/main" xmlns="" val="20001"/>
                     </a:ext>
                   </a:extLst>
                 </a:gridCol>
                 <a:gridCol w="1368879">
                   <a:extLst>
                     <a:ext uri="{9D8B030D-6E8A-4147-A177-3AD203B41FA5}">
-                      <a16:colId xmlns:a16="http://schemas.microsoft.com/office/drawing/2014/main" val="20002"/>
+                      <a16:colId xmlns:a16="http://schemas.microsoft.com/office/drawing/2014/main" xmlns="" val="20002"/>
                     </a:ext>
                   </a:extLst>
                 </a:gridCol>
@@ -10694,7 +10910,7 @@
                 </a:tc>
                 <a:extLst>
                   <a:ext uri="{0D108BD9-81ED-4DB2-BD59-A6C34878D82A}">
-                    <a16:rowId xmlns:a16="http://schemas.microsoft.com/office/drawing/2014/main" val="10000"/>
+                    <a16:rowId xmlns:a16="http://schemas.microsoft.com/office/drawing/2014/main" xmlns="" val="10000"/>
                   </a:ext>
                 </a:extLst>
               </a:tr>
@@ -10743,7 +10959,7 @@
                 </a:tc>
                 <a:extLst>
                   <a:ext uri="{0D108BD9-81ED-4DB2-BD59-A6C34878D82A}">
-                    <a16:rowId xmlns:a16="http://schemas.microsoft.com/office/drawing/2014/main" val="10001"/>
+                    <a16:rowId xmlns:a16="http://schemas.microsoft.com/office/drawing/2014/main" xmlns="" val="10001"/>
                   </a:ext>
                 </a:extLst>
               </a:tr>
@@ -10792,7 +11008,7 @@
                 </a:tc>
                 <a:extLst>
                   <a:ext uri="{0D108BD9-81ED-4DB2-BD59-A6C34878D82A}">
-                    <a16:rowId xmlns:a16="http://schemas.microsoft.com/office/drawing/2014/main" val="10002"/>
+                    <a16:rowId xmlns:a16="http://schemas.microsoft.com/office/drawing/2014/main" xmlns="" val="10002"/>
                   </a:ext>
                 </a:extLst>
               </a:tr>
@@ -10841,7 +11057,7 @@
                 </a:tc>
                 <a:extLst>
                   <a:ext uri="{0D108BD9-81ED-4DB2-BD59-A6C34878D82A}">
-                    <a16:rowId xmlns:a16="http://schemas.microsoft.com/office/drawing/2014/main" val="10003"/>
+                    <a16:rowId xmlns:a16="http://schemas.microsoft.com/office/drawing/2014/main" xmlns="" val="10003"/>
                   </a:ext>
                 </a:extLst>
               </a:tr>
@@ -13040,7 +13256,7 @@
           <p:cNvPr id="5" name="Rectangle 4">
             <a:extLst>
               <a:ext uri="{FF2B5EF4-FFF2-40B4-BE49-F238E27FC236}">
-                <a16:creationId xmlns:a16="http://schemas.microsoft.com/office/drawing/2014/main" id="{DFEB1673-897D-C14A-91A4-40974FEA04ED}"/>
+                <a16:creationId xmlns:a16="http://schemas.microsoft.com/office/drawing/2014/main" xmlns="" id="{DFEB1673-897D-C14A-91A4-40974FEA04ED}"/>
               </a:ext>
             </a:extLst>
           </p:cNvPr>
@@ -13189,7 +13405,7 @@
           <p:cNvPr id="6" name="Rectangle 5">
             <a:extLst>
               <a:ext uri="{FF2B5EF4-FFF2-40B4-BE49-F238E27FC236}">
-                <a16:creationId xmlns:a16="http://schemas.microsoft.com/office/drawing/2014/main" id="{2DD66F6E-8D1B-6446-8516-6997FCC67C1D}"/>
+                <a16:creationId xmlns:a16="http://schemas.microsoft.com/office/drawing/2014/main" xmlns="" id="{2DD66F6E-8D1B-6446-8516-6997FCC67C1D}"/>
               </a:ext>
             </a:extLst>
           </p:cNvPr>
@@ -14432,21 +14648,21 @@
                 <a:gridCol w="1368879">
                   <a:extLst>
                     <a:ext uri="{9D8B030D-6E8A-4147-A177-3AD203B41FA5}">
-                      <a16:colId xmlns:a16="http://schemas.microsoft.com/office/drawing/2014/main" val="20000"/>
+                      <a16:colId xmlns:a16="http://schemas.microsoft.com/office/drawing/2014/main" xmlns="" val="20000"/>
                     </a:ext>
                   </a:extLst>
                 </a:gridCol>
                 <a:gridCol w="1368879">
                   <a:extLst>
                     <a:ext uri="{9D8B030D-6E8A-4147-A177-3AD203B41FA5}">
-                      <a16:colId xmlns:a16="http://schemas.microsoft.com/office/drawing/2014/main" val="20001"/>
+                      <a16:colId xmlns:a16="http://schemas.microsoft.com/office/drawing/2014/main" xmlns="" val="20001"/>
                     </a:ext>
                   </a:extLst>
                 </a:gridCol>
                 <a:gridCol w="1368879">
                   <a:extLst>
                     <a:ext uri="{9D8B030D-6E8A-4147-A177-3AD203B41FA5}">
-                      <a16:colId xmlns:a16="http://schemas.microsoft.com/office/drawing/2014/main" val="20002"/>
+                      <a16:colId xmlns:a16="http://schemas.microsoft.com/office/drawing/2014/main" xmlns="" val="20002"/>
                     </a:ext>
                   </a:extLst>
                 </a:gridCol>
@@ -14496,7 +14712,7 @@
                 </a:tc>
                 <a:extLst>
                   <a:ext uri="{0D108BD9-81ED-4DB2-BD59-A6C34878D82A}">
-                    <a16:rowId xmlns:a16="http://schemas.microsoft.com/office/drawing/2014/main" val="10000"/>
+                    <a16:rowId xmlns:a16="http://schemas.microsoft.com/office/drawing/2014/main" xmlns="" val="10000"/>
                   </a:ext>
                 </a:extLst>
               </a:tr>
@@ -14545,7 +14761,7 @@
                 </a:tc>
                 <a:extLst>
                   <a:ext uri="{0D108BD9-81ED-4DB2-BD59-A6C34878D82A}">
-                    <a16:rowId xmlns:a16="http://schemas.microsoft.com/office/drawing/2014/main" val="10001"/>
+                    <a16:rowId xmlns:a16="http://schemas.microsoft.com/office/drawing/2014/main" xmlns="" val="10001"/>
                   </a:ext>
                 </a:extLst>
               </a:tr>
@@ -14594,7 +14810,7 @@
                 </a:tc>
                 <a:extLst>
                   <a:ext uri="{0D108BD9-81ED-4DB2-BD59-A6C34878D82A}">
-                    <a16:rowId xmlns:a16="http://schemas.microsoft.com/office/drawing/2014/main" val="10002"/>
+                    <a16:rowId xmlns:a16="http://schemas.microsoft.com/office/drawing/2014/main" xmlns="" val="10002"/>
                   </a:ext>
                 </a:extLst>
               </a:tr>
@@ -14643,7 +14859,7 @@
                 </a:tc>
                 <a:extLst>
                   <a:ext uri="{0D108BD9-81ED-4DB2-BD59-A6C34878D82A}">
-                    <a16:rowId xmlns:a16="http://schemas.microsoft.com/office/drawing/2014/main" val="10003"/>
+                    <a16:rowId xmlns:a16="http://schemas.microsoft.com/office/drawing/2014/main" xmlns="" val="10003"/>
                   </a:ext>
                 </a:extLst>
               </a:tr>
@@ -15033,7 +15249,7 @@
                 <a:gridCol w="1069520">
                   <a:extLst>
                     <a:ext uri="{9D8B030D-6E8A-4147-A177-3AD203B41FA5}">
-                      <a16:colId xmlns:a16="http://schemas.microsoft.com/office/drawing/2014/main" val="20000"/>
+                      <a16:colId xmlns:a16="http://schemas.microsoft.com/office/drawing/2014/main" xmlns="" val="20000"/>
                     </a:ext>
                   </a:extLst>
                 </a:gridCol>
@@ -15055,7 +15271,7 @@
                 </a:tc>
                 <a:extLst>
                   <a:ext uri="{0D108BD9-81ED-4DB2-BD59-A6C34878D82A}">
-                    <a16:rowId xmlns:a16="http://schemas.microsoft.com/office/drawing/2014/main" val="10000"/>
+                    <a16:rowId xmlns:a16="http://schemas.microsoft.com/office/drawing/2014/main" xmlns="" val="10000"/>
                   </a:ext>
                 </a:extLst>
               </a:tr>
@@ -15076,7 +15292,7 @@
                 </a:tc>
                 <a:extLst>
                   <a:ext uri="{0D108BD9-81ED-4DB2-BD59-A6C34878D82A}">
-                    <a16:rowId xmlns:a16="http://schemas.microsoft.com/office/drawing/2014/main" val="10001"/>
+                    <a16:rowId xmlns:a16="http://schemas.microsoft.com/office/drawing/2014/main" xmlns="" val="10001"/>
                   </a:ext>
                 </a:extLst>
               </a:tr>
@@ -15097,7 +15313,7 @@
                 </a:tc>
                 <a:extLst>
                   <a:ext uri="{0D108BD9-81ED-4DB2-BD59-A6C34878D82A}">
-                    <a16:rowId xmlns:a16="http://schemas.microsoft.com/office/drawing/2014/main" val="10002"/>
+                    <a16:rowId xmlns:a16="http://schemas.microsoft.com/office/drawing/2014/main" xmlns="" val="10002"/>
                   </a:ext>
                 </a:extLst>
               </a:tr>
@@ -15118,7 +15334,7 @@
                 </a:tc>
                 <a:extLst>
                   <a:ext uri="{0D108BD9-81ED-4DB2-BD59-A6C34878D82A}">
-                    <a16:rowId xmlns:a16="http://schemas.microsoft.com/office/drawing/2014/main" val="10003"/>
+                    <a16:rowId xmlns:a16="http://schemas.microsoft.com/office/drawing/2014/main" xmlns="" val="10003"/>
                   </a:ext>
                 </a:extLst>
               </a:tr>
@@ -15154,7 +15370,7 @@
                 <a:gridCol w="1069520">
                   <a:extLst>
                     <a:ext uri="{9D8B030D-6E8A-4147-A177-3AD203B41FA5}">
-                      <a16:colId xmlns:a16="http://schemas.microsoft.com/office/drawing/2014/main" val="20000"/>
+                      <a16:colId xmlns:a16="http://schemas.microsoft.com/office/drawing/2014/main" xmlns="" val="20000"/>
                     </a:ext>
                   </a:extLst>
                 </a:gridCol>
@@ -15176,7 +15392,7 @@
                 </a:tc>
                 <a:extLst>
                   <a:ext uri="{0D108BD9-81ED-4DB2-BD59-A6C34878D82A}">
-                    <a16:rowId xmlns:a16="http://schemas.microsoft.com/office/drawing/2014/main" val="10000"/>
+                    <a16:rowId xmlns:a16="http://schemas.microsoft.com/office/drawing/2014/main" xmlns="" val="10000"/>
                   </a:ext>
                 </a:extLst>
               </a:tr>
@@ -15197,7 +15413,7 @@
                 </a:tc>
                 <a:extLst>
                   <a:ext uri="{0D108BD9-81ED-4DB2-BD59-A6C34878D82A}">
-                    <a16:rowId xmlns:a16="http://schemas.microsoft.com/office/drawing/2014/main" val="10001"/>
+                    <a16:rowId xmlns:a16="http://schemas.microsoft.com/office/drawing/2014/main" xmlns="" val="10001"/>
                   </a:ext>
                 </a:extLst>
               </a:tr>
@@ -15218,7 +15434,7 @@
                 </a:tc>
                 <a:extLst>
                   <a:ext uri="{0D108BD9-81ED-4DB2-BD59-A6C34878D82A}">
-                    <a16:rowId xmlns:a16="http://schemas.microsoft.com/office/drawing/2014/main" val="10002"/>
+                    <a16:rowId xmlns:a16="http://schemas.microsoft.com/office/drawing/2014/main" xmlns="" val="10002"/>
                   </a:ext>
                 </a:extLst>
               </a:tr>
@@ -15254,7 +15470,7 @@
                 <a:gridCol w="1368879">
                   <a:extLst>
                     <a:ext uri="{9D8B030D-6E8A-4147-A177-3AD203B41FA5}">
-                      <a16:colId xmlns:a16="http://schemas.microsoft.com/office/drawing/2014/main" val="20000"/>
+                      <a16:colId xmlns:a16="http://schemas.microsoft.com/office/drawing/2014/main" xmlns="" val="20000"/>
                     </a:ext>
                   </a:extLst>
                 </a:gridCol>
@@ -15276,7 +15492,7 @@
                 </a:tc>
                 <a:extLst>
                   <a:ext uri="{0D108BD9-81ED-4DB2-BD59-A6C34878D82A}">
-                    <a16:rowId xmlns:a16="http://schemas.microsoft.com/office/drawing/2014/main" val="10000"/>
+                    <a16:rowId xmlns:a16="http://schemas.microsoft.com/office/drawing/2014/main" xmlns="" val="10000"/>
                   </a:ext>
                 </a:extLst>
               </a:tr>
@@ -15297,7 +15513,7 @@
                 </a:tc>
                 <a:extLst>
                   <a:ext uri="{0D108BD9-81ED-4DB2-BD59-A6C34878D82A}">
-                    <a16:rowId xmlns:a16="http://schemas.microsoft.com/office/drawing/2014/main" val="10001"/>
+                    <a16:rowId xmlns:a16="http://schemas.microsoft.com/office/drawing/2014/main" xmlns="" val="10001"/>
                   </a:ext>
                 </a:extLst>
               </a:tr>
@@ -15318,7 +15534,7 @@
                 </a:tc>
                 <a:extLst>
                   <a:ext uri="{0D108BD9-81ED-4DB2-BD59-A6C34878D82A}">
-                    <a16:rowId xmlns:a16="http://schemas.microsoft.com/office/drawing/2014/main" val="10002"/>
+                    <a16:rowId xmlns:a16="http://schemas.microsoft.com/office/drawing/2014/main" xmlns="" val="10002"/>
                   </a:ext>
                 </a:extLst>
               </a:tr>
@@ -15339,7 +15555,7 @@
                 </a:tc>
                 <a:extLst>
                   <a:ext uri="{0D108BD9-81ED-4DB2-BD59-A6C34878D82A}">
-                    <a16:rowId xmlns:a16="http://schemas.microsoft.com/office/drawing/2014/main" val="10003"/>
+                    <a16:rowId xmlns:a16="http://schemas.microsoft.com/office/drawing/2014/main" xmlns="" val="10003"/>
                   </a:ext>
                 </a:extLst>
               </a:tr>
@@ -16136,7 +16352,7 @@
               <a:t> </a:t>
             </a:r>
             <a:r>
-              <a:rPr lang="en-US" altLang="zh-CN"/>
+              <a:rPr lang="en-US" altLang="zh-CN" dirty="0"/>
               <a:t>2</a:t>
             </a:r>
             <a:endParaRPr lang="en-US" dirty="0"/>
@@ -16567,7 +16783,7 @@
           <p:cNvPr id="2" name="Title 1">
             <a:extLst>
               <a:ext uri="{FF2B5EF4-FFF2-40B4-BE49-F238E27FC236}">
-                <a16:creationId xmlns:a16="http://schemas.microsoft.com/office/drawing/2014/main" id="{94501782-B7C7-6842-976A-473B00DFA4A9}"/>
+                <a16:creationId xmlns:a16="http://schemas.microsoft.com/office/drawing/2014/main" xmlns="" id="{94501782-B7C7-6842-976A-473B00DFA4A9}"/>
               </a:ext>
             </a:extLst>
           </p:cNvPr>
@@ -16595,7 +16811,7 @@
           <p:cNvPr id="3" name="Content Placeholder 2">
             <a:extLst>
               <a:ext uri="{FF2B5EF4-FFF2-40B4-BE49-F238E27FC236}">
-                <a16:creationId xmlns:a16="http://schemas.microsoft.com/office/drawing/2014/main" id="{C8090023-957A-D44A-9A68-C67904302C30}"/>
+                <a16:creationId xmlns:a16="http://schemas.microsoft.com/office/drawing/2014/main" xmlns="" id="{C8090023-957A-D44A-9A68-C67904302C30}"/>
               </a:ext>
             </a:extLst>
           </p:cNvPr>
@@ -16792,7 +17008,7 @@
           <p:cNvPr id="4" name="Slide Number Placeholder 3">
             <a:extLst>
               <a:ext uri="{FF2B5EF4-FFF2-40B4-BE49-F238E27FC236}">
-                <a16:creationId xmlns:a16="http://schemas.microsoft.com/office/drawing/2014/main" id="{C730120B-DC91-3A4B-9010-90A056D4691D}"/>
+                <a16:creationId xmlns:a16="http://schemas.microsoft.com/office/drawing/2014/main" xmlns="" id="{C730120B-DC91-3A4B-9010-90A056D4691D}"/>
               </a:ext>
             </a:extLst>
           </p:cNvPr>
@@ -16953,21 +17169,21 @@
                 <a:gridCol w="702830">
                   <a:extLst>
                     <a:ext uri="{9D8B030D-6E8A-4147-A177-3AD203B41FA5}">
-                      <a16:colId xmlns:a16="http://schemas.microsoft.com/office/drawing/2014/main" val="20000"/>
+                      <a16:colId xmlns:a16="http://schemas.microsoft.com/office/drawing/2014/main" xmlns="" val="20000"/>
                     </a:ext>
                   </a:extLst>
                 </a:gridCol>
                 <a:gridCol w="913679">
                   <a:extLst>
                     <a:ext uri="{9D8B030D-6E8A-4147-A177-3AD203B41FA5}">
-                      <a16:colId xmlns:a16="http://schemas.microsoft.com/office/drawing/2014/main" val="20001"/>
+                      <a16:colId xmlns:a16="http://schemas.microsoft.com/office/drawing/2014/main" xmlns="" val="20001"/>
                     </a:ext>
                   </a:extLst>
                 </a:gridCol>
                 <a:gridCol w="702830">
                   <a:extLst>
                     <a:ext uri="{9D8B030D-6E8A-4147-A177-3AD203B41FA5}">
-                      <a16:colId xmlns:a16="http://schemas.microsoft.com/office/drawing/2014/main" val="20002"/>
+                      <a16:colId xmlns:a16="http://schemas.microsoft.com/office/drawing/2014/main" xmlns="" val="20002"/>
                     </a:ext>
                   </a:extLst>
                 </a:gridCol>
@@ -17032,7 +17248,7 @@
                 </a:tc>
                 <a:extLst>
                   <a:ext uri="{0D108BD9-81ED-4DB2-BD59-A6C34878D82A}">
-                    <a16:rowId xmlns:a16="http://schemas.microsoft.com/office/drawing/2014/main" val="10000"/>
+                    <a16:rowId xmlns:a16="http://schemas.microsoft.com/office/drawing/2014/main" xmlns="" val="10000"/>
                   </a:ext>
                 </a:extLst>
               </a:tr>
@@ -17079,7 +17295,7 @@
                 </a:tc>
                 <a:extLst>
                   <a:ext uri="{0D108BD9-81ED-4DB2-BD59-A6C34878D82A}">
-                    <a16:rowId xmlns:a16="http://schemas.microsoft.com/office/drawing/2014/main" val="10001"/>
+                    <a16:rowId xmlns:a16="http://schemas.microsoft.com/office/drawing/2014/main" xmlns="" val="10001"/>
                   </a:ext>
                 </a:extLst>
               </a:tr>
@@ -17126,7 +17342,7 @@
                 </a:tc>
                 <a:extLst>
                   <a:ext uri="{0D108BD9-81ED-4DB2-BD59-A6C34878D82A}">
-                    <a16:rowId xmlns:a16="http://schemas.microsoft.com/office/drawing/2014/main" val="10002"/>
+                    <a16:rowId xmlns:a16="http://schemas.microsoft.com/office/drawing/2014/main" xmlns="" val="10002"/>
                   </a:ext>
                 </a:extLst>
               </a:tr>
@@ -17162,21 +17378,21 @@
                 <a:gridCol w="1477109">
                   <a:extLst>
                     <a:ext uri="{9D8B030D-6E8A-4147-A177-3AD203B41FA5}">
-                      <a16:colId xmlns:a16="http://schemas.microsoft.com/office/drawing/2014/main" val="20000"/>
+                      <a16:colId xmlns:a16="http://schemas.microsoft.com/office/drawing/2014/main" xmlns="" val="20000"/>
                     </a:ext>
                   </a:extLst>
                 </a:gridCol>
                 <a:gridCol w="598948">
                   <a:extLst>
                     <a:ext uri="{9D8B030D-6E8A-4147-A177-3AD203B41FA5}">
-                      <a16:colId xmlns:a16="http://schemas.microsoft.com/office/drawing/2014/main" val="20001"/>
+                      <a16:colId xmlns:a16="http://schemas.microsoft.com/office/drawing/2014/main" xmlns="" val="20001"/>
                     </a:ext>
                   </a:extLst>
                 </a:gridCol>
                 <a:gridCol w="1013674">
                   <a:extLst>
                     <a:ext uri="{9D8B030D-6E8A-4147-A177-3AD203B41FA5}">
-                      <a16:colId xmlns:a16="http://schemas.microsoft.com/office/drawing/2014/main" val="20002"/>
+                      <a16:colId xmlns:a16="http://schemas.microsoft.com/office/drawing/2014/main" xmlns="" val="20002"/>
                     </a:ext>
                   </a:extLst>
                 </a:gridCol>
@@ -17237,7 +17453,7 @@
                 </a:tc>
                 <a:extLst>
                   <a:ext uri="{0D108BD9-81ED-4DB2-BD59-A6C34878D82A}">
-                    <a16:rowId xmlns:a16="http://schemas.microsoft.com/office/drawing/2014/main" val="10000"/>
+                    <a16:rowId xmlns:a16="http://schemas.microsoft.com/office/drawing/2014/main" xmlns="" val="10000"/>
                   </a:ext>
                 </a:extLst>
               </a:tr>
@@ -17284,7 +17500,7 @@
                 </a:tc>
                 <a:extLst>
                   <a:ext uri="{0D108BD9-81ED-4DB2-BD59-A6C34878D82A}">
-                    <a16:rowId xmlns:a16="http://schemas.microsoft.com/office/drawing/2014/main" val="10001"/>
+                    <a16:rowId xmlns:a16="http://schemas.microsoft.com/office/drawing/2014/main" xmlns="" val="10001"/>
                   </a:ext>
                 </a:extLst>
               </a:tr>
@@ -17331,7 +17547,7 @@
                 </a:tc>
                 <a:extLst>
                   <a:ext uri="{0D108BD9-81ED-4DB2-BD59-A6C34878D82A}">
-                    <a16:rowId xmlns:a16="http://schemas.microsoft.com/office/drawing/2014/main" val="10002"/>
+                    <a16:rowId xmlns:a16="http://schemas.microsoft.com/office/drawing/2014/main" xmlns="" val="10002"/>
                   </a:ext>
                 </a:extLst>
               </a:tr>
@@ -17378,7 +17594,7 @@
                 </a:tc>
                 <a:extLst>
                   <a:ext uri="{0D108BD9-81ED-4DB2-BD59-A6C34878D82A}">
-                    <a16:rowId xmlns:a16="http://schemas.microsoft.com/office/drawing/2014/main" val="10003"/>
+                    <a16:rowId xmlns:a16="http://schemas.microsoft.com/office/drawing/2014/main" xmlns="" val="10003"/>
                   </a:ext>
                 </a:extLst>
               </a:tr>
@@ -17865,21 +18081,21 @@
                 <a:gridCol w="702830">
                   <a:extLst>
                     <a:ext uri="{9D8B030D-6E8A-4147-A177-3AD203B41FA5}">
-                      <a16:colId xmlns:a16="http://schemas.microsoft.com/office/drawing/2014/main" val="20000"/>
+                      <a16:colId xmlns:a16="http://schemas.microsoft.com/office/drawing/2014/main" xmlns="" val="20000"/>
                     </a:ext>
                   </a:extLst>
                 </a:gridCol>
                 <a:gridCol w="913679">
                   <a:extLst>
                     <a:ext uri="{9D8B030D-6E8A-4147-A177-3AD203B41FA5}">
-                      <a16:colId xmlns:a16="http://schemas.microsoft.com/office/drawing/2014/main" val="20001"/>
+                      <a16:colId xmlns:a16="http://schemas.microsoft.com/office/drawing/2014/main" xmlns="" val="20001"/>
                     </a:ext>
                   </a:extLst>
                 </a:gridCol>
                 <a:gridCol w="702830">
                   <a:extLst>
                     <a:ext uri="{9D8B030D-6E8A-4147-A177-3AD203B41FA5}">
-                      <a16:colId xmlns:a16="http://schemas.microsoft.com/office/drawing/2014/main" val="20002"/>
+                      <a16:colId xmlns:a16="http://schemas.microsoft.com/office/drawing/2014/main" xmlns="" val="20002"/>
                     </a:ext>
                   </a:extLst>
                 </a:gridCol>
@@ -17944,7 +18160,7 @@
                 </a:tc>
                 <a:extLst>
                   <a:ext uri="{0D108BD9-81ED-4DB2-BD59-A6C34878D82A}">
-                    <a16:rowId xmlns:a16="http://schemas.microsoft.com/office/drawing/2014/main" val="10000"/>
+                    <a16:rowId xmlns:a16="http://schemas.microsoft.com/office/drawing/2014/main" xmlns="" val="10000"/>
                   </a:ext>
                 </a:extLst>
               </a:tr>
@@ -17991,7 +18207,7 @@
                 </a:tc>
                 <a:extLst>
                   <a:ext uri="{0D108BD9-81ED-4DB2-BD59-A6C34878D82A}">
-                    <a16:rowId xmlns:a16="http://schemas.microsoft.com/office/drawing/2014/main" val="10001"/>
+                    <a16:rowId xmlns:a16="http://schemas.microsoft.com/office/drawing/2014/main" xmlns="" val="10001"/>
                   </a:ext>
                 </a:extLst>
               </a:tr>
@@ -18038,7 +18254,7 @@
                 </a:tc>
                 <a:extLst>
                   <a:ext uri="{0D108BD9-81ED-4DB2-BD59-A6C34878D82A}">
-                    <a16:rowId xmlns:a16="http://schemas.microsoft.com/office/drawing/2014/main" val="10002"/>
+                    <a16:rowId xmlns:a16="http://schemas.microsoft.com/office/drawing/2014/main" xmlns="" val="10002"/>
                   </a:ext>
                 </a:extLst>
               </a:tr>
@@ -18085,7 +18301,7 @@
                 </a:tc>
                 <a:extLst>
                   <a:ext uri="{0D108BD9-81ED-4DB2-BD59-A6C34878D82A}">
-                    <a16:rowId xmlns:a16="http://schemas.microsoft.com/office/drawing/2014/main" val="10003"/>
+                    <a16:rowId xmlns:a16="http://schemas.microsoft.com/office/drawing/2014/main" xmlns="" val="10003"/>
                   </a:ext>
                 </a:extLst>
               </a:tr>
@@ -18208,21 +18424,21 @@
                 <a:gridCol w="1477109">
                   <a:extLst>
                     <a:ext uri="{9D8B030D-6E8A-4147-A177-3AD203B41FA5}">
-                      <a16:colId xmlns:a16="http://schemas.microsoft.com/office/drawing/2014/main" val="20000"/>
+                      <a16:colId xmlns:a16="http://schemas.microsoft.com/office/drawing/2014/main" xmlns="" val="20000"/>
                     </a:ext>
                   </a:extLst>
                 </a:gridCol>
                 <a:gridCol w="598948">
                   <a:extLst>
                     <a:ext uri="{9D8B030D-6E8A-4147-A177-3AD203B41FA5}">
-                      <a16:colId xmlns:a16="http://schemas.microsoft.com/office/drawing/2014/main" val="20001"/>
+                      <a16:colId xmlns:a16="http://schemas.microsoft.com/office/drawing/2014/main" xmlns="" val="20001"/>
                     </a:ext>
                   </a:extLst>
                 </a:gridCol>
                 <a:gridCol w="1013674">
                   <a:extLst>
                     <a:ext uri="{9D8B030D-6E8A-4147-A177-3AD203B41FA5}">
-                      <a16:colId xmlns:a16="http://schemas.microsoft.com/office/drawing/2014/main" val="20002"/>
+                      <a16:colId xmlns:a16="http://schemas.microsoft.com/office/drawing/2014/main" xmlns="" val="20002"/>
                     </a:ext>
                   </a:extLst>
                 </a:gridCol>
@@ -18283,7 +18499,7 @@
                 </a:tc>
                 <a:extLst>
                   <a:ext uri="{0D108BD9-81ED-4DB2-BD59-A6C34878D82A}">
-                    <a16:rowId xmlns:a16="http://schemas.microsoft.com/office/drawing/2014/main" val="10000"/>
+                    <a16:rowId xmlns:a16="http://schemas.microsoft.com/office/drawing/2014/main" xmlns="" val="10000"/>
                   </a:ext>
                 </a:extLst>
               </a:tr>
@@ -18330,7 +18546,7 @@
                 </a:tc>
                 <a:extLst>
                   <a:ext uri="{0D108BD9-81ED-4DB2-BD59-A6C34878D82A}">
-                    <a16:rowId xmlns:a16="http://schemas.microsoft.com/office/drawing/2014/main" val="10001"/>
+                    <a16:rowId xmlns:a16="http://schemas.microsoft.com/office/drawing/2014/main" xmlns="" val="10001"/>
                   </a:ext>
                 </a:extLst>
               </a:tr>
@@ -18377,7 +18593,7 @@
                 </a:tc>
                 <a:extLst>
                   <a:ext uri="{0D108BD9-81ED-4DB2-BD59-A6C34878D82A}">
-                    <a16:rowId xmlns:a16="http://schemas.microsoft.com/office/drawing/2014/main" val="10002"/>
+                    <a16:rowId xmlns:a16="http://schemas.microsoft.com/office/drawing/2014/main" xmlns="" val="10002"/>
                   </a:ext>
                 </a:extLst>
               </a:tr>
@@ -18424,7 +18640,7 @@
                 </a:tc>
                 <a:extLst>
                   <a:ext uri="{0D108BD9-81ED-4DB2-BD59-A6C34878D82A}">
-                    <a16:rowId xmlns:a16="http://schemas.microsoft.com/office/drawing/2014/main" val="10003"/>
+                    <a16:rowId xmlns:a16="http://schemas.microsoft.com/office/drawing/2014/main" xmlns="" val="10003"/>
                   </a:ext>
                 </a:extLst>
               </a:tr>
@@ -19009,21 +19225,21 @@
                 <a:gridCol w="1477109">
                   <a:extLst>
                     <a:ext uri="{9D8B030D-6E8A-4147-A177-3AD203B41FA5}">
-                      <a16:colId xmlns:a16="http://schemas.microsoft.com/office/drawing/2014/main" val="20000"/>
+                      <a16:colId xmlns:a16="http://schemas.microsoft.com/office/drawing/2014/main" xmlns="" val="20000"/>
                     </a:ext>
                   </a:extLst>
                 </a:gridCol>
                 <a:gridCol w="598948">
                   <a:extLst>
                     <a:ext uri="{9D8B030D-6E8A-4147-A177-3AD203B41FA5}">
-                      <a16:colId xmlns:a16="http://schemas.microsoft.com/office/drawing/2014/main" val="20001"/>
+                      <a16:colId xmlns:a16="http://schemas.microsoft.com/office/drawing/2014/main" xmlns="" val="20001"/>
                     </a:ext>
                   </a:extLst>
                 </a:gridCol>
                 <a:gridCol w="1013674">
                   <a:extLst>
                     <a:ext uri="{9D8B030D-6E8A-4147-A177-3AD203B41FA5}">
-                      <a16:colId xmlns:a16="http://schemas.microsoft.com/office/drawing/2014/main" val="20002"/>
+                      <a16:colId xmlns:a16="http://schemas.microsoft.com/office/drawing/2014/main" xmlns="" val="20002"/>
                     </a:ext>
                   </a:extLst>
                 </a:gridCol>
@@ -19084,7 +19300,7 @@
                 </a:tc>
                 <a:extLst>
                   <a:ext uri="{0D108BD9-81ED-4DB2-BD59-A6C34878D82A}">
-                    <a16:rowId xmlns:a16="http://schemas.microsoft.com/office/drawing/2014/main" val="10000"/>
+                    <a16:rowId xmlns:a16="http://schemas.microsoft.com/office/drawing/2014/main" xmlns="" val="10000"/>
                   </a:ext>
                 </a:extLst>
               </a:tr>
@@ -19131,7 +19347,7 @@
                 </a:tc>
                 <a:extLst>
                   <a:ext uri="{0D108BD9-81ED-4DB2-BD59-A6C34878D82A}">
-                    <a16:rowId xmlns:a16="http://schemas.microsoft.com/office/drawing/2014/main" val="10001"/>
+                    <a16:rowId xmlns:a16="http://schemas.microsoft.com/office/drawing/2014/main" xmlns="" val="10001"/>
                   </a:ext>
                 </a:extLst>
               </a:tr>
@@ -19178,7 +19394,7 @@
                 </a:tc>
                 <a:extLst>
                   <a:ext uri="{0D108BD9-81ED-4DB2-BD59-A6C34878D82A}">
-                    <a16:rowId xmlns:a16="http://schemas.microsoft.com/office/drawing/2014/main" val="10002"/>
+                    <a16:rowId xmlns:a16="http://schemas.microsoft.com/office/drawing/2014/main" xmlns="" val="10002"/>
                   </a:ext>
                 </a:extLst>
               </a:tr>
@@ -19225,7 +19441,7 @@
                 </a:tc>
                 <a:extLst>
                   <a:ext uri="{0D108BD9-81ED-4DB2-BD59-A6C34878D82A}">
-                    <a16:rowId xmlns:a16="http://schemas.microsoft.com/office/drawing/2014/main" val="10003"/>
+                    <a16:rowId xmlns:a16="http://schemas.microsoft.com/office/drawing/2014/main" xmlns="" val="10003"/>
                   </a:ext>
                 </a:extLst>
               </a:tr>
@@ -19398,7 +19614,7 @@
           <p:cNvPr id="5" name="Table 4">
             <a:extLst>
               <a:ext uri="{FF2B5EF4-FFF2-40B4-BE49-F238E27FC236}">
-                <a16:creationId xmlns:a16="http://schemas.microsoft.com/office/drawing/2014/main" id="{0818F4FD-FE75-D34E-8FAE-B22FFF29DE6A}"/>
+                <a16:creationId xmlns:a16="http://schemas.microsoft.com/office/drawing/2014/main" xmlns="" id="{0818F4FD-FE75-D34E-8FAE-B22FFF29DE6A}"/>
               </a:ext>
             </a:extLst>
           </p:cNvPr>
@@ -19427,21 +19643,21 @@
                 <a:gridCol w="702830">
                   <a:extLst>
                     <a:ext uri="{9D8B030D-6E8A-4147-A177-3AD203B41FA5}">
-                      <a16:colId xmlns:a16="http://schemas.microsoft.com/office/drawing/2014/main" val="20000"/>
+                      <a16:colId xmlns:a16="http://schemas.microsoft.com/office/drawing/2014/main" xmlns="" val="20000"/>
                     </a:ext>
                   </a:extLst>
                 </a:gridCol>
                 <a:gridCol w="913679">
                   <a:extLst>
                     <a:ext uri="{9D8B030D-6E8A-4147-A177-3AD203B41FA5}">
-                      <a16:colId xmlns:a16="http://schemas.microsoft.com/office/drawing/2014/main" val="20001"/>
+                      <a16:colId xmlns:a16="http://schemas.microsoft.com/office/drawing/2014/main" xmlns="" val="20001"/>
                     </a:ext>
                   </a:extLst>
                 </a:gridCol>
                 <a:gridCol w="702830">
                   <a:extLst>
                     <a:ext uri="{9D8B030D-6E8A-4147-A177-3AD203B41FA5}">
-                      <a16:colId xmlns:a16="http://schemas.microsoft.com/office/drawing/2014/main" val="20002"/>
+                      <a16:colId xmlns:a16="http://schemas.microsoft.com/office/drawing/2014/main" xmlns="" val="20002"/>
                     </a:ext>
                   </a:extLst>
                 </a:gridCol>
@@ -19506,7 +19722,7 @@
                 </a:tc>
                 <a:extLst>
                   <a:ext uri="{0D108BD9-81ED-4DB2-BD59-A6C34878D82A}">
-                    <a16:rowId xmlns:a16="http://schemas.microsoft.com/office/drawing/2014/main" val="10000"/>
+                    <a16:rowId xmlns:a16="http://schemas.microsoft.com/office/drawing/2014/main" xmlns="" val="10000"/>
                   </a:ext>
                 </a:extLst>
               </a:tr>
@@ -19553,7 +19769,7 @@
                 </a:tc>
                 <a:extLst>
                   <a:ext uri="{0D108BD9-81ED-4DB2-BD59-A6C34878D82A}">
-                    <a16:rowId xmlns:a16="http://schemas.microsoft.com/office/drawing/2014/main" val="10002"/>
+                    <a16:rowId xmlns:a16="http://schemas.microsoft.com/office/drawing/2014/main" xmlns="" val="10002"/>
                   </a:ext>
                 </a:extLst>
               </a:tr>
@@ -19600,7 +19816,7 @@
                 </a:tc>
                 <a:extLst>
                   <a:ext uri="{0D108BD9-81ED-4DB2-BD59-A6C34878D82A}">
-                    <a16:rowId xmlns:a16="http://schemas.microsoft.com/office/drawing/2014/main" val="10003"/>
+                    <a16:rowId xmlns:a16="http://schemas.microsoft.com/office/drawing/2014/main" xmlns="" val="10003"/>
                   </a:ext>
                 </a:extLst>
               </a:tr>
@@ -19613,7 +19829,7 @@
           <p:cNvPr id="6" name="TextBox 5">
             <a:extLst>
               <a:ext uri="{FF2B5EF4-FFF2-40B4-BE49-F238E27FC236}">
-                <a16:creationId xmlns:a16="http://schemas.microsoft.com/office/drawing/2014/main" id="{CCEF989B-6E4B-AE49-AABE-639ECD4D8C57}"/>
+                <a16:creationId xmlns:a16="http://schemas.microsoft.com/office/drawing/2014/main" xmlns="" id="{CCEF989B-6E4B-AE49-AABE-639ECD4D8C57}"/>
               </a:ext>
             </a:extLst>
           </p:cNvPr>
@@ -19648,7 +19864,7 @@
           <p:cNvPr id="7" name="TextBox 6">
             <a:extLst>
               <a:ext uri="{FF2B5EF4-FFF2-40B4-BE49-F238E27FC236}">
-                <a16:creationId xmlns:a16="http://schemas.microsoft.com/office/drawing/2014/main" id="{2E1BFE41-1AE3-CC43-B3AF-61244CAA9EEB}"/>
+                <a16:creationId xmlns:a16="http://schemas.microsoft.com/office/drawing/2014/main" xmlns="" id="{2E1BFE41-1AE3-CC43-B3AF-61244CAA9EEB}"/>
               </a:ext>
             </a:extLst>
           </p:cNvPr>
@@ -19683,7 +19899,7 @@
           <p:cNvPr id="8" name="Table 7">
             <a:extLst>
               <a:ext uri="{FF2B5EF4-FFF2-40B4-BE49-F238E27FC236}">
-                <a16:creationId xmlns:a16="http://schemas.microsoft.com/office/drawing/2014/main" id="{3678C9D1-F8AB-CA44-9090-0B74D53FCD9C}"/>
+                <a16:creationId xmlns:a16="http://schemas.microsoft.com/office/drawing/2014/main" xmlns="" id="{3678C9D1-F8AB-CA44-9090-0B74D53FCD9C}"/>
               </a:ext>
             </a:extLst>
           </p:cNvPr>
@@ -19712,21 +19928,21 @@
                 <a:gridCol w="1477109">
                   <a:extLst>
                     <a:ext uri="{9D8B030D-6E8A-4147-A177-3AD203B41FA5}">
-                      <a16:colId xmlns:a16="http://schemas.microsoft.com/office/drawing/2014/main" val="20000"/>
+                      <a16:colId xmlns:a16="http://schemas.microsoft.com/office/drawing/2014/main" xmlns="" val="20000"/>
                     </a:ext>
                   </a:extLst>
                 </a:gridCol>
                 <a:gridCol w="598948">
                   <a:extLst>
                     <a:ext uri="{9D8B030D-6E8A-4147-A177-3AD203B41FA5}">
-                      <a16:colId xmlns:a16="http://schemas.microsoft.com/office/drawing/2014/main" val="20001"/>
+                      <a16:colId xmlns:a16="http://schemas.microsoft.com/office/drawing/2014/main" xmlns="" val="20001"/>
                     </a:ext>
                   </a:extLst>
                 </a:gridCol>
                 <a:gridCol w="1013674">
                   <a:extLst>
                     <a:ext uri="{9D8B030D-6E8A-4147-A177-3AD203B41FA5}">
-                      <a16:colId xmlns:a16="http://schemas.microsoft.com/office/drawing/2014/main" val="20002"/>
+                      <a16:colId xmlns:a16="http://schemas.microsoft.com/office/drawing/2014/main" xmlns="" val="20002"/>
                     </a:ext>
                   </a:extLst>
                 </a:gridCol>
@@ -19787,7 +20003,7 @@
                 </a:tc>
                 <a:extLst>
                   <a:ext uri="{0D108BD9-81ED-4DB2-BD59-A6C34878D82A}">
-                    <a16:rowId xmlns:a16="http://schemas.microsoft.com/office/drawing/2014/main" val="10000"/>
+                    <a16:rowId xmlns:a16="http://schemas.microsoft.com/office/drawing/2014/main" xmlns="" val="10000"/>
                   </a:ext>
                 </a:extLst>
               </a:tr>
@@ -19834,7 +20050,7 @@
                 </a:tc>
                 <a:extLst>
                   <a:ext uri="{0D108BD9-81ED-4DB2-BD59-A6C34878D82A}">
-                    <a16:rowId xmlns:a16="http://schemas.microsoft.com/office/drawing/2014/main" val="10001"/>
+                    <a16:rowId xmlns:a16="http://schemas.microsoft.com/office/drawing/2014/main" xmlns="" val="10001"/>
                   </a:ext>
                 </a:extLst>
               </a:tr>
@@ -19881,7 +20097,7 @@
                 </a:tc>
                 <a:extLst>
                   <a:ext uri="{0D108BD9-81ED-4DB2-BD59-A6C34878D82A}">
-                    <a16:rowId xmlns:a16="http://schemas.microsoft.com/office/drawing/2014/main" val="10002"/>
+                    <a16:rowId xmlns:a16="http://schemas.microsoft.com/office/drawing/2014/main" xmlns="" val="10002"/>
                   </a:ext>
                 </a:extLst>
               </a:tr>
@@ -19928,7 +20144,7 @@
                 </a:tc>
                 <a:extLst>
                   <a:ext uri="{0D108BD9-81ED-4DB2-BD59-A6C34878D82A}">
-                    <a16:rowId xmlns:a16="http://schemas.microsoft.com/office/drawing/2014/main" val="10003"/>
+                    <a16:rowId xmlns:a16="http://schemas.microsoft.com/office/drawing/2014/main" xmlns="" val="10003"/>
                   </a:ext>
                 </a:extLst>
               </a:tr>
@@ -19941,7 +20157,7 @@
           <p:cNvPr id="9" name="Table 8">
             <a:extLst>
               <a:ext uri="{FF2B5EF4-FFF2-40B4-BE49-F238E27FC236}">
-                <a16:creationId xmlns:a16="http://schemas.microsoft.com/office/drawing/2014/main" id="{21F33C49-F77D-AB43-8DD5-DC353EF8F664}"/>
+                <a16:creationId xmlns:a16="http://schemas.microsoft.com/office/drawing/2014/main" xmlns="" id="{21F33C49-F77D-AB43-8DD5-DC353EF8F664}"/>
               </a:ext>
             </a:extLst>
           </p:cNvPr>
@@ -19970,21 +20186,21 @@
                 <a:gridCol w="1477109">
                   <a:extLst>
                     <a:ext uri="{9D8B030D-6E8A-4147-A177-3AD203B41FA5}">
-                      <a16:colId xmlns:a16="http://schemas.microsoft.com/office/drawing/2014/main" val="4063248230"/>
+                      <a16:colId xmlns:a16="http://schemas.microsoft.com/office/drawing/2014/main" xmlns="" val="4063248230"/>
                     </a:ext>
                   </a:extLst>
                 </a:gridCol>
                 <a:gridCol w="598948">
                   <a:extLst>
                     <a:ext uri="{9D8B030D-6E8A-4147-A177-3AD203B41FA5}">
-                      <a16:colId xmlns:a16="http://schemas.microsoft.com/office/drawing/2014/main" val="3997865618"/>
+                      <a16:colId xmlns:a16="http://schemas.microsoft.com/office/drawing/2014/main" xmlns="" val="3997865618"/>
                     </a:ext>
                   </a:extLst>
                 </a:gridCol>
                 <a:gridCol w="1013674">
                   <a:extLst>
                     <a:ext uri="{9D8B030D-6E8A-4147-A177-3AD203B41FA5}">
-                      <a16:colId xmlns:a16="http://schemas.microsoft.com/office/drawing/2014/main" val="2043792755"/>
+                      <a16:colId xmlns:a16="http://schemas.microsoft.com/office/drawing/2014/main" xmlns="" val="2043792755"/>
                     </a:ext>
                   </a:extLst>
                 </a:gridCol>
@@ -20045,7 +20261,7 @@
                 </a:tc>
                 <a:extLst>
                   <a:ext uri="{0D108BD9-81ED-4DB2-BD59-A6C34878D82A}">
-                    <a16:rowId xmlns:a16="http://schemas.microsoft.com/office/drawing/2014/main" val="1609231389"/>
+                    <a16:rowId xmlns:a16="http://schemas.microsoft.com/office/drawing/2014/main" xmlns="" val="1609231389"/>
                   </a:ext>
                 </a:extLst>
               </a:tr>
@@ -20311,7 +20527,7 @@
           <p:cNvPr id="9" name="Table 8">
             <a:extLst>
               <a:ext uri="{FF2B5EF4-FFF2-40B4-BE49-F238E27FC236}">
-                <a16:creationId xmlns:a16="http://schemas.microsoft.com/office/drawing/2014/main" id="{192D9F72-9AFB-2643-B890-6AAD9D8AF5CB}"/>
+                <a16:creationId xmlns:a16="http://schemas.microsoft.com/office/drawing/2014/main" xmlns="" id="{192D9F72-9AFB-2643-B890-6AAD9D8AF5CB}"/>
               </a:ext>
             </a:extLst>
           </p:cNvPr>
@@ -20340,21 +20556,21 @@
                 <a:gridCol w="702830">
                   <a:extLst>
                     <a:ext uri="{9D8B030D-6E8A-4147-A177-3AD203B41FA5}">
-                      <a16:colId xmlns:a16="http://schemas.microsoft.com/office/drawing/2014/main" val="20000"/>
+                      <a16:colId xmlns:a16="http://schemas.microsoft.com/office/drawing/2014/main" xmlns="" val="20000"/>
                     </a:ext>
                   </a:extLst>
                 </a:gridCol>
                 <a:gridCol w="913679">
                   <a:extLst>
                     <a:ext uri="{9D8B030D-6E8A-4147-A177-3AD203B41FA5}">
-                      <a16:colId xmlns:a16="http://schemas.microsoft.com/office/drawing/2014/main" val="20001"/>
+                      <a16:colId xmlns:a16="http://schemas.microsoft.com/office/drawing/2014/main" xmlns="" val="20001"/>
                     </a:ext>
                   </a:extLst>
                 </a:gridCol>
                 <a:gridCol w="702830">
                   <a:extLst>
                     <a:ext uri="{9D8B030D-6E8A-4147-A177-3AD203B41FA5}">
-                      <a16:colId xmlns:a16="http://schemas.microsoft.com/office/drawing/2014/main" val="20002"/>
+                      <a16:colId xmlns:a16="http://schemas.microsoft.com/office/drawing/2014/main" xmlns="" val="20002"/>
                     </a:ext>
                   </a:extLst>
                 </a:gridCol>
@@ -20419,7 +20635,7 @@
                 </a:tc>
                 <a:extLst>
                   <a:ext uri="{0D108BD9-81ED-4DB2-BD59-A6C34878D82A}">
-                    <a16:rowId xmlns:a16="http://schemas.microsoft.com/office/drawing/2014/main" val="10000"/>
+                    <a16:rowId xmlns:a16="http://schemas.microsoft.com/office/drawing/2014/main" xmlns="" val="10000"/>
                   </a:ext>
                 </a:extLst>
               </a:tr>
@@ -20466,7 +20682,7 @@
                 </a:tc>
                 <a:extLst>
                   <a:ext uri="{0D108BD9-81ED-4DB2-BD59-A6C34878D82A}">
-                    <a16:rowId xmlns:a16="http://schemas.microsoft.com/office/drawing/2014/main" val="10002"/>
+                    <a16:rowId xmlns:a16="http://schemas.microsoft.com/office/drawing/2014/main" xmlns="" val="10002"/>
                   </a:ext>
                 </a:extLst>
               </a:tr>
@@ -20479,7 +20695,7 @@
           <p:cNvPr id="10" name="TextBox 9">
             <a:extLst>
               <a:ext uri="{FF2B5EF4-FFF2-40B4-BE49-F238E27FC236}">
-                <a16:creationId xmlns:a16="http://schemas.microsoft.com/office/drawing/2014/main" id="{2371588E-064F-AC4F-BFE4-407A10166E83}"/>
+                <a16:creationId xmlns:a16="http://schemas.microsoft.com/office/drawing/2014/main" xmlns="" id="{2371588E-064F-AC4F-BFE4-407A10166E83}"/>
               </a:ext>
             </a:extLst>
           </p:cNvPr>
@@ -20514,7 +20730,7 @@
           <p:cNvPr id="11" name="TextBox 10">
             <a:extLst>
               <a:ext uri="{FF2B5EF4-FFF2-40B4-BE49-F238E27FC236}">
-                <a16:creationId xmlns:a16="http://schemas.microsoft.com/office/drawing/2014/main" id="{04D966A4-B0FB-4543-A23B-1BDF1B411566}"/>
+                <a16:creationId xmlns:a16="http://schemas.microsoft.com/office/drawing/2014/main" xmlns="" id="{04D966A4-B0FB-4543-A23B-1BDF1B411566}"/>
               </a:ext>
             </a:extLst>
           </p:cNvPr>
@@ -20549,7 +20765,7 @@
           <p:cNvPr id="12" name="Table 11">
             <a:extLst>
               <a:ext uri="{FF2B5EF4-FFF2-40B4-BE49-F238E27FC236}">
-                <a16:creationId xmlns:a16="http://schemas.microsoft.com/office/drawing/2014/main" id="{E36A6B4C-04FB-AE4D-98E0-1258B880FA5E}"/>
+                <a16:creationId xmlns:a16="http://schemas.microsoft.com/office/drawing/2014/main" xmlns="" id="{E36A6B4C-04FB-AE4D-98E0-1258B880FA5E}"/>
               </a:ext>
             </a:extLst>
           </p:cNvPr>
@@ -20578,21 +20794,21 @@
                 <a:gridCol w="1477109">
                   <a:extLst>
                     <a:ext uri="{9D8B030D-6E8A-4147-A177-3AD203B41FA5}">
-                      <a16:colId xmlns:a16="http://schemas.microsoft.com/office/drawing/2014/main" val="20000"/>
+                      <a16:colId xmlns:a16="http://schemas.microsoft.com/office/drawing/2014/main" xmlns="" val="20000"/>
                     </a:ext>
                   </a:extLst>
                 </a:gridCol>
                 <a:gridCol w="598948">
                   <a:extLst>
                     <a:ext uri="{9D8B030D-6E8A-4147-A177-3AD203B41FA5}">
-                      <a16:colId xmlns:a16="http://schemas.microsoft.com/office/drawing/2014/main" val="20001"/>
+                      <a16:colId xmlns:a16="http://schemas.microsoft.com/office/drawing/2014/main" xmlns="" val="20001"/>
                     </a:ext>
                   </a:extLst>
                 </a:gridCol>
                 <a:gridCol w="1013674">
                   <a:extLst>
                     <a:ext uri="{9D8B030D-6E8A-4147-A177-3AD203B41FA5}">
-                      <a16:colId xmlns:a16="http://schemas.microsoft.com/office/drawing/2014/main" val="20002"/>
+                      <a16:colId xmlns:a16="http://schemas.microsoft.com/office/drawing/2014/main" xmlns="" val="20002"/>
                     </a:ext>
                   </a:extLst>
                 </a:gridCol>
@@ -20653,7 +20869,7 @@
                 </a:tc>
                 <a:extLst>
                   <a:ext uri="{0D108BD9-81ED-4DB2-BD59-A6C34878D82A}">
-                    <a16:rowId xmlns:a16="http://schemas.microsoft.com/office/drawing/2014/main" val="10000"/>
+                    <a16:rowId xmlns:a16="http://schemas.microsoft.com/office/drawing/2014/main" xmlns="" val="10000"/>
                   </a:ext>
                 </a:extLst>
               </a:tr>
@@ -20700,7 +20916,7 @@
                 </a:tc>
                 <a:extLst>
                   <a:ext uri="{0D108BD9-81ED-4DB2-BD59-A6C34878D82A}">
-                    <a16:rowId xmlns:a16="http://schemas.microsoft.com/office/drawing/2014/main" val="10001"/>
+                    <a16:rowId xmlns:a16="http://schemas.microsoft.com/office/drawing/2014/main" xmlns="" val="10001"/>
                   </a:ext>
                 </a:extLst>
               </a:tr>
@@ -20747,7 +20963,7 @@
                 </a:tc>
                 <a:extLst>
                   <a:ext uri="{0D108BD9-81ED-4DB2-BD59-A6C34878D82A}">
-                    <a16:rowId xmlns:a16="http://schemas.microsoft.com/office/drawing/2014/main" val="10002"/>
+                    <a16:rowId xmlns:a16="http://schemas.microsoft.com/office/drawing/2014/main" xmlns="" val="10002"/>
                   </a:ext>
                 </a:extLst>
               </a:tr>
@@ -20794,7 +21010,7 @@
                 </a:tc>
                 <a:extLst>
                   <a:ext uri="{0D108BD9-81ED-4DB2-BD59-A6C34878D82A}">
-                    <a16:rowId xmlns:a16="http://schemas.microsoft.com/office/drawing/2014/main" val="10003"/>
+                    <a16:rowId xmlns:a16="http://schemas.microsoft.com/office/drawing/2014/main" xmlns="" val="10003"/>
                   </a:ext>
                 </a:extLst>
               </a:tr>
@@ -20807,7 +21023,7 @@
           <p:cNvPr id="17" name="Table 16">
             <a:extLst>
               <a:ext uri="{FF2B5EF4-FFF2-40B4-BE49-F238E27FC236}">
-                <a16:creationId xmlns:a16="http://schemas.microsoft.com/office/drawing/2014/main" id="{498EB6DD-B6E3-0743-B26E-C2FD32682AB6}"/>
+                <a16:creationId xmlns:a16="http://schemas.microsoft.com/office/drawing/2014/main" xmlns="" id="{498EB6DD-B6E3-0743-B26E-C2FD32682AB6}"/>
               </a:ext>
             </a:extLst>
           </p:cNvPr>
@@ -20836,21 +21052,21 @@
                 <a:gridCol w="702830">
                   <a:extLst>
                     <a:ext uri="{9D8B030D-6E8A-4147-A177-3AD203B41FA5}">
-                      <a16:colId xmlns:a16="http://schemas.microsoft.com/office/drawing/2014/main" val="21001791"/>
+                      <a16:colId xmlns:a16="http://schemas.microsoft.com/office/drawing/2014/main" xmlns="" val="21001791"/>
                     </a:ext>
                   </a:extLst>
                 </a:gridCol>
                 <a:gridCol w="913679">
                   <a:extLst>
                     <a:ext uri="{9D8B030D-6E8A-4147-A177-3AD203B41FA5}">
-                      <a16:colId xmlns:a16="http://schemas.microsoft.com/office/drawing/2014/main" val="2462359779"/>
+                      <a16:colId xmlns:a16="http://schemas.microsoft.com/office/drawing/2014/main" xmlns="" val="2462359779"/>
                     </a:ext>
                   </a:extLst>
                 </a:gridCol>
                 <a:gridCol w="702830">
                   <a:extLst>
                     <a:ext uri="{9D8B030D-6E8A-4147-A177-3AD203B41FA5}">
-                      <a16:colId xmlns:a16="http://schemas.microsoft.com/office/drawing/2014/main" val="3448858290"/>
+                      <a16:colId xmlns:a16="http://schemas.microsoft.com/office/drawing/2014/main" xmlns="" val="3448858290"/>
                     </a:ext>
                   </a:extLst>
                 </a:gridCol>
@@ -20898,7 +21114,7 @@
                 </a:tc>
                 <a:extLst>
                   <a:ext uri="{0D108BD9-81ED-4DB2-BD59-A6C34878D82A}">
-                    <a16:rowId xmlns:a16="http://schemas.microsoft.com/office/drawing/2014/main" val="1367010675"/>
+                    <a16:rowId xmlns:a16="http://schemas.microsoft.com/office/drawing/2014/main" xmlns="" val="1367010675"/>
                   </a:ext>
                 </a:extLst>
               </a:tr>
@@ -21479,21 +21695,21 @@
                 <a:gridCol w="1477109">
                   <a:extLst>
                     <a:ext uri="{9D8B030D-6E8A-4147-A177-3AD203B41FA5}">
-                      <a16:colId xmlns:a16="http://schemas.microsoft.com/office/drawing/2014/main" val="20000"/>
+                      <a16:colId xmlns:a16="http://schemas.microsoft.com/office/drawing/2014/main" xmlns="" val="20000"/>
                     </a:ext>
                   </a:extLst>
                 </a:gridCol>
                 <a:gridCol w="598948">
                   <a:extLst>
                     <a:ext uri="{9D8B030D-6E8A-4147-A177-3AD203B41FA5}">
-                      <a16:colId xmlns:a16="http://schemas.microsoft.com/office/drawing/2014/main" val="20001"/>
+                      <a16:colId xmlns:a16="http://schemas.microsoft.com/office/drawing/2014/main" xmlns="" val="20001"/>
                     </a:ext>
                   </a:extLst>
                 </a:gridCol>
                 <a:gridCol w="1013674">
                   <a:extLst>
                     <a:ext uri="{9D8B030D-6E8A-4147-A177-3AD203B41FA5}">
-                      <a16:colId xmlns:a16="http://schemas.microsoft.com/office/drawing/2014/main" val="20002"/>
+                      <a16:colId xmlns:a16="http://schemas.microsoft.com/office/drawing/2014/main" xmlns="" val="20002"/>
                     </a:ext>
                   </a:extLst>
                 </a:gridCol>
@@ -21554,7 +21770,7 @@
                 </a:tc>
                 <a:extLst>
                   <a:ext uri="{0D108BD9-81ED-4DB2-BD59-A6C34878D82A}">
-                    <a16:rowId xmlns:a16="http://schemas.microsoft.com/office/drawing/2014/main" val="10000"/>
+                    <a16:rowId xmlns:a16="http://schemas.microsoft.com/office/drawing/2014/main" xmlns="" val="10000"/>
                   </a:ext>
                 </a:extLst>
               </a:tr>
@@ -21601,7 +21817,7 @@
                 </a:tc>
                 <a:extLst>
                   <a:ext uri="{0D108BD9-81ED-4DB2-BD59-A6C34878D82A}">
-                    <a16:rowId xmlns:a16="http://schemas.microsoft.com/office/drawing/2014/main" val="10001"/>
+                    <a16:rowId xmlns:a16="http://schemas.microsoft.com/office/drawing/2014/main" xmlns="" val="10001"/>
                   </a:ext>
                 </a:extLst>
               </a:tr>
@@ -21648,7 +21864,7 @@
                 </a:tc>
                 <a:extLst>
                   <a:ext uri="{0D108BD9-81ED-4DB2-BD59-A6C34878D82A}">
-                    <a16:rowId xmlns:a16="http://schemas.microsoft.com/office/drawing/2014/main" val="10002"/>
+                    <a16:rowId xmlns:a16="http://schemas.microsoft.com/office/drawing/2014/main" xmlns="" val="10002"/>
                   </a:ext>
                 </a:extLst>
               </a:tr>
@@ -21695,7 +21911,7 @@
                 </a:tc>
                 <a:extLst>
                   <a:ext uri="{0D108BD9-81ED-4DB2-BD59-A6C34878D82A}">
-                    <a16:rowId xmlns:a16="http://schemas.microsoft.com/office/drawing/2014/main" val="10003"/>
+                    <a16:rowId xmlns:a16="http://schemas.microsoft.com/office/drawing/2014/main" xmlns="" val="10003"/>
                   </a:ext>
                 </a:extLst>
               </a:tr>
@@ -22085,7 +22301,7 @@
           <p:cNvPr id="9" name="Picture 8">
             <a:extLst>
               <a:ext uri="{FF2B5EF4-FFF2-40B4-BE49-F238E27FC236}">
-                <a16:creationId xmlns:a16="http://schemas.microsoft.com/office/drawing/2014/main" id="{1249C6FF-3C57-734F-BAC5-58D36EC6F348}"/>
+                <a16:creationId xmlns:a16="http://schemas.microsoft.com/office/drawing/2014/main" xmlns="" id="{1249C6FF-3C57-734F-BAC5-58D36EC6F348}"/>
               </a:ext>
             </a:extLst>
           </p:cNvPr>
@@ -22639,7 +22855,7 @@
           <p:cNvPr id="9" name="Table 8">
             <a:extLst>
               <a:ext uri="{FF2B5EF4-FFF2-40B4-BE49-F238E27FC236}">
-                <a16:creationId xmlns:a16="http://schemas.microsoft.com/office/drawing/2014/main" id="{192D9F72-9AFB-2643-B890-6AAD9D8AF5CB}"/>
+                <a16:creationId xmlns:a16="http://schemas.microsoft.com/office/drawing/2014/main" xmlns="" id="{192D9F72-9AFB-2643-B890-6AAD9D8AF5CB}"/>
               </a:ext>
             </a:extLst>
           </p:cNvPr>
@@ -22664,21 +22880,21 @@
                 <a:gridCol w="702830">
                   <a:extLst>
                     <a:ext uri="{9D8B030D-6E8A-4147-A177-3AD203B41FA5}">
-                      <a16:colId xmlns:a16="http://schemas.microsoft.com/office/drawing/2014/main" val="20000"/>
+                      <a16:colId xmlns:a16="http://schemas.microsoft.com/office/drawing/2014/main" xmlns="" val="20000"/>
                     </a:ext>
                   </a:extLst>
                 </a:gridCol>
                 <a:gridCol w="913679">
                   <a:extLst>
                     <a:ext uri="{9D8B030D-6E8A-4147-A177-3AD203B41FA5}">
-                      <a16:colId xmlns:a16="http://schemas.microsoft.com/office/drawing/2014/main" val="20001"/>
+                      <a16:colId xmlns:a16="http://schemas.microsoft.com/office/drawing/2014/main" xmlns="" val="20001"/>
                     </a:ext>
                   </a:extLst>
                 </a:gridCol>
                 <a:gridCol w="702830">
                   <a:extLst>
                     <a:ext uri="{9D8B030D-6E8A-4147-A177-3AD203B41FA5}">
-                      <a16:colId xmlns:a16="http://schemas.microsoft.com/office/drawing/2014/main" val="20002"/>
+                      <a16:colId xmlns:a16="http://schemas.microsoft.com/office/drawing/2014/main" xmlns="" val="20002"/>
                     </a:ext>
                   </a:extLst>
                 </a:gridCol>
@@ -22743,7 +22959,7 @@
                 </a:tc>
                 <a:extLst>
                   <a:ext uri="{0D108BD9-81ED-4DB2-BD59-A6C34878D82A}">
-                    <a16:rowId xmlns:a16="http://schemas.microsoft.com/office/drawing/2014/main" val="10000"/>
+                    <a16:rowId xmlns:a16="http://schemas.microsoft.com/office/drawing/2014/main" xmlns="" val="10000"/>
                   </a:ext>
                 </a:extLst>
               </a:tr>
@@ -22790,7 +23006,7 @@
                 </a:tc>
                 <a:extLst>
                   <a:ext uri="{0D108BD9-81ED-4DB2-BD59-A6C34878D82A}">
-                    <a16:rowId xmlns:a16="http://schemas.microsoft.com/office/drawing/2014/main" val="10002"/>
+                    <a16:rowId xmlns:a16="http://schemas.microsoft.com/office/drawing/2014/main" xmlns="" val="10002"/>
                   </a:ext>
                 </a:extLst>
               </a:tr>
@@ -22803,7 +23019,7 @@
           <p:cNvPr id="10" name="TextBox 9">
             <a:extLst>
               <a:ext uri="{FF2B5EF4-FFF2-40B4-BE49-F238E27FC236}">
-                <a16:creationId xmlns:a16="http://schemas.microsoft.com/office/drawing/2014/main" id="{2371588E-064F-AC4F-BFE4-407A10166E83}"/>
+                <a16:creationId xmlns:a16="http://schemas.microsoft.com/office/drawing/2014/main" xmlns="" id="{2371588E-064F-AC4F-BFE4-407A10166E83}"/>
               </a:ext>
             </a:extLst>
           </p:cNvPr>
@@ -22838,7 +23054,7 @@
           <p:cNvPr id="11" name="TextBox 10">
             <a:extLst>
               <a:ext uri="{FF2B5EF4-FFF2-40B4-BE49-F238E27FC236}">
-                <a16:creationId xmlns:a16="http://schemas.microsoft.com/office/drawing/2014/main" id="{04D966A4-B0FB-4543-A23B-1BDF1B411566}"/>
+                <a16:creationId xmlns:a16="http://schemas.microsoft.com/office/drawing/2014/main" xmlns="" id="{04D966A4-B0FB-4543-A23B-1BDF1B411566}"/>
               </a:ext>
             </a:extLst>
           </p:cNvPr>
@@ -22873,7 +23089,7 @@
           <p:cNvPr id="12" name="Table 11">
             <a:extLst>
               <a:ext uri="{FF2B5EF4-FFF2-40B4-BE49-F238E27FC236}">
-                <a16:creationId xmlns:a16="http://schemas.microsoft.com/office/drawing/2014/main" id="{E36A6B4C-04FB-AE4D-98E0-1258B880FA5E}"/>
+                <a16:creationId xmlns:a16="http://schemas.microsoft.com/office/drawing/2014/main" xmlns="" id="{E36A6B4C-04FB-AE4D-98E0-1258B880FA5E}"/>
               </a:ext>
             </a:extLst>
           </p:cNvPr>
@@ -22902,21 +23118,21 @@
                 <a:gridCol w="1477109">
                   <a:extLst>
                     <a:ext uri="{9D8B030D-6E8A-4147-A177-3AD203B41FA5}">
-                      <a16:colId xmlns:a16="http://schemas.microsoft.com/office/drawing/2014/main" val="20000"/>
+                      <a16:colId xmlns:a16="http://schemas.microsoft.com/office/drawing/2014/main" xmlns="" val="20000"/>
                     </a:ext>
                   </a:extLst>
                 </a:gridCol>
                 <a:gridCol w="598948">
                   <a:extLst>
                     <a:ext uri="{9D8B030D-6E8A-4147-A177-3AD203B41FA5}">
-                      <a16:colId xmlns:a16="http://schemas.microsoft.com/office/drawing/2014/main" val="20001"/>
+                      <a16:colId xmlns:a16="http://schemas.microsoft.com/office/drawing/2014/main" xmlns="" val="20001"/>
                     </a:ext>
                   </a:extLst>
                 </a:gridCol>
                 <a:gridCol w="1013674">
                   <a:extLst>
                     <a:ext uri="{9D8B030D-6E8A-4147-A177-3AD203B41FA5}">
-                      <a16:colId xmlns:a16="http://schemas.microsoft.com/office/drawing/2014/main" val="20002"/>
+                      <a16:colId xmlns:a16="http://schemas.microsoft.com/office/drawing/2014/main" xmlns="" val="20002"/>
                     </a:ext>
                   </a:extLst>
                 </a:gridCol>
@@ -22977,7 +23193,7 @@
                 </a:tc>
                 <a:extLst>
                   <a:ext uri="{0D108BD9-81ED-4DB2-BD59-A6C34878D82A}">
-                    <a16:rowId xmlns:a16="http://schemas.microsoft.com/office/drawing/2014/main" val="10000"/>
+                    <a16:rowId xmlns:a16="http://schemas.microsoft.com/office/drawing/2014/main" xmlns="" val="10000"/>
                   </a:ext>
                 </a:extLst>
               </a:tr>
@@ -23024,7 +23240,7 @@
                 </a:tc>
                 <a:extLst>
                   <a:ext uri="{0D108BD9-81ED-4DB2-BD59-A6C34878D82A}">
-                    <a16:rowId xmlns:a16="http://schemas.microsoft.com/office/drawing/2014/main" val="10001"/>
+                    <a16:rowId xmlns:a16="http://schemas.microsoft.com/office/drawing/2014/main" xmlns="" val="10001"/>
                   </a:ext>
                 </a:extLst>
               </a:tr>
@@ -23071,7 +23287,7 @@
                 </a:tc>
                 <a:extLst>
                   <a:ext uri="{0D108BD9-81ED-4DB2-BD59-A6C34878D82A}">
-                    <a16:rowId xmlns:a16="http://schemas.microsoft.com/office/drawing/2014/main" val="10002"/>
+                    <a16:rowId xmlns:a16="http://schemas.microsoft.com/office/drawing/2014/main" xmlns="" val="10002"/>
                   </a:ext>
                 </a:extLst>
               </a:tr>
@@ -23084,7 +23300,7 @@
           <p:cNvPr id="17" name="Table 16">
             <a:extLst>
               <a:ext uri="{FF2B5EF4-FFF2-40B4-BE49-F238E27FC236}">
-                <a16:creationId xmlns:a16="http://schemas.microsoft.com/office/drawing/2014/main" id="{498EB6DD-B6E3-0743-B26E-C2FD32682AB6}"/>
+                <a16:creationId xmlns:a16="http://schemas.microsoft.com/office/drawing/2014/main" xmlns="" id="{498EB6DD-B6E3-0743-B26E-C2FD32682AB6}"/>
               </a:ext>
             </a:extLst>
           </p:cNvPr>
@@ -23107,21 +23323,21 @@
                 <a:gridCol w="702830">
                   <a:extLst>
                     <a:ext uri="{9D8B030D-6E8A-4147-A177-3AD203B41FA5}">
-                      <a16:colId xmlns:a16="http://schemas.microsoft.com/office/drawing/2014/main" val="21001791"/>
+                      <a16:colId xmlns:a16="http://schemas.microsoft.com/office/drawing/2014/main" xmlns="" val="21001791"/>
                     </a:ext>
                   </a:extLst>
                 </a:gridCol>
                 <a:gridCol w="913679">
                   <a:extLst>
                     <a:ext uri="{9D8B030D-6E8A-4147-A177-3AD203B41FA5}">
-                      <a16:colId xmlns:a16="http://schemas.microsoft.com/office/drawing/2014/main" val="2462359779"/>
+                      <a16:colId xmlns:a16="http://schemas.microsoft.com/office/drawing/2014/main" xmlns="" val="2462359779"/>
                     </a:ext>
                   </a:extLst>
                 </a:gridCol>
                 <a:gridCol w="702830">
                   <a:extLst>
                     <a:ext uri="{9D8B030D-6E8A-4147-A177-3AD203B41FA5}">
-                      <a16:colId xmlns:a16="http://schemas.microsoft.com/office/drawing/2014/main" val="3448858290"/>
+                      <a16:colId xmlns:a16="http://schemas.microsoft.com/office/drawing/2014/main" xmlns="" val="3448858290"/>
                     </a:ext>
                   </a:extLst>
                 </a:gridCol>
@@ -23169,7 +23385,7 @@
                 </a:tc>
                 <a:extLst>
                   <a:ext uri="{0D108BD9-81ED-4DB2-BD59-A6C34878D82A}">
-                    <a16:rowId xmlns:a16="http://schemas.microsoft.com/office/drawing/2014/main" val="1367010675"/>
+                    <a16:rowId xmlns:a16="http://schemas.microsoft.com/office/drawing/2014/main" xmlns="" val="1367010675"/>
                   </a:ext>
                 </a:extLst>
               </a:tr>
@@ -23182,7 +23398,7 @@
           <p:cNvPr id="4" name="Table 3">
             <a:extLst>
               <a:ext uri="{FF2B5EF4-FFF2-40B4-BE49-F238E27FC236}">
-                <a16:creationId xmlns:a16="http://schemas.microsoft.com/office/drawing/2014/main" id="{F0B6F206-5F56-4748-9F1E-48EDB67140A8}"/>
+                <a16:creationId xmlns:a16="http://schemas.microsoft.com/office/drawing/2014/main" xmlns="" id="{F0B6F206-5F56-4748-9F1E-48EDB67140A8}"/>
               </a:ext>
             </a:extLst>
           </p:cNvPr>
@@ -23211,21 +23427,21 @@
                 <a:gridCol w="1477109">
                   <a:extLst>
                     <a:ext uri="{9D8B030D-6E8A-4147-A177-3AD203B41FA5}">
-                      <a16:colId xmlns:a16="http://schemas.microsoft.com/office/drawing/2014/main" val="3848068754"/>
+                      <a16:colId xmlns:a16="http://schemas.microsoft.com/office/drawing/2014/main" xmlns="" val="3848068754"/>
                     </a:ext>
                   </a:extLst>
                 </a:gridCol>
                 <a:gridCol w="598948">
                   <a:extLst>
                     <a:ext uri="{9D8B030D-6E8A-4147-A177-3AD203B41FA5}">
-                      <a16:colId xmlns:a16="http://schemas.microsoft.com/office/drawing/2014/main" val="716970141"/>
+                      <a16:colId xmlns:a16="http://schemas.microsoft.com/office/drawing/2014/main" xmlns="" val="716970141"/>
                     </a:ext>
                   </a:extLst>
                 </a:gridCol>
                 <a:gridCol w="1013674">
                   <a:extLst>
                     <a:ext uri="{9D8B030D-6E8A-4147-A177-3AD203B41FA5}">
-                      <a16:colId xmlns:a16="http://schemas.microsoft.com/office/drawing/2014/main" val="2973760246"/>
+                      <a16:colId xmlns:a16="http://schemas.microsoft.com/office/drawing/2014/main" xmlns="" val="2973760246"/>
                     </a:ext>
                   </a:extLst>
                 </a:gridCol>
@@ -23273,7 +23489,7 @@
                 </a:tc>
                 <a:extLst>
                   <a:ext uri="{0D108BD9-81ED-4DB2-BD59-A6C34878D82A}">
-                    <a16:rowId xmlns:a16="http://schemas.microsoft.com/office/drawing/2014/main" val="1024111891"/>
+                    <a16:rowId xmlns:a16="http://schemas.microsoft.com/office/drawing/2014/main" xmlns="" val="1024111891"/>
                   </a:ext>
                 </a:extLst>
               </a:tr>
@@ -23854,21 +24070,21 @@
                 <a:gridCol w="1477109">
                   <a:extLst>
                     <a:ext uri="{9D8B030D-6E8A-4147-A177-3AD203B41FA5}">
-                      <a16:colId xmlns:a16="http://schemas.microsoft.com/office/drawing/2014/main" val="20000"/>
+                      <a16:colId xmlns:a16="http://schemas.microsoft.com/office/drawing/2014/main" xmlns="" val="20000"/>
                     </a:ext>
                   </a:extLst>
                 </a:gridCol>
                 <a:gridCol w="598948">
                   <a:extLst>
                     <a:ext uri="{9D8B030D-6E8A-4147-A177-3AD203B41FA5}">
-                      <a16:colId xmlns:a16="http://schemas.microsoft.com/office/drawing/2014/main" val="20001"/>
+                      <a16:colId xmlns:a16="http://schemas.microsoft.com/office/drawing/2014/main" xmlns="" val="20001"/>
                     </a:ext>
                   </a:extLst>
                 </a:gridCol>
                 <a:gridCol w="1013674">
                   <a:extLst>
                     <a:ext uri="{9D8B030D-6E8A-4147-A177-3AD203B41FA5}">
-                      <a16:colId xmlns:a16="http://schemas.microsoft.com/office/drawing/2014/main" val="20002"/>
+                      <a16:colId xmlns:a16="http://schemas.microsoft.com/office/drawing/2014/main" xmlns="" val="20002"/>
                     </a:ext>
                   </a:extLst>
                 </a:gridCol>
@@ -23929,7 +24145,7 @@
                 </a:tc>
                 <a:extLst>
                   <a:ext uri="{0D108BD9-81ED-4DB2-BD59-A6C34878D82A}">
-                    <a16:rowId xmlns:a16="http://schemas.microsoft.com/office/drawing/2014/main" val="10000"/>
+                    <a16:rowId xmlns:a16="http://schemas.microsoft.com/office/drawing/2014/main" xmlns="" val="10000"/>
                   </a:ext>
                 </a:extLst>
               </a:tr>
@@ -23976,7 +24192,7 @@
                 </a:tc>
                 <a:extLst>
                   <a:ext uri="{0D108BD9-81ED-4DB2-BD59-A6C34878D82A}">
-                    <a16:rowId xmlns:a16="http://schemas.microsoft.com/office/drawing/2014/main" val="10001"/>
+                    <a16:rowId xmlns:a16="http://schemas.microsoft.com/office/drawing/2014/main" xmlns="" val="10001"/>
                   </a:ext>
                 </a:extLst>
               </a:tr>
@@ -24023,7 +24239,7 @@
                 </a:tc>
                 <a:extLst>
                   <a:ext uri="{0D108BD9-81ED-4DB2-BD59-A6C34878D82A}">
-                    <a16:rowId xmlns:a16="http://schemas.microsoft.com/office/drawing/2014/main" val="10002"/>
+                    <a16:rowId xmlns:a16="http://schemas.microsoft.com/office/drawing/2014/main" xmlns="" val="10002"/>
                   </a:ext>
                 </a:extLst>
               </a:tr>
@@ -24070,7 +24286,7 @@
                 </a:tc>
                 <a:extLst>
                   <a:ext uri="{0D108BD9-81ED-4DB2-BD59-A6C34878D82A}">
-                    <a16:rowId xmlns:a16="http://schemas.microsoft.com/office/drawing/2014/main" val="10003"/>
+                    <a16:rowId xmlns:a16="http://schemas.microsoft.com/office/drawing/2014/main" xmlns="" val="10003"/>
                   </a:ext>
                 </a:extLst>
               </a:tr>
@@ -24353,7 +24569,7 @@
           <p:cNvPr id="9" name="Table 8">
             <a:extLst>
               <a:ext uri="{FF2B5EF4-FFF2-40B4-BE49-F238E27FC236}">
-                <a16:creationId xmlns:a16="http://schemas.microsoft.com/office/drawing/2014/main" id="{192D9F72-9AFB-2643-B890-6AAD9D8AF5CB}"/>
+                <a16:creationId xmlns:a16="http://schemas.microsoft.com/office/drawing/2014/main" xmlns="" id="{192D9F72-9AFB-2643-B890-6AAD9D8AF5CB}"/>
               </a:ext>
             </a:extLst>
           </p:cNvPr>
@@ -24382,21 +24598,21 @@
                 <a:gridCol w="702830">
                   <a:extLst>
                     <a:ext uri="{9D8B030D-6E8A-4147-A177-3AD203B41FA5}">
-                      <a16:colId xmlns:a16="http://schemas.microsoft.com/office/drawing/2014/main" val="20000"/>
+                      <a16:colId xmlns:a16="http://schemas.microsoft.com/office/drawing/2014/main" xmlns="" val="20000"/>
                     </a:ext>
                   </a:extLst>
                 </a:gridCol>
                 <a:gridCol w="913679">
                   <a:extLst>
                     <a:ext uri="{9D8B030D-6E8A-4147-A177-3AD203B41FA5}">
-                      <a16:colId xmlns:a16="http://schemas.microsoft.com/office/drawing/2014/main" val="20001"/>
+                      <a16:colId xmlns:a16="http://schemas.microsoft.com/office/drawing/2014/main" xmlns="" val="20001"/>
                     </a:ext>
                   </a:extLst>
                 </a:gridCol>
                 <a:gridCol w="702830">
                   <a:extLst>
                     <a:ext uri="{9D8B030D-6E8A-4147-A177-3AD203B41FA5}">
-                      <a16:colId xmlns:a16="http://schemas.microsoft.com/office/drawing/2014/main" val="20002"/>
+                      <a16:colId xmlns:a16="http://schemas.microsoft.com/office/drawing/2014/main" xmlns="" val="20002"/>
                     </a:ext>
                   </a:extLst>
                 </a:gridCol>
@@ -24461,7 +24677,7 @@
                 </a:tc>
                 <a:extLst>
                   <a:ext uri="{0D108BD9-81ED-4DB2-BD59-A6C34878D82A}">
-                    <a16:rowId xmlns:a16="http://schemas.microsoft.com/office/drawing/2014/main" val="10000"/>
+                    <a16:rowId xmlns:a16="http://schemas.microsoft.com/office/drawing/2014/main" xmlns="" val="10000"/>
                   </a:ext>
                 </a:extLst>
               </a:tr>
@@ -24508,7 +24724,7 @@
                 </a:tc>
                 <a:extLst>
                   <a:ext uri="{0D108BD9-81ED-4DB2-BD59-A6C34878D82A}">
-                    <a16:rowId xmlns:a16="http://schemas.microsoft.com/office/drawing/2014/main" val="10002"/>
+                    <a16:rowId xmlns:a16="http://schemas.microsoft.com/office/drawing/2014/main" xmlns="" val="10002"/>
                   </a:ext>
                 </a:extLst>
               </a:tr>
@@ -24521,7 +24737,7 @@
           <p:cNvPr id="10" name="TextBox 9">
             <a:extLst>
               <a:ext uri="{FF2B5EF4-FFF2-40B4-BE49-F238E27FC236}">
-                <a16:creationId xmlns:a16="http://schemas.microsoft.com/office/drawing/2014/main" id="{2371588E-064F-AC4F-BFE4-407A10166E83}"/>
+                <a16:creationId xmlns:a16="http://schemas.microsoft.com/office/drawing/2014/main" xmlns="" id="{2371588E-064F-AC4F-BFE4-407A10166E83}"/>
               </a:ext>
             </a:extLst>
           </p:cNvPr>
@@ -24556,7 +24772,7 @@
           <p:cNvPr id="11" name="TextBox 10">
             <a:extLst>
               <a:ext uri="{FF2B5EF4-FFF2-40B4-BE49-F238E27FC236}">
-                <a16:creationId xmlns:a16="http://schemas.microsoft.com/office/drawing/2014/main" id="{04D966A4-B0FB-4543-A23B-1BDF1B411566}"/>
+                <a16:creationId xmlns:a16="http://schemas.microsoft.com/office/drawing/2014/main" xmlns="" id="{04D966A4-B0FB-4543-A23B-1BDF1B411566}"/>
               </a:ext>
             </a:extLst>
           </p:cNvPr>
@@ -24591,7 +24807,7 @@
           <p:cNvPr id="12" name="Table 11">
             <a:extLst>
               <a:ext uri="{FF2B5EF4-FFF2-40B4-BE49-F238E27FC236}">
-                <a16:creationId xmlns:a16="http://schemas.microsoft.com/office/drawing/2014/main" id="{E36A6B4C-04FB-AE4D-98E0-1258B880FA5E}"/>
+                <a16:creationId xmlns:a16="http://schemas.microsoft.com/office/drawing/2014/main" xmlns="" id="{E36A6B4C-04FB-AE4D-98E0-1258B880FA5E}"/>
               </a:ext>
             </a:extLst>
           </p:cNvPr>
@@ -24620,21 +24836,21 @@
                 <a:gridCol w="1477109">
                   <a:extLst>
                     <a:ext uri="{9D8B030D-6E8A-4147-A177-3AD203B41FA5}">
-                      <a16:colId xmlns:a16="http://schemas.microsoft.com/office/drawing/2014/main" val="20000"/>
+                      <a16:colId xmlns:a16="http://schemas.microsoft.com/office/drawing/2014/main" xmlns="" val="20000"/>
                     </a:ext>
                   </a:extLst>
                 </a:gridCol>
                 <a:gridCol w="598948">
                   <a:extLst>
                     <a:ext uri="{9D8B030D-6E8A-4147-A177-3AD203B41FA5}">
-                      <a16:colId xmlns:a16="http://schemas.microsoft.com/office/drawing/2014/main" val="20001"/>
+                      <a16:colId xmlns:a16="http://schemas.microsoft.com/office/drawing/2014/main" xmlns="" val="20001"/>
                     </a:ext>
                   </a:extLst>
                 </a:gridCol>
                 <a:gridCol w="1013674">
                   <a:extLst>
                     <a:ext uri="{9D8B030D-6E8A-4147-A177-3AD203B41FA5}">
-                      <a16:colId xmlns:a16="http://schemas.microsoft.com/office/drawing/2014/main" val="20002"/>
+                      <a16:colId xmlns:a16="http://schemas.microsoft.com/office/drawing/2014/main" xmlns="" val="20002"/>
                     </a:ext>
                   </a:extLst>
                 </a:gridCol>
@@ -24695,7 +24911,7 @@
                 </a:tc>
                 <a:extLst>
                   <a:ext uri="{0D108BD9-81ED-4DB2-BD59-A6C34878D82A}">
-                    <a16:rowId xmlns:a16="http://schemas.microsoft.com/office/drawing/2014/main" val="10000"/>
+                    <a16:rowId xmlns:a16="http://schemas.microsoft.com/office/drawing/2014/main" xmlns="" val="10000"/>
                   </a:ext>
                 </a:extLst>
               </a:tr>
@@ -24742,7 +24958,7 @@
                 </a:tc>
                 <a:extLst>
                   <a:ext uri="{0D108BD9-81ED-4DB2-BD59-A6C34878D82A}">
-                    <a16:rowId xmlns:a16="http://schemas.microsoft.com/office/drawing/2014/main" val="10001"/>
+                    <a16:rowId xmlns:a16="http://schemas.microsoft.com/office/drawing/2014/main" xmlns="" val="10001"/>
                   </a:ext>
                 </a:extLst>
               </a:tr>
@@ -24789,7 +25005,7 @@
                 </a:tc>
                 <a:extLst>
                   <a:ext uri="{0D108BD9-81ED-4DB2-BD59-A6C34878D82A}">
-                    <a16:rowId xmlns:a16="http://schemas.microsoft.com/office/drawing/2014/main" val="10002"/>
+                    <a16:rowId xmlns:a16="http://schemas.microsoft.com/office/drawing/2014/main" xmlns="" val="10002"/>
                   </a:ext>
                 </a:extLst>
               </a:tr>
@@ -24836,7 +25052,7 @@
                 </a:tc>
                 <a:extLst>
                   <a:ext uri="{0D108BD9-81ED-4DB2-BD59-A6C34878D82A}">
-                    <a16:rowId xmlns:a16="http://schemas.microsoft.com/office/drawing/2014/main" val="10003"/>
+                    <a16:rowId xmlns:a16="http://schemas.microsoft.com/office/drawing/2014/main" xmlns="" val="10003"/>
                   </a:ext>
                 </a:extLst>
               </a:tr>
@@ -24849,7 +25065,7 @@
           <p:cNvPr id="17" name="Table 16">
             <a:extLst>
               <a:ext uri="{FF2B5EF4-FFF2-40B4-BE49-F238E27FC236}">
-                <a16:creationId xmlns:a16="http://schemas.microsoft.com/office/drawing/2014/main" id="{498EB6DD-B6E3-0743-B26E-C2FD32682AB6}"/>
+                <a16:creationId xmlns:a16="http://schemas.microsoft.com/office/drawing/2014/main" xmlns="" id="{498EB6DD-B6E3-0743-B26E-C2FD32682AB6}"/>
               </a:ext>
             </a:extLst>
           </p:cNvPr>
@@ -24878,21 +25094,21 @@
                 <a:gridCol w="702830">
                   <a:extLst>
                     <a:ext uri="{9D8B030D-6E8A-4147-A177-3AD203B41FA5}">
-                      <a16:colId xmlns:a16="http://schemas.microsoft.com/office/drawing/2014/main" val="21001791"/>
+                      <a16:colId xmlns:a16="http://schemas.microsoft.com/office/drawing/2014/main" xmlns="" val="21001791"/>
                     </a:ext>
                   </a:extLst>
                 </a:gridCol>
                 <a:gridCol w="913679">
                   <a:extLst>
                     <a:ext uri="{9D8B030D-6E8A-4147-A177-3AD203B41FA5}">
-                      <a16:colId xmlns:a16="http://schemas.microsoft.com/office/drawing/2014/main" val="2462359779"/>
+                      <a16:colId xmlns:a16="http://schemas.microsoft.com/office/drawing/2014/main" xmlns="" val="2462359779"/>
                     </a:ext>
                   </a:extLst>
                 </a:gridCol>
                 <a:gridCol w="702830">
                   <a:extLst>
                     <a:ext uri="{9D8B030D-6E8A-4147-A177-3AD203B41FA5}">
-                      <a16:colId xmlns:a16="http://schemas.microsoft.com/office/drawing/2014/main" val="3448858290"/>
+                      <a16:colId xmlns:a16="http://schemas.microsoft.com/office/drawing/2014/main" xmlns="" val="3448858290"/>
                     </a:ext>
                   </a:extLst>
                 </a:gridCol>
@@ -24940,7 +25156,7 @@
                 </a:tc>
                 <a:extLst>
                   <a:ext uri="{0D108BD9-81ED-4DB2-BD59-A6C34878D82A}">
-                    <a16:rowId xmlns:a16="http://schemas.microsoft.com/office/drawing/2014/main" val="1367010675"/>
+                    <a16:rowId xmlns:a16="http://schemas.microsoft.com/office/drawing/2014/main" xmlns="" val="1367010675"/>
                   </a:ext>
                 </a:extLst>
               </a:tr>
@@ -24953,7 +25169,7 @@
           <p:cNvPr id="5" name="Table 4">
             <a:extLst>
               <a:ext uri="{FF2B5EF4-FFF2-40B4-BE49-F238E27FC236}">
-                <a16:creationId xmlns:a16="http://schemas.microsoft.com/office/drawing/2014/main" id="{26CCAB88-6B87-3D4E-8B00-CBA5D5075EDA}"/>
+                <a16:creationId xmlns:a16="http://schemas.microsoft.com/office/drawing/2014/main" xmlns="" id="{26CCAB88-6B87-3D4E-8B00-CBA5D5075EDA}"/>
               </a:ext>
             </a:extLst>
           </p:cNvPr>
@@ -24982,21 +25198,21 @@
                 <a:gridCol w="1477109">
                   <a:extLst>
                     <a:ext uri="{9D8B030D-6E8A-4147-A177-3AD203B41FA5}">
-                      <a16:colId xmlns:a16="http://schemas.microsoft.com/office/drawing/2014/main" val="770111135"/>
+                      <a16:colId xmlns:a16="http://schemas.microsoft.com/office/drawing/2014/main" xmlns="" val="770111135"/>
                     </a:ext>
                   </a:extLst>
                 </a:gridCol>
                 <a:gridCol w="598948">
                   <a:extLst>
                     <a:ext uri="{9D8B030D-6E8A-4147-A177-3AD203B41FA5}">
-                      <a16:colId xmlns:a16="http://schemas.microsoft.com/office/drawing/2014/main" val="4073670310"/>
+                      <a16:colId xmlns:a16="http://schemas.microsoft.com/office/drawing/2014/main" xmlns="" val="4073670310"/>
                     </a:ext>
                   </a:extLst>
                 </a:gridCol>
                 <a:gridCol w="1013674">
                   <a:extLst>
                     <a:ext uri="{9D8B030D-6E8A-4147-A177-3AD203B41FA5}">
-                      <a16:colId xmlns:a16="http://schemas.microsoft.com/office/drawing/2014/main" val="4189554194"/>
+                      <a16:colId xmlns:a16="http://schemas.microsoft.com/office/drawing/2014/main" xmlns="" val="4189554194"/>
                     </a:ext>
                   </a:extLst>
                 </a:gridCol>
@@ -25065,7 +25281,7 @@
                 </a:tc>
                 <a:extLst>
                   <a:ext uri="{0D108BD9-81ED-4DB2-BD59-A6C34878D82A}">
-                    <a16:rowId xmlns:a16="http://schemas.microsoft.com/office/drawing/2014/main" val="4217677803"/>
+                    <a16:rowId xmlns:a16="http://schemas.microsoft.com/office/drawing/2014/main" xmlns="" val="4217677803"/>
                   </a:ext>
                 </a:extLst>
               </a:tr>
@@ -25905,21 +26121,21 @@
                 <a:gridCol w="1477109">
                   <a:extLst>
                     <a:ext uri="{9D8B030D-6E8A-4147-A177-3AD203B41FA5}">
-                      <a16:colId xmlns:a16="http://schemas.microsoft.com/office/drawing/2014/main" val="20000"/>
+                      <a16:colId xmlns:a16="http://schemas.microsoft.com/office/drawing/2014/main" xmlns="" val="20000"/>
                     </a:ext>
                   </a:extLst>
                 </a:gridCol>
                 <a:gridCol w="598948">
                   <a:extLst>
                     <a:ext uri="{9D8B030D-6E8A-4147-A177-3AD203B41FA5}">
-                      <a16:colId xmlns:a16="http://schemas.microsoft.com/office/drawing/2014/main" val="20001"/>
+                      <a16:colId xmlns:a16="http://schemas.microsoft.com/office/drawing/2014/main" xmlns="" val="20001"/>
                     </a:ext>
                   </a:extLst>
                 </a:gridCol>
                 <a:gridCol w="1013674">
                   <a:extLst>
                     <a:ext uri="{9D8B030D-6E8A-4147-A177-3AD203B41FA5}">
-                      <a16:colId xmlns:a16="http://schemas.microsoft.com/office/drawing/2014/main" val="20002"/>
+                      <a16:colId xmlns:a16="http://schemas.microsoft.com/office/drawing/2014/main" xmlns="" val="20002"/>
                     </a:ext>
                   </a:extLst>
                 </a:gridCol>
@@ -25980,7 +26196,7 @@
                 </a:tc>
                 <a:extLst>
                   <a:ext uri="{0D108BD9-81ED-4DB2-BD59-A6C34878D82A}">
-                    <a16:rowId xmlns:a16="http://schemas.microsoft.com/office/drawing/2014/main" val="10000"/>
+                    <a16:rowId xmlns:a16="http://schemas.microsoft.com/office/drawing/2014/main" xmlns="" val="10000"/>
                   </a:ext>
                 </a:extLst>
               </a:tr>
@@ -26027,7 +26243,7 @@
                 </a:tc>
                 <a:extLst>
                   <a:ext uri="{0D108BD9-81ED-4DB2-BD59-A6C34878D82A}">
-                    <a16:rowId xmlns:a16="http://schemas.microsoft.com/office/drawing/2014/main" val="10001"/>
+                    <a16:rowId xmlns:a16="http://schemas.microsoft.com/office/drawing/2014/main" xmlns="" val="10001"/>
                   </a:ext>
                 </a:extLst>
               </a:tr>
@@ -26074,7 +26290,7 @@
                 </a:tc>
                 <a:extLst>
                   <a:ext uri="{0D108BD9-81ED-4DB2-BD59-A6C34878D82A}">
-                    <a16:rowId xmlns:a16="http://schemas.microsoft.com/office/drawing/2014/main" val="10002"/>
+                    <a16:rowId xmlns:a16="http://schemas.microsoft.com/office/drawing/2014/main" xmlns="" val="10002"/>
                   </a:ext>
                 </a:extLst>
               </a:tr>
@@ -26121,7 +26337,7 @@
                 </a:tc>
                 <a:extLst>
                   <a:ext uri="{0D108BD9-81ED-4DB2-BD59-A6C34878D82A}">
-                    <a16:rowId xmlns:a16="http://schemas.microsoft.com/office/drawing/2014/main" val="10003"/>
+                    <a16:rowId xmlns:a16="http://schemas.microsoft.com/office/drawing/2014/main" xmlns="" val="10003"/>
                   </a:ext>
                 </a:extLst>
               </a:tr>
@@ -26265,7 +26481,7 @@
           <p:cNvPr id="2" name="Title 1">
             <a:extLst>
               <a:ext uri="{FF2B5EF4-FFF2-40B4-BE49-F238E27FC236}">
-                <a16:creationId xmlns:a16="http://schemas.microsoft.com/office/drawing/2014/main" id="{94501782-B7C7-6842-976A-473B00DFA4A9}"/>
+                <a16:creationId xmlns:a16="http://schemas.microsoft.com/office/drawing/2014/main" xmlns="" id="{94501782-B7C7-6842-976A-473B00DFA4A9}"/>
               </a:ext>
             </a:extLst>
           </p:cNvPr>
@@ -26293,7 +26509,7 @@
           <p:cNvPr id="3" name="Content Placeholder 2">
             <a:extLst>
               <a:ext uri="{FF2B5EF4-FFF2-40B4-BE49-F238E27FC236}">
-                <a16:creationId xmlns:a16="http://schemas.microsoft.com/office/drawing/2014/main" id="{C8090023-957A-D44A-9A68-C67904302C30}"/>
+                <a16:creationId xmlns:a16="http://schemas.microsoft.com/office/drawing/2014/main" xmlns="" id="{C8090023-957A-D44A-9A68-C67904302C30}"/>
               </a:ext>
             </a:extLst>
           </p:cNvPr>
@@ -26497,7 +26713,7 @@
           <p:cNvPr id="4" name="Slide Number Placeholder 3">
             <a:extLst>
               <a:ext uri="{FF2B5EF4-FFF2-40B4-BE49-F238E27FC236}">
-                <a16:creationId xmlns:a16="http://schemas.microsoft.com/office/drawing/2014/main" id="{C730120B-DC91-3A4B-9010-90A056D4691D}"/>
+                <a16:creationId xmlns:a16="http://schemas.microsoft.com/office/drawing/2014/main" xmlns="" id="{C730120B-DC91-3A4B-9010-90A056D4691D}"/>
               </a:ext>
             </a:extLst>
           </p:cNvPr>
@@ -26634,7 +26850,7 @@
           <p:cNvPr id="5" name="Table 4">
             <a:extLst>
               <a:ext uri="{FF2B5EF4-FFF2-40B4-BE49-F238E27FC236}">
-                <a16:creationId xmlns:a16="http://schemas.microsoft.com/office/drawing/2014/main" id="{192D9F72-9AFB-2643-B890-6AAD9D8AF5CB}"/>
+                <a16:creationId xmlns:a16="http://schemas.microsoft.com/office/drawing/2014/main" xmlns="" id="{192D9F72-9AFB-2643-B890-6AAD9D8AF5CB}"/>
               </a:ext>
             </a:extLst>
           </p:cNvPr>
@@ -26663,21 +26879,21 @@
                 <a:gridCol w="702830">
                   <a:extLst>
                     <a:ext uri="{9D8B030D-6E8A-4147-A177-3AD203B41FA5}">
-                      <a16:colId xmlns:a16="http://schemas.microsoft.com/office/drawing/2014/main" val="20000"/>
+                      <a16:colId xmlns:a16="http://schemas.microsoft.com/office/drawing/2014/main" xmlns="" val="20000"/>
                     </a:ext>
                   </a:extLst>
                 </a:gridCol>
                 <a:gridCol w="913679">
                   <a:extLst>
                     <a:ext uri="{9D8B030D-6E8A-4147-A177-3AD203B41FA5}">
-                      <a16:colId xmlns:a16="http://schemas.microsoft.com/office/drawing/2014/main" val="20001"/>
+                      <a16:colId xmlns:a16="http://schemas.microsoft.com/office/drawing/2014/main" xmlns="" val="20001"/>
                     </a:ext>
                   </a:extLst>
                 </a:gridCol>
                 <a:gridCol w="702830">
                   <a:extLst>
                     <a:ext uri="{9D8B030D-6E8A-4147-A177-3AD203B41FA5}">
-                      <a16:colId xmlns:a16="http://schemas.microsoft.com/office/drawing/2014/main" val="20002"/>
+                      <a16:colId xmlns:a16="http://schemas.microsoft.com/office/drawing/2014/main" xmlns="" val="20002"/>
                     </a:ext>
                   </a:extLst>
                 </a:gridCol>
@@ -26742,7 +26958,7 @@
                 </a:tc>
                 <a:extLst>
                   <a:ext uri="{0D108BD9-81ED-4DB2-BD59-A6C34878D82A}">
-                    <a16:rowId xmlns:a16="http://schemas.microsoft.com/office/drawing/2014/main" val="10000"/>
+                    <a16:rowId xmlns:a16="http://schemas.microsoft.com/office/drawing/2014/main" xmlns="" val="10000"/>
                   </a:ext>
                 </a:extLst>
               </a:tr>
@@ -26789,7 +27005,7 @@
                 </a:tc>
                 <a:extLst>
                   <a:ext uri="{0D108BD9-81ED-4DB2-BD59-A6C34878D82A}">
-                    <a16:rowId xmlns:a16="http://schemas.microsoft.com/office/drawing/2014/main" val="10002"/>
+                    <a16:rowId xmlns:a16="http://schemas.microsoft.com/office/drawing/2014/main" xmlns="" val="10002"/>
                   </a:ext>
                 </a:extLst>
               </a:tr>
@@ -26802,7 +27018,7 @@
           <p:cNvPr id="6" name="TextBox 5">
             <a:extLst>
               <a:ext uri="{FF2B5EF4-FFF2-40B4-BE49-F238E27FC236}">
-                <a16:creationId xmlns:a16="http://schemas.microsoft.com/office/drawing/2014/main" id="{2371588E-064F-AC4F-BFE4-407A10166E83}"/>
+                <a16:creationId xmlns:a16="http://schemas.microsoft.com/office/drawing/2014/main" xmlns="" id="{2371588E-064F-AC4F-BFE4-407A10166E83}"/>
               </a:ext>
             </a:extLst>
           </p:cNvPr>
@@ -26837,7 +27053,7 @@
           <p:cNvPr id="7" name="TextBox 6">
             <a:extLst>
               <a:ext uri="{FF2B5EF4-FFF2-40B4-BE49-F238E27FC236}">
-                <a16:creationId xmlns:a16="http://schemas.microsoft.com/office/drawing/2014/main" id="{04D966A4-B0FB-4543-A23B-1BDF1B411566}"/>
+                <a16:creationId xmlns:a16="http://schemas.microsoft.com/office/drawing/2014/main" xmlns="" id="{04D966A4-B0FB-4543-A23B-1BDF1B411566}"/>
               </a:ext>
             </a:extLst>
           </p:cNvPr>
@@ -26872,7 +27088,7 @@
           <p:cNvPr id="8" name="Table 7">
             <a:extLst>
               <a:ext uri="{FF2B5EF4-FFF2-40B4-BE49-F238E27FC236}">
-                <a16:creationId xmlns:a16="http://schemas.microsoft.com/office/drawing/2014/main" id="{E36A6B4C-04FB-AE4D-98E0-1258B880FA5E}"/>
+                <a16:creationId xmlns:a16="http://schemas.microsoft.com/office/drawing/2014/main" xmlns="" id="{E36A6B4C-04FB-AE4D-98E0-1258B880FA5E}"/>
               </a:ext>
             </a:extLst>
           </p:cNvPr>
@@ -26901,21 +27117,21 @@
                 <a:gridCol w="1477109">
                   <a:extLst>
                     <a:ext uri="{9D8B030D-6E8A-4147-A177-3AD203B41FA5}">
-                      <a16:colId xmlns:a16="http://schemas.microsoft.com/office/drawing/2014/main" val="20000"/>
+                      <a16:colId xmlns:a16="http://schemas.microsoft.com/office/drawing/2014/main" xmlns="" val="20000"/>
                     </a:ext>
                   </a:extLst>
                 </a:gridCol>
                 <a:gridCol w="598948">
                   <a:extLst>
                     <a:ext uri="{9D8B030D-6E8A-4147-A177-3AD203B41FA5}">
-                      <a16:colId xmlns:a16="http://schemas.microsoft.com/office/drawing/2014/main" val="20001"/>
+                      <a16:colId xmlns:a16="http://schemas.microsoft.com/office/drawing/2014/main" xmlns="" val="20001"/>
                     </a:ext>
                   </a:extLst>
                 </a:gridCol>
                 <a:gridCol w="1013674">
                   <a:extLst>
                     <a:ext uri="{9D8B030D-6E8A-4147-A177-3AD203B41FA5}">
-                      <a16:colId xmlns:a16="http://schemas.microsoft.com/office/drawing/2014/main" val="20002"/>
+                      <a16:colId xmlns:a16="http://schemas.microsoft.com/office/drawing/2014/main" xmlns="" val="20002"/>
                     </a:ext>
                   </a:extLst>
                 </a:gridCol>
@@ -26976,7 +27192,7 @@
                 </a:tc>
                 <a:extLst>
                   <a:ext uri="{0D108BD9-81ED-4DB2-BD59-A6C34878D82A}">
-                    <a16:rowId xmlns:a16="http://schemas.microsoft.com/office/drawing/2014/main" val="10000"/>
+                    <a16:rowId xmlns:a16="http://schemas.microsoft.com/office/drawing/2014/main" xmlns="" val="10000"/>
                   </a:ext>
                 </a:extLst>
               </a:tr>
@@ -27023,7 +27239,7 @@
                 </a:tc>
                 <a:extLst>
                   <a:ext uri="{0D108BD9-81ED-4DB2-BD59-A6C34878D82A}">
-                    <a16:rowId xmlns:a16="http://schemas.microsoft.com/office/drawing/2014/main" val="10001"/>
+                    <a16:rowId xmlns:a16="http://schemas.microsoft.com/office/drawing/2014/main" xmlns="" val="10001"/>
                   </a:ext>
                 </a:extLst>
               </a:tr>
@@ -27070,7 +27286,7 @@
                 </a:tc>
                 <a:extLst>
                   <a:ext uri="{0D108BD9-81ED-4DB2-BD59-A6C34878D82A}">
-                    <a16:rowId xmlns:a16="http://schemas.microsoft.com/office/drawing/2014/main" val="10002"/>
+                    <a16:rowId xmlns:a16="http://schemas.microsoft.com/office/drawing/2014/main" xmlns="" val="10002"/>
                   </a:ext>
                 </a:extLst>
               </a:tr>
@@ -27083,7 +27299,7 @@
           <p:cNvPr id="9" name="Table 8">
             <a:extLst>
               <a:ext uri="{FF2B5EF4-FFF2-40B4-BE49-F238E27FC236}">
-                <a16:creationId xmlns:a16="http://schemas.microsoft.com/office/drawing/2014/main" id="{498EB6DD-B6E3-0743-B26E-C2FD32682AB6}"/>
+                <a16:creationId xmlns:a16="http://schemas.microsoft.com/office/drawing/2014/main" xmlns="" id="{498EB6DD-B6E3-0743-B26E-C2FD32682AB6}"/>
               </a:ext>
             </a:extLst>
           </p:cNvPr>
@@ -27112,21 +27328,21 @@
                 <a:gridCol w="702830">
                   <a:extLst>
                     <a:ext uri="{9D8B030D-6E8A-4147-A177-3AD203B41FA5}">
-                      <a16:colId xmlns:a16="http://schemas.microsoft.com/office/drawing/2014/main" val="21001791"/>
+                      <a16:colId xmlns:a16="http://schemas.microsoft.com/office/drawing/2014/main" xmlns="" val="21001791"/>
                     </a:ext>
                   </a:extLst>
                 </a:gridCol>
                 <a:gridCol w="913679">
                   <a:extLst>
                     <a:ext uri="{9D8B030D-6E8A-4147-A177-3AD203B41FA5}">
-                      <a16:colId xmlns:a16="http://schemas.microsoft.com/office/drawing/2014/main" val="2462359779"/>
+                      <a16:colId xmlns:a16="http://schemas.microsoft.com/office/drawing/2014/main" xmlns="" val="2462359779"/>
                     </a:ext>
                   </a:extLst>
                 </a:gridCol>
                 <a:gridCol w="702830">
                   <a:extLst>
                     <a:ext uri="{9D8B030D-6E8A-4147-A177-3AD203B41FA5}">
-                      <a16:colId xmlns:a16="http://schemas.microsoft.com/office/drawing/2014/main" val="3448858290"/>
+                      <a16:colId xmlns:a16="http://schemas.microsoft.com/office/drawing/2014/main" xmlns="" val="3448858290"/>
                     </a:ext>
                   </a:extLst>
                 </a:gridCol>
@@ -27174,7 +27390,7 @@
                 </a:tc>
                 <a:extLst>
                   <a:ext uri="{0D108BD9-81ED-4DB2-BD59-A6C34878D82A}">
-                    <a16:rowId xmlns:a16="http://schemas.microsoft.com/office/drawing/2014/main" val="1367010675"/>
+                    <a16:rowId xmlns:a16="http://schemas.microsoft.com/office/drawing/2014/main" xmlns="" val="1367010675"/>
                   </a:ext>
                 </a:extLst>
               </a:tr>
@@ -27187,7 +27403,7 @@
           <p:cNvPr id="10" name="Table 9">
             <a:extLst>
               <a:ext uri="{FF2B5EF4-FFF2-40B4-BE49-F238E27FC236}">
-                <a16:creationId xmlns:a16="http://schemas.microsoft.com/office/drawing/2014/main" id="{F0B6F206-5F56-4748-9F1E-48EDB67140A8}"/>
+                <a16:creationId xmlns:a16="http://schemas.microsoft.com/office/drawing/2014/main" xmlns="" id="{F0B6F206-5F56-4748-9F1E-48EDB67140A8}"/>
               </a:ext>
             </a:extLst>
           </p:cNvPr>
@@ -27216,21 +27432,21 @@
                 <a:gridCol w="1477109">
                   <a:extLst>
                     <a:ext uri="{9D8B030D-6E8A-4147-A177-3AD203B41FA5}">
-                      <a16:colId xmlns:a16="http://schemas.microsoft.com/office/drawing/2014/main" val="3848068754"/>
+                      <a16:colId xmlns:a16="http://schemas.microsoft.com/office/drawing/2014/main" xmlns="" val="3848068754"/>
                     </a:ext>
                   </a:extLst>
                 </a:gridCol>
                 <a:gridCol w="598948">
                   <a:extLst>
                     <a:ext uri="{9D8B030D-6E8A-4147-A177-3AD203B41FA5}">
-                      <a16:colId xmlns:a16="http://schemas.microsoft.com/office/drawing/2014/main" val="716970141"/>
+                      <a16:colId xmlns:a16="http://schemas.microsoft.com/office/drawing/2014/main" xmlns="" val="716970141"/>
                     </a:ext>
                   </a:extLst>
                 </a:gridCol>
                 <a:gridCol w="1013674">
                   <a:extLst>
                     <a:ext uri="{9D8B030D-6E8A-4147-A177-3AD203B41FA5}">
-                      <a16:colId xmlns:a16="http://schemas.microsoft.com/office/drawing/2014/main" val="2973760246"/>
+                      <a16:colId xmlns:a16="http://schemas.microsoft.com/office/drawing/2014/main" xmlns="" val="2973760246"/>
                     </a:ext>
                   </a:extLst>
                 </a:gridCol>
@@ -27278,7 +27494,7 @@
                 </a:tc>
                 <a:extLst>
                   <a:ext uri="{0D108BD9-81ED-4DB2-BD59-A6C34878D82A}">
-                    <a16:rowId xmlns:a16="http://schemas.microsoft.com/office/drawing/2014/main" val="1024111891"/>
+                    <a16:rowId xmlns:a16="http://schemas.microsoft.com/office/drawing/2014/main" xmlns="" val="1024111891"/>
                   </a:ext>
                 </a:extLst>
               </a:tr>
@@ -27291,7 +27507,7 @@
           <p:cNvPr id="13" name="TextBox 12">
             <a:extLst>
               <a:ext uri="{FF2B5EF4-FFF2-40B4-BE49-F238E27FC236}">
-                <a16:creationId xmlns:a16="http://schemas.microsoft.com/office/drawing/2014/main" id="{04D966A4-B0FB-4543-A23B-1BDF1B411566}"/>
+                <a16:creationId xmlns:a16="http://schemas.microsoft.com/office/drawing/2014/main" xmlns="" id="{04D966A4-B0FB-4543-A23B-1BDF1B411566}"/>
               </a:ext>
             </a:extLst>
           </p:cNvPr>
@@ -27331,7 +27547,7 @@
           <p:cNvPr id="14" name="Table 13">
             <a:extLst>
               <a:ext uri="{FF2B5EF4-FFF2-40B4-BE49-F238E27FC236}">
-                <a16:creationId xmlns:a16="http://schemas.microsoft.com/office/drawing/2014/main" id="{E36A6B4C-04FB-AE4D-98E0-1258B880FA5E}"/>
+                <a16:creationId xmlns:a16="http://schemas.microsoft.com/office/drawing/2014/main" xmlns="" id="{E36A6B4C-04FB-AE4D-98E0-1258B880FA5E}"/>
               </a:ext>
             </a:extLst>
           </p:cNvPr>
@@ -27360,35 +27576,35 @@
                 <a:gridCol w="1323504">
                   <a:extLst>
                     <a:ext uri="{9D8B030D-6E8A-4147-A177-3AD203B41FA5}">
-                      <a16:colId xmlns:a16="http://schemas.microsoft.com/office/drawing/2014/main" val="20000"/>
+                      <a16:colId xmlns:a16="http://schemas.microsoft.com/office/drawing/2014/main" xmlns="" val="20000"/>
                     </a:ext>
                   </a:extLst>
                 </a:gridCol>
                 <a:gridCol w="996043">
                   <a:extLst>
                     <a:ext uri="{9D8B030D-6E8A-4147-A177-3AD203B41FA5}">
-                      <a16:colId xmlns:a16="http://schemas.microsoft.com/office/drawing/2014/main" val="20003"/>
+                      <a16:colId xmlns:a16="http://schemas.microsoft.com/office/drawing/2014/main" xmlns="" val="20003"/>
                     </a:ext>
                   </a:extLst>
                 </a:gridCol>
                 <a:gridCol w="653143">
                   <a:extLst>
                     <a:ext uri="{9D8B030D-6E8A-4147-A177-3AD203B41FA5}">
-                      <a16:colId xmlns:a16="http://schemas.microsoft.com/office/drawing/2014/main" val="20004"/>
+                      <a16:colId xmlns:a16="http://schemas.microsoft.com/office/drawing/2014/main" xmlns="" val="20004"/>
                     </a:ext>
                   </a:extLst>
                 </a:gridCol>
                 <a:gridCol w="620485">
                   <a:extLst>
                     <a:ext uri="{9D8B030D-6E8A-4147-A177-3AD203B41FA5}">
-                      <a16:colId xmlns:a16="http://schemas.microsoft.com/office/drawing/2014/main" val="20001"/>
+                      <a16:colId xmlns:a16="http://schemas.microsoft.com/office/drawing/2014/main" xmlns="" val="20001"/>
                     </a:ext>
                   </a:extLst>
                 </a:gridCol>
                 <a:gridCol w="1045029">
                   <a:extLst>
                     <a:ext uri="{9D8B030D-6E8A-4147-A177-3AD203B41FA5}">
-                      <a16:colId xmlns:a16="http://schemas.microsoft.com/office/drawing/2014/main" val="20002"/>
+                      <a16:colId xmlns:a16="http://schemas.microsoft.com/office/drawing/2014/main" xmlns="" val="20002"/>
                     </a:ext>
                   </a:extLst>
                 </a:gridCol>
@@ -27495,7 +27711,7 @@
                 </a:tc>
                 <a:extLst>
                   <a:ext uri="{0D108BD9-81ED-4DB2-BD59-A6C34878D82A}">
-                    <a16:rowId xmlns:a16="http://schemas.microsoft.com/office/drawing/2014/main" val="10000"/>
+                    <a16:rowId xmlns:a16="http://schemas.microsoft.com/office/drawing/2014/main" xmlns="" val="10000"/>
                   </a:ext>
                 </a:extLst>
               </a:tr>
@@ -27570,7 +27786,7 @@
                 </a:tc>
                 <a:extLst>
                   <a:ext uri="{0D108BD9-81ED-4DB2-BD59-A6C34878D82A}">
-                    <a16:rowId xmlns:a16="http://schemas.microsoft.com/office/drawing/2014/main" val="10001"/>
+                    <a16:rowId xmlns:a16="http://schemas.microsoft.com/office/drawing/2014/main" xmlns="" val="10001"/>
                   </a:ext>
                 </a:extLst>
               </a:tr>
@@ -27645,7 +27861,7 @@
                 </a:tc>
                 <a:extLst>
                   <a:ext uri="{0D108BD9-81ED-4DB2-BD59-A6C34878D82A}">
-                    <a16:rowId xmlns:a16="http://schemas.microsoft.com/office/drawing/2014/main" val="10002"/>
+                    <a16:rowId xmlns:a16="http://schemas.microsoft.com/office/drawing/2014/main" xmlns="" val="10002"/>
                   </a:ext>
                 </a:extLst>
               </a:tr>
@@ -27720,7 +27936,7 @@
                 </a:tc>
                 <a:extLst>
                   <a:ext uri="{0D108BD9-81ED-4DB2-BD59-A6C34878D82A}">
-                    <a16:rowId xmlns:a16="http://schemas.microsoft.com/office/drawing/2014/main" val="10003"/>
+                    <a16:rowId xmlns:a16="http://schemas.microsoft.com/office/drawing/2014/main" xmlns="" val="10003"/>
                   </a:ext>
                 </a:extLst>
               </a:tr>
@@ -29742,7 +29958,7 @@
           <p:cNvPr id="14" name="Table 13">
             <a:extLst>
               <a:ext uri="{FF2B5EF4-FFF2-40B4-BE49-F238E27FC236}">
-                <a16:creationId xmlns:a16="http://schemas.microsoft.com/office/drawing/2014/main" id="{192D9F72-9AFB-2643-B890-6AAD9D8AF5CB}"/>
+                <a16:creationId xmlns:a16="http://schemas.microsoft.com/office/drawing/2014/main" xmlns="" id="{192D9F72-9AFB-2643-B890-6AAD9D8AF5CB}"/>
               </a:ext>
             </a:extLst>
           </p:cNvPr>
@@ -29771,21 +29987,21 @@
                 <a:gridCol w="702830">
                   <a:extLst>
                     <a:ext uri="{9D8B030D-6E8A-4147-A177-3AD203B41FA5}">
-                      <a16:colId xmlns:a16="http://schemas.microsoft.com/office/drawing/2014/main" val="20000"/>
+                      <a16:colId xmlns:a16="http://schemas.microsoft.com/office/drawing/2014/main" xmlns="" val="20000"/>
                     </a:ext>
                   </a:extLst>
                 </a:gridCol>
                 <a:gridCol w="913679">
                   <a:extLst>
                     <a:ext uri="{9D8B030D-6E8A-4147-A177-3AD203B41FA5}">
-                      <a16:colId xmlns:a16="http://schemas.microsoft.com/office/drawing/2014/main" val="20001"/>
+                      <a16:colId xmlns:a16="http://schemas.microsoft.com/office/drawing/2014/main" xmlns="" val="20001"/>
                     </a:ext>
                   </a:extLst>
                 </a:gridCol>
                 <a:gridCol w="702830">
                   <a:extLst>
                     <a:ext uri="{9D8B030D-6E8A-4147-A177-3AD203B41FA5}">
-                      <a16:colId xmlns:a16="http://schemas.microsoft.com/office/drawing/2014/main" val="20002"/>
+                      <a16:colId xmlns:a16="http://schemas.microsoft.com/office/drawing/2014/main" xmlns="" val="20002"/>
                     </a:ext>
                   </a:extLst>
                 </a:gridCol>
@@ -29850,7 +30066,7 @@
                 </a:tc>
                 <a:extLst>
                   <a:ext uri="{0D108BD9-81ED-4DB2-BD59-A6C34878D82A}">
-                    <a16:rowId xmlns:a16="http://schemas.microsoft.com/office/drawing/2014/main" val="10000"/>
+                    <a16:rowId xmlns:a16="http://schemas.microsoft.com/office/drawing/2014/main" xmlns="" val="10000"/>
                   </a:ext>
                 </a:extLst>
               </a:tr>
@@ -29897,7 +30113,7 @@
                 </a:tc>
                 <a:extLst>
                   <a:ext uri="{0D108BD9-81ED-4DB2-BD59-A6C34878D82A}">
-                    <a16:rowId xmlns:a16="http://schemas.microsoft.com/office/drawing/2014/main" val="10002"/>
+                    <a16:rowId xmlns:a16="http://schemas.microsoft.com/office/drawing/2014/main" xmlns="" val="10002"/>
                   </a:ext>
                 </a:extLst>
               </a:tr>
@@ -29910,7 +30126,7 @@
           <p:cNvPr id="15" name="TextBox 14">
             <a:extLst>
               <a:ext uri="{FF2B5EF4-FFF2-40B4-BE49-F238E27FC236}">
-                <a16:creationId xmlns:a16="http://schemas.microsoft.com/office/drawing/2014/main" id="{2371588E-064F-AC4F-BFE4-407A10166E83}"/>
+                <a16:creationId xmlns:a16="http://schemas.microsoft.com/office/drawing/2014/main" xmlns="" id="{2371588E-064F-AC4F-BFE4-407A10166E83}"/>
               </a:ext>
             </a:extLst>
           </p:cNvPr>
@@ -29945,7 +30161,7 @@
           <p:cNvPr id="16" name="TextBox 15">
             <a:extLst>
               <a:ext uri="{FF2B5EF4-FFF2-40B4-BE49-F238E27FC236}">
-                <a16:creationId xmlns:a16="http://schemas.microsoft.com/office/drawing/2014/main" id="{04D966A4-B0FB-4543-A23B-1BDF1B411566}"/>
+                <a16:creationId xmlns:a16="http://schemas.microsoft.com/office/drawing/2014/main" xmlns="" id="{04D966A4-B0FB-4543-A23B-1BDF1B411566}"/>
               </a:ext>
             </a:extLst>
           </p:cNvPr>
@@ -29980,7 +30196,7 @@
           <p:cNvPr id="17" name="Table 16">
             <a:extLst>
               <a:ext uri="{FF2B5EF4-FFF2-40B4-BE49-F238E27FC236}">
-                <a16:creationId xmlns:a16="http://schemas.microsoft.com/office/drawing/2014/main" id="{E36A6B4C-04FB-AE4D-98E0-1258B880FA5E}"/>
+                <a16:creationId xmlns:a16="http://schemas.microsoft.com/office/drawing/2014/main" xmlns="" id="{E36A6B4C-04FB-AE4D-98E0-1258B880FA5E}"/>
               </a:ext>
             </a:extLst>
           </p:cNvPr>
@@ -30009,21 +30225,21 @@
                 <a:gridCol w="1477109">
                   <a:extLst>
                     <a:ext uri="{9D8B030D-6E8A-4147-A177-3AD203B41FA5}">
-                      <a16:colId xmlns:a16="http://schemas.microsoft.com/office/drawing/2014/main" val="20000"/>
+                      <a16:colId xmlns:a16="http://schemas.microsoft.com/office/drawing/2014/main" xmlns="" val="20000"/>
                     </a:ext>
                   </a:extLst>
                 </a:gridCol>
                 <a:gridCol w="598948">
                   <a:extLst>
                     <a:ext uri="{9D8B030D-6E8A-4147-A177-3AD203B41FA5}">
-                      <a16:colId xmlns:a16="http://schemas.microsoft.com/office/drawing/2014/main" val="20001"/>
+                      <a16:colId xmlns:a16="http://schemas.microsoft.com/office/drawing/2014/main" xmlns="" val="20001"/>
                     </a:ext>
                   </a:extLst>
                 </a:gridCol>
                 <a:gridCol w="1013674">
                   <a:extLst>
                     <a:ext uri="{9D8B030D-6E8A-4147-A177-3AD203B41FA5}">
-                      <a16:colId xmlns:a16="http://schemas.microsoft.com/office/drawing/2014/main" val="20002"/>
+                      <a16:colId xmlns:a16="http://schemas.microsoft.com/office/drawing/2014/main" xmlns="" val="20002"/>
                     </a:ext>
                   </a:extLst>
                 </a:gridCol>
@@ -30084,7 +30300,7 @@
                 </a:tc>
                 <a:extLst>
                   <a:ext uri="{0D108BD9-81ED-4DB2-BD59-A6C34878D82A}">
-                    <a16:rowId xmlns:a16="http://schemas.microsoft.com/office/drawing/2014/main" val="10000"/>
+                    <a16:rowId xmlns:a16="http://schemas.microsoft.com/office/drawing/2014/main" xmlns="" val="10000"/>
                   </a:ext>
                 </a:extLst>
               </a:tr>
@@ -30131,7 +30347,7 @@
                 </a:tc>
                 <a:extLst>
                   <a:ext uri="{0D108BD9-81ED-4DB2-BD59-A6C34878D82A}">
-                    <a16:rowId xmlns:a16="http://schemas.microsoft.com/office/drawing/2014/main" val="10001"/>
+                    <a16:rowId xmlns:a16="http://schemas.microsoft.com/office/drawing/2014/main" xmlns="" val="10001"/>
                   </a:ext>
                 </a:extLst>
               </a:tr>
@@ -30178,7 +30394,7 @@
                 </a:tc>
                 <a:extLst>
                   <a:ext uri="{0D108BD9-81ED-4DB2-BD59-A6C34878D82A}">
-                    <a16:rowId xmlns:a16="http://schemas.microsoft.com/office/drawing/2014/main" val="10002"/>
+                    <a16:rowId xmlns:a16="http://schemas.microsoft.com/office/drawing/2014/main" xmlns="" val="10002"/>
                   </a:ext>
                 </a:extLst>
               </a:tr>
@@ -30191,7 +30407,7 @@
           <p:cNvPr id="18" name="Table 17">
             <a:extLst>
               <a:ext uri="{FF2B5EF4-FFF2-40B4-BE49-F238E27FC236}">
-                <a16:creationId xmlns:a16="http://schemas.microsoft.com/office/drawing/2014/main" id="{498EB6DD-B6E3-0743-B26E-C2FD32682AB6}"/>
+                <a16:creationId xmlns:a16="http://schemas.microsoft.com/office/drawing/2014/main" xmlns="" id="{498EB6DD-B6E3-0743-B26E-C2FD32682AB6}"/>
               </a:ext>
             </a:extLst>
           </p:cNvPr>
@@ -30220,21 +30436,21 @@
                 <a:gridCol w="702830">
                   <a:extLst>
                     <a:ext uri="{9D8B030D-6E8A-4147-A177-3AD203B41FA5}">
-                      <a16:colId xmlns:a16="http://schemas.microsoft.com/office/drawing/2014/main" val="21001791"/>
+                      <a16:colId xmlns:a16="http://schemas.microsoft.com/office/drawing/2014/main" xmlns="" val="21001791"/>
                     </a:ext>
                   </a:extLst>
                 </a:gridCol>
                 <a:gridCol w="913679">
                   <a:extLst>
                     <a:ext uri="{9D8B030D-6E8A-4147-A177-3AD203B41FA5}">
-                      <a16:colId xmlns:a16="http://schemas.microsoft.com/office/drawing/2014/main" val="2462359779"/>
+                      <a16:colId xmlns:a16="http://schemas.microsoft.com/office/drawing/2014/main" xmlns="" val="2462359779"/>
                     </a:ext>
                   </a:extLst>
                 </a:gridCol>
                 <a:gridCol w="702830">
                   <a:extLst>
                     <a:ext uri="{9D8B030D-6E8A-4147-A177-3AD203B41FA5}">
-                      <a16:colId xmlns:a16="http://schemas.microsoft.com/office/drawing/2014/main" val="3448858290"/>
+                      <a16:colId xmlns:a16="http://schemas.microsoft.com/office/drawing/2014/main" xmlns="" val="3448858290"/>
                     </a:ext>
                   </a:extLst>
                 </a:gridCol>
@@ -30282,7 +30498,7 @@
                 </a:tc>
                 <a:extLst>
                   <a:ext uri="{0D108BD9-81ED-4DB2-BD59-A6C34878D82A}">
-                    <a16:rowId xmlns:a16="http://schemas.microsoft.com/office/drawing/2014/main" val="1367010675"/>
+                    <a16:rowId xmlns:a16="http://schemas.microsoft.com/office/drawing/2014/main" xmlns="" val="1367010675"/>
                   </a:ext>
                 </a:extLst>
               </a:tr>
@@ -30295,7 +30511,7 @@
           <p:cNvPr id="19" name="Table 18">
             <a:extLst>
               <a:ext uri="{FF2B5EF4-FFF2-40B4-BE49-F238E27FC236}">
-                <a16:creationId xmlns:a16="http://schemas.microsoft.com/office/drawing/2014/main" id="{F0B6F206-5F56-4748-9F1E-48EDB67140A8}"/>
+                <a16:creationId xmlns:a16="http://schemas.microsoft.com/office/drawing/2014/main" xmlns="" id="{F0B6F206-5F56-4748-9F1E-48EDB67140A8}"/>
               </a:ext>
             </a:extLst>
           </p:cNvPr>
@@ -30324,21 +30540,21 @@
                 <a:gridCol w="1477109">
                   <a:extLst>
                     <a:ext uri="{9D8B030D-6E8A-4147-A177-3AD203B41FA5}">
-                      <a16:colId xmlns:a16="http://schemas.microsoft.com/office/drawing/2014/main" val="3848068754"/>
+                      <a16:colId xmlns:a16="http://schemas.microsoft.com/office/drawing/2014/main" xmlns="" val="3848068754"/>
                     </a:ext>
                   </a:extLst>
                 </a:gridCol>
                 <a:gridCol w="598948">
                   <a:extLst>
                     <a:ext uri="{9D8B030D-6E8A-4147-A177-3AD203B41FA5}">
-                      <a16:colId xmlns:a16="http://schemas.microsoft.com/office/drawing/2014/main" val="716970141"/>
+                      <a16:colId xmlns:a16="http://schemas.microsoft.com/office/drawing/2014/main" xmlns="" val="716970141"/>
                     </a:ext>
                   </a:extLst>
                 </a:gridCol>
                 <a:gridCol w="1013674">
                   <a:extLst>
                     <a:ext uri="{9D8B030D-6E8A-4147-A177-3AD203B41FA5}">
-                      <a16:colId xmlns:a16="http://schemas.microsoft.com/office/drawing/2014/main" val="2973760246"/>
+                      <a16:colId xmlns:a16="http://schemas.microsoft.com/office/drawing/2014/main" xmlns="" val="2973760246"/>
                     </a:ext>
                   </a:extLst>
                 </a:gridCol>
@@ -30386,7 +30602,7 @@
                 </a:tc>
                 <a:extLst>
                   <a:ext uri="{0D108BD9-81ED-4DB2-BD59-A6C34878D82A}">
-                    <a16:rowId xmlns:a16="http://schemas.microsoft.com/office/drawing/2014/main" val="1024111891"/>
+                    <a16:rowId xmlns:a16="http://schemas.microsoft.com/office/drawing/2014/main" xmlns="" val="1024111891"/>
                   </a:ext>
                 </a:extLst>
               </a:tr>
@@ -31969,7 +32185,7 @@
           <p:cNvPr id="5" name="Table 4">
             <a:extLst>
               <a:ext uri="{FF2B5EF4-FFF2-40B4-BE49-F238E27FC236}">
-                <a16:creationId xmlns:a16="http://schemas.microsoft.com/office/drawing/2014/main" id="{192D9F72-9AFB-2643-B890-6AAD9D8AF5CB}"/>
+                <a16:creationId xmlns:a16="http://schemas.microsoft.com/office/drawing/2014/main" xmlns="" id="{192D9F72-9AFB-2643-B890-6AAD9D8AF5CB}"/>
               </a:ext>
             </a:extLst>
           </p:cNvPr>
@@ -31998,21 +32214,21 @@
                 <a:gridCol w="702830">
                   <a:extLst>
                     <a:ext uri="{9D8B030D-6E8A-4147-A177-3AD203B41FA5}">
-                      <a16:colId xmlns:a16="http://schemas.microsoft.com/office/drawing/2014/main" val="20000"/>
+                      <a16:colId xmlns:a16="http://schemas.microsoft.com/office/drawing/2014/main" xmlns="" val="20000"/>
                     </a:ext>
                   </a:extLst>
                 </a:gridCol>
                 <a:gridCol w="913679">
                   <a:extLst>
                     <a:ext uri="{9D8B030D-6E8A-4147-A177-3AD203B41FA5}">
-                      <a16:colId xmlns:a16="http://schemas.microsoft.com/office/drawing/2014/main" val="20001"/>
+                      <a16:colId xmlns:a16="http://schemas.microsoft.com/office/drawing/2014/main" xmlns="" val="20001"/>
                     </a:ext>
                   </a:extLst>
                 </a:gridCol>
                 <a:gridCol w="702830">
                   <a:extLst>
                     <a:ext uri="{9D8B030D-6E8A-4147-A177-3AD203B41FA5}">
-                      <a16:colId xmlns:a16="http://schemas.microsoft.com/office/drawing/2014/main" val="20002"/>
+                      <a16:colId xmlns:a16="http://schemas.microsoft.com/office/drawing/2014/main" xmlns="" val="20002"/>
                     </a:ext>
                   </a:extLst>
                 </a:gridCol>
@@ -32077,7 +32293,7 @@
                 </a:tc>
                 <a:extLst>
                   <a:ext uri="{0D108BD9-81ED-4DB2-BD59-A6C34878D82A}">
-                    <a16:rowId xmlns:a16="http://schemas.microsoft.com/office/drawing/2014/main" val="10000"/>
+                    <a16:rowId xmlns:a16="http://schemas.microsoft.com/office/drawing/2014/main" xmlns="" val="10000"/>
                   </a:ext>
                 </a:extLst>
               </a:tr>
@@ -32124,7 +32340,7 @@
                 </a:tc>
                 <a:extLst>
                   <a:ext uri="{0D108BD9-81ED-4DB2-BD59-A6C34878D82A}">
-                    <a16:rowId xmlns:a16="http://schemas.microsoft.com/office/drawing/2014/main" val="10002"/>
+                    <a16:rowId xmlns:a16="http://schemas.microsoft.com/office/drawing/2014/main" xmlns="" val="10002"/>
                   </a:ext>
                 </a:extLst>
               </a:tr>
@@ -32137,7 +32353,7 @@
           <p:cNvPr id="6" name="TextBox 5">
             <a:extLst>
               <a:ext uri="{FF2B5EF4-FFF2-40B4-BE49-F238E27FC236}">
-                <a16:creationId xmlns:a16="http://schemas.microsoft.com/office/drawing/2014/main" id="{2371588E-064F-AC4F-BFE4-407A10166E83}"/>
+                <a16:creationId xmlns:a16="http://schemas.microsoft.com/office/drawing/2014/main" xmlns="" id="{2371588E-064F-AC4F-BFE4-407A10166E83}"/>
               </a:ext>
             </a:extLst>
           </p:cNvPr>
@@ -32172,7 +32388,7 @@
           <p:cNvPr id="7" name="TextBox 6">
             <a:extLst>
               <a:ext uri="{FF2B5EF4-FFF2-40B4-BE49-F238E27FC236}">
-                <a16:creationId xmlns:a16="http://schemas.microsoft.com/office/drawing/2014/main" id="{04D966A4-B0FB-4543-A23B-1BDF1B411566}"/>
+                <a16:creationId xmlns:a16="http://schemas.microsoft.com/office/drawing/2014/main" xmlns="" id="{04D966A4-B0FB-4543-A23B-1BDF1B411566}"/>
               </a:ext>
             </a:extLst>
           </p:cNvPr>
@@ -32207,7 +32423,7 @@
           <p:cNvPr id="8" name="Table 7">
             <a:extLst>
               <a:ext uri="{FF2B5EF4-FFF2-40B4-BE49-F238E27FC236}">
-                <a16:creationId xmlns:a16="http://schemas.microsoft.com/office/drawing/2014/main" id="{E36A6B4C-04FB-AE4D-98E0-1258B880FA5E}"/>
+                <a16:creationId xmlns:a16="http://schemas.microsoft.com/office/drawing/2014/main" xmlns="" id="{E36A6B4C-04FB-AE4D-98E0-1258B880FA5E}"/>
               </a:ext>
             </a:extLst>
           </p:cNvPr>
@@ -32236,28 +32452,28 @@
                 <a:gridCol w="1282183">
                   <a:extLst>
                     <a:ext uri="{9D8B030D-6E8A-4147-A177-3AD203B41FA5}">
-                      <a16:colId xmlns:a16="http://schemas.microsoft.com/office/drawing/2014/main" val="20000"/>
+                      <a16:colId xmlns:a16="http://schemas.microsoft.com/office/drawing/2014/main" xmlns="" val="20000"/>
                     </a:ext>
                   </a:extLst>
                 </a:gridCol>
                 <a:gridCol w="538843">
                   <a:extLst>
                     <a:ext uri="{9D8B030D-6E8A-4147-A177-3AD203B41FA5}">
-                      <a16:colId xmlns:a16="http://schemas.microsoft.com/office/drawing/2014/main" val="20001"/>
+                      <a16:colId xmlns:a16="http://schemas.microsoft.com/office/drawing/2014/main" xmlns="" val="20001"/>
                     </a:ext>
                   </a:extLst>
                 </a:gridCol>
                 <a:gridCol w="766595">
                   <a:extLst>
                     <a:ext uri="{9D8B030D-6E8A-4147-A177-3AD203B41FA5}">
-                      <a16:colId xmlns:a16="http://schemas.microsoft.com/office/drawing/2014/main" val="20003"/>
+                      <a16:colId xmlns:a16="http://schemas.microsoft.com/office/drawing/2014/main" xmlns="" val="20003"/>
                     </a:ext>
                   </a:extLst>
                 </a:gridCol>
                 <a:gridCol w="980561">
                   <a:extLst>
                     <a:ext uri="{9D8B030D-6E8A-4147-A177-3AD203B41FA5}">
-                      <a16:colId xmlns:a16="http://schemas.microsoft.com/office/drawing/2014/main" val="20002"/>
+                      <a16:colId xmlns:a16="http://schemas.microsoft.com/office/drawing/2014/main" xmlns="" val="20002"/>
                     </a:ext>
                   </a:extLst>
                 </a:gridCol>
@@ -32332,7 +32548,7 @@
                 </a:tc>
                 <a:extLst>
                   <a:ext uri="{0D108BD9-81ED-4DB2-BD59-A6C34878D82A}">
-                    <a16:rowId xmlns:a16="http://schemas.microsoft.com/office/drawing/2014/main" val="10000"/>
+                    <a16:rowId xmlns:a16="http://schemas.microsoft.com/office/drawing/2014/main" xmlns="" val="10000"/>
                   </a:ext>
                 </a:extLst>
               </a:tr>
@@ -32392,7 +32608,7 @@
                 </a:tc>
                 <a:extLst>
                   <a:ext uri="{0D108BD9-81ED-4DB2-BD59-A6C34878D82A}">
-                    <a16:rowId xmlns:a16="http://schemas.microsoft.com/office/drawing/2014/main" val="10001"/>
+                    <a16:rowId xmlns:a16="http://schemas.microsoft.com/office/drawing/2014/main" xmlns="" val="10001"/>
                   </a:ext>
                 </a:extLst>
               </a:tr>
@@ -32452,7 +32668,7 @@
                 </a:tc>
                 <a:extLst>
                   <a:ext uri="{0D108BD9-81ED-4DB2-BD59-A6C34878D82A}">
-                    <a16:rowId xmlns:a16="http://schemas.microsoft.com/office/drawing/2014/main" val="10002"/>
+                    <a16:rowId xmlns:a16="http://schemas.microsoft.com/office/drawing/2014/main" xmlns="" val="10002"/>
                   </a:ext>
                 </a:extLst>
               </a:tr>
@@ -32512,7 +32728,7 @@
                 </a:tc>
                 <a:extLst>
                   <a:ext uri="{0D108BD9-81ED-4DB2-BD59-A6C34878D82A}">
-                    <a16:rowId xmlns:a16="http://schemas.microsoft.com/office/drawing/2014/main" val="10003"/>
+                    <a16:rowId xmlns:a16="http://schemas.microsoft.com/office/drawing/2014/main" xmlns="" val="10003"/>
                   </a:ext>
                 </a:extLst>
               </a:tr>
@@ -32525,7 +32741,7 @@
           <p:cNvPr id="9" name="Table 8">
             <a:extLst>
               <a:ext uri="{FF2B5EF4-FFF2-40B4-BE49-F238E27FC236}">
-                <a16:creationId xmlns:a16="http://schemas.microsoft.com/office/drawing/2014/main" id="{498EB6DD-B6E3-0743-B26E-C2FD32682AB6}"/>
+                <a16:creationId xmlns:a16="http://schemas.microsoft.com/office/drawing/2014/main" xmlns="" id="{498EB6DD-B6E3-0743-B26E-C2FD32682AB6}"/>
               </a:ext>
             </a:extLst>
           </p:cNvPr>
@@ -32554,21 +32770,21 @@
                 <a:gridCol w="702830">
                   <a:extLst>
                     <a:ext uri="{9D8B030D-6E8A-4147-A177-3AD203B41FA5}">
-                      <a16:colId xmlns:a16="http://schemas.microsoft.com/office/drawing/2014/main" val="21001791"/>
+                      <a16:colId xmlns:a16="http://schemas.microsoft.com/office/drawing/2014/main" xmlns="" val="21001791"/>
                     </a:ext>
                   </a:extLst>
                 </a:gridCol>
                 <a:gridCol w="913679">
                   <a:extLst>
                     <a:ext uri="{9D8B030D-6E8A-4147-A177-3AD203B41FA5}">
-                      <a16:colId xmlns:a16="http://schemas.microsoft.com/office/drawing/2014/main" val="2462359779"/>
+                      <a16:colId xmlns:a16="http://schemas.microsoft.com/office/drawing/2014/main" xmlns="" val="2462359779"/>
                     </a:ext>
                   </a:extLst>
                 </a:gridCol>
                 <a:gridCol w="702830">
                   <a:extLst>
                     <a:ext uri="{9D8B030D-6E8A-4147-A177-3AD203B41FA5}">
-                      <a16:colId xmlns:a16="http://schemas.microsoft.com/office/drawing/2014/main" val="3448858290"/>
+                      <a16:colId xmlns:a16="http://schemas.microsoft.com/office/drawing/2014/main" xmlns="" val="3448858290"/>
                     </a:ext>
                   </a:extLst>
                 </a:gridCol>
@@ -32616,7 +32832,7 @@
                 </a:tc>
                 <a:extLst>
                   <a:ext uri="{0D108BD9-81ED-4DB2-BD59-A6C34878D82A}">
-                    <a16:rowId xmlns:a16="http://schemas.microsoft.com/office/drawing/2014/main" val="1367010675"/>
+                    <a16:rowId xmlns:a16="http://schemas.microsoft.com/office/drawing/2014/main" xmlns="" val="1367010675"/>
                   </a:ext>
                 </a:extLst>
               </a:tr>
@@ -32985,7 +33201,7 @@
           <p:cNvPr id="5" name="Table 4">
             <a:extLst>
               <a:ext uri="{FF2B5EF4-FFF2-40B4-BE49-F238E27FC236}">
-                <a16:creationId xmlns:a16="http://schemas.microsoft.com/office/drawing/2014/main" id="{192D9F72-9AFB-2643-B890-6AAD9D8AF5CB}"/>
+                <a16:creationId xmlns:a16="http://schemas.microsoft.com/office/drawing/2014/main" xmlns="" id="{192D9F72-9AFB-2643-B890-6AAD9D8AF5CB}"/>
               </a:ext>
             </a:extLst>
           </p:cNvPr>
@@ -33010,21 +33226,21 @@
                 <a:gridCol w="702830">
                   <a:extLst>
                     <a:ext uri="{9D8B030D-6E8A-4147-A177-3AD203B41FA5}">
-                      <a16:colId xmlns:a16="http://schemas.microsoft.com/office/drawing/2014/main" val="20000"/>
+                      <a16:colId xmlns:a16="http://schemas.microsoft.com/office/drawing/2014/main" xmlns="" val="20000"/>
                     </a:ext>
                   </a:extLst>
                 </a:gridCol>
                 <a:gridCol w="913679">
                   <a:extLst>
                     <a:ext uri="{9D8B030D-6E8A-4147-A177-3AD203B41FA5}">
-                      <a16:colId xmlns:a16="http://schemas.microsoft.com/office/drawing/2014/main" val="20001"/>
+                      <a16:colId xmlns:a16="http://schemas.microsoft.com/office/drawing/2014/main" xmlns="" val="20001"/>
                     </a:ext>
                   </a:extLst>
                 </a:gridCol>
                 <a:gridCol w="702830">
                   <a:extLst>
                     <a:ext uri="{9D8B030D-6E8A-4147-A177-3AD203B41FA5}">
-                      <a16:colId xmlns:a16="http://schemas.microsoft.com/office/drawing/2014/main" val="20002"/>
+                      <a16:colId xmlns:a16="http://schemas.microsoft.com/office/drawing/2014/main" xmlns="" val="20002"/>
                     </a:ext>
                   </a:extLst>
                 </a:gridCol>
@@ -33089,7 +33305,7 @@
                 </a:tc>
                 <a:extLst>
                   <a:ext uri="{0D108BD9-81ED-4DB2-BD59-A6C34878D82A}">
-                    <a16:rowId xmlns:a16="http://schemas.microsoft.com/office/drawing/2014/main" val="10000"/>
+                    <a16:rowId xmlns:a16="http://schemas.microsoft.com/office/drawing/2014/main" xmlns="" val="10000"/>
                   </a:ext>
                 </a:extLst>
               </a:tr>
@@ -33136,7 +33352,7 @@
                 </a:tc>
                 <a:extLst>
                   <a:ext uri="{0D108BD9-81ED-4DB2-BD59-A6C34878D82A}">
-                    <a16:rowId xmlns:a16="http://schemas.microsoft.com/office/drawing/2014/main" val="10002"/>
+                    <a16:rowId xmlns:a16="http://schemas.microsoft.com/office/drawing/2014/main" xmlns="" val="10002"/>
                   </a:ext>
                 </a:extLst>
               </a:tr>
@@ -33149,7 +33365,7 @@
           <p:cNvPr id="6" name="TextBox 5">
             <a:extLst>
               <a:ext uri="{FF2B5EF4-FFF2-40B4-BE49-F238E27FC236}">
-                <a16:creationId xmlns:a16="http://schemas.microsoft.com/office/drawing/2014/main" id="{2371588E-064F-AC4F-BFE4-407A10166E83}"/>
+                <a16:creationId xmlns:a16="http://schemas.microsoft.com/office/drawing/2014/main" xmlns="" id="{2371588E-064F-AC4F-BFE4-407A10166E83}"/>
               </a:ext>
             </a:extLst>
           </p:cNvPr>
@@ -33184,7 +33400,7 @@
           <p:cNvPr id="7" name="TextBox 6">
             <a:extLst>
               <a:ext uri="{FF2B5EF4-FFF2-40B4-BE49-F238E27FC236}">
-                <a16:creationId xmlns:a16="http://schemas.microsoft.com/office/drawing/2014/main" id="{04D966A4-B0FB-4543-A23B-1BDF1B411566}"/>
+                <a16:creationId xmlns:a16="http://schemas.microsoft.com/office/drawing/2014/main" xmlns="" id="{04D966A4-B0FB-4543-A23B-1BDF1B411566}"/>
               </a:ext>
             </a:extLst>
           </p:cNvPr>
@@ -33219,7 +33435,7 @@
           <p:cNvPr id="8" name="Table 7">
             <a:extLst>
               <a:ext uri="{FF2B5EF4-FFF2-40B4-BE49-F238E27FC236}">
-                <a16:creationId xmlns:a16="http://schemas.microsoft.com/office/drawing/2014/main" id="{E36A6B4C-04FB-AE4D-98E0-1258B880FA5E}"/>
+                <a16:creationId xmlns:a16="http://schemas.microsoft.com/office/drawing/2014/main" xmlns="" id="{E36A6B4C-04FB-AE4D-98E0-1258B880FA5E}"/>
               </a:ext>
             </a:extLst>
           </p:cNvPr>
@@ -33244,28 +33460,28 @@
                 <a:gridCol w="1282183">
                   <a:extLst>
                     <a:ext uri="{9D8B030D-6E8A-4147-A177-3AD203B41FA5}">
-                      <a16:colId xmlns:a16="http://schemas.microsoft.com/office/drawing/2014/main" val="20000"/>
+                      <a16:colId xmlns:a16="http://schemas.microsoft.com/office/drawing/2014/main" xmlns="" val="20000"/>
                     </a:ext>
                   </a:extLst>
                 </a:gridCol>
                 <a:gridCol w="538843">
                   <a:extLst>
                     <a:ext uri="{9D8B030D-6E8A-4147-A177-3AD203B41FA5}">
-                      <a16:colId xmlns:a16="http://schemas.microsoft.com/office/drawing/2014/main" val="20001"/>
+                      <a16:colId xmlns:a16="http://schemas.microsoft.com/office/drawing/2014/main" xmlns="" val="20001"/>
                     </a:ext>
                   </a:extLst>
                 </a:gridCol>
                 <a:gridCol w="766595">
                   <a:extLst>
                     <a:ext uri="{9D8B030D-6E8A-4147-A177-3AD203B41FA5}">
-                      <a16:colId xmlns:a16="http://schemas.microsoft.com/office/drawing/2014/main" val="20003"/>
+                      <a16:colId xmlns:a16="http://schemas.microsoft.com/office/drawing/2014/main" xmlns="" val="20003"/>
                     </a:ext>
                   </a:extLst>
                 </a:gridCol>
                 <a:gridCol w="980561">
                   <a:extLst>
                     <a:ext uri="{9D8B030D-6E8A-4147-A177-3AD203B41FA5}">
-                      <a16:colId xmlns:a16="http://schemas.microsoft.com/office/drawing/2014/main" val="20002"/>
+                      <a16:colId xmlns:a16="http://schemas.microsoft.com/office/drawing/2014/main" xmlns="" val="20002"/>
                     </a:ext>
                   </a:extLst>
                 </a:gridCol>
@@ -33340,7 +33556,7 @@
                 </a:tc>
                 <a:extLst>
                   <a:ext uri="{0D108BD9-81ED-4DB2-BD59-A6C34878D82A}">
-                    <a16:rowId xmlns:a16="http://schemas.microsoft.com/office/drawing/2014/main" val="10000"/>
+                    <a16:rowId xmlns:a16="http://schemas.microsoft.com/office/drawing/2014/main" xmlns="" val="10000"/>
                   </a:ext>
                 </a:extLst>
               </a:tr>
@@ -33400,7 +33616,7 @@
                 </a:tc>
                 <a:extLst>
                   <a:ext uri="{0D108BD9-81ED-4DB2-BD59-A6C34878D82A}">
-                    <a16:rowId xmlns:a16="http://schemas.microsoft.com/office/drawing/2014/main" val="10001"/>
+                    <a16:rowId xmlns:a16="http://schemas.microsoft.com/office/drawing/2014/main" xmlns="" val="10001"/>
                   </a:ext>
                 </a:extLst>
               </a:tr>
@@ -33460,7 +33676,7 @@
                 </a:tc>
                 <a:extLst>
                   <a:ext uri="{0D108BD9-81ED-4DB2-BD59-A6C34878D82A}">
-                    <a16:rowId xmlns:a16="http://schemas.microsoft.com/office/drawing/2014/main" val="10002"/>
+                    <a16:rowId xmlns:a16="http://schemas.microsoft.com/office/drawing/2014/main" xmlns="" val="10002"/>
                   </a:ext>
                 </a:extLst>
               </a:tr>
@@ -33520,7 +33736,7 @@
                 </a:tc>
                 <a:extLst>
                   <a:ext uri="{0D108BD9-81ED-4DB2-BD59-A6C34878D82A}">
-                    <a16:rowId xmlns:a16="http://schemas.microsoft.com/office/drawing/2014/main" val="10003"/>
+                    <a16:rowId xmlns:a16="http://schemas.microsoft.com/office/drawing/2014/main" xmlns="" val="10003"/>
                   </a:ext>
                 </a:extLst>
               </a:tr>
@@ -33533,7 +33749,7 @@
           <p:cNvPr id="9" name="Table 8">
             <a:extLst>
               <a:ext uri="{FF2B5EF4-FFF2-40B4-BE49-F238E27FC236}">
-                <a16:creationId xmlns:a16="http://schemas.microsoft.com/office/drawing/2014/main" id="{498EB6DD-B6E3-0743-B26E-C2FD32682AB6}"/>
+                <a16:creationId xmlns:a16="http://schemas.microsoft.com/office/drawing/2014/main" xmlns="" id="{498EB6DD-B6E3-0743-B26E-C2FD32682AB6}"/>
               </a:ext>
             </a:extLst>
           </p:cNvPr>
@@ -33556,21 +33772,21 @@
                 <a:gridCol w="702830">
                   <a:extLst>
                     <a:ext uri="{9D8B030D-6E8A-4147-A177-3AD203B41FA5}">
-                      <a16:colId xmlns:a16="http://schemas.microsoft.com/office/drawing/2014/main" val="21001791"/>
+                      <a16:colId xmlns:a16="http://schemas.microsoft.com/office/drawing/2014/main" xmlns="" val="21001791"/>
                     </a:ext>
                   </a:extLst>
                 </a:gridCol>
                 <a:gridCol w="913679">
                   <a:extLst>
                     <a:ext uri="{9D8B030D-6E8A-4147-A177-3AD203B41FA5}">
-                      <a16:colId xmlns:a16="http://schemas.microsoft.com/office/drawing/2014/main" val="2462359779"/>
+                      <a16:colId xmlns:a16="http://schemas.microsoft.com/office/drawing/2014/main" xmlns="" val="2462359779"/>
                     </a:ext>
                   </a:extLst>
                 </a:gridCol>
                 <a:gridCol w="702830">
                   <a:extLst>
                     <a:ext uri="{9D8B030D-6E8A-4147-A177-3AD203B41FA5}">
-                      <a16:colId xmlns:a16="http://schemas.microsoft.com/office/drawing/2014/main" val="3448858290"/>
+                      <a16:colId xmlns:a16="http://schemas.microsoft.com/office/drawing/2014/main" xmlns="" val="3448858290"/>
                     </a:ext>
                   </a:extLst>
                 </a:gridCol>
@@ -33618,7 +33834,7 @@
                 </a:tc>
                 <a:extLst>
                   <a:ext uri="{0D108BD9-81ED-4DB2-BD59-A6C34878D82A}">
-                    <a16:rowId xmlns:a16="http://schemas.microsoft.com/office/drawing/2014/main" val="1367010675"/>
+                    <a16:rowId xmlns:a16="http://schemas.microsoft.com/office/drawing/2014/main" xmlns="" val="1367010675"/>
                   </a:ext>
                 </a:extLst>
               </a:tr>
@@ -33702,6 +33918,14 @@
               </a:rPr>
               <a:t>Students.name</a:t>
             </a:r>
+            <a:r>
+              <a:rPr lang="en-US" sz="2400" dirty="0">
+                <a:latin typeface="Menlo" charset="0"/>
+                <a:ea typeface="Menlo" charset="0"/>
+                <a:cs typeface="Menlo" charset="0"/>
+              </a:rPr>
+              <a:t/>
+            </a:r>
             <a:br>
               <a:rPr lang="en-US" sz="2400" dirty="0">
                 <a:latin typeface="Menlo" charset="0"/>
@@ -33864,6 +34088,14 @@
                 <a:cs typeface="Menlo" charset="0"/>
               </a:rPr>
               <a:t>S.name</a:t>
+            </a:r>
+            <a:r>
+              <a:rPr lang="en-US" sz="2400" dirty="0">
+                <a:latin typeface="Menlo" charset="0"/>
+                <a:ea typeface="Menlo" charset="0"/>
+                <a:cs typeface="Menlo" charset="0"/>
+              </a:rPr>
+              <a:t/>
             </a:r>
             <a:br>
               <a:rPr lang="en-US" sz="2400" dirty="0">
@@ -34130,7 +34362,7 @@
           <p:cNvPr id="2" name="Title 1">
             <a:extLst>
               <a:ext uri="{FF2B5EF4-FFF2-40B4-BE49-F238E27FC236}">
-                <a16:creationId xmlns:a16="http://schemas.microsoft.com/office/drawing/2014/main" id="{94501782-B7C7-6842-976A-473B00DFA4A9}"/>
+                <a16:creationId xmlns:a16="http://schemas.microsoft.com/office/drawing/2014/main" xmlns="" id="{94501782-B7C7-6842-976A-473B00DFA4A9}"/>
               </a:ext>
             </a:extLst>
           </p:cNvPr>
@@ -34158,7 +34390,7 @@
           <p:cNvPr id="3" name="Content Placeholder 2">
             <a:extLst>
               <a:ext uri="{FF2B5EF4-FFF2-40B4-BE49-F238E27FC236}">
-                <a16:creationId xmlns:a16="http://schemas.microsoft.com/office/drawing/2014/main" id="{C8090023-957A-D44A-9A68-C67904302C30}"/>
+                <a16:creationId xmlns:a16="http://schemas.microsoft.com/office/drawing/2014/main" xmlns="" id="{C8090023-957A-D44A-9A68-C67904302C30}"/>
               </a:ext>
             </a:extLst>
           </p:cNvPr>
@@ -34366,7 +34598,7 @@
           <p:cNvPr id="4" name="Slide Number Placeholder 3">
             <a:extLst>
               <a:ext uri="{FF2B5EF4-FFF2-40B4-BE49-F238E27FC236}">
-                <a16:creationId xmlns:a16="http://schemas.microsoft.com/office/drawing/2014/main" id="{C730120B-DC91-3A4B-9010-90A056D4691D}"/>
+                <a16:creationId xmlns:a16="http://schemas.microsoft.com/office/drawing/2014/main" xmlns="" id="{C730120B-DC91-3A4B-9010-90A056D4691D}"/>
               </a:ext>
             </a:extLst>
           </p:cNvPr>
@@ -37353,7 +37585,7 @@
           <p:cNvPr id="10" name="Table 9">
             <a:extLst>
               <a:ext uri="{FF2B5EF4-FFF2-40B4-BE49-F238E27FC236}">
-                <a16:creationId xmlns:a16="http://schemas.microsoft.com/office/drawing/2014/main" id="{192D9F72-9AFB-2643-B890-6AAD9D8AF5CB}"/>
+                <a16:creationId xmlns:a16="http://schemas.microsoft.com/office/drawing/2014/main" xmlns="" id="{192D9F72-9AFB-2643-B890-6AAD9D8AF5CB}"/>
               </a:ext>
             </a:extLst>
           </p:cNvPr>
@@ -37382,21 +37614,21 @@
                 <a:gridCol w="702830">
                   <a:extLst>
                     <a:ext uri="{9D8B030D-6E8A-4147-A177-3AD203B41FA5}">
-                      <a16:colId xmlns:a16="http://schemas.microsoft.com/office/drawing/2014/main" val="20000"/>
+                      <a16:colId xmlns:a16="http://schemas.microsoft.com/office/drawing/2014/main" xmlns="" val="20000"/>
                     </a:ext>
                   </a:extLst>
                 </a:gridCol>
                 <a:gridCol w="913679">
                   <a:extLst>
                     <a:ext uri="{9D8B030D-6E8A-4147-A177-3AD203B41FA5}">
-                      <a16:colId xmlns:a16="http://schemas.microsoft.com/office/drawing/2014/main" val="20001"/>
+                      <a16:colId xmlns:a16="http://schemas.microsoft.com/office/drawing/2014/main" xmlns="" val="20001"/>
                     </a:ext>
                   </a:extLst>
                 </a:gridCol>
                 <a:gridCol w="702830">
                   <a:extLst>
                     <a:ext uri="{9D8B030D-6E8A-4147-A177-3AD203B41FA5}">
-                      <a16:colId xmlns:a16="http://schemas.microsoft.com/office/drawing/2014/main" val="20002"/>
+                      <a16:colId xmlns:a16="http://schemas.microsoft.com/office/drawing/2014/main" xmlns="" val="20002"/>
                     </a:ext>
                   </a:extLst>
                 </a:gridCol>
@@ -37461,7 +37693,7 @@
                 </a:tc>
                 <a:extLst>
                   <a:ext uri="{0D108BD9-81ED-4DB2-BD59-A6C34878D82A}">
-                    <a16:rowId xmlns:a16="http://schemas.microsoft.com/office/drawing/2014/main" val="10000"/>
+                    <a16:rowId xmlns:a16="http://schemas.microsoft.com/office/drawing/2014/main" xmlns="" val="10000"/>
                   </a:ext>
                 </a:extLst>
               </a:tr>
@@ -37508,7 +37740,7 @@
                 </a:tc>
                 <a:extLst>
                   <a:ext uri="{0D108BD9-81ED-4DB2-BD59-A6C34878D82A}">
-                    <a16:rowId xmlns:a16="http://schemas.microsoft.com/office/drawing/2014/main" val="10002"/>
+                    <a16:rowId xmlns:a16="http://schemas.microsoft.com/office/drawing/2014/main" xmlns="" val="10002"/>
                   </a:ext>
                 </a:extLst>
               </a:tr>
@@ -37521,7 +37753,7 @@
           <p:cNvPr id="11" name="TextBox 10">
             <a:extLst>
               <a:ext uri="{FF2B5EF4-FFF2-40B4-BE49-F238E27FC236}">
-                <a16:creationId xmlns:a16="http://schemas.microsoft.com/office/drawing/2014/main" id="{2371588E-064F-AC4F-BFE4-407A10166E83}"/>
+                <a16:creationId xmlns:a16="http://schemas.microsoft.com/office/drawing/2014/main" xmlns="" id="{2371588E-064F-AC4F-BFE4-407A10166E83}"/>
               </a:ext>
             </a:extLst>
           </p:cNvPr>
@@ -37556,7 +37788,7 @@
           <p:cNvPr id="12" name="TextBox 11">
             <a:extLst>
               <a:ext uri="{FF2B5EF4-FFF2-40B4-BE49-F238E27FC236}">
-                <a16:creationId xmlns:a16="http://schemas.microsoft.com/office/drawing/2014/main" id="{04D966A4-B0FB-4543-A23B-1BDF1B411566}"/>
+                <a16:creationId xmlns:a16="http://schemas.microsoft.com/office/drawing/2014/main" xmlns="" id="{04D966A4-B0FB-4543-A23B-1BDF1B411566}"/>
               </a:ext>
             </a:extLst>
           </p:cNvPr>
@@ -37591,7 +37823,7 @@
           <p:cNvPr id="13" name="Table 12">
             <a:extLst>
               <a:ext uri="{FF2B5EF4-FFF2-40B4-BE49-F238E27FC236}">
-                <a16:creationId xmlns:a16="http://schemas.microsoft.com/office/drawing/2014/main" id="{E36A6B4C-04FB-AE4D-98E0-1258B880FA5E}"/>
+                <a16:creationId xmlns:a16="http://schemas.microsoft.com/office/drawing/2014/main" xmlns="" id="{E36A6B4C-04FB-AE4D-98E0-1258B880FA5E}"/>
               </a:ext>
             </a:extLst>
           </p:cNvPr>
@@ -37620,21 +37852,21 @@
                 <a:gridCol w="1477109">
                   <a:extLst>
                     <a:ext uri="{9D8B030D-6E8A-4147-A177-3AD203B41FA5}">
-                      <a16:colId xmlns:a16="http://schemas.microsoft.com/office/drawing/2014/main" val="20000"/>
+                      <a16:colId xmlns:a16="http://schemas.microsoft.com/office/drawing/2014/main" xmlns="" val="20000"/>
                     </a:ext>
                   </a:extLst>
                 </a:gridCol>
                 <a:gridCol w="598948">
                   <a:extLst>
                     <a:ext uri="{9D8B030D-6E8A-4147-A177-3AD203B41FA5}">
-                      <a16:colId xmlns:a16="http://schemas.microsoft.com/office/drawing/2014/main" val="20001"/>
+                      <a16:colId xmlns:a16="http://schemas.microsoft.com/office/drawing/2014/main" xmlns="" val="20001"/>
                     </a:ext>
                   </a:extLst>
                 </a:gridCol>
                 <a:gridCol w="1013674">
                   <a:extLst>
                     <a:ext uri="{9D8B030D-6E8A-4147-A177-3AD203B41FA5}">
-                      <a16:colId xmlns:a16="http://schemas.microsoft.com/office/drawing/2014/main" val="20002"/>
+                      <a16:colId xmlns:a16="http://schemas.microsoft.com/office/drawing/2014/main" xmlns="" val="20002"/>
                     </a:ext>
                   </a:extLst>
                 </a:gridCol>
@@ -37695,7 +37927,7 @@
                 </a:tc>
                 <a:extLst>
                   <a:ext uri="{0D108BD9-81ED-4DB2-BD59-A6C34878D82A}">
-                    <a16:rowId xmlns:a16="http://schemas.microsoft.com/office/drawing/2014/main" val="10000"/>
+                    <a16:rowId xmlns:a16="http://schemas.microsoft.com/office/drawing/2014/main" xmlns="" val="10000"/>
                   </a:ext>
                 </a:extLst>
               </a:tr>
@@ -37742,7 +37974,7 @@
                 </a:tc>
                 <a:extLst>
                   <a:ext uri="{0D108BD9-81ED-4DB2-BD59-A6C34878D82A}">
-                    <a16:rowId xmlns:a16="http://schemas.microsoft.com/office/drawing/2014/main" val="10001"/>
+                    <a16:rowId xmlns:a16="http://schemas.microsoft.com/office/drawing/2014/main" xmlns="" val="10001"/>
                   </a:ext>
                 </a:extLst>
               </a:tr>
@@ -37789,7 +38021,7 @@
                 </a:tc>
                 <a:extLst>
                   <a:ext uri="{0D108BD9-81ED-4DB2-BD59-A6C34878D82A}">
-                    <a16:rowId xmlns:a16="http://schemas.microsoft.com/office/drawing/2014/main" val="10002"/>
+                    <a16:rowId xmlns:a16="http://schemas.microsoft.com/office/drawing/2014/main" xmlns="" val="10002"/>
                   </a:ext>
                 </a:extLst>
               </a:tr>
@@ -37802,7 +38034,7 @@
           <p:cNvPr id="14" name="Table 13">
             <a:extLst>
               <a:ext uri="{FF2B5EF4-FFF2-40B4-BE49-F238E27FC236}">
-                <a16:creationId xmlns:a16="http://schemas.microsoft.com/office/drawing/2014/main" id="{498EB6DD-B6E3-0743-B26E-C2FD32682AB6}"/>
+                <a16:creationId xmlns:a16="http://schemas.microsoft.com/office/drawing/2014/main" xmlns="" id="{498EB6DD-B6E3-0743-B26E-C2FD32682AB6}"/>
               </a:ext>
             </a:extLst>
           </p:cNvPr>
@@ -37831,21 +38063,21 @@
                 <a:gridCol w="702830">
                   <a:extLst>
                     <a:ext uri="{9D8B030D-6E8A-4147-A177-3AD203B41FA5}">
-                      <a16:colId xmlns:a16="http://schemas.microsoft.com/office/drawing/2014/main" val="21001791"/>
+                      <a16:colId xmlns:a16="http://schemas.microsoft.com/office/drawing/2014/main" xmlns="" val="21001791"/>
                     </a:ext>
                   </a:extLst>
                 </a:gridCol>
                 <a:gridCol w="913679">
                   <a:extLst>
                     <a:ext uri="{9D8B030D-6E8A-4147-A177-3AD203B41FA5}">
-                      <a16:colId xmlns:a16="http://schemas.microsoft.com/office/drawing/2014/main" val="2462359779"/>
+                      <a16:colId xmlns:a16="http://schemas.microsoft.com/office/drawing/2014/main" xmlns="" val="2462359779"/>
                     </a:ext>
                   </a:extLst>
                 </a:gridCol>
                 <a:gridCol w="702830">
                   <a:extLst>
                     <a:ext uri="{9D8B030D-6E8A-4147-A177-3AD203B41FA5}">
-                      <a16:colId xmlns:a16="http://schemas.microsoft.com/office/drawing/2014/main" val="3448858290"/>
+                      <a16:colId xmlns:a16="http://schemas.microsoft.com/office/drawing/2014/main" xmlns="" val="3448858290"/>
                     </a:ext>
                   </a:extLst>
                 </a:gridCol>
@@ -37893,7 +38125,7 @@
                 </a:tc>
                 <a:extLst>
                   <a:ext uri="{0D108BD9-81ED-4DB2-BD59-A6C34878D82A}">
-                    <a16:rowId xmlns:a16="http://schemas.microsoft.com/office/drawing/2014/main" val="1367010675"/>
+                    <a16:rowId xmlns:a16="http://schemas.microsoft.com/office/drawing/2014/main" xmlns="" val="1367010675"/>
                   </a:ext>
                 </a:extLst>
               </a:tr>
@@ -37906,7 +38138,7 @@
           <p:cNvPr id="15" name="Table 14">
             <a:extLst>
               <a:ext uri="{FF2B5EF4-FFF2-40B4-BE49-F238E27FC236}">
-                <a16:creationId xmlns:a16="http://schemas.microsoft.com/office/drawing/2014/main" id="{F0B6F206-5F56-4748-9F1E-48EDB67140A8}"/>
+                <a16:creationId xmlns:a16="http://schemas.microsoft.com/office/drawing/2014/main" xmlns="" id="{F0B6F206-5F56-4748-9F1E-48EDB67140A8}"/>
               </a:ext>
             </a:extLst>
           </p:cNvPr>
@@ -37935,21 +38167,21 @@
                 <a:gridCol w="1477109">
                   <a:extLst>
                     <a:ext uri="{9D8B030D-6E8A-4147-A177-3AD203B41FA5}">
-                      <a16:colId xmlns:a16="http://schemas.microsoft.com/office/drawing/2014/main" val="3848068754"/>
+                      <a16:colId xmlns:a16="http://schemas.microsoft.com/office/drawing/2014/main" xmlns="" val="3848068754"/>
                     </a:ext>
                   </a:extLst>
                 </a:gridCol>
                 <a:gridCol w="598948">
                   <a:extLst>
                     <a:ext uri="{9D8B030D-6E8A-4147-A177-3AD203B41FA5}">
-                      <a16:colId xmlns:a16="http://schemas.microsoft.com/office/drawing/2014/main" val="716970141"/>
+                      <a16:colId xmlns:a16="http://schemas.microsoft.com/office/drawing/2014/main" xmlns="" val="716970141"/>
                     </a:ext>
                   </a:extLst>
                 </a:gridCol>
                 <a:gridCol w="1013674">
                   <a:extLst>
                     <a:ext uri="{9D8B030D-6E8A-4147-A177-3AD203B41FA5}">
-                      <a16:colId xmlns:a16="http://schemas.microsoft.com/office/drawing/2014/main" val="2973760246"/>
+                      <a16:colId xmlns:a16="http://schemas.microsoft.com/office/drawing/2014/main" xmlns="" val="2973760246"/>
                     </a:ext>
                   </a:extLst>
                 </a:gridCol>
@@ -37997,7 +38229,7 @@
                 </a:tc>
                 <a:extLst>
                   <a:ext uri="{0D108BD9-81ED-4DB2-BD59-A6C34878D82A}">
-                    <a16:rowId xmlns:a16="http://schemas.microsoft.com/office/drawing/2014/main" val="1024111891"/>
+                    <a16:rowId xmlns:a16="http://schemas.microsoft.com/office/drawing/2014/main" xmlns="" val="1024111891"/>
                   </a:ext>
                 </a:extLst>
               </a:tr>
@@ -38010,7 +38242,7 @@
           <p:cNvPr id="19" name="Table 18">
             <a:extLst>
               <a:ext uri="{FF2B5EF4-FFF2-40B4-BE49-F238E27FC236}">
-                <a16:creationId xmlns:a16="http://schemas.microsoft.com/office/drawing/2014/main" id="{192D9F72-9AFB-2643-B890-6AAD9D8AF5CB}"/>
+                <a16:creationId xmlns:a16="http://schemas.microsoft.com/office/drawing/2014/main" xmlns="" id="{192D9F72-9AFB-2643-B890-6AAD9D8AF5CB}"/>
               </a:ext>
             </a:extLst>
           </p:cNvPr>
@@ -38039,7 +38271,7 @@
                 <a:gridCol w="913679">
                   <a:extLst>
                     <a:ext uri="{9D8B030D-6E8A-4147-A177-3AD203B41FA5}">
-                      <a16:colId xmlns:a16="http://schemas.microsoft.com/office/drawing/2014/main" val="20001"/>
+                      <a16:colId xmlns:a16="http://schemas.microsoft.com/office/drawing/2014/main" xmlns="" val="20001"/>
                     </a:ext>
                   </a:extLst>
                 </a:gridCol>
@@ -38066,7 +38298,7 @@
                 </a:tc>
                 <a:extLst>
                   <a:ext uri="{0D108BD9-81ED-4DB2-BD59-A6C34878D82A}">
-                    <a16:rowId xmlns:a16="http://schemas.microsoft.com/office/drawing/2014/main" val="10000"/>
+                    <a16:rowId xmlns:a16="http://schemas.microsoft.com/office/drawing/2014/main" xmlns="" val="10000"/>
                   </a:ext>
                 </a:extLst>
               </a:tr>
@@ -38086,7 +38318,7 @@
                 </a:tc>
                 <a:extLst>
                   <a:ext uri="{0D108BD9-81ED-4DB2-BD59-A6C34878D82A}">
-                    <a16:rowId xmlns:a16="http://schemas.microsoft.com/office/drawing/2014/main" val="10002"/>
+                    <a16:rowId xmlns:a16="http://schemas.microsoft.com/office/drawing/2014/main" xmlns="" val="10002"/>
                   </a:ext>
                 </a:extLst>
               </a:tr>
@@ -38099,7 +38331,7 @@
           <p:cNvPr id="20" name="Table 19">
             <a:extLst>
               <a:ext uri="{FF2B5EF4-FFF2-40B4-BE49-F238E27FC236}">
-                <a16:creationId xmlns:a16="http://schemas.microsoft.com/office/drawing/2014/main" id="{192D9F72-9AFB-2643-B890-6AAD9D8AF5CB}"/>
+                <a16:creationId xmlns:a16="http://schemas.microsoft.com/office/drawing/2014/main" xmlns="" id="{192D9F72-9AFB-2643-B890-6AAD9D8AF5CB}"/>
               </a:ext>
             </a:extLst>
           </p:cNvPr>
@@ -38128,7 +38360,7 @@
                 <a:gridCol w="913679">
                   <a:extLst>
                     <a:ext uri="{9D8B030D-6E8A-4147-A177-3AD203B41FA5}">
-                      <a16:colId xmlns:a16="http://schemas.microsoft.com/office/drawing/2014/main" val="20001"/>
+                      <a16:colId xmlns:a16="http://schemas.microsoft.com/office/drawing/2014/main" xmlns="" val="20001"/>
                     </a:ext>
                   </a:extLst>
                 </a:gridCol>
@@ -38155,7 +38387,7 @@
                 </a:tc>
                 <a:extLst>
                   <a:ext uri="{0D108BD9-81ED-4DB2-BD59-A6C34878D82A}">
-                    <a16:rowId xmlns:a16="http://schemas.microsoft.com/office/drawing/2014/main" val="10000"/>
+                    <a16:rowId xmlns:a16="http://schemas.microsoft.com/office/drawing/2014/main" xmlns="" val="10000"/>
                   </a:ext>
                 </a:extLst>
               </a:tr>
@@ -38175,7 +38407,7 @@
                 </a:tc>
                 <a:extLst>
                   <a:ext uri="{0D108BD9-81ED-4DB2-BD59-A6C34878D82A}">
-                    <a16:rowId xmlns:a16="http://schemas.microsoft.com/office/drawing/2014/main" val="10002"/>
+                    <a16:rowId xmlns:a16="http://schemas.microsoft.com/office/drawing/2014/main" xmlns="" val="10002"/>
                   </a:ext>
                 </a:extLst>
               </a:tr>
@@ -38195,7 +38427,7 @@
                 </a:tc>
                 <a:extLst>
                   <a:ext uri="{0D108BD9-81ED-4DB2-BD59-A6C34878D82A}">
-                    <a16:rowId xmlns:a16="http://schemas.microsoft.com/office/drawing/2014/main" val="10003"/>
+                    <a16:rowId xmlns:a16="http://schemas.microsoft.com/office/drawing/2014/main" xmlns="" val="10003"/>
                   </a:ext>
                 </a:extLst>
               </a:tr>
@@ -38208,7 +38440,7 @@
           <p:cNvPr id="21" name="Table 20">
             <a:extLst>
               <a:ext uri="{FF2B5EF4-FFF2-40B4-BE49-F238E27FC236}">
-                <a16:creationId xmlns:a16="http://schemas.microsoft.com/office/drawing/2014/main" id="{192D9F72-9AFB-2643-B890-6AAD9D8AF5CB}"/>
+                <a16:creationId xmlns:a16="http://schemas.microsoft.com/office/drawing/2014/main" xmlns="" id="{192D9F72-9AFB-2643-B890-6AAD9D8AF5CB}"/>
               </a:ext>
             </a:extLst>
           </p:cNvPr>
@@ -38237,7 +38469,7 @@
                 <a:gridCol w="913679">
                   <a:extLst>
                     <a:ext uri="{9D8B030D-6E8A-4147-A177-3AD203B41FA5}">
-                      <a16:colId xmlns:a16="http://schemas.microsoft.com/office/drawing/2014/main" val="20001"/>
+                      <a16:colId xmlns:a16="http://schemas.microsoft.com/office/drawing/2014/main" xmlns="" val="20001"/>
                     </a:ext>
                   </a:extLst>
                 </a:gridCol>
@@ -38264,7 +38496,7 @@
                 </a:tc>
                 <a:extLst>
                   <a:ext uri="{0D108BD9-81ED-4DB2-BD59-A6C34878D82A}">
-                    <a16:rowId xmlns:a16="http://schemas.microsoft.com/office/drawing/2014/main" val="10000"/>
+                    <a16:rowId xmlns:a16="http://schemas.microsoft.com/office/drawing/2014/main" xmlns="" val="10000"/>
                   </a:ext>
                 </a:extLst>
               </a:tr>
@@ -38284,7 +38516,7 @@
                 </a:tc>
                 <a:extLst>
                   <a:ext uri="{0D108BD9-81ED-4DB2-BD59-A6C34878D82A}">
-                    <a16:rowId xmlns:a16="http://schemas.microsoft.com/office/drawing/2014/main" val="10002"/>
+                    <a16:rowId xmlns:a16="http://schemas.microsoft.com/office/drawing/2014/main" xmlns="" val="10002"/>
                   </a:ext>
                 </a:extLst>
               </a:tr>
@@ -38304,7 +38536,7 @@
                 </a:tc>
                 <a:extLst>
                   <a:ext uri="{0D108BD9-81ED-4DB2-BD59-A6C34878D82A}">
-                    <a16:rowId xmlns:a16="http://schemas.microsoft.com/office/drawing/2014/main" val="10003"/>
+                    <a16:rowId xmlns:a16="http://schemas.microsoft.com/office/drawing/2014/main" xmlns="" val="10003"/>
                   </a:ext>
                 </a:extLst>
               </a:tr>
@@ -38324,7 +38556,7 @@
                 </a:tc>
                 <a:extLst>
                   <a:ext uri="{0D108BD9-81ED-4DB2-BD59-A6C34878D82A}">
-                    <a16:rowId xmlns:a16="http://schemas.microsoft.com/office/drawing/2014/main" val="10004"/>
+                    <a16:rowId xmlns:a16="http://schemas.microsoft.com/office/drawing/2014/main" xmlns="" val="10004"/>
                   </a:ext>
                 </a:extLst>
               </a:tr>
@@ -38337,7 +38569,7 @@
           <p:cNvPr id="22" name="Table 21">
             <a:extLst>
               <a:ext uri="{FF2B5EF4-FFF2-40B4-BE49-F238E27FC236}">
-                <a16:creationId xmlns:a16="http://schemas.microsoft.com/office/drawing/2014/main" id="{192D9F72-9AFB-2643-B890-6AAD9D8AF5CB}"/>
+                <a16:creationId xmlns:a16="http://schemas.microsoft.com/office/drawing/2014/main" xmlns="" id="{192D9F72-9AFB-2643-B890-6AAD9D8AF5CB}"/>
               </a:ext>
             </a:extLst>
           </p:cNvPr>
@@ -38366,7 +38598,7 @@
                 <a:gridCol w="913679">
                   <a:extLst>
                     <a:ext uri="{9D8B030D-6E8A-4147-A177-3AD203B41FA5}">
-                      <a16:colId xmlns:a16="http://schemas.microsoft.com/office/drawing/2014/main" val="20001"/>
+                      <a16:colId xmlns:a16="http://schemas.microsoft.com/office/drawing/2014/main" xmlns="" val="20001"/>
                     </a:ext>
                   </a:extLst>
                 </a:gridCol>
@@ -38393,7 +38625,7 @@
                 </a:tc>
                 <a:extLst>
                   <a:ext uri="{0D108BD9-81ED-4DB2-BD59-A6C34878D82A}">
-                    <a16:rowId xmlns:a16="http://schemas.microsoft.com/office/drawing/2014/main" val="10000"/>
+                    <a16:rowId xmlns:a16="http://schemas.microsoft.com/office/drawing/2014/main" xmlns="" val="10000"/>
                   </a:ext>
                 </a:extLst>
               </a:tr>
@@ -38413,7 +38645,7 @@
                 </a:tc>
                 <a:extLst>
                   <a:ext uri="{0D108BD9-81ED-4DB2-BD59-A6C34878D82A}">
-                    <a16:rowId xmlns:a16="http://schemas.microsoft.com/office/drawing/2014/main" val="10002"/>
+                    <a16:rowId xmlns:a16="http://schemas.microsoft.com/office/drawing/2014/main" xmlns="" val="10002"/>
                   </a:ext>
                 </a:extLst>
               </a:tr>
@@ -38433,7 +38665,7 @@
                 </a:tc>
                 <a:extLst>
                   <a:ext uri="{0D108BD9-81ED-4DB2-BD59-A6C34878D82A}">
-                    <a16:rowId xmlns:a16="http://schemas.microsoft.com/office/drawing/2014/main" val="10003"/>
+                    <a16:rowId xmlns:a16="http://schemas.microsoft.com/office/drawing/2014/main" xmlns="" val="10003"/>
                   </a:ext>
                 </a:extLst>
               </a:tr>
@@ -38453,7 +38685,7 @@
                 </a:tc>
                 <a:extLst>
                   <a:ext uri="{0D108BD9-81ED-4DB2-BD59-A6C34878D82A}">
-                    <a16:rowId xmlns:a16="http://schemas.microsoft.com/office/drawing/2014/main" val="10004"/>
+                    <a16:rowId xmlns:a16="http://schemas.microsoft.com/office/drawing/2014/main" xmlns="" val="10004"/>
                   </a:ext>
                 </a:extLst>
               </a:tr>
@@ -38952,7 +39184,7 @@
           <p:cNvPr id="2" name="Title 1">
             <a:extLst>
               <a:ext uri="{FF2B5EF4-FFF2-40B4-BE49-F238E27FC236}">
-                <a16:creationId xmlns:a16="http://schemas.microsoft.com/office/drawing/2014/main" id="{94501782-B7C7-6842-976A-473B00DFA4A9}"/>
+                <a16:creationId xmlns:a16="http://schemas.microsoft.com/office/drawing/2014/main" xmlns="" id="{94501782-B7C7-6842-976A-473B00DFA4A9}"/>
               </a:ext>
             </a:extLst>
           </p:cNvPr>
@@ -38980,7 +39212,7 @@
           <p:cNvPr id="3" name="Content Placeholder 2">
             <a:extLst>
               <a:ext uri="{FF2B5EF4-FFF2-40B4-BE49-F238E27FC236}">
-                <a16:creationId xmlns:a16="http://schemas.microsoft.com/office/drawing/2014/main" id="{C8090023-957A-D44A-9A68-C67904302C30}"/>
+                <a16:creationId xmlns:a16="http://schemas.microsoft.com/office/drawing/2014/main" xmlns="" id="{C8090023-957A-D44A-9A68-C67904302C30}"/>
               </a:ext>
             </a:extLst>
           </p:cNvPr>
@@ -39188,7 +39420,7 @@
           <p:cNvPr id="4" name="Slide Number Placeholder 3">
             <a:extLst>
               <a:ext uri="{FF2B5EF4-FFF2-40B4-BE49-F238E27FC236}">
-                <a16:creationId xmlns:a16="http://schemas.microsoft.com/office/drawing/2014/main" id="{C730120B-DC91-3A4B-9010-90A056D4691D}"/>
+                <a16:creationId xmlns:a16="http://schemas.microsoft.com/office/drawing/2014/main" xmlns="" id="{C730120B-DC91-3A4B-9010-90A056D4691D}"/>
               </a:ext>
             </a:extLst>
           </p:cNvPr>
@@ -39835,7 +40067,7 @@
           <p:cNvPr id="5" name="Table 4">
             <a:extLst>
               <a:ext uri="{FF2B5EF4-FFF2-40B4-BE49-F238E27FC236}">
-                <a16:creationId xmlns:a16="http://schemas.microsoft.com/office/drawing/2014/main" id="{192D9F72-9AFB-2643-B890-6AAD9D8AF5CB}"/>
+                <a16:creationId xmlns:a16="http://schemas.microsoft.com/office/drawing/2014/main" xmlns="" id="{192D9F72-9AFB-2643-B890-6AAD9D8AF5CB}"/>
               </a:ext>
             </a:extLst>
           </p:cNvPr>
@@ -39864,21 +40096,21 @@
                 <a:gridCol w="702830">
                   <a:extLst>
                     <a:ext uri="{9D8B030D-6E8A-4147-A177-3AD203B41FA5}">
-                      <a16:colId xmlns:a16="http://schemas.microsoft.com/office/drawing/2014/main" val="20000"/>
+                      <a16:colId xmlns:a16="http://schemas.microsoft.com/office/drawing/2014/main" xmlns="" val="20000"/>
                     </a:ext>
                   </a:extLst>
                 </a:gridCol>
                 <a:gridCol w="913679">
                   <a:extLst>
                     <a:ext uri="{9D8B030D-6E8A-4147-A177-3AD203B41FA5}">
-                      <a16:colId xmlns:a16="http://schemas.microsoft.com/office/drawing/2014/main" val="20001"/>
+                      <a16:colId xmlns:a16="http://schemas.microsoft.com/office/drawing/2014/main" xmlns="" val="20001"/>
                     </a:ext>
                   </a:extLst>
                 </a:gridCol>
                 <a:gridCol w="702830">
                   <a:extLst>
                     <a:ext uri="{9D8B030D-6E8A-4147-A177-3AD203B41FA5}">
-                      <a16:colId xmlns:a16="http://schemas.microsoft.com/office/drawing/2014/main" val="20002"/>
+                      <a16:colId xmlns:a16="http://schemas.microsoft.com/office/drawing/2014/main" xmlns="" val="20002"/>
                     </a:ext>
                   </a:extLst>
                 </a:gridCol>
@@ -39943,7 +40175,7 @@
                 </a:tc>
                 <a:extLst>
                   <a:ext uri="{0D108BD9-81ED-4DB2-BD59-A6C34878D82A}">
-                    <a16:rowId xmlns:a16="http://schemas.microsoft.com/office/drawing/2014/main" val="10000"/>
+                    <a16:rowId xmlns:a16="http://schemas.microsoft.com/office/drawing/2014/main" xmlns="" val="10000"/>
                   </a:ext>
                 </a:extLst>
               </a:tr>
@@ -39990,7 +40222,7 @@
                 </a:tc>
                 <a:extLst>
                   <a:ext uri="{0D108BD9-81ED-4DB2-BD59-A6C34878D82A}">
-                    <a16:rowId xmlns:a16="http://schemas.microsoft.com/office/drawing/2014/main" val="10002"/>
+                    <a16:rowId xmlns:a16="http://schemas.microsoft.com/office/drawing/2014/main" xmlns="" val="10002"/>
                   </a:ext>
                 </a:extLst>
               </a:tr>
@@ -40003,7 +40235,7 @@
           <p:cNvPr id="6" name="TextBox 5">
             <a:extLst>
               <a:ext uri="{FF2B5EF4-FFF2-40B4-BE49-F238E27FC236}">
-                <a16:creationId xmlns:a16="http://schemas.microsoft.com/office/drawing/2014/main" id="{2371588E-064F-AC4F-BFE4-407A10166E83}"/>
+                <a16:creationId xmlns:a16="http://schemas.microsoft.com/office/drawing/2014/main" xmlns="" id="{2371588E-064F-AC4F-BFE4-407A10166E83}"/>
               </a:ext>
             </a:extLst>
           </p:cNvPr>
@@ -40038,7 +40270,7 @@
           <p:cNvPr id="7" name="TextBox 6">
             <a:extLst>
               <a:ext uri="{FF2B5EF4-FFF2-40B4-BE49-F238E27FC236}">
-                <a16:creationId xmlns:a16="http://schemas.microsoft.com/office/drawing/2014/main" id="{04D966A4-B0FB-4543-A23B-1BDF1B411566}"/>
+                <a16:creationId xmlns:a16="http://schemas.microsoft.com/office/drawing/2014/main" xmlns="" id="{04D966A4-B0FB-4543-A23B-1BDF1B411566}"/>
               </a:ext>
             </a:extLst>
           </p:cNvPr>
@@ -40073,7 +40305,7 @@
           <p:cNvPr id="8" name="Table 7">
             <a:extLst>
               <a:ext uri="{FF2B5EF4-FFF2-40B4-BE49-F238E27FC236}">
-                <a16:creationId xmlns:a16="http://schemas.microsoft.com/office/drawing/2014/main" id="{E36A6B4C-04FB-AE4D-98E0-1258B880FA5E}"/>
+                <a16:creationId xmlns:a16="http://schemas.microsoft.com/office/drawing/2014/main" xmlns="" id="{E36A6B4C-04FB-AE4D-98E0-1258B880FA5E}"/>
               </a:ext>
             </a:extLst>
           </p:cNvPr>
@@ -40102,21 +40334,21 @@
                 <a:gridCol w="1477109">
                   <a:extLst>
                     <a:ext uri="{9D8B030D-6E8A-4147-A177-3AD203B41FA5}">
-                      <a16:colId xmlns:a16="http://schemas.microsoft.com/office/drawing/2014/main" val="20000"/>
+                      <a16:colId xmlns:a16="http://schemas.microsoft.com/office/drawing/2014/main" xmlns="" val="20000"/>
                     </a:ext>
                   </a:extLst>
                 </a:gridCol>
                 <a:gridCol w="598948">
                   <a:extLst>
                     <a:ext uri="{9D8B030D-6E8A-4147-A177-3AD203B41FA5}">
-                      <a16:colId xmlns:a16="http://schemas.microsoft.com/office/drawing/2014/main" val="20001"/>
+                      <a16:colId xmlns:a16="http://schemas.microsoft.com/office/drawing/2014/main" xmlns="" val="20001"/>
                     </a:ext>
                   </a:extLst>
                 </a:gridCol>
                 <a:gridCol w="1013674">
                   <a:extLst>
                     <a:ext uri="{9D8B030D-6E8A-4147-A177-3AD203B41FA5}">
-                      <a16:colId xmlns:a16="http://schemas.microsoft.com/office/drawing/2014/main" val="20002"/>
+                      <a16:colId xmlns:a16="http://schemas.microsoft.com/office/drawing/2014/main" xmlns="" val="20002"/>
                     </a:ext>
                   </a:extLst>
                 </a:gridCol>
@@ -40177,7 +40409,7 @@
                 </a:tc>
                 <a:extLst>
                   <a:ext uri="{0D108BD9-81ED-4DB2-BD59-A6C34878D82A}">
-                    <a16:rowId xmlns:a16="http://schemas.microsoft.com/office/drawing/2014/main" val="10000"/>
+                    <a16:rowId xmlns:a16="http://schemas.microsoft.com/office/drawing/2014/main" xmlns="" val="10000"/>
                   </a:ext>
                 </a:extLst>
               </a:tr>
@@ -40224,7 +40456,7 @@
                 </a:tc>
                 <a:extLst>
                   <a:ext uri="{0D108BD9-81ED-4DB2-BD59-A6C34878D82A}">
-                    <a16:rowId xmlns:a16="http://schemas.microsoft.com/office/drawing/2014/main" val="10001"/>
+                    <a16:rowId xmlns:a16="http://schemas.microsoft.com/office/drawing/2014/main" xmlns="" val="10001"/>
                   </a:ext>
                 </a:extLst>
               </a:tr>
@@ -40271,7 +40503,7 @@
                 </a:tc>
                 <a:extLst>
                   <a:ext uri="{0D108BD9-81ED-4DB2-BD59-A6C34878D82A}">
-                    <a16:rowId xmlns:a16="http://schemas.microsoft.com/office/drawing/2014/main" val="10002"/>
+                    <a16:rowId xmlns:a16="http://schemas.microsoft.com/office/drawing/2014/main" xmlns="" val="10002"/>
                   </a:ext>
                 </a:extLst>
               </a:tr>
@@ -40284,7 +40516,7 @@
           <p:cNvPr id="9" name="Table 8">
             <a:extLst>
               <a:ext uri="{FF2B5EF4-FFF2-40B4-BE49-F238E27FC236}">
-                <a16:creationId xmlns:a16="http://schemas.microsoft.com/office/drawing/2014/main" id="{498EB6DD-B6E3-0743-B26E-C2FD32682AB6}"/>
+                <a16:creationId xmlns:a16="http://schemas.microsoft.com/office/drawing/2014/main" xmlns="" id="{498EB6DD-B6E3-0743-B26E-C2FD32682AB6}"/>
               </a:ext>
             </a:extLst>
           </p:cNvPr>
@@ -40313,21 +40545,21 @@
                 <a:gridCol w="702830">
                   <a:extLst>
                     <a:ext uri="{9D8B030D-6E8A-4147-A177-3AD203B41FA5}">
-                      <a16:colId xmlns:a16="http://schemas.microsoft.com/office/drawing/2014/main" val="21001791"/>
+                      <a16:colId xmlns:a16="http://schemas.microsoft.com/office/drawing/2014/main" xmlns="" val="21001791"/>
                     </a:ext>
                   </a:extLst>
                 </a:gridCol>
                 <a:gridCol w="913679">
                   <a:extLst>
                     <a:ext uri="{9D8B030D-6E8A-4147-A177-3AD203B41FA5}">
-                      <a16:colId xmlns:a16="http://schemas.microsoft.com/office/drawing/2014/main" val="2462359779"/>
+                      <a16:colId xmlns:a16="http://schemas.microsoft.com/office/drawing/2014/main" xmlns="" val="2462359779"/>
                     </a:ext>
                   </a:extLst>
                 </a:gridCol>
                 <a:gridCol w="702830">
                   <a:extLst>
                     <a:ext uri="{9D8B030D-6E8A-4147-A177-3AD203B41FA5}">
-                      <a16:colId xmlns:a16="http://schemas.microsoft.com/office/drawing/2014/main" val="3448858290"/>
+                      <a16:colId xmlns:a16="http://schemas.microsoft.com/office/drawing/2014/main" xmlns="" val="3448858290"/>
                     </a:ext>
                   </a:extLst>
                 </a:gridCol>
@@ -40375,7 +40607,7 @@
                 </a:tc>
                 <a:extLst>
                   <a:ext uri="{0D108BD9-81ED-4DB2-BD59-A6C34878D82A}">
-                    <a16:rowId xmlns:a16="http://schemas.microsoft.com/office/drawing/2014/main" val="1367010675"/>
+                    <a16:rowId xmlns:a16="http://schemas.microsoft.com/office/drawing/2014/main" xmlns="" val="1367010675"/>
                   </a:ext>
                 </a:extLst>
               </a:tr>
@@ -40388,7 +40620,7 @@
           <p:cNvPr id="10" name="Table 9">
             <a:extLst>
               <a:ext uri="{FF2B5EF4-FFF2-40B4-BE49-F238E27FC236}">
-                <a16:creationId xmlns:a16="http://schemas.microsoft.com/office/drawing/2014/main" id="{F0B6F206-5F56-4748-9F1E-48EDB67140A8}"/>
+                <a16:creationId xmlns:a16="http://schemas.microsoft.com/office/drawing/2014/main" xmlns="" id="{F0B6F206-5F56-4748-9F1E-48EDB67140A8}"/>
               </a:ext>
             </a:extLst>
           </p:cNvPr>
@@ -40417,21 +40649,21 @@
                 <a:gridCol w="1477109">
                   <a:extLst>
                     <a:ext uri="{9D8B030D-6E8A-4147-A177-3AD203B41FA5}">
-                      <a16:colId xmlns:a16="http://schemas.microsoft.com/office/drawing/2014/main" val="3848068754"/>
+                      <a16:colId xmlns:a16="http://schemas.microsoft.com/office/drawing/2014/main" xmlns="" val="3848068754"/>
                     </a:ext>
                   </a:extLst>
                 </a:gridCol>
                 <a:gridCol w="598948">
                   <a:extLst>
                     <a:ext uri="{9D8B030D-6E8A-4147-A177-3AD203B41FA5}">
-                      <a16:colId xmlns:a16="http://schemas.microsoft.com/office/drawing/2014/main" val="716970141"/>
+                      <a16:colId xmlns:a16="http://schemas.microsoft.com/office/drawing/2014/main" xmlns="" val="716970141"/>
                     </a:ext>
                   </a:extLst>
                 </a:gridCol>
                 <a:gridCol w="1013674">
                   <a:extLst>
                     <a:ext uri="{9D8B030D-6E8A-4147-A177-3AD203B41FA5}">
-                      <a16:colId xmlns:a16="http://schemas.microsoft.com/office/drawing/2014/main" val="2973760246"/>
+                      <a16:colId xmlns:a16="http://schemas.microsoft.com/office/drawing/2014/main" xmlns="" val="2973760246"/>
                     </a:ext>
                   </a:extLst>
                 </a:gridCol>
@@ -40479,7 +40711,7 @@
                 </a:tc>
                 <a:extLst>
                   <a:ext uri="{0D108BD9-81ED-4DB2-BD59-A6C34878D82A}">
-                    <a16:rowId xmlns:a16="http://schemas.microsoft.com/office/drawing/2014/main" val="1024111891"/>
+                    <a16:rowId xmlns:a16="http://schemas.microsoft.com/office/drawing/2014/main" xmlns="" val="1024111891"/>
                   </a:ext>
                 </a:extLst>
               </a:tr>
@@ -40859,7 +41091,7 @@
           <p:cNvPr id="5" name="Table 4">
             <a:extLst>
               <a:ext uri="{FF2B5EF4-FFF2-40B4-BE49-F238E27FC236}">
-                <a16:creationId xmlns:a16="http://schemas.microsoft.com/office/drawing/2014/main" id="{192D9F72-9AFB-2643-B890-6AAD9D8AF5CB}"/>
+                <a16:creationId xmlns:a16="http://schemas.microsoft.com/office/drawing/2014/main" xmlns="" id="{192D9F72-9AFB-2643-B890-6AAD9D8AF5CB}"/>
               </a:ext>
             </a:extLst>
           </p:cNvPr>
@@ -40884,21 +41116,21 @@
                 <a:gridCol w="702830">
                   <a:extLst>
                     <a:ext uri="{9D8B030D-6E8A-4147-A177-3AD203B41FA5}">
-                      <a16:colId xmlns:a16="http://schemas.microsoft.com/office/drawing/2014/main" val="20000"/>
+                      <a16:colId xmlns:a16="http://schemas.microsoft.com/office/drawing/2014/main" xmlns="" val="20000"/>
                     </a:ext>
                   </a:extLst>
                 </a:gridCol>
                 <a:gridCol w="913679">
                   <a:extLst>
                     <a:ext uri="{9D8B030D-6E8A-4147-A177-3AD203B41FA5}">
-                      <a16:colId xmlns:a16="http://schemas.microsoft.com/office/drawing/2014/main" val="20001"/>
+                      <a16:colId xmlns:a16="http://schemas.microsoft.com/office/drawing/2014/main" xmlns="" val="20001"/>
                     </a:ext>
                   </a:extLst>
                 </a:gridCol>
                 <a:gridCol w="702830">
                   <a:extLst>
                     <a:ext uri="{9D8B030D-6E8A-4147-A177-3AD203B41FA5}">
-                      <a16:colId xmlns:a16="http://schemas.microsoft.com/office/drawing/2014/main" val="20002"/>
+                      <a16:colId xmlns:a16="http://schemas.microsoft.com/office/drawing/2014/main" xmlns="" val="20002"/>
                     </a:ext>
                   </a:extLst>
                 </a:gridCol>
@@ -40963,7 +41195,7 @@
                 </a:tc>
                 <a:extLst>
                   <a:ext uri="{0D108BD9-81ED-4DB2-BD59-A6C34878D82A}">
-                    <a16:rowId xmlns:a16="http://schemas.microsoft.com/office/drawing/2014/main" val="10000"/>
+                    <a16:rowId xmlns:a16="http://schemas.microsoft.com/office/drawing/2014/main" xmlns="" val="10000"/>
                   </a:ext>
                 </a:extLst>
               </a:tr>
@@ -41010,7 +41242,7 @@
                 </a:tc>
                 <a:extLst>
                   <a:ext uri="{0D108BD9-81ED-4DB2-BD59-A6C34878D82A}">
-                    <a16:rowId xmlns:a16="http://schemas.microsoft.com/office/drawing/2014/main" val="10002"/>
+                    <a16:rowId xmlns:a16="http://schemas.microsoft.com/office/drawing/2014/main" xmlns="" val="10002"/>
                   </a:ext>
                 </a:extLst>
               </a:tr>
@@ -41023,7 +41255,7 @@
           <p:cNvPr id="6" name="TextBox 5">
             <a:extLst>
               <a:ext uri="{FF2B5EF4-FFF2-40B4-BE49-F238E27FC236}">
-                <a16:creationId xmlns:a16="http://schemas.microsoft.com/office/drawing/2014/main" id="{2371588E-064F-AC4F-BFE4-407A10166E83}"/>
+                <a16:creationId xmlns:a16="http://schemas.microsoft.com/office/drawing/2014/main" xmlns="" id="{2371588E-064F-AC4F-BFE4-407A10166E83}"/>
               </a:ext>
             </a:extLst>
           </p:cNvPr>
@@ -41058,7 +41290,7 @@
           <p:cNvPr id="7" name="TextBox 6">
             <a:extLst>
               <a:ext uri="{FF2B5EF4-FFF2-40B4-BE49-F238E27FC236}">
-                <a16:creationId xmlns:a16="http://schemas.microsoft.com/office/drawing/2014/main" id="{04D966A4-B0FB-4543-A23B-1BDF1B411566}"/>
+                <a16:creationId xmlns:a16="http://schemas.microsoft.com/office/drawing/2014/main" xmlns="" id="{04D966A4-B0FB-4543-A23B-1BDF1B411566}"/>
               </a:ext>
             </a:extLst>
           </p:cNvPr>
@@ -41093,7 +41325,7 @@
           <p:cNvPr id="8" name="Table 7">
             <a:extLst>
               <a:ext uri="{FF2B5EF4-FFF2-40B4-BE49-F238E27FC236}">
-                <a16:creationId xmlns:a16="http://schemas.microsoft.com/office/drawing/2014/main" id="{E36A6B4C-04FB-AE4D-98E0-1258B880FA5E}"/>
+                <a16:creationId xmlns:a16="http://schemas.microsoft.com/office/drawing/2014/main" xmlns="" id="{E36A6B4C-04FB-AE4D-98E0-1258B880FA5E}"/>
               </a:ext>
             </a:extLst>
           </p:cNvPr>
@@ -41118,21 +41350,21 @@
                 <a:gridCol w="1477109">
                   <a:extLst>
                     <a:ext uri="{9D8B030D-6E8A-4147-A177-3AD203B41FA5}">
-                      <a16:colId xmlns:a16="http://schemas.microsoft.com/office/drawing/2014/main" val="20000"/>
+                      <a16:colId xmlns:a16="http://schemas.microsoft.com/office/drawing/2014/main" xmlns="" val="20000"/>
                     </a:ext>
                   </a:extLst>
                 </a:gridCol>
                 <a:gridCol w="598948">
                   <a:extLst>
                     <a:ext uri="{9D8B030D-6E8A-4147-A177-3AD203B41FA5}">
-                      <a16:colId xmlns:a16="http://schemas.microsoft.com/office/drawing/2014/main" val="20001"/>
+                      <a16:colId xmlns:a16="http://schemas.microsoft.com/office/drawing/2014/main" xmlns="" val="20001"/>
                     </a:ext>
                   </a:extLst>
                 </a:gridCol>
                 <a:gridCol w="1013674">
                   <a:extLst>
                     <a:ext uri="{9D8B030D-6E8A-4147-A177-3AD203B41FA5}">
-                      <a16:colId xmlns:a16="http://schemas.microsoft.com/office/drawing/2014/main" val="20002"/>
+                      <a16:colId xmlns:a16="http://schemas.microsoft.com/office/drawing/2014/main" xmlns="" val="20002"/>
                     </a:ext>
                   </a:extLst>
                 </a:gridCol>
@@ -41193,7 +41425,7 @@
                 </a:tc>
                 <a:extLst>
                   <a:ext uri="{0D108BD9-81ED-4DB2-BD59-A6C34878D82A}">
-                    <a16:rowId xmlns:a16="http://schemas.microsoft.com/office/drawing/2014/main" val="10000"/>
+                    <a16:rowId xmlns:a16="http://schemas.microsoft.com/office/drawing/2014/main" xmlns="" val="10000"/>
                   </a:ext>
                 </a:extLst>
               </a:tr>
@@ -41240,7 +41472,7 @@
                 </a:tc>
                 <a:extLst>
                   <a:ext uri="{0D108BD9-81ED-4DB2-BD59-A6C34878D82A}">
-                    <a16:rowId xmlns:a16="http://schemas.microsoft.com/office/drawing/2014/main" val="10001"/>
+                    <a16:rowId xmlns:a16="http://schemas.microsoft.com/office/drawing/2014/main" xmlns="" val="10001"/>
                   </a:ext>
                 </a:extLst>
               </a:tr>
@@ -41287,7 +41519,7 @@
                 </a:tc>
                 <a:extLst>
                   <a:ext uri="{0D108BD9-81ED-4DB2-BD59-A6C34878D82A}">
-                    <a16:rowId xmlns:a16="http://schemas.microsoft.com/office/drawing/2014/main" val="10002"/>
+                    <a16:rowId xmlns:a16="http://schemas.microsoft.com/office/drawing/2014/main" xmlns="" val="10002"/>
                   </a:ext>
                 </a:extLst>
               </a:tr>
@@ -41300,7 +41532,7 @@
           <p:cNvPr id="9" name="Table 8">
             <a:extLst>
               <a:ext uri="{FF2B5EF4-FFF2-40B4-BE49-F238E27FC236}">
-                <a16:creationId xmlns:a16="http://schemas.microsoft.com/office/drawing/2014/main" id="{498EB6DD-B6E3-0743-B26E-C2FD32682AB6}"/>
+                <a16:creationId xmlns:a16="http://schemas.microsoft.com/office/drawing/2014/main" xmlns="" id="{498EB6DD-B6E3-0743-B26E-C2FD32682AB6}"/>
               </a:ext>
             </a:extLst>
           </p:cNvPr>
@@ -41323,21 +41555,21 @@
                 <a:gridCol w="702830">
                   <a:extLst>
                     <a:ext uri="{9D8B030D-6E8A-4147-A177-3AD203B41FA5}">
-                      <a16:colId xmlns:a16="http://schemas.microsoft.com/office/drawing/2014/main" val="21001791"/>
+                      <a16:colId xmlns:a16="http://schemas.microsoft.com/office/drawing/2014/main" xmlns="" val="21001791"/>
                     </a:ext>
                   </a:extLst>
                 </a:gridCol>
                 <a:gridCol w="913679">
                   <a:extLst>
                     <a:ext uri="{9D8B030D-6E8A-4147-A177-3AD203B41FA5}">
-                      <a16:colId xmlns:a16="http://schemas.microsoft.com/office/drawing/2014/main" val="2462359779"/>
+                      <a16:colId xmlns:a16="http://schemas.microsoft.com/office/drawing/2014/main" xmlns="" val="2462359779"/>
                     </a:ext>
                   </a:extLst>
                 </a:gridCol>
                 <a:gridCol w="702830">
                   <a:extLst>
                     <a:ext uri="{9D8B030D-6E8A-4147-A177-3AD203B41FA5}">
-                      <a16:colId xmlns:a16="http://schemas.microsoft.com/office/drawing/2014/main" val="3448858290"/>
+                      <a16:colId xmlns:a16="http://schemas.microsoft.com/office/drawing/2014/main" xmlns="" val="3448858290"/>
                     </a:ext>
                   </a:extLst>
                 </a:gridCol>
@@ -41385,7 +41617,7 @@
                 </a:tc>
                 <a:extLst>
                   <a:ext uri="{0D108BD9-81ED-4DB2-BD59-A6C34878D82A}">
-                    <a16:rowId xmlns:a16="http://schemas.microsoft.com/office/drawing/2014/main" val="1367010675"/>
+                    <a16:rowId xmlns:a16="http://schemas.microsoft.com/office/drawing/2014/main" xmlns="" val="1367010675"/>
                   </a:ext>
                 </a:extLst>
               </a:tr>
@@ -41398,7 +41630,7 @@
           <p:cNvPr id="10" name="Table 9">
             <a:extLst>
               <a:ext uri="{FF2B5EF4-FFF2-40B4-BE49-F238E27FC236}">
-                <a16:creationId xmlns:a16="http://schemas.microsoft.com/office/drawing/2014/main" id="{F0B6F206-5F56-4748-9F1E-48EDB67140A8}"/>
+                <a16:creationId xmlns:a16="http://schemas.microsoft.com/office/drawing/2014/main" xmlns="" id="{F0B6F206-5F56-4748-9F1E-48EDB67140A8}"/>
               </a:ext>
             </a:extLst>
           </p:cNvPr>
@@ -41423,21 +41655,21 @@
                 <a:gridCol w="1477109">
                   <a:extLst>
                     <a:ext uri="{9D8B030D-6E8A-4147-A177-3AD203B41FA5}">
-                      <a16:colId xmlns:a16="http://schemas.microsoft.com/office/drawing/2014/main" val="3848068754"/>
+                      <a16:colId xmlns:a16="http://schemas.microsoft.com/office/drawing/2014/main" xmlns="" val="3848068754"/>
                     </a:ext>
                   </a:extLst>
                 </a:gridCol>
                 <a:gridCol w="598948">
                   <a:extLst>
                     <a:ext uri="{9D8B030D-6E8A-4147-A177-3AD203B41FA5}">
-                      <a16:colId xmlns:a16="http://schemas.microsoft.com/office/drawing/2014/main" val="716970141"/>
+                      <a16:colId xmlns:a16="http://schemas.microsoft.com/office/drawing/2014/main" xmlns="" val="716970141"/>
                     </a:ext>
                   </a:extLst>
                 </a:gridCol>
                 <a:gridCol w="1013674">
                   <a:extLst>
                     <a:ext uri="{9D8B030D-6E8A-4147-A177-3AD203B41FA5}">
-                      <a16:colId xmlns:a16="http://schemas.microsoft.com/office/drawing/2014/main" val="2973760246"/>
+                      <a16:colId xmlns:a16="http://schemas.microsoft.com/office/drawing/2014/main" xmlns="" val="2973760246"/>
                     </a:ext>
                   </a:extLst>
                 </a:gridCol>
@@ -41485,7 +41717,7 @@
                 </a:tc>
                 <a:extLst>
                   <a:ext uri="{0D108BD9-81ED-4DB2-BD59-A6C34878D82A}">
-                    <a16:rowId xmlns:a16="http://schemas.microsoft.com/office/drawing/2014/main" val="1024111891"/>
+                    <a16:rowId xmlns:a16="http://schemas.microsoft.com/office/drawing/2014/main" xmlns="" val="1024111891"/>
                   </a:ext>
                 </a:extLst>
               </a:tr>
@@ -42369,7 +42601,7 @@
           <p:cNvPr id="5" name="Table 4">
             <a:extLst>
               <a:ext uri="{FF2B5EF4-FFF2-40B4-BE49-F238E27FC236}">
-                <a16:creationId xmlns:a16="http://schemas.microsoft.com/office/drawing/2014/main" id="{192D9F72-9AFB-2643-B890-6AAD9D8AF5CB}"/>
+                <a16:creationId xmlns:a16="http://schemas.microsoft.com/office/drawing/2014/main" xmlns="" id="{192D9F72-9AFB-2643-B890-6AAD9D8AF5CB}"/>
               </a:ext>
             </a:extLst>
           </p:cNvPr>
@@ -42394,21 +42626,21 @@
                 <a:gridCol w="702830">
                   <a:extLst>
                     <a:ext uri="{9D8B030D-6E8A-4147-A177-3AD203B41FA5}">
-                      <a16:colId xmlns:a16="http://schemas.microsoft.com/office/drawing/2014/main" val="20000"/>
+                      <a16:colId xmlns:a16="http://schemas.microsoft.com/office/drawing/2014/main" xmlns="" val="20000"/>
                     </a:ext>
                   </a:extLst>
                 </a:gridCol>
                 <a:gridCol w="913679">
                   <a:extLst>
                     <a:ext uri="{9D8B030D-6E8A-4147-A177-3AD203B41FA5}">
-                      <a16:colId xmlns:a16="http://schemas.microsoft.com/office/drawing/2014/main" val="20001"/>
+                      <a16:colId xmlns:a16="http://schemas.microsoft.com/office/drawing/2014/main" xmlns="" val="20001"/>
                     </a:ext>
                   </a:extLst>
                 </a:gridCol>
                 <a:gridCol w="702830">
                   <a:extLst>
                     <a:ext uri="{9D8B030D-6E8A-4147-A177-3AD203B41FA5}">
-                      <a16:colId xmlns:a16="http://schemas.microsoft.com/office/drawing/2014/main" val="20002"/>
+                      <a16:colId xmlns:a16="http://schemas.microsoft.com/office/drawing/2014/main" xmlns="" val="20002"/>
                     </a:ext>
                   </a:extLst>
                 </a:gridCol>
@@ -42473,7 +42705,7 @@
                 </a:tc>
                 <a:extLst>
                   <a:ext uri="{0D108BD9-81ED-4DB2-BD59-A6C34878D82A}">
-                    <a16:rowId xmlns:a16="http://schemas.microsoft.com/office/drawing/2014/main" val="10000"/>
+                    <a16:rowId xmlns:a16="http://schemas.microsoft.com/office/drawing/2014/main" xmlns="" val="10000"/>
                   </a:ext>
                 </a:extLst>
               </a:tr>
@@ -42520,7 +42752,7 @@
                 </a:tc>
                 <a:extLst>
                   <a:ext uri="{0D108BD9-81ED-4DB2-BD59-A6C34878D82A}">
-                    <a16:rowId xmlns:a16="http://schemas.microsoft.com/office/drawing/2014/main" val="10002"/>
+                    <a16:rowId xmlns:a16="http://schemas.microsoft.com/office/drawing/2014/main" xmlns="" val="10002"/>
                   </a:ext>
                 </a:extLst>
               </a:tr>
@@ -42533,7 +42765,7 @@
           <p:cNvPr id="6" name="TextBox 5">
             <a:extLst>
               <a:ext uri="{FF2B5EF4-FFF2-40B4-BE49-F238E27FC236}">
-                <a16:creationId xmlns:a16="http://schemas.microsoft.com/office/drawing/2014/main" id="{2371588E-064F-AC4F-BFE4-407A10166E83}"/>
+                <a16:creationId xmlns:a16="http://schemas.microsoft.com/office/drawing/2014/main" xmlns="" id="{2371588E-064F-AC4F-BFE4-407A10166E83}"/>
               </a:ext>
             </a:extLst>
           </p:cNvPr>
@@ -42568,7 +42800,7 @@
           <p:cNvPr id="7" name="TextBox 6">
             <a:extLst>
               <a:ext uri="{FF2B5EF4-FFF2-40B4-BE49-F238E27FC236}">
-                <a16:creationId xmlns:a16="http://schemas.microsoft.com/office/drawing/2014/main" id="{04D966A4-B0FB-4543-A23B-1BDF1B411566}"/>
+                <a16:creationId xmlns:a16="http://schemas.microsoft.com/office/drawing/2014/main" xmlns="" id="{04D966A4-B0FB-4543-A23B-1BDF1B411566}"/>
               </a:ext>
             </a:extLst>
           </p:cNvPr>
@@ -42603,7 +42835,7 @@
           <p:cNvPr id="8" name="Table 7">
             <a:extLst>
               <a:ext uri="{FF2B5EF4-FFF2-40B4-BE49-F238E27FC236}">
-                <a16:creationId xmlns:a16="http://schemas.microsoft.com/office/drawing/2014/main" id="{E36A6B4C-04FB-AE4D-98E0-1258B880FA5E}"/>
+                <a16:creationId xmlns:a16="http://schemas.microsoft.com/office/drawing/2014/main" xmlns="" id="{E36A6B4C-04FB-AE4D-98E0-1258B880FA5E}"/>
               </a:ext>
             </a:extLst>
           </p:cNvPr>
@@ -42628,21 +42860,21 @@
                 <a:gridCol w="1477109">
                   <a:extLst>
                     <a:ext uri="{9D8B030D-6E8A-4147-A177-3AD203B41FA5}">
-                      <a16:colId xmlns:a16="http://schemas.microsoft.com/office/drawing/2014/main" val="20000"/>
+                      <a16:colId xmlns:a16="http://schemas.microsoft.com/office/drawing/2014/main" xmlns="" val="20000"/>
                     </a:ext>
                   </a:extLst>
                 </a:gridCol>
                 <a:gridCol w="598948">
                   <a:extLst>
                     <a:ext uri="{9D8B030D-6E8A-4147-A177-3AD203B41FA5}">
-                      <a16:colId xmlns:a16="http://schemas.microsoft.com/office/drawing/2014/main" val="20001"/>
+                      <a16:colId xmlns:a16="http://schemas.microsoft.com/office/drawing/2014/main" xmlns="" val="20001"/>
                     </a:ext>
                   </a:extLst>
                 </a:gridCol>
                 <a:gridCol w="1013674">
                   <a:extLst>
                     <a:ext uri="{9D8B030D-6E8A-4147-A177-3AD203B41FA5}">
-                      <a16:colId xmlns:a16="http://schemas.microsoft.com/office/drawing/2014/main" val="20002"/>
+                      <a16:colId xmlns:a16="http://schemas.microsoft.com/office/drawing/2014/main" xmlns="" val="20002"/>
                     </a:ext>
                   </a:extLst>
                 </a:gridCol>
@@ -42703,7 +42935,7 @@
                 </a:tc>
                 <a:extLst>
                   <a:ext uri="{0D108BD9-81ED-4DB2-BD59-A6C34878D82A}">
-                    <a16:rowId xmlns:a16="http://schemas.microsoft.com/office/drawing/2014/main" val="10000"/>
+                    <a16:rowId xmlns:a16="http://schemas.microsoft.com/office/drawing/2014/main" xmlns="" val="10000"/>
                   </a:ext>
                 </a:extLst>
               </a:tr>
@@ -42750,7 +42982,7 @@
                 </a:tc>
                 <a:extLst>
                   <a:ext uri="{0D108BD9-81ED-4DB2-BD59-A6C34878D82A}">
-                    <a16:rowId xmlns:a16="http://schemas.microsoft.com/office/drawing/2014/main" val="10001"/>
+                    <a16:rowId xmlns:a16="http://schemas.microsoft.com/office/drawing/2014/main" xmlns="" val="10001"/>
                   </a:ext>
                 </a:extLst>
               </a:tr>
@@ -42797,7 +43029,7 @@
                 </a:tc>
                 <a:extLst>
                   <a:ext uri="{0D108BD9-81ED-4DB2-BD59-A6C34878D82A}">
-                    <a16:rowId xmlns:a16="http://schemas.microsoft.com/office/drawing/2014/main" val="10002"/>
+                    <a16:rowId xmlns:a16="http://schemas.microsoft.com/office/drawing/2014/main" xmlns="" val="10002"/>
                   </a:ext>
                 </a:extLst>
               </a:tr>
@@ -42810,7 +43042,7 @@
           <p:cNvPr id="9" name="Table 8">
             <a:extLst>
               <a:ext uri="{FF2B5EF4-FFF2-40B4-BE49-F238E27FC236}">
-                <a16:creationId xmlns:a16="http://schemas.microsoft.com/office/drawing/2014/main" id="{498EB6DD-B6E3-0743-B26E-C2FD32682AB6}"/>
+                <a16:creationId xmlns:a16="http://schemas.microsoft.com/office/drawing/2014/main" xmlns="" id="{498EB6DD-B6E3-0743-B26E-C2FD32682AB6}"/>
               </a:ext>
             </a:extLst>
           </p:cNvPr>
@@ -42833,21 +43065,21 @@
                 <a:gridCol w="702830">
                   <a:extLst>
                     <a:ext uri="{9D8B030D-6E8A-4147-A177-3AD203B41FA5}">
-                      <a16:colId xmlns:a16="http://schemas.microsoft.com/office/drawing/2014/main" val="21001791"/>
+                      <a16:colId xmlns:a16="http://schemas.microsoft.com/office/drawing/2014/main" xmlns="" val="21001791"/>
                     </a:ext>
                   </a:extLst>
                 </a:gridCol>
                 <a:gridCol w="913679">
                   <a:extLst>
                     <a:ext uri="{9D8B030D-6E8A-4147-A177-3AD203B41FA5}">
-                      <a16:colId xmlns:a16="http://schemas.microsoft.com/office/drawing/2014/main" val="2462359779"/>
+                      <a16:colId xmlns:a16="http://schemas.microsoft.com/office/drawing/2014/main" xmlns="" val="2462359779"/>
                     </a:ext>
                   </a:extLst>
                 </a:gridCol>
                 <a:gridCol w="702830">
                   <a:extLst>
                     <a:ext uri="{9D8B030D-6E8A-4147-A177-3AD203B41FA5}">
-                      <a16:colId xmlns:a16="http://schemas.microsoft.com/office/drawing/2014/main" val="3448858290"/>
+                      <a16:colId xmlns:a16="http://schemas.microsoft.com/office/drawing/2014/main" xmlns="" val="3448858290"/>
                     </a:ext>
                   </a:extLst>
                 </a:gridCol>
@@ -42895,7 +43127,7 @@
                 </a:tc>
                 <a:extLst>
                   <a:ext uri="{0D108BD9-81ED-4DB2-BD59-A6C34878D82A}">
-                    <a16:rowId xmlns:a16="http://schemas.microsoft.com/office/drawing/2014/main" val="1367010675"/>
+                    <a16:rowId xmlns:a16="http://schemas.microsoft.com/office/drawing/2014/main" xmlns="" val="1367010675"/>
                   </a:ext>
                 </a:extLst>
               </a:tr>
@@ -42908,7 +43140,7 @@
           <p:cNvPr id="10" name="Table 9">
             <a:extLst>
               <a:ext uri="{FF2B5EF4-FFF2-40B4-BE49-F238E27FC236}">
-                <a16:creationId xmlns:a16="http://schemas.microsoft.com/office/drawing/2014/main" id="{F0B6F206-5F56-4748-9F1E-48EDB67140A8}"/>
+                <a16:creationId xmlns:a16="http://schemas.microsoft.com/office/drawing/2014/main" xmlns="" id="{F0B6F206-5F56-4748-9F1E-48EDB67140A8}"/>
               </a:ext>
             </a:extLst>
           </p:cNvPr>
@@ -42933,21 +43165,21 @@
                 <a:gridCol w="1477109">
                   <a:extLst>
                     <a:ext uri="{9D8B030D-6E8A-4147-A177-3AD203B41FA5}">
-                      <a16:colId xmlns:a16="http://schemas.microsoft.com/office/drawing/2014/main" val="3848068754"/>
+                      <a16:colId xmlns:a16="http://schemas.microsoft.com/office/drawing/2014/main" xmlns="" val="3848068754"/>
                     </a:ext>
                   </a:extLst>
                 </a:gridCol>
                 <a:gridCol w="598948">
                   <a:extLst>
                     <a:ext uri="{9D8B030D-6E8A-4147-A177-3AD203B41FA5}">
-                      <a16:colId xmlns:a16="http://schemas.microsoft.com/office/drawing/2014/main" val="716970141"/>
+                      <a16:colId xmlns:a16="http://schemas.microsoft.com/office/drawing/2014/main" xmlns="" val="716970141"/>
                     </a:ext>
                   </a:extLst>
                 </a:gridCol>
                 <a:gridCol w="1013674">
                   <a:extLst>
                     <a:ext uri="{9D8B030D-6E8A-4147-A177-3AD203B41FA5}">
-                      <a16:colId xmlns:a16="http://schemas.microsoft.com/office/drawing/2014/main" val="2973760246"/>
+                      <a16:colId xmlns:a16="http://schemas.microsoft.com/office/drawing/2014/main" xmlns="" val="2973760246"/>
                     </a:ext>
                   </a:extLst>
                 </a:gridCol>
@@ -42995,7 +43227,7 @@
                 </a:tc>
                 <a:extLst>
                   <a:ext uri="{0D108BD9-81ED-4DB2-BD59-A6C34878D82A}">
-                    <a16:rowId xmlns:a16="http://schemas.microsoft.com/office/drawing/2014/main" val="1024111891"/>
+                    <a16:rowId xmlns:a16="http://schemas.microsoft.com/office/drawing/2014/main" xmlns="" val="1024111891"/>
                   </a:ext>
                 </a:extLst>
               </a:tr>
@@ -43460,7 +43692,7 @@
           <p:cNvPr id="5" name="Table 4">
             <a:extLst>
               <a:ext uri="{FF2B5EF4-FFF2-40B4-BE49-F238E27FC236}">
-                <a16:creationId xmlns:a16="http://schemas.microsoft.com/office/drawing/2014/main" id="{192D9F72-9AFB-2643-B890-6AAD9D8AF5CB}"/>
+                <a16:creationId xmlns:a16="http://schemas.microsoft.com/office/drawing/2014/main" xmlns="" id="{192D9F72-9AFB-2643-B890-6AAD9D8AF5CB}"/>
               </a:ext>
             </a:extLst>
           </p:cNvPr>
@@ -43485,21 +43717,21 @@
                 <a:gridCol w="702830">
                   <a:extLst>
                     <a:ext uri="{9D8B030D-6E8A-4147-A177-3AD203B41FA5}">
-                      <a16:colId xmlns:a16="http://schemas.microsoft.com/office/drawing/2014/main" val="20000"/>
+                      <a16:colId xmlns:a16="http://schemas.microsoft.com/office/drawing/2014/main" xmlns="" val="20000"/>
                     </a:ext>
                   </a:extLst>
                 </a:gridCol>
                 <a:gridCol w="913679">
                   <a:extLst>
                     <a:ext uri="{9D8B030D-6E8A-4147-A177-3AD203B41FA5}">
-                      <a16:colId xmlns:a16="http://schemas.microsoft.com/office/drawing/2014/main" val="20001"/>
+                      <a16:colId xmlns:a16="http://schemas.microsoft.com/office/drawing/2014/main" xmlns="" val="20001"/>
                     </a:ext>
                   </a:extLst>
                 </a:gridCol>
                 <a:gridCol w="702830">
                   <a:extLst>
                     <a:ext uri="{9D8B030D-6E8A-4147-A177-3AD203B41FA5}">
-                      <a16:colId xmlns:a16="http://schemas.microsoft.com/office/drawing/2014/main" val="20002"/>
+                      <a16:colId xmlns:a16="http://schemas.microsoft.com/office/drawing/2014/main" xmlns="" val="20002"/>
                     </a:ext>
                   </a:extLst>
                 </a:gridCol>
@@ -43564,7 +43796,7 @@
                 </a:tc>
                 <a:extLst>
                   <a:ext uri="{0D108BD9-81ED-4DB2-BD59-A6C34878D82A}">
-                    <a16:rowId xmlns:a16="http://schemas.microsoft.com/office/drawing/2014/main" val="10000"/>
+                    <a16:rowId xmlns:a16="http://schemas.microsoft.com/office/drawing/2014/main" xmlns="" val="10000"/>
                   </a:ext>
                 </a:extLst>
               </a:tr>
@@ -43611,7 +43843,7 @@
                 </a:tc>
                 <a:extLst>
                   <a:ext uri="{0D108BD9-81ED-4DB2-BD59-A6C34878D82A}">
-                    <a16:rowId xmlns:a16="http://schemas.microsoft.com/office/drawing/2014/main" val="10002"/>
+                    <a16:rowId xmlns:a16="http://schemas.microsoft.com/office/drawing/2014/main" xmlns="" val="10002"/>
                   </a:ext>
                 </a:extLst>
               </a:tr>
@@ -43624,7 +43856,7 @@
           <p:cNvPr id="6" name="TextBox 5">
             <a:extLst>
               <a:ext uri="{FF2B5EF4-FFF2-40B4-BE49-F238E27FC236}">
-                <a16:creationId xmlns:a16="http://schemas.microsoft.com/office/drawing/2014/main" id="{2371588E-064F-AC4F-BFE4-407A10166E83}"/>
+                <a16:creationId xmlns:a16="http://schemas.microsoft.com/office/drawing/2014/main" xmlns="" id="{2371588E-064F-AC4F-BFE4-407A10166E83}"/>
               </a:ext>
             </a:extLst>
           </p:cNvPr>
@@ -43659,7 +43891,7 @@
           <p:cNvPr id="7" name="TextBox 6">
             <a:extLst>
               <a:ext uri="{FF2B5EF4-FFF2-40B4-BE49-F238E27FC236}">
-                <a16:creationId xmlns:a16="http://schemas.microsoft.com/office/drawing/2014/main" id="{04D966A4-B0FB-4543-A23B-1BDF1B411566}"/>
+                <a16:creationId xmlns:a16="http://schemas.microsoft.com/office/drawing/2014/main" xmlns="" id="{04D966A4-B0FB-4543-A23B-1BDF1B411566}"/>
               </a:ext>
             </a:extLst>
           </p:cNvPr>
@@ -43694,7 +43926,7 @@
           <p:cNvPr id="8" name="Table 7">
             <a:extLst>
               <a:ext uri="{FF2B5EF4-FFF2-40B4-BE49-F238E27FC236}">
-                <a16:creationId xmlns:a16="http://schemas.microsoft.com/office/drawing/2014/main" id="{E36A6B4C-04FB-AE4D-98E0-1258B880FA5E}"/>
+                <a16:creationId xmlns:a16="http://schemas.microsoft.com/office/drawing/2014/main" xmlns="" id="{E36A6B4C-04FB-AE4D-98E0-1258B880FA5E}"/>
               </a:ext>
             </a:extLst>
           </p:cNvPr>
@@ -43719,21 +43951,21 @@
                 <a:gridCol w="1477109">
                   <a:extLst>
                     <a:ext uri="{9D8B030D-6E8A-4147-A177-3AD203B41FA5}">
-                      <a16:colId xmlns:a16="http://schemas.microsoft.com/office/drawing/2014/main" val="20000"/>
+                      <a16:colId xmlns:a16="http://schemas.microsoft.com/office/drawing/2014/main" xmlns="" val="20000"/>
                     </a:ext>
                   </a:extLst>
                 </a:gridCol>
                 <a:gridCol w="598948">
                   <a:extLst>
                     <a:ext uri="{9D8B030D-6E8A-4147-A177-3AD203B41FA5}">
-                      <a16:colId xmlns:a16="http://schemas.microsoft.com/office/drawing/2014/main" val="20001"/>
+                      <a16:colId xmlns:a16="http://schemas.microsoft.com/office/drawing/2014/main" xmlns="" val="20001"/>
                     </a:ext>
                   </a:extLst>
                 </a:gridCol>
                 <a:gridCol w="1013674">
                   <a:extLst>
                     <a:ext uri="{9D8B030D-6E8A-4147-A177-3AD203B41FA5}">
-                      <a16:colId xmlns:a16="http://schemas.microsoft.com/office/drawing/2014/main" val="20002"/>
+                      <a16:colId xmlns:a16="http://schemas.microsoft.com/office/drawing/2014/main" xmlns="" val="20002"/>
                     </a:ext>
                   </a:extLst>
                 </a:gridCol>
@@ -43794,7 +44026,7 @@
                 </a:tc>
                 <a:extLst>
                   <a:ext uri="{0D108BD9-81ED-4DB2-BD59-A6C34878D82A}">
-                    <a16:rowId xmlns:a16="http://schemas.microsoft.com/office/drawing/2014/main" val="10000"/>
+                    <a16:rowId xmlns:a16="http://schemas.microsoft.com/office/drawing/2014/main" xmlns="" val="10000"/>
                   </a:ext>
                 </a:extLst>
               </a:tr>
@@ -43841,7 +44073,7 @@
                 </a:tc>
                 <a:extLst>
                   <a:ext uri="{0D108BD9-81ED-4DB2-BD59-A6C34878D82A}">
-                    <a16:rowId xmlns:a16="http://schemas.microsoft.com/office/drawing/2014/main" val="10001"/>
+                    <a16:rowId xmlns:a16="http://schemas.microsoft.com/office/drawing/2014/main" xmlns="" val="10001"/>
                   </a:ext>
                 </a:extLst>
               </a:tr>
@@ -43888,7 +44120,7 @@
                 </a:tc>
                 <a:extLst>
                   <a:ext uri="{0D108BD9-81ED-4DB2-BD59-A6C34878D82A}">
-                    <a16:rowId xmlns:a16="http://schemas.microsoft.com/office/drawing/2014/main" val="10002"/>
+                    <a16:rowId xmlns:a16="http://schemas.microsoft.com/office/drawing/2014/main" xmlns="" val="10002"/>
                   </a:ext>
                 </a:extLst>
               </a:tr>
@@ -43901,7 +44133,7 @@
           <p:cNvPr id="9" name="Table 8">
             <a:extLst>
               <a:ext uri="{FF2B5EF4-FFF2-40B4-BE49-F238E27FC236}">
-                <a16:creationId xmlns:a16="http://schemas.microsoft.com/office/drawing/2014/main" id="{498EB6DD-B6E3-0743-B26E-C2FD32682AB6}"/>
+                <a16:creationId xmlns:a16="http://schemas.microsoft.com/office/drawing/2014/main" xmlns="" id="{498EB6DD-B6E3-0743-B26E-C2FD32682AB6}"/>
               </a:ext>
             </a:extLst>
           </p:cNvPr>
@@ -43924,21 +44156,21 @@
                 <a:gridCol w="702830">
                   <a:extLst>
                     <a:ext uri="{9D8B030D-6E8A-4147-A177-3AD203B41FA5}">
-                      <a16:colId xmlns:a16="http://schemas.microsoft.com/office/drawing/2014/main" val="21001791"/>
+                      <a16:colId xmlns:a16="http://schemas.microsoft.com/office/drawing/2014/main" xmlns="" val="21001791"/>
                     </a:ext>
                   </a:extLst>
                 </a:gridCol>
                 <a:gridCol w="913679">
                   <a:extLst>
                     <a:ext uri="{9D8B030D-6E8A-4147-A177-3AD203B41FA5}">
-                      <a16:colId xmlns:a16="http://schemas.microsoft.com/office/drawing/2014/main" val="2462359779"/>
+                      <a16:colId xmlns:a16="http://schemas.microsoft.com/office/drawing/2014/main" xmlns="" val="2462359779"/>
                     </a:ext>
                   </a:extLst>
                 </a:gridCol>
                 <a:gridCol w="702830">
                   <a:extLst>
                     <a:ext uri="{9D8B030D-6E8A-4147-A177-3AD203B41FA5}">
-                      <a16:colId xmlns:a16="http://schemas.microsoft.com/office/drawing/2014/main" val="3448858290"/>
+                      <a16:colId xmlns:a16="http://schemas.microsoft.com/office/drawing/2014/main" xmlns="" val="3448858290"/>
                     </a:ext>
                   </a:extLst>
                 </a:gridCol>
@@ -43986,7 +44218,7 @@
                 </a:tc>
                 <a:extLst>
                   <a:ext uri="{0D108BD9-81ED-4DB2-BD59-A6C34878D82A}">
-                    <a16:rowId xmlns:a16="http://schemas.microsoft.com/office/drawing/2014/main" val="1367010675"/>
+                    <a16:rowId xmlns:a16="http://schemas.microsoft.com/office/drawing/2014/main" xmlns="" val="1367010675"/>
                   </a:ext>
                 </a:extLst>
               </a:tr>
@@ -43999,7 +44231,7 @@
           <p:cNvPr id="10" name="Table 9">
             <a:extLst>
               <a:ext uri="{FF2B5EF4-FFF2-40B4-BE49-F238E27FC236}">
-                <a16:creationId xmlns:a16="http://schemas.microsoft.com/office/drawing/2014/main" id="{F0B6F206-5F56-4748-9F1E-48EDB67140A8}"/>
+                <a16:creationId xmlns:a16="http://schemas.microsoft.com/office/drawing/2014/main" xmlns="" id="{F0B6F206-5F56-4748-9F1E-48EDB67140A8}"/>
               </a:ext>
             </a:extLst>
           </p:cNvPr>
@@ -44024,21 +44256,21 @@
                 <a:gridCol w="1477109">
                   <a:extLst>
                     <a:ext uri="{9D8B030D-6E8A-4147-A177-3AD203B41FA5}">
-                      <a16:colId xmlns:a16="http://schemas.microsoft.com/office/drawing/2014/main" val="3848068754"/>
+                      <a16:colId xmlns:a16="http://schemas.microsoft.com/office/drawing/2014/main" xmlns="" val="3848068754"/>
                     </a:ext>
                   </a:extLst>
                 </a:gridCol>
                 <a:gridCol w="598948">
                   <a:extLst>
                     <a:ext uri="{9D8B030D-6E8A-4147-A177-3AD203B41FA5}">
-                      <a16:colId xmlns:a16="http://schemas.microsoft.com/office/drawing/2014/main" val="716970141"/>
+                      <a16:colId xmlns:a16="http://schemas.microsoft.com/office/drawing/2014/main" xmlns="" val="716970141"/>
                     </a:ext>
                   </a:extLst>
                 </a:gridCol>
                 <a:gridCol w="1013674">
                   <a:extLst>
                     <a:ext uri="{9D8B030D-6E8A-4147-A177-3AD203B41FA5}">
-                      <a16:colId xmlns:a16="http://schemas.microsoft.com/office/drawing/2014/main" val="2973760246"/>
+                      <a16:colId xmlns:a16="http://schemas.microsoft.com/office/drawing/2014/main" xmlns="" val="2973760246"/>
                     </a:ext>
                   </a:extLst>
                 </a:gridCol>
@@ -44086,7 +44318,7 @@
                 </a:tc>
                 <a:extLst>
                   <a:ext uri="{0D108BD9-81ED-4DB2-BD59-A6C34878D82A}">
-                    <a16:rowId xmlns:a16="http://schemas.microsoft.com/office/drawing/2014/main" val="1024111891"/>
+                    <a16:rowId xmlns:a16="http://schemas.microsoft.com/office/drawing/2014/main" xmlns="" val="1024111891"/>
                   </a:ext>
                 </a:extLst>
               </a:tr>
@@ -44606,7 +44838,7 @@
           <p:cNvPr id="5" name="Table 4">
             <a:extLst>
               <a:ext uri="{FF2B5EF4-FFF2-40B4-BE49-F238E27FC236}">
-                <a16:creationId xmlns:a16="http://schemas.microsoft.com/office/drawing/2014/main" id="{192D9F72-9AFB-2643-B890-6AAD9D8AF5CB}"/>
+                <a16:creationId xmlns:a16="http://schemas.microsoft.com/office/drawing/2014/main" xmlns="" id="{192D9F72-9AFB-2643-B890-6AAD9D8AF5CB}"/>
               </a:ext>
             </a:extLst>
           </p:cNvPr>
@@ -44631,21 +44863,21 @@
                 <a:gridCol w="702830">
                   <a:extLst>
                     <a:ext uri="{9D8B030D-6E8A-4147-A177-3AD203B41FA5}">
-                      <a16:colId xmlns:a16="http://schemas.microsoft.com/office/drawing/2014/main" val="20000"/>
+                      <a16:colId xmlns:a16="http://schemas.microsoft.com/office/drawing/2014/main" xmlns="" val="20000"/>
                     </a:ext>
                   </a:extLst>
                 </a:gridCol>
                 <a:gridCol w="913679">
                   <a:extLst>
                     <a:ext uri="{9D8B030D-6E8A-4147-A177-3AD203B41FA5}">
-                      <a16:colId xmlns:a16="http://schemas.microsoft.com/office/drawing/2014/main" val="20001"/>
+                      <a16:colId xmlns:a16="http://schemas.microsoft.com/office/drawing/2014/main" xmlns="" val="20001"/>
                     </a:ext>
                   </a:extLst>
                 </a:gridCol>
                 <a:gridCol w="702830">
                   <a:extLst>
                     <a:ext uri="{9D8B030D-6E8A-4147-A177-3AD203B41FA5}">
-                      <a16:colId xmlns:a16="http://schemas.microsoft.com/office/drawing/2014/main" val="20002"/>
+                      <a16:colId xmlns:a16="http://schemas.microsoft.com/office/drawing/2014/main" xmlns="" val="20002"/>
                     </a:ext>
                   </a:extLst>
                 </a:gridCol>
@@ -44710,7 +44942,7 @@
                 </a:tc>
                 <a:extLst>
                   <a:ext uri="{0D108BD9-81ED-4DB2-BD59-A6C34878D82A}">
-                    <a16:rowId xmlns:a16="http://schemas.microsoft.com/office/drawing/2014/main" val="10000"/>
+                    <a16:rowId xmlns:a16="http://schemas.microsoft.com/office/drawing/2014/main" xmlns="" val="10000"/>
                   </a:ext>
                 </a:extLst>
               </a:tr>
@@ -44757,7 +44989,7 @@
                 </a:tc>
                 <a:extLst>
                   <a:ext uri="{0D108BD9-81ED-4DB2-BD59-A6C34878D82A}">
-                    <a16:rowId xmlns:a16="http://schemas.microsoft.com/office/drawing/2014/main" val="10002"/>
+                    <a16:rowId xmlns:a16="http://schemas.microsoft.com/office/drawing/2014/main" xmlns="" val="10002"/>
                   </a:ext>
                 </a:extLst>
               </a:tr>
@@ -44770,7 +45002,7 @@
           <p:cNvPr id="6" name="TextBox 5">
             <a:extLst>
               <a:ext uri="{FF2B5EF4-FFF2-40B4-BE49-F238E27FC236}">
-                <a16:creationId xmlns:a16="http://schemas.microsoft.com/office/drawing/2014/main" id="{2371588E-064F-AC4F-BFE4-407A10166E83}"/>
+                <a16:creationId xmlns:a16="http://schemas.microsoft.com/office/drawing/2014/main" xmlns="" id="{2371588E-064F-AC4F-BFE4-407A10166E83}"/>
               </a:ext>
             </a:extLst>
           </p:cNvPr>
@@ -44805,7 +45037,7 @@
           <p:cNvPr id="7" name="TextBox 6">
             <a:extLst>
               <a:ext uri="{FF2B5EF4-FFF2-40B4-BE49-F238E27FC236}">
-                <a16:creationId xmlns:a16="http://schemas.microsoft.com/office/drawing/2014/main" id="{04D966A4-B0FB-4543-A23B-1BDF1B411566}"/>
+                <a16:creationId xmlns:a16="http://schemas.microsoft.com/office/drawing/2014/main" xmlns="" id="{04D966A4-B0FB-4543-A23B-1BDF1B411566}"/>
               </a:ext>
             </a:extLst>
           </p:cNvPr>
@@ -44840,7 +45072,7 @@
           <p:cNvPr id="8" name="Table 7">
             <a:extLst>
               <a:ext uri="{FF2B5EF4-FFF2-40B4-BE49-F238E27FC236}">
-                <a16:creationId xmlns:a16="http://schemas.microsoft.com/office/drawing/2014/main" id="{E36A6B4C-04FB-AE4D-98E0-1258B880FA5E}"/>
+                <a16:creationId xmlns:a16="http://schemas.microsoft.com/office/drawing/2014/main" xmlns="" id="{E36A6B4C-04FB-AE4D-98E0-1258B880FA5E}"/>
               </a:ext>
             </a:extLst>
           </p:cNvPr>
@@ -44865,21 +45097,21 @@
                 <a:gridCol w="1477109">
                   <a:extLst>
                     <a:ext uri="{9D8B030D-6E8A-4147-A177-3AD203B41FA5}">
-                      <a16:colId xmlns:a16="http://schemas.microsoft.com/office/drawing/2014/main" val="20000"/>
+                      <a16:colId xmlns:a16="http://schemas.microsoft.com/office/drawing/2014/main" xmlns="" val="20000"/>
                     </a:ext>
                   </a:extLst>
                 </a:gridCol>
                 <a:gridCol w="598948">
                   <a:extLst>
                     <a:ext uri="{9D8B030D-6E8A-4147-A177-3AD203B41FA5}">
-                      <a16:colId xmlns:a16="http://schemas.microsoft.com/office/drawing/2014/main" val="20001"/>
+                      <a16:colId xmlns:a16="http://schemas.microsoft.com/office/drawing/2014/main" xmlns="" val="20001"/>
                     </a:ext>
                   </a:extLst>
                 </a:gridCol>
                 <a:gridCol w="1013674">
                   <a:extLst>
                     <a:ext uri="{9D8B030D-6E8A-4147-A177-3AD203B41FA5}">
-                      <a16:colId xmlns:a16="http://schemas.microsoft.com/office/drawing/2014/main" val="20002"/>
+                      <a16:colId xmlns:a16="http://schemas.microsoft.com/office/drawing/2014/main" xmlns="" val="20002"/>
                     </a:ext>
                   </a:extLst>
                 </a:gridCol>
@@ -44940,7 +45172,7 @@
                 </a:tc>
                 <a:extLst>
                   <a:ext uri="{0D108BD9-81ED-4DB2-BD59-A6C34878D82A}">
-                    <a16:rowId xmlns:a16="http://schemas.microsoft.com/office/drawing/2014/main" val="10000"/>
+                    <a16:rowId xmlns:a16="http://schemas.microsoft.com/office/drawing/2014/main" xmlns="" val="10000"/>
                   </a:ext>
                 </a:extLst>
               </a:tr>
@@ -44987,7 +45219,7 @@
                 </a:tc>
                 <a:extLst>
                   <a:ext uri="{0D108BD9-81ED-4DB2-BD59-A6C34878D82A}">
-                    <a16:rowId xmlns:a16="http://schemas.microsoft.com/office/drawing/2014/main" val="10001"/>
+                    <a16:rowId xmlns:a16="http://schemas.microsoft.com/office/drawing/2014/main" xmlns="" val="10001"/>
                   </a:ext>
                 </a:extLst>
               </a:tr>
@@ -45034,7 +45266,7 @@
                 </a:tc>
                 <a:extLst>
                   <a:ext uri="{0D108BD9-81ED-4DB2-BD59-A6C34878D82A}">
-                    <a16:rowId xmlns:a16="http://schemas.microsoft.com/office/drawing/2014/main" val="10002"/>
+                    <a16:rowId xmlns:a16="http://schemas.microsoft.com/office/drawing/2014/main" xmlns="" val="10002"/>
                   </a:ext>
                 </a:extLst>
               </a:tr>
@@ -45047,7 +45279,7 @@
           <p:cNvPr id="9" name="Table 8">
             <a:extLst>
               <a:ext uri="{FF2B5EF4-FFF2-40B4-BE49-F238E27FC236}">
-                <a16:creationId xmlns:a16="http://schemas.microsoft.com/office/drawing/2014/main" id="{498EB6DD-B6E3-0743-B26E-C2FD32682AB6}"/>
+                <a16:creationId xmlns:a16="http://schemas.microsoft.com/office/drawing/2014/main" xmlns="" id="{498EB6DD-B6E3-0743-B26E-C2FD32682AB6}"/>
               </a:ext>
             </a:extLst>
           </p:cNvPr>
@@ -45070,21 +45302,21 @@
                 <a:gridCol w="702830">
                   <a:extLst>
                     <a:ext uri="{9D8B030D-6E8A-4147-A177-3AD203B41FA5}">
-                      <a16:colId xmlns:a16="http://schemas.microsoft.com/office/drawing/2014/main" val="21001791"/>
+                      <a16:colId xmlns:a16="http://schemas.microsoft.com/office/drawing/2014/main" xmlns="" val="21001791"/>
                     </a:ext>
                   </a:extLst>
                 </a:gridCol>
                 <a:gridCol w="913679">
                   <a:extLst>
                     <a:ext uri="{9D8B030D-6E8A-4147-A177-3AD203B41FA5}">
-                      <a16:colId xmlns:a16="http://schemas.microsoft.com/office/drawing/2014/main" val="2462359779"/>
+                      <a16:colId xmlns:a16="http://schemas.microsoft.com/office/drawing/2014/main" xmlns="" val="2462359779"/>
                     </a:ext>
                   </a:extLst>
                 </a:gridCol>
                 <a:gridCol w="702830">
                   <a:extLst>
                     <a:ext uri="{9D8B030D-6E8A-4147-A177-3AD203B41FA5}">
-                      <a16:colId xmlns:a16="http://schemas.microsoft.com/office/drawing/2014/main" val="3448858290"/>
+                      <a16:colId xmlns:a16="http://schemas.microsoft.com/office/drawing/2014/main" xmlns="" val="3448858290"/>
                     </a:ext>
                   </a:extLst>
                 </a:gridCol>
@@ -45132,7 +45364,7 @@
                 </a:tc>
                 <a:extLst>
                   <a:ext uri="{0D108BD9-81ED-4DB2-BD59-A6C34878D82A}">
-                    <a16:rowId xmlns:a16="http://schemas.microsoft.com/office/drawing/2014/main" val="1367010675"/>
+                    <a16:rowId xmlns:a16="http://schemas.microsoft.com/office/drawing/2014/main" xmlns="" val="1367010675"/>
                   </a:ext>
                 </a:extLst>
               </a:tr>
@@ -45145,7 +45377,7 @@
           <p:cNvPr id="10" name="Table 9">
             <a:extLst>
               <a:ext uri="{FF2B5EF4-FFF2-40B4-BE49-F238E27FC236}">
-                <a16:creationId xmlns:a16="http://schemas.microsoft.com/office/drawing/2014/main" id="{F0B6F206-5F56-4748-9F1E-48EDB67140A8}"/>
+                <a16:creationId xmlns:a16="http://schemas.microsoft.com/office/drawing/2014/main" xmlns="" id="{F0B6F206-5F56-4748-9F1E-48EDB67140A8}"/>
               </a:ext>
             </a:extLst>
           </p:cNvPr>
@@ -45170,21 +45402,21 @@
                 <a:gridCol w="1477109">
                   <a:extLst>
                     <a:ext uri="{9D8B030D-6E8A-4147-A177-3AD203B41FA5}">
-                      <a16:colId xmlns:a16="http://schemas.microsoft.com/office/drawing/2014/main" val="3848068754"/>
+                      <a16:colId xmlns:a16="http://schemas.microsoft.com/office/drawing/2014/main" xmlns="" val="3848068754"/>
                     </a:ext>
                   </a:extLst>
                 </a:gridCol>
                 <a:gridCol w="598948">
                   <a:extLst>
                     <a:ext uri="{9D8B030D-6E8A-4147-A177-3AD203B41FA5}">
-                      <a16:colId xmlns:a16="http://schemas.microsoft.com/office/drawing/2014/main" val="716970141"/>
+                      <a16:colId xmlns:a16="http://schemas.microsoft.com/office/drawing/2014/main" xmlns="" val="716970141"/>
                     </a:ext>
                   </a:extLst>
                 </a:gridCol>
                 <a:gridCol w="1013674">
                   <a:extLst>
                     <a:ext uri="{9D8B030D-6E8A-4147-A177-3AD203B41FA5}">
-                      <a16:colId xmlns:a16="http://schemas.microsoft.com/office/drawing/2014/main" val="2973760246"/>
+                      <a16:colId xmlns:a16="http://schemas.microsoft.com/office/drawing/2014/main" xmlns="" val="2973760246"/>
                     </a:ext>
                   </a:extLst>
                 </a:gridCol>
@@ -45232,7 +45464,7 @@
                 </a:tc>
                 <a:extLst>
                   <a:ext uri="{0D108BD9-81ED-4DB2-BD59-A6C34878D82A}">
-                    <a16:rowId xmlns:a16="http://schemas.microsoft.com/office/drawing/2014/main" val="1024111891"/>
+                    <a16:rowId xmlns:a16="http://schemas.microsoft.com/office/drawing/2014/main" xmlns="" val="1024111891"/>
                   </a:ext>
                 </a:extLst>
               </a:tr>
@@ -45798,7 +46030,7 @@
           <p:cNvPr id="5" name="Table 4">
             <a:extLst>
               <a:ext uri="{FF2B5EF4-FFF2-40B4-BE49-F238E27FC236}">
-                <a16:creationId xmlns:a16="http://schemas.microsoft.com/office/drawing/2014/main" id="{192D9F72-9AFB-2643-B890-6AAD9D8AF5CB}"/>
+                <a16:creationId xmlns:a16="http://schemas.microsoft.com/office/drawing/2014/main" xmlns="" id="{192D9F72-9AFB-2643-B890-6AAD9D8AF5CB}"/>
               </a:ext>
             </a:extLst>
           </p:cNvPr>
@@ -45823,21 +46055,21 @@
                 <a:gridCol w="702830">
                   <a:extLst>
                     <a:ext uri="{9D8B030D-6E8A-4147-A177-3AD203B41FA5}">
-                      <a16:colId xmlns:a16="http://schemas.microsoft.com/office/drawing/2014/main" val="20000"/>
+                      <a16:colId xmlns:a16="http://schemas.microsoft.com/office/drawing/2014/main" xmlns="" val="20000"/>
                     </a:ext>
                   </a:extLst>
                 </a:gridCol>
                 <a:gridCol w="913679">
                   <a:extLst>
                     <a:ext uri="{9D8B030D-6E8A-4147-A177-3AD203B41FA5}">
-                      <a16:colId xmlns:a16="http://schemas.microsoft.com/office/drawing/2014/main" val="20001"/>
+                      <a16:colId xmlns:a16="http://schemas.microsoft.com/office/drawing/2014/main" xmlns="" val="20001"/>
                     </a:ext>
                   </a:extLst>
                 </a:gridCol>
                 <a:gridCol w="702830">
                   <a:extLst>
                     <a:ext uri="{9D8B030D-6E8A-4147-A177-3AD203B41FA5}">
-                      <a16:colId xmlns:a16="http://schemas.microsoft.com/office/drawing/2014/main" val="20002"/>
+                      <a16:colId xmlns:a16="http://schemas.microsoft.com/office/drawing/2014/main" xmlns="" val="20002"/>
                     </a:ext>
                   </a:extLst>
                 </a:gridCol>
@@ -45902,7 +46134,7 @@
                 </a:tc>
                 <a:extLst>
                   <a:ext uri="{0D108BD9-81ED-4DB2-BD59-A6C34878D82A}">
-                    <a16:rowId xmlns:a16="http://schemas.microsoft.com/office/drawing/2014/main" val="10000"/>
+                    <a16:rowId xmlns:a16="http://schemas.microsoft.com/office/drawing/2014/main" xmlns="" val="10000"/>
                   </a:ext>
                 </a:extLst>
               </a:tr>
@@ -45949,7 +46181,7 @@
                 </a:tc>
                 <a:extLst>
                   <a:ext uri="{0D108BD9-81ED-4DB2-BD59-A6C34878D82A}">
-                    <a16:rowId xmlns:a16="http://schemas.microsoft.com/office/drawing/2014/main" val="10002"/>
+                    <a16:rowId xmlns:a16="http://schemas.microsoft.com/office/drawing/2014/main" xmlns="" val="10002"/>
                   </a:ext>
                 </a:extLst>
               </a:tr>
@@ -45962,7 +46194,7 @@
           <p:cNvPr id="6" name="TextBox 5">
             <a:extLst>
               <a:ext uri="{FF2B5EF4-FFF2-40B4-BE49-F238E27FC236}">
-                <a16:creationId xmlns:a16="http://schemas.microsoft.com/office/drawing/2014/main" id="{2371588E-064F-AC4F-BFE4-407A10166E83}"/>
+                <a16:creationId xmlns:a16="http://schemas.microsoft.com/office/drawing/2014/main" xmlns="" id="{2371588E-064F-AC4F-BFE4-407A10166E83}"/>
               </a:ext>
             </a:extLst>
           </p:cNvPr>
@@ -45997,7 +46229,7 @@
           <p:cNvPr id="7" name="TextBox 6">
             <a:extLst>
               <a:ext uri="{FF2B5EF4-FFF2-40B4-BE49-F238E27FC236}">
-                <a16:creationId xmlns:a16="http://schemas.microsoft.com/office/drawing/2014/main" id="{04D966A4-B0FB-4543-A23B-1BDF1B411566}"/>
+                <a16:creationId xmlns:a16="http://schemas.microsoft.com/office/drawing/2014/main" xmlns="" id="{04D966A4-B0FB-4543-A23B-1BDF1B411566}"/>
               </a:ext>
             </a:extLst>
           </p:cNvPr>
@@ -46032,7 +46264,7 @@
           <p:cNvPr id="8" name="Table 7">
             <a:extLst>
               <a:ext uri="{FF2B5EF4-FFF2-40B4-BE49-F238E27FC236}">
-                <a16:creationId xmlns:a16="http://schemas.microsoft.com/office/drawing/2014/main" id="{E36A6B4C-04FB-AE4D-98E0-1258B880FA5E}"/>
+                <a16:creationId xmlns:a16="http://schemas.microsoft.com/office/drawing/2014/main" xmlns="" id="{E36A6B4C-04FB-AE4D-98E0-1258B880FA5E}"/>
               </a:ext>
             </a:extLst>
           </p:cNvPr>
@@ -46057,21 +46289,21 @@
                 <a:gridCol w="1477109">
                   <a:extLst>
                     <a:ext uri="{9D8B030D-6E8A-4147-A177-3AD203B41FA5}">
-                      <a16:colId xmlns:a16="http://schemas.microsoft.com/office/drawing/2014/main" val="20000"/>
+                      <a16:colId xmlns:a16="http://schemas.microsoft.com/office/drawing/2014/main" xmlns="" val="20000"/>
                     </a:ext>
                   </a:extLst>
                 </a:gridCol>
                 <a:gridCol w="598948">
                   <a:extLst>
                     <a:ext uri="{9D8B030D-6E8A-4147-A177-3AD203B41FA5}">
-                      <a16:colId xmlns:a16="http://schemas.microsoft.com/office/drawing/2014/main" val="20001"/>
+                      <a16:colId xmlns:a16="http://schemas.microsoft.com/office/drawing/2014/main" xmlns="" val="20001"/>
                     </a:ext>
                   </a:extLst>
                 </a:gridCol>
                 <a:gridCol w="1013674">
                   <a:extLst>
                     <a:ext uri="{9D8B030D-6E8A-4147-A177-3AD203B41FA5}">
-                      <a16:colId xmlns:a16="http://schemas.microsoft.com/office/drawing/2014/main" val="20002"/>
+                      <a16:colId xmlns:a16="http://schemas.microsoft.com/office/drawing/2014/main" xmlns="" val="20002"/>
                     </a:ext>
                   </a:extLst>
                 </a:gridCol>
@@ -46132,7 +46364,7 @@
                 </a:tc>
                 <a:extLst>
                   <a:ext uri="{0D108BD9-81ED-4DB2-BD59-A6C34878D82A}">
-                    <a16:rowId xmlns:a16="http://schemas.microsoft.com/office/drawing/2014/main" val="10000"/>
+                    <a16:rowId xmlns:a16="http://schemas.microsoft.com/office/drawing/2014/main" xmlns="" val="10000"/>
                   </a:ext>
                 </a:extLst>
               </a:tr>
@@ -46179,7 +46411,7 @@
                 </a:tc>
                 <a:extLst>
                   <a:ext uri="{0D108BD9-81ED-4DB2-BD59-A6C34878D82A}">
-                    <a16:rowId xmlns:a16="http://schemas.microsoft.com/office/drawing/2014/main" val="10001"/>
+                    <a16:rowId xmlns:a16="http://schemas.microsoft.com/office/drawing/2014/main" xmlns="" val="10001"/>
                   </a:ext>
                 </a:extLst>
               </a:tr>
@@ -46226,7 +46458,7 @@
                 </a:tc>
                 <a:extLst>
                   <a:ext uri="{0D108BD9-81ED-4DB2-BD59-A6C34878D82A}">
-                    <a16:rowId xmlns:a16="http://schemas.microsoft.com/office/drawing/2014/main" val="10002"/>
+                    <a16:rowId xmlns:a16="http://schemas.microsoft.com/office/drawing/2014/main" xmlns="" val="10002"/>
                   </a:ext>
                 </a:extLst>
               </a:tr>
@@ -46239,7 +46471,7 @@
           <p:cNvPr id="9" name="Table 8">
             <a:extLst>
               <a:ext uri="{FF2B5EF4-FFF2-40B4-BE49-F238E27FC236}">
-                <a16:creationId xmlns:a16="http://schemas.microsoft.com/office/drawing/2014/main" id="{498EB6DD-B6E3-0743-B26E-C2FD32682AB6}"/>
+                <a16:creationId xmlns:a16="http://schemas.microsoft.com/office/drawing/2014/main" xmlns="" id="{498EB6DD-B6E3-0743-B26E-C2FD32682AB6}"/>
               </a:ext>
             </a:extLst>
           </p:cNvPr>
@@ -46262,21 +46494,21 @@
                 <a:gridCol w="702830">
                   <a:extLst>
                     <a:ext uri="{9D8B030D-6E8A-4147-A177-3AD203B41FA5}">
-                      <a16:colId xmlns:a16="http://schemas.microsoft.com/office/drawing/2014/main" val="21001791"/>
+                      <a16:colId xmlns:a16="http://schemas.microsoft.com/office/drawing/2014/main" xmlns="" val="21001791"/>
                     </a:ext>
                   </a:extLst>
                 </a:gridCol>
                 <a:gridCol w="913679">
                   <a:extLst>
                     <a:ext uri="{9D8B030D-6E8A-4147-A177-3AD203B41FA5}">
-                      <a16:colId xmlns:a16="http://schemas.microsoft.com/office/drawing/2014/main" val="2462359779"/>
+                      <a16:colId xmlns:a16="http://schemas.microsoft.com/office/drawing/2014/main" xmlns="" val="2462359779"/>
                     </a:ext>
                   </a:extLst>
                 </a:gridCol>
                 <a:gridCol w="702830">
                   <a:extLst>
                     <a:ext uri="{9D8B030D-6E8A-4147-A177-3AD203B41FA5}">
-                      <a16:colId xmlns:a16="http://schemas.microsoft.com/office/drawing/2014/main" val="3448858290"/>
+                      <a16:colId xmlns:a16="http://schemas.microsoft.com/office/drawing/2014/main" xmlns="" val="3448858290"/>
                     </a:ext>
                   </a:extLst>
                 </a:gridCol>
@@ -46324,7 +46556,7 @@
                 </a:tc>
                 <a:extLst>
                   <a:ext uri="{0D108BD9-81ED-4DB2-BD59-A6C34878D82A}">
-                    <a16:rowId xmlns:a16="http://schemas.microsoft.com/office/drawing/2014/main" val="1367010675"/>
+                    <a16:rowId xmlns:a16="http://schemas.microsoft.com/office/drawing/2014/main" xmlns="" val="1367010675"/>
                   </a:ext>
                 </a:extLst>
               </a:tr>
@@ -46337,7 +46569,7 @@
           <p:cNvPr id="10" name="Table 9">
             <a:extLst>
               <a:ext uri="{FF2B5EF4-FFF2-40B4-BE49-F238E27FC236}">
-                <a16:creationId xmlns:a16="http://schemas.microsoft.com/office/drawing/2014/main" id="{F0B6F206-5F56-4748-9F1E-48EDB67140A8}"/>
+                <a16:creationId xmlns:a16="http://schemas.microsoft.com/office/drawing/2014/main" xmlns="" id="{F0B6F206-5F56-4748-9F1E-48EDB67140A8}"/>
               </a:ext>
             </a:extLst>
           </p:cNvPr>
@@ -46362,21 +46594,21 @@
                 <a:gridCol w="1477109">
                   <a:extLst>
                     <a:ext uri="{9D8B030D-6E8A-4147-A177-3AD203B41FA5}">
-                      <a16:colId xmlns:a16="http://schemas.microsoft.com/office/drawing/2014/main" val="3848068754"/>
+                      <a16:colId xmlns:a16="http://schemas.microsoft.com/office/drawing/2014/main" xmlns="" val="3848068754"/>
                     </a:ext>
                   </a:extLst>
                 </a:gridCol>
                 <a:gridCol w="598948">
                   <a:extLst>
                     <a:ext uri="{9D8B030D-6E8A-4147-A177-3AD203B41FA5}">
-                      <a16:colId xmlns:a16="http://schemas.microsoft.com/office/drawing/2014/main" val="716970141"/>
+                      <a16:colId xmlns:a16="http://schemas.microsoft.com/office/drawing/2014/main" xmlns="" val="716970141"/>
                     </a:ext>
                   </a:extLst>
                 </a:gridCol>
                 <a:gridCol w="1013674">
                   <a:extLst>
                     <a:ext uri="{9D8B030D-6E8A-4147-A177-3AD203B41FA5}">
-                      <a16:colId xmlns:a16="http://schemas.microsoft.com/office/drawing/2014/main" val="2973760246"/>
+                      <a16:colId xmlns:a16="http://schemas.microsoft.com/office/drawing/2014/main" xmlns="" val="2973760246"/>
                     </a:ext>
                   </a:extLst>
                 </a:gridCol>
@@ -46424,7 +46656,7 @@
                 </a:tc>
                 <a:extLst>
                   <a:ext uri="{0D108BD9-81ED-4DB2-BD59-A6C34878D82A}">
-                    <a16:rowId xmlns:a16="http://schemas.microsoft.com/office/drawing/2014/main" val="1024111891"/>
+                    <a16:rowId xmlns:a16="http://schemas.microsoft.com/office/drawing/2014/main" xmlns="" val="1024111891"/>
                   </a:ext>
                 </a:extLst>
               </a:tr>
@@ -48053,7 +48285,7 @@
           <p:cNvPr id="4" name="Slide Number Placeholder 3">
             <a:extLst>
               <a:ext uri="{FF2B5EF4-FFF2-40B4-BE49-F238E27FC236}">
-                <a16:creationId xmlns:a16="http://schemas.microsoft.com/office/drawing/2014/main" id="{DD140D70-CF44-D54B-9AE3-D29B681A0D33}"/>
+                <a16:creationId xmlns:a16="http://schemas.microsoft.com/office/drawing/2014/main" xmlns="" id="{DD140D70-CF44-D54B-9AE3-D29B681A0D33}"/>
               </a:ext>
             </a:extLst>
           </p:cNvPr>
@@ -48112,7 +48344,7 @@
           <p:cNvPr id="2" name="Title 1">
             <a:extLst>
               <a:ext uri="{FF2B5EF4-FFF2-40B4-BE49-F238E27FC236}">
-                <a16:creationId xmlns:a16="http://schemas.microsoft.com/office/drawing/2014/main" id="{94501782-B7C7-6842-976A-473B00DFA4A9}"/>
+                <a16:creationId xmlns:a16="http://schemas.microsoft.com/office/drawing/2014/main" xmlns="" id="{94501782-B7C7-6842-976A-473B00DFA4A9}"/>
               </a:ext>
             </a:extLst>
           </p:cNvPr>
@@ -48140,7 +48372,7 @@
           <p:cNvPr id="3" name="Content Placeholder 2">
             <a:extLst>
               <a:ext uri="{FF2B5EF4-FFF2-40B4-BE49-F238E27FC236}">
-                <a16:creationId xmlns:a16="http://schemas.microsoft.com/office/drawing/2014/main" id="{C8090023-957A-D44A-9A68-C67904302C30}"/>
+                <a16:creationId xmlns:a16="http://schemas.microsoft.com/office/drawing/2014/main" xmlns="" id="{C8090023-957A-D44A-9A68-C67904302C30}"/>
               </a:ext>
             </a:extLst>
           </p:cNvPr>
@@ -48305,7 +48537,7 @@
           <p:cNvPr id="4" name="Slide Number Placeholder 3">
             <a:extLst>
               <a:ext uri="{FF2B5EF4-FFF2-40B4-BE49-F238E27FC236}">
-                <a16:creationId xmlns:a16="http://schemas.microsoft.com/office/drawing/2014/main" id="{C730120B-DC91-3A4B-9010-90A056D4691D}"/>
+                <a16:creationId xmlns:a16="http://schemas.microsoft.com/office/drawing/2014/main" xmlns="" id="{C730120B-DC91-3A4B-9010-90A056D4691D}"/>
               </a:ext>
             </a:extLst>
           </p:cNvPr>
@@ -48364,7 +48596,7 @@
           <p:cNvPr id="22" name="Content Placeholder 2">
             <a:extLst>
               <a:ext uri="{FF2B5EF4-FFF2-40B4-BE49-F238E27FC236}">
-                <a16:creationId xmlns:a16="http://schemas.microsoft.com/office/drawing/2014/main" id="{C8090023-957A-D44A-9A68-C67904302C30}"/>
+                <a16:creationId xmlns:a16="http://schemas.microsoft.com/office/drawing/2014/main" xmlns="" id="{C8090023-957A-D44A-9A68-C67904302C30}"/>
               </a:ext>
             </a:extLst>
           </p:cNvPr>
